--- a/2022-09-20/documents/CH_03_파이썬 기초_실습2.pptx
+++ b/2022-09-20/documents/CH_03_파이썬 기초_실습2.pptx
@@ -14,8 +14,8 @@
     <p:sldId id="256" r:id="rId2"/>
     <p:sldId id="288" r:id="rId3"/>
     <p:sldId id="294" r:id="rId4"/>
-    <p:sldId id="368" r:id="rId5"/>
-    <p:sldId id="367" r:id="rId6"/>
+    <p:sldId id="369" r:id="rId5"/>
+    <p:sldId id="370" r:id="rId6"/>
     <p:sldId id="345" r:id="rId7"/>
     <p:sldId id="346" r:id="rId8"/>
     <p:sldId id="347" r:id="rId9"/>
@@ -14366,7 +14366,7 @@
           <a:p>
             <a:r>
               <a:rPr lang="en-US" altLang="ko-KR" dirty="0"/>
-              <a:t>3.1.1 for</a:t>
+              <a:t>3.1 for</a:t>
             </a:r>
             <a:r>
               <a:rPr lang="ko-KR" altLang="en-US" dirty="0"/>
@@ -14377,116 +14377,188 @@
           <a:p>
             <a:pPr lvl="1"/>
             <a:r>
-              <a:rPr lang="en-US" altLang="ko-KR" dirty="0"/>
-              <a:t>enumerate</a:t>
-            </a:r>
-          </a:p>
-        </p:txBody>
-      </p:sp>
-      <p:sp>
-        <p:nvSpPr>
-          <p:cNvPr id="5" name="직사각형 4">
-            <a:extLst>
-              <a:ext uri="{FF2B5EF4-FFF2-40B4-BE49-F238E27FC236}">
-                <a16:creationId xmlns:a16="http://schemas.microsoft.com/office/drawing/2014/main" id="{7501162A-46DA-5230-6CBE-5E99B4CCBD22}"/>
-              </a:ext>
-            </a:extLst>
-          </p:cNvPr>
-          <p:cNvSpPr/>
-          <p:nvPr/>
-        </p:nvSpPr>
-        <p:spPr>
-          <a:xfrm>
-            <a:off x="890861" y="2641476"/>
-            <a:ext cx="3681139" cy="1077218"/>
-          </a:xfrm>
-          <a:prstGeom prst="rect">
-            <a:avLst/>
-          </a:prstGeom>
-        </p:spPr>
-        <p:txBody>
-          <a:bodyPr wrap="square">
-            <a:spAutoFit/>
-          </a:bodyPr>
-          <a:lstStyle/>
-          <a:p>
-            <a:r>
-              <a:rPr lang="en-US" altLang="ko-KR" sz="1600" b="0" dirty="0">
-                <a:effectLst/>
-                <a:latin typeface="ubuntu mono derivative powerline" panose="020B0509030602030204" pitchFamily="49" charset="0"/>
-              </a:rPr>
-              <a:t>tv = (8, 41, 21, 3, 35, 5, 25, 54)</a:t>
-            </a:r>
-          </a:p>
-          <a:p>
-            <a:r>
-              <a:rPr lang="en-US" altLang="ko-KR" sz="1600" b="0" dirty="0">
-                <a:effectLst/>
-                <a:latin typeface="ubuntu mono derivative powerline" panose="020B0509030602030204" pitchFamily="49" charset="0"/>
-              </a:rPr>
-              <a:t>lv = </a:t>
-            </a:r>
-            <a:r>
-              <a:rPr lang="en-US" altLang="ko-KR" sz="1600" b="0" dirty="0">
-                <a:solidFill>
-                  <a:srgbClr val="00B050"/>
-                </a:solidFill>
-                <a:effectLst/>
-                <a:latin typeface="ubuntu mono derivative powerline" panose="020B0509030602030204" pitchFamily="49" charset="0"/>
-              </a:rPr>
-              <a:t>list</a:t>
-            </a:r>
-            <a:r>
-              <a:rPr lang="en-US" altLang="ko-KR" sz="1600" b="0" dirty="0">
-                <a:effectLst/>
-                <a:latin typeface="ubuntu mono derivative powerline" panose="020B0509030602030204" pitchFamily="49" charset="0"/>
-              </a:rPr>
-              <a:t>(tv)</a:t>
-            </a:r>
-          </a:p>
-          <a:p>
-            <a:r>
-              <a:rPr lang="en-US" altLang="ko-KR" sz="1600" b="0" dirty="0" err="1">
-                <a:effectLst/>
-                <a:latin typeface="ubuntu mono derivative powerline" panose="020B0509030602030204" pitchFamily="49" charset="0"/>
-              </a:rPr>
-              <a:t>lv.</a:t>
-            </a:r>
-            <a:r>
-              <a:rPr lang="en-US" altLang="ko-KR" sz="1600" b="0" dirty="0" err="1">
-                <a:solidFill>
-                  <a:srgbClr val="0000FF"/>
-                </a:solidFill>
-                <a:effectLst/>
-                <a:latin typeface="ubuntu mono derivative powerline" panose="020B0509030602030204" pitchFamily="49" charset="0"/>
-              </a:rPr>
-              <a:t>reverse</a:t>
-            </a:r>
-            <a:r>
-              <a:rPr lang="en-US" altLang="ko-KR" sz="1600" b="0" dirty="0">
-                <a:effectLst/>
-                <a:latin typeface="ubuntu mono derivative powerline" panose="020B0509030602030204" pitchFamily="49" charset="0"/>
-              </a:rPr>
-              <a:t>()</a:t>
-            </a:r>
-          </a:p>
-          <a:p>
-            <a:r>
-              <a:rPr lang="en-US" altLang="ko-KR" sz="1600" b="0" dirty="0">
-                <a:solidFill>
-                  <a:srgbClr val="0000FF"/>
-                </a:solidFill>
-                <a:effectLst/>
-                <a:latin typeface="ubuntu mono derivative powerline" panose="020B0509030602030204" pitchFamily="49" charset="0"/>
-              </a:rPr>
-              <a:t>print</a:t>
-            </a:r>
-            <a:r>
-              <a:rPr lang="en-US" altLang="ko-KR" sz="1600" b="0" dirty="0">
-                <a:effectLst/>
-                <a:latin typeface="ubuntu mono derivative powerline" panose="020B0509030602030204" pitchFamily="49" charset="0"/>
-              </a:rPr>
-              <a:t>(lv)</a:t>
+              <a:rPr lang="ko-KR" altLang="en-US" dirty="0"/>
+              <a:t>조건</a:t>
+            </a:r>
+            <a:endParaRPr lang="en-US" altLang="ko-KR" dirty="0"/>
+          </a:p>
+          <a:p>
+            <a:pPr lvl="2"/>
+            <a:r>
+              <a:rPr lang="ko-KR" altLang="en-US" sz="1600" dirty="0"/>
+              <a:t>입력</a:t>
+            </a:r>
+            <a:endParaRPr lang="en-US" altLang="ko-KR" sz="1600" dirty="0"/>
+          </a:p>
+          <a:p>
+            <a:pPr lvl="3"/>
+            <a:r>
+              <a:rPr lang="en-US" altLang="ko-KR" sz="1433" dirty="0"/>
+              <a:t>names = [“ </a:t>
+            </a:r>
+            <a:r>
+              <a:rPr lang="ko-KR" altLang="en-US" sz="1433" dirty="0"/>
+              <a:t>홍길동</a:t>
+            </a:r>
+            <a:r>
+              <a:rPr lang="en-US" altLang="ko-KR" sz="1433" dirty="0"/>
+              <a:t>”, “</a:t>
+            </a:r>
+            <a:r>
+              <a:rPr lang="ko-KR" altLang="en-US" sz="1433" dirty="0"/>
+              <a:t>이순신</a:t>
+            </a:r>
+            <a:r>
+              <a:rPr lang="en-US" altLang="ko-KR" sz="1433" dirty="0"/>
+              <a:t>”, “</a:t>
+            </a:r>
+            <a:r>
+              <a:rPr lang="ko-KR" altLang="en-US" sz="1433" dirty="0"/>
+              <a:t>세종</a:t>
+            </a:r>
+            <a:r>
+              <a:rPr lang="en-US" altLang="ko-KR" sz="1433" dirty="0"/>
+              <a:t>“, “</a:t>
+            </a:r>
+            <a:r>
+              <a:rPr lang="ko-KR" altLang="en-US" sz="1433" dirty="0"/>
+              <a:t>아이언맨</a:t>
+            </a:r>
+            <a:r>
+              <a:rPr lang="en-US" altLang="ko-KR" sz="1433" dirty="0"/>
+              <a:t>“, “</a:t>
+            </a:r>
+            <a:r>
+              <a:rPr lang="ko-KR" altLang="en-US" sz="1433" dirty="0"/>
+              <a:t>슈퍼맨</a:t>
+            </a:r>
+            <a:r>
+              <a:rPr lang="en-US" altLang="ko-KR" sz="1433" dirty="0"/>
+              <a:t>”]</a:t>
+            </a:r>
+          </a:p>
+          <a:p>
+            <a:pPr lvl="3"/>
+            <a:r>
+              <a:rPr lang="en-US" altLang="ko-KR" sz="1433" dirty="0"/>
+              <a:t>scores = [30, 50, 100, 20, 70]</a:t>
+            </a:r>
+          </a:p>
+          <a:p>
+            <a:pPr lvl="3"/>
+            <a:endParaRPr lang="en-US" altLang="ko-KR" sz="1433" dirty="0"/>
+          </a:p>
+          <a:p>
+            <a:pPr lvl="2"/>
+            <a:r>
+              <a:rPr lang="ko-KR" altLang="en-US" sz="1600" dirty="0"/>
+              <a:t>조건</a:t>
+            </a:r>
+            <a:endParaRPr lang="en-US" altLang="ko-KR" sz="1600" dirty="0"/>
+          </a:p>
+          <a:p>
+            <a:pPr lvl="3"/>
+            <a:r>
+              <a:rPr lang="en-US" altLang="ko-KR" sz="1433" dirty="0"/>
+              <a:t>names</a:t>
+            </a:r>
+            <a:r>
+              <a:rPr lang="ko-KR" altLang="en-US" sz="1433" dirty="0"/>
+              <a:t>와 </a:t>
+            </a:r>
+            <a:r>
+              <a:rPr lang="en-US" altLang="ko-KR" sz="1433" dirty="0"/>
+              <a:t>scores</a:t>
+            </a:r>
+            <a:r>
+              <a:rPr lang="ko-KR" altLang="en-US" sz="1433" dirty="0"/>
+              <a:t>배열이 주어진다</a:t>
+            </a:r>
+            <a:r>
+              <a:rPr lang="en-US" altLang="ko-KR" sz="1433" dirty="0"/>
+              <a:t>.</a:t>
+            </a:r>
+          </a:p>
+          <a:p>
+            <a:pPr lvl="3"/>
+            <a:r>
+              <a:rPr lang="ko-KR" altLang="en-US" sz="1433" dirty="0"/>
+              <a:t>주어진 배열을 이용하여 </a:t>
+            </a:r>
+            <a:r>
+              <a:rPr lang="en-US" altLang="ko-KR" sz="1433" dirty="0" err="1"/>
+              <a:t>dict</a:t>
+            </a:r>
+            <a:r>
+              <a:rPr lang="en-US" altLang="ko-KR" sz="1433" dirty="0"/>
+              <a:t> </a:t>
+            </a:r>
+            <a:r>
+              <a:rPr lang="ko-KR" altLang="en-US" sz="1433" dirty="0"/>
+              <a:t>형식으로 출력하여라</a:t>
+            </a:r>
+            <a:r>
+              <a:rPr lang="en-US" altLang="ko-KR" sz="1433" dirty="0"/>
+              <a:t>.</a:t>
+            </a:r>
+          </a:p>
+          <a:p>
+            <a:pPr lvl="3"/>
+            <a:endParaRPr lang="en-US" altLang="ko-KR" sz="1433" dirty="0"/>
+          </a:p>
+          <a:p>
+            <a:pPr lvl="2"/>
+            <a:r>
+              <a:rPr lang="ko-KR" altLang="en-US" sz="1600" dirty="0"/>
+              <a:t>출력 예시</a:t>
+            </a:r>
+            <a:endParaRPr lang="en-US" altLang="ko-KR" sz="1600" dirty="0"/>
+          </a:p>
+          <a:p>
+            <a:pPr lvl="3"/>
+            <a:r>
+              <a:rPr lang="en-US" altLang="ko-KR" sz="1433" dirty="0"/>
+              <a:t>{'</a:t>
+            </a:r>
+            <a:r>
+              <a:rPr lang="ko-KR" altLang="en-US" sz="1433" dirty="0"/>
+              <a:t>홍길동</a:t>
+            </a:r>
+            <a:r>
+              <a:rPr lang="en-US" altLang="ko-KR" sz="1433" dirty="0"/>
+              <a:t>': 30, '</a:t>
+            </a:r>
+            <a:r>
+              <a:rPr lang="ko-KR" altLang="en-US" sz="1433" dirty="0"/>
+              <a:t>이순신</a:t>
+            </a:r>
+            <a:r>
+              <a:rPr lang="en-US" altLang="ko-KR" sz="1433" dirty="0"/>
+              <a:t>': 50, '</a:t>
+            </a:r>
+            <a:r>
+              <a:rPr lang="ko-KR" altLang="en-US" sz="1433" dirty="0"/>
+              <a:t>세종</a:t>
+            </a:r>
+            <a:r>
+              <a:rPr lang="en-US" altLang="ko-KR" sz="1433" dirty="0"/>
+              <a:t>': 100, '</a:t>
+            </a:r>
+            <a:r>
+              <a:rPr lang="ko-KR" altLang="en-US" sz="1433" dirty="0"/>
+              <a:t>아이언맨</a:t>
+            </a:r>
+            <a:r>
+              <a:rPr lang="en-US" altLang="ko-KR" sz="1433" dirty="0"/>
+              <a:t>': 20, '</a:t>
+            </a:r>
+            <a:r>
+              <a:rPr lang="ko-KR" altLang="en-US" sz="1433" dirty="0"/>
+              <a:t>슈퍼맨</a:t>
+            </a:r>
+            <a:r>
+              <a:rPr lang="en-US" altLang="ko-KR" sz="1433" dirty="0"/>
+              <a:t>': 70}</a:t>
             </a:r>
           </a:p>
         </p:txBody>
@@ -14578,19 +14650,1090 @@
             </a:r>
             <a:endParaRPr lang="en-US" altLang="ko-KR" dirty="0"/>
           </a:p>
+        </p:txBody>
+      </p:sp>
+      <p:sp>
+        <p:nvSpPr>
+          <p:cNvPr id="5" name="직사각형 4">
+            <a:extLst>
+              <a:ext uri="{FF2B5EF4-FFF2-40B4-BE49-F238E27FC236}">
+                <a16:creationId xmlns:a16="http://schemas.microsoft.com/office/drawing/2014/main" id="{7501162A-46DA-5230-6CBE-5E99B4CCBD22}"/>
+              </a:ext>
+            </a:extLst>
+          </p:cNvPr>
+          <p:cNvSpPr/>
+          <p:nvPr/>
+        </p:nvSpPr>
+        <p:spPr>
+          <a:xfrm>
+            <a:off x="1331640" y="2713484"/>
+            <a:ext cx="3681139" cy="1323439"/>
+          </a:xfrm>
+          <a:prstGeom prst="rect">
+            <a:avLst/>
+          </a:prstGeom>
+        </p:spPr>
+        <p:txBody>
+          <a:bodyPr wrap="square">
+            <a:spAutoFit/>
+          </a:bodyPr>
+          <a:lstStyle/>
+          <a:p>
+            <a:r>
+              <a:rPr lang="en-US" altLang="ko-KR" sz="1600" b="0" dirty="0">
+                <a:solidFill>
+                  <a:srgbClr val="00B050"/>
+                </a:solidFill>
+                <a:effectLst/>
+                <a:latin typeface="ubuntu mono derivative powerline" panose="020B0509030602030204" pitchFamily="49" charset="0"/>
+              </a:rPr>
+              <a:t># solution1 (range)</a:t>
+            </a:r>
+          </a:p>
+          <a:p>
+            <a:r>
+              <a:rPr lang="en-US" altLang="ko-KR" sz="1600" b="0" dirty="0">
+                <a:effectLst/>
+                <a:latin typeface="ubuntu mono derivative powerline" panose="020B0509030602030204" pitchFamily="49" charset="0"/>
+              </a:rPr>
+              <a:t>results = {}</a:t>
+            </a:r>
+          </a:p>
+          <a:p>
+            <a:r>
+              <a:rPr lang="en-US" altLang="ko-KR" sz="1600" b="0" dirty="0">
+                <a:effectLst/>
+                <a:latin typeface="ubuntu mono derivative powerline" panose="020B0509030602030204" pitchFamily="49" charset="0"/>
+              </a:rPr>
+              <a:t>for </a:t>
+            </a:r>
+            <a:r>
+              <a:rPr lang="en-US" altLang="ko-KR" sz="1600" b="0" dirty="0" err="1">
+                <a:solidFill>
+                  <a:srgbClr val="0000FF"/>
+                </a:solidFill>
+                <a:effectLst/>
+                <a:latin typeface="ubuntu mono derivative powerline" panose="020B0509030602030204" pitchFamily="49" charset="0"/>
+              </a:rPr>
+              <a:t>i</a:t>
+            </a:r>
+            <a:r>
+              <a:rPr lang="en-US" altLang="ko-KR" sz="1600" b="0" dirty="0">
+                <a:effectLst/>
+                <a:latin typeface="ubuntu mono derivative powerline" panose="020B0509030602030204" pitchFamily="49" charset="0"/>
+              </a:rPr>
+              <a:t> in </a:t>
+            </a:r>
+            <a:r>
+              <a:rPr lang="en-US" altLang="ko-KR" sz="1600" b="0" dirty="0">
+                <a:solidFill>
+                  <a:srgbClr val="0000FF"/>
+                </a:solidFill>
+                <a:effectLst/>
+                <a:latin typeface="ubuntu mono derivative powerline" panose="020B0509030602030204" pitchFamily="49" charset="0"/>
+              </a:rPr>
+              <a:t>range</a:t>
+            </a:r>
+            <a:r>
+              <a:rPr lang="en-US" altLang="ko-KR" sz="1600" b="0" dirty="0">
+                <a:effectLst/>
+                <a:latin typeface="ubuntu mono derivative powerline" panose="020B0509030602030204" pitchFamily="49" charset="0"/>
+              </a:rPr>
+              <a:t>(5):</a:t>
+            </a:r>
+          </a:p>
+          <a:p>
+            <a:r>
+              <a:rPr lang="en-US" altLang="ko-KR" sz="1600" b="0" dirty="0">
+                <a:effectLst/>
+                <a:latin typeface="ubuntu mono derivative powerline" panose="020B0509030602030204" pitchFamily="49" charset="0"/>
+              </a:rPr>
+              <a:t>    results[names[</a:t>
+            </a:r>
+            <a:r>
+              <a:rPr lang="en-US" altLang="ko-KR" sz="1600" b="0" dirty="0" err="1">
+                <a:solidFill>
+                  <a:srgbClr val="0000FF"/>
+                </a:solidFill>
+                <a:effectLst/>
+                <a:latin typeface="ubuntu mono derivative powerline" panose="020B0509030602030204" pitchFamily="49" charset="0"/>
+              </a:rPr>
+              <a:t>i</a:t>
+            </a:r>
+            <a:r>
+              <a:rPr lang="en-US" altLang="ko-KR" sz="1600" b="0" dirty="0">
+                <a:effectLst/>
+                <a:latin typeface="ubuntu mono derivative powerline" panose="020B0509030602030204" pitchFamily="49" charset="0"/>
+              </a:rPr>
+              <a:t>]] = scores[</a:t>
+            </a:r>
+            <a:r>
+              <a:rPr lang="en-US" altLang="ko-KR" sz="1600" b="0" dirty="0" err="1">
+                <a:solidFill>
+                  <a:srgbClr val="0000FF"/>
+                </a:solidFill>
+                <a:effectLst/>
+                <a:latin typeface="ubuntu mono derivative powerline" panose="020B0509030602030204" pitchFamily="49" charset="0"/>
+              </a:rPr>
+              <a:t>i</a:t>
+            </a:r>
+            <a:r>
+              <a:rPr lang="en-US" altLang="ko-KR" sz="1600" b="0" dirty="0">
+                <a:effectLst/>
+                <a:latin typeface="ubuntu mono derivative powerline" panose="020B0509030602030204" pitchFamily="49" charset="0"/>
+              </a:rPr>
+              <a:t>]</a:t>
+            </a:r>
+          </a:p>
+          <a:p>
+            <a:r>
+              <a:rPr lang="en-US" altLang="ko-KR" sz="1600" b="0" dirty="0">
+                <a:solidFill>
+                  <a:srgbClr val="0000FF"/>
+                </a:solidFill>
+                <a:effectLst/>
+                <a:latin typeface="ubuntu mono derivative powerline" panose="020B0509030602030204" pitchFamily="49" charset="0"/>
+              </a:rPr>
+              <a:t>print</a:t>
+            </a:r>
+            <a:r>
+              <a:rPr lang="en-US" altLang="ko-KR" sz="1600" b="0" dirty="0">
+                <a:effectLst/>
+                <a:latin typeface="ubuntu mono derivative powerline" panose="020B0509030602030204" pitchFamily="49" charset="0"/>
+              </a:rPr>
+              <a:t>(results)</a:t>
+            </a:r>
+          </a:p>
+        </p:txBody>
+      </p:sp>
+      <p:sp>
+        <p:nvSpPr>
+          <p:cNvPr id="4" name="내용 개체 틀 2">
+            <a:extLst>
+              <a:ext uri="{FF2B5EF4-FFF2-40B4-BE49-F238E27FC236}">
+                <a16:creationId xmlns:a16="http://schemas.microsoft.com/office/drawing/2014/main" id="{76FE7398-3043-7242-1783-0217D98B0462}"/>
+              </a:ext>
+            </a:extLst>
+          </p:cNvPr>
+          <p:cNvSpPr txBox="1">
+            <a:spLocks/>
+          </p:cNvSpPr>
+          <p:nvPr/>
+        </p:nvSpPr>
+        <p:spPr bwMode="auto">
+          <a:xfrm>
+            <a:off x="1979712" y="1248474"/>
+            <a:ext cx="6768752" cy="1009720"/>
+          </a:xfrm>
+          <a:prstGeom prst="rect">
+            <a:avLst/>
+          </a:prstGeom>
+          <a:noFill/>
+          <a:ln w="9525">
+            <a:noFill/>
+            <a:miter lim="800000"/>
+            <a:headEnd/>
+            <a:tailEnd/>
+          </a:ln>
+          <a:effectLst/>
+        </p:spPr>
+        <p:txBody>
+          <a:bodyPr vert="horz" wrap="square" lIns="91440" tIns="45720" rIns="91440" bIns="45720" numCol="1" anchor="t" anchorCtr="0" compatLnSpc="1">
+            <a:prstTxWarp prst="textNoShape">
+              <a:avLst/>
+            </a:prstTxWarp>
+            <a:normAutofit/>
+          </a:bodyPr>
+          <a:lstStyle>
+            <a:lvl1pPr marL="285739" indent="-285739" algn="l" rtl="0" eaLnBrk="1" fontAlgn="base" latinLnBrk="1" hangingPunct="1">
+              <a:spcBef>
+                <a:spcPct val="20000"/>
+              </a:spcBef>
+              <a:spcAft>
+                <a:spcPct val="0"/>
+              </a:spcAft>
+              <a:buClr>
+                <a:srgbClr val="0000FF"/>
+              </a:buClr>
+              <a:buSzPct val="90000"/>
+              <a:buFont typeface="Wingdings" pitchFamily="2" charset="2"/>
+              <a:buChar char="n"/>
+              <a:defRPr kumimoji="1" sz="2333" b="1">
+                <a:solidFill>
+                  <a:schemeClr val="tx1"/>
+                </a:solidFill>
+                <a:latin typeface="+mn-lt"/>
+                <a:ea typeface="맑은 고딕" pitchFamily="50" charset="-127"/>
+                <a:cs typeface="+mn-cs"/>
+              </a:defRPr>
+            </a:lvl1pPr>
+            <a:lvl2pPr marL="619100" indent="-238115" algn="l" rtl="0" eaLnBrk="1" fontAlgn="base" latinLnBrk="1" hangingPunct="1">
+              <a:spcBef>
+                <a:spcPct val="20000"/>
+              </a:spcBef>
+              <a:spcAft>
+                <a:spcPct val="0"/>
+              </a:spcAft>
+              <a:buClr>
+                <a:schemeClr val="hlink"/>
+              </a:buClr>
+              <a:buSzPct val="75000"/>
+              <a:buFont typeface="Wingdings" pitchFamily="2" charset="2"/>
+              <a:buChar char="u"/>
+              <a:defRPr kumimoji="1" sz="2167" b="1">
+                <a:solidFill>
+                  <a:schemeClr val="tx1"/>
+                </a:solidFill>
+                <a:latin typeface="+mn-lt"/>
+                <a:ea typeface="맑은 고딕" pitchFamily="50" charset="-127"/>
+              </a:defRPr>
+            </a:lvl2pPr>
+            <a:lvl3pPr marL="952462" indent="-190492" algn="l" rtl="0" eaLnBrk="1" fontAlgn="base" latinLnBrk="1" hangingPunct="1">
+              <a:spcBef>
+                <a:spcPct val="20000"/>
+              </a:spcBef>
+              <a:spcAft>
+                <a:spcPct val="0"/>
+              </a:spcAft>
+              <a:buClr>
+                <a:srgbClr val="3399FF"/>
+              </a:buClr>
+              <a:buSzPct val="55000"/>
+              <a:buFont typeface="Wingdings" pitchFamily="2" charset="2"/>
+              <a:buChar char="l"/>
+              <a:defRPr kumimoji="1" sz="2000" b="1">
+                <a:solidFill>
+                  <a:schemeClr val="tx1"/>
+                </a:solidFill>
+                <a:latin typeface="+mn-lt"/>
+                <a:ea typeface="맑은 고딕" pitchFamily="50" charset="-127"/>
+              </a:defRPr>
+            </a:lvl3pPr>
+            <a:lvl4pPr marL="1333447" indent="-190492" algn="l" rtl="0" eaLnBrk="1" fontAlgn="base" latinLnBrk="1" hangingPunct="1">
+              <a:spcBef>
+                <a:spcPct val="20000"/>
+              </a:spcBef>
+              <a:spcAft>
+                <a:spcPct val="0"/>
+              </a:spcAft>
+              <a:buClr>
+                <a:srgbClr val="009900"/>
+              </a:buClr>
+              <a:buFont typeface="Wingdings" pitchFamily="2" charset="2"/>
+              <a:buChar char="§"/>
+              <a:defRPr kumimoji="1" sz="1833" b="1">
+                <a:solidFill>
+                  <a:schemeClr val="tx1"/>
+                </a:solidFill>
+                <a:latin typeface="+mn-lt"/>
+                <a:ea typeface="맑은 고딕" pitchFamily="50" charset="-127"/>
+              </a:defRPr>
+            </a:lvl4pPr>
+            <a:lvl5pPr marL="1714431" indent="-190492" algn="l" rtl="0" eaLnBrk="1" fontAlgn="base" latinLnBrk="1" hangingPunct="1">
+              <a:spcBef>
+                <a:spcPct val="20000"/>
+              </a:spcBef>
+              <a:spcAft>
+                <a:spcPct val="0"/>
+              </a:spcAft>
+              <a:buClr>
+                <a:schemeClr val="tx1"/>
+              </a:buClr>
+              <a:buFont typeface="Wingdings" pitchFamily="2" charset="2"/>
+              <a:buChar char="§"/>
+              <a:defRPr kumimoji="1" sz="1667" b="1">
+                <a:solidFill>
+                  <a:schemeClr val="tx1"/>
+                </a:solidFill>
+                <a:latin typeface="+mn-lt"/>
+                <a:ea typeface="맑은 고딕" pitchFamily="50" charset="-127"/>
+              </a:defRPr>
+            </a:lvl5pPr>
+            <a:lvl6pPr marL="2095416" indent="-190492" algn="l" rtl="0" eaLnBrk="1" fontAlgn="base" latinLnBrk="1" hangingPunct="1">
+              <a:spcBef>
+                <a:spcPct val="20000"/>
+              </a:spcBef>
+              <a:spcAft>
+                <a:spcPct val="0"/>
+              </a:spcAft>
+              <a:buClr>
+                <a:schemeClr val="tx1"/>
+              </a:buClr>
+              <a:buFont typeface="Wingdings" pitchFamily="2" charset="2"/>
+              <a:buChar char="§"/>
+              <a:defRPr kumimoji="1" sz="1667" b="1">
+                <a:solidFill>
+                  <a:schemeClr val="tx1"/>
+                </a:solidFill>
+                <a:latin typeface="+mn-lt"/>
+                <a:ea typeface="+mn-ea"/>
+              </a:defRPr>
+            </a:lvl6pPr>
+            <a:lvl7pPr marL="2476401" indent="-190492" algn="l" rtl="0" eaLnBrk="1" fontAlgn="base" latinLnBrk="1" hangingPunct="1">
+              <a:spcBef>
+                <a:spcPct val="20000"/>
+              </a:spcBef>
+              <a:spcAft>
+                <a:spcPct val="0"/>
+              </a:spcAft>
+              <a:buClr>
+                <a:schemeClr val="tx1"/>
+              </a:buClr>
+              <a:buFont typeface="Wingdings" pitchFamily="2" charset="2"/>
+              <a:buChar char="§"/>
+              <a:defRPr kumimoji="1" sz="1667" b="1">
+                <a:solidFill>
+                  <a:schemeClr val="tx1"/>
+                </a:solidFill>
+                <a:latin typeface="+mn-lt"/>
+                <a:ea typeface="+mn-ea"/>
+              </a:defRPr>
+            </a:lvl7pPr>
+            <a:lvl8pPr marL="2857386" indent="-190492" algn="l" rtl="0" eaLnBrk="1" fontAlgn="base" latinLnBrk="1" hangingPunct="1">
+              <a:spcBef>
+                <a:spcPct val="20000"/>
+              </a:spcBef>
+              <a:spcAft>
+                <a:spcPct val="0"/>
+              </a:spcAft>
+              <a:buClr>
+                <a:schemeClr val="tx1"/>
+              </a:buClr>
+              <a:buFont typeface="Wingdings" pitchFamily="2" charset="2"/>
+              <a:buChar char="§"/>
+              <a:defRPr kumimoji="1" sz="1667" b="1">
+                <a:solidFill>
+                  <a:schemeClr val="tx1"/>
+                </a:solidFill>
+                <a:latin typeface="+mn-lt"/>
+                <a:ea typeface="+mn-ea"/>
+              </a:defRPr>
+            </a:lvl8pPr>
+            <a:lvl9pPr marL="3238370" indent="-190492" algn="l" rtl="0" eaLnBrk="1" fontAlgn="base" latinLnBrk="1" hangingPunct="1">
+              <a:spcBef>
+                <a:spcPct val="20000"/>
+              </a:spcBef>
+              <a:spcAft>
+                <a:spcPct val="0"/>
+              </a:spcAft>
+              <a:buClr>
+                <a:schemeClr val="tx1"/>
+              </a:buClr>
+              <a:buFont typeface="Wingdings" pitchFamily="2" charset="2"/>
+              <a:buChar char="§"/>
+              <a:defRPr kumimoji="1" sz="1667" b="1">
+                <a:solidFill>
+                  <a:schemeClr val="tx1"/>
+                </a:solidFill>
+                <a:latin typeface="+mn-lt"/>
+                <a:ea typeface="+mn-ea"/>
+              </a:defRPr>
+            </a:lvl9pPr>
+          </a:lstStyle>
+          <a:p>
+            <a:pPr lvl="2"/>
+            <a:r>
+              <a:rPr lang="ko-KR" altLang="en-US" sz="1600" kern="0" dirty="0"/>
+              <a:t>입력</a:t>
+            </a:r>
+            <a:endParaRPr lang="en-US" altLang="ko-KR" sz="1600" kern="0" dirty="0"/>
+          </a:p>
+          <a:p>
+            <a:pPr lvl="3"/>
+            <a:r>
+              <a:rPr lang="en-US" altLang="ko-KR" sz="1433" kern="0" dirty="0"/>
+              <a:t>names = [“ </a:t>
+            </a:r>
+            <a:r>
+              <a:rPr lang="ko-KR" altLang="en-US" sz="1433" kern="0" dirty="0"/>
+              <a:t>홍길동</a:t>
+            </a:r>
+            <a:r>
+              <a:rPr lang="en-US" altLang="ko-KR" sz="1433" kern="0" dirty="0"/>
+              <a:t>”, “</a:t>
+            </a:r>
+            <a:r>
+              <a:rPr lang="ko-KR" altLang="en-US" sz="1433" kern="0" dirty="0"/>
+              <a:t>이순신</a:t>
+            </a:r>
+            <a:r>
+              <a:rPr lang="en-US" altLang="ko-KR" sz="1433" kern="0" dirty="0"/>
+              <a:t>”, “</a:t>
+            </a:r>
+            <a:r>
+              <a:rPr lang="ko-KR" altLang="en-US" sz="1433" kern="0" dirty="0"/>
+              <a:t>세종</a:t>
+            </a:r>
+            <a:r>
+              <a:rPr lang="en-US" altLang="ko-KR" sz="1433" kern="0" dirty="0"/>
+              <a:t>“, “</a:t>
+            </a:r>
+            <a:r>
+              <a:rPr lang="ko-KR" altLang="en-US" sz="1433" kern="0" dirty="0"/>
+              <a:t>아이언맨</a:t>
+            </a:r>
+            <a:r>
+              <a:rPr lang="en-US" altLang="ko-KR" sz="1433" kern="0" dirty="0"/>
+              <a:t>“, “</a:t>
+            </a:r>
+            <a:r>
+              <a:rPr lang="ko-KR" altLang="en-US" sz="1433" kern="0" dirty="0"/>
+              <a:t>슈퍼맨</a:t>
+            </a:r>
+            <a:r>
+              <a:rPr lang="en-US" altLang="ko-KR" sz="1433" kern="0" dirty="0"/>
+              <a:t>”]</a:t>
+            </a:r>
+          </a:p>
+          <a:p>
+            <a:pPr lvl="3"/>
+            <a:r>
+              <a:rPr lang="en-US" altLang="ko-KR" sz="1433" kern="0" dirty="0"/>
+              <a:t>scores = [30, 50, 100, 20, 70]</a:t>
+            </a:r>
+          </a:p>
+        </p:txBody>
+      </p:sp>
+      <p:sp>
+        <p:nvSpPr>
+          <p:cNvPr id="7" name="내용 개체 틀 8">
+            <a:extLst>
+              <a:ext uri="{FF2B5EF4-FFF2-40B4-BE49-F238E27FC236}">
+                <a16:creationId xmlns:a16="http://schemas.microsoft.com/office/drawing/2014/main" id="{1592DCA9-92F0-0488-1D9D-BB832A0889BE}"/>
+              </a:ext>
+            </a:extLst>
+          </p:cNvPr>
+          <p:cNvSpPr txBox="1">
+            <a:spLocks/>
+          </p:cNvSpPr>
+          <p:nvPr/>
+        </p:nvSpPr>
+        <p:spPr>
+          <a:xfrm>
+            <a:off x="718762" y="2387130"/>
+            <a:ext cx="3997254" cy="398363"/>
+          </a:xfrm>
+          <a:prstGeom prst="rect">
+            <a:avLst/>
+          </a:prstGeom>
+        </p:spPr>
+        <p:txBody>
+          <a:bodyPr/>
+          <a:lstStyle>
+            <a:lvl1pPr marL="285739" indent="-285739" algn="l" rtl="0" eaLnBrk="1" fontAlgn="base" latinLnBrk="1" hangingPunct="1">
+              <a:spcBef>
+                <a:spcPct val="20000"/>
+              </a:spcBef>
+              <a:spcAft>
+                <a:spcPct val="0"/>
+              </a:spcAft>
+              <a:buClr>
+                <a:srgbClr val="0000FF"/>
+              </a:buClr>
+              <a:buSzPct val="90000"/>
+              <a:buFont typeface="Wingdings" pitchFamily="2" charset="2"/>
+              <a:buChar char="n"/>
+              <a:defRPr kumimoji="1" sz="2333" b="1">
+                <a:solidFill>
+                  <a:schemeClr val="tx1"/>
+                </a:solidFill>
+                <a:latin typeface="+mn-lt"/>
+                <a:ea typeface="맑은 고딕" pitchFamily="50" charset="-127"/>
+                <a:cs typeface="+mn-cs"/>
+              </a:defRPr>
+            </a:lvl1pPr>
+            <a:lvl2pPr marL="619100" indent="-238115" algn="l" rtl="0" eaLnBrk="1" fontAlgn="base" latinLnBrk="1" hangingPunct="1">
+              <a:spcBef>
+                <a:spcPct val="20000"/>
+              </a:spcBef>
+              <a:spcAft>
+                <a:spcPct val="0"/>
+              </a:spcAft>
+              <a:buClr>
+                <a:schemeClr val="hlink"/>
+              </a:buClr>
+              <a:buSzPct val="75000"/>
+              <a:buFont typeface="Wingdings" pitchFamily="2" charset="2"/>
+              <a:buChar char="u"/>
+              <a:defRPr kumimoji="1" sz="2167" b="1">
+                <a:solidFill>
+                  <a:schemeClr val="tx1"/>
+                </a:solidFill>
+                <a:latin typeface="+mn-lt"/>
+                <a:ea typeface="맑은 고딕" pitchFamily="50" charset="-127"/>
+              </a:defRPr>
+            </a:lvl2pPr>
+            <a:lvl3pPr marL="952462" indent="-190492" algn="l" rtl="0" eaLnBrk="1" fontAlgn="base" latinLnBrk="1" hangingPunct="1">
+              <a:spcBef>
+                <a:spcPct val="20000"/>
+              </a:spcBef>
+              <a:spcAft>
+                <a:spcPct val="0"/>
+              </a:spcAft>
+              <a:buClr>
+                <a:srgbClr val="3399FF"/>
+              </a:buClr>
+              <a:buSzPct val="55000"/>
+              <a:buFont typeface="Wingdings" pitchFamily="2" charset="2"/>
+              <a:buChar char="l"/>
+              <a:defRPr kumimoji="1" sz="2000" b="1">
+                <a:solidFill>
+                  <a:schemeClr val="tx1"/>
+                </a:solidFill>
+                <a:latin typeface="+mn-lt"/>
+                <a:ea typeface="맑은 고딕" pitchFamily="50" charset="-127"/>
+              </a:defRPr>
+            </a:lvl3pPr>
+            <a:lvl4pPr marL="1333447" indent="-190492" algn="l" rtl="0" eaLnBrk="1" fontAlgn="base" latinLnBrk="1" hangingPunct="1">
+              <a:spcBef>
+                <a:spcPct val="20000"/>
+              </a:spcBef>
+              <a:spcAft>
+                <a:spcPct val="0"/>
+              </a:spcAft>
+              <a:buClr>
+                <a:srgbClr val="009900"/>
+              </a:buClr>
+              <a:buFont typeface="Wingdings" pitchFamily="2" charset="2"/>
+              <a:buChar char="§"/>
+              <a:defRPr kumimoji="1" sz="1833" b="1">
+                <a:solidFill>
+                  <a:schemeClr val="tx1"/>
+                </a:solidFill>
+                <a:latin typeface="+mn-lt"/>
+                <a:ea typeface="맑은 고딕" pitchFamily="50" charset="-127"/>
+              </a:defRPr>
+            </a:lvl4pPr>
+            <a:lvl5pPr marL="1714431" indent="-190492" algn="l" rtl="0" eaLnBrk="1" fontAlgn="base" latinLnBrk="1" hangingPunct="1">
+              <a:spcBef>
+                <a:spcPct val="20000"/>
+              </a:spcBef>
+              <a:spcAft>
+                <a:spcPct val="0"/>
+              </a:spcAft>
+              <a:buClr>
+                <a:schemeClr val="tx1"/>
+              </a:buClr>
+              <a:buFont typeface="Wingdings" pitchFamily="2" charset="2"/>
+              <a:buChar char="§"/>
+              <a:defRPr kumimoji="1" sz="1667" b="1">
+                <a:solidFill>
+                  <a:schemeClr val="tx1"/>
+                </a:solidFill>
+                <a:latin typeface="+mn-lt"/>
+                <a:ea typeface="맑은 고딕" pitchFamily="50" charset="-127"/>
+              </a:defRPr>
+            </a:lvl5pPr>
+            <a:lvl6pPr marL="2095416" indent="-190492" algn="l" rtl="0" eaLnBrk="1" fontAlgn="base" latinLnBrk="1" hangingPunct="1">
+              <a:spcBef>
+                <a:spcPct val="20000"/>
+              </a:spcBef>
+              <a:spcAft>
+                <a:spcPct val="0"/>
+              </a:spcAft>
+              <a:buClr>
+                <a:schemeClr val="tx1"/>
+              </a:buClr>
+              <a:buFont typeface="Wingdings" pitchFamily="2" charset="2"/>
+              <a:buChar char="§"/>
+              <a:defRPr kumimoji="1" sz="1667" b="1">
+                <a:solidFill>
+                  <a:schemeClr val="tx1"/>
+                </a:solidFill>
+                <a:latin typeface="+mn-lt"/>
+                <a:ea typeface="+mn-ea"/>
+              </a:defRPr>
+            </a:lvl6pPr>
+            <a:lvl7pPr marL="2476401" indent="-190492" algn="l" rtl="0" eaLnBrk="1" fontAlgn="base" latinLnBrk="1" hangingPunct="1">
+              <a:spcBef>
+                <a:spcPct val="20000"/>
+              </a:spcBef>
+              <a:spcAft>
+                <a:spcPct val="0"/>
+              </a:spcAft>
+              <a:buClr>
+                <a:schemeClr val="tx1"/>
+              </a:buClr>
+              <a:buFont typeface="Wingdings" pitchFamily="2" charset="2"/>
+              <a:buChar char="§"/>
+              <a:defRPr kumimoji="1" sz="1667" b="1">
+                <a:solidFill>
+                  <a:schemeClr val="tx1"/>
+                </a:solidFill>
+                <a:latin typeface="+mn-lt"/>
+                <a:ea typeface="+mn-ea"/>
+              </a:defRPr>
+            </a:lvl7pPr>
+            <a:lvl8pPr marL="2857386" indent="-190492" algn="l" rtl="0" eaLnBrk="1" fontAlgn="base" latinLnBrk="1" hangingPunct="1">
+              <a:spcBef>
+                <a:spcPct val="20000"/>
+              </a:spcBef>
+              <a:spcAft>
+                <a:spcPct val="0"/>
+              </a:spcAft>
+              <a:buClr>
+                <a:schemeClr val="tx1"/>
+              </a:buClr>
+              <a:buFont typeface="Wingdings" pitchFamily="2" charset="2"/>
+              <a:buChar char="§"/>
+              <a:defRPr kumimoji="1" sz="1667" b="1">
+                <a:solidFill>
+                  <a:schemeClr val="tx1"/>
+                </a:solidFill>
+                <a:latin typeface="+mn-lt"/>
+                <a:ea typeface="+mn-ea"/>
+              </a:defRPr>
+            </a:lvl8pPr>
+            <a:lvl9pPr marL="3238370" indent="-190492" algn="l" rtl="0" eaLnBrk="1" fontAlgn="base" latinLnBrk="1" hangingPunct="1">
+              <a:spcBef>
+                <a:spcPct val="20000"/>
+              </a:spcBef>
+              <a:spcAft>
+                <a:spcPct val="0"/>
+              </a:spcAft>
+              <a:buClr>
+                <a:schemeClr val="tx1"/>
+              </a:buClr>
+              <a:buFont typeface="Wingdings" pitchFamily="2" charset="2"/>
+              <a:buChar char="§"/>
+              <a:defRPr kumimoji="1" sz="1667" b="1">
+                <a:solidFill>
+                  <a:schemeClr val="tx1"/>
+                </a:solidFill>
+                <a:latin typeface="+mn-lt"/>
+                <a:ea typeface="+mn-ea"/>
+              </a:defRPr>
+            </a:lvl9pPr>
+          </a:lstStyle>
           <a:p>
             <a:pPr lvl="1"/>
             <a:r>
-              <a:rPr lang="en-US" altLang="ko-KR" dirty="0"/>
-              <a:t>enumerate</a:t>
-            </a:r>
+              <a:rPr lang="en-US" altLang="ko-KR" kern="0" dirty="0"/>
+              <a:t>range</a:t>
+            </a:r>
+          </a:p>
+          <a:p>
+            <a:endParaRPr lang="en-US" altLang="ko-KR" kern="0" dirty="0"/>
+          </a:p>
+          <a:p>
+            <a:pPr marL="380985" lvl="1" indent="0">
+              <a:buNone/>
+            </a:pPr>
+            <a:endParaRPr lang="en-US" altLang="ko-KR" i="1" kern="0" dirty="0"/>
+          </a:p>
+        </p:txBody>
+      </p:sp>
+      <p:sp>
+        <p:nvSpPr>
+          <p:cNvPr id="9" name="직사각형 8">
+            <a:extLst>
+              <a:ext uri="{FF2B5EF4-FFF2-40B4-BE49-F238E27FC236}">
+                <a16:creationId xmlns:a16="http://schemas.microsoft.com/office/drawing/2014/main" id="{07D090C1-271A-F51B-1414-27B592206360}"/>
+              </a:ext>
+            </a:extLst>
+          </p:cNvPr>
+          <p:cNvSpPr/>
+          <p:nvPr/>
+        </p:nvSpPr>
+        <p:spPr>
+          <a:xfrm>
+            <a:off x="5066014" y="2713484"/>
+            <a:ext cx="3681139" cy="1569660"/>
+          </a:xfrm>
+          <a:prstGeom prst="rect">
+            <a:avLst/>
+          </a:prstGeom>
+        </p:spPr>
+        <p:txBody>
+          <a:bodyPr wrap="square">
+            <a:spAutoFit/>
+          </a:bodyPr>
+          <a:lstStyle/>
+          <a:p>
+            <a:r>
+              <a:rPr lang="en-US" altLang="ko-KR" sz="1600" b="0" dirty="0">
+                <a:solidFill>
+                  <a:srgbClr val="00B050"/>
+                </a:solidFill>
+                <a:effectLst/>
+                <a:latin typeface="ubuntu mono derivative powerline" panose="020B0509030602030204" pitchFamily="49" charset="0"/>
+              </a:rPr>
+              <a:t># solution2 (for each)</a:t>
+            </a:r>
+          </a:p>
+          <a:p>
+            <a:r>
+              <a:rPr lang="en-US" altLang="ko-KR" sz="1600" b="0" dirty="0">
+                <a:effectLst/>
+                <a:latin typeface="ubuntu mono derivative powerline" panose="020B0509030602030204" pitchFamily="49" charset="0"/>
+              </a:rPr>
+              <a:t>results = {}</a:t>
+            </a:r>
+          </a:p>
+          <a:p>
+            <a:r>
+              <a:rPr lang="en-US" altLang="ko-KR" sz="1600" b="0" dirty="0">
+                <a:effectLst/>
+                <a:latin typeface="ubuntu mono derivative powerline" panose="020B0509030602030204" pitchFamily="49" charset="0"/>
+              </a:rPr>
+              <a:t>for </a:t>
+            </a:r>
+            <a:r>
+              <a:rPr lang="en-US" altLang="ko-KR" sz="1600" b="0" dirty="0">
+                <a:solidFill>
+                  <a:srgbClr val="0000FF"/>
+                </a:solidFill>
+                <a:effectLst/>
+                <a:latin typeface="ubuntu mono derivative powerline" panose="020B0509030602030204" pitchFamily="49" charset="0"/>
+              </a:rPr>
+              <a:t>name</a:t>
+            </a:r>
+            <a:r>
+              <a:rPr lang="en-US" altLang="ko-KR" sz="1600" b="0" dirty="0">
+                <a:effectLst/>
+                <a:latin typeface="ubuntu mono derivative powerline" panose="020B0509030602030204" pitchFamily="49" charset="0"/>
+              </a:rPr>
+              <a:t> in </a:t>
+            </a:r>
+            <a:r>
+              <a:rPr lang="en-US" altLang="ko-KR" sz="1600" b="0" dirty="0">
+                <a:solidFill>
+                  <a:srgbClr val="0000FF"/>
+                </a:solidFill>
+                <a:effectLst/>
+                <a:latin typeface="ubuntu mono derivative powerline" panose="020B0509030602030204" pitchFamily="49" charset="0"/>
+              </a:rPr>
+              <a:t>names</a:t>
+            </a:r>
+            <a:r>
+              <a:rPr lang="en-US" altLang="ko-KR" sz="1600" b="0" dirty="0">
+                <a:effectLst/>
+                <a:latin typeface="ubuntu mono derivative powerline" panose="020B0509030602030204" pitchFamily="49" charset="0"/>
+              </a:rPr>
+              <a:t>:</a:t>
+            </a:r>
+          </a:p>
+          <a:p>
+            <a:r>
+              <a:rPr lang="en-US" altLang="ko-KR" sz="1600" b="0" dirty="0">
+                <a:effectLst/>
+                <a:latin typeface="ubuntu mono derivative powerline" panose="020B0509030602030204" pitchFamily="49" charset="0"/>
+              </a:rPr>
+              <a:t>    results[</a:t>
+            </a:r>
+            <a:r>
+              <a:rPr lang="en-US" altLang="ko-KR" sz="1600" b="0" dirty="0">
+                <a:solidFill>
+                  <a:srgbClr val="0000FF"/>
+                </a:solidFill>
+                <a:effectLst/>
+                <a:latin typeface="ubuntu mono derivative powerline" panose="020B0509030602030204" pitchFamily="49" charset="0"/>
+              </a:rPr>
+              <a:t>name</a:t>
+            </a:r>
+            <a:r>
+              <a:rPr lang="en-US" altLang="ko-KR" sz="1600" b="0" dirty="0">
+                <a:effectLst/>
+                <a:latin typeface="ubuntu mono derivative powerline" panose="020B0509030602030204" pitchFamily="49" charset="0"/>
+              </a:rPr>
+              <a:t>] = scores[</a:t>
+            </a:r>
+            <a:r>
+              <a:rPr lang="en-US" altLang="ko-KR" sz="1600" b="0" dirty="0" err="1">
+                <a:solidFill>
+                  <a:srgbClr val="0000FF"/>
+                </a:solidFill>
+                <a:effectLst/>
+                <a:latin typeface="ubuntu mono derivative powerline" panose="020B0509030602030204" pitchFamily="49" charset="0"/>
+              </a:rPr>
+              <a:t>names</a:t>
+            </a:r>
+            <a:r>
+              <a:rPr lang="en-US" altLang="ko-KR" sz="1600" b="0" dirty="0" err="1">
+                <a:effectLst/>
+                <a:latin typeface="ubuntu mono derivative powerline" panose="020B0509030602030204" pitchFamily="49" charset="0"/>
+              </a:rPr>
+              <a:t>.index</a:t>
+            </a:r>
+            <a:r>
+              <a:rPr lang="en-US" altLang="ko-KR" sz="1600" b="0" dirty="0">
+                <a:effectLst/>
+                <a:latin typeface="ubuntu mono derivative powerline" panose="020B0509030602030204" pitchFamily="49" charset="0"/>
+              </a:rPr>
+              <a:t>(</a:t>
+            </a:r>
+            <a:r>
+              <a:rPr lang="en-US" altLang="ko-KR" sz="1600" b="0" dirty="0">
+                <a:solidFill>
+                  <a:srgbClr val="0000FF"/>
+                </a:solidFill>
+                <a:effectLst/>
+                <a:latin typeface="ubuntu mono derivative powerline" panose="020B0509030602030204" pitchFamily="49" charset="0"/>
+              </a:rPr>
+              <a:t>name</a:t>
+            </a:r>
+            <a:r>
+              <a:rPr lang="en-US" altLang="ko-KR" sz="1600" b="0" dirty="0">
+                <a:effectLst/>
+                <a:latin typeface="ubuntu mono derivative powerline" panose="020B0509030602030204" pitchFamily="49" charset="0"/>
+              </a:rPr>
+              <a:t>)]</a:t>
+            </a:r>
+          </a:p>
+          <a:p>
+            <a:r>
+              <a:rPr lang="en-US" altLang="ko-KR" sz="1600" b="0" dirty="0">
+                <a:solidFill>
+                  <a:srgbClr val="0000FF"/>
+                </a:solidFill>
+                <a:effectLst/>
+                <a:latin typeface="ubuntu mono derivative powerline" panose="020B0509030602030204" pitchFamily="49" charset="0"/>
+              </a:rPr>
+              <a:t>print</a:t>
+            </a:r>
+            <a:r>
+              <a:rPr lang="en-US" altLang="ko-KR" sz="1600" b="0" dirty="0">
+                <a:effectLst/>
+                <a:latin typeface="ubuntu mono derivative powerline" panose="020B0509030602030204" pitchFamily="49" charset="0"/>
+              </a:rPr>
+              <a:t>(results)</a:t>
+            </a:r>
+          </a:p>
+        </p:txBody>
+      </p:sp>
+      <p:sp>
+        <p:nvSpPr>
+          <p:cNvPr id="11" name="내용 개체 틀 8">
+            <a:extLst>
+              <a:ext uri="{FF2B5EF4-FFF2-40B4-BE49-F238E27FC236}">
+                <a16:creationId xmlns:a16="http://schemas.microsoft.com/office/drawing/2014/main" id="{A39284E4-70C4-62D5-B6D4-EE4DF5FA846E}"/>
+              </a:ext>
+            </a:extLst>
+          </p:cNvPr>
+          <p:cNvSpPr txBox="1">
+            <a:spLocks/>
+          </p:cNvSpPr>
+          <p:nvPr/>
+        </p:nvSpPr>
+        <p:spPr>
+          <a:xfrm>
+            <a:off x="4453136" y="2387131"/>
+            <a:ext cx="3431232" cy="398362"/>
+          </a:xfrm>
+          <a:prstGeom prst="rect">
+            <a:avLst/>
+          </a:prstGeom>
+        </p:spPr>
+        <p:txBody>
+          <a:bodyPr/>
+          <a:lstStyle>
+            <a:lvl1pPr marL="285739" indent="-285739" algn="l" rtl="0" eaLnBrk="1" fontAlgn="base" latinLnBrk="1" hangingPunct="1">
+              <a:spcBef>
+                <a:spcPct val="20000"/>
+              </a:spcBef>
+              <a:spcAft>
+                <a:spcPct val="0"/>
+              </a:spcAft>
+              <a:buClr>
+                <a:srgbClr val="0000FF"/>
+              </a:buClr>
+              <a:buSzPct val="90000"/>
+              <a:buFont typeface="Wingdings" pitchFamily="2" charset="2"/>
+              <a:buChar char="n"/>
+              <a:defRPr kumimoji="1" sz="2333" b="1">
+                <a:solidFill>
+                  <a:schemeClr val="tx1"/>
+                </a:solidFill>
+                <a:latin typeface="+mn-lt"/>
+                <a:ea typeface="맑은 고딕" pitchFamily="50" charset="-127"/>
+                <a:cs typeface="+mn-cs"/>
+              </a:defRPr>
+            </a:lvl1pPr>
+            <a:lvl2pPr marL="619100" indent="-238115" algn="l" rtl="0" eaLnBrk="1" fontAlgn="base" latinLnBrk="1" hangingPunct="1">
+              <a:spcBef>
+                <a:spcPct val="20000"/>
+              </a:spcBef>
+              <a:spcAft>
+                <a:spcPct val="0"/>
+              </a:spcAft>
+              <a:buClr>
+                <a:schemeClr val="hlink"/>
+              </a:buClr>
+              <a:buSzPct val="75000"/>
+              <a:buFont typeface="Wingdings" pitchFamily="2" charset="2"/>
+              <a:buChar char="u"/>
+              <a:defRPr kumimoji="1" sz="2167" b="1">
+                <a:solidFill>
+                  <a:schemeClr val="tx1"/>
+                </a:solidFill>
+                <a:latin typeface="+mn-lt"/>
+                <a:ea typeface="맑은 고딕" pitchFamily="50" charset="-127"/>
+              </a:defRPr>
+            </a:lvl2pPr>
+            <a:lvl3pPr marL="952462" indent="-190492" algn="l" rtl="0" eaLnBrk="1" fontAlgn="base" latinLnBrk="1" hangingPunct="1">
+              <a:spcBef>
+                <a:spcPct val="20000"/>
+              </a:spcBef>
+              <a:spcAft>
+                <a:spcPct val="0"/>
+              </a:spcAft>
+              <a:buClr>
+                <a:srgbClr val="3399FF"/>
+              </a:buClr>
+              <a:buSzPct val="55000"/>
+              <a:buFont typeface="Wingdings" pitchFamily="2" charset="2"/>
+              <a:buChar char="l"/>
+              <a:defRPr kumimoji="1" sz="2000" b="1">
+                <a:solidFill>
+                  <a:schemeClr val="tx1"/>
+                </a:solidFill>
+                <a:latin typeface="+mn-lt"/>
+                <a:ea typeface="맑은 고딕" pitchFamily="50" charset="-127"/>
+              </a:defRPr>
+            </a:lvl3pPr>
+            <a:lvl4pPr marL="1333447" indent="-190492" algn="l" rtl="0" eaLnBrk="1" fontAlgn="base" latinLnBrk="1" hangingPunct="1">
+              <a:spcBef>
+                <a:spcPct val="20000"/>
+              </a:spcBef>
+              <a:spcAft>
+                <a:spcPct val="0"/>
+              </a:spcAft>
+              <a:buClr>
+                <a:srgbClr val="009900"/>
+              </a:buClr>
+              <a:buFont typeface="Wingdings" pitchFamily="2" charset="2"/>
+              <a:buChar char="§"/>
+              <a:defRPr kumimoji="1" sz="1833" b="1">
+                <a:solidFill>
+                  <a:schemeClr val="tx1"/>
+                </a:solidFill>
+                <a:latin typeface="+mn-lt"/>
+                <a:ea typeface="맑은 고딕" pitchFamily="50" charset="-127"/>
+              </a:defRPr>
+            </a:lvl4pPr>
+            <a:lvl5pPr marL="1714431" indent="-190492" algn="l" rtl="0" eaLnBrk="1" fontAlgn="base" latinLnBrk="1" hangingPunct="1">
+              <a:spcBef>
+                <a:spcPct val="20000"/>
+              </a:spcBef>
+              <a:spcAft>
+                <a:spcPct val="0"/>
+              </a:spcAft>
+              <a:buClr>
+                <a:schemeClr val="tx1"/>
+              </a:buClr>
+              <a:buFont typeface="Wingdings" pitchFamily="2" charset="2"/>
+              <a:buChar char="§"/>
+              <a:defRPr kumimoji="1" sz="1667" b="1">
+                <a:solidFill>
+                  <a:schemeClr val="tx1"/>
+                </a:solidFill>
+                <a:latin typeface="+mn-lt"/>
+                <a:ea typeface="맑은 고딕" pitchFamily="50" charset="-127"/>
+              </a:defRPr>
+            </a:lvl5pPr>
+            <a:lvl6pPr marL="2095416" indent="-190492" algn="l" rtl="0" eaLnBrk="1" fontAlgn="base" latinLnBrk="1" hangingPunct="1">
+              <a:spcBef>
+                <a:spcPct val="20000"/>
+              </a:spcBef>
+              <a:spcAft>
+                <a:spcPct val="0"/>
+              </a:spcAft>
+              <a:buClr>
+                <a:schemeClr val="tx1"/>
+              </a:buClr>
+              <a:buFont typeface="Wingdings" pitchFamily="2" charset="2"/>
+              <a:buChar char="§"/>
+              <a:defRPr kumimoji="1" sz="1667" b="1">
+                <a:solidFill>
+                  <a:schemeClr val="tx1"/>
+                </a:solidFill>
+                <a:latin typeface="+mn-lt"/>
+                <a:ea typeface="+mn-ea"/>
+              </a:defRPr>
+            </a:lvl6pPr>
+            <a:lvl7pPr marL="2476401" indent="-190492" algn="l" rtl="0" eaLnBrk="1" fontAlgn="base" latinLnBrk="1" hangingPunct="1">
+              <a:spcBef>
+                <a:spcPct val="20000"/>
+              </a:spcBef>
+              <a:spcAft>
+                <a:spcPct val="0"/>
+              </a:spcAft>
+              <a:buClr>
+                <a:schemeClr val="tx1"/>
+              </a:buClr>
+              <a:buFont typeface="Wingdings" pitchFamily="2" charset="2"/>
+              <a:buChar char="§"/>
+              <a:defRPr kumimoji="1" sz="1667" b="1">
+                <a:solidFill>
+                  <a:schemeClr val="tx1"/>
+                </a:solidFill>
+                <a:latin typeface="+mn-lt"/>
+                <a:ea typeface="+mn-ea"/>
+              </a:defRPr>
+            </a:lvl7pPr>
+            <a:lvl8pPr marL="2857386" indent="-190492" algn="l" rtl="0" eaLnBrk="1" fontAlgn="base" latinLnBrk="1" hangingPunct="1">
+              <a:spcBef>
+                <a:spcPct val="20000"/>
+              </a:spcBef>
+              <a:spcAft>
+                <a:spcPct val="0"/>
+              </a:spcAft>
+              <a:buClr>
+                <a:schemeClr val="tx1"/>
+              </a:buClr>
+              <a:buFont typeface="Wingdings" pitchFamily="2" charset="2"/>
+              <a:buChar char="§"/>
+              <a:defRPr kumimoji="1" sz="1667" b="1">
+                <a:solidFill>
+                  <a:schemeClr val="tx1"/>
+                </a:solidFill>
+                <a:latin typeface="+mn-lt"/>
+                <a:ea typeface="+mn-ea"/>
+              </a:defRPr>
+            </a:lvl8pPr>
+            <a:lvl9pPr marL="3238370" indent="-190492" algn="l" rtl="0" eaLnBrk="1" fontAlgn="base" latinLnBrk="1" hangingPunct="1">
+              <a:spcBef>
+                <a:spcPct val="20000"/>
+              </a:spcBef>
+              <a:spcAft>
+                <a:spcPct val="0"/>
+              </a:spcAft>
+              <a:buClr>
+                <a:schemeClr val="tx1"/>
+              </a:buClr>
+              <a:buFont typeface="Wingdings" pitchFamily="2" charset="2"/>
+              <a:buChar char="§"/>
+              <a:defRPr kumimoji="1" sz="1667" b="1">
+                <a:solidFill>
+                  <a:schemeClr val="tx1"/>
+                </a:solidFill>
+                <a:latin typeface="+mn-lt"/>
+                <a:ea typeface="+mn-ea"/>
+              </a:defRPr>
+            </a:lvl9pPr>
+          </a:lstStyle>
+          <a:p>
+            <a:pPr lvl="1"/>
+            <a:r>
+              <a:rPr lang="en-US" altLang="ko-KR" kern="0" dirty="0"/>
+              <a:t>for each</a:t>
+            </a:r>
+          </a:p>
+          <a:p>
+            <a:endParaRPr lang="en-US" altLang="ko-KR" kern="0" dirty="0"/>
+          </a:p>
+          <a:p>
+            <a:pPr marL="380985" lvl="1" indent="0">
+              <a:buNone/>
+            </a:pPr>
+            <a:endParaRPr lang="en-US" altLang="ko-KR" i="1" kern="0" dirty="0"/>
           </a:p>
         </p:txBody>
       </p:sp>
     </p:spTree>
     <p:extLst>
       <p:ext uri="{BB962C8B-B14F-4D97-AF65-F5344CB8AC3E}">
-        <p14:creationId xmlns:p14="http://schemas.microsoft.com/office/powerpoint/2010/main" val="3445311297"/>
+        <p14:creationId xmlns:p14="http://schemas.microsoft.com/office/powerpoint/2010/main" val="1211372998"/>
       </p:ext>
     </p:extLst>
   </p:cSld>
@@ -14674,25 +15817,1311 @@
             </a:r>
             <a:endParaRPr lang="en-US" altLang="ko-KR" dirty="0"/>
           </a:p>
+        </p:txBody>
+      </p:sp>
+      <p:sp>
+        <p:nvSpPr>
+          <p:cNvPr id="5" name="직사각형 4">
+            <a:extLst>
+              <a:ext uri="{FF2B5EF4-FFF2-40B4-BE49-F238E27FC236}">
+                <a16:creationId xmlns:a16="http://schemas.microsoft.com/office/drawing/2014/main" id="{7501162A-46DA-5230-6CBE-5E99B4CCBD22}"/>
+              </a:ext>
+            </a:extLst>
+          </p:cNvPr>
+          <p:cNvSpPr/>
+          <p:nvPr/>
+        </p:nvSpPr>
+        <p:spPr>
+          <a:xfrm>
+            <a:off x="1331640" y="2713484"/>
+            <a:ext cx="3681139" cy="1323439"/>
+          </a:xfrm>
+          <a:prstGeom prst="rect">
+            <a:avLst/>
+          </a:prstGeom>
+        </p:spPr>
+        <p:txBody>
+          <a:bodyPr wrap="square">
+            <a:spAutoFit/>
+          </a:bodyPr>
+          <a:lstStyle/>
+          <a:p>
+            <a:r>
+              <a:rPr lang="en-US" altLang="ko-KR" sz="1600" b="0" dirty="0">
+                <a:solidFill>
+                  <a:srgbClr val="00B050"/>
+                </a:solidFill>
+                <a:effectLst/>
+                <a:latin typeface="ubuntu mono derivative powerline" panose="020B0509030602030204" pitchFamily="49" charset="0"/>
+              </a:rPr>
+              <a:t># solution3 (enumerate)</a:t>
+            </a:r>
+          </a:p>
+          <a:p>
+            <a:r>
+              <a:rPr lang="en-US" altLang="ko-KR" sz="1600" b="0" dirty="0">
+                <a:effectLst/>
+                <a:latin typeface="ubuntu mono derivative powerline" panose="020B0509030602030204" pitchFamily="49" charset="0"/>
+              </a:rPr>
+              <a:t>results = {}</a:t>
+            </a:r>
+          </a:p>
+          <a:p>
+            <a:r>
+              <a:rPr lang="en-US" altLang="ko-KR" sz="1600" b="0" dirty="0">
+                <a:effectLst/>
+                <a:latin typeface="ubuntu mono derivative powerline" panose="020B0509030602030204" pitchFamily="49" charset="0"/>
+              </a:rPr>
+              <a:t>for </a:t>
+            </a:r>
+            <a:r>
+              <a:rPr lang="en-US" altLang="ko-KR" sz="1600" b="0" dirty="0" err="1">
+                <a:solidFill>
+                  <a:srgbClr val="0000FF"/>
+                </a:solidFill>
+                <a:effectLst/>
+                <a:latin typeface="ubuntu mono derivative powerline" panose="020B0509030602030204" pitchFamily="49" charset="0"/>
+              </a:rPr>
+              <a:t>idx</a:t>
+            </a:r>
+            <a:r>
+              <a:rPr lang="en-US" altLang="ko-KR" sz="1600" b="0" dirty="0">
+                <a:effectLst/>
+                <a:latin typeface="ubuntu mono derivative powerline" panose="020B0509030602030204" pitchFamily="49" charset="0"/>
+              </a:rPr>
+              <a:t>, </a:t>
+            </a:r>
+            <a:r>
+              <a:rPr lang="en-US" altLang="ko-KR" sz="1600" b="0" dirty="0">
+                <a:solidFill>
+                  <a:srgbClr val="0000FF"/>
+                </a:solidFill>
+                <a:effectLst/>
+                <a:latin typeface="ubuntu mono derivative powerline" panose="020B0509030602030204" pitchFamily="49" charset="0"/>
+              </a:rPr>
+              <a:t>name</a:t>
+            </a:r>
+            <a:r>
+              <a:rPr lang="en-US" altLang="ko-KR" sz="1600" b="0" dirty="0">
+                <a:effectLst/>
+                <a:latin typeface="ubuntu mono derivative powerline" panose="020B0509030602030204" pitchFamily="49" charset="0"/>
+              </a:rPr>
+              <a:t> in </a:t>
+            </a:r>
+            <a:r>
+              <a:rPr lang="en-US" altLang="ko-KR" sz="1600" b="0" dirty="0">
+                <a:solidFill>
+                  <a:srgbClr val="0000FF"/>
+                </a:solidFill>
+                <a:effectLst/>
+                <a:latin typeface="ubuntu mono derivative powerline" panose="020B0509030602030204" pitchFamily="49" charset="0"/>
+              </a:rPr>
+              <a:t>enumerate</a:t>
+            </a:r>
+            <a:r>
+              <a:rPr lang="en-US" altLang="ko-KR" sz="1600" b="0" dirty="0">
+                <a:effectLst/>
+                <a:latin typeface="ubuntu mono derivative powerline" panose="020B0509030602030204" pitchFamily="49" charset="0"/>
+              </a:rPr>
+              <a:t>(names):</a:t>
+            </a:r>
+          </a:p>
+          <a:p>
+            <a:r>
+              <a:rPr lang="en-US" altLang="ko-KR" sz="1600" b="0" dirty="0">
+                <a:effectLst/>
+                <a:latin typeface="ubuntu mono derivative powerline" panose="020B0509030602030204" pitchFamily="49" charset="0"/>
+              </a:rPr>
+              <a:t>    results[</a:t>
+            </a:r>
+            <a:r>
+              <a:rPr lang="en-US" altLang="ko-KR" sz="1600" b="0" dirty="0">
+                <a:solidFill>
+                  <a:srgbClr val="0000FF"/>
+                </a:solidFill>
+                <a:effectLst/>
+                <a:latin typeface="ubuntu mono derivative powerline" panose="020B0509030602030204" pitchFamily="49" charset="0"/>
+              </a:rPr>
+              <a:t>name</a:t>
+            </a:r>
+            <a:r>
+              <a:rPr lang="en-US" altLang="ko-KR" sz="1600" b="0" dirty="0">
+                <a:effectLst/>
+                <a:latin typeface="ubuntu mono derivative powerline" panose="020B0509030602030204" pitchFamily="49" charset="0"/>
+              </a:rPr>
+              <a:t>] = scores[</a:t>
+            </a:r>
+            <a:r>
+              <a:rPr lang="en-US" altLang="ko-KR" sz="1600" b="0" dirty="0" err="1">
+                <a:solidFill>
+                  <a:srgbClr val="0000FF"/>
+                </a:solidFill>
+                <a:effectLst/>
+                <a:latin typeface="ubuntu mono derivative powerline" panose="020B0509030602030204" pitchFamily="49" charset="0"/>
+              </a:rPr>
+              <a:t>idx</a:t>
+            </a:r>
+            <a:r>
+              <a:rPr lang="en-US" altLang="ko-KR" sz="1600" b="0" dirty="0">
+                <a:effectLst/>
+                <a:latin typeface="ubuntu mono derivative powerline" panose="020B0509030602030204" pitchFamily="49" charset="0"/>
+              </a:rPr>
+              <a:t>]</a:t>
+            </a:r>
+          </a:p>
+          <a:p>
+            <a:r>
+              <a:rPr lang="en-US" altLang="ko-KR" sz="1600" b="0" dirty="0">
+                <a:solidFill>
+                  <a:srgbClr val="0000FF"/>
+                </a:solidFill>
+                <a:effectLst/>
+                <a:latin typeface="ubuntu mono derivative powerline" panose="020B0509030602030204" pitchFamily="49" charset="0"/>
+              </a:rPr>
+              <a:t>print</a:t>
+            </a:r>
+            <a:r>
+              <a:rPr lang="en-US" altLang="ko-KR" sz="1600" b="0" dirty="0">
+                <a:effectLst/>
+                <a:latin typeface="ubuntu mono derivative powerline" panose="020B0509030602030204" pitchFamily="49" charset="0"/>
+              </a:rPr>
+              <a:t>(results)</a:t>
+            </a:r>
+          </a:p>
+        </p:txBody>
+      </p:sp>
+      <p:sp>
+        <p:nvSpPr>
+          <p:cNvPr id="4" name="내용 개체 틀 2">
+            <a:extLst>
+              <a:ext uri="{FF2B5EF4-FFF2-40B4-BE49-F238E27FC236}">
+                <a16:creationId xmlns:a16="http://schemas.microsoft.com/office/drawing/2014/main" id="{76FE7398-3043-7242-1783-0217D98B0462}"/>
+              </a:ext>
+            </a:extLst>
+          </p:cNvPr>
+          <p:cNvSpPr txBox="1">
+            <a:spLocks/>
+          </p:cNvSpPr>
+          <p:nvPr/>
+        </p:nvSpPr>
+        <p:spPr bwMode="auto">
+          <a:xfrm>
+            <a:off x="1979712" y="1248474"/>
+            <a:ext cx="6768752" cy="1009720"/>
+          </a:xfrm>
+          <a:prstGeom prst="rect">
+            <a:avLst/>
+          </a:prstGeom>
+          <a:noFill/>
+          <a:ln w="9525">
+            <a:noFill/>
+            <a:miter lim="800000"/>
+            <a:headEnd/>
+            <a:tailEnd/>
+          </a:ln>
+          <a:effectLst/>
+        </p:spPr>
+        <p:txBody>
+          <a:bodyPr vert="horz" wrap="square" lIns="91440" tIns="45720" rIns="91440" bIns="45720" numCol="1" anchor="t" anchorCtr="0" compatLnSpc="1">
+            <a:prstTxWarp prst="textNoShape">
+              <a:avLst/>
+            </a:prstTxWarp>
+            <a:normAutofit/>
+          </a:bodyPr>
+          <a:lstStyle>
+            <a:lvl1pPr marL="285739" indent="-285739" algn="l" rtl="0" eaLnBrk="1" fontAlgn="base" latinLnBrk="1" hangingPunct="1">
+              <a:spcBef>
+                <a:spcPct val="20000"/>
+              </a:spcBef>
+              <a:spcAft>
+                <a:spcPct val="0"/>
+              </a:spcAft>
+              <a:buClr>
+                <a:srgbClr val="0000FF"/>
+              </a:buClr>
+              <a:buSzPct val="90000"/>
+              <a:buFont typeface="Wingdings" pitchFamily="2" charset="2"/>
+              <a:buChar char="n"/>
+              <a:defRPr kumimoji="1" sz="2333" b="1">
+                <a:solidFill>
+                  <a:schemeClr val="tx1"/>
+                </a:solidFill>
+                <a:latin typeface="+mn-lt"/>
+                <a:ea typeface="맑은 고딕" pitchFamily="50" charset="-127"/>
+                <a:cs typeface="+mn-cs"/>
+              </a:defRPr>
+            </a:lvl1pPr>
+            <a:lvl2pPr marL="619100" indent="-238115" algn="l" rtl="0" eaLnBrk="1" fontAlgn="base" latinLnBrk="1" hangingPunct="1">
+              <a:spcBef>
+                <a:spcPct val="20000"/>
+              </a:spcBef>
+              <a:spcAft>
+                <a:spcPct val="0"/>
+              </a:spcAft>
+              <a:buClr>
+                <a:schemeClr val="hlink"/>
+              </a:buClr>
+              <a:buSzPct val="75000"/>
+              <a:buFont typeface="Wingdings" pitchFamily="2" charset="2"/>
+              <a:buChar char="u"/>
+              <a:defRPr kumimoji="1" sz="2167" b="1">
+                <a:solidFill>
+                  <a:schemeClr val="tx1"/>
+                </a:solidFill>
+                <a:latin typeface="+mn-lt"/>
+                <a:ea typeface="맑은 고딕" pitchFamily="50" charset="-127"/>
+              </a:defRPr>
+            </a:lvl2pPr>
+            <a:lvl3pPr marL="952462" indent="-190492" algn="l" rtl="0" eaLnBrk="1" fontAlgn="base" latinLnBrk="1" hangingPunct="1">
+              <a:spcBef>
+                <a:spcPct val="20000"/>
+              </a:spcBef>
+              <a:spcAft>
+                <a:spcPct val="0"/>
+              </a:spcAft>
+              <a:buClr>
+                <a:srgbClr val="3399FF"/>
+              </a:buClr>
+              <a:buSzPct val="55000"/>
+              <a:buFont typeface="Wingdings" pitchFamily="2" charset="2"/>
+              <a:buChar char="l"/>
+              <a:defRPr kumimoji="1" sz="2000" b="1">
+                <a:solidFill>
+                  <a:schemeClr val="tx1"/>
+                </a:solidFill>
+                <a:latin typeface="+mn-lt"/>
+                <a:ea typeface="맑은 고딕" pitchFamily="50" charset="-127"/>
+              </a:defRPr>
+            </a:lvl3pPr>
+            <a:lvl4pPr marL="1333447" indent="-190492" algn="l" rtl="0" eaLnBrk="1" fontAlgn="base" latinLnBrk="1" hangingPunct="1">
+              <a:spcBef>
+                <a:spcPct val="20000"/>
+              </a:spcBef>
+              <a:spcAft>
+                <a:spcPct val="0"/>
+              </a:spcAft>
+              <a:buClr>
+                <a:srgbClr val="009900"/>
+              </a:buClr>
+              <a:buFont typeface="Wingdings" pitchFamily="2" charset="2"/>
+              <a:buChar char="§"/>
+              <a:defRPr kumimoji="1" sz="1833" b="1">
+                <a:solidFill>
+                  <a:schemeClr val="tx1"/>
+                </a:solidFill>
+                <a:latin typeface="+mn-lt"/>
+                <a:ea typeface="맑은 고딕" pitchFamily="50" charset="-127"/>
+              </a:defRPr>
+            </a:lvl4pPr>
+            <a:lvl5pPr marL="1714431" indent="-190492" algn="l" rtl="0" eaLnBrk="1" fontAlgn="base" latinLnBrk="1" hangingPunct="1">
+              <a:spcBef>
+                <a:spcPct val="20000"/>
+              </a:spcBef>
+              <a:spcAft>
+                <a:spcPct val="0"/>
+              </a:spcAft>
+              <a:buClr>
+                <a:schemeClr val="tx1"/>
+              </a:buClr>
+              <a:buFont typeface="Wingdings" pitchFamily="2" charset="2"/>
+              <a:buChar char="§"/>
+              <a:defRPr kumimoji="1" sz="1667" b="1">
+                <a:solidFill>
+                  <a:schemeClr val="tx1"/>
+                </a:solidFill>
+                <a:latin typeface="+mn-lt"/>
+                <a:ea typeface="맑은 고딕" pitchFamily="50" charset="-127"/>
+              </a:defRPr>
+            </a:lvl5pPr>
+            <a:lvl6pPr marL="2095416" indent="-190492" algn="l" rtl="0" eaLnBrk="1" fontAlgn="base" latinLnBrk="1" hangingPunct="1">
+              <a:spcBef>
+                <a:spcPct val="20000"/>
+              </a:spcBef>
+              <a:spcAft>
+                <a:spcPct val="0"/>
+              </a:spcAft>
+              <a:buClr>
+                <a:schemeClr val="tx1"/>
+              </a:buClr>
+              <a:buFont typeface="Wingdings" pitchFamily="2" charset="2"/>
+              <a:buChar char="§"/>
+              <a:defRPr kumimoji="1" sz="1667" b="1">
+                <a:solidFill>
+                  <a:schemeClr val="tx1"/>
+                </a:solidFill>
+                <a:latin typeface="+mn-lt"/>
+                <a:ea typeface="+mn-ea"/>
+              </a:defRPr>
+            </a:lvl6pPr>
+            <a:lvl7pPr marL="2476401" indent="-190492" algn="l" rtl="0" eaLnBrk="1" fontAlgn="base" latinLnBrk="1" hangingPunct="1">
+              <a:spcBef>
+                <a:spcPct val="20000"/>
+              </a:spcBef>
+              <a:spcAft>
+                <a:spcPct val="0"/>
+              </a:spcAft>
+              <a:buClr>
+                <a:schemeClr val="tx1"/>
+              </a:buClr>
+              <a:buFont typeface="Wingdings" pitchFamily="2" charset="2"/>
+              <a:buChar char="§"/>
+              <a:defRPr kumimoji="1" sz="1667" b="1">
+                <a:solidFill>
+                  <a:schemeClr val="tx1"/>
+                </a:solidFill>
+                <a:latin typeface="+mn-lt"/>
+                <a:ea typeface="+mn-ea"/>
+              </a:defRPr>
+            </a:lvl7pPr>
+            <a:lvl8pPr marL="2857386" indent="-190492" algn="l" rtl="0" eaLnBrk="1" fontAlgn="base" latinLnBrk="1" hangingPunct="1">
+              <a:spcBef>
+                <a:spcPct val="20000"/>
+              </a:spcBef>
+              <a:spcAft>
+                <a:spcPct val="0"/>
+              </a:spcAft>
+              <a:buClr>
+                <a:schemeClr val="tx1"/>
+              </a:buClr>
+              <a:buFont typeface="Wingdings" pitchFamily="2" charset="2"/>
+              <a:buChar char="§"/>
+              <a:defRPr kumimoji="1" sz="1667" b="1">
+                <a:solidFill>
+                  <a:schemeClr val="tx1"/>
+                </a:solidFill>
+                <a:latin typeface="+mn-lt"/>
+                <a:ea typeface="+mn-ea"/>
+              </a:defRPr>
+            </a:lvl8pPr>
+            <a:lvl9pPr marL="3238370" indent="-190492" algn="l" rtl="0" eaLnBrk="1" fontAlgn="base" latinLnBrk="1" hangingPunct="1">
+              <a:spcBef>
+                <a:spcPct val="20000"/>
+              </a:spcBef>
+              <a:spcAft>
+                <a:spcPct val="0"/>
+              </a:spcAft>
+              <a:buClr>
+                <a:schemeClr val="tx1"/>
+              </a:buClr>
+              <a:buFont typeface="Wingdings" pitchFamily="2" charset="2"/>
+              <a:buChar char="§"/>
+              <a:defRPr kumimoji="1" sz="1667" b="1">
+                <a:solidFill>
+                  <a:schemeClr val="tx1"/>
+                </a:solidFill>
+                <a:latin typeface="+mn-lt"/>
+                <a:ea typeface="+mn-ea"/>
+              </a:defRPr>
+            </a:lvl9pPr>
+          </a:lstStyle>
+          <a:p>
+            <a:pPr lvl="2"/>
+            <a:r>
+              <a:rPr lang="ko-KR" altLang="en-US" sz="1600" kern="0" dirty="0"/>
+              <a:t>입력</a:t>
+            </a:r>
+            <a:endParaRPr lang="en-US" altLang="ko-KR" sz="1600" kern="0" dirty="0"/>
+          </a:p>
+          <a:p>
+            <a:pPr lvl="3"/>
+            <a:r>
+              <a:rPr lang="en-US" altLang="ko-KR" sz="1433" kern="0" dirty="0"/>
+              <a:t>names = [“ </a:t>
+            </a:r>
+            <a:r>
+              <a:rPr lang="ko-KR" altLang="en-US" sz="1433" kern="0" dirty="0"/>
+              <a:t>홍길동</a:t>
+            </a:r>
+            <a:r>
+              <a:rPr lang="en-US" altLang="ko-KR" sz="1433" kern="0" dirty="0"/>
+              <a:t>”, “</a:t>
+            </a:r>
+            <a:r>
+              <a:rPr lang="ko-KR" altLang="en-US" sz="1433" kern="0" dirty="0"/>
+              <a:t>이순신</a:t>
+            </a:r>
+            <a:r>
+              <a:rPr lang="en-US" altLang="ko-KR" sz="1433" kern="0" dirty="0"/>
+              <a:t>”, “</a:t>
+            </a:r>
+            <a:r>
+              <a:rPr lang="ko-KR" altLang="en-US" sz="1433" kern="0" dirty="0"/>
+              <a:t>세종</a:t>
+            </a:r>
+            <a:r>
+              <a:rPr lang="en-US" altLang="ko-KR" sz="1433" kern="0" dirty="0"/>
+              <a:t>“, “</a:t>
+            </a:r>
+            <a:r>
+              <a:rPr lang="ko-KR" altLang="en-US" sz="1433" kern="0" dirty="0"/>
+              <a:t>아이언맨</a:t>
+            </a:r>
+            <a:r>
+              <a:rPr lang="en-US" altLang="ko-KR" sz="1433" kern="0" dirty="0"/>
+              <a:t>“, “</a:t>
+            </a:r>
+            <a:r>
+              <a:rPr lang="ko-KR" altLang="en-US" sz="1433" kern="0" dirty="0"/>
+              <a:t>슈퍼맨</a:t>
+            </a:r>
+            <a:r>
+              <a:rPr lang="en-US" altLang="ko-KR" sz="1433" kern="0" dirty="0"/>
+              <a:t>”]</a:t>
+            </a:r>
+          </a:p>
+          <a:p>
+            <a:pPr lvl="3"/>
+            <a:r>
+              <a:rPr lang="en-US" altLang="ko-KR" sz="1433" kern="0" dirty="0"/>
+              <a:t>scores = [30, 50, 100, 20, 70]</a:t>
+            </a:r>
+          </a:p>
+        </p:txBody>
+      </p:sp>
+      <p:sp>
+        <p:nvSpPr>
+          <p:cNvPr id="7" name="내용 개체 틀 8">
+            <a:extLst>
+              <a:ext uri="{FF2B5EF4-FFF2-40B4-BE49-F238E27FC236}">
+                <a16:creationId xmlns:a16="http://schemas.microsoft.com/office/drawing/2014/main" id="{1592DCA9-92F0-0488-1D9D-BB832A0889BE}"/>
+              </a:ext>
+            </a:extLst>
+          </p:cNvPr>
+          <p:cNvSpPr txBox="1">
+            <a:spLocks/>
+          </p:cNvSpPr>
+          <p:nvPr/>
+        </p:nvSpPr>
+        <p:spPr>
+          <a:xfrm>
+            <a:off x="718762" y="2387130"/>
+            <a:ext cx="3997254" cy="398363"/>
+          </a:xfrm>
+          <a:prstGeom prst="rect">
+            <a:avLst/>
+          </a:prstGeom>
+        </p:spPr>
+        <p:txBody>
+          <a:bodyPr/>
+          <a:lstStyle>
+            <a:lvl1pPr marL="285739" indent="-285739" algn="l" rtl="0" eaLnBrk="1" fontAlgn="base" latinLnBrk="1" hangingPunct="1">
+              <a:spcBef>
+                <a:spcPct val="20000"/>
+              </a:spcBef>
+              <a:spcAft>
+                <a:spcPct val="0"/>
+              </a:spcAft>
+              <a:buClr>
+                <a:srgbClr val="0000FF"/>
+              </a:buClr>
+              <a:buSzPct val="90000"/>
+              <a:buFont typeface="Wingdings" pitchFamily="2" charset="2"/>
+              <a:buChar char="n"/>
+              <a:defRPr kumimoji="1" sz="2333" b="1">
+                <a:solidFill>
+                  <a:schemeClr val="tx1"/>
+                </a:solidFill>
+                <a:latin typeface="+mn-lt"/>
+                <a:ea typeface="맑은 고딕" pitchFamily="50" charset="-127"/>
+                <a:cs typeface="+mn-cs"/>
+              </a:defRPr>
+            </a:lvl1pPr>
+            <a:lvl2pPr marL="619100" indent="-238115" algn="l" rtl="0" eaLnBrk="1" fontAlgn="base" latinLnBrk="1" hangingPunct="1">
+              <a:spcBef>
+                <a:spcPct val="20000"/>
+              </a:spcBef>
+              <a:spcAft>
+                <a:spcPct val="0"/>
+              </a:spcAft>
+              <a:buClr>
+                <a:schemeClr val="hlink"/>
+              </a:buClr>
+              <a:buSzPct val="75000"/>
+              <a:buFont typeface="Wingdings" pitchFamily="2" charset="2"/>
+              <a:buChar char="u"/>
+              <a:defRPr kumimoji="1" sz="2167" b="1">
+                <a:solidFill>
+                  <a:schemeClr val="tx1"/>
+                </a:solidFill>
+                <a:latin typeface="+mn-lt"/>
+                <a:ea typeface="맑은 고딕" pitchFamily="50" charset="-127"/>
+              </a:defRPr>
+            </a:lvl2pPr>
+            <a:lvl3pPr marL="952462" indent="-190492" algn="l" rtl="0" eaLnBrk="1" fontAlgn="base" latinLnBrk="1" hangingPunct="1">
+              <a:spcBef>
+                <a:spcPct val="20000"/>
+              </a:spcBef>
+              <a:spcAft>
+                <a:spcPct val="0"/>
+              </a:spcAft>
+              <a:buClr>
+                <a:srgbClr val="3399FF"/>
+              </a:buClr>
+              <a:buSzPct val="55000"/>
+              <a:buFont typeface="Wingdings" pitchFamily="2" charset="2"/>
+              <a:buChar char="l"/>
+              <a:defRPr kumimoji="1" sz="2000" b="1">
+                <a:solidFill>
+                  <a:schemeClr val="tx1"/>
+                </a:solidFill>
+                <a:latin typeface="+mn-lt"/>
+                <a:ea typeface="맑은 고딕" pitchFamily="50" charset="-127"/>
+              </a:defRPr>
+            </a:lvl3pPr>
+            <a:lvl4pPr marL="1333447" indent="-190492" algn="l" rtl="0" eaLnBrk="1" fontAlgn="base" latinLnBrk="1" hangingPunct="1">
+              <a:spcBef>
+                <a:spcPct val="20000"/>
+              </a:spcBef>
+              <a:spcAft>
+                <a:spcPct val="0"/>
+              </a:spcAft>
+              <a:buClr>
+                <a:srgbClr val="009900"/>
+              </a:buClr>
+              <a:buFont typeface="Wingdings" pitchFamily="2" charset="2"/>
+              <a:buChar char="§"/>
+              <a:defRPr kumimoji="1" sz="1833" b="1">
+                <a:solidFill>
+                  <a:schemeClr val="tx1"/>
+                </a:solidFill>
+                <a:latin typeface="+mn-lt"/>
+                <a:ea typeface="맑은 고딕" pitchFamily="50" charset="-127"/>
+              </a:defRPr>
+            </a:lvl4pPr>
+            <a:lvl5pPr marL="1714431" indent="-190492" algn="l" rtl="0" eaLnBrk="1" fontAlgn="base" latinLnBrk="1" hangingPunct="1">
+              <a:spcBef>
+                <a:spcPct val="20000"/>
+              </a:spcBef>
+              <a:spcAft>
+                <a:spcPct val="0"/>
+              </a:spcAft>
+              <a:buClr>
+                <a:schemeClr val="tx1"/>
+              </a:buClr>
+              <a:buFont typeface="Wingdings" pitchFamily="2" charset="2"/>
+              <a:buChar char="§"/>
+              <a:defRPr kumimoji="1" sz="1667" b="1">
+                <a:solidFill>
+                  <a:schemeClr val="tx1"/>
+                </a:solidFill>
+                <a:latin typeface="+mn-lt"/>
+                <a:ea typeface="맑은 고딕" pitchFamily="50" charset="-127"/>
+              </a:defRPr>
+            </a:lvl5pPr>
+            <a:lvl6pPr marL="2095416" indent="-190492" algn="l" rtl="0" eaLnBrk="1" fontAlgn="base" latinLnBrk="1" hangingPunct="1">
+              <a:spcBef>
+                <a:spcPct val="20000"/>
+              </a:spcBef>
+              <a:spcAft>
+                <a:spcPct val="0"/>
+              </a:spcAft>
+              <a:buClr>
+                <a:schemeClr val="tx1"/>
+              </a:buClr>
+              <a:buFont typeface="Wingdings" pitchFamily="2" charset="2"/>
+              <a:buChar char="§"/>
+              <a:defRPr kumimoji="1" sz="1667" b="1">
+                <a:solidFill>
+                  <a:schemeClr val="tx1"/>
+                </a:solidFill>
+                <a:latin typeface="+mn-lt"/>
+                <a:ea typeface="+mn-ea"/>
+              </a:defRPr>
+            </a:lvl6pPr>
+            <a:lvl7pPr marL="2476401" indent="-190492" algn="l" rtl="0" eaLnBrk="1" fontAlgn="base" latinLnBrk="1" hangingPunct="1">
+              <a:spcBef>
+                <a:spcPct val="20000"/>
+              </a:spcBef>
+              <a:spcAft>
+                <a:spcPct val="0"/>
+              </a:spcAft>
+              <a:buClr>
+                <a:schemeClr val="tx1"/>
+              </a:buClr>
+              <a:buFont typeface="Wingdings" pitchFamily="2" charset="2"/>
+              <a:buChar char="§"/>
+              <a:defRPr kumimoji="1" sz="1667" b="1">
+                <a:solidFill>
+                  <a:schemeClr val="tx1"/>
+                </a:solidFill>
+                <a:latin typeface="+mn-lt"/>
+                <a:ea typeface="+mn-ea"/>
+              </a:defRPr>
+            </a:lvl7pPr>
+            <a:lvl8pPr marL="2857386" indent="-190492" algn="l" rtl="0" eaLnBrk="1" fontAlgn="base" latinLnBrk="1" hangingPunct="1">
+              <a:spcBef>
+                <a:spcPct val="20000"/>
+              </a:spcBef>
+              <a:spcAft>
+                <a:spcPct val="0"/>
+              </a:spcAft>
+              <a:buClr>
+                <a:schemeClr val="tx1"/>
+              </a:buClr>
+              <a:buFont typeface="Wingdings" pitchFamily="2" charset="2"/>
+              <a:buChar char="§"/>
+              <a:defRPr kumimoji="1" sz="1667" b="1">
+                <a:solidFill>
+                  <a:schemeClr val="tx1"/>
+                </a:solidFill>
+                <a:latin typeface="+mn-lt"/>
+                <a:ea typeface="+mn-ea"/>
+              </a:defRPr>
+            </a:lvl8pPr>
+            <a:lvl9pPr marL="3238370" indent="-190492" algn="l" rtl="0" eaLnBrk="1" fontAlgn="base" latinLnBrk="1" hangingPunct="1">
+              <a:spcBef>
+                <a:spcPct val="20000"/>
+              </a:spcBef>
+              <a:spcAft>
+                <a:spcPct val="0"/>
+              </a:spcAft>
+              <a:buClr>
+                <a:schemeClr val="tx1"/>
+              </a:buClr>
+              <a:buFont typeface="Wingdings" pitchFamily="2" charset="2"/>
+              <a:buChar char="§"/>
+              <a:defRPr kumimoji="1" sz="1667" b="1">
+                <a:solidFill>
+                  <a:schemeClr val="tx1"/>
+                </a:solidFill>
+                <a:latin typeface="+mn-lt"/>
+                <a:ea typeface="+mn-ea"/>
+              </a:defRPr>
+            </a:lvl9pPr>
+          </a:lstStyle>
           <a:p>
             <a:pPr lvl="1"/>
             <a:r>
-              <a:rPr lang="en-US" altLang="ko-KR" dirty="0"/>
+              <a:rPr lang="en-US" altLang="ko-KR" kern="0" dirty="0"/>
+              <a:t>enumerate</a:t>
+            </a:r>
+          </a:p>
+          <a:p>
+            <a:endParaRPr lang="en-US" altLang="ko-KR" kern="0" dirty="0"/>
+          </a:p>
+          <a:p>
+            <a:pPr marL="380985" lvl="1" indent="0">
+              <a:buNone/>
+            </a:pPr>
+            <a:endParaRPr lang="en-US" altLang="ko-KR" i="1" kern="0" dirty="0"/>
+          </a:p>
+        </p:txBody>
+      </p:sp>
+      <p:sp>
+        <p:nvSpPr>
+          <p:cNvPr id="9" name="직사각형 8">
+            <a:extLst>
+              <a:ext uri="{FF2B5EF4-FFF2-40B4-BE49-F238E27FC236}">
+                <a16:creationId xmlns:a16="http://schemas.microsoft.com/office/drawing/2014/main" id="{07D090C1-271A-F51B-1414-27B592206360}"/>
+              </a:ext>
+            </a:extLst>
+          </p:cNvPr>
+          <p:cNvSpPr/>
+          <p:nvPr/>
+        </p:nvSpPr>
+        <p:spPr>
+          <a:xfrm>
+            <a:off x="5066014" y="2713484"/>
+            <a:ext cx="4042490" cy="1323439"/>
+          </a:xfrm>
+          <a:prstGeom prst="rect">
+            <a:avLst/>
+          </a:prstGeom>
+        </p:spPr>
+        <p:txBody>
+          <a:bodyPr wrap="square">
+            <a:spAutoFit/>
+          </a:bodyPr>
+          <a:lstStyle/>
+          <a:p>
+            <a:r>
+              <a:rPr lang="en-US" altLang="ko-KR" sz="1600" b="0" dirty="0">
+                <a:solidFill>
+                  <a:srgbClr val="00B050"/>
+                </a:solidFill>
+                <a:effectLst/>
+                <a:latin typeface="ubuntu mono derivative powerline" panose="020B0509030602030204" pitchFamily="49" charset="0"/>
+              </a:rPr>
+              <a:t># solution4 (zip)</a:t>
+            </a:r>
+          </a:p>
+          <a:p>
+            <a:r>
+              <a:rPr lang="en-US" altLang="ko-KR" sz="1600" b="0" dirty="0">
+                <a:effectLst/>
+                <a:latin typeface="ubuntu mono derivative powerline" panose="020B0509030602030204" pitchFamily="49" charset="0"/>
+              </a:rPr>
+              <a:t>results = {}</a:t>
+            </a:r>
+          </a:p>
+          <a:p>
+            <a:r>
+              <a:rPr lang="en-US" altLang="ko-KR" sz="1600" b="0" dirty="0">
+                <a:effectLst/>
+                <a:latin typeface="ubuntu mono derivative powerline" panose="020B0509030602030204" pitchFamily="49" charset="0"/>
+              </a:rPr>
+              <a:t>for </a:t>
+            </a:r>
+            <a:r>
+              <a:rPr lang="en-US" altLang="ko-KR" sz="1600" b="0" dirty="0">
+                <a:solidFill>
+                  <a:srgbClr val="0000FF"/>
+                </a:solidFill>
+                <a:effectLst/>
+                <a:latin typeface="ubuntu mono derivative powerline" panose="020B0509030602030204" pitchFamily="49" charset="0"/>
+              </a:rPr>
+              <a:t>name</a:t>
+            </a:r>
+            <a:r>
+              <a:rPr lang="en-US" altLang="ko-KR" sz="1600" b="0" dirty="0">
+                <a:effectLst/>
+                <a:latin typeface="ubuntu mono derivative powerline" panose="020B0509030602030204" pitchFamily="49" charset="0"/>
+              </a:rPr>
+              <a:t>, </a:t>
+            </a:r>
+            <a:r>
+              <a:rPr lang="en-US" altLang="ko-KR" sz="1600" b="0" dirty="0">
+                <a:solidFill>
+                  <a:srgbClr val="0000FF"/>
+                </a:solidFill>
+                <a:effectLst/>
+                <a:latin typeface="ubuntu mono derivative powerline" panose="020B0509030602030204" pitchFamily="49" charset="0"/>
+              </a:rPr>
+              <a:t>score</a:t>
+            </a:r>
+            <a:r>
+              <a:rPr lang="en-US" altLang="ko-KR" sz="1600" b="0" dirty="0">
+                <a:effectLst/>
+                <a:latin typeface="ubuntu mono derivative powerline" panose="020B0509030602030204" pitchFamily="49" charset="0"/>
+              </a:rPr>
+              <a:t> in </a:t>
+            </a:r>
+            <a:r>
+              <a:rPr lang="en-US" altLang="ko-KR" sz="1600" b="0" dirty="0">
+                <a:solidFill>
+                  <a:srgbClr val="0000FF"/>
+                </a:solidFill>
+                <a:effectLst/>
+                <a:latin typeface="ubuntu mono derivative powerline" panose="020B0509030602030204" pitchFamily="49" charset="0"/>
+              </a:rPr>
               <a:t>zip</a:t>
             </a:r>
-          </a:p>
-        </p:txBody>
-      </p:sp>
+            <a:r>
+              <a:rPr lang="en-US" altLang="ko-KR" sz="1600" b="0" dirty="0">
+                <a:effectLst/>
+                <a:latin typeface="ubuntu mono derivative powerline" panose="020B0509030602030204" pitchFamily="49" charset="0"/>
+              </a:rPr>
+              <a:t>(names, scores):</a:t>
+            </a:r>
+          </a:p>
+          <a:p>
+            <a:r>
+              <a:rPr lang="en-US" altLang="ko-KR" sz="1600" b="0" dirty="0">
+                <a:effectLst/>
+                <a:latin typeface="ubuntu mono derivative powerline" panose="020B0509030602030204" pitchFamily="49" charset="0"/>
+              </a:rPr>
+              <a:t>    results[</a:t>
+            </a:r>
+            <a:r>
+              <a:rPr lang="en-US" altLang="ko-KR" sz="1600" b="0" dirty="0">
+                <a:solidFill>
+                  <a:srgbClr val="0000FF"/>
+                </a:solidFill>
+                <a:effectLst/>
+                <a:latin typeface="ubuntu mono derivative powerline" panose="020B0509030602030204" pitchFamily="49" charset="0"/>
+              </a:rPr>
+              <a:t>name</a:t>
+            </a:r>
+            <a:r>
+              <a:rPr lang="en-US" altLang="ko-KR" sz="1600" b="0" dirty="0">
+                <a:effectLst/>
+                <a:latin typeface="ubuntu mono derivative powerline" panose="020B0509030602030204" pitchFamily="49" charset="0"/>
+              </a:rPr>
+              <a:t>] = </a:t>
+            </a:r>
+            <a:r>
+              <a:rPr lang="en-US" altLang="ko-KR" sz="1600" b="0" dirty="0">
+                <a:solidFill>
+                  <a:srgbClr val="0000FF"/>
+                </a:solidFill>
+                <a:effectLst/>
+                <a:latin typeface="ubuntu mono derivative powerline" panose="020B0509030602030204" pitchFamily="49" charset="0"/>
+              </a:rPr>
+              <a:t>score</a:t>
+            </a:r>
+          </a:p>
+          <a:p>
+            <a:r>
+              <a:rPr lang="en-US" altLang="ko-KR" sz="1600" b="0" dirty="0">
+                <a:solidFill>
+                  <a:srgbClr val="0000FF"/>
+                </a:solidFill>
+                <a:effectLst/>
+                <a:latin typeface="ubuntu mono derivative powerline" panose="020B0509030602030204" pitchFamily="49" charset="0"/>
+              </a:rPr>
+              <a:t>print</a:t>
+            </a:r>
+            <a:r>
+              <a:rPr lang="en-US" altLang="ko-KR" sz="1600" b="0" dirty="0">
+                <a:effectLst/>
+                <a:latin typeface="ubuntu mono derivative powerline" panose="020B0509030602030204" pitchFamily="49" charset="0"/>
+              </a:rPr>
+              <a:t>(results)</a:t>
+            </a:r>
+          </a:p>
+        </p:txBody>
+      </p:sp>
+      <p:sp>
+        <p:nvSpPr>
+          <p:cNvPr id="11" name="내용 개체 틀 8">
+            <a:extLst>
+              <a:ext uri="{FF2B5EF4-FFF2-40B4-BE49-F238E27FC236}">
+                <a16:creationId xmlns:a16="http://schemas.microsoft.com/office/drawing/2014/main" id="{A39284E4-70C4-62D5-B6D4-EE4DF5FA846E}"/>
+              </a:ext>
+            </a:extLst>
+          </p:cNvPr>
+          <p:cNvSpPr txBox="1">
+            <a:spLocks/>
+          </p:cNvSpPr>
+          <p:nvPr/>
+        </p:nvSpPr>
+        <p:spPr>
+          <a:xfrm>
+            <a:off x="4453136" y="2387131"/>
+            <a:ext cx="3431232" cy="398362"/>
+          </a:xfrm>
+          <a:prstGeom prst="rect">
+            <a:avLst/>
+          </a:prstGeom>
+        </p:spPr>
+        <p:txBody>
+          <a:bodyPr/>
+          <a:lstStyle>
+            <a:lvl1pPr marL="285739" indent="-285739" algn="l" rtl="0" eaLnBrk="1" fontAlgn="base" latinLnBrk="1" hangingPunct="1">
+              <a:spcBef>
+                <a:spcPct val="20000"/>
+              </a:spcBef>
+              <a:spcAft>
+                <a:spcPct val="0"/>
+              </a:spcAft>
+              <a:buClr>
+                <a:srgbClr val="0000FF"/>
+              </a:buClr>
+              <a:buSzPct val="90000"/>
+              <a:buFont typeface="Wingdings" pitchFamily="2" charset="2"/>
+              <a:buChar char="n"/>
+              <a:defRPr kumimoji="1" sz="2333" b="1">
+                <a:solidFill>
+                  <a:schemeClr val="tx1"/>
+                </a:solidFill>
+                <a:latin typeface="+mn-lt"/>
+                <a:ea typeface="맑은 고딕" pitchFamily="50" charset="-127"/>
+                <a:cs typeface="+mn-cs"/>
+              </a:defRPr>
+            </a:lvl1pPr>
+            <a:lvl2pPr marL="619100" indent="-238115" algn="l" rtl="0" eaLnBrk="1" fontAlgn="base" latinLnBrk="1" hangingPunct="1">
+              <a:spcBef>
+                <a:spcPct val="20000"/>
+              </a:spcBef>
+              <a:spcAft>
+                <a:spcPct val="0"/>
+              </a:spcAft>
+              <a:buClr>
+                <a:schemeClr val="hlink"/>
+              </a:buClr>
+              <a:buSzPct val="75000"/>
+              <a:buFont typeface="Wingdings" pitchFamily="2" charset="2"/>
+              <a:buChar char="u"/>
+              <a:defRPr kumimoji="1" sz="2167" b="1">
+                <a:solidFill>
+                  <a:schemeClr val="tx1"/>
+                </a:solidFill>
+                <a:latin typeface="+mn-lt"/>
+                <a:ea typeface="맑은 고딕" pitchFamily="50" charset="-127"/>
+              </a:defRPr>
+            </a:lvl2pPr>
+            <a:lvl3pPr marL="952462" indent="-190492" algn="l" rtl="0" eaLnBrk="1" fontAlgn="base" latinLnBrk="1" hangingPunct="1">
+              <a:spcBef>
+                <a:spcPct val="20000"/>
+              </a:spcBef>
+              <a:spcAft>
+                <a:spcPct val="0"/>
+              </a:spcAft>
+              <a:buClr>
+                <a:srgbClr val="3399FF"/>
+              </a:buClr>
+              <a:buSzPct val="55000"/>
+              <a:buFont typeface="Wingdings" pitchFamily="2" charset="2"/>
+              <a:buChar char="l"/>
+              <a:defRPr kumimoji="1" sz="2000" b="1">
+                <a:solidFill>
+                  <a:schemeClr val="tx1"/>
+                </a:solidFill>
+                <a:latin typeface="+mn-lt"/>
+                <a:ea typeface="맑은 고딕" pitchFamily="50" charset="-127"/>
+              </a:defRPr>
+            </a:lvl3pPr>
+            <a:lvl4pPr marL="1333447" indent="-190492" algn="l" rtl="0" eaLnBrk="1" fontAlgn="base" latinLnBrk="1" hangingPunct="1">
+              <a:spcBef>
+                <a:spcPct val="20000"/>
+              </a:spcBef>
+              <a:spcAft>
+                <a:spcPct val="0"/>
+              </a:spcAft>
+              <a:buClr>
+                <a:srgbClr val="009900"/>
+              </a:buClr>
+              <a:buFont typeface="Wingdings" pitchFamily="2" charset="2"/>
+              <a:buChar char="§"/>
+              <a:defRPr kumimoji="1" sz="1833" b="1">
+                <a:solidFill>
+                  <a:schemeClr val="tx1"/>
+                </a:solidFill>
+                <a:latin typeface="+mn-lt"/>
+                <a:ea typeface="맑은 고딕" pitchFamily="50" charset="-127"/>
+              </a:defRPr>
+            </a:lvl4pPr>
+            <a:lvl5pPr marL="1714431" indent="-190492" algn="l" rtl="0" eaLnBrk="1" fontAlgn="base" latinLnBrk="1" hangingPunct="1">
+              <a:spcBef>
+                <a:spcPct val="20000"/>
+              </a:spcBef>
+              <a:spcAft>
+                <a:spcPct val="0"/>
+              </a:spcAft>
+              <a:buClr>
+                <a:schemeClr val="tx1"/>
+              </a:buClr>
+              <a:buFont typeface="Wingdings" pitchFamily="2" charset="2"/>
+              <a:buChar char="§"/>
+              <a:defRPr kumimoji="1" sz="1667" b="1">
+                <a:solidFill>
+                  <a:schemeClr val="tx1"/>
+                </a:solidFill>
+                <a:latin typeface="+mn-lt"/>
+                <a:ea typeface="맑은 고딕" pitchFamily="50" charset="-127"/>
+              </a:defRPr>
+            </a:lvl5pPr>
+            <a:lvl6pPr marL="2095416" indent="-190492" algn="l" rtl="0" eaLnBrk="1" fontAlgn="base" latinLnBrk="1" hangingPunct="1">
+              <a:spcBef>
+                <a:spcPct val="20000"/>
+              </a:spcBef>
+              <a:spcAft>
+                <a:spcPct val="0"/>
+              </a:spcAft>
+              <a:buClr>
+                <a:schemeClr val="tx1"/>
+              </a:buClr>
+              <a:buFont typeface="Wingdings" pitchFamily="2" charset="2"/>
+              <a:buChar char="§"/>
+              <a:defRPr kumimoji="1" sz="1667" b="1">
+                <a:solidFill>
+                  <a:schemeClr val="tx1"/>
+                </a:solidFill>
+                <a:latin typeface="+mn-lt"/>
+                <a:ea typeface="+mn-ea"/>
+              </a:defRPr>
+            </a:lvl6pPr>
+            <a:lvl7pPr marL="2476401" indent="-190492" algn="l" rtl="0" eaLnBrk="1" fontAlgn="base" latinLnBrk="1" hangingPunct="1">
+              <a:spcBef>
+                <a:spcPct val="20000"/>
+              </a:spcBef>
+              <a:spcAft>
+                <a:spcPct val="0"/>
+              </a:spcAft>
+              <a:buClr>
+                <a:schemeClr val="tx1"/>
+              </a:buClr>
+              <a:buFont typeface="Wingdings" pitchFamily="2" charset="2"/>
+              <a:buChar char="§"/>
+              <a:defRPr kumimoji="1" sz="1667" b="1">
+                <a:solidFill>
+                  <a:schemeClr val="tx1"/>
+                </a:solidFill>
+                <a:latin typeface="+mn-lt"/>
+                <a:ea typeface="+mn-ea"/>
+              </a:defRPr>
+            </a:lvl7pPr>
+            <a:lvl8pPr marL="2857386" indent="-190492" algn="l" rtl="0" eaLnBrk="1" fontAlgn="base" latinLnBrk="1" hangingPunct="1">
+              <a:spcBef>
+                <a:spcPct val="20000"/>
+              </a:spcBef>
+              <a:spcAft>
+                <a:spcPct val="0"/>
+              </a:spcAft>
+              <a:buClr>
+                <a:schemeClr val="tx1"/>
+              </a:buClr>
+              <a:buFont typeface="Wingdings" pitchFamily="2" charset="2"/>
+              <a:buChar char="§"/>
+              <a:defRPr kumimoji="1" sz="1667" b="1">
+                <a:solidFill>
+                  <a:schemeClr val="tx1"/>
+                </a:solidFill>
+                <a:latin typeface="+mn-lt"/>
+                <a:ea typeface="+mn-ea"/>
+              </a:defRPr>
+            </a:lvl8pPr>
+            <a:lvl9pPr marL="3238370" indent="-190492" algn="l" rtl="0" eaLnBrk="1" fontAlgn="base" latinLnBrk="1" hangingPunct="1">
+              <a:spcBef>
+                <a:spcPct val="20000"/>
+              </a:spcBef>
+              <a:spcAft>
+                <a:spcPct val="0"/>
+              </a:spcAft>
+              <a:buClr>
+                <a:schemeClr val="tx1"/>
+              </a:buClr>
+              <a:buFont typeface="Wingdings" pitchFamily="2" charset="2"/>
+              <a:buChar char="§"/>
+              <a:defRPr kumimoji="1" sz="1667" b="1">
+                <a:solidFill>
+                  <a:schemeClr val="tx1"/>
+                </a:solidFill>
+                <a:latin typeface="+mn-lt"/>
+                <a:ea typeface="+mn-ea"/>
+              </a:defRPr>
+            </a:lvl9pPr>
+          </a:lstStyle>
+          <a:p>
+            <a:pPr lvl="1"/>
+            <a:r>
+              <a:rPr lang="en-US" altLang="ko-KR" kern="0" dirty="0"/>
+              <a:t>zip</a:t>
+            </a:r>
+          </a:p>
+          <a:p>
+            <a:endParaRPr lang="en-US" altLang="ko-KR" kern="0" dirty="0"/>
+          </a:p>
+          <a:p>
+            <a:pPr marL="380985" lvl="1" indent="0">
+              <a:buNone/>
+            </a:pPr>
+            <a:endParaRPr lang="en-US" altLang="ko-KR" i="1" kern="0" dirty="0"/>
+          </a:p>
+        </p:txBody>
+      </p:sp>
+      <p:grpSp>
+        <p:nvGrpSpPr>
+          <p:cNvPr id="12" name="그룹 11">
+            <a:extLst>
+              <a:ext uri="{FF2B5EF4-FFF2-40B4-BE49-F238E27FC236}">
+                <a16:creationId xmlns:a16="http://schemas.microsoft.com/office/drawing/2014/main" id="{32B3BC2E-7930-B44F-D5F6-BE56BE9DC853}"/>
+              </a:ext>
+            </a:extLst>
+          </p:cNvPr>
+          <p:cNvGrpSpPr/>
+          <p:nvPr/>
+        </p:nvGrpSpPr>
+        <p:grpSpPr>
+          <a:xfrm>
+            <a:off x="1691680" y="3498850"/>
+            <a:ext cx="6668279" cy="256721"/>
+            <a:chOff x="1691680" y="3498850"/>
+            <a:chExt cx="6668279" cy="256721"/>
+          </a:xfrm>
+        </p:grpSpPr>
+        <p:sp>
+          <p:nvSpPr>
+            <p:cNvPr id="6" name="직사각형 5">
+              <a:extLst>
+                <a:ext uri="{FF2B5EF4-FFF2-40B4-BE49-F238E27FC236}">
+                  <a16:creationId xmlns:a16="http://schemas.microsoft.com/office/drawing/2014/main" id="{CB478D4A-D05F-823C-3643-C6F2F488B557}"/>
+                </a:ext>
+              </a:extLst>
+            </p:cNvPr>
+            <p:cNvSpPr/>
+            <p:nvPr/>
+          </p:nvSpPr>
+          <p:spPr>
+            <a:xfrm>
+              <a:off x="1691680" y="3505572"/>
+              <a:ext cx="2923863" cy="249999"/>
+            </a:xfrm>
+            <a:prstGeom prst="rect">
+              <a:avLst/>
+            </a:prstGeom>
+            <a:solidFill>
+              <a:srgbClr val="FFFFFF"/>
+            </a:solidFill>
+            <a:ln>
+              <a:solidFill>
+                <a:srgbClr val="0000FF"/>
+              </a:solidFill>
+            </a:ln>
+          </p:spPr>
+          <p:style>
+            <a:lnRef idx="2">
+              <a:schemeClr val="accent1">
+                <a:shade val="50000"/>
+              </a:schemeClr>
+            </a:lnRef>
+            <a:fillRef idx="1">
+              <a:schemeClr val="accent1"/>
+            </a:fillRef>
+            <a:effectRef idx="0">
+              <a:schemeClr val="accent1"/>
+            </a:effectRef>
+            <a:fontRef idx="minor">
+              <a:schemeClr val="lt1"/>
+            </a:fontRef>
+          </p:style>
+          <p:txBody>
+            <a:bodyPr rtlCol="0" anchor="ctr"/>
+            <a:lstStyle/>
+            <a:p>
+              <a:pPr algn="ctr"/>
+              <a:endParaRPr lang="ko-KR" altLang="en-US"/>
+            </a:p>
+          </p:txBody>
+        </p:sp>
+        <p:sp>
+          <p:nvSpPr>
+            <p:cNvPr id="10" name="직사각형 9">
+              <a:extLst>
+                <a:ext uri="{FF2B5EF4-FFF2-40B4-BE49-F238E27FC236}">
+                  <a16:creationId xmlns:a16="http://schemas.microsoft.com/office/drawing/2014/main" id="{03F7207C-D975-31E6-9575-4E6BC80236A9}"/>
+                </a:ext>
+              </a:extLst>
+            </p:cNvPr>
+            <p:cNvSpPr/>
+            <p:nvPr/>
+          </p:nvSpPr>
+          <p:spPr>
+            <a:xfrm>
+              <a:off x="5436096" y="3498850"/>
+              <a:ext cx="2923863" cy="249999"/>
+            </a:xfrm>
+            <a:prstGeom prst="rect">
+              <a:avLst/>
+            </a:prstGeom>
+            <a:solidFill>
+              <a:srgbClr val="FFFFFF"/>
+            </a:solidFill>
+            <a:ln>
+              <a:solidFill>
+                <a:srgbClr val="0000FF"/>
+              </a:solidFill>
+            </a:ln>
+          </p:spPr>
+          <p:style>
+            <a:lnRef idx="2">
+              <a:schemeClr val="accent1">
+                <a:shade val="50000"/>
+              </a:schemeClr>
+            </a:lnRef>
+            <a:fillRef idx="1">
+              <a:schemeClr val="accent1"/>
+            </a:fillRef>
+            <a:effectRef idx="0">
+              <a:schemeClr val="accent1"/>
+            </a:effectRef>
+            <a:fontRef idx="minor">
+              <a:schemeClr val="lt1"/>
+            </a:fontRef>
+          </p:style>
+          <p:txBody>
+            <a:bodyPr rtlCol="0" anchor="ctr"/>
+            <a:lstStyle/>
+            <a:p>
+              <a:pPr algn="ctr"/>
+              <a:endParaRPr lang="ko-KR" altLang="en-US"/>
+            </a:p>
+          </p:txBody>
+        </p:sp>
+      </p:grpSp>
     </p:spTree>
     <p:extLst>
       <p:ext uri="{BB962C8B-B14F-4D97-AF65-F5344CB8AC3E}">
-        <p14:creationId xmlns:p14="http://schemas.microsoft.com/office/powerpoint/2010/main" val="4063186335"/>
+        <p14:creationId xmlns:p14="http://schemas.microsoft.com/office/powerpoint/2010/main" val="3027793574"/>
       </p:ext>
     </p:extLst>
   </p:cSld>
   <p:clrMapOvr>
     <a:masterClrMapping/>
   </p:clrMapOvr>
+  <p:timing>
+    <p:tnLst>
+      <p:par>
+        <p:cTn id="1" dur="indefinite" restart="never" nodeType="tmRoot">
+          <p:childTnLst>
+            <p:seq concurrent="1" nextAc="seek">
+              <p:cTn id="2" dur="indefinite" nodeType="mainSeq">
+                <p:childTnLst>
+                  <p:par>
+                    <p:cTn id="3" fill="hold">
+                      <p:stCondLst>
+                        <p:cond delay="indefinite"/>
+                      </p:stCondLst>
+                      <p:childTnLst>
+                        <p:par>
+                          <p:cTn id="4" fill="hold">
+                            <p:stCondLst>
+                              <p:cond delay="0"/>
+                            </p:stCondLst>
+                            <p:childTnLst>
+                              <p:par>
+                                <p:cTn id="5" presetID="10" presetClass="exit" presetSubtype="0" fill="hold" nodeType="clickEffect">
+                                  <p:stCondLst>
+                                    <p:cond delay="0"/>
+                                  </p:stCondLst>
+                                  <p:childTnLst>
+                                    <p:animEffect transition="out" filter="fade">
+                                      <p:cBhvr>
+                                        <p:cTn id="6" dur="500"/>
+                                        <p:tgtEl>
+                                          <p:spTgt spid="12"/>
+                                        </p:tgtEl>
+                                      </p:cBhvr>
+                                    </p:animEffect>
+                                    <p:set>
+                                      <p:cBhvr>
+                                        <p:cTn id="7" dur="1" fill="hold">
+                                          <p:stCondLst>
+                                            <p:cond delay="499"/>
+                                          </p:stCondLst>
+                                        </p:cTn>
+                                        <p:tgtEl>
+                                          <p:spTgt spid="12"/>
+                                        </p:tgtEl>
+                                        <p:attrNameLst>
+                                          <p:attrName>style.visibility</p:attrName>
+                                        </p:attrNameLst>
+                                      </p:cBhvr>
+                                      <p:to>
+                                        <p:strVal val="hidden"/>
+                                      </p:to>
+                                    </p:set>
+                                  </p:childTnLst>
+                                </p:cTn>
+                              </p:par>
+                            </p:childTnLst>
+                          </p:cTn>
+                        </p:par>
+                      </p:childTnLst>
+                    </p:cTn>
+                  </p:par>
+                </p:childTnLst>
+              </p:cTn>
+              <p:prevCondLst>
+                <p:cond evt="onPrev" delay="0">
+                  <p:tgtEl>
+                    <p:sldTgt/>
+                  </p:tgtEl>
+                </p:cond>
+              </p:prevCondLst>
+              <p:nextCondLst>
+                <p:cond evt="onNext" delay="0">
+                  <p:tgtEl>
+                    <p:sldTgt/>
+                  </p:tgtEl>
+                </p:cond>
+              </p:nextCondLst>
+            </p:seq>
+          </p:childTnLst>
+        </p:cTn>
+      </p:par>
+    </p:tnLst>
+  </p:timing>
 </p:sld>
 </file>
 

--- a/2022-09-20/documents/CH_03_파이썬 기초_실습2.pptx
+++ b/2022-09-20/documents/CH_03_파이썬 기초_실습2.pptx
@@ -5,31 +5,33 @@
     <p:sldMasterId id="2147483970" r:id="rId1"/>
   </p:sldMasterIdLst>
   <p:notesMasterIdLst>
-    <p:notesMasterId r:id="rId21"/>
+    <p:notesMasterId r:id="rId23"/>
   </p:notesMasterIdLst>
   <p:handoutMasterIdLst>
-    <p:handoutMasterId r:id="rId22"/>
+    <p:handoutMasterId r:id="rId24"/>
   </p:handoutMasterIdLst>
   <p:sldIdLst>
     <p:sldId id="256" r:id="rId2"/>
     <p:sldId id="288" r:id="rId3"/>
     <p:sldId id="294" r:id="rId4"/>
-    <p:sldId id="369" r:id="rId5"/>
-    <p:sldId id="370" r:id="rId6"/>
-    <p:sldId id="345" r:id="rId7"/>
-    <p:sldId id="346" r:id="rId8"/>
-    <p:sldId id="347" r:id="rId9"/>
-    <p:sldId id="348" r:id="rId10"/>
-    <p:sldId id="355" r:id="rId11"/>
-    <p:sldId id="356" r:id="rId12"/>
-    <p:sldId id="349" r:id="rId13"/>
-    <p:sldId id="350" r:id="rId14"/>
-    <p:sldId id="352" r:id="rId15"/>
-    <p:sldId id="360" r:id="rId16"/>
-    <p:sldId id="358" r:id="rId17"/>
-    <p:sldId id="364" r:id="rId18"/>
-    <p:sldId id="365" r:id="rId19"/>
-    <p:sldId id="366" r:id="rId20"/>
+    <p:sldId id="372" r:id="rId5"/>
+    <p:sldId id="369" r:id="rId6"/>
+    <p:sldId id="370" r:id="rId7"/>
+    <p:sldId id="371" r:id="rId8"/>
+    <p:sldId id="345" r:id="rId9"/>
+    <p:sldId id="346" r:id="rId10"/>
+    <p:sldId id="347" r:id="rId11"/>
+    <p:sldId id="348" r:id="rId12"/>
+    <p:sldId id="355" r:id="rId13"/>
+    <p:sldId id="356" r:id="rId14"/>
+    <p:sldId id="349" r:id="rId15"/>
+    <p:sldId id="350" r:id="rId16"/>
+    <p:sldId id="352" r:id="rId17"/>
+    <p:sldId id="360" r:id="rId18"/>
+    <p:sldId id="358" r:id="rId19"/>
+    <p:sldId id="364" r:id="rId20"/>
+    <p:sldId id="365" r:id="rId21"/>
+    <p:sldId id="366" r:id="rId22"/>
   </p:sldIdLst>
   <p:sldSz cx="9144000" cy="5715000" type="screen16x10"/>
   <p:notesSz cx="7104063" cy="10234613"/>
@@ -740,7 +742,7 @@
           <a:p>
             <a:fld id="{8D2EE1D8-CF94-4B34-B47A-3155D616A20C}" type="slidenum">
               <a:rPr lang="ko-KR" altLang="en-US" smtClean="0"/>
-              <a:t>16</a:t>
+              <a:t>18</a:t>
             </a:fld>
             <a:endParaRPr lang="ko-KR" altLang="en-US"/>
           </a:p>
@@ -824,7 +826,7 @@
           <a:p>
             <a:fld id="{8D2EE1D8-CF94-4B34-B47A-3155D616A20C}" type="slidenum">
               <a:rPr lang="ko-KR" altLang="en-US" smtClean="0"/>
-              <a:t>17</a:t>
+              <a:t>19</a:t>
             </a:fld>
             <a:endParaRPr lang="ko-KR" altLang="en-US"/>
           </a:p>
@@ -908,7 +910,7 @@
           <a:p>
             <a:fld id="{8D2EE1D8-CF94-4B34-B47A-3155D616A20C}" type="slidenum">
               <a:rPr lang="ko-KR" altLang="en-US" smtClean="0"/>
-              <a:t>18</a:t>
+              <a:t>20</a:t>
             </a:fld>
             <a:endParaRPr lang="ko-KR" altLang="en-US"/>
           </a:p>
@@ -992,7 +994,7 @@
           <a:p>
             <a:fld id="{8D2EE1D8-CF94-4B34-B47A-3155D616A20C}" type="slidenum">
               <a:rPr lang="ko-KR" altLang="en-US" smtClean="0"/>
-              <a:t>19</a:t>
+              <a:t>21</a:t>
             </a:fld>
             <a:endParaRPr lang="ko-KR" altLang="en-US"/>
           </a:p>
@@ -7472,6 +7474,412 @@
           <a:p>
             <a:r>
               <a:rPr lang="en-US" altLang="ko-KR" dirty="0"/>
+              <a:t>3.1.2 </a:t>
+            </a:r>
+            <a:r>
+              <a:rPr lang="ko-KR" altLang="en-US" dirty="0"/>
+              <a:t>변수</a:t>
+            </a:r>
+            <a:r>
+              <a:rPr lang="en-US" altLang="ko-KR" dirty="0"/>
+              <a:t>(Variable)</a:t>
+            </a:r>
+          </a:p>
+          <a:p>
+            <a:pPr lvl="1"/>
+            <a:r>
+              <a:rPr lang="ko-KR" altLang="en-US" dirty="0"/>
+              <a:t>변수 </a:t>
+            </a:r>
+            <a:r>
+              <a:rPr lang="en-US" altLang="ko-KR" dirty="0"/>
+              <a:t>= </a:t>
+            </a:r>
+            <a:r>
+              <a:rPr lang="ko-KR" altLang="en-US" dirty="0"/>
+              <a:t>변하는 수</a:t>
+            </a:r>
+            <a:r>
+              <a:rPr lang="en-US" altLang="ko-KR" dirty="0"/>
+              <a:t> (</a:t>
+            </a:r>
+            <a:r>
+              <a:rPr lang="ko-KR" altLang="en-US" dirty="0"/>
+              <a:t>추상적 개념</a:t>
+            </a:r>
+            <a:r>
+              <a:rPr lang="en-US" altLang="ko-KR" dirty="0"/>
+              <a:t>)</a:t>
+            </a:r>
+          </a:p>
+        </p:txBody>
+      </p:sp>
+      <p:pic>
+        <p:nvPicPr>
+          <p:cNvPr id="7" name="그림 6">
+            <a:extLst>
+              <a:ext uri="{FF2B5EF4-FFF2-40B4-BE49-F238E27FC236}">
+                <a16:creationId xmlns:a16="http://schemas.microsoft.com/office/drawing/2014/main" id="{0137A27A-C724-873C-FA03-F4C6F8FC8465}"/>
+              </a:ext>
+            </a:extLst>
+          </p:cNvPr>
+          <p:cNvPicPr>
+            <a:picLocks noChangeAspect="1"/>
+          </p:cNvPicPr>
+          <p:nvPr/>
+        </p:nvPicPr>
+        <p:blipFill>
+          <a:blip r:embed="rId2"/>
+          <a:stretch>
+            <a:fillRect/>
+          </a:stretch>
+        </p:blipFill>
+        <p:spPr>
+          <a:xfrm>
+            <a:off x="1403648" y="2101868"/>
+            <a:ext cx="2376264" cy="3228310"/>
+          </a:xfrm>
+          <a:prstGeom prst="rect">
+            <a:avLst/>
+          </a:prstGeom>
+        </p:spPr>
+      </p:pic>
+      <p:pic>
+        <p:nvPicPr>
+          <p:cNvPr id="9" name="그림 8">
+            <a:extLst>
+              <a:ext uri="{FF2B5EF4-FFF2-40B4-BE49-F238E27FC236}">
+                <a16:creationId xmlns:a16="http://schemas.microsoft.com/office/drawing/2014/main" id="{03997FCF-B185-D678-69CA-7E5B243D03AA}"/>
+              </a:ext>
+            </a:extLst>
+          </p:cNvPr>
+          <p:cNvPicPr>
+            <a:picLocks noChangeAspect="1"/>
+          </p:cNvPicPr>
+          <p:nvPr/>
+        </p:nvPicPr>
+        <p:blipFill rotWithShape="1">
+          <a:blip r:embed="rId3"/>
+          <a:srcRect b="8540"/>
+          <a:stretch/>
+        </p:blipFill>
+        <p:spPr>
+          <a:xfrm>
+            <a:off x="4497760" y="2101869"/>
+            <a:ext cx="2522512" cy="3231676"/>
+          </a:xfrm>
+          <a:prstGeom prst="rect">
+            <a:avLst/>
+          </a:prstGeom>
+        </p:spPr>
+      </p:pic>
+    </p:spTree>
+    <p:extLst>
+      <p:ext uri="{BB962C8B-B14F-4D97-AF65-F5344CB8AC3E}">
+        <p14:creationId xmlns:p14="http://schemas.microsoft.com/office/powerpoint/2010/main" val="1529579461"/>
+      </p:ext>
+    </p:extLst>
+  </p:cSld>
+  <p:clrMapOvr>
+    <a:masterClrMapping/>
+  </p:clrMapOvr>
+</p:sld>
+</file>
+
+<file path=ppt/slides/slide11.xml><?xml version="1.0" encoding="utf-8"?>
+<p:sld xmlns:a="http://schemas.openxmlformats.org/drawingml/2006/main" xmlns:r="http://schemas.openxmlformats.org/officeDocument/2006/relationships" xmlns:p="http://schemas.openxmlformats.org/presentationml/2006/main">
+  <p:cSld>
+    <p:spTree>
+      <p:nvGrpSpPr>
+        <p:cNvPr id="1" name=""/>
+        <p:cNvGrpSpPr/>
+        <p:nvPr/>
+      </p:nvGrpSpPr>
+      <p:grpSpPr>
+        <a:xfrm>
+          <a:off x="0" y="0"/>
+          <a:ext cx="0" cy="0"/>
+          <a:chOff x="0" y="0"/>
+          <a:chExt cx="0" cy="0"/>
+        </a:xfrm>
+      </p:grpSpPr>
+      <p:sp>
+        <p:nvSpPr>
+          <p:cNvPr id="2" name="제목 1"/>
+          <p:cNvSpPr>
+            <a:spLocks noGrp="1"/>
+          </p:cNvSpPr>
+          <p:nvPr>
+            <p:ph type="title"/>
+          </p:nvPr>
+        </p:nvSpPr>
+        <p:spPr/>
+        <p:txBody>
+          <a:bodyPr/>
+          <a:lstStyle/>
+          <a:p>
+            <a:r>
+              <a:rPr lang="en-US" altLang="ko-KR" dirty="0"/>
+              <a:t>3.1 </a:t>
+            </a:r>
+            <a:r>
+              <a:rPr lang="ko-KR" altLang="en-US" dirty="0" err="1"/>
+              <a:t>파이썬의</a:t>
+            </a:r>
+            <a:r>
+              <a:rPr lang="ko-KR" altLang="en-US" dirty="0"/>
+              <a:t> 자료구조</a:t>
+            </a:r>
+          </a:p>
+        </p:txBody>
+      </p:sp>
+      <p:sp>
+        <p:nvSpPr>
+          <p:cNvPr id="3" name="내용 개체 틀 2"/>
+          <p:cNvSpPr>
+            <a:spLocks noGrp="1"/>
+          </p:cNvSpPr>
+          <p:nvPr>
+            <p:ph idx="1"/>
+          </p:nvPr>
+        </p:nvSpPr>
+        <p:spPr/>
+        <p:txBody>
+          <a:bodyPr>
+            <a:normAutofit/>
+          </a:bodyPr>
+          <a:lstStyle/>
+          <a:p>
+            <a:r>
+              <a:rPr lang="en-US" altLang="ko-KR" dirty="0"/>
+              <a:t>3.1.3 </a:t>
+            </a:r>
+            <a:r>
+              <a:rPr lang="ko-KR" altLang="en-US" dirty="0"/>
+              <a:t>컬렉션 </a:t>
+            </a:r>
+            <a:r>
+              <a:rPr lang="ko-KR" altLang="en-US" dirty="0" err="1"/>
+              <a:t>리터럴</a:t>
+            </a:r>
+            <a:endParaRPr lang="en-US" altLang="ko-KR" dirty="0"/>
+          </a:p>
+          <a:p>
+            <a:pPr lvl="1"/>
+            <a:r>
+              <a:rPr lang="en-US" altLang="ko-KR" dirty="0"/>
+              <a:t>List = []</a:t>
+            </a:r>
+          </a:p>
+          <a:p>
+            <a:pPr lvl="2"/>
+            <a:r>
+              <a:rPr lang="ko-KR" altLang="en-US" dirty="0"/>
+              <a:t>일반적인 배열</a:t>
+            </a:r>
+            <a:r>
+              <a:rPr lang="en-US" altLang="ko-KR" dirty="0"/>
+              <a:t>(</a:t>
+            </a:r>
+            <a:r>
+              <a:rPr lang="ko-KR" altLang="en-US" dirty="0"/>
+              <a:t>변경 가능</a:t>
+            </a:r>
+            <a:r>
+              <a:rPr lang="en-US" altLang="ko-KR" dirty="0"/>
+              <a:t>)</a:t>
+            </a:r>
+          </a:p>
+          <a:p>
+            <a:pPr lvl="1"/>
+            <a:r>
+              <a:rPr lang="en-US" altLang="ko-KR" dirty="0"/>
+              <a:t>Tuple = ()</a:t>
+            </a:r>
+          </a:p>
+          <a:p>
+            <a:pPr lvl="2"/>
+            <a:r>
+              <a:rPr lang="ko-KR" altLang="en-US" dirty="0"/>
+              <a:t>변경 불가능한 배열</a:t>
+            </a:r>
+            <a:endParaRPr lang="en-US" altLang="ko-KR" dirty="0"/>
+          </a:p>
+          <a:p>
+            <a:pPr lvl="1"/>
+            <a:r>
+              <a:rPr lang="en-US" altLang="ko-KR" dirty="0"/>
+              <a:t>Set = {}</a:t>
+            </a:r>
+          </a:p>
+          <a:p>
+            <a:pPr lvl="2"/>
+            <a:r>
+              <a:rPr lang="ko-KR" altLang="en-US" dirty="0"/>
+              <a:t>중복 불가능한 배열</a:t>
+            </a:r>
+            <a:r>
+              <a:rPr lang="en-US" altLang="ko-KR" dirty="0"/>
+              <a:t>, </a:t>
+            </a:r>
+            <a:r>
+              <a:rPr lang="ko-KR" altLang="en-US" dirty="0"/>
+              <a:t>순서를 보장받지 못함</a:t>
+            </a:r>
+            <a:endParaRPr lang="en-US" altLang="ko-KR" dirty="0"/>
+          </a:p>
+          <a:p>
+            <a:pPr lvl="1"/>
+            <a:r>
+              <a:rPr lang="en-US" altLang="ko-KR" dirty="0" err="1"/>
+              <a:t>Dict</a:t>
+            </a:r>
+            <a:r>
+              <a:rPr lang="en-US" altLang="ko-KR" dirty="0"/>
+              <a:t> = {</a:t>
+            </a:r>
+            <a:r>
+              <a:rPr lang="en-US" altLang="ko-KR" dirty="0" err="1"/>
+              <a:t>key:value</a:t>
+            </a:r>
+            <a:r>
+              <a:rPr lang="en-US" altLang="ko-KR" dirty="0"/>
+              <a:t>}</a:t>
+            </a:r>
+          </a:p>
+          <a:p>
+            <a:pPr lvl="2"/>
+            <a:r>
+              <a:rPr lang="en-US" altLang="ko-KR" dirty="0"/>
+              <a:t>key</a:t>
+            </a:r>
+            <a:r>
+              <a:rPr lang="ko-KR" altLang="en-US" dirty="0"/>
+              <a:t>와 </a:t>
+            </a:r>
+            <a:r>
+              <a:rPr lang="en-US" altLang="ko-KR" dirty="0"/>
+              <a:t>value</a:t>
+            </a:r>
+            <a:r>
+              <a:rPr lang="ko-KR" altLang="en-US" dirty="0"/>
+              <a:t>쌍으로 이루어진 자료형</a:t>
+            </a:r>
+            <a:endParaRPr lang="en-US" altLang="ko-KR" dirty="0"/>
+          </a:p>
+          <a:p>
+            <a:pPr lvl="2"/>
+            <a:r>
+              <a:rPr lang="en-US" altLang="ko-KR" dirty="0"/>
+              <a:t>Server</a:t>
+            </a:r>
+            <a:r>
+              <a:rPr lang="ko-KR" altLang="en-US" dirty="0"/>
+              <a:t> ↔ </a:t>
+            </a:r>
+            <a:r>
+              <a:rPr lang="en-US" altLang="ko-KR" dirty="0"/>
+              <a:t>Client </a:t>
+            </a:r>
+            <a:r>
+              <a:rPr lang="ko-KR" altLang="en-US" dirty="0"/>
+              <a:t>데이터 전송에 가장 많이 사용되는 </a:t>
+            </a:r>
+            <a:r>
+              <a:rPr lang="en-US" altLang="ko-KR" dirty="0" err="1"/>
+              <a:t>Json</a:t>
+            </a:r>
+            <a:r>
+              <a:rPr lang="en-US" altLang="ko-KR" dirty="0"/>
+              <a:t> </a:t>
+            </a:r>
+            <a:r>
+              <a:rPr lang="ko-KR" altLang="en-US" dirty="0"/>
+              <a:t>형식</a:t>
+            </a:r>
+            <a:endParaRPr lang="en-US" altLang="ko-KR" dirty="0"/>
+          </a:p>
+        </p:txBody>
+      </p:sp>
+    </p:spTree>
+    <p:extLst>
+      <p:ext uri="{BB962C8B-B14F-4D97-AF65-F5344CB8AC3E}">
+        <p14:creationId xmlns:p14="http://schemas.microsoft.com/office/powerpoint/2010/main" val="446072106"/>
+      </p:ext>
+    </p:extLst>
+  </p:cSld>
+  <p:clrMapOvr>
+    <a:masterClrMapping/>
+  </p:clrMapOvr>
+</p:sld>
+</file>
+
+<file path=ppt/slides/slide12.xml><?xml version="1.0" encoding="utf-8"?>
+<p:sld xmlns:a="http://schemas.openxmlformats.org/drawingml/2006/main" xmlns:r="http://schemas.openxmlformats.org/officeDocument/2006/relationships" xmlns:p="http://schemas.openxmlformats.org/presentationml/2006/main">
+  <p:cSld>
+    <p:spTree>
+      <p:nvGrpSpPr>
+        <p:cNvPr id="1" name=""/>
+        <p:cNvGrpSpPr/>
+        <p:nvPr/>
+      </p:nvGrpSpPr>
+      <p:grpSpPr>
+        <a:xfrm>
+          <a:off x="0" y="0"/>
+          <a:ext cx="0" cy="0"/>
+          <a:chOff x="0" y="0"/>
+          <a:chExt cx="0" cy="0"/>
+        </a:xfrm>
+      </p:grpSpPr>
+      <p:sp>
+        <p:nvSpPr>
+          <p:cNvPr id="2" name="제목 1"/>
+          <p:cNvSpPr>
+            <a:spLocks noGrp="1"/>
+          </p:cNvSpPr>
+          <p:nvPr>
+            <p:ph type="title"/>
+          </p:nvPr>
+        </p:nvSpPr>
+        <p:spPr/>
+        <p:txBody>
+          <a:bodyPr/>
+          <a:lstStyle/>
+          <a:p>
+            <a:r>
+              <a:rPr lang="en-US" altLang="ko-KR" dirty="0"/>
+              <a:t>3.1 </a:t>
+            </a:r>
+            <a:r>
+              <a:rPr lang="ko-KR" altLang="en-US" dirty="0" err="1"/>
+              <a:t>파이썬의</a:t>
+            </a:r>
+            <a:r>
+              <a:rPr lang="ko-KR" altLang="en-US" dirty="0"/>
+              <a:t> 자료구조</a:t>
+            </a:r>
+          </a:p>
+        </p:txBody>
+      </p:sp>
+      <p:sp>
+        <p:nvSpPr>
+          <p:cNvPr id="3" name="내용 개체 틀 2"/>
+          <p:cNvSpPr>
+            <a:spLocks noGrp="1"/>
+          </p:cNvSpPr>
+          <p:nvPr>
+            <p:ph idx="1"/>
+          </p:nvPr>
+        </p:nvSpPr>
+        <p:spPr/>
+        <p:txBody>
+          <a:bodyPr>
+            <a:normAutofit/>
+          </a:bodyPr>
+          <a:lstStyle/>
+          <a:p>
+            <a:r>
+              <a:rPr lang="en-US" altLang="ko-KR" dirty="0"/>
               <a:t>3.1.3 </a:t>
             </a:r>
             <a:r>
@@ -7620,7 +8028,7 @@
 </p:sld>
 </file>
 
-<file path=ppt/slides/slide11.xml><?xml version="1.0" encoding="utf-8"?>
+<file path=ppt/slides/slide13.xml><?xml version="1.0" encoding="utf-8"?>
 <p:sld xmlns:a="http://schemas.openxmlformats.org/drawingml/2006/main" xmlns:r="http://schemas.openxmlformats.org/officeDocument/2006/relationships" xmlns:p="http://schemas.openxmlformats.org/presentationml/2006/main">
   <p:cSld>
     <p:spTree>
@@ -7846,7 +8254,7 @@
 </p:sld>
 </file>
 
-<file path=ppt/slides/slide12.xml><?xml version="1.0" encoding="utf-8"?>
+<file path=ppt/slides/slide14.xml><?xml version="1.0" encoding="utf-8"?>
 <p:sld xmlns:a="http://schemas.openxmlformats.org/drawingml/2006/main" xmlns:r="http://schemas.openxmlformats.org/officeDocument/2006/relationships" xmlns:p="http://schemas.openxmlformats.org/presentationml/2006/main">
   <p:cSld>
     <p:spTree>
@@ -8015,7 +8423,7 @@
 </p:sld>
 </file>
 
-<file path=ppt/slides/slide13.xml><?xml version="1.0" encoding="utf-8"?>
+<file path=ppt/slides/slide15.xml><?xml version="1.0" encoding="utf-8"?>
 <p:sld xmlns:a="http://schemas.openxmlformats.org/drawingml/2006/main" xmlns:r="http://schemas.openxmlformats.org/officeDocument/2006/relationships" xmlns:p="http://schemas.openxmlformats.org/presentationml/2006/main">
   <p:cSld>
     <p:spTree>
@@ -8220,7 +8628,7 @@
 </p:sld>
 </file>
 
-<file path=ppt/slides/slide14.xml><?xml version="1.0" encoding="utf-8"?>
+<file path=ppt/slides/slide16.xml><?xml version="1.0" encoding="utf-8"?>
 <p:sld xmlns:a="http://schemas.openxmlformats.org/drawingml/2006/main" xmlns:r="http://schemas.openxmlformats.org/officeDocument/2006/relationships" xmlns:p="http://schemas.openxmlformats.org/presentationml/2006/main">
   <p:cSld>
     <p:spTree>
@@ -8487,7 +8895,7 @@
 </p:sld>
 </file>
 
-<file path=ppt/slides/slide15.xml><?xml version="1.0" encoding="utf-8"?>
+<file path=ppt/slides/slide17.xml><?xml version="1.0" encoding="utf-8"?>
 <p:sld xmlns:a="http://schemas.openxmlformats.org/drawingml/2006/main" xmlns:r="http://schemas.openxmlformats.org/officeDocument/2006/relationships" xmlns:p="http://schemas.openxmlformats.org/presentationml/2006/main">
   <p:cSld>
     <p:spTree>
@@ -8641,7 +9049,7 @@
 </p:sld>
 </file>
 
-<file path=ppt/slides/slide16.xml><?xml version="1.0" encoding="utf-8"?>
+<file path=ppt/slides/slide18.xml><?xml version="1.0" encoding="utf-8"?>
 <p:sld xmlns:a="http://schemas.openxmlformats.org/drawingml/2006/main" xmlns:r="http://schemas.openxmlformats.org/officeDocument/2006/relationships" xmlns:p="http://schemas.openxmlformats.org/presentationml/2006/main">
   <p:cSld>
     <p:spTree>
@@ -10005,7 +10413,7 @@
 </p:sld>
 </file>
 
-<file path=ppt/slides/slide17.xml><?xml version="1.0" encoding="utf-8"?>
+<file path=ppt/slides/slide19.xml><?xml version="1.0" encoding="utf-8"?>
 <p:sld xmlns:a="http://schemas.openxmlformats.org/drawingml/2006/main" xmlns:r="http://schemas.openxmlformats.org/officeDocument/2006/relationships" xmlns:p="http://schemas.openxmlformats.org/presentationml/2006/main">
   <p:cSld>
     <p:spTree>
@@ -11255,7 +11663,163 @@
 </p:sld>
 </file>
 
-<file path=ppt/slides/slide18.xml><?xml version="1.0" encoding="utf-8"?>
+<file path=ppt/slides/slide2.xml><?xml version="1.0" encoding="utf-8"?>
+<p:sld xmlns:a="http://schemas.openxmlformats.org/drawingml/2006/main" xmlns:r="http://schemas.openxmlformats.org/officeDocument/2006/relationships" xmlns:p="http://schemas.openxmlformats.org/presentationml/2006/main">
+  <p:cSld>
+    <p:spTree>
+      <p:nvGrpSpPr>
+        <p:cNvPr id="1" name=""/>
+        <p:cNvGrpSpPr/>
+        <p:nvPr/>
+      </p:nvGrpSpPr>
+      <p:grpSpPr>
+        <a:xfrm>
+          <a:off x="0" y="0"/>
+          <a:ext cx="0" cy="0"/>
+          <a:chOff x="0" y="0"/>
+          <a:chExt cx="0" cy="0"/>
+        </a:xfrm>
+      </p:grpSpPr>
+      <p:sp>
+        <p:nvSpPr>
+          <p:cNvPr id="4" name="제목 3"/>
+          <p:cNvSpPr>
+            <a:spLocks noGrp="1"/>
+          </p:cNvSpPr>
+          <p:nvPr>
+            <p:ph type="title"/>
+          </p:nvPr>
+        </p:nvSpPr>
+        <p:spPr/>
+        <p:txBody>
+          <a:bodyPr/>
+          <a:lstStyle/>
+          <a:p>
+            <a:r>
+              <a:rPr lang="ko-KR" altLang="en-US"/>
+              <a:t>목차</a:t>
+            </a:r>
+            <a:endParaRPr lang="ko-KR" altLang="en-US" dirty="0"/>
+          </a:p>
+        </p:txBody>
+      </p:sp>
+      <p:sp>
+        <p:nvSpPr>
+          <p:cNvPr id="3" name="내용 개체 틀 2"/>
+          <p:cNvSpPr>
+            <a:spLocks noGrp="1"/>
+          </p:cNvSpPr>
+          <p:nvPr>
+            <p:ph idx="1"/>
+          </p:nvPr>
+        </p:nvSpPr>
+        <p:spPr/>
+        <p:txBody>
+          <a:bodyPr/>
+          <a:lstStyle/>
+          <a:p>
+            <a:pPr fontAlgn="base"/>
+            <a:r>
+              <a:rPr lang="en-US" altLang="ko-KR" dirty="0"/>
+              <a:t>3.1 .for</a:t>
+            </a:r>
+            <a:r>
+              <a:rPr lang="ko-KR" altLang="en-US" dirty="0"/>
+              <a:t>문</a:t>
+            </a:r>
+            <a:endParaRPr lang="en-US" altLang="ko-KR" dirty="0"/>
+          </a:p>
+          <a:p>
+            <a:pPr lvl="1"/>
+            <a:r>
+              <a:rPr lang="en-US" altLang="ko-KR" dirty="0"/>
+              <a:t>enumerate</a:t>
+            </a:r>
+          </a:p>
+          <a:p>
+            <a:pPr lvl="1"/>
+            <a:r>
+              <a:rPr lang="en-US" altLang="ko-KR" dirty="0"/>
+              <a:t>zip</a:t>
+            </a:r>
+            <a:endParaRPr lang="ko-KR" altLang="en-US" dirty="0"/>
+          </a:p>
+          <a:p>
+            <a:r>
+              <a:rPr lang="en-US" altLang="ko-KR" dirty="0"/>
+              <a:t>3.2 </a:t>
+            </a:r>
+            <a:r>
+              <a:rPr lang="ko-KR" altLang="en-US" dirty="0"/>
+              <a:t>함수와 라이브러리</a:t>
+            </a:r>
+            <a:endParaRPr lang="en-US" altLang="ko-KR" dirty="0"/>
+          </a:p>
+          <a:p>
+            <a:pPr lvl="1"/>
+            <a:r>
+              <a:rPr lang="ko-KR" altLang="en-US" dirty="0"/>
+              <a:t>내장함수</a:t>
+            </a:r>
+            <a:endParaRPr lang="en-US" altLang="ko-KR" dirty="0"/>
+          </a:p>
+          <a:p>
+            <a:pPr lvl="1"/>
+            <a:r>
+              <a:rPr lang="ko-KR" altLang="en-US" dirty="0"/>
+              <a:t>함수</a:t>
+            </a:r>
+            <a:endParaRPr lang="en-US" altLang="ko-KR" dirty="0"/>
+          </a:p>
+          <a:p>
+            <a:pPr lvl="1"/>
+            <a:r>
+              <a:rPr lang="ko-KR" altLang="en-US" dirty="0"/>
+              <a:t>모듈</a:t>
+            </a:r>
+            <a:r>
+              <a:rPr lang="en-US" altLang="ko-KR" dirty="0"/>
+              <a:t>, </a:t>
+            </a:r>
+            <a:r>
+              <a:rPr lang="ko-KR" altLang="en-US" dirty="0"/>
+              <a:t>패키지</a:t>
+            </a:r>
+            <a:endParaRPr lang="en-US" altLang="ko-KR" dirty="0"/>
+          </a:p>
+          <a:p>
+            <a:r>
+              <a:rPr lang="en-US" altLang="ko-KR" dirty="0"/>
+              <a:t>3.3 </a:t>
+            </a:r>
+            <a:r>
+              <a:rPr lang="en-US" altLang="ko-KR" dirty="0" err="1"/>
+              <a:t>numpy</a:t>
+            </a:r>
+            <a:endParaRPr lang="en-US" altLang="ko-KR" dirty="0"/>
+          </a:p>
+          <a:p>
+            <a:pPr marL="0" indent="0">
+              <a:buNone/>
+            </a:pPr>
+            <a:endParaRPr lang="ko-KR" altLang="en-US" dirty="0"/>
+          </a:p>
+        </p:txBody>
+      </p:sp>
+    </p:spTree>
+    <p:extLst>
+      <p:ext uri="{BB962C8B-B14F-4D97-AF65-F5344CB8AC3E}">
+        <p14:creationId xmlns:p14="http://schemas.microsoft.com/office/powerpoint/2010/main" val="489532094"/>
+      </p:ext>
+    </p:extLst>
+  </p:cSld>
+  <p:clrMapOvr>
+    <a:masterClrMapping/>
+  </p:clrMapOvr>
+</p:sld>
+</file>
+
+<file path=ppt/slides/slide20.xml><?xml version="1.0" encoding="utf-8"?>
 <p:sld xmlns:a="http://schemas.openxmlformats.org/drawingml/2006/main" xmlns:r="http://schemas.openxmlformats.org/officeDocument/2006/relationships" xmlns:p="http://schemas.openxmlformats.org/presentationml/2006/main">
   <p:cSld>
     <p:spTree>
@@ -12787,7 +13351,7 @@
 </p:sld>
 </file>
 
-<file path=ppt/slides/slide19.xml><?xml version="1.0" encoding="utf-8"?>
+<file path=ppt/slides/slide21.xml><?xml version="1.0" encoding="utf-8"?>
 <p:sld xmlns:a="http://schemas.openxmlformats.org/drawingml/2006/main" xmlns:r="http://schemas.openxmlformats.org/officeDocument/2006/relationships" xmlns:p="http://schemas.openxmlformats.org/presentationml/2006/main">
   <p:cSld>
     <p:spTree>
@@ -14144,162 +14708,6 @@
 </p:sld>
 </file>
 
-<file path=ppt/slides/slide2.xml><?xml version="1.0" encoding="utf-8"?>
-<p:sld xmlns:a="http://schemas.openxmlformats.org/drawingml/2006/main" xmlns:r="http://schemas.openxmlformats.org/officeDocument/2006/relationships" xmlns:p="http://schemas.openxmlformats.org/presentationml/2006/main">
-  <p:cSld>
-    <p:spTree>
-      <p:nvGrpSpPr>
-        <p:cNvPr id="1" name=""/>
-        <p:cNvGrpSpPr/>
-        <p:nvPr/>
-      </p:nvGrpSpPr>
-      <p:grpSpPr>
-        <a:xfrm>
-          <a:off x="0" y="0"/>
-          <a:ext cx="0" cy="0"/>
-          <a:chOff x="0" y="0"/>
-          <a:chExt cx="0" cy="0"/>
-        </a:xfrm>
-      </p:grpSpPr>
-      <p:sp>
-        <p:nvSpPr>
-          <p:cNvPr id="4" name="제목 3"/>
-          <p:cNvSpPr>
-            <a:spLocks noGrp="1"/>
-          </p:cNvSpPr>
-          <p:nvPr>
-            <p:ph type="title"/>
-          </p:nvPr>
-        </p:nvSpPr>
-        <p:spPr/>
-        <p:txBody>
-          <a:bodyPr/>
-          <a:lstStyle/>
-          <a:p>
-            <a:r>
-              <a:rPr lang="ko-KR" altLang="en-US"/>
-              <a:t>목차</a:t>
-            </a:r>
-            <a:endParaRPr lang="ko-KR" altLang="en-US" dirty="0"/>
-          </a:p>
-        </p:txBody>
-      </p:sp>
-      <p:sp>
-        <p:nvSpPr>
-          <p:cNvPr id="3" name="내용 개체 틀 2"/>
-          <p:cNvSpPr>
-            <a:spLocks noGrp="1"/>
-          </p:cNvSpPr>
-          <p:nvPr>
-            <p:ph idx="1"/>
-          </p:nvPr>
-        </p:nvSpPr>
-        <p:spPr/>
-        <p:txBody>
-          <a:bodyPr/>
-          <a:lstStyle/>
-          <a:p>
-            <a:pPr fontAlgn="base"/>
-            <a:r>
-              <a:rPr lang="en-US" altLang="ko-KR" dirty="0"/>
-              <a:t>3.1 .for</a:t>
-            </a:r>
-            <a:r>
-              <a:rPr lang="ko-KR" altLang="en-US" dirty="0"/>
-              <a:t>문</a:t>
-            </a:r>
-            <a:endParaRPr lang="en-US" altLang="ko-KR" dirty="0"/>
-          </a:p>
-          <a:p>
-            <a:pPr lvl="1"/>
-            <a:r>
-              <a:rPr lang="en-US" altLang="ko-KR" dirty="0"/>
-              <a:t>enumerate</a:t>
-            </a:r>
-          </a:p>
-          <a:p>
-            <a:pPr lvl="1"/>
-            <a:r>
-              <a:rPr lang="en-US" altLang="ko-KR" dirty="0"/>
-              <a:t>zip</a:t>
-            </a:r>
-            <a:endParaRPr lang="ko-KR" altLang="en-US" dirty="0"/>
-          </a:p>
-          <a:p>
-            <a:r>
-              <a:rPr lang="en-US" altLang="ko-KR" dirty="0"/>
-              <a:t>3.2 </a:t>
-            </a:r>
-            <a:r>
-              <a:rPr lang="ko-KR" altLang="en-US" dirty="0"/>
-              <a:t>함수와 라이브러리</a:t>
-            </a:r>
-            <a:endParaRPr lang="en-US" altLang="ko-KR" dirty="0"/>
-          </a:p>
-          <a:p>
-            <a:pPr lvl="1"/>
-            <a:r>
-              <a:rPr lang="ko-KR" altLang="en-US" dirty="0"/>
-              <a:t>내장함수</a:t>
-            </a:r>
-            <a:endParaRPr lang="en-US" altLang="ko-KR" dirty="0"/>
-          </a:p>
-          <a:p>
-            <a:pPr lvl="1"/>
-            <a:r>
-              <a:rPr lang="ko-KR" altLang="en-US" dirty="0"/>
-              <a:t>함수</a:t>
-            </a:r>
-            <a:endParaRPr lang="en-US" altLang="ko-KR" dirty="0"/>
-          </a:p>
-          <a:p>
-            <a:pPr lvl="1"/>
-            <a:r>
-              <a:rPr lang="ko-KR" altLang="en-US" dirty="0"/>
-              <a:t>모듈</a:t>
-            </a:r>
-            <a:r>
-              <a:rPr lang="en-US" altLang="ko-KR" dirty="0"/>
-              <a:t>, </a:t>
-            </a:r>
-            <a:r>
-              <a:rPr lang="ko-KR" altLang="en-US" dirty="0"/>
-              <a:t>패키지</a:t>
-            </a:r>
-            <a:endParaRPr lang="en-US" altLang="ko-KR" dirty="0"/>
-          </a:p>
-          <a:p>
-            <a:r>
-              <a:rPr lang="en-US" altLang="ko-KR" dirty="0"/>
-              <a:t>3.3 </a:t>
-            </a:r>
-            <a:r>
-              <a:rPr lang="en-US" altLang="ko-KR" dirty="0" err="1"/>
-              <a:t>numpy</a:t>
-            </a:r>
-            <a:endParaRPr lang="en-US" altLang="ko-KR" dirty="0"/>
-          </a:p>
-          <a:p>
-            <a:pPr marL="0" indent="0">
-              <a:buNone/>
-            </a:pPr>
-            <a:endParaRPr lang="ko-KR" altLang="en-US" dirty="0"/>
-          </a:p>
-        </p:txBody>
-      </p:sp>
-    </p:spTree>
-    <p:extLst>
-      <p:ext uri="{BB962C8B-B14F-4D97-AF65-F5344CB8AC3E}">
-        <p14:creationId xmlns:p14="http://schemas.microsoft.com/office/powerpoint/2010/main" val="489532094"/>
-      </p:ext>
-    </p:extLst>
-  </p:cSld>
-  <p:clrMapOvr>
-    <a:masterClrMapping/>
-  </p:clrMapOvr>
-</p:sld>
-</file>
-
 <file path=ppt/slides/slide3.xml><?xml version="1.0" encoding="utf-8"?>
 <p:sld xmlns:a="http://schemas.openxmlformats.org/drawingml/2006/main" xmlns:r="http://schemas.openxmlformats.org/officeDocument/2006/relationships" xmlns:p="http://schemas.openxmlformats.org/presentationml/2006/main">
   <p:cSld>
@@ -14377,189 +14785,66 @@
           <a:p>
             <a:pPr lvl="1"/>
             <a:r>
-              <a:rPr lang="ko-KR" altLang="en-US" dirty="0"/>
-              <a:t>조건</a:t>
-            </a:r>
-            <a:endParaRPr lang="en-US" altLang="ko-KR" dirty="0"/>
+              <a:rPr lang="en-US" altLang="ko-KR" sz="1600" dirty="0"/>
+              <a:t>enumerate</a:t>
+            </a:r>
           </a:p>
           <a:p>
             <a:pPr lvl="2"/>
             <a:r>
-              <a:rPr lang="ko-KR" altLang="en-US" sz="1600" dirty="0"/>
-              <a:t>입력</a:t>
-            </a:r>
+              <a:rPr lang="en-US" altLang="ko-KR" sz="1433" dirty="0"/>
+              <a:t>Index, Value</a:t>
+            </a:r>
+            <a:r>
+              <a:rPr lang="ko-KR" altLang="en-US" sz="1433" dirty="0"/>
+              <a:t>를 한번에 사용할 수 있게 해 주는 </a:t>
+            </a:r>
+            <a:r>
+              <a:rPr lang="ko-KR" altLang="en-US" sz="1433" dirty="0" err="1"/>
+              <a:t>파이썬의</a:t>
+            </a:r>
+            <a:r>
+              <a:rPr lang="ko-KR" altLang="en-US" sz="1433" dirty="0"/>
+              <a:t> 내장 함수</a:t>
+            </a:r>
+            <a:endParaRPr lang="en-US" altLang="ko-KR" sz="1433" dirty="0"/>
+          </a:p>
+          <a:p>
+            <a:pPr lvl="2"/>
+            <a:endParaRPr lang="en-US" altLang="ko-KR" sz="1433" dirty="0"/>
+          </a:p>
+          <a:p>
+            <a:pPr marL="380985" lvl="1" indent="0">
+              <a:buNone/>
+            </a:pPr>
             <a:endParaRPr lang="en-US" altLang="ko-KR" sz="1600" dirty="0"/>
           </a:p>
           <a:p>
-            <a:pPr lvl="3"/>
-            <a:r>
-              <a:rPr lang="en-US" altLang="ko-KR" sz="1433" dirty="0"/>
-              <a:t>names = [“ </a:t>
-            </a:r>
+            <a:pPr lvl="1"/>
+            <a:endParaRPr lang="en-US" altLang="ko-KR" sz="1600" dirty="0"/>
+          </a:p>
+          <a:p>
+            <a:pPr lvl="1"/>
+            <a:r>
+              <a:rPr lang="en-US" altLang="ko-KR" sz="1600" dirty="0"/>
+              <a:t>zip</a:t>
+            </a:r>
+          </a:p>
+          <a:p>
+            <a:pPr lvl="2"/>
             <a:r>
               <a:rPr lang="ko-KR" altLang="en-US" sz="1433" dirty="0"/>
-              <a:t>홍길동</a:t>
-            </a:r>
-            <a:r>
-              <a:rPr lang="en-US" altLang="ko-KR" sz="1433" dirty="0"/>
-              <a:t>”, “</a:t>
+              <a:t>두개 이상의 배열을 한번에 사용할 수 있게 해주는 </a:t>
+            </a:r>
+            <a:r>
+              <a:rPr lang="ko-KR" altLang="en-US" sz="1433" dirty="0" err="1"/>
+              <a:t>파이썬의</a:t>
             </a:r>
             <a:r>
               <a:rPr lang="ko-KR" altLang="en-US" sz="1433" dirty="0"/>
-              <a:t>이순신</a:t>
-            </a:r>
-            <a:r>
-              <a:rPr lang="en-US" altLang="ko-KR" sz="1433" dirty="0"/>
-              <a:t>”, “</a:t>
-            </a:r>
-            <a:r>
-              <a:rPr lang="ko-KR" altLang="en-US" sz="1433" dirty="0"/>
-              <a:t>세종</a:t>
-            </a:r>
-            <a:r>
-              <a:rPr lang="en-US" altLang="ko-KR" sz="1433" dirty="0"/>
-              <a:t>“, “</a:t>
-            </a:r>
-            <a:r>
-              <a:rPr lang="ko-KR" altLang="en-US" sz="1433" dirty="0"/>
-              <a:t>아이언맨</a:t>
-            </a:r>
-            <a:r>
-              <a:rPr lang="en-US" altLang="ko-KR" sz="1433" dirty="0"/>
-              <a:t>“, “</a:t>
-            </a:r>
-            <a:r>
-              <a:rPr lang="ko-KR" altLang="en-US" sz="1433" dirty="0"/>
-              <a:t>슈퍼맨</a:t>
-            </a:r>
-            <a:r>
-              <a:rPr lang="en-US" altLang="ko-KR" sz="1433" dirty="0"/>
-              <a:t>”]</a:t>
-            </a:r>
-          </a:p>
-          <a:p>
-            <a:pPr lvl="3"/>
-            <a:r>
-              <a:rPr lang="en-US" altLang="ko-KR" sz="1433" dirty="0"/>
-              <a:t>scores = [30, 50, 100, 20, 70]</a:t>
-            </a:r>
-          </a:p>
-          <a:p>
-            <a:pPr lvl="3"/>
+              <a:t> 내장 함수</a:t>
+            </a:r>
             <a:endParaRPr lang="en-US" altLang="ko-KR" sz="1433" dirty="0"/>
-          </a:p>
-          <a:p>
-            <a:pPr lvl="2"/>
-            <a:r>
-              <a:rPr lang="ko-KR" altLang="en-US" sz="1600" dirty="0"/>
-              <a:t>조건</a:t>
-            </a:r>
-            <a:endParaRPr lang="en-US" altLang="ko-KR" sz="1600" dirty="0"/>
-          </a:p>
-          <a:p>
-            <a:pPr lvl="3"/>
-            <a:r>
-              <a:rPr lang="en-US" altLang="ko-KR" sz="1433" dirty="0"/>
-              <a:t>names</a:t>
-            </a:r>
-            <a:r>
-              <a:rPr lang="ko-KR" altLang="en-US" sz="1433" dirty="0"/>
-              <a:t>와 </a:t>
-            </a:r>
-            <a:r>
-              <a:rPr lang="en-US" altLang="ko-KR" sz="1433" dirty="0"/>
-              <a:t>scores</a:t>
-            </a:r>
-            <a:r>
-              <a:rPr lang="ko-KR" altLang="en-US" sz="1433" dirty="0"/>
-              <a:t>배열이 주어진다</a:t>
-            </a:r>
-            <a:r>
-              <a:rPr lang="en-US" altLang="ko-KR" sz="1433" dirty="0"/>
-              <a:t>.</a:t>
-            </a:r>
-          </a:p>
-          <a:p>
-            <a:pPr lvl="3"/>
-            <a:r>
-              <a:rPr lang="ko-KR" altLang="en-US" sz="1433" dirty="0"/>
-              <a:t>주어진 배열을 이용하여 </a:t>
-            </a:r>
-            <a:r>
-              <a:rPr lang="en-US" altLang="ko-KR" sz="1433" dirty="0" err="1"/>
-              <a:t>dict</a:t>
-            </a:r>
-            <a:r>
-              <a:rPr lang="en-US" altLang="ko-KR" sz="1433" dirty="0"/>
-              <a:t> </a:t>
-            </a:r>
-            <a:r>
-              <a:rPr lang="ko-KR" altLang="en-US" sz="1433" dirty="0"/>
-              <a:t>형식으로 출력하여라</a:t>
-            </a:r>
-            <a:r>
-              <a:rPr lang="en-US" altLang="ko-KR" sz="1433" dirty="0"/>
-              <a:t>.</a:t>
-            </a:r>
-          </a:p>
-          <a:p>
-            <a:pPr lvl="3"/>
-            <a:endParaRPr lang="en-US" altLang="ko-KR" sz="1433" dirty="0"/>
-          </a:p>
-          <a:p>
-            <a:pPr lvl="2"/>
-            <a:r>
-              <a:rPr lang="ko-KR" altLang="en-US" sz="1600" dirty="0"/>
-              <a:t>출력 예시</a:t>
-            </a:r>
-            <a:endParaRPr lang="en-US" altLang="ko-KR" sz="1600" dirty="0"/>
-          </a:p>
-          <a:p>
-            <a:pPr lvl="3"/>
-            <a:r>
-              <a:rPr lang="en-US" altLang="ko-KR" sz="1433" dirty="0"/>
-              <a:t>{'</a:t>
-            </a:r>
-            <a:r>
-              <a:rPr lang="ko-KR" altLang="en-US" sz="1433" dirty="0"/>
-              <a:t>홍길동</a:t>
-            </a:r>
-            <a:r>
-              <a:rPr lang="en-US" altLang="ko-KR" sz="1433" dirty="0"/>
-              <a:t>': 30, '</a:t>
-            </a:r>
-            <a:r>
-              <a:rPr lang="ko-KR" altLang="en-US" sz="1433" dirty="0"/>
-              <a:t>이순신</a:t>
-            </a:r>
-            <a:r>
-              <a:rPr lang="en-US" altLang="ko-KR" sz="1433" dirty="0"/>
-              <a:t>': 50, '</a:t>
-            </a:r>
-            <a:r>
-              <a:rPr lang="ko-KR" altLang="en-US" sz="1433" dirty="0"/>
-              <a:t>세종</a:t>
-            </a:r>
-            <a:r>
-              <a:rPr lang="en-US" altLang="ko-KR" sz="1433" dirty="0"/>
-              <a:t>': 100, '</a:t>
-            </a:r>
-            <a:r>
-              <a:rPr lang="ko-KR" altLang="en-US" sz="1433" dirty="0"/>
-              <a:t>아이언맨</a:t>
-            </a:r>
-            <a:r>
-              <a:rPr lang="en-US" altLang="ko-KR" sz="1433" dirty="0"/>
-              <a:t>': 20, '</a:t>
-            </a:r>
-            <a:r>
-              <a:rPr lang="ko-KR" altLang="en-US" sz="1433" dirty="0"/>
-              <a:t>슈퍼맨</a:t>
-            </a:r>
-            <a:r>
-              <a:rPr lang="en-US" altLang="ko-KR" sz="1433" dirty="0"/>
-              <a:t>': 70}</a:t>
-            </a:r>
           </a:p>
         </p:txBody>
       </p:sp>
@@ -14642,6 +14927,282 @@
           <a:p>
             <a:r>
               <a:rPr lang="en-US" altLang="ko-KR" dirty="0"/>
+              <a:t>3.1 for</a:t>
+            </a:r>
+            <a:r>
+              <a:rPr lang="ko-KR" altLang="en-US" dirty="0"/>
+              <a:t>문</a:t>
+            </a:r>
+            <a:endParaRPr lang="en-US" altLang="ko-KR" dirty="0"/>
+          </a:p>
+          <a:p>
+            <a:pPr lvl="1"/>
+            <a:r>
+              <a:rPr lang="ko-KR" altLang="en-US" dirty="0"/>
+              <a:t>조건</a:t>
+            </a:r>
+            <a:endParaRPr lang="en-US" altLang="ko-KR" dirty="0"/>
+          </a:p>
+          <a:p>
+            <a:pPr lvl="2"/>
+            <a:r>
+              <a:rPr lang="ko-KR" altLang="en-US" sz="1600" dirty="0"/>
+              <a:t>입력</a:t>
+            </a:r>
+            <a:endParaRPr lang="en-US" altLang="ko-KR" sz="1600" dirty="0"/>
+          </a:p>
+          <a:p>
+            <a:pPr lvl="3"/>
+            <a:r>
+              <a:rPr lang="en-US" altLang="ko-KR" sz="1433" dirty="0"/>
+              <a:t>names = [“ </a:t>
+            </a:r>
+            <a:r>
+              <a:rPr lang="ko-KR" altLang="en-US" sz="1433" dirty="0"/>
+              <a:t>홍길동</a:t>
+            </a:r>
+            <a:r>
+              <a:rPr lang="en-US" altLang="ko-KR" sz="1433" dirty="0"/>
+              <a:t>”, “</a:t>
+            </a:r>
+            <a:r>
+              <a:rPr lang="ko-KR" altLang="en-US" sz="1433" dirty="0"/>
+              <a:t>이순신</a:t>
+            </a:r>
+            <a:r>
+              <a:rPr lang="en-US" altLang="ko-KR" sz="1433" dirty="0"/>
+              <a:t>”, “</a:t>
+            </a:r>
+            <a:r>
+              <a:rPr lang="ko-KR" altLang="en-US" sz="1433" dirty="0"/>
+              <a:t>세종</a:t>
+            </a:r>
+            <a:r>
+              <a:rPr lang="en-US" altLang="ko-KR" sz="1433" dirty="0"/>
+              <a:t>“, “</a:t>
+            </a:r>
+            <a:r>
+              <a:rPr lang="ko-KR" altLang="en-US" sz="1433" dirty="0"/>
+              <a:t>아이언맨</a:t>
+            </a:r>
+            <a:r>
+              <a:rPr lang="en-US" altLang="ko-KR" sz="1433" dirty="0"/>
+              <a:t>“, “</a:t>
+            </a:r>
+            <a:r>
+              <a:rPr lang="ko-KR" altLang="en-US" sz="1433" dirty="0"/>
+              <a:t>슈퍼맨</a:t>
+            </a:r>
+            <a:r>
+              <a:rPr lang="en-US" altLang="ko-KR" sz="1433" dirty="0"/>
+              <a:t>”]</a:t>
+            </a:r>
+          </a:p>
+          <a:p>
+            <a:pPr lvl="3"/>
+            <a:r>
+              <a:rPr lang="en-US" altLang="ko-KR" sz="1433" dirty="0"/>
+              <a:t>scores = [30, 50, 100, 20, 70]</a:t>
+            </a:r>
+          </a:p>
+          <a:p>
+            <a:pPr lvl="3"/>
+            <a:endParaRPr lang="en-US" altLang="ko-KR" sz="1433" dirty="0"/>
+          </a:p>
+          <a:p>
+            <a:pPr lvl="2"/>
+            <a:r>
+              <a:rPr lang="ko-KR" altLang="en-US" sz="1600" dirty="0"/>
+              <a:t>조건</a:t>
+            </a:r>
+            <a:endParaRPr lang="en-US" altLang="ko-KR" sz="1600" dirty="0"/>
+          </a:p>
+          <a:p>
+            <a:pPr lvl="3"/>
+            <a:r>
+              <a:rPr lang="en-US" altLang="ko-KR" sz="1433" dirty="0"/>
+              <a:t>names</a:t>
+            </a:r>
+            <a:r>
+              <a:rPr lang="ko-KR" altLang="en-US" sz="1433" dirty="0"/>
+              <a:t>와 </a:t>
+            </a:r>
+            <a:r>
+              <a:rPr lang="en-US" altLang="ko-KR" sz="1433" dirty="0"/>
+              <a:t>scores</a:t>
+            </a:r>
+            <a:r>
+              <a:rPr lang="ko-KR" altLang="en-US" sz="1433" dirty="0"/>
+              <a:t>배열이 주어진다</a:t>
+            </a:r>
+            <a:r>
+              <a:rPr lang="en-US" altLang="ko-KR" sz="1433" dirty="0"/>
+              <a:t>.</a:t>
+            </a:r>
+          </a:p>
+          <a:p>
+            <a:pPr lvl="3"/>
+            <a:r>
+              <a:rPr lang="ko-KR" altLang="en-US" sz="1433" dirty="0"/>
+              <a:t>주어진 배열을 이용하여 </a:t>
+            </a:r>
+            <a:r>
+              <a:rPr lang="en-US" altLang="ko-KR" sz="1433" dirty="0" err="1"/>
+              <a:t>dict</a:t>
+            </a:r>
+            <a:r>
+              <a:rPr lang="en-US" altLang="ko-KR" sz="1433" dirty="0"/>
+              <a:t> </a:t>
+            </a:r>
+            <a:r>
+              <a:rPr lang="ko-KR" altLang="en-US" sz="1433" dirty="0"/>
+              <a:t>형식으로 출력하여라</a:t>
+            </a:r>
+            <a:r>
+              <a:rPr lang="en-US" altLang="ko-KR" sz="1433" dirty="0"/>
+              <a:t>.</a:t>
+            </a:r>
+          </a:p>
+          <a:p>
+            <a:pPr lvl="3"/>
+            <a:endParaRPr lang="en-US" altLang="ko-KR" sz="1433" dirty="0"/>
+          </a:p>
+          <a:p>
+            <a:pPr lvl="2"/>
+            <a:r>
+              <a:rPr lang="ko-KR" altLang="en-US" sz="1600" dirty="0"/>
+              <a:t>출력 예시</a:t>
+            </a:r>
+            <a:endParaRPr lang="en-US" altLang="ko-KR" sz="1600" dirty="0"/>
+          </a:p>
+          <a:p>
+            <a:pPr lvl="3"/>
+            <a:r>
+              <a:rPr lang="en-US" altLang="ko-KR" sz="1433" dirty="0"/>
+              <a:t>{'</a:t>
+            </a:r>
+            <a:r>
+              <a:rPr lang="ko-KR" altLang="en-US" sz="1433" dirty="0"/>
+              <a:t>홍길동</a:t>
+            </a:r>
+            <a:r>
+              <a:rPr lang="en-US" altLang="ko-KR" sz="1433" dirty="0"/>
+              <a:t>': 30, '</a:t>
+            </a:r>
+            <a:r>
+              <a:rPr lang="ko-KR" altLang="en-US" sz="1433" dirty="0"/>
+              <a:t>이순신</a:t>
+            </a:r>
+            <a:r>
+              <a:rPr lang="en-US" altLang="ko-KR" sz="1433" dirty="0"/>
+              <a:t>': 50, '</a:t>
+            </a:r>
+            <a:r>
+              <a:rPr lang="ko-KR" altLang="en-US" sz="1433" dirty="0"/>
+              <a:t>세종</a:t>
+            </a:r>
+            <a:r>
+              <a:rPr lang="en-US" altLang="ko-KR" sz="1433" dirty="0"/>
+              <a:t>': 100, '</a:t>
+            </a:r>
+            <a:r>
+              <a:rPr lang="ko-KR" altLang="en-US" sz="1433" dirty="0"/>
+              <a:t>아이언맨</a:t>
+            </a:r>
+            <a:r>
+              <a:rPr lang="en-US" altLang="ko-KR" sz="1433" dirty="0"/>
+              <a:t>': 20, '</a:t>
+            </a:r>
+            <a:r>
+              <a:rPr lang="ko-KR" altLang="en-US" sz="1433" dirty="0"/>
+              <a:t>슈퍼맨</a:t>
+            </a:r>
+            <a:r>
+              <a:rPr lang="en-US" altLang="ko-KR" sz="1433" dirty="0"/>
+              <a:t>': 70}</a:t>
+            </a:r>
+          </a:p>
+        </p:txBody>
+      </p:sp>
+    </p:spTree>
+    <p:extLst>
+      <p:ext uri="{BB962C8B-B14F-4D97-AF65-F5344CB8AC3E}">
+        <p14:creationId xmlns:p14="http://schemas.microsoft.com/office/powerpoint/2010/main" val="1948495562"/>
+      </p:ext>
+    </p:extLst>
+  </p:cSld>
+  <p:clrMapOvr>
+    <a:masterClrMapping/>
+  </p:clrMapOvr>
+</p:sld>
+</file>
+
+<file path=ppt/slides/slide5.xml><?xml version="1.0" encoding="utf-8"?>
+<p:sld xmlns:a="http://schemas.openxmlformats.org/drawingml/2006/main" xmlns:r="http://schemas.openxmlformats.org/officeDocument/2006/relationships" xmlns:p="http://schemas.openxmlformats.org/presentationml/2006/main">
+  <p:cSld>
+    <p:spTree>
+      <p:nvGrpSpPr>
+        <p:cNvPr id="1" name=""/>
+        <p:cNvGrpSpPr/>
+        <p:nvPr/>
+      </p:nvGrpSpPr>
+      <p:grpSpPr>
+        <a:xfrm>
+          <a:off x="0" y="0"/>
+          <a:ext cx="0" cy="0"/>
+          <a:chOff x="0" y="0"/>
+          <a:chExt cx="0" cy="0"/>
+        </a:xfrm>
+      </p:grpSpPr>
+      <p:sp>
+        <p:nvSpPr>
+          <p:cNvPr id="2" name="제목 1"/>
+          <p:cNvSpPr>
+            <a:spLocks noGrp="1"/>
+          </p:cNvSpPr>
+          <p:nvPr>
+            <p:ph type="title"/>
+          </p:nvPr>
+        </p:nvSpPr>
+        <p:spPr/>
+        <p:txBody>
+          <a:bodyPr/>
+          <a:lstStyle/>
+          <a:p>
+            <a:r>
+              <a:rPr lang="en-US" altLang="ko-KR" dirty="0"/>
+              <a:t>3.1 </a:t>
+            </a:r>
+            <a:r>
+              <a:rPr lang="ko-KR" altLang="en-US" dirty="0" err="1"/>
+              <a:t>파이썬의</a:t>
+            </a:r>
+            <a:r>
+              <a:rPr lang="ko-KR" altLang="en-US" dirty="0"/>
+              <a:t> 자료구조</a:t>
+            </a:r>
+          </a:p>
+        </p:txBody>
+      </p:sp>
+      <p:sp>
+        <p:nvSpPr>
+          <p:cNvPr id="3" name="내용 개체 틀 2"/>
+          <p:cNvSpPr>
+            <a:spLocks noGrp="1"/>
+          </p:cNvSpPr>
+          <p:nvPr>
+            <p:ph idx="1"/>
+          </p:nvPr>
+        </p:nvSpPr>
+        <p:spPr/>
+        <p:txBody>
+          <a:bodyPr>
+            <a:normAutofit/>
+          </a:bodyPr>
+          <a:lstStyle/>
+          <a:p>
+            <a:r>
+              <a:rPr lang="en-US" altLang="ko-KR" dirty="0"/>
               <a:t>3.1.1 for</a:t>
             </a:r>
             <a:r>
@@ -14666,7 +15227,7 @@
         </p:nvSpPr>
         <p:spPr>
           <a:xfrm>
-            <a:off x="1331640" y="2713484"/>
+            <a:off x="868449" y="2775048"/>
             <a:ext cx="3681139" cy="1323439"/>
           </a:xfrm>
           <a:prstGeom prst="rect">
@@ -15110,7 +15671,7 @@
         </p:nvSpPr>
         <p:spPr>
           <a:xfrm>
-            <a:off x="718762" y="2387130"/>
+            <a:off x="255571" y="2448694"/>
             <a:ext cx="3997254" cy="398363"/>
           </a:xfrm>
           <a:prstGeom prst="rect">
@@ -15337,8 +15898,8 @@
         </p:nvSpPr>
         <p:spPr>
           <a:xfrm>
-            <a:off x="5066014" y="2713484"/>
-            <a:ext cx="3681139" cy="1569660"/>
+            <a:off x="4449024" y="2775048"/>
+            <a:ext cx="4906586" cy="1323439"/>
           </a:xfrm>
           <a:prstGeom prst="rect">
             <a:avLst/>
@@ -15517,7 +16078,7 @@
         </p:nvSpPr>
         <p:spPr>
           <a:xfrm>
-            <a:off x="4453136" y="2387131"/>
+            <a:off x="3836146" y="2448695"/>
             <a:ext cx="3431232" cy="398362"/>
           </a:xfrm>
           <a:prstGeom prst="rect">
@@ -15743,7 +16304,7 @@
 </p:sld>
 </file>
 
-<file path=ppt/slides/slide5.xml><?xml version="1.0" encoding="utf-8"?>
+<file path=ppt/slides/slide6.xml><?xml version="1.0" encoding="utf-8"?>
 <p:sld xmlns:a="http://schemas.openxmlformats.org/drawingml/2006/main" xmlns:r="http://schemas.openxmlformats.org/officeDocument/2006/relationships" xmlns:p="http://schemas.openxmlformats.org/presentationml/2006/main">
   <p:cSld>
     <p:spTree>
@@ -17125,199 +17686,6 @@
 </p:sld>
 </file>
 
-<file path=ppt/slides/slide6.xml><?xml version="1.0" encoding="utf-8"?>
-<p:sld xmlns:a="http://schemas.openxmlformats.org/drawingml/2006/main" xmlns:r="http://schemas.openxmlformats.org/officeDocument/2006/relationships" xmlns:p="http://schemas.openxmlformats.org/presentationml/2006/main">
-  <p:cSld>
-    <p:spTree>
-      <p:nvGrpSpPr>
-        <p:cNvPr id="1" name=""/>
-        <p:cNvGrpSpPr/>
-        <p:nvPr/>
-      </p:nvGrpSpPr>
-      <p:grpSpPr>
-        <a:xfrm>
-          <a:off x="0" y="0"/>
-          <a:ext cx="0" cy="0"/>
-          <a:chOff x="0" y="0"/>
-          <a:chExt cx="0" cy="0"/>
-        </a:xfrm>
-      </p:grpSpPr>
-      <p:sp>
-        <p:nvSpPr>
-          <p:cNvPr id="2" name="제목 1"/>
-          <p:cNvSpPr>
-            <a:spLocks noGrp="1"/>
-          </p:cNvSpPr>
-          <p:nvPr>
-            <p:ph type="title"/>
-          </p:nvPr>
-        </p:nvSpPr>
-        <p:spPr/>
-        <p:txBody>
-          <a:bodyPr/>
-          <a:lstStyle/>
-          <a:p>
-            <a:r>
-              <a:rPr lang="en-US" altLang="ko-KR" dirty="0"/>
-              <a:t>3.1 </a:t>
-            </a:r>
-            <a:r>
-              <a:rPr lang="ko-KR" altLang="en-US" dirty="0" err="1"/>
-              <a:t>파이썬의</a:t>
-            </a:r>
-            <a:r>
-              <a:rPr lang="ko-KR" altLang="en-US" dirty="0"/>
-              <a:t> 자료구조</a:t>
-            </a:r>
-          </a:p>
-        </p:txBody>
-      </p:sp>
-      <p:sp>
-        <p:nvSpPr>
-          <p:cNvPr id="3" name="내용 개체 틀 2"/>
-          <p:cNvSpPr>
-            <a:spLocks noGrp="1"/>
-          </p:cNvSpPr>
-          <p:nvPr>
-            <p:ph idx="1"/>
-          </p:nvPr>
-        </p:nvSpPr>
-        <p:spPr/>
-        <p:txBody>
-          <a:bodyPr>
-            <a:normAutofit/>
-          </a:bodyPr>
-          <a:lstStyle/>
-          <a:p>
-            <a:r>
-              <a:rPr lang="en-US" altLang="ko-KR" dirty="0"/>
-              <a:t>3.1.1 </a:t>
-            </a:r>
-            <a:r>
-              <a:rPr lang="ko-KR" altLang="en-US" dirty="0"/>
-              <a:t>상수</a:t>
-            </a:r>
-            <a:r>
-              <a:rPr lang="en-US" altLang="ko-KR" dirty="0"/>
-              <a:t>(Constant)</a:t>
-            </a:r>
-          </a:p>
-          <a:p>
-            <a:pPr lvl="1"/>
-            <a:r>
-              <a:rPr lang="ko-KR" altLang="en-US" dirty="0" err="1"/>
-              <a:t>리터럴의</a:t>
-            </a:r>
-            <a:r>
-              <a:rPr lang="ko-KR" altLang="en-US" dirty="0"/>
-              <a:t> 종류</a:t>
-            </a:r>
-            <a:endParaRPr lang="en-US" altLang="ko-KR" dirty="0"/>
-          </a:p>
-          <a:p>
-            <a:pPr lvl="2"/>
-            <a:r>
-              <a:rPr lang="ko-KR" altLang="en-US" dirty="0"/>
-              <a:t>숫자 </a:t>
-            </a:r>
-            <a:r>
-              <a:rPr lang="ko-KR" altLang="en-US" dirty="0" err="1"/>
-              <a:t>리터럴</a:t>
-            </a:r>
-            <a:endParaRPr lang="en-US" altLang="ko-KR" dirty="0"/>
-          </a:p>
-          <a:p>
-            <a:pPr lvl="3"/>
-            <a:r>
-              <a:rPr lang="ko-KR" altLang="en-US" dirty="0"/>
-              <a:t>정수</a:t>
-            </a:r>
-            <a:r>
-              <a:rPr lang="en-US" altLang="ko-KR" dirty="0"/>
-              <a:t>, </a:t>
-            </a:r>
-            <a:r>
-              <a:rPr lang="ko-KR" altLang="en-US" dirty="0"/>
-              <a:t>실수</a:t>
-            </a:r>
-            <a:r>
-              <a:rPr lang="en-US" altLang="ko-KR" dirty="0"/>
-              <a:t>, </a:t>
-            </a:r>
-            <a:r>
-              <a:rPr lang="ko-KR" altLang="en-US" dirty="0"/>
-              <a:t>복소수</a:t>
-            </a:r>
-            <a:endParaRPr lang="en-US" altLang="ko-KR" dirty="0"/>
-          </a:p>
-          <a:p>
-            <a:pPr lvl="4"/>
-            <a:r>
-              <a:rPr lang="en-US" altLang="ko-KR" dirty="0"/>
-              <a:t>4, 3.141592, 3+5j</a:t>
-            </a:r>
-          </a:p>
-          <a:p>
-            <a:pPr lvl="2"/>
-            <a:r>
-              <a:rPr lang="ko-KR" altLang="en-US" dirty="0"/>
-              <a:t>문자 </a:t>
-            </a:r>
-            <a:r>
-              <a:rPr lang="ko-KR" altLang="en-US" dirty="0" err="1"/>
-              <a:t>리터럴</a:t>
-            </a:r>
-            <a:endParaRPr lang="en-US" altLang="ko-KR" dirty="0"/>
-          </a:p>
-          <a:p>
-            <a:pPr lvl="3"/>
-            <a:r>
-              <a:rPr lang="ko-KR" altLang="en-US" dirty="0"/>
-              <a:t>따옴표로 묶인 문자</a:t>
-            </a:r>
-            <a:endParaRPr lang="en-US" altLang="ko-KR" dirty="0"/>
-          </a:p>
-          <a:p>
-            <a:pPr lvl="4"/>
-            <a:r>
-              <a:rPr lang="en-US" altLang="ko-KR" dirty="0"/>
-              <a:t>“This is Python”, ‘This is Python’</a:t>
-            </a:r>
-          </a:p>
-          <a:p>
-            <a:pPr lvl="2"/>
-            <a:r>
-              <a:rPr lang="ko-KR" altLang="en-US" dirty="0"/>
-              <a:t>논리값 </a:t>
-            </a:r>
-            <a:r>
-              <a:rPr lang="ko-KR" altLang="en-US" dirty="0" err="1"/>
-              <a:t>리터럴</a:t>
-            </a:r>
-            <a:endParaRPr lang="en-US" altLang="ko-KR" dirty="0"/>
-          </a:p>
-          <a:p>
-            <a:pPr lvl="3"/>
-            <a:r>
-              <a:rPr lang="en-US" altLang="ko-KR" dirty="0"/>
-              <a:t>True, False</a:t>
-            </a:r>
-          </a:p>
-        </p:txBody>
-      </p:sp>
-    </p:spTree>
-    <p:extLst>
-      <p:ext uri="{BB962C8B-B14F-4D97-AF65-F5344CB8AC3E}">
-        <p14:creationId xmlns:p14="http://schemas.microsoft.com/office/powerpoint/2010/main" val="3158594236"/>
-      </p:ext>
-    </p:extLst>
-  </p:cSld>
-  <p:clrMapOvr>
-    <a:masterClrMapping/>
-  </p:clrMapOvr>
-</p:sld>
-</file>
-
 <file path=ppt/slides/slide7.xml><?xml version="1.0" encoding="utf-8"?>
 <p:sld xmlns:a="http://schemas.openxmlformats.org/drawingml/2006/main" xmlns:r="http://schemas.openxmlformats.org/officeDocument/2006/relationships" xmlns:p="http://schemas.openxmlformats.org/presentationml/2006/main">
   <p:cSld>
@@ -17384,97 +17752,431 @@
           <a:p>
             <a:r>
               <a:rPr lang="en-US" altLang="ko-KR" dirty="0"/>
-              <a:t>3.1.1 </a:t>
+              <a:t>3.2 </a:t>
             </a:r>
             <a:r>
               <a:rPr lang="ko-KR" altLang="en-US" dirty="0"/>
-              <a:t>상수</a:t>
-            </a:r>
-            <a:r>
-              <a:rPr lang="en-US" altLang="ko-KR" dirty="0"/>
-              <a:t>(Constant)</a:t>
-            </a:r>
+              <a:t>함수와 라이브러리</a:t>
+            </a:r>
+            <a:endParaRPr lang="en-US" altLang="ko-KR" dirty="0"/>
           </a:p>
           <a:p>
             <a:pPr lvl="1"/>
             <a:r>
-              <a:rPr lang="ko-KR" altLang="en-US" dirty="0" err="1"/>
-              <a:t>리터럴의</a:t>
-            </a:r>
-            <a:r>
               <a:rPr lang="ko-KR" altLang="en-US" dirty="0"/>
-              <a:t> 종류</a:t>
+              <a:t>조건</a:t>
             </a:r>
             <a:endParaRPr lang="en-US" altLang="ko-KR" dirty="0"/>
           </a:p>
           <a:p>
             <a:pPr lvl="2"/>
             <a:r>
-              <a:rPr lang="ko-KR" altLang="en-US" dirty="0"/>
-              <a:t>특수 </a:t>
-            </a:r>
-            <a:r>
-              <a:rPr lang="ko-KR" altLang="en-US" dirty="0" err="1"/>
-              <a:t>리터럴</a:t>
-            </a:r>
-            <a:endParaRPr lang="en-US" altLang="ko-KR" dirty="0"/>
+              <a:rPr lang="ko-KR" altLang="en-US" sz="1600" dirty="0"/>
+              <a:t>입력</a:t>
+            </a:r>
+            <a:endParaRPr lang="en-US" altLang="ko-KR" sz="1600" dirty="0"/>
           </a:p>
           <a:p>
             <a:pPr lvl="3"/>
             <a:r>
-              <a:rPr lang="en-US" altLang="ko-KR" dirty="0"/>
-              <a:t>None</a:t>
-            </a:r>
-          </a:p>
-          <a:p>
-            <a:pPr lvl="4"/>
-            <a:r>
-              <a:rPr lang="ko-KR" altLang="en-US" dirty="0"/>
-              <a:t>다른 언어에서는 </a:t>
-            </a:r>
-            <a:r>
-              <a:rPr lang="en-US" altLang="ko-KR" dirty="0"/>
-              <a:t>null</a:t>
-            </a:r>
-            <a:r>
-              <a:rPr lang="ko-KR" altLang="en-US" dirty="0"/>
-              <a:t>을 많이 사용함</a:t>
-            </a:r>
-            <a:r>
-              <a:rPr lang="en-US" altLang="ko-KR" dirty="0"/>
+              <a:rPr lang="ko-KR" altLang="en-US" sz="1433" dirty="0"/>
+              <a:t>자유</a:t>
+            </a:r>
+            <a:endParaRPr lang="en-US" altLang="ko-KR" sz="1433" dirty="0"/>
+          </a:p>
+          <a:p>
+            <a:pPr lvl="3"/>
+            <a:endParaRPr lang="en-US" altLang="ko-KR" sz="1433" dirty="0"/>
+          </a:p>
+          <a:p>
+            <a:pPr lvl="2"/>
+            <a:r>
+              <a:rPr lang="ko-KR" altLang="en-US" sz="1600" dirty="0"/>
+              <a:t>조건</a:t>
+            </a:r>
+            <a:endParaRPr lang="en-US" altLang="ko-KR" sz="1600" dirty="0"/>
+          </a:p>
+          <a:p>
+            <a:pPr lvl="3"/>
+            <a:r>
+              <a:rPr lang="ko-KR" altLang="en-US" sz="1433" dirty="0"/>
+              <a:t>구구단을 </a:t>
+            </a:r>
+            <a:r>
+              <a:rPr lang="en-US" altLang="ko-KR" sz="1433" dirty="0"/>
+              <a:t>1</a:t>
+            </a:r>
+            <a:r>
+              <a:rPr lang="ko-KR" altLang="en-US" sz="1433" dirty="0"/>
+              <a:t>단부터 </a:t>
+            </a:r>
+            <a:r>
+              <a:rPr lang="en-US" altLang="ko-KR" sz="1433" dirty="0"/>
+              <a:t>9</a:t>
+            </a:r>
+            <a:r>
+              <a:rPr lang="ko-KR" altLang="en-US" sz="1433" dirty="0"/>
+              <a:t>단까지 출력하라</a:t>
+            </a:r>
+            <a:r>
+              <a:rPr lang="en-US" altLang="ko-KR" sz="1433" dirty="0"/>
               <a:t>.</a:t>
             </a:r>
           </a:p>
+        </p:txBody>
+      </p:sp>
+      <p:sp>
+        <p:nvSpPr>
+          <p:cNvPr id="5" name="내용 개체 틀 8">
+            <a:extLst>
+              <a:ext uri="{FF2B5EF4-FFF2-40B4-BE49-F238E27FC236}">
+                <a16:creationId xmlns:a16="http://schemas.microsoft.com/office/drawing/2014/main" id="{5D61D468-AF4F-7CC1-C768-2333D4FE2934}"/>
+              </a:ext>
+            </a:extLst>
+          </p:cNvPr>
+          <p:cNvSpPr txBox="1">
+            <a:spLocks/>
+          </p:cNvSpPr>
+          <p:nvPr/>
+        </p:nvSpPr>
+        <p:spPr>
+          <a:xfrm>
+            <a:off x="4716016" y="1633364"/>
+            <a:ext cx="2016224" cy="288032"/>
+          </a:xfrm>
+          <a:prstGeom prst="rect">
+            <a:avLst/>
+          </a:prstGeom>
+        </p:spPr>
+        <p:txBody>
+          <a:bodyPr/>
+          <a:lstStyle>
+            <a:lvl1pPr marL="285739" indent="-285739" algn="l" rtl="0" eaLnBrk="1" fontAlgn="base" latinLnBrk="1" hangingPunct="1">
+              <a:spcBef>
+                <a:spcPct val="20000"/>
+              </a:spcBef>
+              <a:spcAft>
+                <a:spcPct val="0"/>
+              </a:spcAft>
+              <a:buClr>
+                <a:srgbClr val="0000FF"/>
+              </a:buClr>
+              <a:buSzPct val="90000"/>
+              <a:buFont typeface="Wingdings" pitchFamily="2" charset="2"/>
+              <a:buChar char="n"/>
+              <a:defRPr kumimoji="1" sz="2333" b="1">
+                <a:solidFill>
+                  <a:schemeClr val="tx1"/>
+                </a:solidFill>
+                <a:latin typeface="+mn-lt"/>
+                <a:ea typeface="맑은 고딕" pitchFamily="50" charset="-127"/>
+                <a:cs typeface="+mn-cs"/>
+              </a:defRPr>
+            </a:lvl1pPr>
+            <a:lvl2pPr marL="619100" indent="-238115" algn="l" rtl="0" eaLnBrk="1" fontAlgn="base" latinLnBrk="1" hangingPunct="1">
+              <a:spcBef>
+                <a:spcPct val="20000"/>
+              </a:spcBef>
+              <a:spcAft>
+                <a:spcPct val="0"/>
+              </a:spcAft>
+              <a:buClr>
+                <a:schemeClr val="hlink"/>
+              </a:buClr>
+              <a:buSzPct val="75000"/>
+              <a:buFont typeface="Wingdings" pitchFamily="2" charset="2"/>
+              <a:buChar char="u"/>
+              <a:defRPr kumimoji="1" sz="2167" b="1">
+                <a:solidFill>
+                  <a:schemeClr val="tx1"/>
+                </a:solidFill>
+                <a:latin typeface="+mn-lt"/>
+                <a:ea typeface="맑은 고딕" pitchFamily="50" charset="-127"/>
+              </a:defRPr>
+            </a:lvl2pPr>
+            <a:lvl3pPr marL="952462" indent="-190492" algn="l" rtl="0" eaLnBrk="1" fontAlgn="base" latinLnBrk="1" hangingPunct="1">
+              <a:spcBef>
+                <a:spcPct val="20000"/>
+              </a:spcBef>
+              <a:spcAft>
+                <a:spcPct val="0"/>
+              </a:spcAft>
+              <a:buClr>
+                <a:srgbClr val="3399FF"/>
+              </a:buClr>
+              <a:buSzPct val="55000"/>
+              <a:buFont typeface="Wingdings" pitchFamily="2" charset="2"/>
+              <a:buChar char="l"/>
+              <a:defRPr kumimoji="1" sz="2000" b="1">
+                <a:solidFill>
+                  <a:schemeClr val="tx1"/>
+                </a:solidFill>
+                <a:latin typeface="+mn-lt"/>
+                <a:ea typeface="맑은 고딕" pitchFamily="50" charset="-127"/>
+              </a:defRPr>
+            </a:lvl3pPr>
+            <a:lvl4pPr marL="1333447" indent="-190492" algn="l" rtl="0" eaLnBrk="1" fontAlgn="base" latinLnBrk="1" hangingPunct="1">
+              <a:spcBef>
+                <a:spcPct val="20000"/>
+              </a:spcBef>
+              <a:spcAft>
+                <a:spcPct val="0"/>
+              </a:spcAft>
+              <a:buClr>
+                <a:srgbClr val="009900"/>
+              </a:buClr>
+              <a:buFont typeface="Wingdings" pitchFamily="2" charset="2"/>
+              <a:buChar char="§"/>
+              <a:defRPr kumimoji="1" sz="1833" b="1">
+                <a:solidFill>
+                  <a:schemeClr val="tx1"/>
+                </a:solidFill>
+                <a:latin typeface="+mn-lt"/>
+                <a:ea typeface="맑은 고딕" pitchFamily="50" charset="-127"/>
+              </a:defRPr>
+            </a:lvl4pPr>
+            <a:lvl5pPr marL="1714431" indent="-190492" algn="l" rtl="0" eaLnBrk="1" fontAlgn="base" latinLnBrk="1" hangingPunct="1">
+              <a:spcBef>
+                <a:spcPct val="20000"/>
+              </a:spcBef>
+              <a:spcAft>
+                <a:spcPct val="0"/>
+              </a:spcAft>
+              <a:buClr>
+                <a:schemeClr val="tx1"/>
+              </a:buClr>
+              <a:buFont typeface="Wingdings" pitchFamily="2" charset="2"/>
+              <a:buChar char="§"/>
+              <a:defRPr kumimoji="1" sz="1667" b="1">
+                <a:solidFill>
+                  <a:schemeClr val="tx1"/>
+                </a:solidFill>
+                <a:latin typeface="+mn-lt"/>
+                <a:ea typeface="맑은 고딕" pitchFamily="50" charset="-127"/>
+              </a:defRPr>
+            </a:lvl5pPr>
+            <a:lvl6pPr marL="2095416" indent="-190492" algn="l" rtl="0" eaLnBrk="1" fontAlgn="base" latinLnBrk="1" hangingPunct="1">
+              <a:spcBef>
+                <a:spcPct val="20000"/>
+              </a:spcBef>
+              <a:spcAft>
+                <a:spcPct val="0"/>
+              </a:spcAft>
+              <a:buClr>
+                <a:schemeClr val="tx1"/>
+              </a:buClr>
+              <a:buFont typeface="Wingdings" pitchFamily="2" charset="2"/>
+              <a:buChar char="§"/>
+              <a:defRPr kumimoji="1" sz="1667" b="1">
+                <a:solidFill>
+                  <a:schemeClr val="tx1"/>
+                </a:solidFill>
+                <a:latin typeface="+mn-lt"/>
+                <a:ea typeface="+mn-ea"/>
+              </a:defRPr>
+            </a:lvl6pPr>
+            <a:lvl7pPr marL="2476401" indent="-190492" algn="l" rtl="0" eaLnBrk="1" fontAlgn="base" latinLnBrk="1" hangingPunct="1">
+              <a:spcBef>
+                <a:spcPct val="20000"/>
+              </a:spcBef>
+              <a:spcAft>
+                <a:spcPct val="0"/>
+              </a:spcAft>
+              <a:buClr>
+                <a:schemeClr val="tx1"/>
+              </a:buClr>
+              <a:buFont typeface="Wingdings" pitchFamily="2" charset="2"/>
+              <a:buChar char="§"/>
+              <a:defRPr kumimoji="1" sz="1667" b="1">
+                <a:solidFill>
+                  <a:schemeClr val="tx1"/>
+                </a:solidFill>
+                <a:latin typeface="+mn-lt"/>
+                <a:ea typeface="+mn-ea"/>
+              </a:defRPr>
+            </a:lvl7pPr>
+            <a:lvl8pPr marL="2857386" indent="-190492" algn="l" rtl="0" eaLnBrk="1" fontAlgn="base" latinLnBrk="1" hangingPunct="1">
+              <a:spcBef>
+                <a:spcPct val="20000"/>
+              </a:spcBef>
+              <a:spcAft>
+                <a:spcPct val="0"/>
+              </a:spcAft>
+              <a:buClr>
+                <a:schemeClr val="tx1"/>
+              </a:buClr>
+              <a:buFont typeface="Wingdings" pitchFamily="2" charset="2"/>
+              <a:buChar char="§"/>
+              <a:defRPr kumimoji="1" sz="1667" b="1">
+                <a:solidFill>
+                  <a:schemeClr val="tx1"/>
+                </a:solidFill>
+                <a:latin typeface="+mn-lt"/>
+                <a:ea typeface="+mn-ea"/>
+              </a:defRPr>
+            </a:lvl8pPr>
+            <a:lvl9pPr marL="3238370" indent="-190492" algn="l" rtl="0" eaLnBrk="1" fontAlgn="base" latinLnBrk="1" hangingPunct="1">
+              <a:spcBef>
+                <a:spcPct val="20000"/>
+              </a:spcBef>
+              <a:spcAft>
+                <a:spcPct val="0"/>
+              </a:spcAft>
+              <a:buClr>
+                <a:schemeClr val="tx1"/>
+              </a:buClr>
+              <a:buFont typeface="Wingdings" pitchFamily="2" charset="2"/>
+              <a:buChar char="§"/>
+              <a:defRPr kumimoji="1" sz="1667" b="1">
+                <a:solidFill>
+                  <a:schemeClr val="tx1"/>
+                </a:solidFill>
+                <a:latin typeface="+mn-lt"/>
+                <a:ea typeface="+mn-ea"/>
+              </a:defRPr>
+            </a:lvl9pPr>
+          </a:lstStyle>
           <a:p>
             <a:pPr lvl="2"/>
             <a:r>
-              <a:rPr lang="ko-KR" altLang="en-US" dirty="0"/>
-              <a:t>컬렉션 </a:t>
-            </a:r>
-            <a:r>
-              <a:rPr lang="ko-KR" altLang="en-US" dirty="0" err="1"/>
-              <a:t>리터럴</a:t>
-            </a:r>
-            <a:endParaRPr lang="en-US" altLang="ko-KR" dirty="0"/>
-          </a:p>
-          <a:p>
-            <a:pPr lvl="3"/>
-            <a:r>
-              <a:rPr lang="en-US" altLang="ko-KR" dirty="0"/>
-              <a:t>List, Tuple, Set, </a:t>
-            </a:r>
-            <a:r>
-              <a:rPr lang="en-US" altLang="ko-KR" dirty="0" err="1"/>
-              <a:t>Dict</a:t>
-            </a:r>
-            <a:endParaRPr lang="en-US" altLang="ko-KR" dirty="0"/>
+              <a:rPr lang="ko-KR" altLang="en-US" sz="1600" kern="0" dirty="0"/>
+              <a:t>출력 예시</a:t>
+            </a:r>
+            <a:endParaRPr lang="en-US" altLang="ko-KR" sz="1600" kern="0" dirty="0"/>
+          </a:p>
+          <a:p>
+            <a:pPr marL="380985" lvl="1" indent="0">
+              <a:buNone/>
+            </a:pPr>
+            <a:endParaRPr lang="en-US" altLang="ko-KR" sz="1600" i="1" kern="0" dirty="0"/>
+          </a:p>
+        </p:txBody>
+      </p:sp>
+      <p:sp>
+        <p:nvSpPr>
+          <p:cNvPr id="7" name="직사각형 6">
+            <a:extLst>
+              <a:ext uri="{FF2B5EF4-FFF2-40B4-BE49-F238E27FC236}">
+                <a16:creationId xmlns:a16="http://schemas.microsoft.com/office/drawing/2014/main" id="{6FD4F83C-0CF1-B94F-51DF-A4D2A09074CF}"/>
+              </a:ext>
+            </a:extLst>
+          </p:cNvPr>
+          <p:cNvSpPr/>
+          <p:nvPr/>
+        </p:nvSpPr>
+        <p:spPr>
+          <a:xfrm>
+            <a:off x="5940152" y="1993404"/>
+            <a:ext cx="1306186" cy="2800767"/>
+          </a:xfrm>
+          <a:prstGeom prst="rect">
+            <a:avLst/>
+          </a:prstGeom>
+        </p:spPr>
+        <p:txBody>
+          <a:bodyPr wrap="square">
+            <a:spAutoFit/>
+          </a:bodyPr>
+          <a:lstStyle/>
+          <a:p>
+            <a:r>
+              <a:rPr lang="en-US" altLang="ko-KR" sz="1600" b="0" dirty="0">
+                <a:effectLst/>
+                <a:latin typeface="ubuntu mono derivative powerline" panose="020B0509030602030204" pitchFamily="49" charset="0"/>
+              </a:rPr>
+              <a:t>2 x 1 = 2</a:t>
+            </a:r>
+          </a:p>
+          <a:p>
+            <a:r>
+              <a:rPr lang="en-US" altLang="ko-KR" sz="1600" b="0" dirty="0">
+                <a:effectLst/>
+                <a:latin typeface="ubuntu mono derivative powerline" panose="020B0509030602030204" pitchFamily="49" charset="0"/>
+              </a:rPr>
+              <a:t>2 x 2 = 4</a:t>
+            </a:r>
+          </a:p>
+          <a:p>
+            <a:r>
+              <a:rPr lang="en-US" altLang="ko-KR" sz="1600" b="0" dirty="0">
+                <a:effectLst/>
+                <a:latin typeface="ubuntu mono derivative powerline" panose="020B0509030602030204" pitchFamily="49" charset="0"/>
+              </a:rPr>
+              <a:t>2 x 3 = 6</a:t>
+            </a:r>
+          </a:p>
+          <a:p>
+            <a:r>
+              <a:rPr lang="en-US" altLang="ko-KR" sz="1600" b="0" dirty="0">
+                <a:effectLst/>
+                <a:latin typeface="ubuntu mono derivative powerline" panose="020B0509030602030204" pitchFamily="49" charset="0"/>
+              </a:rPr>
+              <a:t>2 x 4 = 8</a:t>
+            </a:r>
+          </a:p>
+          <a:p>
+            <a:endParaRPr lang="en-US" altLang="ko-KR" sz="1600" dirty="0">
+              <a:latin typeface="ubuntu mono derivative powerline" panose="020B0509030602030204" pitchFamily="49" charset="0"/>
+            </a:endParaRPr>
+          </a:p>
+          <a:p>
+            <a:r>
+              <a:rPr lang="en-US" altLang="ko-KR" sz="1600" dirty="0">
+                <a:solidFill>
+                  <a:srgbClr val="0000FF"/>
+                </a:solidFill>
+                <a:latin typeface="ubuntu mono derivative powerline" panose="020B0509030602030204" pitchFamily="49" charset="0"/>
+              </a:rPr>
+              <a:t>...</a:t>
+            </a:r>
+          </a:p>
+          <a:p>
+            <a:endParaRPr lang="en-US" altLang="ko-KR" sz="1600" dirty="0">
+              <a:latin typeface="ubuntu mono derivative powerline" panose="020B0509030602030204" pitchFamily="49" charset="0"/>
+            </a:endParaRPr>
+          </a:p>
+          <a:p>
+            <a:r>
+              <a:rPr lang="en-US" altLang="ko-KR" sz="1600" b="0" dirty="0">
+                <a:effectLst/>
+                <a:latin typeface="ubuntu mono derivative powerline" panose="020B0509030602030204" pitchFamily="49" charset="0"/>
+              </a:rPr>
+              <a:t>9 x 6 = 54</a:t>
+            </a:r>
+          </a:p>
+          <a:p>
+            <a:r>
+              <a:rPr lang="en-US" altLang="ko-KR" sz="1600" b="0" dirty="0">
+                <a:effectLst/>
+                <a:latin typeface="ubuntu mono derivative powerline" panose="020B0509030602030204" pitchFamily="49" charset="0"/>
+              </a:rPr>
+              <a:t>9 x 7 = 63</a:t>
+            </a:r>
+          </a:p>
+          <a:p>
+            <a:r>
+              <a:rPr lang="en-US" altLang="ko-KR" sz="1600" b="0" dirty="0">
+                <a:effectLst/>
+                <a:latin typeface="ubuntu mono derivative powerline" panose="020B0509030602030204" pitchFamily="49" charset="0"/>
+              </a:rPr>
+              <a:t>9 x 8 = 72</a:t>
+            </a:r>
+          </a:p>
+          <a:p>
+            <a:r>
+              <a:rPr lang="en-US" altLang="ko-KR" sz="1600" b="0" dirty="0">
+                <a:effectLst/>
+                <a:latin typeface="ubuntu mono derivative powerline" panose="020B0509030602030204" pitchFamily="49" charset="0"/>
+              </a:rPr>
+              <a:t>9 x 9 = 81</a:t>
+            </a:r>
           </a:p>
         </p:txBody>
       </p:sp>
     </p:spTree>
     <p:extLst>
       <p:ext uri="{BB962C8B-B14F-4D97-AF65-F5344CB8AC3E}">
-        <p14:creationId xmlns:p14="http://schemas.microsoft.com/office/powerpoint/2010/main" val="1202949461"/>
+        <p14:creationId xmlns:p14="http://schemas.microsoft.com/office/powerpoint/2010/main" val="3453346052"/>
       </p:ext>
     </p:extLst>
   </p:cSld>
@@ -17550,115 +18252,1192 @@
           <a:p>
             <a:r>
               <a:rPr lang="en-US" altLang="ko-KR" dirty="0"/>
-              <a:t>3.1.2 </a:t>
+              <a:t>3.2 </a:t>
             </a:r>
             <a:r>
               <a:rPr lang="ko-KR" altLang="en-US" dirty="0"/>
-              <a:t>변수</a:t>
-            </a:r>
-            <a:r>
-              <a:rPr lang="en-US" altLang="ko-KR" dirty="0"/>
-              <a:t>(Variable)</a:t>
-            </a:r>
-          </a:p>
-          <a:p>
-            <a:pPr lvl="1"/>
-            <a:r>
-              <a:rPr lang="ko-KR" altLang="en-US" dirty="0"/>
-              <a:t>변수 </a:t>
-            </a:r>
-            <a:r>
-              <a:rPr lang="en-US" altLang="ko-KR" dirty="0"/>
-              <a:t>= </a:t>
-            </a:r>
-            <a:r>
-              <a:rPr lang="ko-KR" altLang="en-US" dirty="0"/>
-              <a:t>변하는 수</a:t>
-            </a:r>
-            <a:r>
-              <a:rPr lang="en-US" altLang="ko-KR" dirty="0"/>
-              <a:t> (</a:t>
-            </a:r>
-            <a:r>
-              <a:rPr lang="ko-KR" altLang="en-US" dirty="0"/>
-              <a:t>추상적 개념</a:t>
-            </a:r>
-            <a:r>
-              <a:rPr lang="en-US" altLang="ko-KR" dirty="0"/>
-              <a:t>)</a:t>
-            </a:r>
-          </a:p>
-        </p:txBody>
-      </p:sp>
-      <p:pic>
-        <p:nvPicPr>
-          <p:cNvPr id="7" name="그림 6">
+              <a:t>함수와 라이브러리</a:t>
+            </a:r>
+            <a:endParaRPr lang="en-US" altLang="ko-KR" dirty="0"/>
+          </a:p>
+        </p:txBody>
+      </p:sp>
+      <p:sp>
+        <p:nvSpPr>
+          <p:cNvPr id="5" name="내용 개체 틀 8">
             <a:extLst>
               <a:ext uri="{FF2B5EF4-FFF2-40B4-BE49-F238E27FC236}">
-                <a16:creationId xmlns:a16="http://schemas.microsoft.com/office/drawing/2014/main" id="{0137A27A-C724-873C-FA03-F4C6F8FC8465}"/>
+                <a16:creationId xmlns:a16="http://schemas.microsoft.com/office/drawing/2014/main" id="{A919FA0F-0890-3EFC-CAAF-65D067DAA112}"/>
               </a:ext>
             </a:extLst>
           </p:cNvPr>
-          <p:cNvPicPr>
-            <a:picLocks noChangeAspect="1"/>
-          </p:cNvPicPr>
+          <p:cNvSpPr txBox="1">
+            <a:spLocks/>
+          </p:cNvSpPr>
           <p:nvPr/>
-        </p:nvPicPr>
-        <p:blipFill>
-          <a:blip r:embed="rId2"/>
-          <a:stretch>
-            <a:fillRect/>
-          </a:stretch>
-        </p:blipFill>
+        </p:nvSpPr>
         <p:spPr>
           <a:xfrm>
-            <a:off x="1403648" y="2101868"/>
-            <a:ext cx="2376264" cy="3228310"/>
+            <a:off x="611560" y="1561356"/>
+            <a:ext cx="3997254" cy="398363"/>
           </a:xfrm>
           <a:prstGeom prst="rect">
             <a:avLst/>
           </a:prstGeom>
         </p:spPr>
-      </p:pic>
-      <p:pic>
-        <p:nvPicPr>
-          <p:cNvPr id="9" name="그림 8">
+        <p:txBody>
+          <a:bodyPr/>
+          <a:lstStyle>
+            <a:lvl1pPr marL="285739" indent="-285739" algn="l" rtl="0" eaLnBrk="1" fontAlgn="base" latinLnBrk="1" hangingPunct="1">
+              <a:spcBef>
+                <a:spcPct val="20000"/>
+              </a:spcBef>
+              <a:spcAft>
+                <a:spcPct val="0"/>
+              </a:spcAft>
+              <a:buClr>
+                <a:srgbClr val="0000FF"/>
+              </a:buClr>
+              <a:buSzPct val="90000"/>
+              <a:buFont typeface="Wingdings" pitchFamily="2" charset="2"/>
+              <a:buChar char="n"/>
+              <a:defRPr kumimoji="1" sz="2333" b="1">
+                <a:solidFill>
+                  <a:schemeClr val="tx1"/>
+                </a:solidFill>
+                <a:latin typeface="+mn-lt"/>
+                <a:ea typeface="맑은 고딕" pitchFamily="50" charset="-127"/>
+                <a:cs typeface="+mn-cs"/>
+              </a:defRPr>
+            </a:lvl1pPr>
+            <a:lvl2pPr marL="619100" indent="-238115" algn="l" rtl="0" eaLnBrk="1" fontAlgn="base" latinLnBrk="1" hangingPunct="1">
+              <a:spcBef>
+                <a:spcPct val="20000"/>
+              </a:spcBef>
+              <a:spcAft>
+                <a:spcPct val="0"/>
+              </a:spcAft>
+              <a:buClr>
+                <a:schemeClr val="hlink"/>
+              </a:buClr>
+              <a:buSzPct val="75000"/>
+              <a:buFont typeface="Wingdings" pitchFamily="2" charset="2"/>
+              <a:buChar char="u"/>
+              <a:defRPr kumimoji="1" sz="2167" b="1">
+                <a:solidFill>
+                  <a:schemeClr val="tx1"/>
+                </a:solidFill>
+                <a:latin typeface="+mn-lt"/>
+                <a:ea typeface="맑은 고딕" pitchFamily="50" charset="-127"/>
+              </a:defRPr>
+            </a:lvl2pPr>
+            <a:lvl3pPr marL="952462" indent="-190492" algn="l" rtl="0" eaLnBrk="1" fontAlgn="base" latinLnBrk="1" hangingPunct="1">
+              <a:spcBef>
+                <a:spcPct val="20000"/>
+              </a:spcBef>
+              <a:spcAft>
+                <a:spcPct val="0"/>
+              </a:spcAft>
+              <a:buClr>
+                <a:srgbClr val="3399FF"/>
+              </a:buClr>
+              <a:buSzPct val="55000"/>
+              <a:buFont typeface="Wingdings" pitchFamily="2" charset="2"/>
+              <a:buChar char="l"/>
+              <a:defRPr kumimoji="1" sz="2000" b="1">
+                <a:solidFill>
+                  <a:schemeClr val="tx1"/>
+                </a:solidFill>
+                <a:latin typeface="+mn-lt"/>
+                <a:ea typeface="맑은 고딕" pitchFamily="50" charset="-127"/>
+              </a:defRPr>
+            </a:lvl3pPr>
+            <a:lvl4pPr marL="1333447" indent="-190492" algn="l" rtl="0" eaLnBrk="1" fontAlgn="base" latinLnBrk="1" hangingPunct="1">
+              <a:spcBef>
+                <a:spcPct val="20000"/>
+              </a:spcBef>
+              <a:spcAft>
+                <a:spcPct val="0"/>
+              </a:spcAft>
+              <a:buClr>
+                <a:srgbClr val="009900"/>
+              </a:buClr>
+              <a:buFont typeface="Wingdings" pitchFamily="2" charset="2"/>
+              <a:buChar char="§"/>
+              <a:defRPr kumimoji="1" sz="1833" b="1">
+                <a:solidFill>
+                  <a:schemeClr val="tx1"/>
+                </a:solidFill>
+                <a:latin typeface="+mn-lt"/>
+                <a:ea typeface="맑은 고딕" pitchFamily="50" charset="-127"/>
+              </a:defRPr>
+            </a:lvl4pPr>
+            <a:lvl5pPr marL="1714431" indent="-190492" algn="l" rtl="0" eaLnBrk="1" fontAlgn="base" latinLnBrk="1" hangingPunct="1">
+              <a:spcBef>
+                <a:spcPct val="20000"/>
+              </a:spcBef>
+              <a:spcAft>
+                <a:spcPct val="0"/>
+              </a:spcAft>
+              <a:buClr>
+                <a:schemeClr val="tx1"/>
+              </a:buClr>
+              <a:buFont typeface="Wingdings" pitchFamily="2" charset="2"/>
+              <a:buChar char="§"/>
+              <a:defRPr kumimoji="1" sz="1667" b="1">
+                <a:solidFill>
+                  <a:schemeClr val="tx1"/>
+                </a:solidFill>
+                <a:latin typeface="+mn-lt"/>
+                <a:ea typeface="맑은 고딕" pitchFamily="50" charset="-127"/>
+              </a:defRPr>
+            </a:lvl5pPr>
+            <a:lvl6pPr marL="2095416" indent="-190492" algn="l" rtl="0" eaLnBrk="1" fontAlgn="base" latinLnBrk="1" hangingPunct="1">
+              <a:spcBef>
+                <a:spcPct val="20000"/>
+              </a:spcBef>
+              <a:spcAft>
+                <a:spcPct val="0"/>
+              </a:spcAft>
+              <a:buClr>
+                <a:schemeClr val="tx1"/>
+              </a:buClr>
+              <a:buFont typeface="Wingdings" pitchFamily="2" charset="2"/>
+              <a:buChar char="§"/>
+              <a:defRPr kumimoji="1" sz="1667" b="1">
+                <a:solidFill>
+                  <a:schemeClr val="tx1"/>
+                </a:solidFill>
+                <a:latin typeface="+mn-lt"/>
+                <a:ea typeface="+mn-ea"/>
+              </a:defRPr>
+            </a:lvl6pPr>
+            <a:lvl7pPr marL="2476401" indent="-190492" algn="l" rtl="0" eaLnBrk="1" fontAlgn="base" latinLnBrk="1" hangingPunct="1">
+              <a:spcBef>
+                <a:spcPct val="20000"/>
+              </a:spcBef>
+              <a:spcAft>
+                <a:spcPct val="0"/>
+              </a:spcAft>
+              <a:buClr>
+                <a:schemeClr val="tx1"/>
+              </a:buClr>
+              <a:buFont typeface="Wingdings" pitchFamily="2" charset="2"/>
+              <a:buChar char="§"/>
+              <a:defRPr kumimoji="1" sz="1667" b="1">
+                <a:solidFill>
+                  <a:schemeClr val="tx1"/>
+                </a:solidFill>
+                <a:latin typeface="+mn-lt"/>
+                <a:ea typeface="+mn-ea"/>
+              </a:defRPr>
+            </a:lvl7pPr>
+            <a:lvl8pPr marL="2857386" indent="-190492" algn="l" rtl="0" eaLnBrk="1" fontAlgn="base" latinLnBrk="1" hangingPunct="1">
+              <a:spcBef>
+                <a:spcPct val="20000"/>
+              </a:spcBef>
+              <a:spcAft>
+                <a:spcPct val="0"/>
+              </a:spcAft>
+              <a:buClr>
+                <a:schemeClr val="tx1"/>
+              </a:buClr>
+              <a:buFont typeface="Wingdings" pitchFamily="2" charset="2"/>
+              <a:buChar char="§"/>
+              <a:defRPr kumimoji="1" sz="1667" b="1">
+                <a:solidFill>
+                  <a:schemeClr val="tx1"/>
+                </a:solidFill>
+                <a:latin typeface="+mn-lt"/>
+                <a:ea typeface="+mn-ea"/>
+              </a:defRPr>
+            </a:lvl8pPr>
+            <a:lvl9pPr marL="3238370" indent="-190492" algn="l" rtl="0" eaLnBrk="1" fontAlgn="base" latinLnBrk="1" hangingPunct="1">
+              <a:spcBef>
+                <a:spcPct val="20000"/>
+              </a:spcBef>
+              <a:spcAft>
+                <a:spcPct val="0"/>
+              </a:spcAft>
+              <a:buClr>
+                <a:schemeClr val="tx1"/>
+              </a:buClr>
+              <a:buFont typeface="Wingdings" pitchFamily="2" charset="2"/>
+              <a:buChar char="§"/>
+              <a:defRPr kumimoji="1" sz="1667" b="1">
+                <a:solidFill>
+                  <a:schemeClr val="tx1"/>
+                </a:solidFill>
+                <a:latin typeface="+mn-lt"/>
+                <a:ea typeface="+mn-ea"/>
+              </a:defRPr>
+            </a:lvl9pPr>
+          </a:lstStyle>
+          <a:p>
+            <a:pPr lvl="1"/>
+            <a:r>
+              <a:rPr lang="ko-KR" altLang="en-US" kern="0" dirty="0"/>
+              <a:t>함수</a:t>
+            </a:r>
+            <a:r>
+              <a:rPr lang="en-US" altLang="ko-KR" kern="0" dirty="0"/>
+              <a:t>(function)</a:t>
+            </a:r>
+          </a:p>
+          <a:p>
+            <a:pPr lvl="2"/>
+            <a:r>
+              <a:rPr lang="ko-KR" altLang="en-US" kern="0" dirty="0"/>
+              <a:t>코드의 재사용</a:t>
+            </a:r>
+            <a:endParaRPr lang="en-US" altLang="ko-KR" kern="0" dirty="0"/>
+          </a:p>
+        </p:txBody>
+      </p:sp>
+      <p:sp>
+        <p:nvSpPr>
+          <p:cNvPr id="7" name="직사각형 6">
             <a:extLst>
               <a:ext uri="{FF2B5EF4-FFF2-40B4-BE49-F238E27FC236}">
-                <a16:creationId xmlns:a16="http://schemas.microsoft.com/office/drawing/2014/main" id="{03997FCF-B185-D678-69CA-7E5B243D03AA}"/>
+                <a16:creationId xmlns:a16="http://schemas.microsoft.com/office/drawing/2014/main" id="{E5CC5AB1-7587-8E95-A1E3-8F20CF80305B}"/>
               </a:ext>
             </a:extLst>
           </p:cNvPr>
-          <p:cNvPicPr>
-            <a:picLocks noChangeAspect="1"/>
-          </p:cNvPicPr>
+          <p:cNvSpPr/>
           <p:nvPr/>
-        </p:nvPicPr>
-        <p:blipFill rotWithShape="1">
-          <a:blip r:embed="rId3"/>
-          <a:srcRect b="8540"/>
-          <a:stretch/>
-        </p:blipFill>
+        </p:nvSpPr>
         <p:spPr>
           <a:xfrm>
-            <a:off x="4497760" y="2101869"/>
-            <a:ext cx="2522512" cy="3231676"/>
+            <a:off x="1119461" y="2425452"/>
+            <a:ext cx="3681139" cy="3046988"/>
           </a:xfrm>
           <a:prstGeom prst="rect">
             <a:avLst/>
           </a:prstGeom>
         </p:spPr>
-      </p:pic>
+        <p:txBody>
+          <a:bodyPr wrap="square">
+            <a:spAutoFit/>
+          </a:bodyPr>
+          <a:lstStyle/>
+          <a:p>
+            <a:r>
+              <a:rPr lang="en-US" altLang="ko-KR" sz="1600" b="0" dirty="0">
+                <a:solidFill>
+                  <a:srgbClr val="00B050"/>
+                </a:solidFill>
+                <a:effectLst/>
+                <a:latin typeface="ubuntu mono derivative powerline" panose="020B0509030602030204" pitchFamily="49" charset="0"/>
+              </a:rPr>
+              <a:t># solution1 (for)</a:t>
+            </a:r>
+          </a:p>
+          <a:p>
+            <a:r>
+              <a:rPr lang="en-US" altLang="ko-KR" sz="1600" b="0" dirty="0">
+                <a:effectLst/>
+                <a:latin typeface="ubuntu mono derivative powerline" panose="020B0509030602030204" pitchFamily="49" charset="0"/>
+              </a:rPr>
+              <a:t>for </a:t>
+            </a:r>
+            <a:r>
+              <a:rPr lang="en-US" altLang="ko-KR" sz="1600" b="0" dirty="0" err="1">
+                <a:solidFill>
+                  <a:srgbClr val="0000FF"/>
+                </a:solidFill>
+                <a:effectLst/>
+                <a:latin typeface="ubuntu mono derivative powerline" panose="020B0509030602030204" pitchFamily="49" charset="0"/>
+              </a:rPr>
+              <a:t>i</a:t>
+            </a:r>
+            <a:r>
+              <a:rPr lang="en-US" altLang="ko-KR" sz="1600" b="0" dirty="0">
+                <a:effectLst/>
+                <a:latin typeface="ubuntu mono derivative powerline" panose="020B0509030602030204" pitchFamily="49" charset="0"/>
+              </a:rPr>
+              <a:t> in </a:t>
+            </a:r>
+            <a:r>
+              <a:rPr lang="en-US" altLang="ko-KR" sz="1600" b="0" dirty="0">
+                <a:solidFill>
+                  <a:srgbClr val="0000FF"/>
+                </a:solidFill>
+                <a:effectLst/>
+                <a:latin typeface="ubuntu mono derivative powerline" panose="020B0509030602030204" pitchFamily="49" charset="0"/>
+              </a:rPr>
+              <a:t>range</a:t>
+            </a:r>
+            <a:r>
+              <a:rPr lang="en-US" altLang="ko-KR" sz="1600" b="0" dirty="0">
+                <a:effectLst/>
+                <a:latin typeface="ubuntu mono derivative powerline" panose="020B0509030602030204" pitchFamily="49" charset="0"/>
+              </a:rPr>
+              <a:t>(1, 10):</a:t>
+            </a:r>
+          </a:p>
+          <a:p>
+            <a:r>
+              <a:rPr lang="en-US" altLang="ko-KR" sz="1600" b="0" dirty="0">
+                <a:effectLst/>
+                <a:latin typeface="ubuntu mono derivative powerline" panose="020B0509030602030204" pitchFamily="49" charset="0"/>
+              </a:rPr>
+              <a:t>    </a:t>
+            </a:r>
+            <a:r>
+              <a:rPr lang="en-US" altLang="ko-KR" sz="1600" b="0" dirty="0">
+                <a:solidFill>
+                  <a:srgbClr val="0000FF"/>
+                </a:solidFill>
+                <a:effectLst/>
+                <a:latin typeface="ubuntu mono derivative powerline" panose="020B0509030602030204" pitchFamily="49" charset="0"/>
+              </a:rPr>
+              <a:t>print</a:t>
+            </a:r>
+            <a:r>
+              <a:rPr lang="en-US" altLang="ko-KR" sz="1600" b="0" dirty="0">
+                <a:effectLst/>
+                <a:latin typeface="ubuntu mono derivative powerline" panose="020B0509030602030204" pitchFamily="49" charset="0"/>
+              </a:rPr>
+              <a:t>(f"{2} x {</a:t>
+            </a:r>
+            <a:r>
+              <a:rPr lang="en-US" altLang="ko-KR" sz="1600" b="0" dirty="0" err="1">
+                <a:solidFill>
+                  <a:srgbClr val="0000FF"/>
+                </a:solidFill>
+                <a:effectLst/>
+                <a:latin typeface="ubuntu mono derivative powerline" panose="020B0509030602030204" pitchFamily="49" charset="0"/>
+              </a:rPr>
+              <a:t>i</a:t>
+            </a:r>
+            <a:r>
+              <a:rPr lang="en-US" altLang="ko-KR" sz="1600" b="0" dirty="0">
+                <a:effectLst/>
+                <a:latin typeface="ubuntu mono derivative powerline" panose="020B0509030602030204" pitchFamily="49" charset="0"/>
+              </a:rPr>
+              <a:t>} = {2*</a:t>
+            </a:r>
+            <a:r>
+              <a:rPr lang="en-US" altLang="ko-KR" sz="1600" b="0" dirty="0" err="1">
+                <a:solidFill>
+                  <a:srgbClr val="0000FF"/>
+                </a:solidFill>
+                <a:effectLst/>
+                <a:latin typeface="ubuntu mono derivative powerline" panose="020B0509030602030204" pitchFamily="49" charset="0"/>
+              </a:rPr>
+              <a:t>i</a:t>
+            </a:r>
+            <a:r>
+              <a:rPr lang="en-US" altLang="ko-KR" sz="1600" b="0" dirty="0">
+                <a:effectLst/>
+                <a:latin typeface="ubuntu mono derivative powerline" panose="020B0509030602030204" pitchFamily="49" charset="0"/>
+              </a:rPr>
+              <a:t>}")</a:t>
+            </a:r>
+          </a:p>
+          <a:p>
+            <a:r>
+              <a:rPr lang="en-US" altLang="ko-KR" sz="1600" b="0" dirty="0">
+                <a:effectLst/>
+                <a:latin typeface="ubuntu mono derivative powerline" panose="020B0509030602030204" pitchFamily="49" charset="0"/>
+              </a:rPr>
+              <a:t>for </a:t>
+            </a:r>
+            <a:r>
+              <a:rPr lang="en-US" altLang="ko-KR" sz="1600" b="0" dirty="0" err="1">
+                <a:solidFill>
+                  <a:srgbClr val="0000FF"/>
+                </a:solidFill>
+                <a:effectLst/>
+                <a:latin typeface="ubuntu mono derivative powerline" panose="020B0509030602030204" pitchFamily="49" charset="0"/>
+              </a:rPr>
+              <a:t>i</a:t>
+            </a:r>
+            <a:r>
+              <a:rPr lang="en-US" altLang="ko-KR" sz="1600" b="0" dirty="0">
+                <a:effectLst/>
+                <a:latin typeface="ubuntu mono derivative powerline" panose="020B0509030602030204" pitchFamily="49" charset="0"/>
+              </a:rPr>
+              <a:t> in </a:t>
+            </a:r>
+            <a:r>
+              <a:rPr lang="en-US" altLang="ko-KR" sz="1600" b="0" dirty="0">
+                <a:solidFill>
+                  <a:srgbClr val="0000FF"/>
+                </a:solidFill>
+                <a:effectLst/>
+                <a:latin typeface="ubuntu mono derivative powerline" panose="020B0509030602030204" pitchFamily="49" charset="0"/>
+              </a:rPr>
+              <a:t>range</a:t>
+            </a:r>
+            <a:r>
+              <a:rPr lang="en-US" altLang="ko-KR" sz="1600" b="0" dirty="0">
+                <a:effectLst/>
+                <a:latin typeface="ubuntu mono derivative powerline" panose="020B0509030602030204" pitchFamily="49" charset="0"/>
+              </a:rPr>
+              <a:t>(1, 10):</a:t>
+            </a:r>
+          </a:p>
+          <a:p>
+            <a:r>
+              <a:rPr lang="en-US" altLang="ko-KR" sz="1600" b="0" dirty="0">
+                <a:effectLst/>
+                <a:latin typeface="ubuntu mono derivative powerline" panose="020B0509030602030204" pitchFamily="49" charset="0"/>
+              </a:rPr>
+              <a:t>    </a:t>
+            </a:r>
+            <a:r>
+              <a:rPr lang="en-US" altLang="ko-KR" sz="1600" b="0" dirty="0">
+                <a:solidFill>
+                  <a:srgbClr val="0000FF"/>
+                </a:solidFill>
+                <a:effectLst/>
+                <a:latin typeface="ubuntu mono derivative powerline" panose="020B0509030602030204" pitchFamily="49" charset="0"/>
+              </a:rPr>
+              <a:t>print</a:t>
+            </a:r>
+            <a:r>
+              <a:rPr lang="en-US" altLang="ko-KR" sz="1600" b="0" dirty="0">
+                <a:effectLst/>
+                <a:latin typeface="ubuntu mono derivative powerline" panose="020B0509030602030204" pitchFamily="49" charset="0"/>
+              </a:rPr>
+              <a:t>(f"{3} x {</a:t>
+            </a:r>
+            <a:r>
+              <a:rPr lang="en-US" altLang="ko-KR" sz="1600" b="0" dirty="0" err="1">
+                <a:solidFill>
+                  <a:srgbClr val="0000FF"/>
+                </a:solidFill>
+                <a:effectLst/>
+                <a:latin typeface="ubuntu mono derivative powerline" panose="020B0509030602030204" pitchFamily="49" charset="0"/>
+              </a:rPr>
+              <a:t>i</a:t>
+            </a:r>
+            <a:r>
+              <a:rPr lang="en-US" altLang="ko-KR" sz="1600" b="0" dirty="0">
+                <a:effectLst/>
+                <a:latin typeface="ubuntu mono derivative powerline" panose="020B0509030602030204" pitchFamily="49" charset="0"/>
+              </a:rPr>
+              <a:t>} = {3*</a:t>
+            </a:r>
+            <a:r>
+              <a:rPr lang="en-US" altLang="ko-KR" sz="1600" b="0" dirty="0" err="1">
+                <a:solidFill>
+                  <a:srgbClr val="0000FF"/>
+                </a:solidFill>
+                <a:effectLst/>
+                <a:latin typeface="ubuntu mono derivative powerline" panose="020B0509030602030204" pitchFamily="49" charset="0"/>
+              </a:rPr>
+              <a:t>i</a:t>
+            </a:r>
+            <a:r>
+              <a:rPr lang="en-US" altLang="ko-KR" sz="1600" b="0" dirty="0">
+                <a:effectLst/>
+                <a:latin typeface="ubuntu mono derivative powerline" panose="020B0509030602030204" pitchFamily="49" charset="0"/>
+              </a:rPr>
+              <a:t>}") </a:t>
+            </a:r>
+          </a:p>
+          <a:p>
+            <a:endParaRPr lang="en-US" altLang="ko-KR" sz="1600" dirty="0">
+              <a:solidFill>
+                <a:srgbClr val="0000FF"/>
+              </a:solidFill>
+              <a:latin typeface="ubuntu mono derivative powerline" panose="020B0509030602030204" pitchFamily="49" charset="0"/>
+            </a:endParaRPr>
+          </a:p>
+          <a:p>
+            <a:r>
+              <a:rPr lang="en-US" altLang="ko-KR" sz="1600" dirty="0">
+                <a:solidFill>
+                  <a:srgbClr val="0000FF"/>
+                </a:solidFill>
+                <a:latin typeface="ubuntu mono derivative powerline" panose="020B0509030602030204" pitchFamily="49" charset="0"/>
+              </a:rPr>
+              <a:t>...</a:t>
+            </a:r>
+          </a:p>
+          <a:p>
+            <a:endParaRPr lang="en-US" altLang="ko-KR" sz="1600" dirty="0">
+              <a:solidFill>
+                <a:srgbClr val="0000FF"/>
+              </a:solidFill>
+              <a:latin typeface="ubuntu mono derivative powerline" panose="020B0509030602030204" pitchFamily="49" charset="0"/>
+            </a:endParaRPr>
+          </a:p>
+          <a:p>
+            <a:r>
+              <a:rPr lang="en-US" altLang="ko-KR" sz="1600" b="0" dirty="0">
+                <a:effectLst/>
+                <a:latin typeface="ubuntu mono derivative powerline" panose="020B0509030602030204" pitchFamily="49" charset="0"/>
+              </a:rPr>
+              <a:t>for </a:t>
+            </a:r>
+            <a:r>
+              <a:rPr lang="en-US" altLang="ko-KR" sz="1600" b="0" dirty="0" err="1">
+                <a:solidFill>
+                  <a:srgbClr val="0000FF"/>
+                </a:solidFill>
+                <a:effectLst/>
+                <a:latin typeface="ubuntu mono derivative powerline" panose="020B0509030602030204" pitchFamily="49" charset="0"/>
+              </a:rPr>
+              <a:t>i</a:t>
+            </a:r>
+            <a:r>
+              <a:rPr lang="en-US" altLang="ko-KR" sz="1600" b="0" dirty="0">
+                <a:effectLst/>
+                <a:latin typeface="ubuntu mono derivative powerline" panose="020B0509030602030204" pitchFamily="49" charset="0"/>
+              </a:rPr>
+              <a:t> in </a:t>
+            </a:r>
+            <a:r>
+              <a:rPr lang="en-US" altLang="ko-KR" sz="1600" b="0" dirty="0">
+                <a:solidFill>
+                  <a:srgbClr val="0000FF"/>
+                </a:solidFill>
+                <a:effectLst/>
+                <a:latin typeface="ubuntu mono derivative powerline" panose="020B0509030602030204" pitchFamily="49" charset="0"/>
+              </a:rPr>
+              <a:t>range</a:t>
+            </a:r>
+            <a:r>
+              <a:rPr lang="en-US" altLang="ko-KR" sz="1600" b="0" dirty="0">
+                <a:effectLst/>
+                <a:latin typeface="ubuntu mono derivative powerline" panose="020B0509030602030204" pitchFamily="49" charset="0"/>
+              </a:rPr>
+              <a:t>(1, 10):</a:t>
+            </a:r>
+          </a:p>
+          <a:p>
+            <a:r>
+              <a:rPr lang="en-US" altLang="ko-KR" sz="1600" b="0" dirty="0">
+                <a:effectLst/>
+                <a:latin typeface="ubuntu mono derivative powerline" panose="020B0509030602030204" pitchFamily="49" charset="0"/>
+              </a:rPr>
+              <a:t>    </a:t>
+            </a:r>
+            <a:r>
+              <a:rPr lang="en-US" altLang="ko-KR" sz="1600" b="0" dirty="0">
+                <a:solidFill>
+                  <a:srgbClr val="0000FF"/>
+                </a:solidFill>
+                <a:effectLst/>
+                <a:latin typeface="ubuntu mono derivative powerline" panose="020B0509030602030204" pitchFamily="49" charset="0"/>
+              </a:rPr>
+              <a:t>print</a:t>
+            </a:r>
+            <a:r>
+              <a:rPr lang="en-US" altLang="ko-KR" sz="1600" b="0" dirty="0">
+                <a:effectLst/>
+                <a:latin typeface="ubuntu mono derivative powerline" panose="020B0509030602030204" pitchFamily="49" charset="0"/>
+              </a:rPr>
+              <a:t>(f"{8} x {</a:t>
+            </a:r>
+            <a:r>
+              <a:rPr lang="en-US" altLang="ko-KR" sz="1600" b="0" dirty="0" err="1">
+                <a:solidFill>
+                  <a:srgbClr val="0000FF"/>
+                </a:solidFill>
+                <a:effectLst/>
+                <a:latin typeface="ubuntu mono derivative powerline" panose="020B0509030602030204" pitchFamily="49" charset="0"/>
+              </a:rPr>
+              <a:t>i</a:t>
+            </a:r>
+            <a:r>
+              <a:rPr lang="en-US" altLang="ko-KR" sz="1600" b="0" dirty="0">
+                <a:effectLst/>
+                <a:latin typeface="ubuntu mono derivative powerline" panose="020B0509030602030204" pitchFamily="49" charset="0"/>
+              </a:rPr>
+              <a:t>} = {8*</a:t>
+            </a:r>
+            <a:r>
+              <a:rPr lang="en-US" altLang="ko-KR" sz="1600" b="0" dirty="0" err="1">
+                <a:solidFill>
+                  <a:srgbClr val="0000FF"/>
+                </a:solidFill>
+                <a:effectLst/>
+                <a:latin typeface="ubuntu mono derivative powerline" panose="020B0509030602030204" pitchFamily="49" charset="0"/>
+              </a:rPr>
+              <a:t>i</a:t>
+            </a:r>
+            <a:r>
+              <a:rPr lang="en-US" altLang="ko-KR" sz="1600" b="0" dirty="0">
+                <a:effectLst/>
+                <a:latin typeface="ubuntu mono derivative powerline" panose="020B0509030602030204" pitchFamily="49" charset="0"/>
+              </a:rPr>
+              <a:t>}")</a:t>
+            </a:r>
+          </a:p>
+          <a:p>
+            <a:r>
+              <a:rPr lang="en-US" altLang="ko-KR" sz="1600" b="0" dirty="0">
+                <a:effectLst/>
+                <a:latin typeface="ubuntu mono derivative powerline" panose="020B0509030602030204" pitchFamily="49" charset="0"/>
+              </a:rPr>
+              <a:t>for </a:t>
+            </a:r>
+            <a:r>
+              <a:rPr lang="en-US" altLang="ko-KR" sz="1600" b="0" dirty="0" err="1">
+                <a:solidFill>
+                  <a:srgbClr val="0000FF"/>
+                </a:solidFill>
+                <a:effectLst/>
+                <a:latin typeface="ubuntu mono derivative powerline" panose="020B0509030602030204" pitchFamily="49" charset="0"/>
+              </a:rPr>
+              <a:t>i</a:t>
+            </a:r>
+            <a:r>
+              <a:rPr lang="en-US" altLang="ko-KR" sz="1600" b="0" dirty="0">
+                <a:effectLst/>
+                <a:latin typeface="ubuntu mono derivative powerline" panose="020B0509030602030204" pitchFamily="49" charset="0"/>
+              </a:rPr>
+              <a:t> in </a:t>
+            </a:r>
+            <a:r>
+              <a:rPr lang="en-US" altLang="ko-KR" sz="1600" b="0" dirty="0">
+                <a:solidFill>
+                  <a:srgbClr val="0000FF"/>
+                </a:solidFill>
+                <a:effectLst/>
+                <a:latin typeface="ubuntu mono derivative powerline" panose="020B0509030602030204" pitchFamily="49" charset="0"/>
+              </a:rPr>
+              <a:t>range</a:t>
+            </a:r>
+            <a:r>
+              <a:rPr lang="en-US" altLang="ko-KR" sz="1600" b="0" dirty="0">
+                <a:effectLst/>
+                <a:latin typeface="ubuntu mono derivative powerline" panose="020B0509030602030204" pitchFamily="49" charset="0"/>
+              </a:rPr>
+              <a:t>(1, 10):</a:t>
+            </a:r>
+          </a:p>
+          <a:p>
+            <a:r>
+              <a:rPr lang="en-US" altLang="ko-KR" sz="1600" b="0" dirty="0">
+                <a:effectLst/>
+                <a:latin typeface="ubuntu mono derivative powerline" panose="020B0509030602030204" pitchFamily="49" charset="0"/>
+              </a:rPr>
+              <a:t>    </a:t>
+            </a:r>
+            <a:r>
+              <a:rPr lang="en-US" altLang="ko-KR" sz="1600" b="0" dirty="0">
+                <a:solidFill>
+                  <a:srgbClr val="0000FF"/>
+                </a:solidFill>
+                <a:effectLst/>
+                <a:latin typeface="ubuntu mono derivative powerline" panose="020B0509030602030204" pitchFamily="49" charset="0"/>
+              </a:rPr>
+              <a:t>print</a:t>
+            </a:r>
+            <a:r>
+              <a:rPr lang="en-US" altLang="ko-KR" sz="1600" b="0" dirty="0">
+                <a:effectLst/>
+                <a:latin typeface="ubuntu mono derivative powerline" panose="020B0509030602030204" pitchFamily="49" charset="0"/>
+              </a:rPr>
+              <a:t>(f"{9} x {</a:t>
+            </a:r>
+            <a:r>
+              <a:rPr lang="en-US" altLang="ko-KR" sz="1600" b="0" dirty="0" err="1">
+                <a:solidFill>
+                  <a:srgbClr val="0000FF"/>
+                </a:solidFill>
+                <a:effectLst/>
+                <a:latin typeface="ubuntu mono derivative powerline" panose="020B0509030602030204" pitchFamily="49" charset="0"/>
+              </a:rPr>
+              <a:t>i</a:t>
+            </a:r>
+            <a:r>
+              <a:rPr lang="en-US" altLang="ko-KR" sz="1600" b="0" dirty="0">
+                <a:effectLst/>
+                <a:latin typeface="ubuntu mono derivative powerline" panose="020B0509030602030204" pitchFamily="49" charset="0"/>
+              </a:rPr>
+              <a:t>} = {9*</a:t>
+            </a:r>
+            <a:r>
+              <a:rPr lang="en-US" altLang="ko-KR" sz="1600" b="0" dirty="0" err="1">
+                <a:solidFill>
+                  <a:srgbClr val="0000FF"/>
+                </a:solidFill>
+                <a:effectLst/>
+                <a:latin typeface="ubuntu mono derivative powerline" panose="020B0509030602030204" pitchFamily="49" charset="0"/>
+              </a:rPr>
+              <a:t>i</a:t>
+            </a:r>
+            <a:r>
+              <a:rPr lang="en-US" altLang="ko-KR" sz="1600" b="0" dirty="0">
+                <a:effectLst/>
+                <a:latin typeface="ubuntu mono derivative powerline" panose="020B0509030602030204" pitchFamily="49" charset="0"/>
+              </a:rPr>
+              <a:t>}")</a:t>
+            </a:r>
+          </a:p>
+        </p:txBody>
+      </p:sp>
+      <p:sp>
+        <p:nvSpPr>
+          <p:cNvPr id="9" name="직사각형 8">
+            <a:extLst>
+              <a:ext uri="{FF2B5EF4-FFF2-40B4-BE49-F238E27FC236}">
+                <a16:creationId xmlns:a16="http://schemas.microsoft.com/office/drawing/2014/main" id="{CED0E383-1CF4-31AF-20C6-286A0EFF7A00}"/>
+              </a:ext>
+            </a:extLst>
+          </p:cNvPr>
+          <p:cNvSpPr/>
+          <p:nvPr/>
+        </p:nvSpPr>
+        <p:spPr>
+          <a:xfrm>
+            <a:off x="4800600" y="2420449"/>
+            <a:ext cx="4235896" cy="3046988"/>
+          </a:xfrm>
+          <a:prstGeom prst="rect">
+            <a:avLst/>
+          </a:prstGeom>
+        </p:spPr>
+        <p:txBody>
+          <a:bodyPr wrap="square">
+            <a:spAutoFit/>
+          </a:bodyPr>
+          <a:lstStyle/>
+          <a:p>
+            <a:r>
+              <a:rPr lang="en-US" altLang="ko-KR" sz="1600" b="0" dirty="0">
+                <a:solidFill>
+                  <a:srgbClr val="00B050"/>
+                </a:solidFill>
+                <a:effectLst/>
+                <a:latin typeface="ubuntu mono derivative powerline" panose="020B0509030602030204" pitchFamily="49" charset="0"/>
+              </a:rPr>
+              <a:t># solution2 (function)</a:t>
+            </a:r>
+          </a:p>
+          <a:p>
+            <a:r>
+              <a:rPr lang="en-US" altLang="ko-KR" sz="1600" b="0" dirty="0">
+                <a:effectLst/>
+                <a:latin typeface="ubuntu mono derivative powerline" panose="020B0509030602030204" pitchFamily="49" charset="0"/>
+              </a:rPr>
+              <a:t>def </a:t>
+            </a:r>
+            <a:r>
+              <a:rPr lang="en-US" altLang="ko-KR" sz="1600" b="0" dirty="0" err="1">
+                <a:solidFill>
+                  <a:srgbClr val="FF0000"/>
+                </a:solidFill>
+                <a:effectLst/>
+                <a:latin typeface="ubuntu mono derivative powerline" panose="020B0509030602030204" pitchFamily="49" charset="0"/>
+              </a:rPr>
+              <a:t>gogodan</a:t>
+            </a:r>
+            <a:r>
+              <a:rPr lang="en-US" altLang="ko-KR" sz="1600" b="0" dirty="0">
+                <a:effectLst/>
+                <a:latin typeface="ubuntu mono derivative powerline" panose="020B0509030602030204" pitchFamily="49" charset="0"/>
+              </a:rPr>
+              <a:t>(</a:t>
+            </a:r>
+            <a:r>
+              <a:rPr lang="en-US" altLang="ko-KR" sz="1600" b="0" dirty="0">
+                <a:solidFill>
+                  <a:srgbClr val="FFC000"/>
+                </a:solidFill>
+                <a:effectLst/>
+                <a:latin typeface="ubuntu mono derivative powerline" panose="020B0509030602030204" pitchFamily="49" charset="0"/>
+              </a:rPr>
+              <a:t>num</a:t>
+            </a:r>
+            <a:r>
+              <a:rPr lang="en-US" altLang="ko-KR" sz="1600" b="0" dirty="0">
+                <a:effectLst/>
+                <a:latin typeface="ubuntu mono derivative powerline" panose="020B0509030602030204" pitchFamily="49" charset="0"/>
+              </a:rPr>
+              <a:t>):</a:t>
+            </a:r>
+          </a:p>
+          <a:p>
+            <a:r>
+              <a:rPr lang="en-US" altLang="ko-KR" sz="1600" b="0" dirty="0">
+                <a:effectLst/>
+                <a:latin typeface="ubuntu mono derivative powerline" panose="020B0509030602030204" pitchFamily="49" charset="0"/>
+              </a:rPr>
+              <a:t>    for </a:t>
+            </a:r>
+            <a:r>
+              <a:rPr lang="en-US" altLang="ko-KR" sz="1600" b="0" dirty="0" err="1">
+                <a:solidFill>
+                  <a:srgbClr val="0000FF"/>
+                </a:solidFill>
+                <a:effectLst/>
+                <a:latin typeface="ubuntu mono derivative powerline" panose="020B0509030602030204" pitchFamily="49" charset="0"/>
+              </a:rPr>
+              <a:t>i</a:t>
+            </a:r>
+            <a:r>
+              <a:rPr lang="en-US" altLang="ko-KR" sz="1600" b="0" dirty="0">
+                <a:effectLst/>
+                <a:latin typeface="ubuntu mono derivative powerline" panose="020B0509030602030204" pitchFamily="49" charset="0"/>
+              </a:rPr>
+              <a:t> in </a:t>
+            </a:r>
+            <a:r>
+              <a:rPr lang="en-US" altLang="ko-KR" sz="1600" b="0" dirty="0">
+                <a:solidFill>
+                  <a:srgbClr val="0000FF"/>
+                </a:solidFill>
+                <a:effectLst/>
+                <a:latin typeface="ubuntu mono derivative powerline" panose="020B0509030602030204" pitchFamily="49" charset="0"/>
+              </a:rPr>
+              <a:t>range</a:t>
+            </a:r>
+            <a:r>
+              <a:rPr lang="en-US" altLang="ko-KR" sz="1600" b="0" dirty="0">
+                <a:effectLst/>
+                <a:latin typeface="ubuntu mono derivative powerline" panose="020B0509030602030204" pitchFamily="49" charset="0"/>
+              </a:rPr>
+              <a:t>(1, 10):</a:t>
+            </a:r>
+          </a:p>
+          <a:p>
+            <a:r>
+              <a:rPr lang="en-US" altLang="ko-KR" sz="1600" b="0" dirty="0">
+                <a:effectLst/>
+                <a:latin typeface="ubuntu mono derivative powerline" panose="020B0509030602030204" pitchFamily="49" charset="0"/>
+              </a:rPr>
+              <a:t>        </a:t>
+            </a:r>
+            <a:r>
+              <a:rPr lang="en-US" altLang="ko-KR" sz="1600" b="0" dirty="0">
+                <a:solidFill>
+                  <a:srgbClr val="0000FF"/>
+                </a:solidFill>
+                <a:effectLst/>
+                <a:latin typeface="ubuntu mono derivative powerline" panose="020B0509030602030204" pitchFamily="49" charset="0"/>
+              </a:rPr>
+              <a:t>print</a:t>
+            </a:r>
+            <a:r>
+              <a:rPr lang="en-US" altLang="ko-KR" sz="1600" b="0" dirty="0">
+                <a:effectLst/>
+                <a:latin typeface="ubuntu mono derivative powerline" panose="020B0509030602030204" pitchFamily="49" charset="0"/>
+              </a:rPr>
+              <a:t>(f"{</a:t>
+            </a:r>
+            <a:r>
+              <a:rPr lang="en-US" altLang="ko-KR" sz="1600" b="0" dirty="0">
+                <a:solidFill>
+                  <a:srgbClr val="FFC000"/>
+                </a:solidFill>
+                <a:effectLst/>
+                <a:latin typeface="ubuntu mono derivative powerline" panose="020B0509030602030204" pitchFamily="49" charset="0"/>
+              </a:rPr>
+              <a:t>num</a:t>
+            </a:r>
+            <a:r>
+              <a:rPr lang="en-US" altLang="ko-KR" sz="1600" b="0" dirty="0">
+                <a:effectLst/>
+                <a:latin typeface="ubuntu mono derivative powerline" panose="020B0509030602030204" pitchFamily="49" charset="0"/>
+              </a:rPr>
+              <a:t>} x {</a:t>
+            </a:r>
+            <a:r>
+              <a:rPr lang="en-US" altLang="ko-KR" sz="1600" b="0" dirty="0" err="1">
+                <a:solidFill>
+                  <a:srgbClr val="0000FF"/>
+                </a:solidFill>
+                <a:effectLst/>
+                <a:latin typeface="ubuntu mono derivative powerline" panose="020B0509030602030204" pitchFamily="49" charset="0"/>
+              </a:rPr>
+              <a:t>i</a:t>
+            </a:r>
+            <a:r>
+              <a:rPr lang="en-US" altLang="ko-KR" sz="1600" b="0" dirty="0">
+                <a:effectLst/>
+                <a:latin typeface="ubuntu mono derivative powerline" panose="020B0509030602030204" pitchFamily="49" charset="0"/>
+              </a:rPr>
+              <a:t>} = {</a:t>
+            </a:r>
+            <a:r>
+              <a:rPr lang="en-US" altLang="ko-KR" sz="1600" b="0" dirty="0">
+                <a:solidFill>
+                  <a:srgbClr val="FFC000"/>
+                </a:solidFill>
+                <a:effectLst/>
+                <a:latin typeface="ubuntu mono derivative powerline" panose="020B0509030602030204" pitchFamily="49" charset="0"/>
+              </a:rPr>
+              <a:t>num</a:t>
+            </a:r>
+            <a:r>
+              <a:rPr lang="en-US" altLang="ko-KR" sz="1600" b="0" dirty="0">
+                <a:effectLst/>
+                <a:latin typeface="ubuntu mono derivative powerline" panose="020B0509030602030204" pitchFamily="49" charset="0"/>
+              </a:rPr>
+              <a:t>*</a:t>
+            </a:r>
+            <a:r>
+              <a:rPr lang="en-US" altLang="ko-KR" sz="1600" b="0" dirty="0" err="1">
+                <a:solidFill>
+                  <a:srgbClr val="0000FF"/>
+                </a:solidFill>
+                <a:effectLst/>
+                <a:latin typeface="ubuntu mono derivative powerline" panose="020B0509030602030204" pitchFamily="49" charset="0"/>
+              </a:rPr>
+              <a:t>i</a:t>
+            </a:r>
+            <a:r>
+              <a:rPr lang="en-US" altLang="ko-KR" sz="1600" b="0" dirty="0">
+                <a:effectLst/>
+                <a:latin typeface="ubuntu mono derivative powerline" panose="020B0509030602030204" pitchFamily="49" charset="0"/>
+              </a:rPr>
+              <a:t>}")</a:t>
+            </a:r>
+          </a:p>
+          <a:p>
+            <a:br>
+              <a:rPr lang="en-US" altLang="ko-KR" sz="1600" b="0" dirty="0">
+                <a:effectLst/>
+                <a:latin typeface="ubuntu mono derivative powerline" panose="020B0509030602030204" pitchFamily="49" charset="0"/>
+              </a:rPr>
+            </a:br>
+            <a:r>
+              <a:rPr lang="en-US" altLang="ko-KR" sz="1600" b="0" dirty="0" err="1">
+                <a:solidFill>
+                  <a:srgbClr val="FF0000"/>
+                </a:solidFill>
+                <a:effectLst/>
+                <a:latin typeface="ubuntu mono derivative powerline" panose="020B0509030602030204" pitchFamily="49" charset="0"/>
+              </a:rPr>
+              <a:t>gogodan</a:t>
+            </a:r>
+            <a:r>
+              <a:rPr lang="en-US" altLang="ko-KR" sz="1600" b="0" dirty="0">
+                <a:effectLst/>
+                <a:latin typeface="ubuntu mono derivative powerline" panose="020B0509030602030204" pitchFamily="49" charset="0"/>
+              </a:rPr>
+              <a:t>(2)</a:t>
+            </a:r>
+          </a:p>
+          <a:p>
+            <a:r>
+              <a:rPr lang="en-US" altLang="ko-KR" sz="1600" b="0" dirty="0" err="1">
+                <a:solidFill>
+                  <a:srgbClr val="FF0000"/>
+                </a:solidFill>
+                <a:effectLst/>
+                <a:latin typeface="ubuntu mono derivative powerline" panose="020B0509030602030204" pitchFamily="49" charset="0"/>
+              </a:rPr>
+              <a:t>gogodan</a:t>
+            </a:r>
+            <a:r>
+              <a:rPr lang="en-US" altLang="ko-KR" sz="1600" b="0" dirty="0">
+                <a:effectLst/>
+                <a:latin typeface="ubuntu mono derivative powerline" panose="020B0509030602030204" pitchFamily="49" charset="0"/>
+              </a:rPr>
+              <a:t>(3)</a:t>
+            </a:r>
+          </a:p>
+          <a:p>
+            <a:endParaRPr lang="en-US" altLang="ko-KR" sz="1600" b="0" dirty="0">
+              <a:effectLst/>
+              <a:latin typeface="ubuntu mono derivative powerline" panose="020B0509030602030204" pitchFamily="49" charset="0"/>
+            </a:endParaRPr>
+          </a:p>
+          <a:p>
+            <a:r>
+              <a:rPr lang="en-US" altLang="ko-KR" sz="1600" b="0" dirty="0">
+                <a:effectLst/>
+                <a:latin typeface="ubuntu mono derivative powerline" panose="020B0509030602030204" pitchFamily="49" charset="0"/>
+              </a:rPr>
+              <a:t>...</a:t>
+            </a:r>
+          </a:p>
+          <a:p>
+            <a:endParaRPr lang="en-US" altLang="ko-KR" sz="1600" b="0" dirty="0">
+              <a:effectLst/>
+              <a:latin typeface="ubuntu mono derivative powerline" panose="020B0509030602030204" pitchFamily="49" charset="0"/>
+            </a:endParaRPr>
+          </a:p>
+          <a:p>
+            <a:r>
+              <a:rPr lang="en-US" altLang="ko-KR" sz="1600" b="0" dirty="0" err="1">
+                <a:solidFill>
+                  <a:srgbClr val="FF0000"/>
+                </a:solidFill>
+                <a:effectLst/>
+                <a:latin typeface="ubuntu mono derivative powerline" panose="020B0509030602030204" pitchFamily="49" charset="0"/>
+              </a:rPr>
+              <a:t>gogodan</a:t>
+            </a:r>
+            <a:r>
+              <a:rPr lang="en-US" altLang="ko-KR" sz="1600" b="0" dirty="0">
+                <a:effectLst/>
+                <a:latin typeface="ubuntu mono derivative powerline" panose="020B0509030602030204" pitchFamily="49" charset="0"/>
+              </a:rPr>
+              <a:t>(8)</a:t>
+            </a:r>
+          </a:p>
+          <a:p>
+            <a:r>
+              <a:rPr lang="en-US" altLang="ko-KR" sz="1600" b="0" dirty="0" err="1">
+                <a:solidFill>
+                  <a:srgbClr val="FF0000"/>
+                </a:solidFill>
+                <a:effectLst/>
+                <a:latin typeface="ubuntu mono derivative powerline" panose="020B0509030602030204" pitchFamily="49" charset="0"/>
+              </a:rPr>
+              <a:t>gogodan</a:t>
+            </a:r>
+            <a:r>
+              <a:rPr lang="en-US" altLang="ko-KR" sz="1600" b="0" dirty="0">
+                <a:effectLst/>
+                <a:latin typeface="ubuntu mono derivative powerline" panose="020B0509030602030204" pitchFamily="49" charset="0"/>
+              </a:rPr>
+              <a:t>(9)</a:t>
+            </a:r>
+          </a:p>
+        </p:txBody>
+      </p:sp>
+      <p:sp>
+        <p:nvSpPr>
+          <p:cNvPr id="8" name="직사각형 7">
+            <a:extLst>
+              <a:ext uri="{FF2B5EF4-FFF2-40B4-BE49-F238E27FC236}">
+                <a16:creationId xmlns:a16="http://schemas.microsoft.com/office/drawing/2014/main" id="{CD3FD68F-1CAE-6F06-0227-039A1425CB23}"/>
+              </a:ext>
+            </a:extLst>
+          </p:cNvPr>
+          <p:cNvSpPr/>
+          <p:nvPr/>
+        </p:nvSpPr>
+        <p:spPr>
+          <a:xfrm>
+            <a:off x="4874841" y="3020251"/>
+            <a:ext cx="4017640" cy="2429537"/>
+          </a:xfrm>
+          <a:prstGeom prst="rect">
+            <a:avLst/>
+          </a:prstGeom>
+          <a:solidFill>
+            <a:srgbClr val="FFFFFF"/>
+          </a:solidFill>
+          <a:ln>
+            <a:solidFill>
+              <a:srgbClr val="0000FF"/>
+            </a:solidFill>
+          </a:ln>
+        </p:spPr>
+        <p:style>
+          <a:lnRef idx="2">
+            <a:schemeClr val="accent1">
+              <a:shade val="50000"/>
+            </a:schemeClr>
+          </a:lnRef>
+          <a:fillRef idx="1">
+            <a:schemeClr val="accent1"/>
+          </a:fillRef>
+          <a:effectRef idx="0">
+            <a:schemeClr val="accent1"/>
+          </a:effectRef>
+          <a:fontRef idx="minor">
+            <a:schemeClr val="lt1"/>
+          </a:fontRef>
+        </p:style>
+        <p:txBody>
+          <a:bodyPr rtlCol="0" anchor="ctr"/>
+          <a:lstStyle/>
+          <a:p>
+            <a:pPr algn="ctr"/>
+            <a:endParaRPr lang="ko-KR" altLang="en-US"/>
+          </a:p>
+        </p:txBody>
+      </p:sp>
     </p:spTree>
     <p:extLst>
       <p:ext uri="{BB962C8B-B14F-4D97-AF65-F5344CB8AC3E}">
-        <p14:creationId xmlns:p14="http://schemas.microsoft.com/office/powerpoint/2010/main" val="1529579461"/>
+        <p14:creationId xmlns:p14="http://schemas.microsoft.com/office/powerpoint/2010/main" val="3158594236"/>
       </p:ext>
     </p:extLst>
   </p:cSld>
   <p:clrMapOvr>
     <a:masterClrMapping/>
   </p:clrMapOvr>
+  <p:timing>
+    <p:tnLst>
+      <p:par>
+        <p:cTn id="1" dur="indefinite" restart="never" nodeType="tmRoot">
+          <p:childTnLst>
+            <p:seq concurrent="1" nextAc="seek">
+              <p:cTn id="2" dur="indefinite" nodeType="mainSeq">
+                <p:childTnLst>
+                  <p:par>
+                    <p:cTn id="3" fill="hold">
+                      <p:stCondLst>
+                        <p:cond delay="indefinite"/>
+                      </p:stCondLst>
+                      <p:childTnLst>
+                        <p:par>
+                          <p:cTn id="4" fill="hold">
+                            <p:stCondLst>
+                              <p:cond delay="0"/>
+                            </p:stCondLst>
+                            <p:childTnLst>
+                              <p:par>
+                                <p:cTn id="5" presetID="1" presetClass="exit" presetSubtype="0" fill="hold" grpId="0" nodeType="clickEffect">
+                                  <p:stCondLst>
+                                    <p:cond delay="0"/>
+                                  </p:stCondLst>
+                                  <p:childTnLst>
+                                    <p:set>
+                                      <p:cBhvr>
+                                        <p:cTn id="6" dur="1" fill="hold">
+                                          <p:stCondLst>
+                                            <p:cond delay="0"/>
+                                          </p:stCondLst>
+                                        </p:cTn>
+                                        <p:tgtEl>
+                                          <p:spTgt spid="8"/>
+                                        </p:tgtEl>
+                                        <p:attrNameLst>
+                                          <p:attrName>style.visibility</p:attrName>
+                                        </p:attrNameLst>
+                                      </p:cBhvr>
+                                      <p:to>
+                                        <p:strVal val="hidden"/>
+                                      </p:to>
+                                    </p:set>
+                                  </p:childTnLst>
+                                </p:cTn>
+                              </p:par>
+                            </p:childTnLst>
+                          </p:cTn>
+                        </p:par>
+                      </p:childTnLst>
+                    </p:cTn>
+                  </p:par>
+                </p:childTnLst>
+              </p:cTn>
+              <p:prevCondLst>
+                <p:cond evt="onPrev" delay="0">
+                  <p:tgtEl>
+                    <p:sldTgt/>
+                  </p:tgtEl>
+                </p:cond>
+              </p:prevCondLst>
+              <p:nextCondLst>
+                <p:cond evt="onNext" delay="0">
+                  <p:tgtEl>
+                    <p:sldTgt/>
+                  </p:tgtEl>
+                </p:cond>
+              </p:nextCondLst>
+            </p:seq>
+          </p:childTnLst>
+        </p:cTn>
+      </p:par>
+    </p:tnLst>
+    <p:bldLst>
+      <p:bldP spid="8" grpId="0" animBg="1"/>
+    </p:bldLst>
+  </p:timing>
 </p:sld>
 </file>
 
@@ -17728,8 +19507,69 @@
           <a:p>
             <a:r>
               <a:rPr lang="en-US" altLang="ko-KR" dirty="0"/>
-              <a:t>3.1.3 </a:t>
-            </a:r>
+              <a:t>3.1.1 </a:t>
+            </a:r>
+            <a:r>
+              <a:rPr lang="ko-KR" altLang="en-US" dirty="0"/>
+              <a:t>상수</a:t>
+            </a:r>
+            <a:r>
+              <a:rPr lang="en-US" altLang="ko-KR" dirty="0"/>
+              <a:t>(Constant)</a:t>
+            </a:r>
+          </a:p>
+          <a:p>
+            <a:pPr lvl="1"/>
+            <a:r>
+              <a:rPr lang="ko-KR" altLang="en-US" dirty="0" err="1"/>
+              <a:t>리터럴의</a:t>
+            </a:r>
+            <a:r>
+              <a:rPr lang="ko-KR" altLang="en-US" dirty="0"/>
+              <a:t> 종류</a:t>
+            </a:r>
+            <a:endParaRPr lang="en-US" altLang="ko-KR" dirty="0"/>
+          </a:p>
+          <a:p>
+            <a:pPr lvl="2"/>
+            <a:r>
+              <a:rPr lang="ko-KR" altLang="en-US" dirty="0"/>
+              <a:t>특수 </a:t>
+            </a:r>
+            <a:r>
+              <a:rPr lang="ko-KR" altLang="en-US" dirty="0" err="1"/>
+              <a:t>리터럴</a:t>
+            </a:r>
+            <a:endParaRPr lang="en-US" altLang="ko-KR" dirty="0"/>
+          </a:p>
+          <a:p>
+            <a:pPr lvl="3"/>
+            <a:r>
+              <a:rPr lang="en-US" altLang="ko-KR" dirty="0"/>
+              <a:t>None</a:t>
+            </a:r>
+          </a:p>
+          <a:p>
+            <a:pPr lvl="4"/>
+            <a:r>
+              <a:rPr lang="ko-KR" altLang="en-US" dirty="0"/>
+              <a:t>다른 언어에서는 </a:t>
+            </a:r>
+            <a:r>
+              <a:rPr lang="en-US" altLang="ko-KR" dirty="0"/>
+              <a:t>null</a:t>
+            </a:r>
+            <a:r>
+              <a:rPr lang="ko-KR" altLang="en-US" dirty="0"/>
+              <a:t>을 많이 사용함</a:t>
+            </a:r>
+            <a:r>
+              <a:rPr lang="en-US" altLang="ko-KR" dirty="0"/>
+              <a:t>.</a:t>
+            </a:r>
+          </a:p>
+          <a:p>
+            <a:pPr lvl="2"/>
             <a:r>
               <a:rPr lang="ko-KR" altLang="en-US" dirty="0"/>
               <a:t>컬렉션 </a:t>
@@ -17741,137 +19581,14 @@
             <a:endParaRPr lang="en-US" altLang="ko-KR" dirty="0"/>
           </a:p>
           <a:p>
-            <a:pPr lvl="1"/>
+            <a:pPr lvl="3"/>
             <a:r>
               <a:rPr lang="en-US" altLang="ko-KR" dirty="0"/>
-              <a:t>List = []</a:t>
-            </a:r>
-          </a:p>
-          <a:p>
-            <a:pPr lvl="2"/>
-            <a:r>
-              <a:rPr lang="ko-KR" altLang="en-US" dirty="0"/>
-              <a:t>일반적인 배열</a:t>
-            </a:r>
-            <a:r>
-              <a:rPr lang="en-US" altLang="ko-KR" dirty="0"/>
-              <a:t>(</a:t>
-            </a:r>
-            <a:r>
-              <a:rPr lang="ko-KR" altLang="en-US" dirty="0"/>
-              <a:t>변경 가능</a:t>
-            </a:r>
-            <a:r>
-              <a:rPr lang="en-US" altLang="ko-KR" dirty="0"/>
-              <a:t>)</a:t>
-            </a:r>
-          </a:p>
-          <a:p>
-            <a:pPr lvl="1"/>
-            <a:r>
-              <a:rPr lang="en-US" altLang="ko-KR" dirty="0"/>
-              <a:t>Tuple = ()</a:t>
-            </a:r>
-          </a:p>
-          <a:p>
-            <a:pPr lvl="2"/>
-            <a:r>
-              <a:rPr lang="ko-KR" altLang="en-US" dirty="0"/>
-              <a:t>변경 불가능한 배열</a:t>
-            </a:r>
-            <a:endParaRPr lang="en-US" altLang="ko-KR" dirty="0"/>
-          </a:p>
-          <a:p>
-            <a:pPr lvl="1"/>
-            <a:r>
-              <a:rPr lang="en-US" altLang="ko-KR" dirty="0"/>
-              <a:t>Set = {}</a:t>
-            </a:r>
-          </a:p>
-          <a:p>
-            <a:pPr lvl="2"/>
-            <a:r>
-              <a:rPr lang="ko-KR" altLang="en-US" dirty="0"/>
-              <a:t>중복 불가능한 배열</a:t>
-            </a:r>
-            <a:r>
-              <a:rPr lang="en-US" altLang="ko-KR" dirty="0"/>
-              <a:t>, </a:t>
-            </a:r>
-            <a:r>
-              <a:rPr lang="ko-KR" altLang="en-US" dirty="0"/>
-              <a:t>순서를 보장받지 못함</a:t>
-            </a:r>
-            <a:endParaRPr lang="en-US" altLang="ko-KR" dirty="0"/>
-          </a:p>
-          <a:p>
-            <a:pPr lvl="1"/>
+              <a:t>List, Tuple, Set, </a:t>
+            </a:r>
             <a:r>
               <a:rPr lang="en-US" altLang="ko-KR" dirty="0" err="1"/>
               <a:t>Dict</a:t>
-            </a:r>
-            <a:r>
-              <a:rPr lang="en-US" altLang="ko-KR" dirty="0"/>
-              <a:t> = {</a:t>
-            </a:r>
-            <a:r>
-              <a:rPr lang="en-US" altLang="ko-KR" dirty="0" err="1"/>
-              <a:t>key:value</a:t>
-            </a:r>
-            <a:r>
-              <a:rPr lang="en-US" altLang="ko-KR" dirty="0"/>
-              <a:t>}</a:t>
-            </a:r>
-          </a:p>
-          <a:p>
-            <a:pPr lvl="2"/>
-            <a:r>
-              <a:rPr lang="en-US" altLang="ko-KR" dirty="0"/>
-              <a:t>key</a:t>
-            </a:r>
-            <a:r>
-              <a:rPr lang="ko-KR" altLang="en-US" dirty="0"/>
-              <a:t>와 </a:t>
-            </a:r>
-            <a:r>
-              <a:rPr lang="en-US" altLang="ko-KR" dirty="0"/>
-              <a:t>value</a:t>
-            </a:r>
-            <a:r>
-              <a:rPr lang="ko-KR" altLang="en-US" dirty="0"/>
-              <a:t>쌍으로 이루어진 자료형</a:t>
-            </a:r>
-            <a:endParaRPr lang="en-US" altLang="ko-KR" dirty="0"/>
-          </a:p>
-          <a:p>
-            <a:pPr lvl="2"/>
-            <a:r>
-              <a:rPr lang="en-US" altLang="ko-KR" dirty="0"/>
-              <a:t>Server</a:t>
-            </a:r>
-            <a:r>
-              <a:rPr lang="ko-KR" altLang="en-US" dirty="0"/>
-              <a:t> ↔ </a:t>
-            </a:r>
-            <a:r>
-              <a:rPr lang="en-US" altLang="ko-KR" dirty="0"/>
-              <a:t>Client </a:t>
-            </a:r>
-            <a:r>
-              <a:rPr lang="ko-KR" altLang="en-US" dirty="0"/>
-              <a:t>데이터 전송에 가장 많이 사용되는 </a:t>
-            </a:r>
-            <a:r>
-              <a:rPr lang="en-US" altLang="ko-KR" dirty="0" err="1"/>
-              <a:t>Json</a:t>
-            </a:r>
-            <a:r>
-              <a:rPr lang="en-US" altLang="ko-KR" dirty="0"/>
-              <a:t> </a:t>
-            </a:r>
-            <a:r>
-              <a:rPr lang="ko-KR" altLang="en-US" dirty="0"/>
-              <a:t>형식</a:t>
             </a:r>
             <a:endParaRPr lang="en-US" altLang="ko-KR" dirty="0"/>
           </a:p>
@@ -17880,7 +19597,7 @@
     </p:spTree>
     <p:extLst>
       <p:ext uri="{BB962C8B-B14F-4D97-AF65-F5344CB8AC3E}">
-        <p14:creationId xmlns:p14="http://schemas.microsoft.com/office/powerpoint/2010/main" val="446072106"/>
+        <p14:creationId xmlns:p14="http://schemas.microsoft.com/office/powerpoint/2010/main" val="1202949461"/>
       </p:ext>
     </p:extLst>
   </p:cSld>

--- a/2022-09-20/documents/CH_03_파이썬 기초_실습2.pptx
+++ b/2022-09-20/documents/CH_03_파이썬 기초_실습2.pptx
@@ -7125,7 +7125,7 @@
         <p:spPr>
           <a:xfrm>
             <a:off x="611560" y="1633364"/>
-            <a:ext cx="8303840" cy="3024336"/>
+            <a:ext cx="8303840" cy="3168352"/>
           </a:xfrm>
           <a:prstGeom prst="rect">
             <a:avLst/>
@@ -7402,6 +7402,30 @@
             <a:pPr lvl="3"/>
             <a:r>
               <a:rPr lang="en-US" altLang="ko-KR" kern="0" dirty="0"/>
+              <a:t>Min() – </a:t>
+            </a:r>
+            <a:r>
+              <a:rPr lang="ko-KR" altLang="en-US" kern="0" dirty="0"/>
+              <a:t>배열에서 가장 작은 값 출력</a:t>
+            </a:r>
+            <a:endParaRPr lang="en-US" altLang="ko-KR" kern="0" dirty="0"/>
+          </a:p>
+          <a:p>
+            <a:pPr lvl="3"/>
+            <a:r>
+              <a:rPr lang="en-US" altLang="ko-KR" kern="0" dirty="0"/>
+              <a:t>max() – </a:t>
+            </a:r>
+            <a:r>
+              <a:rPr lang="ko-KR" altLang="en-US" kern="0" dirty="0"/>
+              <a:t>배열에서 가장 큰 값 출력</a:t>
+            </a:r>
+            <a:endParaRPr lang="en-US" altLang="ko-KR" kern="0" dirty="0"/>
+          </a:p>
+          <a:p>
+            <a:pPr lvl="3"/>
+            <a:r>
+              <a:rPr lang="en-US" altLang="ko-KR" kern="0" dirty="0"/>
               <a:t>print() – </a:t>
             </a:r>
             <a:r>
@@ -7411,10 +7435,20 @@
             <a:endParaRPr lang="en-US" altLang="ko-KR" kern="0" dirty="0"/>
           </a:p>
           <a:p>
-            <a:pPr lvl="3"/>
+            <a:pPr marL="1142955" lvl="3" indent="0">
+              <a:buNone/>
+            </a:pPr>
             <a:r>
               <a:rPr lang="en-US" altLang="ko-KR" kern="0" dirty="0"/>
-              <a:t>map()</a:t>
+              <a:t>   </a:t>
+            </a:r>
+            <a:r>
+              <a:rPr lang="en-US" altLang="ko-KR" kern="0" dirty="0">
+                <a:solidFill>
+                  <a:srgbClr val="0000FF"/>
+                </a:solidFill>
+              </a:rPr>
+              <a:t>…</a:t>
             </a:r>
           </a:p>
         </p:txBody>
@@ -7525,7 +7559,7 @@
         <p:spPr>
           <a:xfrm>
             <a:off x="611560" y="1633364"/>
-            <a:ext cx="8303840" cy="3024336"/>
+            <a:ext cx="8303840" cy="3168352"/>
           </a:xfrm>
           <a:prstGeom prst="rect">
             <a:avLst/>
@@ -7723,19 +7757,31 @@
             <a:pPr lvl="1"/>
             <a:r>
               <a:rPr lang="ko-KR" altLang="en-US" kern="0" dirty="0"/>
-              <a:t>내장함수</a:t>
-            </a:r>
-            <a:endParaRPr lang="en-US" altLang="ko-KR" kern="0" dirty="0"/>
+              <a:t>라이브러리</a:t>
+            </a:r>
+            <a:r>
+              <a:rPr lang="en-US" altLang="ko-KR" kern="0" dirty="0"/>
+              <a:t>, </a:t>
+            </a:r>
+            <a:r>
+              <a:rPr lang="ko-KR" altLang="en-US" kern="0" dirty="0"/>
+              <a:t>모듈</a:t>
+            </a:r>
+            <a:r>
+              <a:rPr lang="en-US" altLang="ko-KR" kern="0" dirty="0"/>
+              <a:t>, </a:t>
+            </a:r>
+            <a:r>
+              <a:rPr lang="ko-KR" altLang="en-US" kern="0" dirty="0"/>
+              <a:t>패키지</a:t>
+            </a:r>
+            <a:r>
+              <a:rPr lang="en-US" altLang="ko-KR" kern="0" dirty="0"/>
+              <a:t>…</a:t>
+            </a:r>
           </a:p>
           <a:p>
             <a:pPr lvl="2"/>
-            <a:r>
-              <a:rPr lang="en-US" altLang="ko-KR" kern="0"/>
-              <a:t>Map()</a:t>
-            </a:r>
-          </a:p>
-          <a:p>
-            <a:pPr lvl="3"/>
             <a:endParaRPr lang="en-US" altLang="ko-KR" kern="0" dirty="0"/>
           </a:p>
         </p:txBody>
@@ -7773,7 +7819,7 @@
     </p:spTree>
     <p:extLst>
       <p:ext uri="{BB962C8B-B14F-4D97-AF65-F5344CB8AC3E}">
-        <p14:creationId xmlns:p14="http://schemas.microsoft.com/office/powerpoint/2010/main" val="4048149420"/>
+        <p14:creationId xmlns:p14="http://schemas.microsoft.com/office/powerpoint/2010/main" val="1760987845"/>
       </p:ext>
     </p:extLst>
   </p:cSld>

--- a/2022-09-20/documents/CH_03_파이썬 기초_실습2.pptx
+++ b/2022-09-20/documents/CH_03_파이썬 기초_실습2.pptx
@@ -5,10 +5,10 @@
     <p:sldMasterId id="2147483970" r:id="rId1"/>
   </p:sldMasterIdLst>
   <p:notesMasterIdLst>
-    <p:notesMasterId r:id="rId13"/>
+    <p:notesMasterId r:id="rId16"/>
   </p:notesMasterIdLst>
   <p:handoutMasterIdLst>
-    <p:handoutMasterId r:id="rId14"/>
+    <p:handoutMasterId r:id="rId17"/>
   </p:handoutMasterIdLst>
   <p:sldIdLst>
     <p:sldId id="256" r:id="rId2"/>
@@ -22,6 +22,9 @@
     <p:sldId id="345" r:id="rId10"/>
     <p:sldId id="374" r:id="rId11"/>
     <p:sldId id="376" r:id="rId12"/>
+    <p:sldId id="378" r:id="rId13"/>
+    <p:sldId id="377" r:id="rId14"/>
+    <p:sldId id="379" r:id="rId15"/>
   </p:sldIdLst>
   <p:sldSz cx="9144000" cy="5715000" type="screen16x10"/>
   <p:notesSz cx="7104063" cy="10234613"/>
@@ -7523,7 +7526,12 @@
             <p:ph idx="1"/>
           </p:nvPr>
         </p:nvSpPr>
-        <p:spPr/>
+        <p:spPr>
+          <a:xfrm>
+            <a:off x="698480" y="1207228"/>
+            <a:ext cx="8229600" cy="4127500"/>
+          </a:xfrm>
+        </p:spPr>
         <p:txBody>
           <a:bodyPr>
             <a:normAutofit/>
@@ -7757,7 +7765,7 @@
             <a:pPr lvl="1"/>
             <a:r>
               <a:rPr lang="ko-KR" altLang="en-US" kern="0" dirty="0"/>
-              <a:t>라이브러리</a:t>
+              <a:t>모듈</a:t>
             </a:r>
             <a:r>
               <a:rPr lang="en-US" altLang="ko-KR" kern="0" dirty="0"/>
@@ -7765,7 +7773,7 @@
             </a:r>
             <a:r>
               <a:rPr lang="ko-KR" altLang="en-US" kern="0" dirty="0"/>
-              <a:t>모듈</a:t>
+              <a:t>라이브러리</a:t>
             </a:r>
             <a:r>
               <a:rPr lang="en-US" altLang="ko-KR" kern="0" dirty="0"/>
@@ -7775,13 +7783,66 @@
               <a:rPr lang="ko-KR" altLang="en-US" kern="0" dirty="0"/>
               <a:t>패키지</a:t>
             </a:r>
+            <a:endParaRPr lang="en-US" altLang="ko-KR" kern="0" dirty="0"/>
+          </a:p>
+          <a:p>
+            <a:pPr lvl="2"/>
+            <a:r>
+              <a:rPr lang="ko-KR" altLang="en-US" kern="0" dirty="0"/>
+              <a:t>모듈</a:t>
+            </a:r>
+            <a:endParaRPr lang="en-US" altLang="ko-KR" kern="0" dirty="0"/>
+          </a:p>
+          <a:p>
+            <a:pPr lvl="3"/>
+            <a:r>
+              <a:rPr lang="ko-KR" altLang="en-US" kern="0" dirty="0"/>
+              <a:t>클래스</a:t>
+            </a:r>
             <a:r>
               <a:rPr lang="en-US" altLang="ko-KR" kern="0" dirty="0"/>
-              <a:t>…</a:t>
-            </a:r>
+              <a:t>, </a:t>
+            </a:r>
+            <a:r>
+              <a:rPr lang="ko-KR" altLang="en-US" kern="0" dirty="0"/>
+              <a:t>함수 등을 모아 둔 파일</a:t>
+            </a:r>
+            <a:endParaRPr lang="en-US" altLang="ko-KR" kern="0" dirty="0"/>
           </a:p>
           <a:p>
             <a:pPr lvl="2"/>
+            <a:endParaRPr lang="en-US" altLang="ko-KR" kern="0" dirty="0"/>
+          </a:p>
+          <a:p>
+            <a:pPr lvl="2"/>
+            <a:r>
+              <a:rPr lang="ko-KR" altLang="en-US" kern="0" dirty="0"/>
+              <a:t>라이브러리</a:t>
+            </a:r>
+            <a:r>
+              <a:rPr lang="en-US" altLang="ko-KR" kern="0" dirty="0"/>
+              <a:t>, </a:t>
+            </a:r>
+            <a:r>
+              <a:rPr lang="ko-KR" altLang="en-US" kern="0" dirty="0"/>
+              <a:t>패키지</a:t>
+            </a:r>
+            <a:endParaRPr lang="en-US" altLang="ko-KR" kern="0" dirty="0"/>
+          </a:p>
+          <a:p>
+            <a:pPr lvl="3"/>
+            <a:r>
+              <a:rPr lang="ko-KR" altLang="en-US" kern="0" dirty="0"/>
+              <a:t>같은 뜻이라고 생각하면 편함</a:t>
+            </a:r>
+            <a:endParaRPr lang="en-US" altLang="ko-KR" kern="0" dirty="0"/>
+          </a:p>
+          <a:p>
+            <a:pPr lvl="3"/>
+            <a:r>
+              <a:rPr lang="ko-KR" altLang="en-US" kern="0" dirty="0"/>
+              <a:t>모듈을 모아 둔 폴더</a:t>
+            </a:r>
             <a:endParaRPr lang="en-US" altLang="ko-KR" kern="0" dirty="0"/>
           </a:p>
         </p:txBody>
@@ -7820,6 +7881,3036 @@
     <p:extLst>
       <p:ext uri="{BB962C8B-B14F-4D97-AF65-F5344CB8AC3E}">
         <p14:creationId xmlns:p14="http://schemas.microsoft.com/office/powerpoint/2010/main" val="1760987845"/>
+      </p:ext>
+    </p:extLst>
+  </p:cSld>
+  <p:clrMapOvr>
+    <a:masterClrMapping/>
+  </p:clrMapOvr>
+</p:sld>
+</file>
+
+<file path=ppt/slides/slide12.xml><?xml version="1.0" encoding="utf-8"?>
+<p:sld xmlns:a="http://schemas.openxmlformats.org/drawingml/2006/main" xmlns:r="http://schemas.openxmlformats.org/officeDocument/2006/relationships" xmlns:p="http://schemas.openxmlformats.org/presentationml/2006/main">
+  <p:cSld>
+    <p:spTree>
+      <p:nvGrpSpPr>
+        <p:cNvPr id="1" name=""/>
+        <p:cNvGrpSpPr/>
+        <p:nvPr/>
+      </p:nvGrpSpPr>
+      <p:grpSpPr>
+        <a:xfrm>
+          <a:off x="0" y="0"/>
+          <a:ext cx="0" cy="0"/>
+          <a:chOff x="0" y="0"/>
+          <a:chExt cx="0" cy="0"/>
+        </a:xfrm>
+      </p:grpSpPr>
+      <p:sp>
+        <p:nvSpPr>
+          <p:cNvPr id="3" name="내용 개체 틀 2"/>
+          <p:cNvSpPr>
+            <a:spLocks noGrp="1"/>
+          </p:cNvSpPr>
+          <p:nvPr>
+            <p:ph idx="1"/>
+          </p:nvPr>
+        </p:nvSpPr>
+        <p:spPr>
+          <a:xfrm>
+            <a:off x="698480" y="1207228"/>
+            <a:ext cx="8229600" cy="4127500"/>
+          </a:xfrm>
+        </p:spPr>
+        <p:txBody>
+          <a:bodyPr>
+            <a:normAutofit/>
+          </a:bodyPr>
+          <a:lstStyle/>
+          <a:p>
+            <a:r>
+              <a:rPr lang="en-US" altLang="ko-KR" dirty="0"/>
+              <a:t>3.2 </a:t>
+            </a:r>
+            <a:r>
+              <a:rPr lang="ko-KR" altLang="en-US" dirty="0"/>
+              <a:t>함수와 라이브러리</a:t>
+            </a:r>
+            <a:endParaRPr lang="en-US" altLang="ko-KR" dirty="0"/>
+          </a:p>
+        </p:txBody>
+      </p:sp>
+      <p:sp>
+        <p:nvSpPr>
+          <p:cNvPr id="5" name="내용 개체 틀 8">
+            <a:extLst>
+              <a:ext uri="{FF2B5EF4-FFF2-40B4-BE49-F238E27FC236}">
+                <a16:creationId xmlns:a16="http://schemas.microsoft.com/office/drawing/2014/main" id="{A919FA0F-0890-3EFC-CAAF-65D067DAA112}"/>
+              </a:ext>
+            </a:extLst>
+          </p:cNvPr>
+          <p:cNvSpPr txBox="1">
+            <a:spLocks/>
+          </p:cNvSpPr>
+          <p:nvPr/>
+        </p:nvSpPr>
+        <p:spPr>
+          <a:xfrm>
+            <a:off x="611560" y="1633364"/>
+            <a:ext cx="8303840" cy="3168352"/>
+          </a:xfrm>
+          <a:prstGeom prst="rect">
+            <a:avLst/>
+          </a:prstGeom>
+        </p:spPr>
+        <p:txBody>
+          <a:bodyPr/>
+          <a:lstStyle>
+            <a:lvl1pPr marL="285739" indent="-285739" algn="l" rtl="0" eaLnBrk="1" fontAlgn="base" latinLnBrk="1" hangingPunct="1">
+              <a:spcBef>
+                <a:spcPct val="20000"/>
+              </a:spcBef>
+              <a:spcAft>
+                <a:spcPct val="0"/>
+              </a:spcAft>
+              <a:buClr>
+                <a:srgbClr val="0000FF"/>
+              </a:buClr>
+              <a:buSzPct val="90000"/>
+              <a:buFont typeface="Wingdings" pitchFamily="2" charset="2"/>
+              <a:buChar char="n"/>
+              <a:defRPr kumimoji="1" sz="2333" b="1">
+                <a:solidFill>
+                  <a:schemeClr val="tx1"/>
+                </a:solidFill>
+                <a:latin typeface="+mn-lt"/>
+                <a:ea typeface="맑은 고딕" pitchFamily="50" charset="-127"/>
+                <a:cs typeface="+mn-cs"/>
+              </a:defRPr>
+            </a:lvl1pPr>
+            <a:lvl2pPr marL="619100" indent="-238115" algn="l" rtl="0" eaLnBrk="1" fontAlgn="base" latinLnBrk="1" hangingPunct="1">
+              <a:spcBef>
+                <a:spcPct val="20000"/>
+              </a:spcBef>
+              <a:spcAft>
+                <a:spcPct val="0"/>
+              </a:spcAft>
+              <a:buClr>
+                <a:schemeClr val="hlink"/>
+              </a:buClr>
+              <a:buSzPct val="75000"/>
+              <a:buFont typeface="Wingdings" pitchFamily="2" charset="2"/>
+              <a:buChar char="u"/>
+              <a:defRPr kumimoji="1" sz="2167" b="1">
+                <a:solidFill>
+                  <a:schemeClr val="tx1"/>
+                </a:solidFill>
+                <a:latin typeface="+mn-lt"/>
+                <a:ea typeface="맑은 고딕" pitchFamily="50" charset="-127"/>
+              </a:defRPr>
+            </a:lvl2pPr>
+            <a:lvl3pPr marL="952462" indent="-190492" algn="l" rtl="0" eaLnBrk="1" fontAlgn="base" latinLnBrk="1" hangingPunct="1">
+              <a:spcBef>
+                <a:spcPct val="20000"/>
+              </a:spcBef>
+              <a:spcAft>
+                <a:spcPct val="0"/>
+              </a:spcAft>
+              <a:buClr>
+                <a:srgbClr val="3399FF"/>
+              </a:buClr>
+              <a:buSzPct val="55000"/>
+              <a:buFont typeface="Wingdings" pitchFamily="2" charset="2"/>
+              <a:buChar char="l"/>
+              <a:defRPr kumimoji="1" sz="2000" b="1">
+                <a:solidFill>
+                  <a:schemeClr val="tx1"/>
+                </a:solidFill>
+                <a:latin typeface="+mn-lt"/>
+                <a:ea typeface="맑은 고딕" pitchFamily="50" charset="-127"/>
+              </a:defRPr>
+            </a:lvl3pPr>
+            <a:lvl4pPr marL="1333447" indent="-190492" algn="l" rtl="0" eaLnBrk="1" fontAlgn="base" latinLnBrk="1" hangingPunct="1">
+              <a:spcBef>
+                <a:spcPct val="20000"/>
+              </a:spcBef>
+              <a:spcAft>
+                <a:spcPct val="0"/>
+              </a:spcAft>
+              <a:buClr>
+                <a:srgbClr val="009900"/>
+              </a:buClr>
+              <a:buFont typeface="Wingdings" pitchFamily="2" charset="2"/>
+              <a:buChar char="§"/>
+              <a:defRPr kumimoji="1" sz="1833" b="1">
+                <a:solidFill>
+                  <a:schemeClr val="tx1"/>
+                </a:solidFill>
+                <a:latin typeface="+mn-lt"/>
+                <a:ea typeface="맑은 고딕" pitchFamily="50" charset="-127"/>
+              </a:defRPr>
+            </a:lvl4pPr>
+            <a:lvl5pPr marL="1714431" indent="-190492" algn="l" rtl="0" eaLnBrk="1" fontAlgn="base" latinLnBrk="1" hangingPunct="1">
+              <a:spcBef>
+                <a:spcPct val="20000"/>
+              </a:spcBef>
+              <a:spcAft>
+                <a:spcPct val="0"/>
+              </a:spcAft>
+              <a:buClr>
+                <a:schemeClr val="tx1"/>
+              </a:buClr>
+              <a:buFont typeface="Wingdings" pitchFamily="2" charset="2"/>
+              <a:buChar char="§"/>
+              <a:defRPr kumimoji="1" sz="1667" b="1">
+                <a:solidFill>
+                  <a:schemeClr val="tx1"/>
+                </a:solidFill>
+                <a:latin typeface="+mn-lt"/>
+                <a:ea typeface="맑은 고딕" pitchFamily="50" charset="-127"/>
+              </a:defRPr>
+            </a:lvl5pPr>
+            <a:lvl6pPr marL="2095416" indent="-190492" algn="l" rtl="0" eaLnBrk="1" fontAlgn="base" latinLnBrk="1" hangingPunct="1">
+              <a:spcBef>
+                <a:spcPct val="20000"/>
+              </a:spcBef>
+              <a:spcAft>
+                <a:spcPct val="0"/>
+              </a:spcAft>
+              <a:buClr>
+                <a:schemeClr val="tx1"/>
+              </a:buClr>
+              <a:buFont typeface="Wingdings" pitchFamily="2" charset="2"/>
+              <a:buChar char="§"/>
+              <a:defRPr kumimoji="1" sz="1667" b="1">
+                <a:solidFill>
+                  <a:schemeClr val="tx1"/>
+                </a:solidFill>
+                <a:latin typeface="+mn-lt"/>
+                <a:ea typeface="+mn-ea"/>
+              </a:defRPr>
+            </a:lvl6pPr>
+            <a:lvl7pPr marL="2476401" indent="-190492" algn="l" rtl="0" eaLnBrk="1" fontAlgn="base" latinLnBrk="1" hangingPunct="1">
+              <a:spcBef>
+                <a:spcPct val="20000"/>
+              </a:spcBef>
+              <a:spcAft>
+                <a:spcPct val="0"/>
+              </a:spcAft>
+              <a:buClr>
+                <a:schemeClr val="tx1"/>
+              </a:buClr>
+              <a:buFont typeface="Wingdings" pitchFamily="2" charset="2"/>
+              <a:buChar char="§"/>
+              <a:defRPr kumimoji="1" sz="1667" b="1">
+                <a:solidFill>
+                  <a:schemeClr val="tx1"/>
+                </a:solidFill>
+                <a:latin typeface="+mn-lt"/>
+                <a:ea typeface="+mn-ea"/>
+              </a:defRPr>
+            </a:lvl7pPr>
+            <a:lvl8pPr marL="2857386" indent="-190492" algn="l" rtl="0" eaLnBrk="1" fontAlgn="base" latinLnBrk="1" hangingPunct="1">
+              <a:spcBef>
+                <a:spcPct val="20000"/>
+              </a:spcBef>
+              <a:spcAft>
+                <a:spcPct val="0"/>
+              </a:spcAft>
+              <a:buClr>
+                <a:schemeClr val="tx1"/>
+              </a:buClr>
+              <a:buFont typeface="Wingdings" pitchFamily="2" charset="2"/>
+              <a:buChar char="§"/>
+              <a:defRPr kumimoji="1" sz="1667" b="1">
+                <a:solidFill>
+                  <a:schemeClr val="tx1"/>
+                </a:solidFill>
+                <a:latin typeface="+mn-lt"/>
+                <a:ea typeface="+mn-ea"/>
+              </a:defRPr>
+            </a:lvl8pPr>
+            <a:lvl9pPr marL="3238370" indent="-190492" algn="l" rtl="0" eaLnBrk="1" fontAlgn="base" latinLnBrk="1" hangingPunct="1">
+              <a:spcBef>
+                <a:spcPct val="20000"/>
+              </a:spcBef>
+              <a:spcAft>
+                <a:spcPct val="0"/>
+              </a:spcAft>
+              <a:buClr>
+                <a:schemeClr val="tx1"/>
+              </a:buClr>
+              <a:buFont typeface="Wingdings" pitchFamily="2" charset="2"/>
+              <a:buChar char="§"/>
+              <a:defRPr kumimoji="1" sz="1667" b="1">
+                <a:solidFill>
+                  <a:schemeClr val="tx1"/>
+                </a:solidFill>
+                <a:latin typeface="+mn-lt"/>
+                <a:ea typeface="+mn-ea"/>
+              </a:defRPr>
+            </a:lvl9pPr>
+          </a:lstStyle>
+          <a:p>
+            <a:pPr lvl="1"/>
+            <a:r>
+              <a:rPr lang="ko-KR" altLang="en-US" kern="0" dirty="0"/>
+              <a:t>모듈</a:t>
+            </a:r>
+            <a:r>
+              <a:rPr lang="en-US" altLang="ko-KR" kern="0" dirty="0"/>
+              <a:t>, </a:t>
+            </a:r>
+            <a:r>
+              <a:rPr lang="ko-KR" altLang="en-US" kern="0" dirty="0"/>
+              <a:t>라이브러리</a:t>
+            </a:r>
+            <a:r>
+              <a:rPr lang="en-US" altLang="ko-KR" kern="0" dirty="0"/>
+              <a:t>, </a:t>
+            </a:r>
+            <a:r>
+              <a:rPr lang="ko-KR" altLang="en-US" kern="0" dirty="0"/>
+              <a:t>패키지</a:t>
+            </a:r>
+            <a:r>
+              <a:rPr lang="en-US" altLang="ko-KR" kern="0" dirty="0"/>
+              <a:t>…</a:t>
+            </a:r>
+          </a:p>
+          <a:p>
+            <a:pPr lvl="2"/>
+            <a:endParaRPr lang="en-US" altLang="ko-KR" kern="0" dirty="0"/>
+          </a:p>
+        </p:txBody>
+      </p:sp>
+      <p:sp>
+        <p:nvSpPr>
+          <p:cNvPr id="2" name="제목 1"/>
+          <p:cNvSpPr>
+            <a:spLocks noGrp="1"/>
+          </p:cNvSpPr>
+          <p:nvPr>
+            <p:ph type="title"/>
+          </p:nvPr>
+        </p:nvSpPr>
+        <p:spPr/>
+        <p:txBody>
+          <a:bodyPr/>
+          <a:lstStyle/>
+          <a:p>
+            <a:r>
+              <a:rPr lang="en-US" altLang="ko-KR" dirty="0"/>
+              <a:t>3.1 </a:t>
+            </a:r>
+            <a:r>
+              <a:rPr lang="ko-KR" altLang="en-US" dirty="0" err="1"/>
+              <a:t>파이썬의</a:t>
+            </a:r>
+            <a:r>
+              <a:rPr lang="ko-KR" altLang="en-US" dirty="0"/>
+              <a:t> 자료구조</a:t>
+            </a:r>
+          </a:p>
+        </p:txBody>
+      </p:sp>
+      <p:sp>
+        <p:nvSpPr>
+          <p:cNvPr id="4" name="직사각형 3">
+            <a:extLst>
+              <a:ext uri="{FF2B5EF4-FFF2-40B4-BE49-F238E27FC236}">
+                <a16:creationId xmlns:a16="http://schemas.microsoft.com/office/drawing/2014/main" id="{81BFCAE5-A1F0-E856-F63C-F3C66C9D32A6}"/>
+              </a:ext>
+            </a:extLst>
+          </p:cNvPr>
+          <p:cNvSpPr/>
+          <p:nvPr/>
+        </p:nvSpPr>
+        <p:spPr>
+          <a:xfrm>
+            <a:off x="1184729" y="3481090"/>
+            <a:ext cx="2883215" cy="584775"/>
+          </a:xfrm>
+          <a:prstGeom prst="rect">
+            <a:avLst/>
+          </a:prstGeom>
+        </p:spPr>
+        <p:txBody>
+          <a:bodyPr wrap="square">
+            <a:spAutoFit/>
+          </a:bodyPr>
+          <a:lstStyle/>
+          <a:p>
+            <a:r>
+              <a:rPr lang="en-US" altLang="ko-KR" sz="1600" b="0" dirty="0">
+                <a:solidFill>
+                  <a:srgbClr val="00B050"/>
+                </a:solidFill>
+                <a:effectLst/>
+                <a:latin typeface="ubuntu mono derivative powerline" panose="020B0509030602030204" pitchFamily="49" charset="0"/>
+              </a:rPr>
+              <a:t># java</a:t>
+            </a:r>
+            <a:endParaRPr lang="en-US" altLang="ko-KR" sz="1600" b="0" dirty="0">
+              <a:solidFill>
+                <a:srgbClr val="00B050"/>
+              </a:solidFill>
+              <a:effectLst/>
+              <a:latin typeface="Ubuntu Mono derivative Powerlin" panose="020B0509030602030204" pitchFamily="49" charset="0"/>
+            </a:endParaRPr>
+          </a:p>
+          <a:p>
+            <a:r>
+              <a:rPr lang="en-US" altLang="ko-KR" sz="1600" b="0" i="0" dirty="0">
+                <a:solidFill>
+                  <a:srgbClr val="CC9B00"/>
+                </a:solidFill>
+                <a:effectLst/>
+                <a:latin typeface="Ubuntu Mono derivative Powerlin" panose="020B0509030602030204" pitchFamily="49" charset="0"/>
+              </a:rPr>
+              <a:t>import</a:t>
+            </a:r>
+            <a:r>
+              <a:rPr lang="en-US" altLang="ko-KR" sz="1600" b="0" i="0" dirty="0">
+                <a:effectLst/>
+                <a:latin typeface="Ubuntu Mono derivative Powerlin" panose="020B0509030602030204" pitchFamily="49" charset="0"/>
+              </a:rPr>
+              <a:t> </a:t>
+            </a:r>
+            <a:r>
+              <a:rPr lang="en-US" altLang="ko-KR" sz="1600" b="0" i="0" dirty="0" err="1">
+                <a:effectLst/>
+                <a:latin typeface="Ubuntu Mono derivative Powerlin" panose="020B0509030602030204" pitchFamily="49" charset="0"/>
+              </a:rPr>
+              <a:t>java.util.Scanner</a:t>
+            </a:r>
+            <a:r>
+              <a:rPr lang="en-US" altLang="ko-KR" sz="1600" b="0" i="0" dirty="0">
+                <a:effectLst/>
+                <a:latin typeface="Ubuntu Mono derivative Powerlin" panose="020B0509030602030204" pitchFamily="49" charset="0"/>
+              </a:rPr>
+              <a:t>;</a:t>
+            </a:r>
+            <a:endParaRPr lang="en-US" altLang="ko-KR" sz="1600" b="0" dirty="0">
+              <a:effectLst/>
+              <a:latin typeface="Ubuntu Mono derivative Powerlin" panose="020B0509030602030204" pitchFamily="49" charset="0"/>
+            </a:endParaRPr>
+          </a:p>
+        </p:txBody>
+      </p:sp>
+      <p:sp>
+        <p:nvSpPr>
+          <p:cNvPr id="6" name="직사각형 5">
+            <a:extLst>
+              <a:ext uri="{FF2B5EF4-FFF2-40B4-BE49-F238E27FC236}">
+                <a16:creationId xmlns:a16="http://schemas.microsoft.com/office/drawing/2014/main" id="{23882891-B41D-7C39-1E48-83528069079B}"/>
+              </a:ext>
+            </a:extLst>
+          </p:cNvPr>
+          <p:cNvSpPr/>
+          <p:nvPr/>
+        </p:nvSpPr>
+        <p:spPr>
+          <a:xfrm>
+            <a:off x="1184730" y="2565112"/>
+            <a:ext cx="2811206" cy="584775"/>
+          </a:xfrm>
+          <a:prstGeom prst="rect">
+            <a:avLst/>
+          </a:prstGeom>
+        </p:spPr>
+        <p:txBody>
+          <a:bodyPr wrap="square">
+            <a:spAutoFit/>
+          </a:bodyPr>
+          <a:lstStyle/>
+          <a:p>
+            <a:r>
+              <a:rPr lang="en-US" altLang="ko-KR" sz="1600" b="0" dirty="0">
+                <a:solidFill>
+                  <a:srgbClr val="00B050"/>
+                </a:solidFill>
+                <a:effectLst/>
+                <a:latin typeface="ubuntu mono derivative powerline" panose="020B0509030602030204" pitchFamily="49" charset="0"/>
+              </a:rPr>
+              <a:t># c</a:t>
+            </a:r>
+            <a:endParaRPr lang="en-US" altLang="ko-KR" sz="1600" b="0" dirty="0">
+              <a:effectLst/>
+              <a:latin typeface="Ubuntu Mono derivative Powerlin" panose="020B0509030602030204" pitchFamily="49" charset="0"/>
+            </a:endParaRPr>
+          </a:p>
+          <a:p>
+            <a:r>
+              <a:rPr lang="en-US" altLang="ko-KR" sz="1600" b="0" i="0" dirty="0">
+                <a:solidFill>
+                  <a:srgbClr val="CC9B00"/>
+                </a:solidFill>
+                <a:effectLst/>
+                <a:latin typeface="Ubuntu Mono derivative Powerlin" panose="020B0509030602030204" pitchFamily="49" charset="0"/>
+              </a:rPr>
+              <a:t>#include</a:t>
+            </a:r>
+            <a:r>
+              <a:rPr lang="en-US" altLang="ko-KR" sz="1600" b="0" i="0" dirty="0">
+                <a:solidFill>
+                  <a:srgbClr val="FFC000"/>
+                </a:solidFill>
+                <a:effectLst/>
+                <a:latin typeface="Ubuntu Mono derivative Powerlin" panose="020B0509030602030204" pitchFamily="49" charset="0"/>
+              </a:rPr>
+              <a:t> </a:t>
+            </a:r>
+            <a:r>
+              <a:rPr lang="en-US" altLang="ko-KR" sz="1600" b="0" i="0" dirty="0">
+                <a:effectLst/>
+                <a:latin typeface="Ubuntu Mono derivative Powerlin" panose="020B0509030602030204" pitchFamily="49" charset="0"/>
+              </a:rPr>
+              <a:t>&lt;</a:t>
+            </a:r>
+            <a:r>
+              <a:rPr lang="en-US" altLang="ko-KR" sz="1600" b="0" i="0" dirty="0" err="1">
+                <a:effectLst/>
+                <a:latin typeface="Ubuntu Mono derivative Powerlin" panose="020B0509030602030204" pitchFamily="49" charset="0"/>
+              </a:rPr>
+              <a:t>timer.h</a:t>
+            </a:r>
+            <a:r>
+              <a:rPr lang="en-US" altLang="ko-KR" sz="1600" b="0" i="0" dirty="0">
+                <a:effectLst/>
+                <a:latin typeface="Ubuntu Mono derivative Powerlin" panose="020B0509030602030204" pitchFamily="49" charset="0"/>
+              </a:rPr>
+              <a:t>&gt;</a:t>
+            </a:r>
+            <a:endParaRPr lang="en-US" altLang="ko-KR" sz="1600" b="0" dirty="0">
+              <a:effectLst/>
+              <a:latin typeface="Ubuntu Mono derivative Powerlin" panose="020B0509030602030204" pitchFamily="49" charset="0"/>
+            </a:endParaRPr>
+          </a:p>
+        </p:txBody>
+      </p:sp>
+      <p:sp>
+        <p:nvSpPr>
+          <p:cNvPr id="7" name="직사각형 6">
+            <a:extLst>
+              <a:ext uri="{FF2B5EF4-FFF2-40B4-BE49-F238E27FC236}">
+                <a16:creationId xmlns:a16="http://schemas.microsoft.com/office/drawing/2014/main" id="{D6EA001E-8AB8-D89A-430E-0C58FB5DF8C6}"/>
+              </a:ext>
+            </a:extLst>
+          </p:cNvPr>
+          <p:cNvSpPr/>
+          <p:nvPr/>
+        </p:nvSpPr>
+        <p:spPr>
+          <a:xfrm>
+            <a:off x="1189561" y="4390842"/>
+            <a:ext cx="2878383" cy="584775"/>
+          </a:xfrm>
+          <a:prstGeom prst="rect">
+            <a:avLst/>
+          </a:prstGeom>
+        </p:spPr>
+        <p:txBody>
+          <a:bodyPr wrap="square">
+            <a:spAutoFit/>
+          </a:bodyPr>
+          <a:lstStyle/>
+          <a:p>
+            <a:r>
+              <a:rPr lang="en-US" altLang="ko-KR" sz="1600" b="0" dirty="0">
+                <a:solidFill>
+                  <a:srgbClr val="00B050"/>
+                </a:solidFill>
+                <a:effectLst/>
+                <a:latin typeface="ubuntu mono derivative powerline" panose="020B0509030602030204" pitchFamily="49" charset="0"/>
+              </a:rPr>
+              <a:t># python</a:t>
+            </a:r>
+            <a:endParaRPr lang="en-US" altLang="ko-KR" sz="1600" b="0" dirty="0">
+              <a:solidFill>
+                <a:srgbClr val="00B050"/>
+              </a:solidFill>
+              <a:effectLst/>
+              <a:latin typeface="Ubuntu Mono derivative Powerlin" panose="020B0509030602030204" pitchFamily="49" charset="0"/>
+            </a:endParaRPr>
+          </a:p>
+          <a:p>
+            <a:r>
+              <a:rPr lang="en-US" altLang="ko-KR" sz="1600" b="0" i="0" dirty="0">
+                <a:solidFill>
+                  <a:srgbClr val="CC9B00"/>
+                </a:solidFill>
+                <a:effectLst/>
+                <a:latin typeface="Ubuntu Mono derivative Powerlin" panose="020B0509030602030204" pitchFamily="49" charset="0"/>
+              </a:rPr>
+              <a:t>import</a:t>
+            </a:r>
+            <a:r>
+              <a:rPr lang="en-US" altLang="ko-KR" sz="1600" b="0" i="0" dirty="0">
+                <a:effectLst/>
+                <a:latin typeface="Ubuntu Mono derivative Powerlin" panose="020B0509030602030204" pitchFamily="49" charset="0"/>
+              </a:rPr>
+              <a:t> </a:t>
+            </a:r>
+            <a:r>
+              <a:rPr lang="en-US" altLang="ko-KR" sz="1600" b="0" i="0" dirty="0" err="1">
+                <a:effectLst/>
+                <a:latin typeface="Ubuntu Mono derivative Powerlin" panose="020B0509030602030204" pitchFamily="49" charset="0"/>
+              </a:rPr>
+              <a:t>numpy</a:t>
+            </a:r>
+            <a:endParaRPr lang="en-US" altLang="ko-KR" sz="1600" b="0" dirty="0">
+              <a:effectLst/>
+              <a:latin typeface="Ubuntu Mono derivative Powerlin" panose="020B0509030602030204" pitchFamily="49" charset="0"/>
+            </a:endParaRPr>
+          </a:p>
+        </p:txBody>
+      </p:sp>
+      <p:sp>
+        <p:nvSpPr>
+          <p:cNvPr id="8" name="직사각형 7">
+            <a:extLst>
+              <a:ext uri="{FF2B5EF4-FFF2-40B4-BE49-F238E27FC236}">
+                <a16:creationId xmlns:a16="http://schemas.microsoft.com/office/drawing/2014/main" id="{C5A2CDF8-79B2-F4D0-C6F1-D713365592D6}"/>
+              </a:ext>
+            </a:extLst>
+          </p:cNvPr>
+          <p:cNvSpPr/>
+          <p:nvPr/>
+        </p:nvSpPr>
+        <p:spPr>
+          <a:xfrm>
+            <a:off x="4865867" y="2565112"/>
+            <a:ext cx="3681139" cy="830997"/>
+          </a:xfrm>
+          <a:prstGeom prst="rect">
+            <a:avLst/>
+          </a:prstGeom>
+        </p:spPr>
+        <p:txBody>
+          <a:bodyPr wrap="square">
+            <a:spAutoFit/>
+          </a:bodyPr>
+          <a:lstStyle/>
+          <a:p>
+            <a:r>
+              <a:rPr lang="en-US" altLang="ko-KR" sz="1600" b="0" dirty="0">
+                <a:solidFill>
+                  <a:srgbClr val="00B050"/>
+                </a:solidFill>
+                <a:effectLst/>
+                <a:latin typeface="ubuntu mono derivative powerline" panose="020B0509030602030204" pitchFamily="49" charset="0"/>
+              </a:rPr>
+              <a:t># c</a:t>
+            </a:r>
+            <a:endParaRPr lang="en-US" altLang="ko-KR" sz="1600" b="0" dirty="0">
+              <a:effectLst/>
+              <a:latin typeface="Ubuntu Mono derivative Powerlin" panose="020B0509030602030204" pitchFamily="49" charset="0"/>
+            </a:endParaRPr>
+          </a:p>
+          <a:p>
+            <a:r>
+              <a:rPr lang="en-US" altLang="ko-KR" sz="1600" dirty="0" err="1">
+                <a:solidFill>
+                  <a:srgbClr val="CC9B00"/>
+                </a:solidFill>
+                <a:latin typeface="Ubuntu Mono derivative Powerlin" panose="020B0509030602030204" pitchFamily="49" charset="0"/>
+              </a:rPr>
+              <a:t>t</a:t>
+            </a:r>
+            <a:r>
+              <a:rPr lang="en-US" altLang="ko-KR" sz="1600" b="0" i="0" dirty="0" err="1">
+                <a:solidFill>
+                  <a:srgbClr val="CC9B00"/>
+                </a:solidFill>
+                <a:effectLst/>
+                <a:latin typeface="Ubuntu Mono derivative Powerlin" panose="020B0509030602030204" pitchFamily="49" charset="0"/>
+              </a:rPr>
+              <a:t>ime_t</a:t>
+            </a:r>
+            <a:r>
+              <a:rPr lang="en-US" altLang="ko-KR" sz="1600" b="0" i="0" dirty="0">
+                <a:solidFill>
+                  <a:srgbClr val="CC9B00"/>
+                </a:solidFill>
+                <a:effectLst/>
+                <a:latin typeface="Ubuntu Mono derivative Powerlin" panose="020B0509030602030204" pitchFamily="49" charset="0"/>
+              </a:rPr>
+              <a:t> </a:t>
+            </a:r>
+            <a:r>
+              <a:rPr lang="en-US" altLang="ko-KR" sz="1600" b="0" i="0" dirty="0">
+                <a:effectLst/>
+                <a:latin typeface="Ubuntu Mono derivative Powerlin" panose="020B0509030602030204" pitchFamily="49" charset="0"/>
+              </a:rPr>
+              <a:t>t;</a:t>
+            </a:r>
+          </a:p>
+          <a:p>
+            <a:r>
+              <a:rPr lang="en-US" altLang="ko-KR" sz="1600" dirty="0">
+                <a:latin typeface="Ubuntu Mono derivative Powerlin" panose="020B0509030602030204" pitchFamily="49" charset="0"/>
+              </a:rPr>
+              <a:t>t = </a:t>
+            </a:r>
+            <a:r>
+              <a:rPr lang="en-US" altLang="ko-KR" sz="1600" b="0" i="0" dirty="0">
+                <a:solidFill>
+                  <a:srgbClr val="CC9B00"/>
+                </a:solidFill>
+                <a:effectLst/>
+                <a:latin typeface="Ubuntu Mono derivative Powerlin" panose="020B0509030602030204" pitchFamily="49" charset="0"/>
+              </a:rPr>
+              <a:t>time</a:t>
+            </a:r>
+            <a:r>
+              <a:rPr lang="en-US" altLang="ko-KR" sz="1600" b="0" i="0" dirty="0">
+                <a:effectLst/>
+                <a:latin typeface="Ubuntu Mono derivative Powerlin" panose="020B0509030602030204" pitchFamily="49" charset="0"/>
+              </a:rPr>
+              <a:t>(null);</a:t>
+            </a:r>
+            <a:endParaRPr lang="en-US" altLang="ko-KR" sz="1600" b="0" dirty="0">
+              <a:effectLst/>
+              <a:latin typeface="Ubuntu Mono derivative Powerlin" panose="020B0509030602030204" pitchFamily="49" charset="0"/>
+            </a:endParaRPr>
+          </a:p>
+        </p:txBody>
+      </p:sp>
+      <p:sp>
+        <p:nvSpPr>
+          <p:cNvPr id="9" name="직사각형 8">
+            <a:extLst>
+              <a:ext uri="{FF2B5EF4-FFF2-40B4-BE49-F238E27FC236}">
+                <a16:creationId xmlns:a16="http://schemas.microsoft.com/office/drawing/2014/main" id="{5F5DD6F1-2EFC-FAD8-EE57-600D06A22046}"/>
+              </a:ext>
+            </a:extLst>
+          </p:cNvPr>
+          <p:cNvSpPr/>
+          <p:nvPr/>
+        </p:nvSpPr>
+        <p:spPr>
+          <a:xfrm>
+            <a:off x="4869666" y="3481090"/>
+            <a:ext cx="4121871" cy="584775"/>
+          </a:xfrm>
+          <a:prstGeom prst="rect">
+            <a:avLst/>
+          </a:prstGeom>
+        </p:spPr>
+        <p:txBody>
+          <a:bodyPr wrap="square">
+            <a:spAutoFit/>
+          </a:bodyPr>
+          <a:lstStyle/>
+          <a:p>
+            <a:r>
+              <a:rPr lang="en-US" altLang="ko-KR" sz="1600" b="0" dirty="0">
+                <a:solidFill>
+                  <a:srgbClr val="00B050"/>
+                </a:solidFill>
+                <a:effectLst/>
+                <a:latin typeface="ubuntu mono derivative powerline" panose="020B0509030602030204" pitchFamily="49" charset="0"/>
+              </a:rPr>
+              <a:t># </a:t>
+            </a:r>
+            <a:r>
+              <a:rPr lang="en-US" altLang="ko-KR" sz="1600" dirty="0">
+                <a:solidFill>
+                  <a:srgbClr val="00B050"/>
+                </a:solidFill>
+                <a:latin typeface="ubuntu mono derivative powerline" panose="020B0509030602030204" pitchFamily="49" charset="0"/>
+              </a:rPr>
+              <a:t>java</a:t>
+            </a:r>
+            <a:endParaRPr lang="en-US" altLang="ko-KR" sz="1600" b="0" dirty="0">
+              <a:effectLst/>
+              <a:latin typeface="Ubuntu Mono derivative Powerlin" panose="020B0509030602030204" pitchFamily="49" charset="0"/>
+            </a:endParaRPr>
+          </a:p>
+          <a:p>
+            <a:r>
+              <a:rPr lang="en-US" altLang="ko-KR" sz="1600" b="0" i="0" dirty="0">
+                <a:solidFill>
+                  <a:srgbClr val="CC9B00"/>
+                </a:solidFill>
+                <a:effectLst/>
+                <a:latin typeface="Ubuntu Mono derivative Powerlin" panose="020B0509030602030204" pitchFamily="49" charset="0"/>
+              </a:rPr>
+              <a:t>Scanner</a:t>
+            </a:r>
+            <a:r>
+              <a:rPr lang="en-US" altLang="ko-KR" sz="1600" b="0" i="0" dirty="0">
+                <a:effectLst/>
+                <a:latin typeface="Ubuntu Mono derivative Powerlin" panose="020B0509030602030204" pitchFamily="49" charset="0"/>
+              </a:rPr>
+              <a:t> in = new </a:t>
+            </a:r>
+            <a:r>
+              <a:rPr lang="en-US" altLang="ko-KR" sz="1600" b="0" i="0" dirty="0">
+                <a:solidFill>
+                  <a:srgbClr val="CC9B00"/>
+                </a:solidFill>
+                <a:effectLst/>
+                <a:latin typeface="Ubuntu Mono derivative Powerlin" panose="020B0509030602030204" pitchFamily="49" charset="0"/>
+              </a:rPr>
+              <a:t>Scanner</a:t>
+            </a:r>
+            <a:r>
+              <a:rPr lang="en-US" altLang="ko-KR" sz="1600" b="0" i="0" dirty="0">
+                <a:effectLst/>
+                <a:latin typeface="Ubuntu Mono derivative Powerlin" panose="020B0509030602030204" pitchFamily="49" charset="0"/>
+              </a:rPr>
+              <a:t>(System.in);</a:t>
+            </a:r>
+            <a:endParaRPr lang="en-US" altLang="ko-KR" sz="1600" b="0" dirty="0">
+              <a:effectLst/>
+              <a:latin typeface="Ubuntu Mono derivative Powerlin" panose="020B0509030602030204" pitchFamily="49" charset="0"/>
+            </a:endParaRPr>
+          </a:p>
+        </p:txBody>
+      </p:sp>
+      <p:sp>
+        <p:nvSpPr>
+          <p:cNvPr id="10" name="직사각형 9">
+            <a:extLst>
+              <a:ext uri="{FF2B5EF4-FFF2-40B4-BE49-F238E27FC236}">
+                <a16:creationId xmlns:a16="http://schemas.microsoft.com/office/drawing/2014/main" id="{76840A25-E665-A481-BDD8-3454A81728D5}"/>
+              </a:ext>
+            </a:extLst>
+          </p:cNvPr>
+          <p:cNvSpPr/>
+          <p:nvPr/>
+        </p:nvSpPr>
+        <p:spPr>
+          <a:xfrm>
+            <a:off x="4869666" y="4390841"/>
+            <a:ext cx="4121871" cy="584775"/>
+          </a:xfrm>
+          <a:prstGeom prst="rect">
+            <a:avLst/>
+          </a:prstGeom>
+        </p:spPr>
+        <p:txBody>
+          <a:bodyPr wrap="square">
+            <a:spAutoFit/>
+          </a:bodyPr>
+          <a:lstStyle/>
+          <a:p>
+            <a:r>
+              <a:rPr lang="en-US" altLang="ko-KR" sz="1600" b="0" dirty="0">
+                <a:solidFill>
+                  <a:srgbClr val="00B050"/>
+                </a:solidFill>
+                <a:effectLst/>
+                <a:latin typeface="ubuntu mono derivative powerline" panose="020B0509030602030204" pitchFamily="49" charset="0"/>
+              </a:rPr>
+              <a:t># </a:t>
+            </a:r>
+            <a:r>
+              <a:rPr lang="en-US" altLang="ko-KR" sz="1600" dirty="0">
+                <a:solidFill>
+                  <a:srgbClr val="00B050"/>
+                </a:solidFill>
+                <a:latin typeface="ubuntu mono derivative powerline" panose="020B0509030602030204" pitchFamily="49" charset="0"/>
+              </a:rPr>
+              <a:t>python</a:t>
+            </a:r>
+            <a:endParaRPr lang="en-US" altLang="ko-KR" sz="1600" b="0" dirty="0">
+              <a:effectLst/>
+              <a:latin typeface="Ubuntu Mono derivative Powerlin" panose="020B0509030602030204" pitchFamily="49" charset="0"/>
+            </a:endParaRPr>
+          </a:p>
+          <a:p>
+            <a:r>
+              <a:rPr lang="en-US" altLang="ko-KR" sz="1600" dirty="0" err="1">
+                <a:solidFill>
+                  <a:srgbClr val="CC9B00"/>
+                </a:solidFill>
+                <a:latin typeface="Ubuntu Mono derivative Powerlin" panose="020B0509030602030204" pitchFamily="49" charset="0"/>
+              </a:rPr>
+              <a:t>n</a:t>
+            </a:r>
+            <a:r>
+              <a:rPr lang="en-US" altLang="ko-KR" sz="1600" b="0" i="0" dirty="0" err="1">
+                <a:solidFill>
+                  <a:srgbClr val="CC9B00"/>
+                </a:solidFill>
+                <a:effectLst/>
+                <a:latin typeface="Ubuntu Mono derivative Powerlin" panose="020B0509030602030204" pitchFamily="49" charset="0"/>
+              </a:rPr>
+              <a:t>umpy.array</a:t>
+            </a:r>
+            <a:r>
+              <a:rPr lang="en-US" altLang="ko-KR" sz="1600" b="0" i="0" dirty="0">
+                <a:effectLst/>
+                <a:latin typeface="Ubuntu Mono derivative Powerlin" panose="020B0509030602030204" pitchFamily="49" charset="0"/>
+              </a:rPr>
+              <a:t>([1, 2, 3])</a:t>
+            </a:r>
+            <a:endParaRPr lang="en-US" altLang="ko-KR" sz="1600" b="0" dirty="0">
+              <a:effectLst/>
+              <a:latin typeface="Ubuntu Mono derivative Powerlin" panose="020B0509030602030204" pitchFamily="49" charset="0"/>
+            </a:endParaRPr>
+          </a:p>
+        </p:txBody>
+      </p:sp>
+      <p:sp>
+        <p:nvSpPr>
+          <p:cNvPr id="13" name="내용 개체 틀 8">
+            <a:extLst>
+              <a:ext uri="{FF2B5EF4-FFF2-40B4-BE49-F238E27FC236}">
+                <a16:creationId xmlns:a16="http://schemas.microsoft.com/office/drawing/2014/main" id="{B3EF0A4C-3446-B9E3-10A9-705189568E63}"/>
+              </a:ext>
+            </a:extLst>
+          </p:cNvPr>
+          <p:cNvSpPr txBox="1">
+            <a:spLocks/>
+          </p:cNvSpPr>
+          <p:nvPr/>
+        </p:nvSpPr>
+        <p:spPr>
+          <a:xfrm>
+            <a:off x="644248" y="2155991"/>
+            <a:ext cx="3028840" cy="288032"/>
+          </a:xfrm>
+          <a:prstGeom prst="rect">
+            <a:avLst/>
+          </a:prstGeom>
+        </p:spPr>
+        <p:txBody>
+          <a:bodyPr/>
+          <a:lstStyle>
+            <a:lvl1pPr marL="285739" indent="-285739" algn="l" rtl="0" eaLnBrk="1" fontAlgn="base" latinLnBrk="1" hangingPunct="1">
+              <a:spcBef>
+                <a:spcPct val="20000"/>
+              </a:spcBef>
+              <a:spcAft>
+                <a:spcPct val="0"/>
+              </a:spcAft>
+              <a:buClr>
+                <a:srgbClr val="0000FF"/>
+              </a:buClr>
+              <a:buSzPct val="90000"/>
+              <a:buFont typeface="Wingdings" pitchFamily="2" charset="2"/>
+              <a:buChar char="n"/>
+              <a:defRPr kumimoji="1" sz="2333" b="1">
+                <a:solidFill>
+                  <a:schemeClr val="tx1"/>
+                </a:solidFill>
+                <a:latin typeface="+mn-lt"/>
+                <a:ea typeface="맑은 고딕" pitchFamily="50" charset="-127"/>
+                <a:cs typeface="+mn-cs"/>
+              </a:defRPr>
+            </a:lvl1pPr>
+            <a:lvl2pPr marL="619100" indent="-238115" algn="l" rtl="0" eaLnBrk="1" fontAlgn="base" latinLnBrk="1" hangingPunct="1">
+              <a:spcBef>
+                <a:spcPct val="20000"/>
+              </a:spcBef>
+              <a:spcAft>
+                <a:spcPct val="0"/>
+              </a:spcAft>
+              <a:buClr>
+                <a:schemeClr val="hlink"/>
+              </a:buClr>
+              <a:buSzPct val="75000"/>
+              <a:buFont typeface="Wingdings" pitchFamily="2" charset="2"/>
+              <a:buChar char="u"/>
+              <a:defRPr kumimoji="1" sz="2167" b="1">
+                <a:solidFill>
+                  <a:schemeClr val="tx1"/>
+                </a:solidFill>
+                <a:latin typeface="+mn-lt"/>
+                <a:ea typeface="맑은 고딕" pitchFamily="50" charset="-127"/>
+              </a:defRPr>
+            </a:lvl2pPr>
+            <a:lvl3pPr marL="952462" indent="-190492" algn="l" rtl="0" eaLnBrk="1" fontAlgn="base" latinLnBrk="1" hangingPunct="1">
+              <a:spcBef>
+                <a:spcPct val="20000"/>
+              </a:spcBef>
+              <a:spcAft>
+                <a:spcPct val="0"/>
+              </a:spcAft>
+              <a:buClr>
+                <a:srgbClr val="3399FF"/>
+              </a:buClr>
+              <a:buSzPct val="55000"/>
+              <a:buFont typeface="Wingdings" pitchFamily="2" charset="2"/>
+              <a:buChar char="l"/>
+              <a:defRPr kumimoji="1" sz="2000" b="1">
+                <a:solidFill>
+                  <a:schemeClr val="tx1"/>
+                </a:solidFill>
+                <a:latin typeface="+mn-lt"/>
+                <a:ea typeface="맑은 고딕" pitchFamily="50" charset="-127"/>
+              </a:defRPr>
+            </a:lvl3pPr>
+            <a:lvl4pPr marL="1333447" indent="-190492" algn="l" rtl="0" eaLnBrk="1" fontAlgn="base" latinLnBrk="1" hangingPunct="1">
+              <a:spcBef>
+                <a:spcPct val="20000"/>
+              </a:spcBef>
+              <a:spcAft>
+                <a:spcPct val="0"/>
+              </a:spcAft>
+              <a:buClr>
+                <a:srgbClr val="009900"/>
+              </a:buClr>
+              <a:buFont typeface="Wingdings" pitchFamily="2" charset="2"/>
+              <a:buChar char="§"/>
+              <a:defRPr kumimoji="1" sz="1833" b="1">
+                <a:solidFill>
+                  <a:schemeClr val="tx1"/>
+                </a:solidFill>
+                <a:latin typeface="+mn-lt"/>
+                <a:ea typeface="맑은 고딕" pitchFamily="50" charset="-127"/>
+              </a:defRPr>
+            </a:lvl4pPr>
+            <a:lvl5pPr marL="1714431" indent="-190492" algn="l" rtl="0" eaLnBrk="1" fontAlgn="base" latinLnBrk="1" hangingPunct="1">
+              <a:spcBef>
+                <a:spcPct val="20000"/>
+              </a:spcBef>
+              <a:spcAft>
+                <a:spcPct val="0"/>
+              </a:spcAft>
+              <a:buClr>
+                <a:schemeClr val="tx1"/>
+              </a:buClr>
+              <a:buFont typeface="Wingdings" pitchFamily="2" charset="2"/>
+              <a:buChar char="§"/>
+              <a:defRPr kumimoji="1" sz="1667" b="1">
+                <a:solidFill>
+                  <a:schemeClr val="tx1"/>
+                </a:solidFill>
+                <a:latin typeface="+mn-lt"/>
+                <a:ea typeface="맑은 고딕" pitchFamily="50" charset="-127"/>
+              </a:defRPr>
+            </a:lvl5pPr>
+            <a:lvl6pPr marL="2095416" indent="-190492" algn="l" rtl="0" eaLnBrk="1" fontAlgn="base" latinLnBrk="1" hangingPunct="1">
+              <a:spcBef>
+                <a:spcPct val="20000"/>
+              </a:spcBef>
+              <a:spcAft>
+                <a:spcPct val="0"/>
+              </a:spcAft>
+              <a:buClr>
+                <a:schemeClr val="tx1"/>
+              </a:buClr>
+              <a:buFont typeface="Wingdings" pitchFamily="2" charset="2"/>
+              <a:buChar char="§"/>
+              <a:defRPr kumimoji="1" sz="1667" b="1">
+                <a:solidFill>
+                  <a:schemeClr val="tx1"/>
+                </a:solidFill>
+                <a:latin typeface="+mn-lt"/>
+                <a:ea typeface="+mn-ea"/>
+              </a:defRPr>
+            </a:lvl6pPr>
+            <a:lvl7pPr marL="2476401" indent="-190492" algn="l" rtl="0" eaLnBrk="1" fontAlgn="base" latinLnBrk="1" hangingPunct="1">
+              <a:spcBef>
+                <a:spcPct val="20000"/>
+              </a:spcBef>
+              <a:spcAft>
+                <a:spcPct val="0"/>
+              </a:spcAft>
+              <a:buClr>
+                <a:schemeClr val="tx1"/>
+              </a:buClr>
+              <a:buFont typeface="Wingdings" pitchFamily="2" charset="2"/>
+              <a:buChar char="§"/>
+              <a:defRPr kumimoji="1" sz="1667" b="1">
+                <a:solidFill>
+                  <a:schemeClr val="tx1"/>
+                </a:solidFill>
+                <a:latin typeface="+mn-lt"/>
+                <a:ea typeface="+mn-ea"/>
+              </a:defRPr>
+            </a:lvl7pPr>
+            <a:lvl8pPr marL="2857386" indent="-190492" algn="l" rtl="0" eaLnBrk="1" fontAlgn="base" latinLnBrk="1" hangingPunct="1">
+              <a:spcBef>
+                <a:spcPct val="20000"/>
+              </a:spcBef>
+              <a:spcAft>
+                <a:spcPct val="0"/>
+              </a:spcAft>
+              <a:buClr>
+                <a:schemeClr val="tx1"/>
+              </a:buClr>
+              <a:buFont typeface="Wingdings" pitchFamily="2" charset="2"/>
+              <a:buChar char="§"/>
+              <a:defRPr kumimoji="1" sz="1667" b="1">
+                <a:solidFill>
+                  <a:schemeClr val="tx1"/>
+                </a:solidFill>
+                <a:latin typeface="+mn-lt"/>
+                <a:ea typeface="+mn-ea"/>
+              </a:defRPr>
+            </a:lvl8pPr>
+            <a:lvl9pPr marL="3238370" indent="-190492" algn="l" rtl="0" eaLnBrk="1" fontAlgn="base" latinLnBrk="1" hangingPunct="1">
+              <a:spcBef>
+                <a:spcPct val="20000"/>
+              </a:spcBef>
+              <a:spcAft>
+                <a:spcPct val="0"/>
+              </a:spcAft>
+              <a:buClr>
+                <a:schemeClr val="tx1"/>
+              </a:buClr>
+              <a:buFont typeface="Wingdings" pitchFamily="2" charset="2"/>
+              <a:buChar char="§"/>
+              <a:defRPr kumimoji="1" sz="1667" b="1">
+                <a:solidFill>
+                  <a:schemeClr val="tx1"/>
+                </a:solidFill>
+                <a:latin typeface="+mn-lt"/>
+                <a:ea typeface="+mn-ea"/>
+              </a:defRPr>
+            </a:lvl9pPr>
+          </a:lstStyle>
+          <a:p>
+            <a:pPr lvl="2"/>
+            <a:r>
+              <a:rPr lang="ko-KR" altLang="en-US" sz="1600" kern="0" dirty="0"/>
+              <a:t>라이브러리 불러오기</a:t>
+            </a:r>
+            <a:endParaRPr lang="en-US" altLang="ko-KR" sz="1600" kern="0" dirty="0"/>
+          </a:p>
+          <a:p>
+            <a:pPr marL="380985" lvl="1" indent="0">
+              <a:buNone/>
+            </a:pPr>
+            <a:endParaRPr lang="en-US" altLang="ko-KR" sz="1600" i="1" kern="0" dirty="0"/>
+          </a:p>
+        </p:txBody>
+      </p:sp>
+      <p:sp>
+        <p:nvSpPr>
+          <p:cNvPr id="14" name="내용 개체 틀 8">
+            <a:extLst>
+              <a:ext uri="{FF2B5EF4-FFF2-40B4-BE49-F238E27FC236}">
+                <a16:creationId xmlns:a16="http://schemas.microsoft.com/office/drawing/2014/main" id="{61A29080-3F0C-8CB7-34E3-42261A6FC890}"/>
+              </a:ext>
+            </a:extLst>
+          </p:cNvPr>
+          <p:cNvSpPr txBox="1">
+            <a:spLocks/>
+          </p:cNvSpPr>
+          <p:nvPr/>
+        </p:nvSpPr>
+        <p:spPr>
+          <a:xfrm>
+            <a:off x="4283968" y="2155991"/>
+            <a:ext cx="3744416" cy="288032"/>
+          </a:xfrm>
+          <a:prstGeom prst="rect">
+            <a:avLst/>
+          </a:prstGeom>
+        </p:spPr>
+        <p:txBody>
+          <a:bodyPr/>
+          <a:lstStyle>
+            <a:lvl1pPr marL="285739" indent="-285739" algn="l" rtl="0" eaLnBrk="1" fontAlgn="base" latinLnBrk="1" hangingPunct="1">
+              <a:spcBef>
+                <a:spcPct val="20000"/>
+              </a:spcBef>
+              <a:spcAft>
+                <a:spcPct val="0"/>
+              </a:spcAft>
+              <a:buClr>
+                <a:srgbClr val="0000FF"/>
+              </a:buClr>
+              <a:buSzPct val="90000"/>
+              <a:buFont typeface="Wingdings" pitchFamily="2" charset="2"/>
+              <a:buChar char="n"/>
+              <a:defRPr kumimoji="1" sz="2333" b="1">
+                <a:solidFill>
+                  <a:schemeClr val="tx1"/>
+                </a:solidFill>
+                <a:latin typeface="+mn-lt"/>
+                <a:ea typeface="맑은 고딕" pitchFamily="50" charset="-127"/>
+                <a:cs typeface="+mn-cs"/>
+              </a:defRPr>
+            </a:lvl1pPr>
+            <a:lvl2pPr marL="619100" indent="-238115" algn="l" rtl="0" eaLnBrk="1" fontAlgn="base" latinLnBrk="1" hangingPunct="1">
+              <a:spcBef>
+                <a:spcPct val="20000"/>
+              </a:spcBef>
+              <a:spcAft>
+                <a:spcPct val="0"/>
+              </a:spcAft>
+              <a:buClr>
+                <a:schemeClr val="hlink"/>
+              </a:buClr>
+              <a:buSzPct val="75000"/>
+              <a:buFont typeface="Wingdings" pitchFamily="2" charset="2"/>
+              <a:buChar char="u"/>
+              <a:defRPr kumimoji="1" sz="2167" b="1">
+                <a:solidFill>
+                  <a:schemeClr val="tx1"/>
+                </a:solidFill>
+                <a:latin typeface="+mn-lt"/>
+                <a:ea typeface="맑은 고딕" pitchFamily="50" charset="-127"/>
+              </a:defRPr>
+            </a:lvl2pPr>
+            <a:lvl3pPr marL="952462" indent="-190492" algn="l" rtl="0" eaLnBrk="1" fontAlgn="base" latinLnBrk="1" hangingPunct="1">
+              <a:spcBef>
+                <a:spcPct val="20000"/>
+              </a:spcBef>
+              <a:spcAft>
+                <a:spcPct val="0"/>
+              </a:spcAft>
+              <a:buClr>
+                <a:srgbClr val="3399FF"/>
+              </a:buClr>
+              <a:buSzPct val="55000"/>
+              <a:buFont typeface="Wingdings" pitchFamily="2" charset="2"/>
+              <a:buChar char="l"/>
+              <a:defRPr kumimoji="1" sz="2000" b="1">
+                <a:solidFill>
+                  <a:schemeClr val="tx1"/>
+                </a:solidFill>
+                <a:latin typeface="+mn-lt"/>
+                <a:ea typeface="맑은 고딕" pitchFamily="50" charset="-127"/>
+              </a:defRPr>
+            </a:lvl3pPr>
+            <a:lvl4pPr marL="1333447" indent="-190492" algn="l" rtl="0" eaLnBrk="1" fontAlgn="base" latinLnBrk="1" hangingPunct="1">
+              <a:spcBef>
+                <a:spcPct val="20000"/>
+              </a:spcBef>
+              <a:spcAft>
+                <a:spcPct val="0"/>
+              </a:spcAft>
+              <a:buClr>
+                <a:srgbClr val="009900"/>
+              </a:buClr>
+              <a:buFont typeface="Wingdings" pitchFamily="2" charset="2"/>
+              <a:buChar char="§"/>
+              <a:defRPr kumimoji="1" sz="1833" b="1">
+                <a:solidFill>
+                  <a:schemeClr val="tx1"/>
+                </a:solidFill>
+                <a:latin typeface="+mn-lt"/>
+                <a:ea typeface="맑은 고딕" pitchFamily="50" charset="-127"/>
+              </a:defRPr>
+            </a:lvl4pPr>
+            <a:lvl5pPr marL="1714431" indent="-190492" algn="l" rtl="0" eaLnBrk="1" fontAlgn="base" latinLnBrk="1" hangingPunct="1">
+              <a:spcBef>
+                <a:spcPct val="20000"/>
+              </a:spcBef>
+              <a:spcAft>
+                <a:spcPct val="0"/>
+              </a:spcAft>
+              <a:buClr>
+                <a:schemeClr val="tx1"/>
+              </a:buClr>
+              <a:buFont typeface="Wingdings" pitchFamily="2" charset="2"/>
+              <a:buChar char="§"/>
+              <a:defRPr kumimoji="1" sz="1667" b="1">
+                <a:solidFill>
+                  <a:schemeClr val="tx1"/>
+                </a:solidFill>
+                <a:latin typeface="+mn-lt"/>
+                <a:ea typeface="맑은 고딕" pitchFamily="50" charset="-127"/>
+              </a:defRPr>
+            </a:lvl5pPr>
+            <a:lvl6pPr marL="2095416" indent="-190492" algn="l" rtl="0" eaLnBrk="1" fontAlgn="base" latinLnBrk="1" hangingPunct="1">
+              <a:spcBef>
+                <a:spcPct val="20000"/>
+              </a:spcBef>
+              <a:spcAft>
+                <a:spcPct val="0"/>
+              </a:spcAft>
+              <a:buClr>
+                <a:schemeClr val="tx1"/>
+              </a:buClr>
+              <a:buFont typeface="Wingdings" pitchFamily="2" charset="2"/>
+              <a:buChar char="§"/>
+              <a:defRPr kumimoji="1" sz="1667" b="1">
+                <a:solidFill>
+                  <a:schemeClr val="tx1"/>
+                </a:solidFill>
+                <a:latin typeface="+mn-lt"/>
+                <a:ea typeface="+mn-ea"/>
+              </a:defRPr>
+            </a:lvl6pPr>
+            <a:lvl7pPr marL="2476401" indent="-190492" algn="l" rtl="0" eaLnBrk="1" fontAlgn="base" latinLnBrk="1" hangingPunct="1">
+              <a:spcBef>
+                <a:spcPct val="20000"/>
+              </a:spcBef>
+              <a:spcAft>
+                <a:spcPct val="0"/>
+              </a:spcAft>
+              <a:buClr>
+                <a:schemeClr val="tx1"/>
+              </a:buClr>
+              <a:buFont typeface="Wingdings" pitchFamily="2" charset="2"/>
+              <a:buChar char="§"/>
+              <a:defRPr kumimoji="1" sz="1667" b="1">
+                <a:solidFill>
+                  <a:schemeClr val="tx1"/>
+                </a:solidFill>
+                <a:latin typeface="+mn-lt"/>
+                <a:ea typeface="+mn-ea"/>
+              </a:defRPr>
+            </a:lvl7pPr>
+            <a:lvl8pPr marL="2857386" indent="-190492" algn="l" rtl="0" eaLnBrk="1" fontAlgn="base" latinLnBrk="1" hangingPunct="1">
+              <a:spcBef>
+                <a:spcPct val="20000"/>
+              </a:spcBef>
+              <a:spcAft>
+                <a:spcPct val="0"/>
+              </a:spcAft>
+              <a:buClr>
+                <a:schemeClr val="tx1"/>
+              </a:buClr>
+              <a:buFont typeface="Wingdings" pitchFamily="2" charset="2"/>
+              <a:buChar char="§"/>
+              <a:defRPr kumimoji="1" sz="1667" b="1">
+                <a:solidFill>
+                  <a:schemeClr val="tx1"/>
+                </a:solidFill>
+                <a:latin typeface="+mn-lt"/>
+                <a:ea typeface="+mn-ea"/>
+              </a:defRPr>
+            </a:lvl8pPr>
+            <a:lvl9pPr marL="3238370" indent="-190492" algn="l" rtl="0" eaLnBrk="1" fontAlgn="base" latinLnBrk="1" hangingPunct="1">
+              <a:spcBef>
+                <a:spcPct val="20000"/>
+              </a:spcBef>
+              <a:spcAft>
+                <a:spcPct val="0"/>
+              </a:spcAft>
+              <a:buClr>
+                <a:schemeClr val="tx1"/>
+              </a:buClr>
+              <a:buFont typeface="Wingdings" pitchFamily="2" charset="2"/>
+              <a:buChar char="§"/>
+              <a:defRPr kumimoji="1" sz="1667" b="1">
+                <a:solidFill>
+                  <a:schemeClr val="tx1"/>
+                </a:solidFill>
+                <a:latin typeface="+mn-lt"/>
+                <a:ea typeface="+mn-ea"/>
+              </a:defRPr>
+            </a:lvl9pPr>
+          </a:lstStyle>
+          <a:p>
+            <a:pPr lvl="2"/>
+            <a:r>
+              <a:rPr lang="ko-KR" altLang="en-US" sz="1600" kern="0" dirty="0"/>
+              <a:t>불러온 라이브러리 사용하기</a:t>
+            </a:r>
+            <a:endParaRPr lang="en-US" altLang="ko-KR" sz="1600" i="1" kern="0" dirty="0"/>
+          </a:p>
+        </p:txBody>
+      </p:sp>
+      <p:cxnSp>
+        <p:nvCxnSpPr>
+          <p:cNvPr id="16" name="직선 연결선 15">
+            <a:extLst>
+              <a:ext uri="{FF2B5EF4-FFF2-40B4-BE49-F238E27FC236}">
+                <a16:creationId xmlns:a16="http://schemas.microsoft.com/office/drawing/2014/main" id="{7C6A018E-DC6A-9941-EB4C-C157D161D36F}"/>
+              </a:ext>
+            </a:extLst>
+          </p:cNvPr>
+          <p:cNvCxnSpPr>
+            <a:cxnSpLocks/>
+          </p:cNvCxnSpPr>
+          <p:nvPr/>
+        </p:nvCxnSpPr>
+        <p:spPr>
+          <a:xfrm>
+            <a:off x="4283968" y="2155991"/>
+            <a:ext cx="0" cy="2933757"/>
+          </a:xfrm>
+          <a:prstGeom prst="line">
+            <a:avLst/>
+          </a:prstGeom>
+          <a:ln w="12700">
+            <a:solidFill>
+              <a:schemeClr val="tx1"/>
+            </a:solidFill>
+          </a:ln>
+        </p:spPr>
+        <p:style>
+          <a:lnRef idx="1">
+            <a:schemeClr val="accent1"/>
+          </a:lnRef>
+          <a:fillRef idx="0">
+            <a:schemeClr val="accent1"/>
+          </a:fillRef>
+          <a:effectRef idx="0">
+            <a:schemeClr val="accent1"/>
+          </a:effectRef>
+          <a:fontRef idx="minor">
+            <a:schemeClr val="tx1"/>
+          </a:fontRef>
+        </p:style>
+      </p:cxnSp>
+    </p:spTree>
+    <p:extLst>
+      <p:ext uri="{BB962C8B-B14F-4D97-AF65-F5344CB8AC3E}">
+        <p14:creationId xmlns:p14="http://schemas.microsoft.com/office/powerpoint/2010/main" val="1811974765"/>
+      </p:ext>
+    </p:extLst>
+  </p:cSld>
+  <p:clrMapOvr>
+    <a:masterClrMapping/>
+  </p:clrMapOvr>
+</p:sld>
+</file>
+
+<file path=ppt/slides/slide13.xml><?xml version="1.0" encoding="utf-8"?>
+<p:sld xmlns:a="http://schemas.openxmlformats.org/drawingml/2006/main" xmlns:r="http://schemas.openxmlformats.org/officeDocument/2006/relationships" xmlns:p="http://schemas.openxmlformats.org/presentationml/2006/main">
+  <p:cSld>
+    <p:spTree>
+      <p:nvGrpSpPr>
+        <p:cNvPr id="1" name=""/>
+        <p:cNvGrpSpPr/>
+        <p:nvPr/>
+      </p:nvGrpSpPr>
+      <p:grpSpPr>
+        <a:xfrm>
+          <a:off x="0" y="0"/>
+          <a:ext cx="0" cy="0"/>
+          <a:chOff x="0" y="0"/>
+          <a:chExt cx="0" cy="0"/>
+        </a:xfrm>
+      </p:grpSpPr>
+      <p:sp>
+        <p:nvSpPr>
+          <p:cNvPr id="3" name="내용 개체 틀 2"/>
+          <p:cNvSpPr>
+            <a:spLocks noGrp="1"/>
+          </p:cNvSpPr>
+          <p:nvPr>
+            <p:ph idx="1"/>
+          </p:nvPr>
+        </p:nvSpPr>
+        <p:spPr>
+          <a:xfrm>
+            <a:off x="685800" y="1201000"/>
+            <a:ext cx="8229600" cy="4127500"/>
+          </a:xfrm>
+        </p:spPr>
+        <p:txBody>
+          <a:bodyPr>
+            <a:normAutofit/>
+          </a:bodyPr>
+          <a:lstStyle/>
+          <a:p>
+            <a:r>
+              <a:rPr lang="en-US" altLang="ko-KR" dirty="0"/>
+              <a:t>3.2 </a:t>
+            </a:r>
+            <a:r>
+              <a:rPr lang="ko-KR" altLang="en-US" dirty="0"/>
+              <a:t>함수와 라이브러리</a:t>
+            </a:r>
+            <a:endParaRPr lang="en-US" altLang="ko-KR" dirty="0"/>
+          </a:p>
+        </p:txBody>
+      </p:sp>
+      <p:sp>
+        <p:nvSpPr>
+          <p:cNvPr id="5" name="내용 개체 틀 8">
+            <a:extLst>
+              <a:ext uri="{FF2B5EF4-FFF2-40B4-BE49-F238E27FC236}">
+                <a16:creationId xmlns:a16="http://schemas.microsoft.com/office/drawing/2014/main" id="{A919FA0F-0890-3EFC-CAAF-65D067DAA112}"/>
+              </a:ext>
+            </a:extLst>
+          </p:cNvPr>
+          <p:cNvSpPr txBox="1">
+            <a:spLocks/>
+          </p:cNvSpPr>
+          <p:nvPr/>
+        </p:nvSpPr>
+        <p:spPr>
+          <a:xfrm>
+            <a:off x="611560" y="1633364"/>
+            <a:ext cx="8303840" cy="3168352"/>
+          </a:xfrm>
+          <a:prstGeom prst="rect">
+            <a:avLst/>
+          </a:prstGeom>
+        </p:spPr>
+        <p:txBody>
+          <a:bodyPr/>
+          <a:lstStyle>
+            <a:lvl1pPr marL="285739" indent="-285739" algn="l" rtl="0" eaLnBrk="1" fontAlgn="base" latinLnBrk="1" hangingPunct="1">
+              <a:spcBef>
+                <a:spcPct val="20000"/>
+              </a:spcBef>
+              <a:spcAft>
+                <a:spcPct val="0"/>
+              </a:spcAft>
+              <a:buClr>
+                <a:srgbClr val="0000FF"/>
+              </a:buClr>
+              <a:buSzPct val="90000"/>
+              <a:buFont typeface="Wingdings" pitchFamily="2" charset="2"/>
+              <a:buChar char="n"/>
+              <a:defRPr kumimoji="1" sz="2333" b="1">
+                <a:solidFill>
+                  <a:schemeClr val="tx1"/>
+                </a:solidFill>
+                <a:latin typeface="+mn-lt"/>
+                <a:ea typeface="맑은 고딕" pitchFamily="50" charset="-127"/>
+                <a:cs typeface="+mn-cs"/>
+              </a:defRPr>
+            </a:lvl1pPr>
+            <a:lvl2pPr marL="619100" indent="-238115" algn="l" rtl="0" eaLnBrk="1" fontAlgn="base" latinLnBrk="1" hangingPunct="1">
+              <a:spcBef>
+                <a:spcPct val="20000"/>
+              </a:spcBef>
+              <a:spcAft>
+                <a:spcPct val="0"/>
+              </a:spcAft>
+              <a:buClr>
+                <a:schemeClr val="hlink"/>
+              </a:buClr>
+              <a:buSzPct val="75000"/>
+              <a:buFont typeface="Wingdings" pitchFamily="2" charset="2"/>
+              <a:buChar char="u"/>
+              <a:defRPr kumimoji="1" sz="2167" b="1">
+                <a:solidFill>
+                  <a:schemeClr val="tx1"/>
+                </a:solidFill>
+                <a:latin typeface="+mn-lt"/>
+                <a:ea typeface="맑은 고딕" pitchFamily="50" charset="-127"/>
+              </a:defRPr>
+            </a:lvl2pPr>
+            <a:lvl3pPr marL="952462" indent="-190492" algn="l" rtl="0" eaLnBrk="1" fontAlgn="base" latinLnBrk="1" hangingPunct="1">
+              <a:spcBef>
+                <a:spcPct val="20000"/>
+              </a:spcBef>
+              <a:spcAft>
+                <a:spcPct val="0"/>
+              </a:spcAft>
+              <a:buClr>
+                <a:srgbClr val="3399FF"/>
+              </a:buClr>
+              <a:buSzPct val="55000"/>
+              <a:buFont typeface="Wingdings" pitchFamily="2" charset="2"/>
+              <a:buChar char="l"/>
+              <a:defRPr kumimoji="1" sz="2000" b="1">
+                <a:solidFill>
+                  <a:schemeClr val="tx1"/>
+                </a:solidFill>
+                <a:latin typeface="+mn-lt"/>
+                <a:ea typeface="맑은 고딕" pitchFamily="50" charset="-127"/>
+              </a:defRPr>
+            </a:lvl3pPr>
+            <a:lvl4pPr marL="1333447" indent="-190492" algn="l" rtl="0" eaLnBrk="1" fontAlgn="base" latinLnBrk="1" hangingPunct="1">
+              <a:spcBef>
+                <a:spcPct val="20000"/>
+              </a:spcBef>
+              <a:spcAft>
+                <a:spcPct val="0"/>
+              </a:spcAft>
+              <a:buClr>
+                <a:srgbClr val="009900"/>
+              </a:buClr>
+              <a:buFont typeface="Wingdings" pitchFamily="2" charset="2"/>
+              <a:buChar char="§"/>
+              <a:defRPr kumimoji="1" sz="1833" b="1">
+                <a:solidFill>
+                  <a:schemeClr val="tx1"/>
+                </a:solidFill>
+                <a:latin typeface="+mn-lt"/>
+                <a:ea typeface="맑은 고딕" pitchFamily="50" charset="-127"/>
+              </a:defRPr>
+            </a:lvl4pPr>
+            <a:lvl5pPr marL="1714431" indent="-190492" algn="l" rtl="0" eaLnBrk="1" fontAlgn="base" latinLnBrk="1" hangingPunct="1">
+              <a:spcBef>
+                <a:spcPct val="20000"/>
+              </a:spcBef>
+              <a:spcAft>
+                <a:spcPct val="0"/>
+              </a:spcAft>
+              <a:buClr>
+                <a:schemeClr val="tx1"/>
+              </a:buClr>
+              <a:buFont typeface="Wingdings" pitchFamily="2" charset="2"/>
+              <a:buChar char="§"/>
+              <a:defRPr kumimoji="1" sz="1667" b="1">
+                <a:solidFill>
+                  <a:schemeClr val="tx1"/>
+                </a:solidFill>
+                <a:latin typeface="+mn-lt"/>
+                <a:ea typeface="맑은 고딕" pitchFamily="50" charset="-127"/>
+              </a:defRPr>
+            </a:lvl5pPr>
+            <a:lvl6pPr marL="2095416" indent="-190492" algn="l" rtl="0" eaLnBrk="1" fontAlgn="base" latinLnBrk="1" hangingPunct="1">
+              <a:spcBef>
+                <a:spcPct val="20000"/>
+              </a:spcBef>
+              <a:spcAft>
+                <a:spcPct val="0"/>
+              </a:spcAft>
+              <a:buClr>
+                <a:schemeClr val="tx1"/>
+              </a:buClr>
+              <a:buFont typeface="Wingdings" pitchFamily="2" charset="2"/>
+              <a:buChar char="§"/>
+              <a:defRPr kumimoji="1" sz="1667" b="1">
+                <a:solidFill>
+                  <a:schemeClr val="tx1"/>
+                </a:solidFill>
+                <a:latin typeface="+mn-lt"/>
+                <a:ea typeface="+mn-ea"/>
+              </a:defRPr>
+            </a:lvl6pPr>
+            <a:lvl7pPr marL="2476401" indent="-190492" algn="l" rtl="0" eaLnBrk="1" fontAlgn="base" latinLnBrk="1" hangingPunct="1">
+              <a:spcBef>
+                <a:spcPct val="20000"/>
+              </a:spcBef>
+              <a:spcAft>
+                <a:spcPct val="0"/>
+              </a:spcAft>
+              <a:buClr>
+                <a:schemeClr val="tx1"/>
+              </a:buClr>
+              <a:buFont typeface="Wingdings" pitchFamily="2" charset="2"/>
+              <a:buChar char="§"/>
+              <a:defRPr kumimoji="1" sz="1667" b="1">
+                <a:solidFill>
+                  <a:schemeClr val="tx1"/>
+                </a:solidFill>
+                <a:latin typeface="+mn-lt"/>
+                <a:ea typeface="+mn-ea"/>
+              </a:defRPr>
+            </a:lvl7pPr>
+            <a:lvl8pPr marL="2857386" indent="-190492" algn="l" rtl="0" eaLnBrk="1" fontAlgn="base" latinLnBrk="1" hangingPunct="1">
+              <a:spcBef>
+                <a:spcPct val="20000"/>
+              </a:spcBef>
+              <a:spcAft>
+                <a:spcPct val="0"/>
+              </a:spcAft>
+              <a:buClr>
+                <a:schemeClr val="tx1"/>
+              </a:buClr>
+              <a:buFont typeface="Wingdings" pitchFamily="2" charset="2"/>
+              <a:buChar char="§"/>
+              <a:defRPr kumimoji="1" sz="1667" b="1">
+                <a:solidFill>
+                  <a:schemeClr val="tx1"/>
+                </a:solidFill>
+                <a:latin typeface="+mn-lt"/>
+                <a:ea typeface="+mn-ea"/>
+              </a:defRPr>
+            </a:lvl8pPr>
+            <a:lvl9pPr marL="3238370" indent="-190492" algn="l" rtl="0" eaLnBrk="1" fontAlgn="base" latinLnBrk="1" hangingPunct="1">
+              <a:spcBef>
+                <a:spcPct val="20000"/>
+              </a:spcBef>
+              <a:spcAft>
+                <a:spcPct val="0"/>
+              </a:spcAft>
+              <a:buClr>
+                <a:schemeClr val="tx1"/>
+              </a:buClr>
+              <a:buFont typeface="Wingdings" pitchFamily="2" charset="2"/>
+              <a:buChar char="§"/>
+              <a:defRPr kumimoji="1" sz="1667" b="1">
+                <a:solidFill>
+                  <a:schemeClr val="tx1"/>
+                </a:solidFill>
+                <a:latin typeface="+mn-lt"/>
+                <a:ea typeface="+mn-ea"/>
+              </a:defRPr>
+            </a:lvl9pPr>
+          </a:lstStyle>
+          <a:p>
+            <a:pPr lvl="1"/>
+            <a:r>
+              <a:rPr lang="ko-KR" altLang="en-US" kern="0" dirty="0"/>
+              <a:t>모듈</a:t>
+            </a:r>
+            <a:r>
+              <a:rPr lang="en-US" altLang="ko-KR" kern="0" dirty="0"/>
+              <a:t>, </a:t>
+            </a:r>
+            <a:r>
+              <a:rPr lang="ko-KR" altLang="en-US" kern="0" dirty="0"/>
+              <a:t>라이브러리</a:t>
+            </a:r>
+            <a:r>
+              <a:rPr lang="en-US" altLang="ko-KR" kern="0" dirty="0"/>
+              <a:t>, </a:t>
+            </a:r>
+            <a:r>
+              <a:rPr lang="ko-KR" altLang="en-US" kern="0" dirty="0"/>
+              <a:t>패키지</a:t>
+            </a:r>
+            <a:r>
+              <a:rPr lang="en-US" altLang="ko-KR" kern="0" dirty="0"/>
+              <a:t>…</a:t>
+            </a:r>
+          </a:p>
+          <a:p>
+            <a:pPr lvl="2"/>
+            <a:endParaRPr lang="en-US" altLang="ko-KR" kern="0" dirty="0"/>
+          </a:p>
+        </p:txBody>
+      </p:sp>
+      <p:sp>
+        <p:nvSpPr>
+          <p:cNvPr id="2" name="제목 1"/>
+          <p:cNvSpPr>
+            <a:spLocks noGrp="1"/>
+          </p:cNvSpPr>
+          <p:nvPr>
+            <p:ph type="title"/>
+          </p:nvPr>
+        </p:nvSpPr>
+        <p:spPr/>
+        <p:txBody>
+          <a:bodyPr/>
+          <a:lstStyle/>
+          <a:p>
+            <a:r>
+              <a:rPr lang="en-US" altLang="ko-KR" dirty="0"/>
+              <a:t>3.1 </a:t>
+            </a:r>
+            <a:r>
+              <a:rPr lang="ko-KR" altLang="en-US" dirty="0" err="1"/>
+              <a:t>파이썬의</a:t>
+            </a:r>
+            <a:r>
+              <a:rPr lang="ko-KR" altLang="en-US" dirty="0"/>
+              <a:t> 자료구조</a:t>
+            </a:r>
+          </a:p>
+        </p:txBody>
+      </p:sp>
+      <p:sp>
+        <p:nvSpPr>
+          <p:cNvPr id="7" name="직사각형 6">
+            <a:extLst>
+              <a:ext uri="{FF2B5EF4-FFF2-40B4-BE49-F238E27FC236}">
+                <a16:creationId xmlns:a16="http://schemas.microsoft.com/office/drawing/2014/main" id="{D6EA001E-8AB8-D89A-430E-0C58FB5DF8C6}"/>
+              </a:ext>
+            </a:extLst>
+          </p:cNvPr>
+          <p:cNvSpPr/>
+          <p:nvPr/>
+        </p:nvSpPr>
+        <p:spPr>
+          <a:xfrm>
+            <a:off x="1881833" y="2607848"/>
+            <a:ext cx="1754063" cy="584775"/>
+          </a:xfrm>
+          <a:prstGeom prst="rect">
+            <a:avLst/>
+          </a:prstGeom>
+        </p:spPr>
+        <p:txBody>
+          <a:bodyPr wrap="square">
+            <a:spAutoFit/>
+          </a:bodyPr>
+          <a:lstStyle/>
+          <a:p>
+            <a:r>
+              <a:rPr lang="en-US" altLang="ko-KR" sz="1600" b="0" dirty="0">
+                <a:solidFill>
+                  <a:srgbClr val="00B050"/>
+                </a:solidFill>
+                <a:effectLst/>
+                <a:latin typeface="ubuntu mono derivative powerline" panose="020B0509030602030204" pitchFamily="49" charset="0"/>
+              </a:rPr>
+              <a:t># original</a:t>
+            </a:r>
+            <a:endParaRPr lang="en-US" altLang="ko-KR" sz="1600" b="0" dirty="0">
+              <a:solidFill>
+                <a:srgbClr val="00B050"/>
+              </a:solidFill>
+              <a:effectLst/>
+              <a:latin typeface="Ubuntu Mono derivative Powerlin" panose="020B0509030602030204" pitchFamily="49" charset="0"/>
+            </a:endParaRPr>
+          </a:p>
+          <a:p>
+            <a:r>
+              <a:rPr lang="en-US" altLang="ko-KR" sz="1600" b="0" i="0" dirty="0">
+                <a:solidFill>
+                  <a:srgbClr val="CC9B00"/>
+                </a:solidFill>
+                <a:effectLst/>
+                <a:latin typeface="Ubuntu Mono derivative Powerlin" panose="020B0509030602030204" pitchFamily="49" charset="0"/>
+              </a:rPr>
+              <a:t>import</a:t>
+            </a:r>
+            <a:r>
+              <a:rPr lang="en-US" altLang="ko-KR" sz="1600" b="0" i="0" dirty="0">
+                <a:effectLst/>
+                <a:latin typeface="Ubuntu Mono derivative Powerlin" panose="020B0509030602030204" pitchFamily="49" charset="0"/>
+              </a:rPr>
+              <a:t> </a:t>
+            </a:r>
+            <a:r>
+              <a:rPr lang="en-US" altLang="ko-KR" sz="1600" b="0" i="0" dirty="0" err="1">
+                <a:effectLst/>
+                <a:latin typeface="Ubuntu Mono derivative Powerlin" panose="020B0509030602030204" pitchFamily="49" charset="0"/>
+              </a:rPr>
+              <a:t>numpy</a:t>
+            </a:r>
+            <a:endParaRPr lang="en-US" altLang="ko-KR" sz="1600" b="0" dirty="0">
+              <a:effectLst/>
+              <a:latin typeface="Ubuntu Mono derivative Powerlin" panose="020B0509030602030204" pitchFamily="49" charset="0"/>
+            </a:endParaRPr>
+          </a:p>
+        </p:txBody>
+      </p:sp>
+      <p:sp>
+        <p:nvSpPr>
+          <p:cNvPr id="13" name="내용 개체 틀 8">
+            <a:extLst>
+              <a:ext uri="{FF2B5EF4-FFF2-40B4-BE49-F238E27FC236}">
+                <a16:creationId xmlns:a16="http://schemas.microsoft.com/office/drawing/2014/main" id="{B3EF0A4C-3446-B9E3-10A9-705189568E63}"/>
+              </a:ext>
+            </a:extLst>
+          </p:cNvPr>
+          <p:cNvSpPr txBox="1">
+            <a:spLocks/>
+          </p:cNvSpPr>
+          <p:nvPr/>
+        </p:nvSpPr>
+        <p:spPr>
+          <a:xfrm>
+            <a:off x="539552" y="2112188"/>
+            <a:ext cx="3028840" cy="288032"/>
+          </a:xfrm>
+          <a:prstGeom prst="rect">
+            <a:avLst/>
+          </a:prstGeom>
+        </p:spPr>
+        <p:txBody>
+          <a:bodyPr/>
+          <a:lstStyle>
+            <a:lvl1pPr marL="285739" indent="-285739" algn="l" rtl="0" eaLnBrk="1" fontAlgn="base" latinLnBrk="1" hangingPunct="1">
+              <a:spcBef>
+                <a:spcPct val="20000"/>
+              </a:spcBef>
+              <a:spcAft>
+                <a:spcPct val="0"/>
+              </a:spcAft>
+              <a:buClr>
+                <a:srgbClr val="0000FF"/>
+              </a:buClr>
+              <a:buSzPct val="90000"/>
+              <a:buFont typeface="Wingdings" pitchFamily="2" charset="2"/>
+              <a:buChar char="n"/>
+              <a:defRPr kumimoji="1" sz="2333" b="1">
+                <a:solidFill>
+                  <a:schemeClr val="tx1"/>
+                </a:solidFill>
+                <a:latin typeface="+mn-lt"/>
+                <a:ea typeface="맑은 고딕" pitchFamily="50" charset="-127"/>
+                <a:cs typeface="+mn-cs"/>
+              </a:defRPr>
+            </a:lvl1pPr>
+            <a:lvl2pPr marL="619100" indent="-238115" algn="l" rtl="0" eaLnBrk="1" fontAlgn="base" latinLnBrk="1" hangingPunct="1">
+              <a:spcBef>
+                <a:spcPct val="20000"/>
+              </a:spcBef>
+              <a:spcAft>
+                <a:spcPct val="0"/>
+              </a:spcAft>
+              <a:buClr>
+                <a:schemeClr val="hlink"/>
+              </a:buClr>
+              <a:buSzPct val="75000"/>
+              <a:buFont typeface="Wingdings" pitchFamily="2" charset="2"/>
+              <a:buChar char="u"/>
+              <a:defRPr kumimoji="1" sz="2167" b="1">
+                <a:solidFill>
+                  <a:schemeClr val="tx1"/>
+                </a:solidFill>
+                <a:latin typeface="+mn-lt"/>
+                <a:ea typeface="맑은 고딕" pitchFamily="50" charset="-127"/>
+              </a:defRPr>
+            </a:lvl2pPr>
+            <a:lvl3pPr marL="952462" indent="-190492" algn="l" rtl="0" eaLnBrk="1" fontAlgn="base" latinLnBrk="1" hangingPunct="1">
+              <a:spcBef>
+                <a:spcPct val="20000"/>
+              </a:spcBef>
+              <a:spcAft>
+                <a:spcPct val="0"/>
+              </a:spcAft>
+              <a:buClr>
+                <a:srgbClr val="3399FF"/>
+              </a:buClr>
+              <a:buSzPct val="55000"/>
+              <a:buFont typeface="Wingdings" pitchFamily="2" charset="2"/>
+              <a:buChar char="l"/>
+              <a:defRPr kumimoji="1" sz="2000" b="1">
+                <a:solidFill>
+                  <a:schemeClr val="tx1"/>
+                </a:solidFill>
+                <a:latin typeface="+mn-lt"/>
+                <a:ea typeface="맑은 고딕" pitchFamily="50" charset="-127"/>
+              </a:defRPr>
+            </a:lvl3pPr>
+            <a:lvl4pPr marL="1333447" indent="-190492" algn="l" rtl="0" eaLnBrk="1" fontAlgn="base" latinLnBrk="1" hangingPunct="1">
+              <a:spcBef>
+                <a:spcPct val="20000"/>
+              </a:spcBef>
+              <a:spcAft>
+                <a:spcPct val="0"/>
+              </a:spcAft>
+              <a:buClr>
+                <a:srgbClr val="009900"/>
+              </a:buClr>
+              <a:buFont typeface="Wingdings" pitchFamily="2" charset="2"/>
+              <a:buChar char="§"/>
+              <a:defRPr kumimoji="1" sz="1833" b="1">
+                <a:solidFill>
+                  <a:schemeClr val="tx1"/>
+                </a:solidFill>
+                <a:latin typeface="+mn-lt"/>
+                <a:ea typeface="맑은 고딕" pitchFamily="50" charset="-127"/>
+              </a:defRPr>
+            </a:lvl4pPr>
+            <a:lvl5pPr marL="1714431" indent="-190492" algn="l" rtl="0" eaLnBrk="1" fontAlgn="base" latinLnBrk="1" hangingPunct="1">
+              <a:spcBef>
+                <a:spcPct val="20000"/>
+              </a:spcBef>
+              <a:spcAft>
+                <a:spcPct val="0"/>
+              </a:spcAft>
+              <a:buClr>
+                <a:schemeClr val="tx1"/>
+              </a:buClr>
+              <a:buFont typeface="Wingdings" pitchFamily="2" charset="2"/>
+              <a:buChar char="§"/>
+              <a:defRPr kumimoji="1" sz="1667" b="1">
+                <a:solidFill>
+                  <a:schemeClr val="tx1"/>
+                </a:solidFill>
+                <a:latin typeface="+mn-lt"/>
+                <a:ea typeface="맑은 고딕" pitchFamily="50" charset="-127"/>
+              </a:defRPr>
+            </a:lvl5pPr>
+            <a:lvl6pPr marL="2095416" indent="-190492" algn="l" rtl="0" eaLnBrk="1" fontAlgn="base" latinLnBrk="1" hangingPunct="1">
+              <a:spcBef>
+                <a:spcPct val="20000"/>
+              </a:spcBef>
+              <a:spcAft>
+                <a:spcPct val="0"/>
+              </a:spcAft>
+              <a:buClr>
+                <a:schemeClr val="tx1"/>
+              </a:buClr>
+              <a:buFont typeface="Wingdings" pitchFamily="2" charset="2"/>
+              <a:buChar char="§"/>
+              <a:defRPr kumimoji="1" sz="1667" b="1">
+                <a:solidFill>
+                  <a:schemeClr val="tx1"/>
+                </a:solidFill>
+                <a:latin typeface="+mn-lt"/>
+                <a:ea typeface="+mn-ea"/>
+              </a:defRPr>
+            </a:lvl6pPr>
+            <a:lvl7pPr marL="2476401" indent="-190492" algn="l" rtl="0" eaLnBrk="1" fontAlgn="base" latinLnBrk="1" hangingPunct="1">
+              <a:spcBef>
+                <a:spcPct val="20000"/>
+              </a:spcBef>
+              <a:spcAft>
+                <a:spcPct val="0"/>
+              </a:spcAft>
+              <a:buClr>
+                <a:schemeClr val="tx1"/>
+              </a:buClr>
+              <a:buFont typeface="Wingdings" pitchFamily="2" charset="2"/>
+              <a:buChar char="§"/>
+              <a:defRPr kumimoji="1" sz="1667" b="1">
+                <a:solidFill>
+                  <a:schemeClr val="tx1"/>
+                </a:solidFill>
+                <a:latin typeface="+mn-lt"/>
+                <a:ea typeface="+mn-ea"/>
+              </a:defRPr>
+            </a:lvl7pPr>
+            <a:lvl8pPr marL="2857386" indent="-190492" algn="l" rtl="0" eaLnBrk="1" fontAlgn="base" latinLnBrk="1" hangingPunct="1">
+              <a:spcBef>
+                <a:spcPct val="20000"/>
+              </a:spcBef>
+              <a:spcAft>
+                <a:spcPct val="0"/>
+              </a:spcAft>
+              <a:buClr>
+                <a:schemeClr val="tx1"/>
+              </a:buClr>
+              <a:buFont typeface="Wingdings" pitchFamily="2" charset="2"/>
+              <a:buChar char="§"/>
+              <a:defRPr kumimoji="1" sz="1667" b="1">
+                <a:solidFill>
+                  <a:schemeClr val="tx1"/>
+                </a:solidFill>
+                <a:latin typeface="+mn-lt"/>
+                <a:ea typeface="+mn-ea"/>
+              </a:defRPr>
+            </a:lvl8pPr>
+            <a:lvl9pPr marL="3238370" indent="-190492" algn="l" rtl="0" eaLnBrk="1" fontAlgn="base" latinLnBrk="1" hangingPunct="1">
+              <a:spcBef>
+                <a:spcPct val="20000"/>
+              </a:spcBef>
+              <a:spcAft>
+                <a:spcPct val="0"/>
+              </a:spcAft>
+              <a:buClr>
+                <a:schemeClr val="tx1"/>
+              </a:buClr>
+              <a:buFont typeface="Wingdings" pitchFamily="2" charset="2"/>
+              <a:buChar char="§"/>
+              <a:defRPr kumimoji="1" sz="1667" b="1">
+                <a:solidFill>
+                  <a:schemeClr val="tx1"/>
+                </a:solidFill>
+                <a:latin typeface="+mn-lt"/>
+                <a:ea typeface="+mn-ea"/>
+              </a:defRPr>
+            </a:lvl9pPr>
+          </a:lstStyle>
+          <a:p>
+            <a:pPr lvl="2"/>
+            <a:r>
+              <a:rPr lang="ko-KR" altLang="en-US" sz="1600" kern="0" dirty="0"/>
+              <a:t>간편하게 사용하기</a:t>
+            </a:r>
+            <a:endParaRPr lang="en-US" altLang="ko-KR" sz="1600" kern="0" dirty="0"/>
+          </a:p>
+        </p:txBody>
+      </p:sp>
+      <p:sp>
+        <p:nvSpPr>
+          <p:cNvPr id="11" name="직사각형 10">
+            <a:extLst>
+              <a:ext uri="{FF2B5EF4-FFF2-40B4-BE49-F238E27FC236}">
+                <a16:creationId xmlns:a16="http://schemas.microsoft.com/office/drawing/2014/main" id="{E465D31E-4303-912F-B7CE-EFD74262BE0B}"/>
+              </a:ext>
+            </a:extLst>
+          </p:cNvPr>
+          <p:cNvSpPr/>
+          <p:nvPr/>
+        </p:nvSpPr>
+        <p:spPr>
+          <a:xfrm>
+            <a:off x="5148064" y="2607848"/>
+            <a:ext cx="4121871" cy="584775"/>
+          </a:xfrm>
+          <a:prstGeom prst="rect">
+            <a:avLst/>
+          </a:prstGeom>
+        </p:spPr>
+        <p:txBody>
+          <a:bodyPr wrap="square">
+            <a:spAutoFit/>
+          </a:bodyPr>
+          <a:lstStyle/>
+          <a:p>
+            <a:r>
+              <a:rPr lang="en-US" altLang="ko-KR" sz="1600" b="0" dirty="0">
+                <a:solidFill>
+                  <a:srgbClr val="00B050"/>
+                </a:solidFill>
+                <a:effectLst/>
+                <a:latin typeface="ubuntu mono derivative powerline" panose="020B0509030602030204" pitchFamily="49" charset="0"/>
+              </a:rPr>
+              <a:t># </a:t>
+            </a:r>
+            <a:r>
+              <a:rPr lang="en-US" altLang="ko-KR" sz="1600" dirty="0">
+                <a:solidFill>
+                  <a:srgbClr val="00B050"/>
+                </a:solidFill>
+                <a:latin typeface="ubuntu mono derivative powerline" panose="020B0509030602030204" pitchFamily="49" charset="0"/>
+              </a:rPr>
+              <a:t>original</a:t>
+            </a:r>
+            <a:endParaRPr lang="en-US" altLang="ko-KR" sz="1600" b="0" dirty="0">
+              <a:effectLst/>
+              <a:latin typeface="Ubuntu Mono derivative Powerlin" panose="020B0509030602030204" pitchFamily="49" charset="0"/>
+            </a:endParaRPr>
+          </a:p>
+          <a:p>
+            <a:r>
+              <a:rPr lang="en-US" altLang="ko-KR" sz="1600" dirty="0" err="1">
+                <a:solidFill>
+                  <a:srgbClr val="CC9B00"/>
+                </a:solidFill>
+                <a:latin typeface="Ubuntu Mono derivative Powerlin" panose="020B0509030602030204" pitchFamily="49" charset="0"/>
+              </a:rPr>
+              <a:t>n</a:t>
+            </a:r>
+            <a:r>
+              <a:rPr lang="en-US" altLang="ko-KR" sz="1600" b="0" i="0" dirty="0" err="1">
+                <a:solidFill>
+                  <a:srgbClr val="CC9B00"/>
+                </a:solidFill>
+                <a:effectLst/>
+                <a:latin typeface="Ubuntu Mono derivative Powerlin" panose="020B0509030602030204" pitchFamily="49" charset="0"/>
+              </a:rPr>
+              <a:t>umpy.array</a:t>
+            </a:r>
+            <a:r>
+              <a:rPr lang="en-US" altLang="ko-KR" sz="1600" b="0" i="0" dirty="0">
+                <a:effectLst/>
+                <a:latin typeface="Ubuntu Mono derivative Powerlin" panose="020B0509030602030204" pitchFamily="49" charset="0"/>
+              </a:rPr>
+              <a:t>([1, 2, 3])</a:t>
+            </a:r>
+            <a:endParaRPr lang="en-US" altLang="ko-KR" sz="1600" b="0" dirty="0">
+              <a:effectLst/>
+              <a:latin typeface="Ubuntu Mono derivative Powerlin" panose="020B0509030602030204" pitchFamily="49" charset="0"/>
+            </a:endParaRPr>
+          </a:p>
+        </p:txBody>
+      </p:sp>
+      <p:sp>
+        <p:nvSpPr>
+          <p:cNvPr id="12" name="직사각형 11">
+            <a:extLst>
+              <a:ext uri="{FF2B5EF4-FFF2-40B4-BE49-F238E27FC236}">
+                <a16:creationId xmlns:a16="http://schemas.microsoft.com/office/drawing/2014/main" id="{1FBD730D-57D2-7923-B876-098E8C14A6EB}"/>
+              </a:ext>
+            </a:extLst>
+          </p:cNvPr>
+          <p:cNvSpPr/>
+          <p:nvPr/>
+        </p:nvSpPr>
+        <p:spPr>
+          <a:xfrm>
+            <a:off x="1881833" y="3929225"/>
+            <a:ext cx="2042095" cy="584775"/>
+          </a:xfrm>
+          <a:prstGeom prst="rect">
+            <a:avLst/>
+          </a:prstGeom>
+        </p:spPr>
+        <p:txBody>
+          <a:bodyPr wrap="square">
+            <a:spAutoFit/>
+          </a:bodyPr>
+          <a:lstStyle/>
+          <a:p>
+            <a:r>
+              <a:rPr lang="en-US" altLang="ko-KR" sz="1600" b="0" dirty="0">
+                <a:solidFill>
+                  <a:srgbClr val="00B050"/>
+                </a:solidFill>
+                <a:effectLst/>
+                <a:latin typeface="ubuntu mono derivative powerline" panose="020B0509030602030204" pitchFamily="49" charset="0"/>
+              </a:rPr>
+              <a:t># used as</a:t>
+            </a:r>
+            <a:endParaRPr lang="en-US" altLang="ko-KR" sz="1600" b="0" dirty="0">
+              <a:solidFill>
+                <a:srgbClr val="00B050"/>
+              </a:solidFill>
+              <a:effectLst/>
+              <a:latin typeface="Ubuntu Mono derivative Powerlin" panose="020B0509030602030204" pitchFamily="49" charset="0"/>
+            </a:endParaRPr>
+          </a:p>
+          <a:p>
+            <a:r>
+              <a:rPr lang="en-US" altLang="ko-KR" sz="1600" b="0" i="0" dirty="0">
+                <a:solidFill>
+                  <a:srgbClr val="CC9B00"/>
+                </a:solidFill>
+                <a:effectLst/>
+                <a:latin typeface="Ubuntu Mono derivative Powerlin" panose="020B0509030602030204" pitchFamily="49" charset="0"/>
+              </a:rPr>
+              <a:t>import</a:t>
+            </a:r>
+            <a:r>
+              <a:rPr lang="en-US" altLang="ko-KR" sz="1600" b="0" i="0" dirty="0">
+                <a:effectLst/>
+                <a:latin typeface="Ubuntu Mono derivative Powerlin" panose="020B0509030602030204" pitchFamily="49" charset="0"/>
+              </a:rPr>
+              <a:t> </a:t>
+            </a:r>
+            <a:r>
+              <a:rPr lang="en-US" altLang="ko-KR" sz="1600" b="0" i="0" dirty="0" err="1">
+                <a:effectLst/>
+                <a:latin typeface="Ubuntu Mono derivative Powerlin" panose="020B0509030602030204" pitchFamily="49" charset="0"/>
+              </a:rPr>
+              <a:t>numpy</a:t>
+            </a:r>
+            <a:r>
+              <a:rPr lang="en-US" altLang="ko-KR" sz="1600" b="0" i="0" dirty="0">
+                <a:effectLst/>
+                <a:latin typeface="Ubuntu Mono derivative Powerlin" panose="020B0509030602030204" pitchFamily="49" charset="0"/>
+              </a:rPr>
+              <a:t> as</a:t>
+            </a:r>
+            <a:r>
+              <a:rPr lang="ko-KR" altLang="en-US" sz="1600" b="0" i="0" dirty="0">
+                <a:effectLst/>
+                <a:latin typeface="Ubuntu Mono derivative Powerlin" panose="020B0509030602030204" pitchFamily="49" charset="0"/>
+              </a:rPr>
+              <a:t> </a:t>
+            </a:r>
+            <a:r>
+              <a:rPr lang="en-US" altLang="ko-KR" sz="1600" dirty="0">
+                <a:latin typeface="Ubuntu Mono derivative Powerlin" panose="020B0509030602030204" pitchFamily="49" charset="0"/>
+              </a:rPr>
+              <a:t>np</a:t>
+            </a:r>
+            <a:endParaRPr lang="en-US" altLang="ko-KR" sz="1600" b="0" dirty="0">
+              <a:effectLst/>
+              <a:latin typeface="Ubuntu Mono derivative Powerlin" panose="020B0509030602030204" pitchFamily="49" charset="0"/>
+            </a:endParaRPr>
+          </a:p>
+        </p:txBody>
+      </p:sp>
+      <p:sp>
+        <p:nvSpPr>
+          <p:cNvPr id="15" name="직사각형 14">
+            <a:extLst>
+              <a:ext uri="{FF2B5EF4-FFF2-40B4-BE49-F238E27FC236}">
+                <a16:creationId xmlns:a16="http://schemas.microsoft.com/office/drawing/2014/main" id="{FFF13781-BD99-2C5A-0407-063498547142}"/>
+              </a:ext>
+            </a:extLst>
+          </p:cNvPr>
+          <p:cNvSpPr/>
+          <p:nvPr/>
+        </p:nvSpPr>
+        <p:spPr>
+          <a:xfrm>
+            <a:off x="5148064" y="3929225"/>
+            <a:ext cx="4121871" cy="584775"/>
+          </a:xfrm>
+          <a:prstGeom prst="rect">
+            <a:avLst/>
+          </a:prstGeom>
+        </p:spPr>
+        <p:txBody>
+          <a:bodyPr wrap="square">
+            <a:spAutoFit/>
+          </a:bodyPr>
+          <a:lstStyle/>
+          <a:p>
+            <a:r>
+              <a:rPr lang="en-US" altLang="ko-KR" sz="1600" b="0" dirty="0">
+                <a:solidFill>
+                  <a:srgbClr val="00B050"/>
+                </a:solidFill>
+                <a:effectLst/>
+                <a:latin typeface="ubuntu mono derivative powerline" panose="020B0509030602030204" pitchFamily="49" charset="0"/>
+              </a:rPr>
+              <a:t># use</a:t>
+            </a:r>
+            <a:r>
+              <a:rPr lang="en-US" altLang="ko-KR" sz="1600" dirty="0">
+                <a:solidFill>
+                  <a:srgbClr val="00B050"/>
+                </a:solidFill>
+                <a:latin typeface="ubuntu mono derivative powerline" panose="020B0509030602030204" pitchFamily="49" charset="0"/>
+              </a:rPr>
+              <a:t>d as</a:t>
+            </a:r>
+            <a:endParaRPr lang="en-US" altLang="ko-KR" sz="1600" b="0" dirty="0">
+              <a:effectLst/>
+              <a:latin typeface="Ubuntu Mono derivative Powerlin" panose="020B0509030602030204" pitchFamily="49" charset="0"/>
+            </a:endParaRPr>
+          </a:p>
+          <a:p>
+            <a:r>
+              <a:rPr lang="en-US" altLang="ko-KR" sz="1600" dirty="0" err="1">
+                <a:solidFill>
+                  <a:srgbClr val="CC9B00"/>
+                </a:solidFill>
+                <a:latin typeface="Ubuntu Mono derivative Powerlin" panose="020B0509030602030204" pitchFamily="49" charset="0"/>
+              </a:rPr>
+              <a:t>np</a:t>
+            </a:r>
+            <a:r>
+              <a:rPr lang="en-US" altLang="ko-KR" sz="1600" b="0" i="0" dirty="0" err="1">
+                <a:solidFill>
+                  <a:srgbClr val="CC9B00"/>
+                </a:solidFill>
+                <a:effectLst/>
+                <a:latin typeface="Ubuntu Mono derivative Powerlin" panose="020B0509030602030204" pitchFamily="49" charset="0"/>
+              </a:rPr>
+              <a:t>.array</a:t>
+            </a:r>
+            <a:r>
+              <a:rPr lang="en-US" altLang="ko-KR" sz="1600" b="0" i="0" dirty="0">
+                <a:effectLst/>
+                <a:latin typeface="Ubuntu Mono derivative Powerlin" panose="020B0509030602030204" pitchFamily="49" charset="0"/>
+              </a:rPr>
+              <a:t>([1, 2, 3])</a:t>
+            </a:r>
+            <a:endParaRPr lang="en-US" altLang="ko-KR" sz="1600" b="0" dirty="0">
+              <a:effectLst/>
+              <a:latin typeface="Ubuntu Mono derivative Powerlin" panose="020B0509030602030204" pitchFamily="49" charset="0"/>
+            </a:endParaRPr>
+          </a:p>
+        </p:txBody>
+      </p:sp>
+      <p:cxnSp>
+        <p:nvCxnSpPr>
+          <p:cNvPr id="16" name="직선 연결선 15">
+            <a:extLst>
+              <a:ext uri="{FF2B5EF4-FFF2-40B4-BE49-F238E27FC236}">
+                <a16:creationId xmlns:a16="http://schemas.microsoft.com/office/drawing/2014/main" id="{D9B0FC91-AA37-9B1F-0A0C-63628C7487E6}"/>
+              </a:ext>
+            </a:extLst>
+          </p:cNvPr>
+          <p:cNvCxnSpPr>
+            <a:cxnSpLocks/>
+          </p:cNvCxnSpPr>
+          <p:nvPr/>
+        </p:nvCxnSpPr>
+        <p:spPr>
+          <a:xfrm>
+            <a:off x="1907704" y="3577580"/>
+            <a:ext cx="5616624" cy="0"/>
+          </a:xfrm>
+          <a:prstGeom prst="line">
+            <a:avLst/>
+          </a:prstGeom>
+          <a:ln w="12700">
+            <a:solidFill>
+              <a:schemeClr val="tx1"/>
+            </a:solidFill>
+          </a:ln>
+        </p:spPr>
+        <p:style>
+          <a:lnRef idx="1">
+            <a:schemeClr val="accent1"/>
+          </a:lnRef>
+          <a:fillRef idx="0">
+            <a:schemeClr val="accent1"/>
+          </a:fillRef>
+          <a:effectRef idx="0">
+            <a:schemeClr val="accent1"/>
+          </a:effectRef>
+          <a:fontRef idx="minor">
+            <a:schemeClr val="tx1"/>
+          </a:fontRef>
+        </p:style>
+      </p:cxnSp>
+    </p:spTree>
+    <p:extLst>
+      <p:ext uri="{BB962C8B-B14F-4D97-AF65-F5344CB8AC3E}">
+        <p14:creationId xmlns:p14="http://schemas.microsoft.com/office/powerpoint/2010/main" val="4144657288"/>
+      </p:ext>
+    </p:extLst>
+  </p:cSld>
+  <p:clrMapOvr>
+    <a:masterClrMapping/>
+  </p:clrMapOvr>
+</p:sld>
+</file>
+
+<file path=ppt/slides/slide14.xml><?xml version="1.0" encoding="utf-8"?>
+<p:sld xmlns:a="http://schemas.openxmlformats.org/drawingml/2006/main" xmlns:r="http://schemas.openxmlformats.org/officeDocument/2006/relationships" xmlns:p="http://schemas.openxmlformats.org/presentationml/2006/main">
+  <p:cSld>
+    <p:spTree>
+      <p:nvGrpSpPr>
+        <p:cNvPr id="1" name=""/>
+        <p:cNvGrpSpPr/>
+        <p:nvPr/>
+      </p:nvGrpSpPr>
+      <p:grpSpPr>
+        <a:xfrm>
+          <a:off x="0" y="0"/>
+          <a:ext cx="0" cy="0"/>
+          <a:chOff x="0" y="0"/>
+          <a:chExt cx="0" cy="0"/>
+        </a:xfrm>
+      </p:grpSpPr>
+      <p:sp>
+        <p:nvSpPr>
+          <p:cNvPr id="3" name="내용 개체 틀 2"/>
+          <p:cNvSpPr>
+            <a:spLocks noGrp="1"/>
+          </p:cNvSpPr>
+          <p:nvPr>
+            <p:ph idx="1"/>
+          </p:nvPr>
+        </p:nvSpPr>
+        <p:spPr>
+          <a:xfrm>
+            <a:off x="685800" y="1201000"/>
+            <a:ext cx="8229600" cy="4127500"/>
+          </a:xfrm>
+        </p:spPr>
+        <p:txBody>
+          <a:bodyPr>
+            <a:normAutofit/>
+          </a:bodyPr>
+          <a:lstStyle/>
+          <a:p>
+            <a:r>
+              <a:rPr lang="en-US" altLang="ko-KR" dirty="0"/>
+              <a:t>3.3 </a:t>
+            </a:r>
+            <a:r>
+              <a:rPr lang="en-US" altLang="ko-KR" dirty="0" err="1"/>
+              <a:t>numpy</a:t>
+            </a:r>
+            <a:endParaRPr lang="en-US" altLang="ko-KR" dirty="0"/>
+          </a:p>
+        </p:txBody>
+      </p:sp>
+      <p:sp>
+        <p:nvSpPr>
+          <p:cNvPr id="5" name="내용 개체 틀 8">
+            <a:extLst>
+              <a:ext uri="{FF2B5EF4-FFF2-40B4-BE49-F238E27FC236}">
+                <a16:creationId xmlns:a16="http://schemas.microsoft.com/office/drawing/2014/main" id="{A919FA0F-0890-3EFC-CAAF-65D067DAA112}"/>
+              </a:ext>
+            </a:extLst>
+          </p:cNvPr>
+          <p:cNvSpPr txBox="1">
+            <a:spLocks/>
+          </p:cNvSpPr>
+          <p:nvPr/>
+        </p:nvSpPr>
+        <p:spPr>
+          <a:xfrm>
+            <a:off x="611560" y="1633364"/>
+            <a:ext cx="8303840" cy="3528392"/>
+          </a:xfrm>
+          <a:prstGeom prst="rect">
+            <a:avLst/>
+          </a:prstGeom>
+        </p:spPr>
+        <p:txBody>
+          <a:bodyPr/>
+          <a:lstStyle>
+            <a:lvl1pPr marL="285739" indent="-285739" algn="l" rtl="0" eaLnBrk="1" fontAlgn="base" latinLnBrk="1" hangingPunct="1">
+              <a:spcBef>
+                <a:spcPct val="20000"/>
+              </a:spcBef>
+              <a:spcAft>
+                <a:spcPct val="0"/>
+              </a:spcAft>
+              <a:buClr>
+                <a:srgbClr val="0000FF"/>
+              </a:buClr>
+              <a:buSzPct val="90000"/>
+              <a:buFont typeface="Wingdings" pitchFamily="2" charset="2"/>
+              <a:buChar char="n"/>
+              <a:defRPr kumimoji="1" sz="2333" b="1">
+                <a:solidFill>
+                  <a:schemeClr val="tx1"/>
+                </a:solidFill>
+                <a:latin typeface="+mn-lt"/>
+                <a:ea typeface="맑은 고딕" pitchFamily="50" charset="-127"/>
+                <a:cs typeface="+mn-cs"/>
+              </a:defRPr>
+            </a:lvl1pPr>
+            <a:lvl2pPr marL="619100" indent="-238115" algn="l" rtl="0" eaLnBrk="1" fontAlgn="base" latinLnBrk="1" hangingPunct="1">
+              <a:spcBef>
+                <a:spcPct val="20000"/>
+              </a:spcBef>
+              <a:spcAft>
+                <a:spcPct val="0"/>
+              </a:spcAft>
+              <a:buClr>
+                <a:schemeClr val="hlink"/>
+              </a:buClr>
+              <a:buSzPct val="75000"/>
+              <a:buFont typeface="Wingdings" pitchFamily="2" charset="2"/>
+              <a:buChar char="u"/>
+              <a:defRPr kumimoji="1" sz="2167" b="1">
+                <a:solidFill>
+                  <a:schemeClr val="tx1"/>
+                </a:solidFill>
+                <a:latin typeface="+mn-lt"/>
+                <a:ea typeface="맑은 고딕" pitchFamily="50" charset="-127"/>
+              </a:defRPr>
+            </a:lvl2pPr>
+            <a:lvl3pPr marL="952462" indent="-190492" algn="l" rtl="0" eaLnBrk="1" fontAlgn="base" latinLnBrk="1" hangingPunct="1">
+              <a:spcBef>
+                <a:spcPct val="20000"/>
+              </a:spcBef>
+              <a:spcAft>
+                <a:spcPct val="0"/>
+              </a:spcAft>
+              <a:buClr>
+                <a:srgbClr val="3399FF"/>
+              </a:buClr>
+              <a:buSzPct val="55000"/>
+              <a:buFont typeface="Wingdings" pitchFamily="2" charset="2"/>
+              <a:buChar char="l"/>
+              <a:defRPr kumimoji="1" sz="2000" b="1">
+                <a:solidFill>
+                  <a:schemeClr val="tx1"/>
+                </a:solidFill>
+                <a:latin typeface="+mn-lt"/>
+                <a:ea typeface="맑은 고딕" pitchFamily="50" charset="-127"/>
+              </a:defRPr>
+            </a:lvl3pPr>
+            <a:lvl4pPr marL="1333447" indent="-190492" algn="l" rtl="0" eaLnBrk="1" fontAlgn="base" latinLnBrk="1" hangingPunct="1">
+              <a:spcBef>
+                <a:spcPct val="20000"/>
+              </a:spcBef>
+              <a:spcAft>
+                <a:spcPct val="0"/>
+              </a:spcAft>
+              <a:buClr>
+                <a:srgbClr val="009900"/>
+              </a:buClr>
+              <a:buFont typeface="Wingdings" pitchFamily="2" charset="2"/>
+              <a:buChar char="§"/>
+              <a:defRPr kumimoji="1" sz="1833" b="1">
+                <a:solidFill>
+                  <a:schemeClr val="tx1"/>
+                </a:solidFill>
+                <a:latin typeface="+mn-lt"/>
+                <a:ea typeface="맑은 고딕" pitchFamily="50" charset="-127"/>
+              </a:defRPr>
+            </a:lvl4pPr>
+            <a:lvl5pPr marL="1714431" indent="-190492" algn="l" rtl="0" eaLnBrk="1" fontAlgn="base" latinLnBrk="1" hangingPunct="1">
+              <a:spcBef>
+                <a:spcPct val="20000"/>
+              </a:spcBef>
+              <a:spcAft>
+                <a:spcPct val="0"/>
+              </a:spcAft>
+              <a:buClr>
+                <a:schemeClr val="tx1"/>
+              </a:buClr>
+              <a:buFont typeface="Wingdings" pitchFamily="2" charset="2"/>
+              <a:buChar char="§"/>
+              <a:defRPr kumimoji="1" sz="1667" b="1">
+                <a:solidFill>
+                  <a:schemeClr val="tx1"/>
+                </a:solidFill>
+                <a:latin typeface="+mn-lt"/>
+                <a:ea typeface="맑은 고딕" pitchFamily="50" charset="-127"/>
+              </a:defRPr>
+            </a:lvl5pPr>
+            <a:lvl6pPr marL="2095416" indent="-190492" algn="l" rtl="0" eaLnBrk="1" fontAlgn="base" latinLnBrk="1" hangingPunct="1">
+              <a:spcBef>
+                <a:spcPct val="20000"/>
+              </a:spcBef>
+              <a:spcAft>
+                <a:spcPct val="0"/>
+              </a:spcAft>
+              <a:buClr>
+                <a:schemeClr val="tx1"/>
+              </a:buClr>
+              <a:buFont typeface="Wingdings" pitchFamily="2" charset="2"/>
+              <a:buChar char="§"/>
+              <a:defRPr kumimoji="1" sz="1667" b="1">
+                <a:solidFill>
+                  <a:schemeClr val="tx1"/>
+                </a:solidFill>
+                <a:latin typeface="+mn-lt"/>
+                <a:ea typeface="+mn-ea"/>
+              </a:defRPr>
+            </a:lvl6pPr>
+            <a:lvl7pPr marL="2476401" indent="-190492" algn="l" rtl="0" eaLnBrk="1" fontAlgn="base" latinLnBrk="1" hangingPunct="1">
+              <a:spcBef>
+                <a:spcPct val="20000"/>
+              </a:spcBef>
+              <a:spcAft>
+                <a:spcPct val="0"/>
+              </a:spcAft>
+              <a:buClr>
+                <a:schemeClr val="tx1"/>
+              </a:buClr>
+              <a:buFont typeface="Wingdings" pitchFamily="2" charset="2"/>
+              <a:buChar char="§"/>
+              <a:defRPr kumimoji="1" sz="1667" b="1">
+                <a:solidFill>
+                  <a:schemeClr val="tx1"/>
+                </a:solidFill>
+                <a:latin typeface="+mn-lt"/>
+                <a:ea typeface="+mn-ea"/>
+              </a:defRPr>
+            </a:lvl7pPr>
+            <a:lvl8pPr marL="2857386" indent="-190492" algn="l" rtl="0" eaLnBrk="1" fontAlgn="base" latinLnBrk="1" hangingPunct="1">
+              <a:spcBef>
+                <a:spcPct val="20000"/>
+              </a:spcBef>
+              <a:spcAft>
+                <a:spcPct val="0"/>
+              </a:spcAft>
+              <a:buClr>
+                <a:schemeClr val="tx1"/>
+              </a:buClr>
+              <a:buFont typeface="Wingdings" pitchFamily="2" charset="2"/>
+              <a:buChar char="§"/>
+              <a:defRPr kumimoji="1" sz="1667" b="1">
+                <a:solidFill>
+                  <a:schemeClr val="tx1"/>
+                </a:solidFill>
+                <a:latin typeface="+mn-lt"/>
+                <a:ea typeface="+mn-ea"/>
+              </a:defRPr>
+            </a:lvl8pPr>
+            <a:lvl9pPr marL="3238370" indent="-190492" algn="l" rtl="0" eaLnBrk="1" fontAlgn="base" latinLnBrk="1" hangingPunct="1">
+              <a:spcBef>
+                <a:spcPct val="20000"/>
+              </a:spcBef>
+              <a:spcAft>
+                <a:spcPct val="0"/>
+              </a:spcAft>
+              <a:buClr>
+                <a:schemeClr val="tx1"/>
+              </a:buClr>
+              <a:buFont typeface="Wingdings" pitchFamily="2" charset="2"/>
+              <a:buChar char="§"/>
+              <a:defRPr kumimoji="1" sz="1667" b="1">
+                <a:solidFill>
+                  <a:schemeClr val="tx1"/>
+                </a:solidFill>
+                <a:latin typeface="+mn-lt"/>
+                <a:ea typeface="+mn-ea"/>
+              </a:defRPr>
+            </a:lvl9pPr>
+          </a:lstStyle>
+          <a:p>
+            <a:pPr lvl="1"/>
+            <a:r>
+              <a:rPr lang="en-US" altLang="ko-KR" kern="0" dirty="0" err="1"/>
+              <a:t>Numpy</a:t>
+            </a:r>
+            <a:r>
+              <a:rPr lang="en-US" altLang="ko-KR" kern="0" dirty="0"/>
+              <a:t> </a:t>
+            </a:r>
+            <a:r>
+              <a:rPr lang="ko-KR" altLang="en-US" kern="0" dirty="0"/>
+              <a:t>실습</a:t>
+            </a:r>
+            <a:endParaRPr lang="en-US" altLang="ko-KR" kern="0" dirty="0"/>
+          </a:p>
+          <a:p>
+            <a:pPr lvl="2"/>
+            <a:endParaRPr lang="en-US" altLang="ko-KR" kern="0" dirty="0"/>
+          </a:p>
+        </p:txBody>
+      </p:sp>
+      <p:sp>
+        <p:nvSpPr>
+          <p:cNvPr id="2" name="제목 1"/>
+          <p:cNvSpPr>
+            <a:spLocks noGrp="1"/>
+          </p:cNvSpPr>
+          <p:nvPr>
+            <p:ph type="title"/>
+          </p:nvPr>
+        </p:nvSpPr>
+        <p:spPr/>
+        <p:txBody>
+          <a:bodyPr/>
+          <a:lstStyle/>
+          <a:p>
+            <a:r>
+              <a:rPr lang="en-US" altLang="ko-KR" dirty="0"/>
+              <a:t>3.1 </a:t>
+            </a:r>
+            <a:r>
+              <a:rPr lang="ko-KR" altLang="en-US" dirty="0" err="1"/>
+              <a:t>파이썬의</a:t>
+            </a:r>
+            <a:r>
+              <a:rPr lang="ko-KR" altLang="en-US" dirty="0"/>
+              <a:t> 자료구조</a:t>
+            </a:r>
+          </a:p>
+        </p:txBody>
+      </p:sp>
+      <p:sp>
+        <p:nvSpPr>
+          <p:cNvPr id="7" name="직사각형 6">
+            <a:extLst>
+              <a:ext uri="{FF2B5EF4-FFF2-40B4-BE49-F238E27FC236}">
+                <a16:creationId xmlns:a16="http://schemas.microsoft.com/office/drawing/2014/main" id="{D6EA001E-8AB8-D89A-430E-0C58FB5DF8C6}"/>
+              </a:ext>
+            </a:extLst>
+          </p:cNvPr>
+          <p:cNvSpPr/>
+          <p:nvPr/>
+        </p:nvSpPr>
+        <p:spPr>
+          <a:xfrm>
+            <a:off x="1881833" y="2607848"/>
+            <a:ext cx="1754063" cy="584775"/>
+          </a:xfrm>
+          <a:prstGeom prst="rect">
+            <a:avLst/>
+          </a:prstGeom>
+        </p:spPr>
+        <p:txBody>
+          <a:bodyPr wrap="square">
+            <a:spAutoFit/>
+          </a:bodyPr>
+          <a:lstStyle/>
+          <a:p>
+            <a:r>
+              <a:rPr lang="en-US" altLang="ko-KR" sz="1600" b="0" dirty="0">
+                <a:solidFill>
+                  <a:srgbClr val="00B050"/>
+                </a:solidFill>
+                <a:effectLst/>
+                <a:latin typeface="ubuntu mono derivative powerline" panose="020B0509030602030204" pitchFamily="49" charset="0"/>
+              </a:rPr>
+              <a:t># original</a:t>
+            </a:r>
+            <a:endParaRPr lang="en-US" altLang="ko-KR" sz="1600" b="0" dirty="0">
+              <a:solidFill>
+                <a:srgbClr val="00B050"/>
+              </a:solidFill>
+              <a:effectLst/>
+              <a:latin typeface="Ubuntu Mono derivative Powerlin" panose="020B0509030602030204" pitchFamily="49" charset="0"/>
+            </a:endParaRPr>
+          </a:p>
+          <a:p>
+            <a:r>
+              <a:rPr lang="en-US" altLang="ko-KR" sz="1600" b="0" i="0" dirty="0">
+                <a:solidFill>
+                  <a:srgbClr val="CC9B00"/>
+                </a:solidFill>
+                <a:effectLst/>
+                <a:latin typeface="Ubuntu Mono derivative Powerlin" panose="020B0509030602030204" pitchFamily="49" charset="0"/>
+              </a:rPr>
+              <a:t>import</a:t>
+            </a:r>
+            <a:r>
+              <a:rPr lang="en-US" altLang="ko-KR" sz="1600" b="0" i="0" dirty="0">
+                <a:effectLst/>
+                <a:latin typeface="Ubuntu Mono derivative Powerlin" panose="020B0509030602030204" pitchFamily="49" charset="0"/>
+              </a:rPr>
+              <a:t> </a:t>
+            </a:r>
+            <a:r>
+              <a:rPr lang="en-US" altLang="ko-KR" sz="1600" b="0" i="0" dirty="0" err="1">
+                <a:effectLst/>
+                <a:latin typeface="Ubuntu Mono derivative Powerlin" panose="020B0509030602030204" pitchFamily="49" charset="0"/>
+              </a:rPr>
+              <a:t>numpy</a:t>
+            </a:r>
+            <a:endParaRPr lang="en-US" altLang="ko-KR" sz="1600" b="0" dirty="0">
+              <a:effectLst/>
+              <a:latin typeface="Ubuntu Mono derivative Powerlin" panose="020B0509030602030204" pitchFamily="49" charset="0"/>
+            </a:endParaRPr>
+          </a:p>
+        </p:txBody>
+      </p:sp>
+      <p:sp>
+        <p:nvSpPr>
+          <p:cNvPr id="11" name="직사각형 10">
+            <a:extLst>
+              <a:ext uri="{FF2B5EF4-FFF2-40B4-BE49-F238E27FC236}">
+                <a16:creationId xmlns:a16="http://schemas.microsoft.com/office/drawing/2014/main" id="{E465D31E-4303-912F-B7CE-EFD74262BE0B}"/>
+              </a:ext>
+            </a:extLst>
+          </p:cNvPr>
+          <p:cNvSpPr/>
+          <p:nvPr/>
+        </p:nvSpPr>
+        <p:spPr>
+          <a:xfrm>
+            <a:off x="5148064" y="2607848"/>
+            <a:ext cx="4121871" cy="584775"/>
+          </a:xfrm>
+          <a:prstGeom prst="rect">
+            <a:avLst/>
+          </a:prstGeom>
+        </p:spPr>
+        <p:txBody>
+          <a:bodyPr wrap="square">
+            <a:spAutoFit/>
+          </a:bodyPr>
+          <a:lstStyle/>
+          <a:p>
+            <a:r>
+              <a:rPr lang="en-US" altLang="ko-KR" sz="1600" b="0" dirty="0">
+                <a:solidFill>
+                  <a:srgbClr val="00B050"/>
+                </a:solidFill>
+                <a:effectLst/>
+                <a:latin typeface="ubuntu mono derivative powerline" panose="020B0509030602030204" pitchFamily="49" charset="0"/>
+              </a:rPr>
+              <a:t># </a:t>
+            </a:r>
+            <a:r>
+              <a:rPr lang="en-US" altLang="ko-KR" sz="1600" dirty="0">
+                <a:solidFill>
+                  <a:srgbClr val="00B050"/>
+                </a:solidFill>
+                <a:latin typeface="ubuntu mono derivative powerline" panose="020B0509030602030204" pitchFamily="49" charset="0"/>
+              </a:rPr>
+              <a:t>original</a:t>
+            </a:r>
+            <a:endParaRPr lang="en-US" altLang="ko-KR" sz="1600" b="0" dirty="0">
+              <a:effectLst/>
+              <a:latin typeface="Ubuntu Mono derivative Powerlin" panose="020B0509030602030204" pitchFamily="49" charset="0"/>
+            </a:endParaRPr>
+          </a:p>
+          <a:p>
+            <a:r>
+              <a:rPr lang="en-US" altLang="ko-KR" sz="1600" dirty="0" err="1">
+                <a:solidFill>
+                  <a:srgbClr val="CC9B00"/>
+                </a:solidFill>
+                <a:latin typeface="Ubuntu Mono derivative Powerlin" panose="020B0509030602030204" pitchFamily="49" charset="0"/>
+              </a:rPr>
+              <a:t>n</a:t>
+            </a:r>
+            <a:r>
+              <a:rPr lang="en-US" altLang="ko-KR" sz="1600" b="0" i="0" dirty="0" err="1">
+                <a:solidFill>
+                  <a:srgbClr val="CC9B00"/>
+                </a:solidFill>
+                <a:effectLst/>
+                <a:latin typeface="Ubuntu Mono derivative Powerlin" panose="020B0509030602030204" pitchFamily="49" charset="0"/>
+              </a:rPr>
+              <a:t>umpy.array</a:t>
+            </a:r>
+            <a:r>
+              <a:rPr lang="en-US" altLang="ko-KR" sz="1600" b="0" i="0" dirty="0">
+                <a:effectLst/>
+                <a:latin typeface="Ubuntu Mono derivative Powerlin" panose="020B0509030602030204" pitchFamily="49" charset="0"/>
+              </a:rPr>
+              <a:t>([1, 2, 3])</a:t>
+            </a:r>
+            <a:endParaRPr lang="en-US" altLang="ko-KR" sz="1600" b="0" dirty="0">
+              <a:effectLst/>
+              <a:latin typeface="Ubuntu Mono derivative Powerlin" panose="020B0509030602030204" pitchFamily="49" charset="0"/>
+            </a:endParaRPr>
+          </a:p>
+        </p:txBody>
+      </p:sp>
+      <p:sp>
+        <p:nvSpPr>
+          <p:cNvPr id="12" name="직사각형 11">
+            <a:extLst>
+              <a:ext uri="{FF2B5EF4-FFF2-40B4-BE49-F238E27FC236}">
+                <a16:creationId xmlns:a16="http://schemas.microsoft.com/office/drawing/2014/main" id="{1FBD730D-57D2-7923-B876-098E8C14A6EB}"/>
+              </a:ext>
+            </a:extLst>
+          </p:cNvPr>
+          <p:cNvSpPr/>
+          <p:nvPr/>
+        </p:nvSpPr>
+        <p:spPr>
+          <a:xfrm>
+            <a:off x="1881833" y="3929225"/>
+            <a:ext cx="2042095" cy="584775"/>
+          </a:xfrm>
+          <a:prstGeom prst="rect">
+            <a:avLst/>
+          </a:prstGeom>
+        </p:spPr>
+        <p:txBody>
+          <a:bodyPr wrap="square">
+            <a:spAutoFit/>
+          </a:bodyPr>
+          <a:lstStyle/>
+          <a:p>
+            <a:r>
+              <a:rPr lang="en-US" altLang="ko-KR" sz="1600" b="0" dirty="0">
+                <a:solidFill>
+                  <a:srgbClr val="00B050"/>
+                </a:solidFill>
+                <a:effectLst/>
+                <a:latin typeface="ubuntu mono derivative powerline" panose="020B0509030602030204" pitchFamily="49" charset="0"/>
+              </a:rPr>
+              <a:t># used as</a:t>
+            </a:r>
+            <a:endParaRPr lang="en-US" altLang="ko-KR" sz="1600" b="0" dirty="0">
+              <a:solidFill>
+                <a:srgbClr val="00B050"/>
+              </a:solidFill>
+              <a:effectLst/>
+              <a:latin typeface="Ubuntu Mono derivative Powerlin" panose="020B0509030602030204" pitchFamily="49" charset="0"/>
+            </a:endParaRPr>
+          </a:p>
+          <a:p>
+            <a:r>
+              <a:rPr lang="en-US" altLang="ko-KR" sz="1600" b="0" i="0" dirty="0">
+                <a:solidFill>
+                  <a:srgbClr val="CC9B00"/>
+                </a:solidFill>
+                <a:effectLst/>
+                <a:latin typeface="Ubuntu Mono derivative Powerlin" panose="020B0509030602030204" pitchFamily="49" charset="0"/>
+              </a:rPr>
+              <a:t>import</a:t>
+            </a:r>
+            <a:r>
+              <a:rPr lang="en-US" altLang="ko-KR" sz="1600" b="0" i="0" dirty="0">
+                <a:effectLst/>
+                <a:latin typeface="Ubuntu Mono derivative Powerlin" panose="020B0509030602030204" pitchFamily="49" charset="0"/>
+              </a:rPr>
+              <a:t> </a:t>
+            </a:r>
+            <a:r>
+              <a:rPr lang="en-US" altLang="ko-KR" sz="1600" b="0" i="0" dirty="0" err="1">
+                <a:effectLst/>
+                <a:latin typeface="Ubuntu Mono derivative Powerlin" panose="020B0509030602030204" pitchFamily="49" charset="0"/>
+              </a:rPr>
+              <a:t>numpy</a:t>
+            </a:r>
+            <a:r>
+              <a:rPr lang="en-US" altLang="ko-KR" sz="1600" b="0" i="0" dirty="0">
+                <a:effectLst/>
+                <a:latin typeface="Ubuntu Mono derivative Powerlin" panose="020B0509030602030204" pitchFamily="49" charset="0"/>
+              </a:rPr>
+              <a:t> as</a:t>
+            </a:r>
+            <a:r>
+              <a:rPr lang="ko-KR" altLang="en-US" sz="1600" b="0" i="0" dirty="0">
+                <a:effectLst/>
+                <a:latin typeface="Ubuntu Mono derivative Powerlin" panose="020B0509030602030204" pitchFamily="49" charset="0"/>
+              </a:rPr>
+              <a:t> </a:t>
+            </a:r>
+            <a:r>
+              <a:rPr lang="en-US" altLang="ko-KR" sz="1600" dirty="0">
+                <a:latin typeface="Ubuntu Mono derivative Powerlin" panose="020B0509030602030204" pitchFamily="49" charset="0"/>
+              </a:rPr>
+              <a:t>np</a:t>
+            </a:r>
+            <a:endParaRPr lang="en-US" altLang="ko-KR" sz="1600" b="0" dirty="0">
+              <a:effectLst/>
+              <a:latin typeface="Ubuntu Mono derivative Powerlin" panose="020B0509030602030204" pitchFamily="49" charset="0"/>
+            </a:endParaRPr>
+          </a:p>
+        </p:txBody>
+      </p:sp>
+      <p:sp>
+        <p:nvSpPr>
+          <p:cNvPr id="15" name="직사각형 14">
+            <a:extLst>
+              <a:ext uri="{FF2B5EF4-FFF2-40B4-BE49-F238E27FC236}">
+                <a16:creationId xmlns:a16="http://schemas.microsoft.com/office/drawing/2014/main" id="{FFF13781-BD99-2C5A-0407-063498547142}"/>
+              </a:ext>
+            </a:extLst>
+          </p:cNvPr>
+          <p:cNvSpPr/>
+          <p:nvPr/>
+        </p:nvSpPr>
+        <p:spPr>
+          <a:xfrm>
+            <a:off x="5148064" y="3929225"/>
+            <a:ext cx="4121871" cy="584775"/>
+          </a:xfrm>
+          <a:prstGeom prst="rect">
+            <a:avLst/>
+          </a:prstGeom>
+        </p:spPr>
+        <p:txBody>
+          <a:bodyPr wrap="square">
+            <a:spAutoFit/>
+          </a:bodyPr>
+          <a:lstStyle/>
+          <a:p>
+            <a:r>
+              <a:rPr lang="en-US" altLang="ko-KR" sz="1600" b="0" dirty="0">
+                <a:solidFill>
+                  <a:srgbClr val="00B050"/>
+                </a:solidFill>
+                <a:effectLst/>
+                <a:latin typeface="ubuntu mono derivative powerline" panose="020B0509030602030204" pitchFamily="49" charset="0"/>
+              </a:rPr>
+              <a:t># use</a:t>
+            </a:r>
+            <a:r>
+              <a:rPr lang="en-US" altLang="ko-KR" sz="1600" dirty="0">
+                <a:solidFill>
+                  <a:srgbClr val="00B050"/>
+                </a:solidFill>
+                <a:latin typeface="ubuntu mono derivative powerline" panose="020B0509030602030204" pitchFamily="49" charset="0"/>
+              </a:rPr>
+              <a:t>d as</a:t>
+            </a:r>
+            <a:endParaRPr lang="en-US" altLang="ko-KR" sz="1600" b="0" dirty="0">
+              <a:effectLst/>
+              <a:latin typeface="Ubuntu Mono derivative Powerlin" panose="020B0509030602030204" pitchFamily="49" charset="0"/>
+            </a:endParaRPr>
+          </a:p>
+          <a:p>
+            <a:r>
+              <a:rPr lang="en-US" altLang="ko-KR" sz="1600" dirty="0" err="1">
+                <a:solidFill>
+                  <a:srgbClr val="CC9B00"/>
+                </a:solidFill>
+                <a:latin typeface="Ubuntu Mono derivative Powerlin" panose="020B0509030602030204" pitchFamily="49" charset="0"/>
+              </a:rPr>
+              <a:t>np</a:t>
+            </a:r>
+            <a:r>
+              <a:rPr lang="en-US" altLang="ko-KR" sz="1600" b="0" i="0" dirty="0" err="1">
+                <a:solidFill>
+                  <a:srgbClr val="CC9B00"/>
+                </a:solidFill>
+                <a:effectLst/>
+                <a:latin typeface="Ubuntu Mono derivative Powerlin" panose="020B0509030602030204" pitchFamily="49" charset="0"/>
+              </a:rPr>
+              <a:t>.array</a:t>
+            </a:r>
+            <a:r>
+              <a:rPr lang="en-US" altLang="ko-KR" sz="1600" b="0" i="0" dirty="0">
+                <a:effectLst/>
+                <a:latin typeface="Ubuntu Mono derivative Powerlin" panose="020B0509030602030204" pitchFamily="49" charset="0"/>
+              </a:rPr>
+              <a:t>([1, 2, 3])</a:t>
+            </a:r>
+            <a:endParaRPr lang="en-US" altLang="ko-KR" sz="1600" b="0" dirty="0">
+              <a:effectLst/>
+              <a:latin typeface="Ubuntu Mono derivative Powerlin" panose="020B0509030602030204" pitchFamily="49" charset="0"/>
+            </a:endParaRPr>
+          </a:p>
+        </p:txBody>
+      </p:sp>
+      <p:cxnSp>
+        <p:nvCxnSpPr>
+          <p:cNvPr id="16" name="직선 연결선 15">
+            <a:extLst>
+              <a:ext uri="{FF2B5EF4-FFF2-40B4-BE49-F238E27FC236}">
+                <a16:creationId xmlns:a16="http://schemas.microsoft.com/office/drawing/2014/main" id="{D9B0FC91-AA37-9B1F-0A0C-63628C7487E6}"/>
+              </a:ext>
+            </a:extLst>
+          </p:cNvPr>
+          <p:cNvCxnSpPr>
+            <a:cxnSpLocks/>
+          </p:cNvCxnSpPr>
+          <p:nvPr/>
+        </p:nvCxnSpPr>
+        <p:spPr>
+          <a:xfrm>
+            <a:off x="1907704" y="3577580"/>
+            <a:ext cx="5616624" cy="0"/>
+          </a:xfrm>
+          <a:prstGeom prst="line">
+            <a:avLst/>
+          </a:prstGeom>
+          <a:ln w="12700">
+            <a:solidFill>
+              <a:schemeClr val="tx1"/>
+            </a:solidFill>
+          </a:ln>
+        </p:spPr>
+        <p:style>
+          <a:lnRef idx="1">
+            <a:schemeClr val="accent1"/>
+          </a:lnRef>
+          <a:fillRef idx="0">
+            <a:schemeClr val="accent1"/>
+          </a:fillRef>
+          <a:effectRef idx="0">
+            <a:schemeClr val="accent1"/>
+          </a:effectRef>
+          <a:fontRef idx="minor">
+            <a:schemeClr val="tx1"/>
+          </a:fontRef>
+        </p:style>
+      </p:cxnSp>
+    </p:spTree>
+    <p:extLst>
+      <p:ext uri="{BB962C8B-B14F-4D97-AF65-F5344CB8AC3E}">
+        <p14:creationId xmlns:p14="http://schemas.microsoft.com/office/powerpoint/2010/main" val="113935051"/>
       </p:ext>
     </p:extLst>
   </p:cSld>
@@ -7942,6 +11033,14 @@
             <a:r>
               <a:rPr lang="ko-KR" altLang="en-US" dirty="0"/>
               <a:t>모듈</a:t>
+            </a:r>
+            <a:r>
+              <a:rPr lang="en-US" altLang="ko-KR" dirty="0"/>
+              <a:t>, </a:t>
+            </a:r>
+            <a:r>
+              <a:rPr lang="ko-KR" altLang="en-US" dirty="0"/>
+              <a:t>라이브러리</a:t>
             </a:r>
             <a:r>
               <a:rPr lang="en-US" altLang="ko-KR" dirty="0"/>
@@ -9829,7 +12928,7 @@
           <a:p>
             <a:r>
               <a:rPr lang="en-US" altLang="ko-KR" dirty="0"/>
-              <a:t>3.1.1 for</a:t>
+              <a:t>3.1 for</a:t>
             </a:r>
             <a:r>
               <a:rPr lang="ko-KR" altLang="en-US" dirty="0"/>
@@ -10996,7 +14095,7 @@
           <a:p>
             <a:r>
               <a:rPr lang="en-US" altLang="ko-KR" dirty="0"/>
-              <a:t>3.1.1 for</a:t>
+              <a:t>3.1 for</a:t>
             </a:r>
             <a:r>
               <a:rPr lang="ko-KR" altLang="en-US" dirty="0"/>
@@ -11020,7 +14119,7 @@
         </p:nvSpPr>
         <p:spPr>
           <a:xfrm>
-            <a:off x="1331640" y="2713484"/>
+            <a:off x="1164597" y="2775048"/>
             <a:ext cx="3681139" cy="1323439"/>
           </a:xfrm>
           <a:prstGeom prst="rect">
@@ -11481,7 +14580,7 @@
         </p:nvSpPr>
         <p:spPr>
           <a:xfrm>
-            <a:off x="718762" y="2387130"/>
+            <a:off x="551719" y="2448694"/>
             <a:ext cx="3997254" cy="398363"/>
           </a:xfrm>
           <a:prstGeom prst="rect">
@@ -11708,7 +14807,7 @@
         </p:nvSpPr>
         <p:spPr>
           <a:xfrm>
-            <a:off x="5066014" y="2713484"/>
+            <a:off x="4898971" y="2775048"/>
             <a:ext cx="4042490" cy="1323439"/>
           </a:xfrm>
           <a:prstGeom prst="rect">
@@ -11874,7 +14973,7 @@
         </p:nvSpPr>
         <p:spPr>
           <a:xfrm>
-            <a:off x="4453136" y="2387131"/>
+            <a:off x="4286093" y="2448695"/>
             <a:ext cx="3431232" cy="398362"/>
           </a:xfrm>
           <a:prstGeom prst="rect">
@@ -12101,7 +15200,7 @@
         </p:nvGrpSpPr>
         <p:grpSpPr>
           <a:xfrm>
-            <a:off x="1691680" y="3498850"/>
+            <a:off x="1524637" y="3560414"/>
             <a:ext cx="6668279" cy="256721"/>
             <a:chOff x="1691680" y="3498850"/>
             <a:chExt cx="6668279" cy="256721"/>

--- a/2022-09-20/documents/CH_03_파이썬 기초_실습2.pptx
+++ b/2022-09-20/documents/CH_03_파이썬 기초_실습2.pptx
@@ -24,7 +24,7 @@
     <p:sldId id="376" r:id="rId12"/>
     <p:sldId id="378" r:id="rId13"/>
     <p:sldId id="377" r:id="rId14"/>
-    <p:sldId id="379" r:id="rId15"/>
+    <p:sldId id="380" r:id="rId15"/>
   </p:sldIdLst>
   <p:sldSz cx="9144000" cy="5715000" type="screen16x10"/>
   <p:notesSz cx="7104063" cy="10234613"/>
@@ -8740,7 +8740,24 @@
                 <a:effectLst/>
                 <a:latin typeface="Ubuntu Mono derivative Powerlin" panose="020B0509030602030204" pitchFamily="49" charset="0"/>
               </a:rPr>
-              <a:t>umpy.array</a:t>
+              <a:t>umpy</a:t>
+            </a:r>
+            <a:r>
+              <a:rPr lang="en-US" altLang="ko-KR" sz="1600" b="0" i="0" dirty="0" err="1">
+                <a:effectLst/>
+                <a:latin typeface="Ubuntu Mono derivative Powerlin" panose="020B0509030602030204" pitchFamily="49" charset="0"/>
+              </a:rPr>
+              <a:t>.</a:t>
+            </a:r>
+            <a:r>
+              <a:rPr lang="en-US" altLang="ko-KR" sz="1600" b="0" i="0" dirty="0" err="1">
+                <a:solidFill>
+                  <a:srgbClr val="0000FF"/>
+                </a:solidFill>
+                <a:effectLst/>
+                <a:latin typeface="Ubuntu Mono derivative Powerlin" panose="020B0509030602030204" pitchFamily="49" charset="0"/>
+              </a:rPr>
+              <a:t>array</a:t>
             </a:r>
             <a:r>
               <a:rPr lang="en-US" altLang="ko-KR" sz="1600" b="0" i="0" dirty="0">
@@ -10043,7 +10060,17 @@
                 <a:effectLst/>
                 <a:latin typeface="Ubuntu Mono derivative Powerlin" panose="020B0509030602030204" pitchFamily="49" charset="0"/>
               </a:rPr>
-              <a:t> as</a:t>
+              <a:t> </a:t>
+            </a:r>
+            <a:r>
+              <a:rPr lang="en-US" altLang="ko-KR" sz="1600" b="0" i="0" dirty="0">
+                <a:solidFill>
+                  <a:srgbClr val="CC9B00"/>
+                </a:solidFill>
+                <a:effectLst/>
+                <a:latin typeface="Ubuntu Mono derivative Powerlin" panose="020B0509030602030204" pitchFamily="49" charset="0"/>
+              </a:rPr>
+              <a:t>as</a:t>
             </a:r>
             <a:r>
               <a:rPr lang="ko-KR" altLang="en-US" sz="1600" b="0" i="0" dirty="0">
@@ -10225,6 +10252,36 @@
       </p:grpSpPr>
       <p:sp>
         <p:nvSpPr>
+          <p:cNvPr id="2" name="제목 1"/>
+          <p:cNvSpPr>
+            <a:spLocks noGrp="1"/>
+          </p:cNvSpPr>
+          <p:nvPr>
+            <p:ph type="title"/>
+          </p:nvPr>
+        </p:nvSpPr>
+        <p:spPr/>
+        <p:txBody>
+          <a:bodyPr/>
+          <a:lstStyle/>
+          <a:p>
+            <a:r>
+              <a:rPr lang="en-US" altLang="ko-KR" dirty="0"/>
+              <a:t>3.1 </a:t>
+            </a:r>
+            <a:r>
+              <a:rPr lang="ko-KR" altLang="en-US" dirty="0" err="1"/>
+              <a:t>파이썬의</a:t>
+            </a:r>
+            <a:r>
+              <a:rPr lang="ko-KR" altLang="en-US" dirty="0"/>
+              <a:t> 자료구조</a:t>
+            </a:r>
+          </a:p>
+        </p:txBody>
+      </p:sp>
+      <p:sp>
+        <p:nvSpPr>
           <p:cNvPr id="3" name="내용 개체 틀 2"/>
           <p:cNvSpPr>
             <a:spLocks noGrp="1"/>
@@ -10233,12 +10290,7 @@
             <p:ph idx="1"/>
           </p:nvPr>
         </p:nvSpPr>
-        <p:spPr>
-          <a:xfrm>
-            <a:off x="685800" y="1201000"/>
-            <a:ext cx="8229600" cy="4127500"/>
-          </a:xfrm>
-        </p:spPr>
+        <p:spPr/>
         <p:txBody>
           <a:bodyPr>
             <a:normAutofit/>
@@ -10255,277 +10307,515 @@
             </a:r>
             <a:endParaRPr lang="en-US" altLang="ko-KR" dirty="0"/>
           </a:p>
-        </p:txBody>
-      </p:sp>
-      <p:sp>
-        <p:nvSpPr>
-          <p:cNvPr id="5" name="내용 개체 틀 8">
+          <a:p>
+            <a:pPr lvl="1"/>
+            <a:r>
+              <a:rPr lang="ko-KR" altLang="en-US" dirty="0"/>
+              <a:t>행렬 원소로 </a:t>
+            </a:r>
+            <a:r>
+              <a:rPr lang="ko-KR" altLang="en-US" dirty="0" err="1"/>
+              <a:t>지정값</a:t>
+            </a:r>
+            <a:r>
+              <a:rPr lang="ko-KR" altLang="en-US" dirty="0"/>
+              <a:t> 생성하기</a:t>
+            </a:r>
+            <a:endParaRPr lang="en-US" altLang="ko-KR" dirty="0"/>
+          </a:p>
+        </p:txBody>
+      </p:sp>
+      <p:sp>
+        <p:nvSpPr>
+          <p:cNvPr id="4" name="직사각형 3">
             <a:extLst>
               <a:ext uri="{FF2B5EF4-FFF2-40B4-BE49-F238E27FC236}">
-                <a16:creationId xmlns:a16="http://schemas.microsoft.com/office/drawing/2014/main" id="{A919FA0F-0890-3EFC-CAAF-65D067DAA112}"/>
+                <a16:creationId xmlns:a16="http://schemas.microsoft.com/office/drawing/2014/main" id="{64FCAE03-D95D-374F-6DE9-F428C178B308}"/>
               </a:ext>
             </a:extLst>
           </p:cNvPr>
-          <p:cNvSpPr txBox="1">
-            <a:spLocks/>
-          </p:cNvSpPr>
+          <p:cNvSpPr/>
           <p:nvPr/>
         </p:nvSpPr>
         <p:spPr>
           <a:xfrm>
-            <a:off x="611560" y="1633364"/>
-            <a:ext cx="8303840" cy="3528392"/>
+            <a:off x="1043608" y="2019424"/>
+            <a:ext cx="4464496" cy="3046988"/>
           </a:xfrm>
           <a:prstGeom prst="rect">
             <a:avLst/>
           </a:prstGeom>
         </p:spPr>
         <p:txBody>
-          <a:bodyPr/>
-          <a:lstStyle>
-            <a:lvl1pPr marL="285739" indent="-285739" algn="l" rtl="0" eaLnBrk="1" fontAlgn="base" latinLnBrk="1" hangingPunct="1">
-              <a:spcBef>
-                <a:spcPct val="20000"/>
-              </a:spcBef>
-              <a:spcAft>
-                <a:spcPct val="0"/>
-              </a:spcAft>
-              <a:buClr>
-                <a:srgbClr val="0000FF"/>
-              </a:buClr>
-              <a:buSzPct val="90000"/>
-              <a:buFont typeface="Wingdings" pitchFamily="2" charset="2"/>
-              <a:buChar char="n"/>
-              <a:defRPr kumimoji="1" sz="2333" b="1">
-                <a:solidFill>
-                  <a:schemeClr val="tx1"/>
-                </a:solidFill>
-                <a:latin typeface="+mn-lt"/>
-                <a:ea typeface="맑은 고딕" pitchFamily="50" charset="-127"/>
-                <a:cs typeface="+mn-cs"/>
-              </a:defRPr>
-            </a:lvl1pPr>
-            <a:lvl2pPr marL="619100" indent="-238115" algn="l" rtl="0" eaLnBrk="1" fontAlgn="base" latinLnBrk="1" hangingPunct="1">
-              <a:spcBef>
-                <a:spcPct val="20000"/>
-              </a:spcBef>
-              <a:spcAft>
-                <a:spcPct val="0"/>
-              </a:spcAft>
-              <a:buClr>
-                <a:schemeClr val="hlink"/>
-              </a:buClr>
-              <a:buSzPct val="75000"/>
-              <a:buFont typeface="Wingdings" pitchFamily="2" charset="2"/>
-              <a:buChar char="u"/>
-              <a:defRPr kumimoji="1" sz="2167" b="1">
-                <a:solidFill>
-                  <a:schemeClr val="tx1"/>
-                </a:solidFill>
-                <a:latin typeface="+mn-lt"/>
-                <a:ea typeface="맑은 고딕" pitchFamily="50" charset="-127"/>
-              </a:defRPr>
-            </a:lvl2pPr>
-            <a:lvl3pPr marL="952462" indent="-190492" algn="l" rtl="0" eaLnBrk="1" fontAlgn="base" latinLnBrk="1" hangingPunct="1">
-              <a:spcBef>
-                <a:spcPct val="20000"/>
-              </a:spcBef>
-              <a:spcAft>
-                <a:spcPct val="0"/>
-              </a:spcAft>
-              <a:buClr>
-                <a:srgbClr val="3399FF"/>
-              </a:buClr>
-              <a:buSzPct val="55000"/>
-              <a:buFont typeface="Wingdings" pitchFamily="2" charset="2"/>
-              <a:buChar char="l"/>
-              <a:defRPr kumimoji="1" sz="2000" b="1">
-                <a:solidFill>
-                  <a:schemeClr val="tx1"/>
-                </a:solidFill>
-                <a:latin typeface="+mn-lt"/>
-                <a:ea typeface="맑은 고딕" pitchFamily="50" charset="-127"/>
-              </a:defRPr>
-            </a:lvl3pPr>
-            <a:lvl4pPr marL="1333447" indent="-190492" algn="l" rtl="0" eaLnBrk="1" fontAlgn="base" latinLnBrk="1" hangingPunct="1">
-              <a:spcBef>
-                <a:spcPct val="20000"/>
-              </a:spcBef>
-              <a:spcAft>
-                <a:spcPct val="0"/>
-              </a:spcAft>
-              <a:buClr>
-                <a:srgbClr val="009900"/>
-              </a:buClr>
-              <a:buFont typeface="Wingdings" pitchFamily="2" charset="2"/>
-              <a:buChar char="§"/>
-              <a:defRPr kumimoji="1" sz="1833" b="1">
-                <a:solidFill>
-                  <a:schemeClr val="tx1"/>
-                </a:solidFill>
-                <a:latin typeface="+mn-lt"/>
-                <a:ea typeface="맑은 고딕" pitchFamily="50" charset="-127"/>
-              </a:defRPr>
-            </a:lvl4pPr>
-            <a:lvl5pPr marL="1714431" indent="-190492" algn="l" rtl="0" eaLnBrk="1" fontAlgn="base" latinLnBrk="1" hangingPunct="1">
-              <a:spcBef>
-                <a:spcPct val="20000"/>
-              </a:spcBef>
-              <a:spcAft>
-                <a:spcPct val="0"/>
-              </a:spcAft>
-              <a:buClr>
-                <a:schemeClr val="tx1"/>
-              </a:buClr>
-              <a:buFont typeface="Wingdings" pitchFamily="2" charset="2"/>
-              <a:buChar char="§"/>
-              <a:defRPr kumimoji="1" sz="1667" b="1">
-                <a:solidFill>
-                  <a:schemeClr val="tx1"/>
-                </a:solidFill>
-                <a:latin typeface="+mn-lt"/>
-                <a:ea typeface="맑은 고딕" pitchFamily="50" charset="-127"/>
-              </a:defRPr>
-            </a:lvl5pPr>
-            <a:lvl6pPr marL="2095416" indent="-190492" algn="l" rtl="0" eaLnBrk="1" fontAlgn="base" latinLnBrk="1" hangingPunct="1">
-              <a:spcBef>
-                <a:spcPct val="20000"/>
-              </a:spcBef>
-              <a:spcAft>
-                <a:spcPct val="0"/>
-              </a:spcAft>
-              <a:buClr>
-                <a:schemeClr val="tx1"/>
-              </a:buClr>
-              <a:buFont typeface="Wingdings" pitchFamily="2" charset="2"/>
-              <a:buChar char="§"/>
-              <a:defRPr kumimoji="1" sz="1667" b="1">
-                <a:solidFill>
-                  <a:schemeClr val="tx1"/>
-                </a:solidFill>
-                <a:latin typeface="+mn-lt"/>
-                <a:ea typeface="+mn-ea"/>
-              </a:defRPr>
-            </a:lvl6pPr>
-            <a:lvl7pPr marL="2476401" indent="-190492" algn="l" rtl="0" eaLnBrk="1" fontAlgn="base" latinLnBrk="1" hangingPunct="1">
-              <a:spcBef>
-                <a:spcPct val="20000"/>
-              </a:spcBef>
-              <a:spcAft>
-                <a:spcPct val="0"/>
-              </a:spcAft>
-              <a:buClr>
-                <a:schemeClr val="tx1"/>
-              </a:buClr>
-              <a:buFont typeface="Wingdings" pitchFamily="2" charset="2"/>
-              <a:buChar char="§"/>
-              <a:defRPr kumimoji="1" sz="1667" b="1">
-                <a:solidFill>
-                  <a:schemeClr val="tx1"/>
-                </a:solidFill>
-                <a:latin typeface="+mn-lt"/>
-                <a:ea typeface="+mn-ea"/>
-              </a:defRPr>
-            </a:lvl7pPr>
-            <a:lvl8pPr marL="2857386" indent="-190492" algn="l" rtl="0" eaLnBrk="1" fontAlgn="base" latinLnBrk="1" hangingPunct="1">
-              <a:spcBef>
-                <a:spcPct val="20000"/>
-              </a:spcBef>
-              <a:spcAft>
-                <a:spcPct val="0"/>
-              </a:spcAft>
-              <a:buClr>
-                <a:schemeClr val="tx1"/>
-              </a:buClr>
-              <a:buFont typeface="Wingdings" pitchFamily="2" charset="2"/>
-              <a:buChar char="§"/>
-              <a:defRPr kumimoji="1" sz="1667" b="1">
-                <a:solidFill>
-                  <a:schemeClr val="tx1"/>
-                </a:solidFill>
-                <a:latin typeface="+mn-lt"/>
-                <a:ea typeface="+mn-ea"/>
-              </a:defRPr>
-            </a:lvl8pPr>
-            <a:lvl9pPr marL="3238370" indent="-190492" algn="l" rtl="0" eaLnBrk="1" fontAlgn="base" latinLnBrk="1" hangingPunct="1">
-              <a:spcBef>
-                <a:spcPct val="20000"/>
-              </a:spcBef>
-              <a:spcAft>
-                <a:spcPct val="0"/>
-              </a:spcAft>
-              <a:buClr>
-                <a:schemeClr val="tx1"/>
-              </a:buClr>
-              <a:buFont typeface="Wingdings" pitchFamily="2" charset="2"/>
-              <a:buChar char="§"/>
-              <a:defRPr kumimoji="1" sz="1667" b="1">
-                <a:solidFill>
-                  <a:schemeClr val="tx1"/>
-                </a:solidFill>
-                <a:latin typeface="+mn-lt"/>
-                <a:ea typeface="+mn-ea"/>
-              </a:defRPr>
-            </a:lvl9pPr>
-          </a:lstStyle>
-          <a:p>
-            <a:pPr lvl="1"/>
-            <a:r>
-              <a:rPr lang="en-US" altLang="ko-KR" kern="0" dirty="0" err="1"/>
-              <a:t>Numpy</a:t>
-            </a:r>
-            <a:r>
-              <a:rPr lang="en-US" altLang="ko-KR" kern="0" dirty="0"/>
+          <a:bodyPr wrap="square">
+            <a:spAutoFit/>
+          </a:bodyPr>
+          <a:lstStyle/>
+          <a:p>
+            <a:r>
+              <a:rPr lang="en-US" altLang="ko-KR" sz="1600" b="0" dirty="0">
+                <a:solidFill>
+                  <a:srgbClr val="00B050"/>
+                </a:solidFill>
+                <a:effectLst/>
+                <a:latin typeface="ubuntu mono derivative powerline" panose="020B0509030602030204" pitchFamily="49" charset="0"/>
+              </a:rPr>
+              <a:t># example1</a:t>
+            </a:r>
+          </a:p>
+          <a:p>
+            <a:r>
+              <a:rPr lang="en-US" altLang="ko-KR" sz="1600" b="0" dirty="0">
+                <a:solidFill>
+                  <a:srgbClr val="CC9B00"/>
+                </a:solidFill>
+                <a:effectLst/>
+                <a:latin typeface="ubuntu mono derivative powerline" panose="020B0509030602030204" pitchFamily="49" charset="0"/>
+              </a:rPr>
+              <a:t>import</a:t>
+            </a:r>
+            <a:r>
+              <a:rPr lang="en-US" altLang="ko-KR" sz="1600" b="0" dirty="0">
+                <a:solidFill>
+                  <a:srgbClr val="D4D4D4"/>
+                </a:solidFill>
+                <a:effectLst/>
+                <a:latin typeface="ubuntu mono derivative powerline" panose="020B0509030602030204" pitchFamily="49" charset="0"/>
+              </a:rPr>
               <a:t> </a:t>
             </a:r>
             <a:r>
-              <a:rPr lang="ko-KR" altLang="en-US" kern="0" dirty="0"/>
-              <a:t>실습</a:t>
-            </a:r>
-            <a:endParaRPr lang="en-US" altLang="ko-KR" kern="0" dirty="0"/>
-          </a:p>
-          <a:p>
-            <a:pPr lvl="2"/>
-            <a:endParaRPr lang="en-US" altLang="ko-KR" kern="0" dirty="0"/>
-          </a:p>
-        </p:txBody>
-      </p:sp>
-      <p:sp>
-        <p:nvSpPr>
-          <p:cNvPr id="2" name="제목 1"/>
-          <p:cNvSpPr>
-            <a:spLocks noGrp="1"/>
-          </p:cNvSpPr>
-          <p:nvPr>
-            <p:ph type="title"/>
-          </p:nvPr>
-        </p:nvSpPr>
-        <p:spPr/>
-        <p:txBody>
-          <a:bodyPr/>
-          <a:lstStyle/>
-          <a:p>
-            <a:r>
-              <a:rPr lang="en-US" altLang="ko-KR" dirty="0"/>
-              <a:t>3.1 </a:t>
-            </a:r>
-            <a:r>
-              <a:rPr lang="ko-KR" altLang="en-US" dirty="0" err="1"/>
-              <a:t>파이썬의</a:t>
-            </a:r>
-            <a:r>
-              <a:rPr lang="ko-KR" altLang="en-US" dirty="0"/>
-              <a:t> 자료구조</a:t>
-            </a:r>
-          </a:p>
-        </p:txBody>
-      </p:sp>
-      <p:sp>
-        <p:nvSpPr>
-          <p:cNvPr id="7" name="직사각형 6">
+              <a:rPr lang="en-US" altLang="ko-KR" sz="1600" b="0" dirty="0" err="1">
+                <a:solidFill>
+                  <a:srgbClr val="7030A0"/>
+                </a:solidFill>
+                <a:effectLst/>
+                <a:latin typeface="ubuntu mono derivative powerline" panose="020B0509030602030204" pitchFamily="49" charset="0"/>
+              </a:rPr>
+              <a:t>numpy</a:t>
+            </a:r>
+            <a:r>
+              <a:rPr lang="en-US" altLang="ko-KR" sz="1600" b="0" dirty="0">
+                <a:solidFill>
+                  <a:srgbClr val="D4D4D4"/>
+                </a:solidFill>
+                <a:effectLst/>
+                <a:latin typeface="ubuntu mono derivative powerline" panose="020B0509030602030204" pitchFamily="49" charset="0"/>
+              </a:rPr>
+              <a:t> </a:t>
+            </a:r>
+            <a:r>
+              <a:rPr lang="en-US" altLang="ko-KR" sz="1600" b="0" dirty="0">
+                <a:solidFill>
+                  <a:srgbClr val="CC9B00"/>
+                </a:solidFill>
+                <a:effectLst/>
+                <a:latin typeface="ubuntu mono derivative powerline" panose="020B0509030602030204" pitchFamily="49" charset="0"/>
+              </a:rPr>
+              <a:t>as</a:t>
+            </a:r>
+            <a:r>
+              <a:rPr lang="en-US" altLang="ko-KR" sz="1600" b="0" dirty="0">
+                <a:solidFill>
+                  <a:srgbClr val="D4D4D4"/>
+                </a:solidFill>
+                <a:effectLst/>
+                <a:latin typeface="ubuntu mono derivative powerline" panose="020B0509030602030204" pitchFamily="49" charset="0"/>
+              </a:rPr>
+              <a:t> </a:t>
+            </a:r>
+            <a:r>
+              <a:rPr lang="en-US" altLang="ko-KR" sz="1600" b="0" dirty="0">
+                <a:solidFill>
+                  <a:srgbClr val="7030A0"/>
+                </a:solidFill>
+                <a:effectLst/>
+                <a:latin typeface="ubuntu mono derivative powerline" panose="020B0509030602030204" pitchFamily="49" charset="0"/>
+              </a:rPr>
+              <a:t>np</a:t>
+            </a:r>
+          </a:p>
+          <a:p>
+            <a:br>
+              <a:rPr lang="en-US" altLang="ko-KR" sz="1600" b="0" dirty="0">
+                <a:solidFill>
+                  <a:srgbClr val="D4D4D4"/>
+                </a:solidFill>
+                <a:effectLst/>
+                <a:latin typeface="ubuntu mono derivative powerline" panose="020B0509030602030204" pitchFamily="49" charset="0"/>
+              </a:rPr>
+            </a:br>
+            <a:r>
+              <a:rPr lang="en-US" altLang="ko-KR" sz="1600" b="0" dirty="0">
+                <a:effectLst/>
+                <a:latin typeface="ubuntu mono derivative powerline" panose="020B0509030602030204" pitchFamily="49" charset="0"/>
+              </a:rPr>
+              <a:t>zeros = </a:t>
+            </a:r>
+            <a:r>
+              <a:rPr lang="en-US" altLang="ko-KR" sz="1600" b="0" dirty="0" err="1">
+                <a:solidFill>
+                  <a:srgbClr val="7030A0"/>
+                </a:solidFill>
+                <a:effectLst/>
+                <a:latin typeface="ubuntu mono derivative powerline" panose="020B0509030602030204" pitchFamily="49" charset="0"/>
+              </a:rPr>
+              <a:t>np</a:t>
+            </a:r>
+            <a:r>
+              <a:rPr lang="en-US" altLang="ko-KR" sz="1600" b="0" dirty="0" err="1">
+                <a:effectLst/>
+                <a:latin typeface="ubuntu mono derivative powerline" panose="020B0509030602030204" pitchFamily="49" charset="0"/>
+              </a:rPr>
+              <a:t>.</a:t>
+            </a:r>
+            <a:r>
+              <a:rPr lang="en-US" altLang="ko-KR" sz="1600" b="0" dirty="0" err="1">
+                <a:solidFill>
+                  <a:srgbClr val="0000FF"/>
+                </a:solidFill>
+                <a:effectLst/>
+                <a:latin typeface="ubuntu mono derivative powerline" panose="020B0509030602030204" pitchFamily="49" charset="0"/>
+              </a:rPr>
+              <a:t>zeros</a:t>
+            </a:r>
+            <a:r>
+              <a:rPr lang="en-US" altLang="ko-KR" sz="1600" b="0" dirty="0">
+                <a:effectLst/>
+                <a:latin typeface="ubuntu mono derivative powerline" panose="020B0509030602030204" pitchFamily="49" charset="0"/>
+              </a:rPr>
+              <a:t>((2, 5), </a:t>
+            </a:r>
+            <a:r>
+              <a:rPr lang="en-US" altLang="ko-KR" sz="1600" b="0" dirty="0">
+                <a:solidFill>
+                  <a:srgbClr val="7030A0"/>
+                </a:solidFill>
+                <a:effectLst/>
+                <a:latin typeface="ubuntu mono derivative powerline" panose="020B0509030602030204" pitchFamily="49" charset="0"/>
+              </a:rPr>
+              <a:t>np</a:t>
+            </a:r>
+            <a:r>
+              <a:rPr lang="en-US" altLang="ko-KR" sz="1600" b="0" dirty="0">
+                <a:effectLst/>
+                <a:latin typeface="ubuntu mono derivative powerline" panose="020B0509030602030204" pitchFamily="49" charset="0"/>
+              </a:rPr>
+              <a:t>.int32)</a:t>
+            </a:r>
+          </a:p>
+          <a:p>
+            <a:r>
+              <a:rPr lang="en-US" altLang="ko-KR" sz="1600" b="0" dirty="0">
+                <a:effectLst/>
+                <a:latin typeface="ubuntu mono derivative powerline" panose="020B0509030602030204" pitchFamily="49" charset="0"/>
+              </a:rPr>
+              <a:t>ones = </a:t>
+            </a:r>
+            <a:r>
+              <a:rPr lang="en-US" altLang="ko-KR" sz="1600" b="0" dirty="0" err="1">
+                <a:solidFill>
+                  <a:srgbClr val="7030A0"/>
+                </a:solidFill>
+                <a:effectLst/>
+                <a:latin typeface="ubuntu mono derivative powerline" panose="020B0509030602030204" pitchFamily="49" charset="0"/>
+              </a:rPr>
+              <a:t>np</a:t>
+            </a:r>
+            <a:r>
+              <a:rPr lang="en-US" altLang="ko-KR" sz="1600" b="0" dirty="0" err="1">
+                <a:effectLst/>
+                <a:latin typeface="ubuntu mono derivative powerline" panose="020B0509030602030204" pitchFamily="49" charset="0"/>
+              </a:rPr>
+              <a:t>.</a:t>
+            </a:r>
+            <a:r>
+              <a:rPr lang="en-US" altLang="ko-KR" sz="1600" b="0" dirty="0" err="1">
+                <a:solidFill>
+                  <a:srgbClr val="0000FF"/>
+                </a:solidFill>
+                <a:effectLst/>
+                <a:latin typeface="ubuntu mono derivative powerline" panose="020B0509030602030204" pitchFamily="49" charset="0"/>
+              </a:rPr>
+              <a:t>ones</a:t>
+            </a:r>
+            <a:r>
+              <a:rPr lang="en-US" altLang="ko-KR" sz="1600" b="0" dirty="0">
+                <a:effectLst/>
+                <a:latin typeface="ubuntu mono derivative powerline" panose="020B0509030602030204" pitchFamily="49" charset="0"/>
+              </a:rPr>
+              <a:t>((3, 1), </a:t>
+            </a:r>
+            <a:r>
+              <a:rPr lang="en-US" altLang="ko-KR" sz="1600" b="0" dirty="0">
+                <a:solidFill>
+                  <a:srgbClr val="7030A0"/>
+                </a:solidFill>
+                <a:effectLst/>
+                <a:latin typeface="ubuntu mono derivative powerline" panose="020B0509030602030204" pitchFamily="49" charset="0"/>
+              </a:rPr>
+              <a:t>np</a:t>
+            </a:r>
+            <a:r>
+              <a:rPr lang="en-US" altLang="ko-KR" sz="1600" b="0" dirty="0">
+                <a:effectLst/>
+                <a:latin typeface="ubuntu mono derivative powerline" panose="020B0509030602030204" pitchFamily="49" charset="0"/>
+              </a:rPr>
+              <a:t>.uint8)</a:t>
+            </a:r>
+          </a:p>
+          <a:p>
+            <a:r>
+              <a:rPr lang="en-US" altLang="ko-KR" sz="1600" b="0" dirty="0" err="1">
+                <a:effectLst/>
+                <a:latin typeface="ubuntu mono derivative powerline" panose="020B0509030602030204" pitchFamily="49" charset="0"/>
+              </a:rPr>
+              <a:t>emptys</a:t>
+            </a:r>
+            <a:r>
+              <a:rPr lang="en-US" altLang="ko-KR" sz="1600" b="0" dirty="0">
+                <a:effectLst/>
+                <a:latin typeface="ubuntu mono derivative powerline" panose="020B0509030602030204" pitchFamily="49" charset="0"/>
+              </a:rPr>
+              <a:t> = </a:t>
+            </a:r>
+            <a:r>
+              <a:rPr lang="en-US" altLang="ko-KR" sz="1600" b="0" dirty="0" err="1">
+                <a:solidFill>
+                  <a:srgbClr val="7030A0"/>
+                </a:solidFill>
+                <a:effectLst/>
+                <a:latin typeface="ubuntu mono derivative powerline" panose="020B0509030602030204" pitchFamily="49" charset="0"/>
+              </a:rPr>
+              <a:t>np</a:t>
+            </a:r>
+            <a:r>
+              <a:rPr lang="en-US" altLang="ko-KR" sz="1600" b="0" dirty="0" err="1">
+                <a:effectLst/>
+                <a:latin typeface="ubuntu mono derivative powerline" panose="020B0509030602030204" pitchFamily="49" charset="0"/>
+              </a:rPr>
+              <a:t>.</a:t>
+            </a:r>
+            <a:r>
+              <a:rPr lang="en-US" altLang="ko-KR" sz="1600" b="0" dirty="0" err="1">
+                <a:solidFill>
+                  <a:srgbClr val="0000FF"/>
+                </a:solidFill>
+                <a:effectLst/>
+                <a:latin typeface="ubuntu mono derivative powerline" panose="020B0509030602030204" pitchFamily="49" charset="0"/>
+              </a:rPr>
+              <a:t>empty</a:t>
+            </a:r>
+            <a:r>
+              <a:rPr lang="en-US" altLang="ko-KR" sz="1600" b="0" dirty="0">
+                <a:effectLst/>
+                <a:latin typeface="ubuntu mono derivative powerline" panose="020B0509030602030204" pitchFamily="49" charset="0"/>
+              </a:rPr>
+              <a:t>((1, 5), </a:t>
+            </a:r>
+            <a:r>
+              <a:rPr lang="en-US" altLang="ko-KR" sz="1600" b="0" dirty="0">
+                <a:solidFill>
+                  <a:srgbClr val="7030A0"/>
+                </a:solidFill>
+                <a:effectLst/>
+                <a:latin typeface="ubuntu mono derivative powerline" panose="020B0509030602030204" pitchFamily="49" charset="0"/>
+              </a:rPr>
+              <a:t>np</a:t>
+            </a:r>
+            <a:r>
+              <a:rPr lang="en-US" altLang="ko-KR" sz="1600" b="0" dirty="0">
+                <a:effectLst/>
+                <a:latin typeface="ubuntu mono derivative powerline" panose="020B0509030602030204" pitchFamily="49" charset="0"/>
+              </a:rPr>
+              <a:t>.float64)</a:t>
+            </a:r>
+          </a:p>
+          <a:p>
+            <a:r>
+              <a:rPr lang="en-US" altLang="ko-KR" sz="1600" b="0" dirty="0" err="1">
+                <a:effectLst/>
+                <a:latin typeface="ubuntu mono derivative powerline" panose="020B0509030602030204" pitchFamily="49" charset="0"/>
+              </a:rPr>
+              <a:t>fulls</a:t>
+            </a:r>
+            <a:r>
+              <a:rPr lang="en-US" altLang="ko-KR" sz="1600" b="0" dirty="0">
+                <a:effectLst/>
+                <a:latin typeface="ubuntu mono derivative powerline" panose="020B0509030602030204" pitchFamily="49" charset="0"/>
+              </a:rPr>
+              <a:t> = </a:t>
+            </a:r>
+            <a:r>
+              <a:rPr lang="en-US" altLang="ko-KR" sz="1600" b="0" dirty="0" err="1">
+                <a:solidFill>
+                  <a:srgbClr val="7030A0"/>
+                </a:solidFill>
+                <a:effectLst/>
+                <a:latin typeface="ubuntu mono derivative powerline" panose="020B0509030602030204" pitchFamily="49" charset="0"/>
+              </a:rPr>
+              <a:t>np</a:t>
+            </a:r>
+            <a:r>
+              <a:rPr lang="en-US" altLang="ko-KR" sz="1600" b="0" dirty="0" err="1">
+                <a:effectLst/>
+                <a:latin typeface="ubuntu mono derivative powerline" panose="020B0509030602030204" pitchFamily="49" charset="0"/>
+              </a:rPr>
+              <a:t>.</a:t>
+            </a:r>
+            <a:r>
+              <a:rPr lang="en-US" altLang="ko-KR" sz="1600" b="0" dirty="0" err="1">
+                <a:solidFill>
+                  <a:srgbClr val="0000FF"/>
+                </a:solidFill>
+                <a:effectLst/>
+                <a:latin typeface="ubuntu mono derivative powerline" panose="020B0509030602030204" pitchFamily="49" charset="0"/>
+              </a:rPr>
+              <a:t>full</a:t>
+            </a:r>
+            <a:r>
+              <a:rPr lang="en-US" altLang="ko-KR" sz="1600" b="0" dirty="0">
+                <a:effectLst/>
+                <a:latin typeface="ubuntu mono derivative powerline" panose="020B0509030602030204" pitchFamily="49" charset="0"/>
+              </a:rPr>
+              <a:t>(5, 15, </a:t>
+            </a:r>
+            <a:r>
+              <a:rPr lang="en-US" altLang="ko-KR" sz="1600" b="0" dirty="0">
+                <a:solidFill>
+                  <a:srgbClr val="7030A0"/>
+                </a:solidFill>
+                <a:effectLst/>
+                <a:latin typeface="ubuntu mono derivative powerline" panose="020B0509030602030204" pitchFamily="49" charset="0"/>
+              </a:rPr>
+              <a:t>np</a:t>
+            </a:r>
+            <a:r>
+              <a:rPr lang="en-US" altLang="ko-KR" sz="1600" b="0" dirty="0">
+                <a:effectLst/>
+                <a:latin typeface="ubuntu mono derivative powerline" panose="020B0509030602030204" pitchFamily="49" charset="0"/>
+              </a:rPr>
+              <a:t>.float32)</a:t>
+            </a:r>
+          </a:p>
+          <a:p>
+            <a:br>
+              <a:rPr lang="en-US" altLang="ko-KR" sz="1600" b="0" dirty="0">
+                <a:effectLst/>
+                <a:latin typeface="ubuntu mono derivative powerline" panose="020B0509030602030204" pitchFamily="49" charset="0"/>
+              </a:rPr>
+            </a:br>
+            <a:r>
+              <a:rPr lang="en-US" altLang="ko-KR" sz="1600" b="0" dirty="0">
+                <a:solidFill>
+                  <a:srgbClr val="0000FF"/>
+                </a:solidFill>
+                <a:effectLst/>
+                <a:latin typeface="ubuntu mono derivative powerline" panose="020B0509030602030204" pitchFamily="49" charset="0"/>
+              </a:rPr>
+              <a:t>print</a:t>
+            </a:r>
+            <a:r>
+              <a:rPr lang="en-US" altLang="ko-KR" sz="1600" b="0" dirty="0">
+                <a:effectLst/>
+                <a:latin typeface="ubuntu mono derivative powerline" panose="020B0509030602030204" pitchFamily="49" charset="0"/>
+              </a:rPr>
+              <a:t>(zeros)</a:t>
+            </a:r>
+          </a:p>
+          <a:p>
+            <a:r>
+              <a:rPr lang="en-US" altLang="ko-KR" sz="1600" b="0" dirty="0">
+                <a:solidFill>
+                  <a:srgbClr val="0000FF"/>
+                </a:solidFill>
+                <a:effectLst/>
+                <a:latin typeface="ubuntu mono derivative powerline" panose="020B0509030602030204" pitchFamily="49" charset="0"/>
+              </a:rPr>
+              <a:t>print</a:t>
+            </a:r>
+            <a:r>
+              <a:rPr lang="en-US" altLang="ko-KR" sz="1600" b="0" dirty="0">
+                <a:effectLst/>
+                <a:latin typeface="ubuntu mono derivative powerline" panose="020B0509030602030204" pitchFamily="49" charset="0"/>
+              </a:rPr>
+              <a:t>(ones)</a:t>
+            </a:r>
+          </a:p>
+          <a:p>
+            <a:r>
+              <a:rPr lang="en-US" altLang="ko-KR" sz="1600" b="0" dirty="0">
+                <a:solidFill>
+                  <a:srgbClr val="0000FF"/>
+                </a:solidFill>
+                <a:effectLst/>
+                <a:latin typeface="ubuntu mono derivative powerline" panose="020B0509030602030204" pitchFamily="49" charset="0"/>
+              </a:rPr>
+              <a:t>print</a:t>
+            </a:r>
+            <a:r>
+              <a:rPr lang="en-US" altLang="ko-KR" sz="1600" b="0" dirty="0">
+                <a:effectLst/>
+                <a:latin typeface="ubuntu mono derivative powerline" panose="020B0509030602030204" pitchFamily="49" charset="0"/>
+              </a:rPr>
+              <a:t>(</a:t>
+            </a:r>
+            <a:r>
+              <a:rPr lang="en-US" altLang="ko-KR" sz="1600" b="0" dirty="0" err="1">
+                <a:effectLst/>
+                <a:latin typeface="ubuntu mono derivative powerline" panose="020B0509030602030204" pitchFamily="49" charset="0"/>
+              </a:rPr>
+              <a:t>emptys</a:t>
+            </a:r>
+            <a:r>
+              <a:rPr lang="en-US" altLang="ko-KR" sz="1600" b="0" dirty="0">
+                <a:effectLst/>
+                <a:latin typeface="ubuntu mono derivative powerline" panose="020B0509030602030204" pitchFamily="49" charset="0"/>
+              </a:rPr>
+              <a:t>)</a:t>
+            </a:r>
+          </a:p>
+          <a:p>
+            <a:r>
+              <a:rPr lang="en-US" altLang="ko-KR" sz="1600" b="0" dirty="0">
+                <a:solidFill>
+                  <a:srgbClr val="0000FF"/>
+                </a:solidFill>
+                <a:effectLst/>
+                <a:latin typeface="ubuntu mono derivative powerline" panose="020B0509030602030204" pitchFamily="49" charset="0"/>
+              </a:rPr>
+              <a:t>print</a:t>
+            </a:r>
+            <a:r>
+              <a:rPr lang="en-US" altLang="ko-KR" sz="1600" b="0" dirty="0">
+                <a:effectLst/>
+                <a:latin typeface="ubuntu mono derivative powerline" panose="020B0509030602030204" pitchFamily="49" charset="0"/>
+              </a:rPr>
+              <a:t>(</a:t>
+            </a:r>
+            <a:r>
+              <a:rPr lang="en-US" altLang="ko-KR" sz="1600" b="0" dirty="0" err="1">
+                <a:effectLst/>
+                <a:latin typeface="ubuntu mono derivative powerline" panose="020B0509030602030204" pitchFamily="49" charset="0"/>
+              </a:rPr>
+              <a:t>fulls</a:t>
+            </a:r>
+            <a:r>
+              <a:rPr lang="en-US" altLang="ko-KR" sz="1600" b="0" dirty="0">
+                <a:effectLst/>
+                <a:latin typeface="ubuntu mono derivative powerline" panose="020B0509030602030204" pitchFamily="49" charset="0"/>
+              </a:rPr>
+              <a:t>)</a:t>
+            </a:r>
+          </a:p>
+        </p:txBody>
+      </p:sp>
+      <p:sp>
+        <p:nvSpPr>
+          <p:cNvPr id="6" name="직사각형 5">
             <a:extLst>
               <a:ext uri="{FF2B5EF4-FFF2-40B4-BE49-F238E27FC236}">
-                <a16:creationId xmlns:a16="http://schemas.microsoft.com/office/drawing/2014/main" id="{D6EA001E-8AB8-D89A-430E-0C58FB5DF8C6}"/>
+                <a16:creationId xmlns:a16="http://schemas.microsoft.com/office/drawing/2014/main" id="{A62822CF-77D4-5926-C371-F23D48C91D84}"/>
               </a:ext>
             </a:extLst>
           </p:cNvPr>
@@ -10534,8 +10824,8 @@
         </p:nvSpPr>
         <p:spPr>
           <a:xfrm>
-            <a:off x="1881833" y="2607848"/>
-            <a:ext cx="1754063" cy="584775"/>
+            <a:off x="4967568" y="2019424"/>
+            <a:ext cx="4068928" cy="1815882"/>
           </a:xfrm>
           <a:prstGeom prst="rect">
             <a:avLst/>
@@ -10547,62 +10837,281 @@
           </a:bodyPr>
           <a:lstStyle/>
           <a:p>
-            <a:r>
-              <a:rPr lang="en-US" altLang="ko-KR" sz="1600" b="0" dirty="0">
+            <a:endParaRPr lang="en-US" altLang="ko-KR" sz="1600" b="0" dirty="0">
+              <a:effectLst/>
+              <a:latin typeface="ubuntu mono derivative powerline" panose="020B0509030602030204" pitchFamily="49" charset="0"/>
+            </a:endParaRPr>
+          </a:p>
+          <a:p>
+            <a:endParaRPr lang="en-US" altLang="ko-KR" sz="1600" dirty="0">
+              <a:latin typeface="ubuntu mono derivative powerline" panose="020B0509030602030204" pitchFamily="49" charset="0"/>
+            </a:endParaRPr>
+          </a:p>
+          <a:p>
+            <a:endParaRPr lang="en-US" altLang="ko-KR" sz="1600" b="0" dirty="0">
+              <a:effectLst/>
+              <a:latin typeface="ubuntu mono derivative powerline" panose="020B0509030602030204" pitchFamily="49" charset="0"/>
+            </a:endParaRPr>
+          </a:p>
+          <a:p>
+            <a:r>
+              <a:rPr lang="en-US" altLang="ko-KR" sz="1600" dirty="0">
                 <a:solidFill>
                   <a:srgbClr val="00B050"/>
                 </a:solidFill>
-                <a:effectLst/>
-                <a:latin typeface="ubuntu mono derivative powerline" panose="020B0509030602030204" pitchFamily="49" charset="0"/>
-              </a:rPr>
-              <a:t># original</a:t>
+                <a:latin typeface="ubuntu mono derivative powerline" panose="020B0509030602030204" pitchFamily="49" charset="0"/>
+              </a:rPr>
+              <a:t># 0</a:t>
+            </a:r>
+            <a:r>
+              <a:rPr lang="ko-KR" altLang="en-US" sz="1600" dirty="0">
+                <a:solidFill>
+                  <a:srgbClr val="00B050"/>
+                </a:solidFill>
+                <a:latin typeface="ubuntu mono derivative powerline" panose="020B0509030602030204" pitchFamily="49" charset="0"/>
+              </a:rPr>
+              <a:t>으로 된 </a:t>
+            </a:r>
+            <a:r>
+              <a:rPr lang="en-US" altLang="ko-KR" sz="1600" dirty="0">
+                <a:solidFill>
+                  <a:srgbClr val="00B050"/>
+                </a:solidFill>
+                <a:latin typeface="ubuntu mono derivative powerline" panose="020B0509030602030204" pitchFamily="49" charset="0"/>
+              </a:rPr>
+              <a:t>2</a:t>
+            </a:r>
+            <a:r>
+              <a:rPr lang="ko-KR" altLang="en-US" sz="1600" dirty="0">
+                <a:solidFill>
+                  <a:srgbClr val="00B050"/>
+                </a:solidFill>
+                <a:latin typeface="ubuntu mono derivative powerline" panose="020B0509030602030204" pitchFamily="49" charset="0"/>
+              </a:rPr>
+              <a:t>행 </a:t>
+            </a:r>
+            <a:r>
+              <a:rPr lang="en-US" altLang="ko-KR" sz="1600" dirty="0">
+                <a:solidFill>
+                  <a:srgbClr val="00B050"/>
+                </a:solidFill>
+                <a:latin typeface="ubuntu mono derivative powerline" panose="020B0509030602030204" pitchFamily="49" charset="0"/>
+              </a:rPr>
+              <a:t>5</a:t>
+            </a:r>
+            <a:r>
+              <a:rPr lang="ko-KR" altLang="en-US" sz="1600" dirty="0">
+                <a:solidFill>
+                  <a:srgbClr val="00B050"/>
+                </a:solidFill>
+                <a:latin typeface="ubuntu mono derivative powerline" panose="020B0509030602030204" pitchFamily="49" charset="0"/>
+              </a:rPr>
+              <a:t>열 행렬 생성</a:t>
+            </a:r>
+            <a:endParaRPr lang="en-US" altLang="ko-KR" sz="1600" dirty="0">
+              <a:solidFill>
+                <a:srgbClr val="00B050"/>
+              </a:solidFill>
+              <a:latin typeface="ubuntu mono derivative powerline" panose="020B0509030602030204" pitchFamily="49" charset="0"/>
+            </a:endParaRPr>
+          </a:p>
+          <a:p>
+            <a:r>
+              <a:rPr lang="en-US" altLang="ko-KR" sz="1600" b="0" dirty="0">
+                <a:solidFill>
+                  <a:srgbClr val="00B050"/>
+                </a:solidFill>
+                <a:effectLst/>
+                <a:latin typeface="ubuntu mono derivative powerline" panose="020B0509030602030204" pitchFamily="49" charset="0"/>
+              </a:rPr>
+              <a:t># 1</a:t>
+            </a:r>
+            <a:r>
+              <a:rPr lang="ko-KR" altLang="en-US" sz="1600" b="0" dirty="0">
+                <a:solidFill>
+                  <a:srgbClr val="00B050"/>
+                </a:solidFill>
+                <a:effectLst/>
+                <a:latin typeface="ubuntu mono derivative powerline" panose="020B0509030602030204" pitchFamily="49" charset="0"/>
+              </a:rPr>
+              <a:t>로 된 </a:t>
+            </a:r>
+            <a:r>
+              <a:rPr lang="en-US" altLang="ko-KR" sz="1600" b="0" dirty="0">
+                <a:solidFill>
+                  <a:srgbClr val="00B050"/>
+                </a:solidFill>
+                <a:effectLst/>
+                <a:latin typeface="ubuntu mono derivative powerline" panose="020B0509030602030204" pitchFamily="49" charset="0"/>
+              </a:rPr>
+              <a:t>3</a:t>
+            </a:r>
+            <a:r>
+              <a:rPr lang="ko-KR" altLang="en-US" sz="1600" b="0" dirty="0">
+                <a:solidFill>
+                  <a:srgbClr val="00B050"/>
+                </a:solidFill>
+                <a:effectLst/>
+                <a:latin typeface="ubuntu mono derivative powerline" panose="020B0509030602030204" pitchFamily="49" charset="0"/>
+              </a:rPr>
+              <a:t>행 </a:t>
+            </a:r>
+            <a:r>
+              <a:rPr lang="en-US" altLang="ko-KR" sz="1600" b="0" dirty="0">
+                <a:solidFill>
+                  <a:srgbClr val="00B050"/>
+                </a:solidFill>
+                <a:effectLst/>
+                <a:latin typeface="ubuntu mono derivative powerline" panose="020B0509030602030204" pitchFamily="49" charset="0"/>
+              </a:rPr>
+              <a:t>1</a:t>
+            </a:r>
+            <a:r>
+              <a:rPr lang="ko-KR" altLang="en-US" sz="1600" b="0" dirty="0">
+                <a:solidFill>
+                  <a:srgbClr val="00B050"/>
+                </a:solidFill>
+                <a:effectLst/>
+                <a:latin typeface="ubuntu mono derivative powerline" panose="020B0509030602030204" pitchFamily="49" charset="0"/>
+              </a:rPr>
+              <a:t>열 행렬 생성</a:t>
             </a:r>
             <a:endParaRPr lang="en-US" altLang="ko-KR" sz="1600" b="0" dirty="0">
               <a:solidFill>
                 <a:srgbClr val="00B050"/>
               </a:solidFill>
               <a:effectLst/>
-              <a:latin typeface="Ubuntu Mono derivative Powerlin" panose="020B0509030602030204" pitchFamily="49" charset="0"/>
+              <a:latin typeface="ubuntu mono derivative powerline" panose="020B0509030602030204" pitchFamily="49" charset="0"/>
             </a:endParaRPr>
           </a:p>
           <a:p>
             <a:r>
-              <a:rPr lang="en-US" altLang="ko-KR" sz="1600" b="0" i="0" dirty="0">
-                <a:solidFill>
-                  <a:srgbClr val="CC9B00"/>
-                </a:solidFill>
-                <a:effectLst/>
-                <a:latin typeface="Ubuntu Mono derivative Powerlin" panose="020B0509030602030204" pitchFamily="49" charset="0"/>
-              </a:rPr>
-              <a:t>import</a:t>
-            </a:r>
-            <a:r>
-              <a:rPr lang="en-US" altLang="ko-KR" sz="1600" b="0" i="0" dirty="0">
-                <a:effectLst/>
-                <a:latin typeface="Ubuntu Mono derivative Powerlin" panose="020B0509030602030204" pitchFamily="49" charset="0"/>
-              </a:rPr>
-              <a:t> </a:t>
-            </a:r>
-            <a:r>
-              <a:rPr lang="en-US" altLang="ko-KR" sz="1600" b="0" i="0" dirty="0" err="1">
-                <a:effectLst/>
-                <a:latin typeface="Ubuntu Mono derivative Powerlin" panose="020B0509030602030204" pitchFamily="49" charset="0"/>
-              </a:rPr>
-              <a:t>numpy</a:t>
+              <a:rPr lang="en-US" altLang="ko-KR" sz="1600" dirty="0">
+                <a:solidFill>
+                  <a:srgbClr val="00B050"/>
+                </a:solidFill>
+                <a:latin typeface="ubuntu mono derivative powerline" panose="020B0509030602030204" pitchFamily="49" charset="0"/>
+              </a:rPr>
+              <a:t># </a:t>
+            </a:r>
+            <a:r>
+              <a:rPr lang="ko-KR" altLang="en-US" sz="1600" dirty="0" err="1">
+                <a:solidFill>
+                  <a:srgbClr val="00B050"/>
+                </a:solidFill>
+                <a:latin typeface="ubuntu mono derivative powerline" panose="020B0509030602030204" pitchFamily="49" charset="0"/>
+              </a:rPr>
+              <a:t>비어있는</a:t>
+            </a:r>
+            <a:r>
+              <a:rPr lang="ko-KR" altLang="en-US" sz="1600" dirty="0">
+                <a:solidFill>
+                  <a:srgbClr val="00B050"/>
+                </a:solidFill>
+                <a:latin typeface="ubuntu mono derivative powerline" panose="020B0509030602030204" pitchFamily="49" charset="0"/>
+              </a:rPr>
+              <a:t> </a:t>
+            </a:r>
+            <a:r>
+              <a:rPr lang="en-US" altLang="ko-KR" sz="1600" dirty="0">
+                <a:solidFill>
+                  <a:srgbClr val="00B050"/>
+                </a:solidFill>
+                <a:latin typeface="ubuntu mono derivative powerline" panose="020B0509030602030204" pitchFamily="49" charset="0"/>
+              </a:rPr>
+              <a:t>1</a:t>
+            </a:r>
+            <a:r>
+              <a:rPr lang="ko-KR" altLang="en-US" sz="1600" dirty="0">
+                <a:solidFill>
+                  <a:srgbClr val="00B050"/>
+                </a:solidFill>
+                <a:latin typeface="ubuntu mono derivative powerline" panose="020B0509030602030204" pitchFamily="49" charset="0"/>
+              </a:rPr>
+              <a:t>행 </a:t>
+            </a:r>
+            <a:r>
+              <a:rPr lang="en-US" altLang="ko-KR" sz="1600" dirty="0">
+                <a:solidFill>
+                  <a:srgbClr val="00B050"/>
+                </a:solidFill>
+                <a:latin typeface="ubuntu mono derivative powerline" panose="020B0509030602030204" pitchFamily="49" charset="0"/>
+              </a:rPr>
+              <a:t>5</a:t>
+            </a:r>
+            <a:r>
+              <a:rPr lang="ko-KR" altLang="en-US" sz="1600" dirty="0">
+                <a:solidFill>
+                  <a:srgbClr val="00B050"/>
+                </a:solidFill>
+                <a:latin typeface="ubuntu mono derivative powerline" panose="020B0509030602030204" pitchFamily="49" charset="0"/>
+              </a:rPr>
+              <a:t>열 행렬 생성</a:t>
+            </a:r>
+            <a:endParaRPr lang="en-US" altLang="ko-KR" sz="1600" dirty="0">
+              <a:solidFill>
+                <a:srgbClr val="00B050"/>
+              </a:solidFill>
+              <a:latin typeface="ubuntu mono derivative powerline" panose="020B0509030602030204" pitchFamily="49" charset="0"/>
+            </a:endParaRPr>
+          </a:p>
+          <a:p>
+            <a:r>
+              <a:rPr lang="en-US" altLang="ko-KR" sz="1600" b="0" dirty="0">
+                <a:solidFill>
+                  <a:srgbClr val="00B050"/>
+                </a:solidFill>
+                <a:effectLst/>
+                <a:latin typeface="ubuntu mono derivative powerline" panose="020B0509030602030204" pitchFamily="49" charset="0"/>
+              </a:rPr>
+              <a:t># 15</a:t>
+            </a:r>
+            <a:r>
+              <a:rPr lang="ko-KR" altLang="en-US" sz="1600" b="0" dirty="0">
+                <a:solidFill>
+                  <a:srgbClr val="00B050"/>
+                </a:solidFill>
+                <a:effectLst/>
+                <a:latin typeface="ubuntu mono derivative powerline" panose="020B0509030602030204" pitchFamily="49" charset="0"/>
+              </a:rPr>
+              <a:t>로 된 </a:t>
+            </a:r>
+            <a:r>
+              <a:rPr lang="en-US" altLang="ko-KR" sz="1600" b="0" dirty="0">
+                <a:solidFill>
+                  <a:srgbClr val="00B050"/>
+                </a:solidFill>
+                <a:effectLst/>
+                <a:latin typeface="ubuntu mono derivative powerline" panose="020B0509030602030204" pitchFamily="49" charset="0"/>
+              </a:rPr>
+              <a:t>1</a:t>
+            </a:r>
+            <a:r>
+              <a:rPr lang="ko-KR" altLang="en-US" sz="1600" b="0" dirty="0">
+                <a:solidFill>
+                  <a:srgbClr val="00B050"/>
+                </a:solidFill>
+                <a:effectLst/>
+                <a:latin typeface="ubuntu mono derivative powerline" panose="020B0509030602030204" pitchFamily="49" charset="0"/>
+              </a:rPr>
+              <a:t>차원 행렬 생성</a:t>
             </a:r>
             <a:endParaRPr lang="en-US" altLang="ko-KR" sz="1600" b="0" dirty="0">
+              <a:solidFill>
+                <a:srgbClr val="00B050"/>
+              </a:solidFill>
               <a:effectLst/>
-              <a:latin typeface="Ubuntu Mono derivative Powerlin" panose="020B0509030602030204" pitchFamily="49" charset="0"/>
+              <a:latin typeface="ubuntu mono derivative powerline" panose="020B0509030602030204" pitchFamily="49" charset="0"/>
             </a:endParaRPr>
           </a:p>
         </p:txBody>
       </p:sp>
       <p:sp>
         <p:nvSpPr>
-          <p:cNvPr id="11" name="직사각형 10">
+          <p:cNvPr id="8" name="직사각형 7">
             <a:extLst>
               <a:ext uri="{FF2B5EF4-FFF2-40B4-BE49-F238E27FC236}">
-                <a16:creationId xmlns:a16="http://schemas.microsoft.com/office/drawing/2014/main" id="{E465D31E-4303-912F-B7CE-EFD74262BE0B}"/>
+                <a16:creationId xmlns:a16="http://schemas.microsoft.com/office/drawing/2014/main" id="{83C3342A-D738-FB6D-ECE7-31687100858D}"/>
               </a:ext>
             </a:extLst>
           </p:cNvPr>
@@ -10611,8 +11120,8 @@
         </p:nvSpPr>
         <p:spPr>
           <a:xfrm>
-            <a:off x="5148064" y="2607848"/>
-            <a:ext cx="4121871" cy="584775"/>
+            <a:off x="3442792" y="3976237"/>
+            <a:ext cx="5472608" cy="1569660"/>
           </a:xfrm>
           <a:prstGeom prst="rect">
             <a:avLst/>
@@ -10625,292 +11134,82 @@
           <a:lstStyle/>
           <a:p>
             <a:r>
-              <a:rPr lang="en-US" altLang="ko-KR" sz="1600" b="0" dirty="0">
-                <a:solidFill>
-                  <a:srgbClr val="00B050"/>
-                </a:solidFill>
-                <a:effectLst/>
-                <a:latin typeface="ubuntu mono derivative powerline" panose="020B0509030602030204" pitchFamily="49" charset="0"/>
-              </a:rPr>
-              <a:t># </a:t>
-            </a:r>
-            <a:r>
-              <a:rPr lang="en-US" altLang="ko-KR" sz="1600" dirty="0">
-                <a:solidFill>
-                  <a:srgbClr val="00B050"/>
-                </a:solidFill>
-                <a:latin typeface="ubuntu mono derivative powerline" panose="020B0509030602030204" pitchFamily="49" charset="0"/>
-              </a:rPr>
-              <a:t>original</a:t>
-            </a:r>
-            <a:endParaRPr lang="en-US" altLang="ko-KR" sz="1600" b="0" dirty="0">
-              <a:effectLst/>
-              <a:latin typeface="Ubuntu Mono derivative Powerlin" panose="020B0509030602030204" pitchFamily="49" charset="0"/>
-            </a:endParaRPr>
-          </a:p>
-          <a:p>
-            <a:r>
-              <a:rPr lang="en-US" altLang="ko-KR" sz="1600" dirty="0" err="1">
-                <a:solidFill>
-                  <a:srgbClr val="CC9B00"/>
-                </a:solidFill>
-                <a:latin typeface="Ubuntu Mono derivative Powerlin" panose="020B0509030602030204" pitchFamily="49" charset="0"/>
-              </a:rPr>
-              <a:t>n</a:t>
-            </a:r>
-            <a:r>
-              <a:rPr lang="en-US" altLang="ko-KR" sz="1600" b="0" i="0" dirty="0" err="1">
-                <a:solidFill>
-                  <a:srgbClr val="CC9B00"/>
-                </a:solidFill>
-                <a:effectLst/>
-                <a:latin typeface="Ubuntu Mono derivative Powerlin" panose="020B0509030602030204" pitchFamily="49" charset="0"/>
-              </a:rPr>
-              <a:t>umpy.array</a:t>
-            </a:r>
-            <a:r>
-              <a:rPr lang="en-US" altLang="ko-KR" sz="1600" b="0" i="0" dirty="0">
-                <a:effectLst/>
-                <a:latin typeface="Ubuntu Mono derivative Powerlin" panose="020B0509030602030204" pitchFamily="49" charset="0"/>
-              </a:rPr>
-              <a:t>([1, 2, 3])</a:t>
-            </a:r>
-            <a:endParaRPr lang="en-US" altLang="ko-KR" sz="1600" b="0" dirty="0">
-              <a:effectLst/>
-              <a:latin typeface="Ubuntu Mono derivative Powerlin" panose="020B0509030602030204" pitchFamily="49" charset="0"/>
-            </a:endParaRPr>
-          </a:p>
-        </p:txBody>
-      </p:sp>
-      <p:sp>
-        <p:nvSpPr>
-          <p:cNvPr id="12" name="직사각형 11">
-            <a:extLst>
-              <a:ext uri="{FF2B5EF4-FFF2-40B4-BE49-F238E27FC236}">
-                <a16:creationId xmlns:a16="http://schemas.microsoft.com/office/drawing/2014/main" id="{1FBD730D-57D2-7923-B876-098E8C14A6EB}"/>
-              </a:ext>
-            </a:extLst>
-          </p:cNvPr>
-          <p:cNvSpPr/>
-          <p:nvPr/>
-        </p:nvSpPr>
-        <p:spPr>
-          <a:xfrm>
-            <a:off x="1881833" y="3929225"/>
-            <a:ext cx="2042095" cy="584775"/>
-          </a:xfrm>
-          <a:prstGeom prst="rect">
-            <a:avLst/>
-          </a:prstGeom>
-        </p:spPr>
-        <p:txBody>
-          <a:bodyPr wrap="square">
-            <a:spAutoFit/>
-          </a:bodyPr>
-          <a:lstStyle/>
-          <a:p>
-            <a:r>
-              <a:rPr lang="en-US" altLang="ko-KR" sz="1600" b="0" dirty="0">
-                <a:solidFill>
-                  <a:srgbClr val="00B050"/>
-                </a:solidFill>
-                <a:effectLst/>
-                <a:latin typeface="ubuntu mono derivative powerline" panose="020B0509030602030204" pitchFamily="49" charset="0"/>
-              </a:rPr>
-              <a:t># used as</a:t>
-            </a:r>
-            <a:endParaRPr lang="en-US" altLang="ko-KR" sz="1600" b="0" dirty="0">
-              <a:solidFill>
-                <a:srgbClr val="00B050"/>
-              </a:solidFill>
-              <a:effectLst/>
-              <a:latin typeface="Ubuntu Mono derivative Powerlin" panose="020B0509030602030204" pitchFamily="49" charset="0"/>
-            </a:endParaRPr>
-          </a:p>
-          <a:p>
-            <a:r>
-              <a:rPr lang="en-US" altLang="ko-KR" sz="1600" b="0" i="0" dirty="0">
-                <a:solidFill>
-                  <a:srgbClr val="CC9B00"/>
-                </a:solidFill>
-                <a:effectLst/>
-                <a:latin typeface="Ubuntu Mono derivative Powerlin" panose="020B0509030602030204" pitchFamily="49" charset="0"/>
-              </a:rPr>
-              <a:t>import</a:t>
-            </a:r>
-            <a:r>
-              <a:rPr lang="en-US" altLang="ko-KR" sz="1600" b="0" i="0" dirty="0">
-                <a:effectLst/>
-                <a:latin typeface="Ubuntu Mono derivative Powerlin" panose="020B0509030602030204" pitchFamily="49" charset="0"/>
-              </a:rPr>
-              <a:t> </a:t>
-            </a:r>
-            <a:r>
-              <a:rPr lang="en-US" altLang="ko-KR" sz="1600" b="0" i="0" dirty="0" err="1">
-                <a:effectLst/>
-                <a:latin typeface="Ubuntu Mono derivative Powerlin" panose="020B0509030602030204" pitchFamily="49" charset="0"/>
-              </a:rPr>
-              <a:t>numpy</a:t>
-            </a:r>
-            <a:r>
-              <a:rPr lang="en-US" altLang="ko-KR" sz="1600" b="0" i="0" dirty="0">
-                <a:effectLst/>
-                <a:latin typeface="Ubuntu Mono derivative Powerlin" panose="020B0509030602030204" pitchFamily="49" charset="0"/>
-              </a:rPr>
-              <a:t> as</a:t>
-            </a:r>
-            <a:r>
-              <a:rPr lang="ko-KR" altLang="en-US" sz="1600" b="0" i="0" dirty="0">
-                <a:effectLst/>
-                <a:latin typeface="Ubuntu Mono derivative Powerlin" panose="020B0509030602030204" pitchFamily="49" charset="0"/>
-              </a:rPr>
-              <a:t> </a:t>
-            </a:r>
-            <a:r>
-              <a:rPr lang="en-US" altLang="ko-KR" sz="1600" dirty="0">
-                <a:latin typeface="Ubuntu Mono derivative Powerlin" panose="020B0509030602030204" pitchFamily="49" charset="0"/>
-              </a:rPr>
-              <a:t>np</a:t>
-            </a:r>
-            <a:endParaRPr lang="en-US" altLang="ko-KR" sz="1600" b="0" dirty="0">
-              <a:effectLst/>
-              <a:latin typeface="Ubuntu Mono derivative Powerlin" panose="020B0509030602030204" pitchFamily="49" charset="0"/>
-            </a:endParaRPr>
-          </a:p>
-        </p:txBody>
-      </p:sp>
-      <p:sp>
-        <p:nvSpPr>
-          <p:cNvPr id="15" name="직사각형 14">
-            <a:extLst>
-              <a:ext uri="{FF2B5EF4-FFF2-40B4-BE49-F238E27FC236}">
-                <a16:creationId xmlns:a16="http://schemas.microsoft.com/office/drawing/2014/main" id="{FFF13781-BD99-2C5A-0407-063498547142}"/>
-              </a:ext>
-            </a:extLst>
-          </p:cNvPr>
-          <p:cNvSpPr/>
-          <p:nvPr/>
-        </p:nvSpPr>
-        <p:spPr>
-          <a:xfrm>
-            <a:off x="5148064" y="3929225"/>
-            <a:ext cx="4121871" cy="584775"/>
-          </a:xfrm>
-          <a:prstGeom prst="rect">
-            <a:avLst/>
-          </a:prstGeom>
-        </p:spPr>
-        <p:txBody>
-          <a:bodyPr wrap="square">
-            <a:spAutoFit/>
-          </a:bodyPr>
-          <a:lstStyle/>
-          <a:p>
-            <a:r>
-              <a:rPr lang="en-US" altLang="ko-KR" sz="1600" b="0" dirty="0">
-                <a:solidFill>
-                  <a:srgbClr val="00B050"/>
-                </a:solidFill>
-                <a:effectLst/>
-                <a:latin typeface="ubuntu mono derivative powerline" panose="020B0509030602030204" pitchFamily="49" charset="0"/>
-              </a:rPr>
-              <a:t># use</a:t>
-            </a:r>
-            <a:r>
-              <a:rPr lang="en-US" altLang="ko-KR" sz="1600" dirty="0">
-                <a:solidFill>
-                  <a:srgbClr val="00B050"/>
-                </a:solidFill>
-                <a:latin typeface="ubuntu mono derivative powerline" panose="020B0509030602030204" pitchFamily="49" charset="0"/>
-              </a:rPr>
-              <a:t>d as</a:t>
-            </a:r>
-            <a:endParaRPr lang="en-US" altLang="ko-KR" sz="1600" b="0" dirty="0">
-              <a:effectLst/>
-              <a:latin typeface="Ubuntu Mono derivative Powerlin" panose="020B0509030602030204" pitchFamily="49" charset="0"/>
-            </a:endParaRPr>
-          </a:p>
-          <a:p>
-            <a:r>
-              <a:rPr lang="en-US" altLang="ko-KR" sz="1600" dirty="0" err="1">
-                <a:solidFill>
-                  <a:srgbClr val="CC9B00"/>
-                </a:solidFill>
-                <a:latin typeface="Ubuntu Mono derivative Powerlin" panose="020B0509030602030204" pitchFamily="49" charset="0"/>
-              </a:rPr>
-              <a:t>np</a:t>
-            </a:r>
-            <a:r>
-              <a:rPr lang="en-US" altLang="ko-KR" sz="1600" b="0" i="0" dirty="0" err="1">
-                <a:solidFill>
-                  <a:srgbClr val="CC9B00"/>
-                </a:solidFill>
-                <a:effectLst/>
-                <a:latin typeface="Ubuntu Mono derivative Powerlin" panose="020B0509030602030204" pitchFamily="49" charset="0"/>
-              </a:rPr>
-              <a:t>.array</a:t>
-            </a:r>
-            <a:r>
-              <a:rPr lang="en-US" altLang="ko-KR" sz="1600" b="0" i="0" dirty="0">
-                <a:effectLst/>
-                <a:latin typeface="Ubuntu Mono derivative Powerlin" panose="020B0509030602030204" pitchFamily="49" charset="0"/>
-              </a:rPr>
-              <a:t>([1, 2, 3])</a:t>
-            </a:r>
-            <a:endParaRPr lang="en-US" altLang="ko-KR" sz="1600" b="0" dirty="0">
-              <a:effectLst/>
-              <a:latin typeface="Ubuntu Mono derivative Powerlin" panose="020B0509030602030204" pitchFamily="49" charset="0"/>
-            </a:endParaRPr>
-          </a:p>
-        </p:txBody>
-      </p:sp>
-      <p:cxnSp>
-        <p:nvCxnSpPr>
-          <p:cNvPr id="16" name="직선 연결선 15">
-            <a:extLst>
-              <a:ext uri="{FF2B5EF4-FFF2-40B4-BE49-F238E27FC236}">
-                <a16:creationId xmlns:a16="http://schemas.microsoft.com/office/drawing/2014/main" id="{D9B0FC91-AA37-9B1F-0A0C-63628C7487E6}"/>
-              </a:ext>
-            </a:extLst>
-          </p:cNvPr>
-          <p:cNvCxnSpPr>
-            <a:cxnSpLocks/>
-          </p:cNvCxnSpPr>
-          <p:nvPr/>
-        </p:nvCxnSpPr>
-        <p:spPr>
-          <a:xfrm>
-            <a:off x="1907704" y="3577580"/>
-            <a:ext cx="5616624" cy="0"/>
-          </a:xfrm>
-          <a:prstGeom prst="line">
-            <a:avLst/>
-          </a:prstGeom>
-          <a:ln w="12700">
-            <a:solidFill>
-              <a:schemeClr val="tx1"/>
-            </a:solidFill>
-          </a:ln>
-        </p:spPr>
-        <p:style>
-          <a:lnRef idx="1">
-            <a:schemeClr val="accent1"/>
-          </a:lnRef>
-          <a:fillRef idx="0">
-            <a:schemeClr val="accent1"/>
-          </a:fillRef>
-          <a:effectRef idx="0">
-            <a:schemeClr val="accent1"/>
-          </a:effectRef>
-          <a:fontRef idx="minor">
-            <a:schemeClr val="tx1"/>
-          </a:fontRef>
-        </p:style>
-      </p:cxnSp>
+              <a:rPr lang="en-US" altLang="ko-KR" sz="1200" b="0" dirty="0">
+                <a:effectLst/>
+                <a:latin typeface="ubuntu mono derivative powerline" panose="020B0509030602030204" pitchFamily="49" charset="0"/>
+              </a:rPr>
+              <a:t>[[0 0 0 0 0]</a:t>
+            </a:r>
+          </a:p>
+          <a:p>
+            <a:r>
+              <a:rPr lang="en-US" altLang="ko-KR" sz="1200" b="0" dirty="0">
+                <a:effectLst/>
+                <a:latin typeface="ubuntu mono derivative powerline" panose="020B0509030602030204" pitchFamily="49" charset="0"/>
+              </a:rPr>
+              <a:t> [0 0 0 0 0]]</a:t>
+            </a:r>
+          </a:p>
+          <a:p>
+            <a:r>
+              <a:rPr lang="en-US" altLang="ko-KR" sz="1200" b="0" dirty="0">
+                <a:effectLst/>
+                <a:latin typeface="ubuntu mono derivative powerline" panose="020B0509030602030204" pitchFamily="49" charset="0"/>
+              </a:rPr>
+              <a:t>[[1]</a:t>
+            </a:r>
+          </a:p>
+          <a:p>
+            <a:r>
+              <a:rPr lang="en-US" altLang="ko-KR" sz="1200" b="0" dirty="0">
+                <a:effectLst/>
+                <a:latin typeface="ubuntu mono derivative powerline" panose="020B0509030602030204" pitchFamily="49" charset="0"/>
+              </a:rPr>
+              <a:t> [1]</a:t>
+            </a:r>
+          </a:p>
+          <a:p>
+            <a:r>
+              <a:rPr lang="en-US" altLang="ko-KR" sz="1200" b="0" dirty="0">
+                <a:effectLst/>
+                <a:latin typeface="ubuntu mono derivative powerline" panose="020B0509030602030204" pitchFamily="49" charset="0"/>
+              </a:rPr>
+              <a:t> [1]]</a:t>
+            </a:r>
+          </a:p>
+          <a:p>
+            <a:r>
+              <a:rPr lang="en-US" altLang="ko-KR" sz="1200" b="0" dirty="0">
+                <a:effectLst/>
+                <a:latin typeface="ubuntu mono derivative powerline" panose="020B0509030602030204" pitchFamily="49" charset="0"/>
+              </a:rPr>
+              <a:t>[[3.91408755e-313 1.83913909e+222 1.67433458e+243 8.82509941e+199</a:t>
+            </a:r>
+          </a:p>
+          <a:p>
+            <a:r>
+              <a:rPr lang="en-US" altLang="ko-KR" sz="1200" b="0" dirty="0">
+                <a:effectLst/>
+                <a:latin typeface="ubuntu mono derivative powerline" panose="020B0509030602030204" pitchFamily="49" charset="0"/>
+              </a:rPr>
+              <a:t>  4.33886035e-313]]</a:t>
+            </a:r>
+          </a:p>
+          <a:p>
+            <a:r>
+              <a:rPr lang="en-US" altLang="ko-KR" sz="1200" b="0" dirty="0">
+                <a:effectLst/>
+                <a:latin typeface="ubuntu mono derivative powerline" panose="020B0509030602030204" pitchFamily="49" charset="0"/>
+              </a:rPr>
+              <a:t>[15. 15. 15. 15. 15.]</a:t>
+            </a:r>
+          </a:p>
+        </p:txBody>
+      </p:sp>
     </p:spTree>
     <p:extLst>
       <p:ext uri="{BB962C8B-B14F-4D97-AF65-F5344CB8AC3E}">
-        <p14:creationId xmlns:p14="http://schemas.microsoft.com/office/powerpoint/2010/main" val="113935051"/>
+        <p14:creationId xmlns:p14="http://schemas.microsoft.com/office/powerpoint/2010/main" val="1355856423"/>
       </p:ext>
     </p:extLst>
   </p:cSld>

--- a/2022-09-20/documents/CH_03_파이썬 기초_실습2.pptx
+++ b/2022-09-20/documents/CH_03_파이썬 기초_실습2.pptx
@@ -5,10 +5,10 @@
     <p:sldMasterId id="2147483970" r:id="rId1"/>
   </p:sldMasterIdLst>
   <p:notesMasterIdLst>
-    <p:notesMasterId r:id="rId16"/>
+    <p:notesMasterId r:id="rId17"/>
   </p:notesMasterIdLst>
   <p:handoutMasterIdLst>
-    <p:handoutMasterId r:id="rId17"/>
+    <p:handoutMasterId r:id="rId18"/>
   </p:handoutMasterIdLst>
   <p:sldIdLst>
     <p:sldId id="256" r:id="rId2"/>
@@ -24,7 +24,8 @@
     <p:sldId id="376" r:id="rId12"/>
     <p:sldId id="378" r:id="rId13"/>
     <p:sldId id="377" r:id="rId14"/>
-    <p:sldId id="380" r:id="rId15"/>
+    <p:sldId id="381" r:id="rId15"/>
+    <p:sldId id="380" r:id="rId16"/>
   </p:sldIdLst>
   <p:sldSz cx="9144000" cy="5715000" type="screen16x10"/>
   <p:notesSz cx="7104063" cy="10234613"/>
@@ -238,7 +239,7 @@
           <a:p>
             <a:fld id="{44C269C3-C25E-41E8-815A-55A10694EC72}" type="datetimeFigureOut">
               <a:rPr lang="ko-KR" altLang="en-US" smtClean="0"/>
-              <a:t>2022-09-17</a:t>
+              <a:t>2022-09-18</a:t>
             </a:fld>
             <a:endParaRPr lang="ko-KR" altLang="en-US"/>
           </a:p>
@@ -403,7 +404,7 @@
           <a:p>
             <a:fld id="{ADE0290A-1521-4E2C-B981-7952210E2E19}" type="datetimeFigureOut">
               <a:rPr lang="ko-KR" altLang="en-US" smtClean="0"/>
-              <a:t>2022-09-17</a:t>
+              <a:t>2022-09-18</a:t>
             </a:fld>
             <a:endParaRPr lang="ko-KR" altLang="en-US"/>
           </a:p>
@@ -1060,7 +1061,7 @@
             <a:fld id="{23A271A1-F6D6-438B-A432-4747EE7ECD40}" type="datetimeFigureOut">
               <a:rPr lang="en-US" smtClean="0"/>
               <a:pPr algn="ctr" eaLnBrk="1" latinLnBrk="0" hangingPunct="1"/>
-              <a:t>9/17/2022</a:t>
+              <a:t>9/18/2022</a:t>
             </a:fld>
             <a:endParaRPr lang="en-US" sz="1667" dirty="0">
               <a:solidFill>
@@ -1265,7 +1266,7 @@
             <a:fld id="{23A271A1-F6D6-438B-A432-4747EE7ECD40}" type="datetimeFigureOut">
               <a:rPr lang="en-US" smtClean="0"/>
               <a:pPr/>
-              <a:t>9/17/2022</a:t>
+              <a:t>9/18/2022</a:t>
             </a:fld>
             <a:endParaRPr lang="en-US" dirty="0"/>
           </a:p>
@@ -1467,7 +1468,7 @@
             <a:fld id="{23A271A1-F6D6-438B-A432-4747EE7ECD40}" type="datetimeFigureOut">
               <a:rPr lang="en-US" smtClean="0"/>
               <a:pPr/>
-              <a:t>9/17/2022</a:t>
+              <a:t>9/18/2022</a:t>
             </a:fld>
             <a:endParaRPr lang="en-US" dirty="0"/>
           </a:p>
@@ -1727,7 +1728,7 @@
             <a:fld id="{23A271A1-F6D6-438B-A432-4747EE7ECD40}" type="datetimeFigureOut">
               <a:rPr lang="en-US" smtClean="0"/>
               <a:pPr/>
-              <a:t>9/17/2022</a:t>
+              <a:t>9/18/2022</a:t>
             </a:fld>
             <a:endParaRPr lang="en-US" dirty="0"/>
           </a:p>
@@ -1916,7 +1917,7 @@
             <a:fld id="{23A271A1-F6D6-438B-A432-4747EE7ECD40}" type="datetimeFigureOut">
               <a:rPr lang="en-US" smtClean="0"/>
               <a:pPr/>
-              <a:t>9/17/2022</a:t>
+              <a:t>9/18/2022</a:t>
             </a:fld>
             <a:endParaRPr lang="en-US" dirty="0"/>
           </a:p>
@@ -2050,7 +2051,7 @@
             <a:fld id="{23A271A1-F6D6-438B-A432-4747EE7ECD40}" type="datetimeFigureOut">
               <a:rPr lang="en-US" smtClean="0"/>
               <a:pPr/>
-              <a:t>9/17/2022</a:t>
+              <a:t>9/18/2022</a:t>
             </a:fld>
             <a:endParaRPr lang="en-US" dirty="0"/>
           </a:p>
@@ -2241,7 +2242,7 @@
             <a:fld id="{23A271A1-F6D6-438B-A432-4747EE7ECD40}" type="datetimeFigureOut">
               <a:rPr lang="en-US" smtClean="0"/>
               <a:pPr/>
-              <a:t>9/17/2022</a:t>
+              <a:t>9/18/2022</a:t>
             </a:fld>
             <a:endParaRPr lang="en-US" dirty="0"/>
           </a:p>
@@ -2429,7 +2430,7 @@
             <a:fld id="{23A271A1-F6D6-438B-A432-4747EE7ECD40}" type="datetimeFigureOut">
               <a:rPr lang="en-US" smtClean="0"/>
               <a:pPr/>
-              <a:t>9/17/2022</a:t>
+              <a:t>9/18/2022</a:t>
             </a:fld>
             <a:endParaRPr lang="en-US" dirty="0"/>
           </a:p>
@@ -2626,7 +2627,7 @@
             <a:fld id="{23A271A1-F6D6-438B-A432-4747EE7ECD40}" type="datetimeFigureOut">
               <a:rPr lang="en-US" smtClean="0"/>
               <a:pPr/>
-              <a:t>9/17/2022</a:t>
+              <a:t>9/18/2022</a:t>
             </a:fld>
             <a:endParaRPr lang="en-US" dirty="0"/>
           </a:p>
@@ -2944,7 +2945,7 @@
             <a:fld id="{23A271A1-F6D6-438B-A432-4747EE7ECD40}" type="datetimeFigureOut">
               <a:rPr lang="en-US" smtClean="0"/>
               <a:pPr eaLnBrk="1" latinLnBrk="0" hangingPunct="1"/>
-              <a:t>9/17/2022</a:t>
+              <a:t>9/18/2022</a:t>
             </a:fld>
             <a:endParaRPr lang="en-US"/>
           </a:p>
@@ -3229,7 +3230,7 @@
             <a:fld id="{23A271A1-F6D6-438B-A432-4747EE7ECD40}" type="datetimeFigureOut">
               <a:rPr lang="en-US" smtClean="0"/>
               <a:pPr/>
-              <a:t>9/17/2022</a:t>
+              <a:t>9/18/2022</a:t>
             </a:fld>
             <a:endParaRPr lang="en-US" dirty="0"/>
           </a:p>
@@ -3353,7 +3354,7 @@
             <a:fld id="{23A271A1-F6D6-438B-A432-4747EE7ECD40}" type="datetimeFigureOut">
               <a:rPr lang="en-US" smtClean="0"/>
               <a:pPr eaLnBrk="1" latinLnBrk="0" hangingPunct="1"/>
-              <a:t>9/17/2022</a:t>
+              <a:t>9/18/2022</a:t>
             </a:fld>
             <a:endParaRPr lang="en-US"/>
           </a:p>
@@ -3740,7 +3741,7 @@
             <a:fld id="{23A271A1-F6D6-438B-A432-4747EE7ECD40}" type="datetimeFigureOut">
               <a:rPr lang="en-US" smtClean="0"/>
               <a:pPr eaLnBrk="1" latinLnBrk="0" hangingPunct="1"/>
-              <a:t>9/17/2022</a:t>
+              <a:t>9/18/2022</a:t>
             </a:fld>
             <a:endParaRPr lang="en-US"/>
           </a:p>
@@ -4090,7 +4091,7 @@
             <a:fld id="{23A271A1-F6D6-438B-A432-4747EE7ECD40}" type="datetimeFigureOut">
               <a:rPr lang="en-US" smtClean="0"/>
               <a:pPr eaLnBrk="1" latinLnBrk="0" hangingPunct="1"/>
-              <a:t>9/17/2022</a:t>
+              <a:t>9/18/2022</a:t>
             </a:fld>
             <a:endParaRPr lang="en-US"/>
           </a:p>
@@ -4400,7 +4401,7 @@
             <a:fld id="{23A271A1-F6D6-438B-A432-4747EE7ECD40}" type="datetimeFigureOut">
               <a:rPr lang="en-US" smtClean="0"/>
               <a:pPr/>
-              <a:t>9/17/2022</a:t>
+              <a:t>9/18/2022</a:t>
             </a:fld>
             <a:endParaRPr lang="en-US" dirty="0"/>
           </a:p>
@@ -4848,7 +4849,7 @@
             <a:fld id="{23A271A1-F6D6-438B-A432-4747EE7ECD40}" type="datetimeFigureOut">
               <a:rPr lang="en-US" smtClean="0"/>
               <a:pPr/>
-              <a:t>9/17/2022</a:t>
+              <a:t>9/18/2022</a:t>
             </a:fld>
             <a:endParaRPr lang="en-US" dirty="0"/>
           </a:p>
@@ -4994,7 +4995,7 @@
             <a:fld id="{23A271A1-F6D6-438B-A432-4747EE7ECD40}" type="datetimeFigureOut">
               <a:rPr lang="en-US" smtClean="0"/>
               <a:pPr/>
-              <a:t>9/17/2022</a:t>
+              <a:t>9/18/2022</a:t>
             </a:fld>
             <a:endParaRPr lang="en-US" dirty="0"/>
           </a:p>
@@ -5160,7 +5161,7 @@
             <a:fld id="{23A271A1-F6D6-438B-A432-4747EE7ECD40}" type="datetimeFigureOut">
               <a:rPr lang="en-US" smtClean="0"/>
               <a:pPr eaLnBrk="1" latinLnBrk="0" hangingPunct="1"/>
-              <a:t>9/17/2022</a:t>
+              <a:t>9/18/2022</a:t>
             </a:fld>
             <a:endParaRPr lang="en-US"/>
           </a:p>
@@ -5499,7 +5500,7 @@
             <a:fld id="{23A271A1-F6D6-438B-A432-4747EE7ECD40}" type="datetimeFigureOut">
               <a:rPr lang="en-US" smtClean="0"/>
               <a:pPr/>
-              <a:t>9/17/2022</a:t>
+              <a:t>9/18/2022</a:t>
             </a:fld>
             <a:endParaRPr lang="en-US" dirty="0"/>
           </a:p>
@@ -5778,7 +5779,7 @@
             <a:fld id="{23A271A1-F6D6-438B-A432-4747EE7ECD40}" type="datetimeFigureOut">
               <a:rPr lang="en-US" smtClean="0"/>
               <a:pPr/>
-              <a:t>9/17/2022</a:t>
+              <a:t>9/18/2022</a:t>
             </a:fld>
             <a:endParaRPr lang="en-US" dirty="0"/>
           </a:p>
@@ -6187,7 +6188,7 @@
             <a:fld id="{23A271A1-F6D6-438B-A432-4747EE7ECD40}" type="datetimeFigureOut">
               <a:rPr lang="en-US" smtClean="0"/>
               <a:pPr/>
-              <a:t>9/17/2022</a:t>
+              <a:t>9/18/2022</a:t>
             </a:fld>
             <a:endParaRPr lang="en-US" dirty="0"/>
           </a:p>
@@ -10720,7 +10721,24 @@
                 <a:effectLst/>
                 <a:latin typeface="ubuntu mono derivative powerline" panose="020B0509030602030204" pitchFamily="49" charset="0"/>
               </a:rPr>
-              <a:t>(zeros)</a:t>
+              <a:t>(</a:t>
+            </a:r>
+            <a:r>
+              <a:rPr lang="en-US" altLang="ko-KR" sz="1600" b="0" dirty="0">
+                <a:solidFill>
+                  <a:srgbClr val="FF0000"/>
+                </a:solidFill>
+                <a:effectLst/>
+                <a:latin typeface="ubuntu mono derivative powerline" panose="020B0509030602030204" pitchFamily="49" charset="0"/>
+              </a:rPr>
+              <a:t>zeros</a:t>
+            </a:r>
+            <a:r>
+              <a:rPr lang="en-US" altLang="ko-KR" sz="1600" b="0" dirty="0">
+                <a:effectLst/>
+                <a:latin typeface="ubuntu mono derivative powerline" panose="020B0509030602030204" pitchFamily="49" charset="0"/>
+              </a:rPr>
+              <a:t>)</a:t>
             </a:r>
           </a:p>
           <a:p>
@@ -10739,7 +10757,24 @@
                 <a:effectLst/>
                 <a:latin typeface="ubuntu mono derivative powerline" panose="020B0509030602030204" pitchFamily="49" charset="0"/>
               </a:rPr>
-              <a:t>(ones)</a:t>
+              <a:t>(</a:t>
+            </a:r>
+            <a:r>
+              <a:rPr lang="en-US" altLang="ko-KR" sz="1600" b="0" dirty="0">
+                <a:solidFill>
+                  <a:srgbClr val="FFC000"/>
+                </a:solidFill>
+                <a:effectLst/>
+                <a:latin typeface="ubuntu mono derivative powerline" panose="020B0509030602030204" pitchFamily="49" charset="0"/>
+              </a:rPr>
+              <a:t>ones</a:t>
+            </a:r>
+            <a:r>
+              <a:rPr lang="en-US" altLang="ko-KR" sz="1600" b="0" dirty="0">
+                <a:effectLst/>
+                <a:latin typeface="ubuntu mono derivative powerline" panose="020B0509030602030204" pitchFamily="49" charset="0"/>
+              </a:rPr>
+              <a:t>)</a:t>
             </a:r>
           </a:p>
           <a:p>
@@ -10762,6 +10797,9 @@
             </a:r>
             <a:r>
               <a:rPr lang="en-US" altLang="ko-KR" sz="1600" b="0" dirty="0" err="1">
+                <a:solidFill>
+                  <a:srgbClr val="00B050"/>
+                </a:solidFill>
                 <a:effectLst/>
                 <a:latin typeface="ubuntu mono derivative powerline" panose="020B0509030602030204" pitchFamily="49" charset="0"/>
               </a:rPr>
@@ -10795,6 +10833,9 @@
             </a:r>
             <a:r>
               <a:rPr lang="en-US" altLang="ko-KR" sz="1600" b="0" dirty="0" err="1">
+                <a:solidFill>
+                  <a:srgbClr val="00B0F0"/>
+                </a:solidFill>
                 <a:effectLst/>
                 <a:latin typeface="ubuntu mono derivative powerline" panose="020B0509030602030204" pitchFamily="49" charset="0"/>
               </a:rPr>
@@ -11120,8 +11161,8 @@
         </p:nvSpPr>
         <p:spPr>
           <a:xfrm>
-            <a:off x="3442792" y="3976237"/>
-            <a:ext cx="5472608" cy="1569660"/>
+            <a:off x="3310032" y="3980993"/>
+            <a:ext cx="5040560" cy="1384995"/>
           </a:xfrm>
           <a:prstGeom prst="rect">
             <a:avLst/>
@@ -11135,6 +11176,9 @@
           <a:p>
             <a:r>
               <a:rPr lang="en-US" altLang="ko-KR" sz="1200" b="0" dirty="0">
+                <a:solidFill>
+                  <a:srgbClr val="FF0000"/>
+                </a:solidFill>
                 <a:effectLst/>
                 <a:latin typeface="ubuntu mono derivative powerline" panose="020B0509030602030204" pitchFamily="49" charset="0"/>
               </a:rPr>
@@ -11144,6 +11188,9 @@
           <a:p>
             <a:r>
               <a:rPr lang="en-US" altLang="ko-KR" sz="1200" b="0" dirty="0">
+                <a:solidFill>
+                  <a:srgbClr val="FF0000"/>
+                </a:solidFill>
                 <a:effectLst/>
                 <a:latin typeface="ubuntu mono derivative powerline" panose="020B0509030602030204" pitchFamily="49" charset="0"/>
               </a:rPr>
@@ -11153,6 +11200,9 @@
           <a:p>
             <a:r>
               <a:rPr lang="en-US" altLang="ko-KR" sz="1200" b="0" dirty="0">
+                <a:solidFill>
+                  <a:srgbClr val="FFC000"/>
+                </a:solidFill>
                 <a:effectLst/>
                 <a:latin typeface="ubuntu mono derivative powerline" panose="020B0509030602030204" pitchFamily="49" charset="0"/>
               </a:rPr>
@@ -11162,6 +11212,9 @@
           <a:p>
             <a:r>
               <a:rPr lang="en-US" altLang="ko-KR" sz="1200" b="0" dirty="0">
+                <a:solidFill>
+                  <a:srgbClr val="FFC000"/>
+                </a:solidFill>
                 <a:effectLst/>
                 <a:latin typeface="ubuntu mono derivative powerline" panose="020B0509030602030204" pitchFamily="49" charset="0"/>
               </a:rPr>
@@ -11171,6 +11224,9 @@
           <a:p>
             <a:r>
               <a:rPr lang="en-US" altLang="ko-KR" sz="1200" b="0" dirty="0">
+                <a:solidFill>
+                  <a:srgbClr val="FFC000"/>
+                </a:solidFill>
                 <a:effectLst/>
                 <a:latin typeface="ubuntu mono derivative powerline" panose="020B0509030602030204" pitchFamily="49" charset="0"/>
               </a:rPr>
@@ -11180,28 +11236,935 @@
           <a:p>
             <a:r>
               <a:rPr lang="en-US" altLang="ko-KR" sz="1200" b="0" dirty="0">
-                <a:effectLst/>
-                <a:latin typeface="ubuntu mono derivative powerline" panose="020B0509030602030204" pitchFamily="49" charset="0"/>
-              </a:rPr>
-              <a:t>[[3.91408755e-313 1.83913909e+222 1.67433458e+243 8.82509941e+199</a:t>
-            </a:r>
-          </a:p>
-          <a:p>
+                <a:solidFill>
+                  <a:srgbClr val="00B050"/>
+                </a:solidFill>
+                <a:effectLst/>
+                <a:latin typeface="ubuntu mono derivative powerline" panose="020B0509030602030204" pitchFamily="49" charset="0"/>
+              </a:rPr>
+              <a:t>[[3.9155e-313 1.8399e+222 1.6758e+243 8.8241e+199 4.3385e-313]</a:t>
+            </a:r>
             <a:r>
               <a:rPr lang="en-US" altLang="ko-KR" sz="1200" b="0" dirty="0">
                 <a:effectLst/>
                 <a:latin typeface="ubuntu mono derivative powerline" panose="020B0509030602030204" pitchFamily="49" charset="0"/>
               </a:rPr>
-              <a:t>  4.33886035e-313]]</a:t>
+              <a:t>]</a:t>
             </a:r>
           </a:p>
           <a:p>
             <a:r>
               <a:rPr lang="en-US" altLang="ko-KR" sz="1200" b="0" dirty="0">
+                <a:solidFill>
+                  <a:srgbClr val="00B0F0"/>
+                </a:solidFill>
                 <a:effectLst/>
                 <a:latin typeface="ubuntu mono derivative powerline" panose="020B0509030602030204" pitchFamily="49" charset="0"/>
               </a:rPr>
               <a:t>[15. 15. 15. 15. 15.]</a:t>
+            </a:r>
+          </a:p>
+        </p:txBody>
+      </p:sp>
+    </p:spTree>
+    <p:extLst>
+      <p:ext uri="{BB962C8B-B14F-4D97-AF65-F5344CB8AC3E}">
+        <p14:creationId xmlns:p14="http://schemas.microsoft.com/office/powerpoint/2010/main" val="3163786602"/>
+      </p:ext>
+    </p:extLst>
+  </p:cSld>
+  <p:clrMapOvr>
+    <a:masterClrMapping/>
+  </p:clrMapOvr>
+</p:sld>
+</file>
+
+<file path=ppt/slides/slide15.xml><?xml version="1.0" encoding="utf-8"?>
+<p:sld xmlns:a="http://schemas.openxmlformats.org/drawingml/2006/main" xmlns:r="http://schemas.openxmlformats.org/officeDocument/2006/relationships" xmlns:p="http://schemas.openxmlformats.org/presentationml/2006/main">
+  <p:cSld>
+    <p:spTree>
+      <p:nvGrpSpPr>
+        <p:cNvPr id="1" name=""/>
+        <p:cNvGrpSpPr/>
+        <p:nvPr/>
+      </p:nvGrpSpPr>
+      <p:grpSpPr>
+        <a:xfrm>
+          <a:off x="0" y="0"/>
+          <a:ext cx="0" cy="0"/>
+          <a:chOff x="0" y="0"/>
+          <a:chExt cx="0" cy="0"/>
+        </a:xfrm>
+      </p:grpSpPr>
+      <p:sp>
+        <p:nvSpPr>
+          <p:cNvPr id="2" name="제목 1"/>
+          <p:cNvSpPr>
+            <a:spLocks noGrp="1"/>
+          </p:cNvSpPr>
+          <p:nvPr>
+            <p:ph type="title"/>
+          </p:nvPr>
+        </p:nvSpPr>
+        <p:spPr/>
+        <p:txBody>
+          <a:bodyPr/>
+          <a:lstStyle/>
+          <a:p>
+            <a:r>
+              <a:rPr lang="en-US" altLang="ko-KR" dirty="0"/>
+              <a:t>3.1 </a:t>
+            </a:r>
+            <a:r>
+              <a:rPr lang="ko-KR" altLang="en-US" dirty="0" err="1"/>
+              <a:t>파이썬의</a:t>
+            </a:r>
+            <a:r>
+              <a:rPr lang="ko-KR" altLang="en-US" dirty="0"/>
+              <a:t> 자료구조</a:t>
+            </a:r>
+          </a:p>
+        </p:txBody>
+      </p:sp>
+      <p:sp>
+        <p:nvSpPr>
+          <p:cNvPr id="3" name="내용 개체 틀 2"/>
+          <p:cNvSpPr>
+            <a:spLocks noGrp="1"/>
+          </p:cNvSpPr>
+          <p:nvPr>
+            <p:ph idx="1"/>
+          </p:nvPr>
+        </p:nvSpPr>
+        <p:spPr/>
+        <p:txBody>
+          <a:bodyPr>
+            <a:normAutofit/>
+          </a:bodyPr>
+          <a:lstStyle/>
+          <a:p>
+            <a:r>
+              <a:rPr lang="en-US" altLang="ko-KR" dirty="0"/>
+              <a:t>3.3 </a:t>
+            </a:r>
+            <a:r>
+              <a:rPr lang="en-US" altLang="ko-KR" dirty="0" err="1"/>
+              <a:t>numpy</a:t>
+            </a:r>
+            <a:endParaRPr lang="en-US" altLang="ko-KR" dirty="0"/>
+          </a:p>
+          <a:p>
+            <a:pPr lvl="1"/>
+            <a:r>
+              <a:rPr lang="ko-KR" altLang="en-US" dirty="0"/>
+              <a:t>행렬 원소로 </a:t>
+            </a:r>
+            <a:r>
+              <a:rPr lang="ko-KR" altLang="en-US" dirty="0" err="1"/>
+              <a:t>임의값</a:t>
+            </a:r>
+            <a:r>
+              <a:rPr lang="ko-KR" altLang="en-US" dirty="0"/>
+              <a:t> 생성하기</a:t>
+            </a:r>
+            <a:endParaRPr lang="en-US" altLang="ko-KR" dirty="0"/>
+          </a:p>
+        </p:txBody>
+      </p:sp>
+      <p:sp>
+        <p:nvSpPr>
+          <p:cNvPr id="4" name="직사각형 3">
+            <a:extLst>
+              <a:ext uri="{FF2B5EF4-FFF2-40B4-BE49-F238E27FC236}">
+                <a16:creationId xmlns:a16="http://schemas.microsoft.com/office/drawing/2014/main" id="{64FCAE03-D95D-374F-6DE9-F428C178B308}"/>
+              </a:ext>
+            </a:extLst>
+          </p:cNvPr>
+          <p:cNvSpPr/>
+          <p:nvPr/>
+        </p:nvSpPr>
+        <p:spPr>
+          <a:xfrm>
+            <a:off x="1043608" y="2019424"/>
+            <a:ext cx="4464496" cy="2554545"/>
+          </a:xfrm>
+          <a:prstGeom prst="rect">
+            <a:avLst/>
+          </a:prstGeom>
+        </p:spPr>
+        <p:txBody>
+          <a:bodyPr wrap="square">
+            <a:spAutoFit/>
+          </a:bodyPr>
+          <a:lstStyle/>
+          <a:p>
+            <a:r>
+              <a:rPr lang="en-US" altLang="ko-KR" sz="1600" b="0" dirty="0">
+                <a:solidFill>
+                  <a:srgbClr val="00B050"/>
+                </a:solidFill>
+                <a:effectLst/>
+                <a:latin typeface="ubuntu mono derivative powerline" panose="020B0509030602030204" pitchFamily="49" charset="0"/>
+              </a:rPr>
+              <a:t># example2</a:t>
+            </a:r>
+          </a:p>
+          <a:p>
+            <a:r>
+              <a:rPr lang="en-US" altLang="ko-KR" sz="1600" b="0" dirty="0">
+                <a:solidFill>
+                  <a:srgbClr val="CC9B00"/>
+                </a:solidFill>
+                <a:effectLst/>
+                <a:latin typeface="ubuntu mono derivative powerline" panose="020B0509030602030204" pitchFamily="49" charset="0"/>
+              </a:rPr>
+              <a:t>import</a:t>
+            </a:r>
+            <a:r>
+              <a:rPr lang="en-US" altLang="ko-KR" sz="1600" b="0" dirty="0">
+                <a:solidFill>
+                  <a:srgbClr val="D4D4D4"/>
+                </a:solidFill>
+                <a:effectLst/>
+                <a:latin typeface="ubuntu mono derivative powerline" panose="020B0509030602030204" pitchFamily="49" charset="0"/>
+              </a:rPr>
+              <a:t> </a:t>
+            </a:r>
+            <a:r>
+              <a:rPr lang="en-US" altLang="ko-KR" sz="1600" b="0" dirty="0" err="1">
+                <a:solidFill>
+                  <a:srgbClr val="7030A0"/>
+                </a:solidFill>
+                <a:effectLst/>
+                <a:latin typeface="ubuntu mono derivative powerline" panose="020B0509030602030204" pitchFamily="49" charset="0"/>
+              </a:rPr>
+              <a:t>numpy</a:t>
+            </a:r>
+            <a:r>
+              <a:rPr lang="en-US" altLang="ko-KR" sz="1600" b="0" dirty="0">
+                <a:solidFill>
+                  <a:srgbClr val="D4D4D4"/>
+                </a:solidFill>
+                <a:effectLst/>
+                <a:latin typeface="ubuntu mono derivative powerline" panose="020B0509030602030204" pitchFamily="49" charset="0"/>
+              </a:rPr>
+              <a:t> </a:t>
+            </a:r>
+            <a:r>
+              <a:rPr lang="en-US" altLang="ko-KR" sz="1600" b="0" dirty="0">
+                <a:solidFill>
+                  <a:srgbClr val="CC9B00"/>
+                </a:solidFill>
+                <a:effectLst/>
+                <a:latin typeface="ubuntu mono derivative powerline" panose="020B0509030602030204" pitchFamily="49" charset="0"/>
+              </a:rPr>
+              <a:t>as</a:t>
+            </a:r>
+            <a:r>
+              <a:rPr lang="en-US" altLang="ko-KR" sz="1600" b="0" dirty="0">
+                <a:solidFill>
+                  <a:srgbClr val="D4D4D4"/>
+                </a:solidFill>
+                <a:effectLst/>
+                <a:latin typeface="ubuntu mono derivative powerline" panose="020B0509030602030204" pitchFamily="49" charset="0"/>
+              </a:rPr>
+              <a:t> </a:t>
+            </a:r>
+            <a:r>
+              <a:rPr lang="en-US" altLang="ko-KR" sz="1600" b="0" dirty="0">
+                <a:solidFill>
+                  <a:srgbClr val="7030A0"/>
+                </a:solidFill>
+                <a:effectLst/>
+                <a:latin typeface="ubuntu mono derivative powerline" panose="020B0509030602030204" pitchFamily="49" charset="0"/>
+              </a:rPr>
+              <a:t>np</a:t>
+            </a:r>
+            <a:endParaRPr lang="en-US" altLang="ko-KR" sz="1600" b="0" dirty="0">
+              <a:effectLst/>
+              <a:latin typeface="ubuntu mono derivative powerline" panose="020B0509030602030204" pitchFamily="49" charset="0"/>
+            </a:endParaRPr>
+          </a:p>
+          <a:p>
+            <a:endParaRPr lang="en-US" altLang="ko-KR" sz="1600" dirty="0">
+              <a:latin typeface="ubuntu mono derivative powerline" panose="020B0509030602030204" pitchFamily="49" charset="0"/>
+            </a:endParaRPr>
+          </a:p>
+          <a:p>
+            <a:r>
+              <a:rPr lang="en-US" altLang="ko-KR" sz="1600" b="0" dirty="0" err="1">
+                <a:solidFill>
+                  <a:srgbClr val="7030A0"/>
+                </a:solidFill>
+                <a:effectLst/>
+                <a:latin typeface="ubuntu mono derivative powerline" panose="020B0509030602030204" pitchFamily="49" charset="0"/>
+              </a:rPr>
+              <a:t>np</a:t>
+            </a:r>
+            <a:r>
+              <a:rPr lang="en-US" altLang="ko-KR" sz="1600" b="0" dirty="0" err="1">
+                <a:effectLst/>
+                <a:latin typeface="ubuntu mono derivative powerline" panose="020B0509030602030204" pitchFamily="49" charset="0"/>
+              </a:rPr>
+              <a:t>.</a:t>
+            </a:r>
+            <a:r>
+              <a:rPr lang="en-US" altLang="ko-KR" sz="1600" b="0" dirty="0" err="1">
+                <a:solidFill>
+                  <a:srgbClr val="0000FF"/>
+                </a:solidFill>
+                <a:effectLst/>
+                <a:latin typeface="ubuntu mono derivative powerline" panose="020B0509030602030204" pitchFamily="49" charset="0"/>
+              </a:rPr>
+              <a:t>random</a:t>
+            </a:r>
+            <a:r>
+              <a:rPr lang="en-US" altLang="ko-KR" sz="1600" b="0" dirty="0" err="1">
+                <a:effectLst/>
+                <a:latin typeface="ubuntu mono derivative powerline" panose="020B0509030602030204" pitchFamily="49" charset="0"/>
+              </a:rPr>
+              <a:t>.</a:t>
+            </a:r>
+            <a:r>
+              <a:rPr lang="en-US" altLang="ko-KR" sz="1600" b="0" dirty="0" err="1">
+                <a:solidFill>
+                  <a:srgbClr val="0000FF"/>
+                </a:solidFill>
+                <a:effectLst/>
+                <a:latin typeface="ubuntu mono derivative powerline" panose="020B0509030602030204" pitchFamily="49" charset="0"/>
+              </a:rPr>
+              <a:t>seed</a:t>
+            </a:r>
+            <a:r>
+              <a:rPr lang="en-US" altLang="ko-KR" sz="1600" b="0" dirty="0">
+                <a:effectLst/>
+                <a:latin typeface="ubuntu mono derivative powerline" panose="020B0509030602030204" pitchFamily="49" charset="0"/>
+              </a:rPr>
+              <a:t>(10)</a:t>
+            </a:r>
+          </a:p>
+          <a:p>
+            <a:r>
+              <a:rPr lang="en-US" altLang="ko-KR" sz="1600" b="0" dirty="0">
+                <a:effectLst/>
+                <a:latin typeface="ubuntu mono derivative powerline" panose="020B0509030602030204" pitchFamily="49" charset="0"/>
+              </a:rPr>
+              <a:t>a = </a:t>
+            </a:r>
+            <a:r>
+              <a:rPr lang="en-US" altLang="ko-KR" sz="1600" b="0" dirty="0" err="1">
+                <a:solidFill>
+                  <a:srgbClr val="7030A0"/>
+                </a:solidFill>
+                <a:effectLst/>
+                <a:latin typeface="ubuntu mono derivative powerline" panose="020B0509030602030204" pitchFamily="49" charset="0"/>
+              </a:rPr>
+              <a:t>np</a:t>
+            </a:r>
+            <a:r>
+              <a:rPr lang="en-US" altLang="ko-KR" sz="1600" b="0" dirty="0" err="1">
+                <a:effectLst/>
+                <a:latin typeface="ubuntu mono derivative powerline" panose="020B0509030602030204" pitchFamily="49" charset="0"/>
+              </a:rPr>
+              <a:t>.</a:t>
+            </a:r>
+            <a:r>
+              <a:rPr lang="en-US" altLang="ko-KR" sz="1600" b="0" dirty="0" err="1">
+                <a:solidFill>
+                  <a:srgbClr val="0000FF"/>
+                </a:solidFill>
+                <a:effectLst/>
+                <a:latin typeface="ubuntu mono derivative powerline" panose="020B0509030602030204" pitchFamily="49" charset="0"/>
+              </a:rPr>
+              <a:t>random</a:t>
+            </a:r>
+            <a:r>
+              <a:rPr lang="en-US" altLang="ko-KR" sz="1600" b="0" dirty="0" err="1">
+                <a:effectLst/>
+                <a:latin typeface="ubuntu mono derivative powerline" panose="020B0509030602030204" pitchFamily="49" charset="0"/>
+              </a:rPr>
+              <a:t>.</a:t>
+            </a:r>
+            <a:r>
+              <a:rPr lang="en-US" altLang="ko-KR" sz="1600" b="0" dirty="0" err="1">
+                <a:solidFill>
+                  <a:srgbClr val="0000FF"/>
+                </a:solidFill>
+                <a:effectLst/>
+                <a:latin typeface="ubuntu mono derivative powerline" panose="020B0509030602030204" pitchFamily="49" charset="0"/>
+              </a:rPr>
+              <a:t>rand</a:t>
+            </a:r>
+            <a:r>
+              <a:rPr lang="en-US" altLang="ko-KR" sz="1600" b="0" dirty="0">
+                <a:effectLst/>
+                <a:latin typeface="ubuntu mono derivative powerline" panose="020B0509030602030204" pitchFamily="49" charset="0"/>
+              </a:rPr>
+              <a:t>(2, 3)</a:t>
+            </a:r>
+          </a:p>
+          <a:p>
+            <a:r>
+              <a:rPr lang="en-US" altLang="ko-KR" sz="1600" b="0" dirty="0">
+                <a:effectLst/>
+                <a:latin typeface="ubuntu mono derivative powerline" panose="020B0509030602030204" pitchFamily="49" charset="0"/>
+              </a:rPr>
+              <a:t>b = </a:t>
+            </a:r>
+            <a:r>
+              <a:rPr lang="en-US" altLang="ko-KR" sz="1600" b="0" dirty="0" err="1">
+                <a:solidFill>
+                  <a:srgbClr val="7030A0"/>
+                </a:solidFill>
+                <a:effectLst/>
+                <a:latin typeface="ubuntu mono derivative powerline" panose="020B0509030602030204" pitchFamily="49" charset="0"/>
+              </a:rPr>
+              <a:t>np</a:t>
+            </a:r>
+            <a:r>
+              <a:rPr lang="en-US" altLang="ko-KR" sz="1600" b="0" dirty="0" err="1">
+                <a:effectLst/>
+                <a:latin typeface="ubuntu mono derivative powerline" panose="020B0509030602030204" pitchFamily="49" charset="0"/>
+              </a:rPr>
+              <a:t>.</a:t>
+            </a:r>
+            <a:r>
+              <a:rPr lang="en-US" altLang="ko-KR" sz="1600" b="0" dirty="0" err="1">
+                <a:solidFill>
+                  <a:srgbClr val="0000FF"/>
+                </a:solidFill>
+                <a:effectLst/>
+                <a:latin typeface="ubuntu mono derivative powerline" panose="020B0509030602030204" pitchFamily="49" charset="0"/>
+              </a:rPr>
+              <a:t>random</a:t>
+            </a:r>
+            <a:r>
+              <a:rPr lang="en-US" altLang="ko-KR" sz="1600" b="0" dirty="0" err="1">
+                <a:effectLst/>
+                <a:latin typeface="ubuntu mono derivative powerline" panose="020B0509030602030204" pitchFamily="49" charset="0"/>
+              </a:rPr>
+              <a:t>.</a:t>
+            </a:r>
+            <a:r>
+              <a:rPr lang="en-US" altLang="ko-KR" sz="1600" b="0" dirty="0" err="1">
+                <a:solidFill>
+                  <a:srgbClr val="0000FF"/>
+                </a:solidFill>
+                <a:effectLst/>
+                <a:latin typeface="ubuntu mono derivative powerline" panose="020B0509030602030204" pitchFamily="49" charset="0"/>
+              </a:rPr>
+              <a:t>randint</a:t>
+            </a:r>
+            <a:r>
+              <a:rPr lang="en-US" altLang="ko-KR" sz="1600" b="0" dirty="0">
+                <a:effectLst/>
+                <a:latin typeface="ubuntu mono derivative powerline" panose="020B0509030602030204" pitchFamily="49" charset="0"/>
+              </a:rPr>
+              <a:t>(1, 100, 6)</a:t>
+            </a:r>
+          </a:p>
+          <a:p>
+            <a:r>
+              <a:rPr lang="en-US" altLang="ko-KR" sz="1600" b="0" dirty="0">
+                <a:solidFill>
+                  <a:srgbClr val="0000FF"/>
+                </a:solidFill>
+                <a:effectLst/>
+                <a:latin typeface="ubuntu mono derivative powerline" panose="020B0509030602030204" pitchFamily="49" charset="0"/>
+              </a:rPr>
+              <a:t>print</a:t>
+            </a:r>
+            <a:r>
+              <a:rPr lang="en-US" altLang="ko-KR" sz="1600" b="0" dirty="0">
+                <a:effectLst/>
+                <a:latin typeface="ubuntu mono derivative powerline" panose="020B0509030602030204" pitchFamily="49" charset="0"/>
+              </a:rPr>
+              <a:t>(</a:t>
+            </a:r>
+            <a:r>
+              <a:rPr lang="en-US" altLang="ko-KR" sz="1600" b="0" dirty="0">
+                <a:solidFill>
+                  <a:srgbClr val="FF0000"/>
+                </a:solidFill>
+                <a:effectLst/>
+                <a:latin typeface="ubuntu mono derivative powerline" panose="020B0509030602030204" pitchFamily="49" charset="0"/>
+              </a:rPr>
+              <a:t>a</a:t>
+            </a:r>
+            <a:r>
+              <a:rPr lang="en-US" altLang="ko-KR" sz="1600" b="0" dirty="0">
+                <a:effectLst/>
+                <a:latin typeface="ubuntu mono derivative powerline" panose="020B0509030602030204" pitchFamily="49" charset="0"/>
+              </a:rPr>
+              <a:t>)</a:t>
+            </a:r>
+          </a:p>
+          <a:p>
+            <a:r>
+              <a:rPr lang="en-US" altLang="ko-KR" sz="1600" b="0" dirty="0">
+                <a:solidFill>
+                  <a:srgbClr val="0000FF"/>
+                </a:solidFill>
+                <a:effectLst/>
+                <a:latin typeface="ubuntu mono derivative powerline" panose="020B0509030602030204" pitchFamily="49" charset="0"/>
+              </a:rPr>
+              <a:t>print</a:t>
+            </a:r>
+            <a:r>
+              <a:rPr lang="en-US" altLang="ko-KR" sz="1600" b="0" dirty="0">
+                <a:effectLst/>
+                <a:latin typeface="ubuntu mono derivative powerline" panose="020B0509030602030204" pitchFamily="49" charset="0"/>
+              </a:rPr>
+              <a:t>(</a:t>
+            </a:r>
+            <a:r>
+              <a:rPr lang="en-US" altLang="ko-KR" sz="1600" b="0" dirty="0">
+                <a:solidFill>
+                  <a:srgbClr val="FFC000"/>
+                </a:solidFill>
+                <a:effectLst/>
+                <a:latin typeface="ubuntu mono derivative powerline" panose="020B0509030602030204" pitchFamily="49" charset="0"/>
+              </a:rPr>
+              <a:t>b</a:t>
+            </a:r>
+            <a:r>
+              <a:rPr lang="en-US" altLang="ko-KR" sz="1600" b="0" dirty="0">
+                <a:effectLst/>
+                <a:latin typeface="ubuntu mono derivative powerline" panose="020B0509030602030204" pitchFamily="49" charset="0"/>
+              </a:rPr>
+              <a:t>)</a:t>
+            </a:r>
+          </a:p>
+          <a:p>
+            <a:r>
+              <a:rPr lang="en-US" altLang="ko-KR" sz="1600" b="0" dirty="0">
+                <a:effectLst/>
+                <a:latin typeface="ubuntu mono derivative powerline" panose="020B0509030602030204" pitchFamily="49" charset="0"/>
+              </a:rPr>
+              <a:t>b = </a:t>
+            </a:r>
+            <a:r>
+              <a:rPr lang="en-US" altLang="ko-KR" sz="1600" b="0" dirty="0" err="1">
+                <a:effectLst/>
+                <a:latin typeface="ubuntu mono derivative powerline" panose="020B0509030602030204" pitchFamily="49" charset="0"/>
+              </a:rPr>
+              <a:t>b.</a:t>
+            </a:r>
+            <a:r>
+              <a:rPr lang="en-US" altLang="ko-KR" sz="1600" b="0" dirty="0" err="1">
+                <a:solidFill>
+                  <a:srgbClr val="0000FF"/>
+                </a:solidFill>
+                <a:effectLst/>
+                <a:latin typeface="ubuntu mono derivative powerline" panose="020B0509030602030204" pitchFamily="49" charset="0"/>
+              </a:rPr>
+              <a:t>reshape</a:t>
+            </a:r>
+            <a:r>
+              <a:rPr lang="en-US" altLang="ko-KR" sz="1600" b="0" dirty="0">
+                <a:effectLst/>
+                <a:latin typeface="ubuntu mono derivative powerline" panose="020B0509030602030204" pitchFamily="49" charset="0"/>
+              </a:rPr>
+              <a:t>(2,-1)</a:t>
+            </a:r>
+          </a:p>
+          <a:p>
+            <a:r>
+              <a:rPr lang="en-US" altLang="ko-KR" sz="1600" b="0" dirty="0">
+                <a:solidFill>
+                  <a:srgbClr val="0000FF"/>
+                </a:solidFill>
+                <a:effectLst/>
+                <a:latin typeface="ubuntu mono derivative powerline" panose="020B0509030602030204" pitchFamily="49" charset="0"/>
+              </a:rPr>
+              <a:t>print</a:t>
+            </a:r>
+            <a:r>
+              <a:rPr lang="en-US" altLang="ko-KR" sz="1600" b="0" dirty="0">
+                <a:effectLst/>
+                <a:latin typeface="ubuntu mono derivative powerline" panose="020B0509030602030204" pitchFamily="49" charset="0"/>
+              </a:rPr>
+              <a:t>(</a:t>
+            </a:r>
+            <a:r>
+              <a:rPr lang="en-US" altLang="ko-KR" sz="1600" b="0" dirty="0">
+                <a:solidFill>
+                  <a:srgbClr val="00B050"/>
+                </a:solidFill>
+                <a:effectLst/>
+                <a:latin typeface="ubuntu mono derivative powerline" panose="020B0509030602030204" pitchFamily="49" charset="0"/>
+              </a:rPr>
+              <a:t>b</a:t>
+            </a:r>
+            <a:r>
+              <a:rPr lang="en-US" altLang="ko-KR" sz="1600" b="0" dirty="0">
+                <a:effectLst/>
+                <a:latin typeface="ubuntu mono derivative powerline" panose="020B0509030602030204" pitchFamily="49" charset="0"/>
+              </a:rPr>
+              <a:t>)</a:t>
+            </a:r>
+          </a:p>
+        </p:txBody>
+      </p:sp>
+      <p:sp>
+        <p:nvSpPr>
+          <p:cNvPr id="6" name="직사각형 5">
+            <a:extLst>
+              <a:ext uri="{FF2B5EF4-FFF2-40B4-BE49-F238E27FC236}">
+                <a16:creationId xmlns:a16="http://schemas.microsoft.com/office/drawing/2014/main" id="{A62822CF-77D4-5926-C371-F23D48C91D84}"/>
+              </a:ext>
+            </a:extLst>
+          </p:cNvPr>
+          <p:cNvSpPr/>
+          <p:nvPr/>
+        </p:nvSpPr>
+        <p:spPr>
+          <a:xfrm>
+            <a:off x="4967568" y="2019424"/>
+            <a:ext cx="4068928" cy="2308324"/>
+          </a:xfrm>
+          <a:prstGeom prst="rect">
+            <a:avLst/>
+          </a:prstGeom>
+        </p:spPr>
+        <p:txBody>
+          <a:bodyPr wrap="square">
+            <a:spAutoFit/>
+          </a:bodyPr>
+          <a:lstStyle/>
+          <a:p>
+            <a:endParaRPr lang="en-US" altLang="ko-KR" sz="1600" b="0" dirty="0">
+              <a:effectLst/>
+              <a:latin typeface="ubuntu mono derivative powerline" panose="020B0509030602030204" pitchFamily="49" charset="0"/>
+            </a:endParaRPr>
+          </a:p>
+          <a:p>
+            <a:endParaRPr lang="en-US" altLang="ko-KR" sz="1600" dirty="0">
+              <a:latin typeface="ubuntu mono derivative powerline" panose="020B0509030602030204" pitchFamily="49" charset="0"/>
+            </a:endParaRPr>
+          </a:p>
+          <a:p>
+            <a:endParaRPr lang="en-US" altLang="ko-KR" sz="1600" b="0" dirty="0">
+              <a:effectLst/>
+              <a:latin typeface="ubuntu mono derivative powerline" panose="020B0509030602030204" pitchFamily="49" charset="0"/>
+            </a:endParaRPr>
+          </a:p>
+          <a:p>
+            <a:r>
+              <a:rPr lang="en-US" altLang="ko-KR" sz="1600" dirty="0">
+                <a:solidFill>
+                  <a:srgbClr val="00B050"/>
+                </a:solidFill>
+                <a:latin typeface="ubuntu mono derivative powerline" panose="020B0509030602030204" pitchFamily="49" charset="0"/>
+              </a:rPr>
+              <a:t># </a:t>
+            </a:r>
+            <a:r>
+              <a:rPr lang="ko-KR" altLang="en-US" sz="1600" dirty="0" err="1">
+                <a:solidFill>
+                  <a:srgbClr val="00B050"/>
+                </a:solidFill>
+                <a:latin typeface="ubuntu mono derivative powerline" panose="020B0509030602030204" pitchFamily="49" charset="0"/>
+              </a:rPr>
+              <a:t>랜덤시드</a:t>
+            </a:r>
+            <a:r>
+              <a:rPr lang="ko-KR" altLang="en-US" sz="1600" dirty="0">
+                <a:solidFill>
+                  <a:srgbClr val="00B050"/>
+                </a:solidFill>
+                <a:latin typeface="ubuntu mono derivative powerline" panose="020B0509030602030204" pitchFamily="49" charset="0"/>
+              </a:rPr>
+              <a:t> </a:t>
+            </a:r>
+            <a:r>
+              <a:rPr lang="en-US" altLang="ko-KR" sz="1600" dirty="0">
+                <a:solidFill>
+                  <a:srgbClr val="00B050"/>
+                </a:solidFill>
+                <a:latin typeface="ubuntu mono derivative powerline" panose="020B0509030602030204" pitchFamily="49" charset="0"/>
+              </a:rPr>
+              <a:t>10</a:t>
+            </a:r>
+            <a:r>
+              <a:rPr lang="ko-KR" altLang="en-US" sz="1600" dirty="0">
+                <a:solidFill>
+                  <a:srgbClr val="00B050"/>
+                </a:solidFill>
+                <a:latin typeface="ubuntu mono derivative powerline" panose="020B0509030602030204" pitchFamily="49" charset="0"/>
+              </a:rPr>
+              <a:t>으로 설정</a:t>
+            </a:r>
+            <a:endParaRPr lang="en-US" altLang="ko-KR" sz="1600" dirty="0">
+              <a:solidFill>
+                <a:srgbClr val="00B050"/>
+              </a:solidFill>
+              <a:latin typeface="ubuntu mono derivative powerline" panose="020B0509030602030204" pitchFamily="49" charset="0"/>
+            </a:endParaRPr>
+          </a:p>
+          <a:p>
+            <a:r>
+              <a:rPr lang="en-US" altLang="ko-KR" sz="1600" b="0" dirty="0">
+                <a:solidFill>
+                  <a:srgbClr val="00B050"/>
+                </a:solidFill>
+                <a:effectLst/>
+                <a:latin typeface="ubuntu mono derivative powerline" panose="020B0509030602030204" pitchFamily="49" charset="0"/>
+              </a:rPr>
+              <a:t># </a:t>
+            </a:r>
+            <a:r>
+              <a:rPr lang="en-US" altLang="ko-KR" sz="1600" dirty="0">
+                <a:solidFill>
+                  <a:srgbClr val="00B050"/>
+                </a:solidFill>
+                <a:latin typeface="ubuntu mono derivative powerline" panose="020B0509030602030204" pitchFamily="49" charset="0"/>
+              </a:rPr>
+              <a:t>2</a:t>
+            </a:r>
+            <a:r>
+              <a:rPr lang="ko-KR" altLang="en-US" sz="1600" dirty="0">
+                <a:solidFill>
+                  <a:srgbClr val="00B050"/>
+                </a:solidFill>
+                <a:latin typeface="ubuntu mono derivative powerline" panose="020B0509030602030204" pitchFamily="49" charset="0"/>
+              </a:rPr>
+              <a:t>행</a:t>
+            </a:r>
+            <a:r>
+              <a:rPr lang="ko-KR" altLang="en-US" sz="1600" b="0" dirty="0">
+                <a:solidFill>
+                  <a:srgbClr val="00B050"/>
+                </a:solidFill>
+                <a:effectLst/>
+                <a:latin typeface="ubuntu mono derivative powerline" panose="020B0509030602030204" pitchFamily="49" charset="0"/>
+              </a:rPr>
+              <a:t> </a:t>
+            </a:r>
+            <a:r>
+              <a:rPr lang="en-US" altLang="ko-KR" sz="1600" b="0" dirty="0">
+                <a:solidFill>
+                  <a:srgbClr val="00B050"/>
+                </a:solidFill>
+                <a:effectLst/>
+                <a:latin typeface="ubuntu mono derivative powerline" panose="020B0509030602030204" pitchFamily="49" charset="0"/>
+              </a:rPr>
+              <a:t>3</a:t>
+            </a:r>
+            <a:r>
+              <a:rPr lang="ko-KR" altLang="en-US" sz="1600" b="0" dirty="0">
+                <a:solidFill>
+                  <a:srgbClr val="00B050"/>
+                </a:solidFill>
+                <a:effectLst/>
+                <a:latin typeface="ubuntu mono derivative powerline" panose="020B0509030602030204" pitchFamily="49" charset="0"/>
+              </a:rPr>
+              <a:t>열로 된 랜덤 행렬 생성</a:t>
+            </a:r>
+            <a:endParaRPr lang="en-US" altLang="ko-KR" sz="1600" b="0" dirty="0">
+              <a:solidFill>
+                <a:srgbClr val="00B050"/>
+              </a:solidFill>
+              <a:effectLst/>
+              <a:latin typeface="ubuntu mono derivative powerline" panose="020B0509030602030204" pitchFamily="49" charset="0"/>
+            </a:endParaRPr>
+          </a:p>
+          <a:p>
+            <a:r>
+              <a:rPr lang="en-US" altLang="ko-KR" sz="1600" dirty="0">
+                <a:solidFill>
+                  <a:srgbClr val="00B050"/>
+                </a:solidFill>
+                <a:latin typeface="ubuntu mono derivative powerline" panose="020B0509030602030204" pitchFamily="49" charset="0"/>
+              </a:rPr>
+              <a:t># 1</a:t>
+            </a:r>
+            <a:r>
+              <a:rPr lang="ko-KR" altLang="en-US" sz="1600" dirty="0">
+                <a:solidFill>
+                  <a:srgbClr val="00B050"/>
+                </a:solidFill>
+                <a:latin typeface="ubuntu mono derivative powerline" panose="020B0509030602030204" pitchFamily="49" charset="0"/>
+              </a:rPr>
+              <a:t>차원으로 된 </a:t>
+            </a:r>
+            <a:r>
+              <a:rPr lang="en-US" altLang="ko-KR" sz="1600" dirty="0">
+                <a:solidFill>
+                  <a:srgbClr val="00B050"/>
+                </a:solidFill>
+                <a:latin typeface="ubuntu mono derivative powerline" panose="020B0509030602030204" pitchFamily="49" charset="0"/>
+              </a:rPr>
+              <a:t>1 ~ 100 </a:t>
+            </a:r>
+            <a:r>
+              <a:rPr lang="ko-KR" altLang="en-US" sz="1600" dirty="0">
+                <a:solidFill>
+                  <a:srgbClr val="00B050"/>
+                </a:solidFill>
+                <a:latin typeface="ubuntu mono derivative powerline" panose="020B0509030602030204" pitchFamily="49" charset="0"/>
+              </a:rPr>
+              <a:t>랜덤 행렬 생성</a:t>
+            </a:r>
+            <a:endParaRPr lang="en-US" altLang="ko-KR" sz="1600" dirty="0">
+              <a:solidFill>
+                <a:srgbClr val="00B050"/>
+              </a:solidFill>
+              <a:latin typeface="ubuntu mono derivative powerline" panose="020B0509030602030204" pitchFamily="49" charset="0"/>
+            </a:endParaRPr>
+          </a:p>
+          <a:p>
+            <a:endParaRPr lang="en-US" altLang="ko-KR" sz="1600" b="0" dirty="0">
+              <a:solidFill>
+                <a:srgbClr val="00B050"/>
+              </a:solidFill>
+              <a:effectLst/>
+              <a:latin typeface="ubuntu mono derivative powerline" panose="020B0509030602030204" pitchFamily="49" charset="0"/>
+            </a:endParaRPr>
+          </a:p>
+          <a:p>
+            <a:endParaRPr lang="en-US" altLang="ko-KR" sz="1600" dirty="0">
+              <a:solidFill>
+                <a:srgbClr val="00B050"/>
+              </a:solidFill>
+              <a:latin typeface="ubuntu mono derivative powerline" panose="020B0509030602030204" pitchFamily="49" charset="0"/>
+            </a:endParaRPr>
+          </a:p>
+          <a:p>
+            <a:r>
+              <a:rPr lang="en-US" altLang="ko-KR" sz="1600" b="0" dirty="0">
+                <a:solidFill>
+                  <a:srgbClr val="00B050"/>
+                </a:solidFill>
+                <a:effectLst/>
+                <a:latin typeface="ubuntu mono derivative powerline" panose="020B0509030602030204" pitchFamily="49" charset="0"/>
+              </a:rPr>
+              <a:t># 1</a:t>
+            </a:r>
+            <a:r>
+              <a:rPr lang="ko-KR" altLang="en-US" sz="1600" b="0" dirty="0">
+                <a:solidFill>
+                  <a:srgbClr val="00B050"/>
+                </a:solidFill>
+                <a:effectLst/>
+                <a:latin typeface="ubuntu mono derivative powerline" panose="020B0509030602030204" pitchFamily="49" charset="0"/>
+              </a:rPr>
+              <a:t>차원 행렬을 </a:t>
+            </a:r>
+            <a:r>
+              <a:rPr lang="en-US" altLang="ko-KR" sz="1600" b="0" dirty="0">
+                <a:solidFill>
+                  <a:srgbClr val="00B050"/>
+                </a:solidFill>
+                <a:effectLst/>
+                <a:latin typeface="ubuntu mono derivative powerline" panose="020B0509030602030204" pitchFamily="49" charset="0"/>
+              </a:rPr>
+              <a:t>2</a:t>
+            </a:r>
+            <a:r>
+              <a:rPr lang="ko-KR" altLang="en-US" sz="1600" b="0" dirty="0">
+                <a:solidFill>
+                  <a:srgbClr val="00B050"/>
+                </a:solidFill>
+                <a:effectLst/>
+                <a:latin typeface="ubuntu mono derivative powerline" panose="020B0509030602030204" pitchFamily="49" charset="0"/>
+              </a:rPr>
+              <a:t>행으로 변경</a:t>
+            </a:r>
+            <a:endParaRPr lang="en-US" altLang="ko-KR" sz="1600" b="0" dirty="0">
+              <a:solidFill>
+                <a:srgbClr val="00B050"/>
+              </a:solidFill>
+              <a:effectLst/>
+              <a:latin typeface="ubuntu mono derivative powerline" panose="020B0509030602030204" pitchFamily="49" charset="0"/>
+            </a:endParaRPr>
+          </a:p>
+        </p:txBody>
+      </p:sp>
+      <p:sp>
+        <p:nvSpPr>
+          <p:cNvPr id="5" name="직사각형 4">
+            <a:extLst>
+              <a:ext uri="{FF2B5EF4-FFF2-40B4-BE49-F238E27FC236}">
+                <a16:creationId xmlns:a16="http://schemas.microsoft.com/office/drawing/2014/main" id="{32BC0FBE-C923-9A8D-C9FB-6063A5C9526B}"/>
+              </a:ext>
+            </a:extLst>
+          </p:cNvPr>
+          <p:cNvSpPr/>
+          <p:nvPr/>
+        </p:nvSpPr>
+        <p:spPr>
+          <a:xfrm>
+            <a:off x="3635896" y="4441447"/>
+            <a:ext cx="3240360" cy="1015663"/>
+          </a:xfrm>
+          <a:prstGeom prst="rect">
+            <a:avLst/>
+          </a:prstGeom>
+        </p:spPr>
+        <p:txBody>
+          <a:bodyPr wrap="square">
+            <a:spAutoFit/>
+          </a:bodyPr>
+          <a:lstStyle/>
+          <a:p>
+            <a:r>
+              <a:rPr lang="en-US" altLang="ko-KR" sz="1200" b="0" dirty="0">
+                <a:solidFill>
+                  <a:srgbClr val="FF0000"/>
+                </a:solidFill>
+                <a:effectLst/>
+                <a:latin typeface="ubuntu mono derivative powerline" panose="020B0509030602030204" pitchFamily="49" charset="0"/>
+              </a:rPr>
+              <a:t>[[0.77132064 0.02075195 0.63364823]</a:t>
+            </a:r>
+          </a:p>
+          <a:p>
+            <a:r>
+              <a:rPr lang="en-US" altLang="ko-KR" sz="1200" b="0" dirty="0">
+                <a:solidFill>
+                  <a:srgbClr val="FF0000"/>
+                </a:solidFill>
+                <a:effectLst/>
+                <a:latin typeface="ubuntu mono derivative powerline" panose="020B0509030602030204" pitchFamily="49" charset="0"/>
+              </a:rPr>
+              <a:t> [0.74880388 0.49850701 0.22479665]]</a:t>
+            </a:r>
+          </a:p>
+          <a:p>
+            <a:r>
+              <a:rPr lang="en-US" altLang="ko-KR" sz="1200" b="0" dirty="0">
+                <a:solidFill>
+                  <a:srgbClr val="FFC000"/>
+                </a:solidFill>
+                <a:effectLst/>
+                <a:latin typeface="ubuntu mono derivative powerline" panose="020B0509030602030204" pitchFamily="49" charset="0"/>
+              </a:rPr>
+              <a:t>[ 9 74  1 41 37 17]</a:t>
+            </a:r>
+          </a:p>
+          <a:p>
+            <a:r>
+              <a:rPr lang="en-US" altLang="ko-KR" sz="1200" b="0" dirty="0">
+                <a:solidFill>
+                  <a:srgbClr val="00B050"/>
+                </a:solidFill>
+                <a:effectLst/>
+                <a:latin typeface="ubuntu mono derivative powerline" panose="020B0509030602030204" pitchFamily="49" charset="0"/>
+              </a:rPr>
+              <a:t>[[ 9 74  1]</a:t>
+            </a:r>
+          </a:p>
+          <a:p>
+            <a:r>
+              <a:rPr lang="en-US" altLang="ko-KR" sz="1200" b="0" dirty="0">
+                <a:solidFill>
+                  <a:srgbClr val="00B050"/>
+                </a:solidFill>
+                <a:effectLst/>
+                <a:latin typeface="ubuntu mono derivative powerline" panose="020B0509030602030204" pitchFamily="49" charset="0"/>
+              </a:rPr>
+              <a:t> [41 37 17]]</a:t>
             </a:r>
           </a:p>
         </p:txBody>

--- a/2022-09-20/documents/CH_03_파이썬 기초_실습2.pptx
+++ b/2022-09-20/documents/CH_03_파이썬 기초_실습2.pptx
@@ -5,10 +5,10 @@
     <p:sldMasterId id="2147483970" r:id="rId1"/>
   </p:sldMasterIdLst>
   <p:notesMasterIdLst>
-    <p:notesMasterId r:id="rId17"/>
+    <p:notesMasterId r:id="rId21"/>
   </p:notesMasterIdLst>
   <p:handoutMasterIdLst>
-    <p:handoutMasterId r:id="rId18"/>
+    <p:handoutMasterId r:id="rId22"/>
   </p:handoutMasterIdLst>
   <p:sldIdLst>
     <p:sldId id="256" r:id="rId2"/>
@@ -26,6 +26,10 @@
     <p:sldId id="377" r:id="rId14"/>
     <p:sldId id="381" r:id="rId15"/>
     <p:sldId id="380" r:id="rId16"/>
+    <p:sldId id="382" r:id="rId17"/>
+    <p:sldId id="383" r:id="rId18"/>
+    <p:sldId id="384" r:id="rId19"/>
+    <p:sldId id="385" r:id="rId20"/>
   </p:sldIdLst>
   <p:sldSz cx="9144000" cy="5715000" type="screen16x10"/>
   <p:notesSz cx="7104063" cy="10234613"/>
@@ -11977,7 +11981,7 @@
                 </a:solidFill>
                 <a:latin typeface="ubuntu mono derivative powerline" panose="020B0509030602030204" pitchFamily="49" charset="0"/>
               </a:rPr>
-              <a:t># 1</a:t>
+              <a:t># 1 ~ 100 </a:t>
             </a:r>
             <a:r>
               <a:rPr lang="ko-KR" altLang="en-US" sz="1600" dirty="0">
@@ -11986,7 +11990,7 @@
                 </a:solidFill>
                 <a:latin typeface="ubuntu mono derivative powerline" panose="020B0509030602030204" pitchFamily="49" charset="0"/>
               </a:rPr>
-              <a:t>차원으로 된 </a:t>
+              <a:t>랜덤 행렬 </a:t>
             </a:r>
             <a:r>
               <a:rPr lang="en-US" altLang="ko-KR" sz="1600" dirty="0">
@@ -11995,7 +11999,7 @@
                 </a:solidFill>
                 <a:latin typeface="ubuntu mono derivative powerline" panose="020B0509030602030204" pitchFamily="49" charset="0"/>
               </a:rPr>
-              <a:t>1 ~ 100 </a:t>
+              <a:t>6</a:t>
             </a:r>
             <a:r>
               <a:rPr lang="ko-KR" altLang="en-US" sz="1600" dirty="0">
@@ -12004,7 +12008,7 @@
                 </a:solidFill>
                 <a:latin typeface="ubuntu mono derivative powerline" panose="020B0509030602030204" pitchFamily="49" charset="0"/>
               </a:rPr>
-              <a:t>랜덤 행렬 생성</a:t>
+              <a:t>개 생성</a:t>
             </a:r>
             <a:endParaRPr lang="en-US" altLang="ko-KR" sz="1600" dirty="0">
               <a:solidFill>
@@ -12173,6 +12177,3133 @@
     <p:extLst>
       <p:ext uri="{BB962C8B-B14F-4D97-AF65-F5344CB8AC3E}">
         <p14:creationId xmlns:p14="http://schemas.microsoft.com/office/powerpoint/2010/main" val="1355856423"/>
+      </p:ext>
+    </p:extLst>
+  </p:cSld>
+  <p:clrMapOvr>
+    <a:masterClrMapping/>
+  </p:clrMapOvr>
+</p:sld>
+</file>
+
+<file path=ppt/slides/slide16.xml><?xml version="1.0" encoding="utf-8"?>
+<p:sld xmlns:a="http://schemas.openxmlformats.org/drawingml/2006/main" xmlns:r="http://schemas.openxmlformats.org/officeDocument/2006/relationships" xmlns:p="http://schemas.openxmlformats.org/presentationml/2006/main">
+  <p:cSld>
+    <p:spTree>
+      <p:nvGrpSpPr>
+        <p:cNvPr id="1" name=""/>
+        <p:cNvGrpSpPr/>
+        <p:nvPr/>
+      </p:nvGrpSpPr>
+      <p:grpSpPr>
+        <a:xfrm>
+          <a:off x="0" y="0"/>
+          <a:ext cx="0" cy="0"/>
+          <a:chOff x="0" y="0"/>
+          <a:chExt cx="0" cy="0"/>
+        </a:xfrm>
+      </p:grpSpPr>
+      <p:sp>
+        <p:nvSpPr>
+          <p:cNvPr id="2" name="제목 1"/>
+          <p:cNvSpPr>
+            <a:spLocks noGrp="1"/>
+          </p:cNvSpPr>
+          <p:nvPr>
+            <p:ph type="title"/>
+          </p:nvPr>
+        </p:nvSpPr>
+        <p:spPr/>
+        <p:txBody>
+          <a:bodyPr/>
+          <a:lstStyle/>
+          <a:p>
+            <a:r>
+              <a:rPr lang="en-US" altLang="ko-KR" dirty="0"/>
+              <a:t>3.1 </a:t>
+            </a:r>
+            <a:r>
+              <a:rPr lang="ko-KR" altLang="en-US" dirty="0" err="1"/>
+              <a:t>파이썬의</a:t>
+            </a:r>
+            <a:r>
+              <a:rPr lang="ko-KR" altLang="en-US" dirty="0"/>
+              <a:t> 자료구조</a:t>
+            </a:r>
+          </a:p>
+        </p:txBody>
+      </p:sp>
+      <p:sp>
+        <p:nvSpPr>
+          <p:cNvPr id="3" name="내용 개체 틀 2"/>
+          <p:cNvSpPr>
+            <a:spLocks noGrp="1"/>
+          </p:cNvSpPr>
+          <p:nvPr>
+            <p:ph idx="1"/>
+          </p:nvPr>
+        </p:nvSpPr>
+        <p:spPr/>
+        <p:txBody>
+          <a:bodyPr>
+            <a:normAutofit/>
+          </a:bodyPr>
+          <a:lstStyle/>
+          <a:p>
+            <a:r>
+              <a:rPr lang="en-US" altLang="ko-KR" dirty="0"/>
+              <a:t>3.3 </a:t>
+            </a:r>
+            <a:r>
+              <a:rPr lang="en-US" altLang="ko-KR" dirty="0" err="1"/>
+              <a:t>numpy</a:t>
+            </a:r>
+            <a:r>
+              <a:rPr lang="en-US" altLang="ko-KR" dirty="0"/>
+              <a:t> </a:t>
+            </a:r>
+            <a:r>
+              <a:rPr lang="ko-KR" altLang="en-US" dirty="0"/>
+              <a:t>실습</a:t>
+            </a:r>
+            <a:r>
+              <a:rPr lang="en-US" altLang="ko-KR" dirty="0"/>
+              <a:t>1</a:t>
+            </a:r>
+          </a:p>
+          <a:p>
+            <a:pPr lvl="1"/>
+            <a:r>
+              <a:rPr lang="ko-KR" altLang="en-US" dirty="0"/>
+              <a:t>조건</a:t>
+            </a:r>
+            <a:endParaRPr lang="en-US" altLang="ko-KR" dirty="0"/>
+          </a:p>
+          <a:p>
+            <a:pPr lvl="2"/>
+            <a:r>
+              <a:rPr lang="ko-KR" altLang="en-US" sz="1600" dirty="0"/>
+              <a:t>입력</a:t>
+            </a:r>
+            <a:endParaRPr lang="en-US" altLang="ko-KR" sz="1600" dirty="0"/>
+          </a:p>
+          <a:p>
+            <a:pPr lvl="3"/>
+            <a:r>
+              <a:rPr lang="ko-KR" altLang="en-US" sz="1433" dirty="0"/>
+              <a:t>자유</a:t>
+            </a:r>
+            <a:endParaRPr lang="en-US" altLang="ko-KR" sz="1433" dirty="0"/>
+          </a:p>
+          <a:p>
+            <a:pPr lvl="3"/>
+            <a:endParaRPr lang="en-US" altLang="ko-KR" sz="1433" dirty="0"/>
+          </a:p>
+          <a:p>
+            <a:pPr lvl="2"/>
+            <a:r>
+              <a:rPr lang="ko-KR" altLang="en-US" sz="1600" dirty="0"/>
+              <a:t>조건</a:t>
+            </a:r>
+            <a:endParaRPr lang="en-US" altLang="ko-KR" sz="1600" dirty="0"/>
+          </a:p>
+          <a:p>
+            <a:pPr lvl="3"/>
+            <a:r>
+              <a:rPr lang="ko-KR" altLang="en-US" sz="1433" dirty="0"/>
+              <a:t>실수형 원소 </a:t>
+            </a:r>
+            <a:r>
+              <a:rPr lang="en-US" altLang="ko-KR" sz="1433" dirty="0"/>
+              <a:t>10</a:t>
+            </a:r>
+            <a:r>
+              <a:rPr lang="ko-KR" altLang="en-US" sz="1433" dirty="0"/>
+              <a:t>개를 갖는 </a:t>
+            </a:r>
+            <a:r>
+              <a:rPr lang="en-US" altLang="ko-KR" sz="1433" dirty="0" err="1"/>
+              <a:t>ndarray</a:t>
+            </a:r>
+            <a:r>
+              <a:rPr lang="en-US" altLang="ko-KR" sz="1433" dirty="0"/>
+              <a:t> </a:t>
+            </a:r>
+            <a:r>
+              <a:rPr lang="ko-KR" altLang="en-US" sz="1433" dirty="0"/>
+              <a:t>행렬을 랜덤으로 선언해서</a:t>
+            </a:r>
+            <a:br>
+              <a:rPr lang="en-US" altLang="ko-KR" sz="1433" dirty="0"/>
+            </a:br>
+            <a:r>
+              <a:rPr lang="ko-KR" altLang="en-US" sz="1433" dirty="0">
+                <a:solidFill>
+                  <a:srgbClr val="FF0000"/>
+                </a:solidFill>
+              </a:rPr>
+              <a:t>전체 원소</a:t>
+            </a:r>
+            <a:r>
+              <a:rPr lang="ko-KR" altLang="en-US" sz="1433" dirty="0"/>
+              <a:t>와 </a:t>
+            </a:r>
+            <a:r>
+              <a:rPr lang="ko-KR" altLang="en-US" sz="1433" dirty="0">
+                <a:solidFill>
+                  <a:srgbClr val="FFC000"/>
+                </a:solidFill>
+              </a:rPr>
+              <a:t>합</a:t>
+            </a:r>
+            <a:r>
+              <a:rPr lang="ko-KR" altLang="en-US" sz="1433" dirty="0"/>
+              <a:t>과 </a:t>
+            </a:r>
+            <a:r>
+              <a:rPr lang="ko-KR" altLang="en-US" sz="1433" dirty="0">
+                <a:solidFill>
+                  <a:srgbClr val="00B050"/>
+                </a:solidFill>
+              </a:rPr>
+              <a:t>평균</a:t>
+            </a:r>
+            <a:r>
+              <a:rPr lang="ko-KR" altLang="en-US" sz="1433" dirty="0"/>
+              <a:t>을 구하라</a:t>
+            </a:r>
+            <a:r>
+              <a:rPr lang="en-US" altLang="ko-KR" sz="1433" dirty="0"/>
+              <a:t>.</a:t>
+            </a:r>
+          </a:p>
+          <a:p>
+            <a:pPr lvl="3"/>
+            <a:endParaRPr lang="en-US" altLang="ko-KR" sz="1433" dirty="0"/>
+          </a:p>
+          <a:p>
+            <a:pPr lvl="2"/>
+            <a:r>
+              <a:rPr lang="ko-KR" altLang="en-US" sz="1600" dirty="0"/>
+              <a:t>출력 예시</a:t>
+            </a:r>
+            <a:endParaRPr lang="en-US" altLang="ko-KR" sz="1600" dirty="0"/>
+          </a:p>
+        </p:txBody>
+      </p:sp>
+      <p:sp>
+        <p:nvSpPr>
+          <p:cNvPr id="7" name="직사각형 6">
+            <a:extLst>
+              <a:ext uri="{FF2B5EF4-FFF2-40B4-BE49-F238E27FC236}">
+                <a16:creationId xmlns:a16="http://schemas.microsoft.com/office/drawing/2014/main" id="{6D21478B-AEAF-215D-1B66-4EB4EE3C79AF}"/>
+              </a:ext>
+            </a:extLst>
+          </p:cNvPr>
+          <p:cNvSpPr/>
+          <p:nvPr/>
+        </p:nvSpPr>
+        <p:spPr>
+          <a:xfrm>
+            <a:off x="1835696" y="4225652"/>
+            <a:ext cx="5544616" cy="1200329"/>
+          </a:xfrm>
+          <a:prstGeom prst="rect">
+            <a:avLst/>
+          </a:prstGeom>
+        </p:spPr>
+        <p:txBody>
+          <a:bodyPr wrap="square">
+            <a:spAutoFit/>
+          </a:bodyPr>
+          <a:lstStyle/>
+          <a:p>
+            <a:r>
+              <a:rPr lang="en-US" altLang="ko-KR" sz="1200" b="0" dirty="0">
+                <a:solidFill>
+                  <a:srgbClr val="FF0000"/>
+                </a:solidFill>
+                <a:effectLst/>
+                <a:latin typeface="ubuntu mono derivative powerline" panose="020B0509030602030204" pitchFamily="49" charset="0"/>
+              </a:rPr>
+              <a:t>[[0.77132064 0.02075195 0.63364823 0.74880388 0.49850701 0.22479665</a:t>
+            </a:r>
+          </a:p>
+          <a:p>
+            <a:r>
+              <a:rPr lang="en-US" altLang="ko-KR" sz="1200" b="0" dirty="0">
+                <a:solidFill>
+                  <a:srgbClr val="FF0000"/>
+                </a:solidFill>
+                <a:effectLst/>
+                <a:latin typeface="ubuntu mono derivative powerline" panose="020B0509030602030204" pitchFamily="49" charset="0"/>
+              </a:rPr>
+              <a:t>  0.19806286 0.76053071 0.16911084 0.08833981]]</a:t>
+            </a:r>
+          </a:p>
+          <a:p>
+            <a:endParaRPr lang="en-US" altLang="ko-KR" sz="1200" b="0" dirty="0">
+              <a:solidFill>
+                <a:srgbClr val="FF0000"/>
+              </a:solidFill>
+              <a:effectLst/>
+              <a:latin typeface="ubuntu mono derivative powerline" panose="020B0509030602030204" pitchFamily="49" charset="0"/>
+            </a:endParaRPr>
+          </a:p>
+          <a:p>
+            <a:r>
+              <a:rPr lang="en-US" altLang="ko-KR" sz="1200" b="0" dirty="0">
+                <a:solidFill>
+                  <a:srgbClr val="FFC000"/>
+                </a:solidFill>
+                <a:effectLst/>
+                <a:latin typeface="ubuntu mono derivative powerline" panose="020B0509030602030204" pitchFamily="49" charset="0"/>
+              </a:rPr>
+              <a:t>4.113872595619601</a:t>
+            </a:r>
+          </a:p>
+          <a:p>
+            <a:endParaRPr lang="en-US" altLang="ko-KR" sz="1200" b="0" dirty="0">
+              <a:solidFill>
+                <a:srgbClr val="FF0000"/>
+              </a:solidFill>
+              <a:effectLst/>
+              <a:latin typeface="ubuntu mono derivative powerline" panose="020B0509030602030204" pitchFamily="49" charset="0"/>
+            </a:endParaRPr>
+          </a:p>
+          <a:p>
+            <a:r>
+              <a:rPr lang="en-US" altLang="ko-KR" sz="1200" b="0" dirty="0">
+                <a:solidFill>
+                  <a:srgbClr val="00B050"/>
+                </a:solidFill>
+                <a:effectLst/>
+                <a:latin typeface="ubuntu mono derivative powerline" panose="020B0509030602030204" pitchFamily="49" charset="0"/>
+              </a:rPr>
+              <a:t>0.41138725956196015</a:t>
+            </a:r>
+          </a:p>
+        </p:txBody>
+      </p:sp>
+    </p:spTree>
+    <p:extLst>
+      <p:ext uri="{BB962C8B-B14F-4D97-AF65-F5344CB8AC3E}">
+        <p14:creationId xmlns:p14="http://schemas.microsoft.com/office/powerpoint/2010/main" val="266173992"/>
+      </p:ext>
+    </p:extLst>
+  </p:cSld>
+  <p:clrMapOvr>
+    <a:masterClrMapping/>
+  </p:clrMapOvr>
+</p:sld>
+</file>
+
+<file path=ppt/slides/slide17.xml><?xml version="1.0" encoding="utf-8"?>
+<p:sld xmlns:a="http://schemas.openxmlformats.org/drawingml/2006/main" xmlns:r="http://schemas.openxmlformats.org/officeDocument/2006/relationships" xmlns:p="http://schemas.openxmlformats.org/presentationml/2006/main">
+  <p:cSld>
+    <p:spTree>
+      <p:nvGrpSpPr>
+        <p:cNvPr id="1" name=""/>
+        <p:cNvGrpSpPr/>
+        <p:nvPr/>
+      </p:nvGrpSpPr>
+      <p:grpSpPr>
+        <a:xfrm>
+          <a:off x="0" y="0"/>
+          <a:ext cx="0" cy="0"/>
+          <a:chOff x="0" y="0"/>
+          <a:chExt cx="0" cy="0"/>
+        </a:xfrm>
+      </p:grpSpPr>
+      <p:sp>
+        <p:nvSpPr>
+          <p:cNvPr id="2" name="제목 1"/>
+          <p:cNvSpPr>
+            <a:spLocks noGrp="1"/>
+          </p:cNvSpPr>
+          <p:nvPr>
+            <p:ph type="title"/>
+          </p:nvPr>
+        </p:nvSpPr>
+        <p:spPr/>
+        <p:txBody>
+          <a:bodyPr/>
+          <a:lstStyle/>
+          <a:p>
+            <a:r>
+              <a:rPr lang="en-US" altLang="ko-KR" dirty="0"/>
+              <a:t>3.1 </a:t>
+            </a:r>
+            <a:r>
+              <a:rPr lang="ko-KR" altLang="en-US" dirty="0" err="1"/>
+              <a:t>파이썬의</a:t>
+            </a:r>
+            <a:r>
+              <a:rPr lang="ko-KR" altLang="en-US" dirty="0"/>
+              <a:t> 자료구조</a:t>
+            </a:r>
+          </a:p>
+        </p:txBody>
+      </p:sp>
+      <p:sp>
+        <p:nvSpPr>
+          <p:cNvPr id="3" name="내용 개체 틀 2"/>
+          <p:cNvSpPr>
+            <a:spLocks noGrp="1"/>
+          </p:cNvSpPr>
+          <p:nvPr>
+            <p:ph idx="1"/>
+          </p:nvPr>
+        </p:nvSpPr>
+        <p:spPr>
+          <a:xfrm>
+            <a:off x="685800" y="1206500"/>
+            <a:ext cx="8229600" cy="4419732"/>
+          </a:xfrm>
+        </p:spPr>
+        <p:txBody>
+          <a:bodyPr>
+            <a:normAutofit/>
+          </a:bodyPr>
+          <a:lstStyle/>
+          <a:p>
+            <a:r>
+              <a:rPr lang="en-US" altLang="ko-KR" dirty="0"/>
+              <a:t>3.3 </a:t>
+            </a:r>
+            <a:r>
+              <a:rPr lang="en-US" altLang="ko-KR" dirty="0" err="1"/>
+              <a:t>numpy</a:t>
+            </a:r>
+            <a:r>
+              <a:rPr lang="en-US" altLang="ko-KR" dirty="0"/>
+              <a:t> </a:t>
+            </a:r>
+            <a:r>
+              <a:rPr lang="ko-KR" altLang="en-US" dirty="0"/>
+              <a:t>실습</a:t>
+            </a:r>
+            <a:r>
+              <a:rPr lang="en-US" altLang="ko-KR" dirty="0"/>
+              <a:t>1</a:t>
+            </a:r>
+          </a:p>
+          <a:p>
+            <a:pPr lvl="1"/>
+            <a:r>
+              <a:rPr lang="en-US" altLang="ko-KR" dirty="0" err="1"/>
+              <a:t>numpy</a:t>
+            </a:r>
+            <a:r>
+              <a:rPr lang="en-US" altLang="ko-KR" dirty="0"/>
+              <a:t> + for</a:t>
+            </a:r>
+          </a:p>
+        </p:txBody>
+      </p:sp>
+      <p:sp>
+        <p:nvSpPr>
+          <p:cNvPr id="4" name="직사각형 3">
+            <a:extLst>
+              <a:ext uri="{FF2B5EF4-FFF2-40B4-BE49-F238E27FC236}">
+                <a16:creationId xmlns:a16="http://schemas.microsoft.com/office/drawing/2014/main" id="{1C963349-B74D-0F77-1CB7-B82815CCF910}"/>
+              </a:ext>
+            </a:extLst>
+          </p:cNvPr>
+          <p:cNvSpPr/>
+          <p:nvPr/>
+        </p:nvSpPr>
+        <p:spPr>
+          <a:xfrm>
+            <a:off x="1331640" y="2137420"/>
+            <a:ext cx="2952328" cy="2800767"/>
+          </a:xfrm>
+          <a:prstGeom prst="rect">
+            <a:avLst/>
+          </a:prstGeom>
+        </p:spPr>
+        <p:txBody>
+          <a:bodyPr wrap="square">
+            <a:spAutoFit/>
+          </a:bodyPr>
+          <a:lstStyle/>
+          <a:p>
+            <a:r>
+              <a:rPr lang="en-US" altLang="ko-KR" sz="1600" b="0" dirty="0">
+                <a:solidFill>
+                  <a:srgbClr val="00B050"/>
+                </a:solidFill>
+                <a:effectLst/>
+                <a:latin typeface="ubuntu mono derivative powerline" panose="020B0509030602030204" pitchFamily="49" charset="0"/>
+              </a:rPr>
+              <a:t># solution1</a:t>
+            </a:r>
+          </a:p>
+          <a:p>
+            <a:r>
+              <a:rPr lang="en-US" altLang="ko-KR" sz="1600" dirty="0">
+                <a:solidFill>
+                  <a:srgbClr val="CC9B00"/>
+                </a:solidFill>
+                <a:latin typeface="ubuntu mono derivative powerline" panose="020B0509030602030204" pitchFamily="49" charset="0"/>
+              </a:rPr>
+              <a:t>import</a:t>
+            </a:r>
+            <a:r>
+              <a:rPr lang="en-US" altLang="ko-KR" sz="1600" dirty="0">
+                <a:solidFill>
+                  <a:srgbClr val="00B050"/>
+                </a:solidFill>
+                <a:latin typeface="ubuntu mono derivative powerline" panose="020B0509030602030204" pitchFamily="49" charset="0"/>
+              </a:rPr>
+              <a:t> </a:t>
+            </a:r>
+            <a:r>
+              <a:rPr lang="en-US" altLang="ko-KR" sz="1600" dirty="0" err="1">
+                <a:solidFill>
+                  <a:srgbClr val="7030A0"/>
+                </a:solidFill>
+                <a:latin typeface="ubuntu mono derivative powerline" panose="020B0509030602030204" pitchFamily="49" charset="0"/>
+              </a:rPr>
+              <a:t>numpy</a:t>
+            </a:r>
+            <a:r>
+              <a:rPr lang="en-US" altLang="ko-KR" sz="1600" dirty="0">
+                <a:solidFill>
+                  <a:srgbClr val="00B050"/>
+                </a:solidFill>
+                <a:latin typeface="ubuntu mono derivative powerline" panose="020B0509030602030204" pitchFamily="49" charset="0"/>
+              </a:rPr>
+              <a:t> </a:t>
+            </a:r>
+            <a:r>
+              <a:rPr lang="en-US" altLang="ko-KR" sz="1600" dirty="0">
+                <a:solidFill>
+                  <a:srgbClr val="CC9B00"/>
+                </a:solidFill>
+                <a:latin typeface="ubuntu mono derivative powerline" panose="020B0509030602030204" pitchFamily="49" charset="0"/>
+              </a:rPr>
+              <a:t>as</a:t>
+            </a:r>
+            <a:r>
+              <a:rPr lang="en-US" altLang="ko-KR" sz="1600" dirty="0">
+                <a:solidFill>
+                  <a:srgbClr val="00B050"/>
+                </a:solidFill>
+                <a:latin typeface="ubuntu mono derivative powerline" panose="020B0509030602030204" pitchFamily="49" charset="0"/>
+              </a:rPr>
+              <a:t> </a:t>
+            </a:r>
+            <a:r>
+              <a:rPr lang="en-US" altLang="ko-KR" sz="1600" dirty="0">
+                <a:solidFill>
+                  <a:srgbClr val="7030A0"/>
+                </a:solidFill>
+                <a:latin typeface="ubuntu mono derivative powerline" panose="020B0509030602030204" pitchFamily="49" charset="0"/>
+              </a:rPr>
+              <a:t>np</a:t>
+            </a:r>
+          </a:p>
+          <a:p>
+            <a:endParaRPr lang="en-US" altLang="ko-KR" sz="1600" b="0" dirty="0">
+              <a:solidFill>
+                <a:srgbClr val="00B050"/>
+              </a:solidFill>
+              <a:effectLst/>
+              <a:latin typeface="ubuntu mono derivative powerline" panose="020B0509030602030204" pitchFamily="49" charset="0"/>
+            </a:endParaRPr>
+          </a:p>
+          <a:p>
+            <a:r>
+              <a:rPr lang="en-US" altLang="ko-KR" sz="1600" b="0" dirty="0" err="1">
+                <a:solidFill>
+                  <a:srgbClr val="7030A0"/>
+                </a:solidFill>
+                <a:effectLst/>
+                <a:latin typeface="ubuntu mono derivative powerline" panose="020B0509030602030204" pitchFamily="49" charset="0"/>
+              </a:rPr>
+              <a:t>np</a:t>
+            </a:r>
+            <a:r>
+              <a:rPr lang="en-US" altLang="ko-KR" sz="1600" b="0" dirty="0" err="1">
+                <a:effectLst/>
+                <a:latin typeface="ubuntu mono derivative powerline" panose="020B0509030602030204" pitchFamily="49" charset="0"/>
+              </a:rPr>
+              <a:t>.</a:t>
+            </a:r>
+            <a:r>
+              <a:rPr lang="en-US" altLang="ko-KR" sz="1600" b="0" dirty="0" err="1">
+                <a:solidFill>
+                  <a:srgbClr val="0000FF"/>
+                </a:solidFill>
+                <a:effectLst/>
+                <a:latin typeface="ubuntu mono derivative powerline" panose="020B0509030602030204" pitchFamily="49" charset="0"/>
+              </a:rPr>
+              <a:t>random</a:t>
+            </a:r>
+            <a:r>
+              <a:rPr lang="en-US" altLang="ko-KR" sz="1600" b="0" dirty="0" err="1">
+                <a:effectLst/>
+                <a:latin typeface="ubuntu mono derivative powerline" panose="020B0509030602030204" pitchFamily="49" charset="0"/>
+              </a:rPr>
+              <a:t>.</a:t>
+            </a:r>
+            <a:r>
+              <a:rPr lang="en-US" altLang="ko-KR" sz="1600" b="0" dirty="0" err="1">
+                <a:solidFill>
+                  <a:srgbClr val="0000FF"/>
+                </a:solidFill>
+                <a:effectLst/>
+                <a:latin typeface="ubuntu mono derivative powerline" panose="020B0509030602030204" pitchFamily="49" charset="0"/>
+              </a:rPr>
+              <a:t>seed</a:t>
+            </a:r>
+            <a:r>
+              <a:rPr lang="en-US" altLang="ko-KR" sz="1600" b="0" dirty="0">
+                <a:effectLst/>
+                <a:latin typeface="ubuntu mono derivative powerline" panose="020B0509030602030204" pitchFamily="49" charset="0"/>
+              </a:rPr>
+              <a:t>(10)</a:t>
+            </a:r>
+          </a:p>
+          <a:p>
+            <a:r>
+              <a:rPr lang="en-US" altLang="ko-KR" sz="1600" b="0" dirty="0" err="1">
+                <a:effectLst/>
+                <a:latin typeface="ubuntu mono derivative powerline" panose="020B0509030602030204" pitchFamily="49" charset="0"/>
+              </a:rPr>
+              <a:t>np_a</a:t>
+            </a:r>
+            <a:r>
+              <a:rPr lang="en-US" altLang="ko-KR" sz="1600" b="0" dirty="0">
+                <a:effectLst/>
+                <a:latin typeface="ubuntu mono derivative powerline" panose="020B0509030602030204" pitchFamily="49" charset="0"/>
+              </a:rPr>
+              <a:t> = </a:t>
+            </a:r>
+            <a:r>
+              <a:rPr lang="en-US" altLang="ko-KR" sz="1600" b="0" dirty="0" err="1">
+                <a:solidFill>
+                  <a:srgbClr val="7030A0"/>
+                </a:solidFill>
+                <a:effectLst/>
+                <a:latin typeface="ubuntu mono derivative powerline" panose="020B0509030602030204" pitchFamily="49" charset="0"/>
+              </a:rPr>
+              <a:t>np</a:t>
+            </a:r>
+            <a:r>
+              <a:rPr lang="en-US" altLang="ko-KR" sz="1600" b="0" dirty="0" err="1">
+                <a:effectLst/>
+                <a:latin typeface="ubuntu mono derivative powerline" panose="020B0509030602030204" pitchFamily="49" charset="0"/>
+              </a:rPr>
+              <a:t>.</a:t>
+            </a:r>
+            <a:r>
+              <a:rPr lang="en-US" altLang="ko-KR" sz="1600" b="0" dirty="0" err="1">
+                <a:solidFill>
+                  <a:srgbClr val="0000FF"/>
+                </a:solidFill>
+                <a:effectLst/>
+                <a:latin typeface="ubuntu mono derivative powerline" panose="020B0509030602030204" pitchFamily="49" charset="0"/>
+              </a:rPr>
+              <a:t>random</a:t>
+            </a:r>
+            <a:r>
+              <a:rPr lang="en-US" altLang="ko-KR" sz="1600" b="0" dirty="0" err="1">
+                <a:effectLst/>
+                <a:latin typeface="ubuntu mono derivative powerline" panose="020B0509030602030204" pitchFamily="49" charset="0"/>
+              </a:rPr>
+              <a:t>.</a:t>
+            </a:r>
+            <a:r>
+              <a:rPr lang="en-US" altLang="ko-KR" sz="1600" b="0" dirty="0" err="1">
+                <a:solidFill>
+                  <a:srgbClr val="0000FF"/>
+                </a:solidFill>
+                <a:effectLst/>
+                <a:latin typeface="ubuntu mono derivative powerline" panose="020B0509030602030204" pitchFamily="49" charset="0"/>
+              </a:rPr>
+              <a:t>rand</a:t>
+            </a:r>
+            <a:r>
+              <a:rPr lang="en-US" altLang="ko-KR" sz="1600" b="0" dirty="0">
+                <a:effectLst/>
+                <a:latin typeface="ubuntu mono derivative powerline" panose="020B0509030602030204" pitchFamily="49" charset="0"/>
+              </a:rPr>
+              <a:t>(10)</a:t>
+            </a:r>
+          </a:p>
+          <a:p>
+            <a:r>
+              <a:rPr lang="en-US" altLang="ko-KR" sz="1600" b="0" dirty="0" err="1">
+                <a:effectLst/>
+                <a:latin typeface="ubuntu mono derivative powerline" panose="020B0509030602030204" pitchFamily="49" charset="0"/>
+              </a:rPr>
+              <a:t>sum_a</a:t>
+            </a:r>
+            <a:r>
+              <a:rPr lang="en-US" altLang="ko-KR" sz="1600" b="0" dirty="0">
+                <a:effectLst/>
+                <a:latin typeface="ubuntu mono derivative powerline" panose="020B0509030602030204" pitchFamily="49" charset="0"/>
+              </a:rPr>
+              <a:t> = 0</a:t>
+            </a:r>
+          </a:p>
+          <a:p>
+            <a:r>
+              <a:rPr lang="en-US" altLang="ko-KR" sz="1600" b="0" dirty="0">
+                <a:effectLst/>
+                <a:latin typeface="ubuntu mono derivative powerline" panose="020B0509030602030204" pitchFamily="49" charset="0"/>
+              </a:rPr>
+              <a:t>for </a:t>
+            </a:r>
+            <a:r>
+              <a:rPr lang="en-US" altLang="ko-KR" sz="1600" b="0" dirty="0">
+                <a:solidFill>
+                  <a:srgbClr val="0000FF"/>
+                </a:solidFill>
+                <a:effectLst/>
+                <a:latin typeface="ubuntu mono derivative powerline" panose="020B0509030602030204" pitchFamily="49" charset="0"/>
+              </a:rPr>
+              <a:t>a</a:t>
+            </a:r>
+            <a:r>
+              <a:rPr lang="en-US" altLang="ko-KR" sz="1600" b="0" dirty="0">
+                <a:effectLst/>
+                <a:latin typeface="ubuntu mono derivative powerline" panose="020B0509030602030204" pitchFamily="49" charset="0"/>
+              </a:rPr>
+              <a:t> in </a:t>
+            </a:r>
+            <a:r>
+              <a:rPr lang="en-US" altLang="ko-KR" sz="1600" b="0" dirty="0" err="1">
+                <a:solidFill>
+                  <a:srgbClr val="0000FF"/>
+                </a:solidFill>
+                <a:effectLst/>
+                <a:latin typeface="ubuntu mono derivative powerline" panose="020B0509030602030204" pitchFamily="49" charset="0"/>
+              </a:rPr>
+              <a:t>np_a</a:t>
+            </a:r>
+            <a:r>
+              <a:rPr lang="en-US" altLang="ko-KR" sz="1600" b="0" dirty="0">
+                <a:effectLst/>
+                <a:latin typeface="ubuntu mono derivative powerline" panose="020B0509030602030204" pitchFamily="49" charset="0"/>
+              </a:rPr>
+              <a:t>:</a:t>
+            </a:r>
+          </a:p>
+          <a:p>
+            <a:r>
+              <a:rPr lang="en-US" altLang="ko-KR" sz="1600" b="0" dirty="0">
+                <a:effectLst/>
+                <a:latin typeface="ubuntu mono derivative powerline" panose="020B0509030602030204" pitchFamily="49" charset="0"/>
+              </a:rPr>
+              <a:t>    </a:t>
+            </a:r>
+            <a:r>
+              <a:rPr lang="en-US" altLang="ko-KR" sz="1600" b="0" dirty="0" err="1">
+                <a:effectLst/>
+                <a:latin typeface="ubuntu mono derivative powerline" panose="020B0509030602030204" pitchFamily="49" charset="0"/>
+              </a:rPr>
+              <a:t>sum_a</a:t>
+            </a:r>
+            <a:r>
+              <a:rPr lang="en-US" altLang="ko-KR" sz="1600" b="0" dirty="0">
+                <a:effectLst/>
+                <a:latin typeface="ubuntu mono derivative powerline" panose="020B0509030602030204" pitchFamily="49" charset="0"/>
+              </a:rPr>
+              <a:t> += </a:t>
+            </a:r>
+            <a:r>
+              <a:rPr lang="en-US" altLang="ko-KR" sz="1600" b="0" dirty="0">
+                <a:solidFill>
+                  <a:srgbClr val="0000FF"/>
+                </a:solidFill>
+                <a:effectLst/>
+                <a:latin typeface="ubuntu mono derivative powerline" panose="020B0509030602030204" pitchFamily="49" charset="0"/>
+              </a:rPr>
+              <a:t>a</a:t>
+            </a:r>
+          </a:p>
+          <a:p>
+            <a:r>
+              <a:rPr lang="en-US" altLang="ko-KR" sz="1600" b="0" dirty="0">
+                <a:solidFill>
+                  <a:srgbClr val="0000FF"/>
+                </a:solidFill>
+                <a:effectLst/>
+                <a:latin typeface="ubuntu mono derivative powerline" panose="020B0509030602030204" pitchFamily="49" charset="0"/>
+              </a:rPr>
+              <a:t>print</a:t>
+            </a:r>
+            <a:r>
+              <a:rPr lang="en-US" altLang="ko-KR" sz="1600" b="0" dirty="0">
+                <a:effectLst/>
+                <a:latin typeface="ubuntu mono derivative powerline" panose="020B0509030602030204" pitchFamily="49" charset="0"/>
+              </a:rPr>
+              <a:t>(</a:t>
+            </a:r>
+            <a:r>
+              <a:rPr lang="en-US" altLang="ko-KR" sz="1600" b="0" dirty="0" err="1">
+                <a:solidFill>
+                  <a:srgbClr val="FF0000"/>
+                </a:solidFill>
+                <a:effectLst/>
+                <a:latin typeface="ubuntu mono derivative powerline" panose="020B0509030602030204" pitchFamily="49" charset="0"/>
+              </a:rPr>
+              <a:t>np_a</a:t>
+            </a:r>
+            <a:r>
+              <a:rPr lang="en-US" altLang="ko-KR" sz="1600" b="0" dirty="0">
+                <a:effectLst/>
+                <a:latin typeface="ubuntu mono derivative powerline" panose="020B0509030602030204" pitchFamily="49" charset="0"/>
+              </a:rPr>
+              <a:t>)</a:t>
+            </a:r>
+          </a:p>
+          <a:p>
+            <a:r>
+              <a:rPr lang="en-US" altLang="ko-KR" sz="1600" b="0" dirty="0">
+                <a:solidFill>
+                  <a:srgbClr val="0000FF"/>
+                </a:solidFill>
+                <a:effectLst/>
+                <a:latin typeface="ubuntu mono derivative powerline" panose="020B0509030602030204" pitchFamily="49" charset="0"/>
+              </a:rPr>
+              <a:t>print</a:t>
+            </a:r>
+            <a:r>
+              <a:rPr lang="en-US" altLang="ko-KR" sz="1600" b="0" dirty="0">
+                <a:effectLst/>
+                <a:latin typeface="ubuntu mono derivative powerline" panose="020B0509030602030204" pitchFamily="49" charset="0"/>
+              </a:rPr>
+              <a:t>(</a:t>
+            </a:r>
+            <a:r>
+              <a:rPr lang="en-US" altLang="ko-KR" sz="1600" b="0" dirty="0" err="1">
+                <a:solidFill>
+                  <a:srgbClr val="FFC000"/>
+                </a:solidFill>
+                <a:effectLst/>
+                <a:latin typeface="ubuntu mono derivative powerline" panose="020B0509030602030204" pitchFamily="49" charset="0"/>
+              </a:rPr>
+              <a:t>sum_a</a:t>
+            </a:r>
+            <a:r>
+              <a:rPr lang="en-US" altLang="ko-KR" sz="1600" b="0" dirty="0">
+                <a:effectLst/>
+                <a:latin typeface="ubuntu mono derivative powerline" panose="020B0509030602030204" pitchFamily="49" charset="0"/>
+              </a:rPr>
+              <a:t>)</a:t>
+            </a:r>
+          </a:p>
+          <a:p>
+            <a:r>
+              <a:rPr lang="en-US" altLang="ko-KR" sz="1600" b="0" dirty="0">
+                <a:solidFill>
+                  <a:srgbClr val="0000FF"/>
+                </a:solidFill>
+                <a:effectLst/>
+                <a:latin typeface="ubuntu mono derivative powerline" panose="020B0509030602030204" pitchFamily="49" charset="0"/>
+              </a:rPr>
+              <a:t>print</a:t>
+            </a:r>
+            <a:r>
+              <a:rPr lang="en-US" altLang="ko-KR" sz="1600" b="0" dirty="0">
+                <a:effectLst/>
+                <a:latin typeface="ubuntu mono derivative powerline" panose="020B0509030602030204" pitchFamily="49" charset="0"/>
+              </a:rPr>
+              <a:t>(</a:t>
+            </a:r>
+            <a:r>
+              <a:rPr lang="en-US" altLang="ko-KR" sz="1600" b="0" dirty="0" err="1">
+                <a:solidFill>
+                  <a:srgbClr val="00B050"/>
+                </a:solidFill>
+                <a:effectLst/>
+                <a:latin typeface="ubuntu mono derivative powerline" panose="020B0509030602030204" pitchFamily="49" charset="0"/>
+              </a:rPr>
+              <a:t>sum_a</a:t>
+            </a:r>
+            <a:r>
+              <a:rPr lang="en-US" altLang="ko-KR" sz="1600" b="0" dirty="0">
+                <a:solidFill>
+                  <a:srgbClr val="00B050"/>
+                </a:solidFill>
+                <a:effectLst/>
+                <a:latin typeface="ubuntu mono derivative powerline" panose="020B0509030602030204" pitchFamily="49" charset="0"/>
+              </a:rPr>
+              <a:t>/10</a:t>
+            </a:r>
+            <a:r>
+              <a:rPr lang="en-US" altLang="ko-KR" sz="1600" b="0" dirty="0">
+                <a:effectLst/>
+                <a:latin typeface="ubuntu mono derivative powerline" panose="020B0509030602030204" pitchFamily="49" charset="0"/>
+              </a:rPr>
+              <a:t>)</a:t>
+            </a:r>
+          </a:p>
+        </p:txBody>
+      </p:sp>
+      <p:sp>
+        <p:nvSpPr>
+          <p:cNvPr id="5" name="내용 개체 틀 8">
+            <a:extLst>
+              <a:ext uri="{FF2B5EF4-FFF2-40B4-BE49-F238E27FC236}">
+                <a16:creationId xmlns:a16="http://schemas.microsoft.com/office/drawing/2014/main" id="{B2DF3CCF-A32B-68CB-42AB-D9882A1E127D}"/>
+              </a:ext>
+            </a:extLst>
+          </p:cNvPr>
+          <p:cNvSpPr txBox="1">
+            <a:spLocks/>
+          </p:cNvSpPr>
+          <p:nvPr/>
+        </p:nvSpPr>
+        <p:spPr>
+          <a:xfrm>
+            <a:off x="5170984" y="1623008"/>
+            <a:ext cx="3744416" cy="288032"/>
+          </a:xfrm>
+          <a:prstGeom prst="rect">
+            <a:avLst/>
+          </a:prstGeom>
+        </p:spPr>
+        <p:txBody>
+          <a:bodyPr/>
+          <a:lstStyle>
+            <a:lvl1pPr marL="285739" indent="-285739" algn="l" rtl="0" eaLnBrk="1" fontAlgn="base" latinLnBrk="1" hangingPunct="1">
+              <a:spcBef>
+                <a:spcPct val="20000"/>
+              </a:spcBef>
+              <a:spcAft>
+                <a:spcPct val="0"/>
+              </a:spcAft>
+              <a:buClr>
+                <a:srgbClr val="0000FF"/>
+              </a:buClr>
+              <a:buSzPct val="90000"/>
+              <a:buFont typeface="Wingdings" pitchFamily="2" charset="2"/>
+              <a:buChar char="n"/>
+              <a:defRPr kumimoji="1" sz="2333" b="1">
+                <a:solidFill>
+                  <a:schemeClr val="tx1"/>
+                </a:solidFill>
+                <a:latin typeface="+mn-lt"/>
+                <a:ea typeface="맑은 고딕" pitchFamily="50" charset="-127"/>
+                <a:cs typeface="+mn-cs"/>
+              </a:defRPr>
+            </a:lvl1pPr>
+            <a:lvl2pPr marL="619100" indent="-238115" algn="l" rtl="0" eaLnBrk="1" fontAlgn="base" latinLnBrk="1" hangingPunct="1">
+              <a:spcBef>
+                <a:spcPct val="20000"/>
+              </a:spcBef>
+              <a:spcAft>
+                <a:spcPct val="0"/>
+              </a:spcAft>
+              <a:buClr>
+                <a:schemeClr val="hlink"/>
+              </a:buClr>
+              <a:buSzPct val="75000"/>
+              <a:buFont typeface="Wingdings" pitchFamily="2" charset="2"/>
+              <a:buChar char="u"/>
+              <a:defRPr kumimoji="1" sz="2167" b="1">
+                <a:solidFill>
+                  <a:schemeClr val="tx1"/>
+                </a:solidFill>
+                <a:latin typeface="+mn-lt"/>
+                <a:ea typeface="맑은 고딕" pitchFamily="50" charset="-127"/>
+              </a:defRPr>
+            </a:lvl2pPr>
+            <a:lvl3pPr marL="952462" indent="-190492" algn="l" rtl="0" eaLnBrk="1" fontAlgn="base" latinLnBrk="1" hangingPunct="1">
+              <a:spcBef>
+                <a:spcPct val="20000"/>
+              </a:spcBef>
+              <a:spcAft>
+                <a:spcPct val="0"/>
+              </a:spcAft>
+              <a:buClr>
+                <a:srgbClr val="3399FF"/>
+              </a:buClr>
+              <a:buSzPct val="55000"/>
+              <a:buFont typeface="Wingdings" pitchFamily="2" charset="2"/>
+              <a:buChar char="l"/>
+              <a:defRPr kumimoji="1" sz="2000" b="1">
+                <a:solidFill>
+                  <a:schemeClr val="tx1"/>
+                </a:solidFill>
+                <a:latin typeface="+mn-lt"/>
+                <a:ea typeface="맑은 고딕" pitchFamily="50" charset="-127"/>
+              </a:defRPr>
+            </a:lvl3pPr>
+            <a:lvl4pPr marL="1333447" indent="-190492" algn="l" rtl="0" eaLnBrk="1" fontAlgn="base" latinLnBrk="1" hangingPunct="1">
+              <a:spcBef>
+                <a:spcPct val="20000"/>
+              </a:spcBef>
+              <a:spcAft>
+                <a:spcPct val="0"/>
+              </a:spcAft>
+              <a:buClr>
+                <a:srgbClr val="009900"/>
+              </a:buClr>
+              <a:buFont typeface="Wingdings" pitchFamily="2" charset="2"/>
+              <a:buChar char="§"/>
+              <a:defRPr kumimoji="1" sz="1833" b="1">
+                <a:solidFill>
+                  <a:schemeClr val="tx1"/>
+                </a:solidFill>
+                <a:latin typeface="+mn-lt"/>
+                <a:ea typeface="맑은 고딕" pitchFamily="50" charset="-127"/>
+              </a:defRPr>
+            </a:lvl4pPr>
+            <a:lvl5pPr marL="1714431" indent="-190492" algn="l" rtl="0" eaLnBrk="1" fontAlgn="base" latinLnBrk="1" hangingPunct="1">
+              <a:spcBef>
+                <a:spcPct val="20000"/>
+              </a:spcBef>
+              <a:spcAft>
+                <a:spcPct val="0"/>
+              </a:spcAft>
+              <a:buClr>
+                <a:schemeClr val="tx1"/>
+              </a:buClr>
+              <a:buFont typeface="Wingdings" pitchFamily="2" charset="2"/>
+              <a:buChar char="§"/>
+              <a:defRPr kumimoji="1" sz="1667" b="1">
+                <a:solidFill>
+                  <a:schemeClr val="tx1"/>
+                </a:solidFill>
+                <a:latin typeface="+mn-lt"/>
+                <a:ea typeface="맑은 고딕" pitchFamily="50" charset="-127"/>
+              </a:defRPr>
+            </a:lvl5pPr>
+            <a:lvl6pPr marL="2095416" indent="-190492" algn="l" rtl="0" eaLnBrk="1" fontAlgn="base" latinLnBrk="1" hangingPunct="1">
+              <a:spcBef>
+                <a:spcPct val="20000"/>
+              </a:spcBef>
+              <a:spcAft>
+                <a:spcPct val="0"/>
+              </a:spcAft>
+              <a:buClr>
+                <a:schemeClr val="tx1"/>
+              </a:buClr>
+              <a:buFont typeface="Wingdings" pitchFamily="2" charset="2"/>
+              <a:buChar char="§"/>
+              <a:defRPr kumimoji="1" sz="1667" b="1">
+                <a:solidFill>
+                  <a:schemeClr val="tx1"/>
+                </a:solidFill>
+                <a:latin typeface="+mn-lt"/>
+                <a:ea typeface="+mn-ea"/>
+              </a:defRPr>
+            </a:lvl6pPr>
+            <a:lvl7pPr marL="2476401" indent="-190492" algn="l" rtl="0" eaLnBrk="1" fontAlgn="base" latinLnBrk="1" hangingPunct="1">
+              <a:spcBef>
+                <a:spcPct val="20000"/>
+              </a:spcBef>
+              <a:spcAft>
+                <a:spcPct val="0"/>
+              </a:spcAft>
+              <a:buClr>
+                <a:schemeClr val="tx1"/>
+              </a:buClr>
+              <a:buFont typeface="Wingdings" pitchFamily="2" charset="2"/>
+              <a:buChar char="§"/>
+              <a:defRPr kumimoji="1" sz="1667" b="1">
+                <a:solidFill>
+                  <a:schemeClr val="tx1"/>
+                </a:solidFill>
+                <a:latin typeface="+mn-lt"/>
+                <a:ea typeface="+mn-ea"/>
+              </a:defRPr>
+            </a:lvl7pPr>
+            <a:lvl8pPr marL="2857386" indent="-190492" algn="l" rtl="0" eaLnBrk="1" fontAlgn="base" latinLnBrk="1" hangingPunct="1">
+              <a:spcBef>
+                <a:spcPct val="20000"/>
+              </a:spcBef>
+              <a:spcAft>
+                <a:spcPct val="0"/>
+              </a:spcAft>
+              <a:buClr>
+                <a:schemeClr val="tx1"/>
+              </a:buClr>
+              <a:buFont typeface="Wingdings" pitchFamily="2" charset="2"/>
+              <a:buChar char="§"/>
+              <a:defRPr kumimoji="1" sz="1667" b="1">
+                <a:solidFill>
+                  <a:schemeClr val="tx1"/>
+                </a:solidFill>
+                <a:latin typeface="+mn-lt"/>
+                <a:ea typeface="+mn-ea"/>
+              </a:defRPr>
+            </a:lvl8pPr>
+            <a:lvl9pPr marL="3238370" indent="-190492" algn="l" rtl="0" eaLnBrk="1" fontAlgn="base" latinLnBrk="1" hangingPunct="1">
+              <a:spcBef>
+                <a:spcPct val="20000"/>
+              </a:spcBef>
+              <a:spcAft>
+                <a:spcPct val="0"/>
+              </a:spcAft>
+              <a:buClr>
+                <a:schemeClr val="tx1"/>
+              </a:buClr>
+              <a:buFont typeface="Wingdings" pitchFamily="2" charset="2"/>
+              <a:buChar char="§"/>
+              <a:defRPr kumimoji="1" sz="1667" b="1">
+                <a:solidFill>
+                  <a:schemeClr val="tx1"/>
+                </a:solidFill>
+                <a:latin typeface="+mn-lt"/>
+                <a:ea typeface="+mn-ea"/>
+              </a:defRPr>
+            </a:lvl9pPr>
+          </a:lstStyle>
+          <a:p>
+            <a:pPr lvl="1"/>
+            <a:r>
+              <a:rPr lang="en-US" altLang="ko-KR" sz="2170" kern="0" dirty="0" err="1"/>
+              <a:t>numpy</a:t>
+            </a:r>
+            <a:r>
+              <a:rPr lang="en-US" altLang="ko-KR" sz="2170" kern="0" dirty="0"/>
+              <a:t> + </a:t>
+            </a:r>
+            <a:r>
+              <a:rPr lang="ko-KR" altLang="en-US" sz="2170" kern="0" dirty="0"/>
+              <a:t>내장함수</a:t>
+            </a:r>
+            <a:endParaRPr lang="en-US" altLang="ko-KR" sz="2170" i="1" kern="0" dirty="0"/>
+          </a:p>
+        </p:txBody>
+      </p:sp>
+      <p:sp>
+        <p:nvSpPr>
+          <p:cNvPr id="6" name="직사각형 5">
+            <a:extLst>
+              <a:ext uri="{FF2B5EF4-FFF2-40B4-BE49-F238E27FC236}">
+                <a16:creationId xmlns:a16="http://schemas.microsoft.com/office/drawing/2014/main" id="{81234736-50E3-17CD-FAB6-91072F1041C0}"/>
+              </a:ext>
+            </a:extLst>
+          </p:cNvPr>
+          <p:cNvSpPr/>
+          <p:nvPr/>
+        </p:nvSpPr>
+        <p:spPr>
+          <a:xfrm>
+            <a:off x="5796136" y="2137420"/>
+            <a:ext cx="2952328" cy="2062103"/>
+          </a:xfrm>
+          <a:prstGeom prst="rect">
+            <a:avLst/>
+          </a:prstGeom>
+        </p:spPr>
+        <p:txBody>
+          <a:bodyPr wrap="square">
+            <a:spAutoFit/>
+          </a:bodyPr>
+          <a:lstStyle/>
+          <a:p>
+            <a:r>
+              <a:rPr lang="en-US" altLang="ko-KR" sz="1600" b="0" dirty="0">
+                <a:solidFill>
+                  <a:srgbClr val="00B050"/>
+                </a:solidFill>
+                <a:effectLst/>
+                <a:latin typeface="ubuntu mono derivative powerline" panose="020B0509030602030204" pitchFamily="49" charset="0"/>
+              </a:rPr>
+              <a:t># solution2</a:t>
+            </a:r>
+          </a:p>
+          <a:p>
+            <a:r>
+              <a:rPr lang="en-US" altLang="ko-KR" sz="1600" dirty="0">
+                <a:solidFill>
+                  <a:srgbClr val="CC9B00"/>
+                </a:solidFill>
+                <a:latin typeface="ubuntu mono derivative powerline" panose="020B0509030602030204" pitchFamily="49" charset="0"/>
+              </a:rPr>
+              <a:t>import</a:t>
+            </a:r>
+            <a:r>
+              <a:rPr lang="en-US" altLang="ko-KR" sz="1600" dirty="0">
+                <a:solidFill>
+                  <a:srgbClr val="00B050"/>
+                </a:solidFill>
+                <a:latin typeface="ubuntu mono derivative powerline" panose="020B0509030602030204" pitchFamily="49" charset="0"/>
+              </a:rPr>
+              <a:t> </a:t>
+            </a:r>
+            <a:r>
+              <a:rPr lang="en-US" altLang="ko-KR" sz="1600" dirty="0" err="1">
+                <a:solidFill>
+                  <a:srgbClr val="7030A0"/>
+                </a:solidFill>
+                <a:latin typeface="ubuntu mono derivative powerline" panose="020B0509030602030204" pitchFamily="49" charset="0"/>
+              </a:rPr>
+              <a:t>numpy</a:t>
+            </a:r>
+            <a:r>
+              <a:rPr lang="en-US" altLang="ko-KR" sz="1600" dirty="0">
+                <a:solidFill>
+                  <a:srgbClr val="00B050"/>
+                </a:solidFill>
+                <a:latin typeface="ubuntu mono derivative powerline" panose="020B0509030602030204" pitchFamily="49" charset="0"/>
+              </a:rPr>
+              <a:t> </a:t>
+            </a:r>
+            <a:r>
+              <a:rPr lang="en-US" altLang="ko-KR" sz="1600" dirty="0">
+                <a:solidFill>
+                  <a:srgbClr val="CC9B00"/>
+                </a:solidFill>
+                <a:latin typeface="ubuntu mono derivative powerline" panose="020B0509030602030204" pitchFamily="49" charset="0"/>
+              </a:rPr>
+              <a:t>as</a:t>
+            </a:r>
+            <a:r>
+              <a:rPr lang="en-US" altLang="ko-KR" sz="1600" dirty="0">
+                <a:solidFill>
+                  <a:srgbClr val="00B050"/>
+                </a:solidFill>
+                <a:latin typeface="ubuntu mono derivative powerline" panose="020B0509030602030204" pitchFamily="49" charset="0"/>
+              </a:rPr>
+              <a:t> </a:t>
+            </a:r>
+            <a:r>
+              <a:rPr lang="en-US" altLang="ko-KR" sz="1600" dirty="0">
+                <a:solidFill>
+                  <a:srgbClr val="7030A0"/>
+                </a:solidFill>
+                <a:latin typeface="ubuntu mono derivative powerline" panose="020B0509030602030204" pitchFamily="49" charset="0"/>
+              </a:rPr>
+              <a:t>np</a:t>
+            </a:r>
+          </a:p>
+          <a:p>
+            <a:endParaRPr lang="en-US" altLang="ko-KR" sz="1600" b="0" dirty="0">
+              <a:solidFill>
+                <a:srgbClr val="00B050"/>
+              </a:solidFill>
+              <a:effectLst/>
+              <a:latin typeface="ubuntu mono derivative powerline" panose="020B0509030602030204" pitchFamily="49" charset="0"/>
+            </a:endParaRPr>
+          </a:p>
+          <a:p>
+            <a:r>
+              <a:rPr lang="en-US" altLang="ko-KR" sz="1600" b="0" dirty="0" err="1">
+                <a:solidFill>
+                  <a:srgbClr val="7030A0"/>
+                </a:solidFill>
+                <a:effectLst/>
+                <a:latin typeface="ubuntu mono derivative powerline" panose="020B0509030602030204" pitchFamily="49" charset="0"/>
+              </a:rPr>
+              <a:t>np</a:t>
+            </a:r>
+            <a:r>
+              <a:rPr lang="en-US" altLang="ko-KR" sz="1600" b="0" dirty="0" err="1">
+                <a:effectLst/>
+                <a:latin typeface="ubuntu mono derivative powerline" panose="020B0509030602030204" pitchFamily="49" charset="0"/>
+              </a:rPr>
+              <a:t>.</a:t>
+            </a:r>
+            <a:r>
+              <a:rPr lang="en-US" altLang="ko-KR" sz="1600" b="0" dirty="0" err="1">
+                <a:solidFill>
+                  <a:srgbClr val="0000FF"/>
+                </a:solidFill>
+                <a:effectLst/>
+                <a:latin typeface="ubuntu mono derivative powerline" panose="020B0509030602030204" pitchFamily="49" charset="0"/>
+              </a:rPr>
+              <a:t>random</a:t>
+            </a:r>
+            <a:r>
+              <a:rPr lang="en-US" altLang="ko-KR" sz="1600" b="0" dirty="0" err="1">
+                <a:effectLst/>
+                <a:latin typeface="ubuntu mono derivative powerline" panose="020B0509030602030204" pitchFamily="49" charset="0"/>
+              </a:rPr>
+              <a:t>.</a:t>
+            </a:r>
+            <a:r>
+              <a:rPr lang="en-US" altLang="ko-KR" sz="1600" b="0" dirty="0" err="1">
+                <a:solidFill>
+                  <a:srgbClr val="0000FF"/>
+                </a:solidFill>
+                <a:effectLst/>
+                <a:latin typeface="ubuntu mono derivative powerline" panose="020B0509030602030204" pitchFamily="49" charset="0"/>
+              </a:rPr>
+              <a:t>seed</a:t>
+            </a:r>
+            <a:r>
+              <a:rPr lang="en-US" altLang="ko-KR" sz="1600" b="0" dirty="0">
+                <a:effectLst/>
+                <a:latin typeface="ubuntu mono derivative powerline" panose="020B0509030602030204" pitchFamily="49" charset="0"/>
+              </a:rPr>
+              <a:t>(10)</a:t>
+            </a:r>
+          </a:p>
+          <a:p>
+            <a:r>
+              <a:rPr lang="en-US" altLang="ko-KR" sz="1600" b="0" dirty="0" err="1">
+                <a:effectLst/>
+                <a:latin typeface="ubuntu mono derivative powerline" panose="020B0509030602030204" pitchFamily="49" charset="0"/>
+              </a:rPr>
+              <a:t>np_a</a:t>
+            </a:r>
+            <a:r>
+              <a:rPr lang="en-US" altLang="ko-KR" sz="1600" b="0" dirty="0">
+                <a:effectLst/>
+                <a:latin typeface="ubuntu mono derivative powerline" panose="020B0509030602030204" pitchFamily="49" charset="0"/>
+              </a:rPr>
+              <a:t> = </a:t>
+            </a:r>
+            <a:r>
+              <a:rPr lang="en-US" altLang="ko-KR" sz="1600" b="0" dirty="0" err="1">
+                <a:solidFill>
+                  <a:srgbClr val="7030A0"/>
+                </a:solidFill>
+                <a:effectLst/>
+                <a:latin typeface="ubuntu mono derivative powerline" panose="020B0509030602030204" pitchFamily="49" charset="0"/>
+              </a:rPr>
+              <a:t>np</a:t>
+            </a:r>
+            <a:r>
+              <a:rPr lang="en-US" altLang="ko-KR" sz="1600" b="0" dirty="0" err="1">
+                <a:effectLst/>
+                <a:latin typeface="ubuntu mono derivative powerline" panose="020B0509030602030204" pitchFamily="49" charset="0"/>
+              </a:rPr>
+              <a:t>.</a:t>
+            </a:r>
+            <a:r>
+              <a:rPr lang="en-US" altLang="ko-KR" sz="1600" b="0" dirty="0" err="1">
+                <a:solidFill>
+                  <a:srgbClr val="0000FF"/>
+                </a:solidFill>
+                <a:effectLst/>
+                <a:latin typeface="ubuntu mono derivative powerline" panose="020B0509030602030204" pitchFamily="49" charset="0"/>
+              </a:rPr>
+              <a:t>random</a:t>
+            </a:r>
+            <a:r>
+              <a:rPr lang="en-US" altLang="ko-KR" sz="1600" b="0" dirty="0" err="1">
+                <a:effectLst/>
+                <a:latin typeface="ubuntu mono derivative powerline" panose="020B0509030602030204" pitchFamily="49" charset="0"/>
+              </a:rPr>
+              <a:t>.</a:t>
+            </a:r>
+            <a:r>
+              <a:rPr lang="en-US" altLang="ko-KR" sz="1600" b="0" dirty="0" err="1">
+                <a:solidFill>
+                  <a:srgbClr val="0000FF"/>
+                </a:solidFill>
+                <a:effectLst/>
+                <a:latin typeface="ubuntu mono derivative powerline" panose="020B0509030602030204" pitchFamily="49" charset="0"/>
+              </a:rPr>
+              <a:t>rand</a:t>
+            </a:r>
+            <a:r>
+              <a:rPr lang="en-US" altLang="ko-KR" sz="1600" b="0" dirty="0">
+                <a:effectLst/>
+                <a:latin typeface="ubuntu mono derivative powerline" panose="020B0509030602030204" pitchFamily="49" charset="0"/>
+              </a:rPr>
+              <a:t>(1, 10)</a:t>
+            </a:r>
+          </a:p>
+          <a:p>
+            <a:r>
+              <a:rPr lang="en-US" altLang="ko-KR" sz="1600" b="0" dirty="0">
+                <a:solidFill>
+                  <a:srgbClr val="0000FF"/>
+                </a:solidFill>
+                <a:effectLst/>
+                <a:latin typeface="ubuntu mono derivative powerline" panose="020B0509030602030204" pitchFamily="49" charset="0"/>
+              </a:rPr>
+              <a:t>print</a:t>
+            </a:r>
+            <a:r>
+              <a:rPr lang="en-US" altLang="ko-KR" sz="1600" b="0" dirty="0">
+                <a:effectLst/>
+                <a:latin typeface="ubuntu mono derivative powerline" panose="020B0509030602030204" pitchFamily="49" charset="0"/>
+              </a:rPr>
+              <a:t>(</a:t>
+            </a:r>
+            <a:r>
+              <a:rPr lang="en-US" altLang="ko-KR" sz="1600" b="0" dirty="0" err="1">
+                <a:solidFill>
+                  <a:srgbClr val="FF0000"/>
+                </a:solidFill>
+                <a:effectLst/>
+                <a:latin typeface="ubuntu mono derivative powerline" panose="020B0509030602030204" pitchFamily="49" charset="0"/>
+              </a:rPr>
+              <a:t>np_a</a:t>
+            </a:r>
+            <a:r>
+              <a:rPr lang="en-US" altLang="ko-KR" sz="1600" b="0" dirty="0">
+                <a:effectLst/>
+                <a:latin typeface="ubuntu mono derivative powerline" panose="020B0509030602030204" pitchFamily="49" charset="0"/>
+              </a:rPr>
+              <a:t>)</a:t>
+            </a:r>
+          </a:p>
+          <a:p>
+            <a:r>
+              <a:rPr lang="en-US" altLang="ko-KR" sz="1600" b="0" dirty="0">
+                <a:solidFill>
+                  <a:srgbClr val="0000FF"/>
+                </a:solidFill>
+                <a:effectLst/>
+                <a:latin typeface="ubuntu mono derivative powerline" panose="020B0509030602030204" pitchFamily="49" charset="0"/>
+              </a:rPr>
+              <a:t>print</a:t>
+            </a:r>
+            <a:r>
+              <a:rPr lang="en-US" altLang="ko-KR" sz="1600" b="0" dirty="0">
+                <a:effectLst/>
+                <a:latin typeface="ubuntu mono derivative powerline" panose="020B0509030602030204" pitchFamily="49" charset="0"/>
+              </a:rPr>
+              <a:t>(</a:t>
+            </a:r>
+            <a:r>
+              <a:rPr lang="en-US" altLang="ko-KR" sz="1600" b="0" dirty="0" err="1">
+                <a:solidFill>
+                  <a:srgbClr val="FFC000"/>
+                </a:solidFill>
+                <a:effectLst/>
+                <a:latin typeface="ubuntu mono derivative powerline" panose="020B0509030602030204" pitchFamily="49" charset="0"/>
+              </a:rPr>
+              <a:t>np_a</a:t>
+            </a:r>
+            <a:r>
+              <a:rPr lang="en-US" altLang="ko-KR" sz="1600" b="0" dirty="0" err="1">
+                <a:effectLst/>
+                <a:latin typeface="ubuntu mono derivative powerline" panose="020B0509030602030204" pitchFamily="49" charset="0"/>
+              </a:rPr>
+              <a:t>.</a:t>
+            </a:r>
+            <a:r>
+              <a:rPr lang="en-US" altLang="ko-KR" sz="1600" b="0" dirty="0" err="1">
+                <a:solidFill>
+                  <a:srgbClr val="0000FF"/>
+                </a:solidFill>
+                <a:effectLst/>
+                <a:latin typeface="ubuntu mono derivative powerline" panose="020B0509030602030204" pitchFamily="49" charset="0"/>
+              </a:rPr>
+              <a:t>sum</a:t>
+            </a:r>
+            <a:r>
+              <a:rPr lang="en-US" altLang="ko-KR" sz="1600" b="0" dirty="0">
+                <a:effectLst/>
+                <a:latin typeface="ubuntu mono derivative powerline" panose="020B0509030602030204" pitchFamily="49" charset="0"/>
+              </a:rPr>
+              <a:t>())</a:t>
+            </a:r>
+          </a:p>
+          <a:p>
+            <a:r>
+              <a:rPr lang="en-US" altLang="ko-KR" sz="1600" b="0" dirty="0">
+                <a:solidFill>
+                  <a:srgbClr val="0000FF"/>
+                </a:solidFill>
+                <a:effectLst/>
+                <a:latin typeface="ubuntu mono derivative powerline" panose="020B0509030602030204" pitchFamily="49" charset="0"/>
+              </a:rPr>
+              <a:t>print</a:t>
+            </a:r>
+            <a:r>
+              <a:rPr lang="en-US" altLang="ko-KR" sz="1600" b="0" dirty="0">
+                <a:effectLst/>
+                <a:latin typeface="ubuntu mono derivative powerline" panose="020B0509030602030204" pitchFamily="49" charset="0"/>
+              </a:rPr>
+              <a:t>(</a:t>
+            </a:r>
+            <a:r>
+              <a:rPr lang="en-US" altLang="ko-KR" sz="1600" b="0" dirty="0" err="1">
+                <a:solidFill>
+                  <a:srgbClr val="00B050"/>
+                </a:solidFill>
+                <a:effectLst/>
+                <a:latin typeface="ubuntu mono derivative powerline" panose="020B0509030602030204" pitchFamily="49" charset="0"/>
+              </a:rPr>
+              <a:t>np_a</a:t>
+            </a:r>
+            <a:r>
+              <a:rPr lang="en-US" altLang="ko-KR" sz="1600" b="0" dirty="0" err="1">
+                <a:effectLst/>
+                <a:latin typeface="ubuntu mono derivative powerline" panose="020B0509030602030204" pitchFamily="49" charset="0"/>
+              </a:rPr>
+              <a:t>.</a:t>
+            </a:r>
+            <a:r>
+              <a:rPr lang="en-US" altLang="ko-KR" sz="1600" b="0" dirty="0" err="1">
+                <a:solidFill>
+                  <a:srgbClr val="0000FF"/>
+                </a:solidFill>
+                <a:effectLst/>
+                <a:latin typeface="ubuntu mono derivative powerline" panose="020B0509030602030204" pitchFamily="49" charset="0"/>
+              </a:rPr>
+              <a:t>mean</a:t>
+            </a:r>
+            <a:r>
+              <a:rPr lang="en-US" altLang="ko-KR" sz="1600" b="0" dirty="0">
+                <a:effectLst/>
+                <a:latin typeface="ubuntu mono derivative powerline" panose="020B0509030602030204" pitchFamily="49" charset="0"/>
+              </a:rPr>
+              <a:t>())</a:t>
+            </a:r>
+          </a:p>
+        </p:txBody>
+      </p:sp>
+      <p:sp>
+        <p:nvSpPr>
+          <p:cNvPr id="8" name="직사각형 7">
+            <a:extLst>
+              <a:ext uri="{FF2B5EF4-FFF2-40B4-BE49-F238E27FC236}">
+                <a16:creationId xmlns:a16="http://schemas.microsoft.com/office/drawing/2014/main" id="{FEEF1A67-6030-8978-A80B-0347FBA6318A}"/>
+              </a:ext>
+            </a:extLst>
+          </p:cNvPr>
+          <p:cNvSpPr/>
+          <p:nvPr/>
+        </p:nvSpPr>
+        <p:spPr>
+          <a:xfrm>
+            <a:off x="3599384" y="4425903"/>
+            <a:ext cx="5365104" cy="1200329"/>
+          </a:xfrm>
+          <a:prstGeom prst="rect">
+            <a:avLst/>
+          </a:prstGeom>
+        </p:spPr>
+        <p:txBody>
+          <a:bodyPr wrap="square">
+            <a:spAutoFit/>
+          </a:bodyPr>
+          <a:lstStyle/>
+          <a:p>
+            <a:r>
+              <a:rPr lang="en-US" altLang="ko-KR" sz="1200" b="0" dirty="0">
+                <a:solidFill>
+                  <a:srgbClr val="FF0000"/>
+                </a:solidFill>
+                <a:effectLst/>
+                <a:latin typeface="ubuntu mono derivative powerline" panose="020B0509030602030204" pitchFamily="49" charset="0"/>
+              </a:rPr>
+              <a:t>[[0.77132064 0.02075195 0.63364823 0.74880388 0.49850701 0.22479665</a:t>
+            </a:r>
+          </a:p>
+          <a:p>
+            <a:r>
+              <a:rPr lang="en-US" altLang="ko-KR" sz="1200" b="0" dirty="0">
+                <a:solidFill>
+                  <a:srgbClr val="FF0000"/>
+                </a:solidFill>
+                <a:effectLst/>
+                <a:latin typeface="ubuntu mono derivative powerline" panose="020B0509030602030204" pitchFamily="49" charset="0"/>
+              </a:rPr>
+              <a:t>  0.19806286 0.76053071 0.16911084 0.08833981]]</a:t>
+            </a:r>
+          </a:p>
+          <a:p>
+            <a:endParaRPr lang="en-US" altLang="ko-KR" sz="1200" b="0" dirty="0">
+              <a:solidFill>
+                <a:srgbClr val="FF0000"/>
+              </a:solidFill>
+              <a:effectLst/>
+              <a:latin typeface="ubuntu mono derivative powerline" panose="020B0509030602030204" pitchFamily="49" charset="0"/>
+            </a:endParaRPr>
+          </a:p>
+          <a:p>
+            <a:r>
+              <a:rPr lang="en-US" altLang="ko-KR" sz="1200" b="0" dirty="0">
+                <a:solidFill>
+                  <a:srgbClr val="FFC000"/>
+                </a:solidFill>
+                <a:effectLst/>
+                <a:latin typeface="ubuntu mono derivative powerline" panose="020B0509030602030204" pitchFamily="49" charset="0"/>
+              </a:rPr>
+              <a:t>4.113872595619601</a:t>
+            </a:r>
+          </a:p>
+          <a:p>
+            <a:endParaRPr lang="en-US" altLang="ko-KR" sz="1200" b="0" dirty="0">
+              <a:solidFill>
+                <a:srgbClr val="FF0000"/>
+              </a:solidFill>
+              <a:effectLst/>
+              <a:latin typeface="ubuntu mono derivative powerline" panose="020B0509030602030204" pitchFamily="49" charset="0"/>
+            </a:endParaRPr>
+          </a:p>
+          <a:p>
+            <a:r>
+              <a:rPr lang="en-US" altLang="ko-KR" sz="1200" b="0" dirty="0">
+                <a:solidFill>
+                  <a:srgbClr val="00B050"/>
+                </a:solidFill>
+                <a:effectLst/>
+                <a:latin typeface="ubuntu mono derivative powerline" panose="020B0509030602030204" pitchFamily="49" charset="0"/>
+              </a:rPr>
+              <a:t>0.41138725956196015</a:t>
+            </a:r>
+          </a:p>
+        </p:txBody>
+      </p:sp>
+    </p:spTree>
+    <p:extLst>
+      <p:ext uri="{BB962C8B-B14F-4D97-AF65-F5344CB8AC3E}">
+        <p14:creationId xmlns:p14="http://schemas.microsoft.com/office/powerpoint/2010/main" val="964591283"/>
+      </p:ext>
+    </p:extLst>
+  </p:cSld>
+  <p:clrMapOvr>
+    <a:masterClrMapping/>
+  </p:clrMapOvr>
+</p:sld>
+</file>
+
+<file path=ppt/slides/slide18.xml><?xml version="1.0" encoding="utf-8"?>
+<p:sld xmlns:a="http://schemas.openxmlformats.org/drawingml/2006/main" xmlns:r="http://schemas.openxmlformats.org/officeDocument/2006/relationships" xmlns:p="http://schemas.openxmlformats.org/presentationml/2006/main">
+  <p:cSld>
+    <p:spTree>
+      <p:nvGrpSpPr>
+        <p:cNvPr id="1" name=""/>
+        <p:cNvGrpSpPr/>
+        <p:nvPr/>
+      </p:nvGrpSpPr>
+      <p:grpSpPr>
+        <a:xfrm>
+          <a:off x="0" y="0"/>
+          <a:ext cx="0" cy="0"/>
+          <a:chOff x="0" y="0"/>
+          <a:chExt cx="0" cy="0"/>
+        </a:xfrm>
+      </p:grpSpPr>
+      <p:sp>
+        <p:nvSpPr>
+          <p:cNvPr id="2" name="제목 1"/>
+          <p:cNvSpPr>
+            <a:spLocks noGrp="1"/>
+          </p:cNvSpPr>
+          <p:nvPr>
+            <p:ph type="title"/>
+          </p:nvPr>
+        </p:nvSpPr>
+        <p:spPr/>
+        <p:txBody>
+          <a:bodyPr/>
+          <a:lstStyle/>
+          <a:p>
+            <a:r>
+              <a:rPr lang="en-US" altLang="ko-KR" dirty="0"/>
+              <a:t>3.1 </a:t>
+            </a:r>
+            <a:r>
+              <a:rPr lang="ko-KR" altLang="en-US" dirty="0" err="1"/>
+              <a:t>파이썬의</a:t>
+            </a:r>
+            <a:r>
+              <a:rPr lang="ko-KR" altLang="en-US" dirty="0"/>
+              <a:t> 자료구조</a:t>
+            </a:r>
+          </a:p>
+        </p:txBody>
+      </p:sp>
+      <p:sp>
+        <p:nvSpPr>
+          <p:cNvPr id="3" name="내용 개체 틀 2"/>
+          <p:cNvSpPr>
+            <a:spLocks noGrp="1"/>
+          </p:cNvSpPr>
+          <p:nvPr>
+            <p:ph idx="1"/>
+          </p:nvPr>
+        </p:nvSpPr>
+        <p:spPr/>
+        <p:txBody>
+          <a:bodyPr>
+            <a:normAutofit/>
+          </a:bodyPr>
+          <a:lstStyle/>
+          <a:p>
+            <a:r>
+              <a:rPr lang="en-US" altLang="ko-KR" dirty="0"/>
+              <a:t>3.3 </a:t>
+            </a:r>
+            <a:r>
+              <a:rPr lang="en-US" altLang="ko-KR" dirty="0" err="1"/>
+              <a:t>numpy</a:t>
+            </a:r>
+            <a:r>
+              <a:rPr lang="en-US" altLang="ko-KR" dirty="0"/>
+              <a:t> </a:t>
+            </a:r>
+            <a:r>
+              <a:rPr lang="ko-KR" altLang="en-US" dirty="0"/>
+              <a:t>실습</a:t>
+            </a:r>
+            <a:r>
+              <a:rPr lang="en-US" altLang="ko-KR" dirty="0"/>
+              <a:t>2</a:t>
+            </a:r>
+          </a:p>
+          <a:p>
+            <a:pPr lvl="1"/>
+            <a:r>
+              <a:rPr lang="ko-KR" altLang="en-US" dirty="0"/>
+              <a:t>조건</a:t>
+            </a:r>
+            <a:endParaRPr lang="en-US" altLang="ko-KR" dirty="0"/>
+          </a:p>
+          <a:p>
+            <a:pPr lvl="2"/>
+            <a:r>
+              <a:rPr lang="ko-KR" altLang="en-US" sz="1600" dirty="0"/>
+              <a:t>입력</a:t>
+            </a:r>
+            <a:endParaRPr lang="en-US" altLang="ko-KR" sz="1600" dirty="0"/>
+          </a:p>
+          <a:p>
+            <a:pPr lvl="3"/>
+            <a:r>
+              <a:rPr lang="ko-KR" altLang="en-US" sz="1433" dirty="0"/>
+              <a:t>자유</a:t>
+            </a:r>
+            <a:endParaRPr lang="en-US" altLang="ko-KR" sz="1433" dirty="0"/>
+          </a:p>
+          <a:p>
+            <a:pPr lvl="3"/>
+            <a:endParaRPr lang="en-US" altLang="ko-KR" sz="1433" dirty="0"/>
+          </a:p>
+          <a:p>
+            <a:pPr lvl="2"/>
+            <a:r>
+              <a:rPr lang="ko-KR" altLang="en-US" sz="1600" dirty="0"/>
+              <a:t>조건</a:t>
+            </a:r>
+            <a:endParaRPr lang="en-US" altLang="ko-KR" sz="1600" dirty="0"/>
+          </a:p>
+          <a:p>
+            <a:pPr lvl="3"/>
+            <a:r>
+              <a:rPr lang="en-US" altLang="ko-KR" sz="1433" dirty="0"/>
+              <a:t>0~50 </a:t>
+            </a:r>
+            <a:r>
+              <a:rPr lang="ko-KR" altLang="en-US" sz="1433" dirty="0"/>
+              <a:t>사이의 임의의 원소</a:t>
+            </a:r>
+            <a:r>
+              <a:rPr lang="en-US" altLang="ko-KR" sz="1433" dirty="0"/>
+              <a:t>(</a:t>
+            </a:r>
+            <a:r>
+              <a:rPr lang="ko-KR" altLang="en-US" sz="1433" dirty="0"/>
+              <a:t>정수형</a:t>
+            </a:r>
+            <a:r>
+              <a:rPr lang="en-US" altLang="ko-KR" sz="1433" dirty="0"/>
+              <a:t>, </a:t>
+            </a:r>
+            <a:r>
+              <a:rPr lang="ko-KR" altLang="en-US" sz="1433" dirty="0"/>
+              <a:t>중복가능</a:t>
+            </a:r>
+            <a:r>
+              <a:rPr lang="en-US" altLang="ko-KR" sz="1433" dirty="0"/>
+              <a:t>)</a:t>
+            </a:r>
+            <a:r>
+              <a:rPr lang="ko-KR" altLang="en-US" sz="1433" dirty="0"/>
+              <a:t>를 </a:t>
+            </a:r>
+            <a:r>
+              <a:rPr lang="en-US" altLang="ko-KR" sz="1433" dirty="0"/>
+              <a:t>500</a:t>
+            </a:r>
+            <a:r>
+              <a:rPr lang="ko-KR" altLang="en-US" sz="1433" dirty="0"/>
+              <a:t>개 만들어서</a:t>
+            </a:r>
+            <a:br>
+              <a:rPr lang="en-US" altLang="ko-KR" sz="1433" dirty="0"/>
+            </a:br>
+            <a:r>
+              <a:rPr lang="ko-KR" altLang="en-US" sz="1433" dirty="0"/>
+              <a:t>가장 많이 나온 </a:t>
+            </a:r>
+            <a:r>
+              <a:rPr lang="ko-KR" altLang="en-US" sz="1433" dirty="0" err="1">
+                <a:solidFill>
+                  <a:srgbClr val="FF0000"/>
+                </a:solidFill>
+              </a:rPr>
+              <a:t>원소값</a:t>
+            </a:r>
+            <a:r>
+              <a:rPr lang="ko-KR" altLang="en-US" sz="1433" dirty="0" err="1"/>
+              <a:t>과</a:t>
+            </a:r>
+            <a:r>
+              <a:rPr lang="ko-KR" altLang="en-US" sz="1433" dirty="0"/>
+              <a:t> </a:t>
+            </a:r>
+            <a:r>
+              <a:rPr lang="ko-KR" altLang="en-US" sz="1433" dirty="0">
+                <a:solidFill>
+                  <a:srgbClr val="00B050"/>
+                </a:solidFill>
+              </a:rPr>
+              <a:t>중복횟수</a:t>
+            </a:r>
+            <a:r>
+              <a:rPr lang="ko-KR" altLang="en-US" sz="1433" dirty="0"/>
+              <a:t>로 출력하라</a:t>
+            </a:r>
+            <a:r>
+              <a:rPr lang="en-US" altLang="ko-KR" sz="1433" dirty="0"/>
+              <a:t>.</a:t>
+            </a:r>
+          </a:p>
+          <a:p>
+            <a:pPr lvl="3"/>
+            <a:endParaRPr lang="en-US" altLang="ko-KR" sz="1433" dirty="0"/>
+          </a:p>
+          <a:p>
+            <a:pPr lvl="2"/>
+            <a:r>
+              <a:rPr lang="ko-KR" altLang="en-US" sz="1600" dirty="0"/>
+              <a:t>출력 예시</a:t>
+            </a:r>
+            <a:endParaRPr lang="en-US" altLang="ko-KR" sz="1600" dirty="0"/>
+          </a:p>
+        </p:txBody>
+      </p:sp>
+      <p:sp>
+        <p:nvSpPr>
+          <p:cNvPr id="7" name="직사각형 6">
+            <a:extLst>
+              <a:ext uri="{FF2B5EF4-FFF2-40B4-BE49-F238E27FC236}">
+                <a16:creationId xmlns:a16="http://schemas.microsoft.com/office/drawing/2014/main" id="{6D21478B-AEAF-215D-1B66-4EB4EE3C79AF}"/>
+              </a:ext>
+            </a:extLst>
+          </p:cNvPr>
+          <p:cNvSpPr/>
+          <p:nvPr/>
+        </p:nvSpPr>
+        <p:spPr>
+          <a:xfrm>
+            <a:off x="1835696" y="4225652"/>
+            <a:ext cx="5544616" cy="461665"/>
+          </a:xfrm>
+          <a:prstGeom prst="rect">
+            <a:avLst/>
+          </a:prstGeom>
+        </p:spPr>
+        <p:txBody>
+          <a:bodyPr wrap="square">
+            <a:spAutoFit/>
+          </a:bodyPr>
+          <a:lstStyle/>
+          <a:p>
+            <a:r>
+              <a:rPr lang="en-US" altLang="ko-KR" sz="1200" b="0" dirty="0">
+                <a:solidFill>
+                  <a:srgbClr val="FF0000"/>
+                </a:solidFill>
+                <a:effectLst/>
+                <a:latin typeface="ubuntu mono derivative powerline" panose="020B0509030602030204" pitchFamily="49" charset="0"/>
+              </a:rPr>
+              <a:t>102</a:t>
+            </a:r>
+          </a:p>
+          <a:p>
+            <a:r>
+              <a:rPr lang="en-US" altLang="ko-KR" sz="1200" dirty="0">
+                <a:solidFill>
+                  <a:srgbClr val="00B050"/>
+                </a:solidFill>
+                <a:latin typeface="ubuntu mono derivative powerline" panose="020B0509030602030204" pitchFamily="49" charset="0"/>
+              </a:rPr>
+              <a:t>4</a:t>
+            </a:r>
+            <a:r>
+              <a:rPr lang="ko-KR" altLang="en-US" sz="1200" dirty="0">
+                <a:solidFill>
+                  <a:srgbClr val="00B050"/>
+                </a:solidFill>
+                <a:latin typeface="ubuntu mono derivative powerline" panose="020B0509030602030204" pitchFamily="49" charset="0"/>
+              </a:rPr>
+              <a:t>회</a:t>
+            </a:r>
+            <a:endParaRPr lang="en-US" altLang="ko-KR" sz="1200" b="0" dirty="0">
+              <a:solidFill>
+                <a:srgbClr val="00B050"/>
+              </a:solidFill>
+              <a:effectLst/>
+              <a:latin typeface="ubuntu mono derivative powerline" panose="020B0509030602030204" pitchFamily="49" charset="0"/>
+            </a:endParaRPr>
+          </a:p>
+        </p:txBody>
+      </p:sp>
+    </p:spTree>
+    <p:extLst>
+      <p:ext uri="{BB962C8B-B14F-4D97-AF65-F5344CB8AC3E}">
+        <p14:creationId xmlns:p14="http://schemas.microsoft.com/office/powerpoint/2010/main" val="1968433150"/>
+      </p:ext>
+    </p:extLst>
+  </p:cSld>
+  <p:clrMapOvr>
+    <a:masterClrMapping/>
+  </p:clrMapOvr>
+</p:sld>
+</file>
+
+<file path=ppt/slides/slide19.xml><?xml version="1.0" encoding="utf-8"?>
+<p:sld xmlns:a="http://schemas.openxmlformats.org/drawingml/2006/main" xmlns:r="http://schemas.openxmlformats.org/officeDocument/2006/relationships" xmlns:p="http://schemas.openxmlformats.org/presentationml/2006/main">
+  <p:cSld>
+    <p:spTree>
+      <p:nvGrpSpPr>
+        <p:cNvPr id="1" name=""/>
+        <p:cNvGrpSpPr/>
+        <p:nvPr/>
+      </p:nvGrpSpPr>
+      <p:grpSpPr>
+        <a:xfrm>
+          <a:off x="0" y="0"/>
+          <a:ext cx="0" cy="0"/>
+          <a:chOff x="0" y="0"/>
+          <a:chExt cx="0" cy="0"/>
+        </a:xfrm>
+      </p:grpSpPr>
+      <p:sp>
+        <p:nvSpPr>
+          <p:cNvPr id="2" name="제목 1"/>
+          <p:cNvSpPr>
+            <a:spLocks noGrp="1"/>
+          </p:cNvSpPr>
+          <p:nvPr>
+            <p:ph type="title"/>
+          </p:nvPr>
+        </p:nvSpPr>
+        <p:spPr/>
+        <p:txBody>
+          <a:bodyPr/>
+          <a:lstStyle/>
+          <a:p>
+            <a:r>
+              <a:rPr lang="en-US" altLang="ko-KR" dirty="0"/>
+              <a:t>3.1 </a:t>
+            </a:r>
+            <a:r>
+              <a:rPr lang="ko-KR" altLang="en-US" dirty="0" err="1"/>
+              <a:t>파이썬의</a:t>
+            </a:r>
+            <a:r>
+              <a:rPr lang="ko-KR" altLang="en-US" dirty="0"/>
+              <a:t> 자료구조</a:t>
+            </a:r>
+          </a:p>
+        </p:txBody>
+      </p:sp>
+      <p:sp>
+        <p:nvSpPr>
+          <p:cNvPr id="3" name="내용 개체 틀 2"/>
+          <p:cNvSpPr>
+            <a:spLocks noGrp="1"/>
+          </p:cNvSpPr>
+          <p:nvPr>
+            <p:ph idx="1"/>
+          </p:nvPr>
+        </p:nvSpPr>
+        <p:spPr>
+          <a:xfrm>
+            <a:off x="685800" y="1206500"/>
+            <a:ext cx="8229600" cy="4419732"/>
+          </a:xfrm>
+        </p:spPr>
+        <p:txBody>
+          <a:bodyPr>
+            <a:normAutofit/>
+          </a:bodyPr>
+          <a:lstStyle/>
+          <a:p>
+            <a:r>
+              <a:rPr lang="en-US" altLang="ko-KR" dirty="0"/>
+              <a:t>3.3 </a:t>
+            </a:r>
+            <a:r>
+              <a:rPr lang="en-US" altLang="ko-KR" dirty="0" err="1"/>
+              <a:t>numpy</a:t>
+            </a:r>
+            <a:r>
+              <a:rPr lang="en-US" altLang="ko-KR" dirty="0"/>
+              <a:t> </a:t>
+            </a:r>
+            <a:r>
+              <a:rPr lang="ko-KR" altLang="en-US" dirty="0"/>
+              <a:t>실습</a:t>
+            </a:r>
+            <a:r>
+              <a:rPr lang="en-US" altLang="ko-KR" dirty="0"/>
+              <a:t>2</a:t>
+            </a:r>
+          </a:p>
+          <a:p>
+            <a:pPr lvl="1"/>
+            <a:r>
+              <a:rPr lang="en-US" altLang="ko-KR" dirty="0" err="1"/>
+              <a:t>numpy</a:t>
+            </a:r>
+            <a:r>
+              <a:rPr lang="en-US" altLang="ko-KR" dirty="0"/>
+              <a:t> + for</a:t>
+            </a:r>
+          </a:p>
+        </p:txBody>
+      </p:sp>
+      <p:sp>
+        <p:nvSpPr>
+          <p:cNvPr id="4" name="직사각형 3">
+            <a:extLst>
+              <a:ext uri="{FF2B5EF4-FFF2-40B4-BE49-F238E27FC236}">
+                <a16:creationId xmlns:a16="http://schemas.microsoft.com/office/drawing/2014/main" id="{1C963349-B74D-0F77-1CB7-B82815CCF910}"/>
+              </a:ext>
+            </a:extLst>
+          </p:cNvPr>
+          <p:cNvSpPr/>
+          <p:nvPr/>
+        </p:nvSpPr>
+        <p:spPr>
+          <a:xfrm>
+            <a:off x="1331640" y="2137420"/>
+            <a:ext cx="2952328" cy="2800767"/>
+          </a:xfrm>
+          <a:prstGeom prst="rect">
+            <a:avLst/>
+          </a:prstGeom>
+        </p:spPr>
+        <p:txBody>
+          <a:bodyPr wrap="square">
+            <a:spAutoFit/>
+          </a:bodyPr>
+          <a:lstStyle/>
+          <a:p>
+            <a:r>
+              <a:rPr lang="en-US" altLang="ko-KR" sz="1600" b="0" dirty="0">
+                <a:solidFill>
+                  <a:srgbClr val="00B050"/>
+                </a:solidFill>
+                <a:effectLst/>
+                <a:latin typeface="ubuntu mono derivative powerline" panose="020B0509030602030204" pitchFamily="49" charset="0"/>
+              </a:rPr>
+              <a:t># solution1</a:t>
+            </a:r>
+          </a:p>
+          <a:p>
+            <a:r>
+              <a:rPr lang="en-US" altLang="ko-KR" sz="1600" dirty="0">
+                <a:solidFill>
+                  <a:srgbClr val="CC9B00"/>
+                </a:solidFill>
+                <a:latin typeface="ubuntu mono derivative powerline" panose="020B0509030602030204" pitchFamily="49" charset="0"/>
+              </a:rPr>
+              <a:t>import</a:t>
+            </a:r>
+            <a:r>
+              <a:rPr lang="en-US" altLang="ko-KR" sz="1600" dirty="0">
+                <a:solidFill>
+                  <a:srgbClr val="00B050"/>
+                </a:solidFill>
+                <a:latin typeface="ubuntu mono derivative powerline" panose="020B0509030602030204" pitchFamily="49" charset="0"/>
+              </a:rPr>
+              <a:t> </a:t>
+            </a:r>
+            <a:r>
+              <a:rPr lang="en-US" altLang="ko-KR" sz="1600" dirty="0" err="1">
+                <a:solidFill>
+                  <a:srgbClr val="7030A0"/>
+                </a:solidFill>
+                <a:latin typeface="ubuntu mono derivative powerline" panose="020B0509030602030204" pitchFamily="49" charset="0"/>
+              </a:rPr>
+              <a:t>numpy</a:t>
+            </a:r>
+            <a:r>
+              <a:rPr lang="en-US" altLang="ko-KR" sz="1600" dirty="0">
+                <a:solidFill>
+                  <a:srgbClr val="00B050"/>
+                </a:solidFill>
+                <a:latin typeface="ubuntu mono derivative powerline" panose="020B0509030602030204" pitchFamily="49" charset="0"/>
+              </a:rPr>
+              <a:t> </a:t>
+            </a:r>
+            <a:r>
+              <a:rPr lang="en-US" altLang="ko-KR" sz="1600" dirty="0">
+                <a:solidFill>
+                  <a:srgbClr val="CC9B00"/>
+                </a:solidFill>
+                <a:latin typeface="ubuntu mono derivative powerline" panose="020B0509030602030204" pitchFamily="49" charset="0"/>
+              </a:rPr>
+              <a:t>as</a:t>
+            </a:r>
+            <a:r>
+              <a:rPr lang="en-US" altLang="ko-KR" sz="1600" dirty="0">
+                <a:solidFill>
+                  <a:srgbClr val="00B050"/>
+                </a:solidFill>
+                <a:latin typeface="ubuntu mono derivative powerline" panose="020B0509030602030204" pitchFamily="49" charset="0"/>
+              </a:rPr>
+              <a:t> </a:t>
+            </a:r>
+            <a:r>
+              <a:rPr lang="en-US" altLang="ko-KR" sz="1600" dirty="0">
+                <a:solidFill>
+                  <a:srgbClr val="7030A0"/>
+                </a:solidFill>
+                <a:latin typeface="ubuntu mono derivative powerline" panose="020B0509030602030204" pitchFamily="49" charset="0"/>
+              </a:rPr>
+              <a:t>np</a:t>
+            </a:r>
+          </a:p>
+          <a:p>
+            <a:endParaRPr lang="en-US" altLang="ko-KR" sz="1600" b="0" dirty="0">
+              <a:solidFill>
+                <a:srgbClr val="00B050"/>
+              </a:solidFill>
+              <a:effectLst/>
+              <a:latin typeface="ubuntu mono derivative powerline" panose="020B0509030602030204" pitchFamily="49" charset="0"/>
+            </a:endParaRPr>
+          </a:p>
+          <a:p>
+            <a:r>
+              <a:rPr lang="en-US" altLang="ko-KR" sz="1600" b="0" dirty="0" err="1">
+                <a:solidFill>
+                  <a:srgbClr val="7030A0"/>
+                </a:solidFill>
+                <a:effectLst/>
+                <a:latin typeface="ubuntu mono derivative powerline" panose="020B0509030602030204" pitchFamily="49" charset="0"/>
+              </a:rPr>
+              <a:t>np</a:t>
+            </a:r>
+            <a:r>
+              <a:rPr lang="en-US" altLang="ko-KR" sz="1600" b="0" dirty="0" err="1">
+                <a:effectLst/>
+                <a:latin typeface="ubuntu mono derivative powerline" panose="020B0509030602030204" pitchFamily="49" charset="0"/>
+              </a:rPr>
+              <a:t>.</a:t>
+            </a:r>
+            <a:r>
+              <a:rPr lang="en-US" altLang="ko-KR" sz="1600" b="0" dirty="0" err="1">
+                <a:solidFill>
+                  <a:srgbClr val="0000FF"/>
+                </a:solidFill>
+                <a:effectLst/>
+                <a:latin typeface="ubuntu mono derivative powerline" panose="020B0509030602030204" pitchFamily="49" charset="0"/>
+              </a:rPr>
+              <a:t>random</a:t>
+            </a:r>
+            <a:r>
+              <a:rPr lang="en-US" altLang="ko-KR" sz="1600" b="0" dirty="0" err="1">
+                <a:effectLst/>
+                <a:latin typeface="ubuntu mono derivative powerline" panose="020B0509030602030204" pitchFamily="49" charset="0"/>
+              </a:rPr>
+              <a:t>.</a:t>
+            </a:r>
+            <a:r>
+              <a:rPr lang="en-US" altLang="ko-KR" sz="1600" b="0" dirty="0" err="1">
+                <a:solidFill>
+                  <a:srgbClr val="0000FF"/>
+                </a:solidFill>
+                <a:effectLst/>
+                <a:latin typeface="ubuntu mono derivative powerline" panose="020B0509030602030204" pitchFamily="49" charset="0"/>
+              </a:rPr>
+              <a:t>seed</a:t>
+            </a:r>
+            <a:r>
+              <a:rPr lang="en-US" altLang="ko-KR" sz="1600" b="0" dirty="0">
+                <a:effectLst/>
+                <a:latin typeface="ubuntu mono derivative powerline" panose="020B0509030602030204" pitchFamily="49" charset="0"/>
+              </a:rPr>
+              <a:t>(10)</a:t>
+            </a:r>
+          </a:p>
+          <a:p>
+            <a:r>
+              <a:rPr lang="en-US" altLang="ko-KR" sz="1600" b="0" dirty="0" err="1">
+                <a:effectLst/>
+                <a:latin typeface="ubuntu mono derivative powerline" panose="020B0509030602030204" pitchFamily="49" charset="0"/>
+              </a:rPr>
+              <a:t>np_a</a:t>
+            </a:r>
+            <a:r>
+              <a:rPr lang="en-US" altLang="ko-KR" sz="1600" b="0" dirty="0">
+                <a:effectLst/>
+                <a:latin typeface="ubuntu mono derivative powerline" panose="020B0509030602030204" pitchFamily="49" charset="0"/>
+              </a:rPr>
+              <a:t> = </a:t>
+            </a:r>
+            <a:r>
+              <a:rPr lang="en-US" altLang="ko-KR" sz="1600" b="0" dirty="0" err="1">
+                <a:solidFill>
+                  <a:srgbClr val="7030A0"/>
+                </a:solidFill>
+                <a:effectLst/>
+                <a:latin typeface="ubuntu mono derivative powerline" panose="020B0509030602030204" pitchFamily="49" charset="0"/>
+              </a:rPr>
+              <a:t>np</a:t>
+            </a:r>
+            <a:r>
+              <a:rPr lang="en-US" altLang="ko-KR" sz="1600" b="0" dirty="0" err="1">
+                <a:effectLst/>
+                <a:latin typeface="ubuntu mono derivative powerline" panose="020B0509030602030204" pitchFamily="49" charset="0"/>
+              </a:rPr>
+              <a:t>.</a:t>
+            </a:r>
+            <a:r>
+              <a:rPr lang="en-US" altLang="ko-KR" sz="1600" b="0" dirty="0" err="1">
+                <a:solidFill>
+                  <a:srgbClr val="0000FF"/>
+                </a:solidFill>
+                <a:effectLst/>
+                <a:latin typeface="ubuntu mono derivative powerline" panose="020B0509030602030204" pitchFamily="49" charset="0"/>
+              </a:rPr>
+              <a:t>random</a:t>
+            </a:r>
+            <a:r>
+              <a:rPr lang="en-US" altLang="ko-KR" sz="1600" b="0" dirty="0" err="1">
+                <a:effectLst/>
+                <a:latin typeface="ubuntu mono derivative powerline" panose="020B0509030602030204" pitchFamily="49" charset="0"/>
+              </a:rPr>
+              <a:t>.</a:t>
+            </a:r>
+            <a:r>
+              <a:rPr lang="en-US" altLang="ko-KR" sz="1600" b="0" dirty="0" err="1">
+                <a:solidFill>
+                  <a:srgbClr val="0000FF"/>
+                </a:solidFill>
+                <a:effectLst/>
+                <a:latin typeface="ubuntu mono derivative powerline" panose="020B0509030602030204" pitchFamily="49" charset="0"/>
+              </a:rPr>
+              <a:t>rand</a:t>
+            </a:r>
+            <a:r>
+              <a:rPr lang="en-US" altLang="ko-KR" sz="1600" b="0" dirty="0">
+                <a:effectLst/>
+                <a:latin typeface="ubuntu mono derivative powerline" panose="020B0509030602030204" pitchFamily="49" charset="0"/>
+              </a:rPr>
+              <a:t>(10)</a:t>
+            </a:r>
+          </a:p>
+          <a:p>
+            <a:r>
+              <a:rPr lang="en-US" altLang="ko-KR" sz="1600" b="0" dirty="0" err="1">
+                <a:effectLst/>
+                <a:latin typeface="ubuntu mono derivative powerline" panose="020B0509030602030204" pitchFamily="49" charset="0"/>
+              </a:rPr>
+              <a:t>sum_a</a:t>
+            </a:r>
+            <a:r>
+              <a:rPr lang="en-US" altLang="ko-KR" sz="1600" b="0" dirty="0">
+                <a:effectLst/>
+                <a:latin typeface="ubuntu mono derivative powerline" panose="020B0509030602030204" pitchFamily="49" charset="0"/>
+              </a:rPr>
+              <a:t> = 0</a:t>
+            </a:r>
+          </a:p>
+          <a:p>
+            <a:r>
+              <a:rPr lang="en-US" altLang="ko-KR" sz="1600" b="0" dirty="0">
+                <a:effectLst/>
+                <a:latin typeface="ubuntu mono derivative powerline" panose="020B0509030602030204" pitchFamily="49" charset="0"/>
+              </a:rPr>
+              <a:t>for </a:t>
+            </a:r>
+            <a:r>
+              <a:rPr lang="en-US" altLang="ko-KR" sz="1600" b="0" dirty="0">
+                <a:solidFill>
+                  <a:srgbClr val="0000FF"/>
+                </a:solidFill>
+                <a:effectLst/>
+                <a:latin typeface="ubuntu mono derivative powerline" panose="020B0509030602030204" pitchFamily="49" charset="0"/>
+              </a:rPr>
+              <a:t>a</a:t>
+            </a:r>
+            <a:r>
+              <a:rPr lang="en-US" altLang="ko-KR" sz="1600" b="0" dirty="0">
+                <a:effectLst/>
+                <a:latin typeface="ubuntu mono derivative powerline" panose="020B0509030602030204" pitchFamily="49" charset="0"/>
+              </a:rPr>
+              <a:t> in </a:t>
+            </a:r>
+            <a:r>
+              <a:rPr lang="en-US" altLang="ko-KR" sz="1600" b="0" dirty="0" err="1">
+                <a:solidFill>
+                  <a:srgbClr val="0000FF"/>
+                </a:solidFill>
+                <a:effectLst/>
+                <a:latin typeface="ubuntu mono derivative powerline" panose="020B0509030602030204" pitchFamily="49" charset="0"/>
+              </a:rPr>
+              <a:t>np_a</a:t>
+            </a:r>
+            <a:r>
+              <a:rPr lang="en-US" altLang="ko-KR" sz="1600" b="0" dirty="0">
+                <a:effectLst/>
+                <a:latin typeface="ubuntu mono derivative powerline" panose="020B0509030602030204" pitchFamily="49" charset="0"/>
+              </a:rPr>
+              <a:t>:</a:t>
+            </a:r>
+          </a:p>
+          <a:p>
+            <a:r>
+              <a:rPr lang="en-US" altLang="ko-KR" sz="1600" b="0" dirty="0">
+                <a:effectLst/>
+                <a:latin typeface="ubuntu mono derivative powerline" panose="020B0509030602030204" pitchFamily="49" charset="0"/>
+              </a:rPr>
+              <a:t>    </a:t>
+            </a:r>
+            <a:r>
+              <a:rPr lang="en-US" altLang="ko-KR" sz="1600" b="0" dirty="0" err="1">
+                <a:effectLst/>
+                <a:latin typeface="ubuntu mono derivative powerline" panose="020B0509030602030204" pitchFamily="49" charset="0"/>
+              </a:rPr>
+              <a:t>sum_a</a:t>
+            </a:r>
+            <a:r>
+              <a:rPr lang="en-US" altLang="ko-KR" sz="1600" b="0" dirty="0">
+                <a:effectLst/>
+                <a:latin typeface="ubuntu mono derivative powerline" panose="020B0509030602030204" pitchFamily="49" charset="0"/>
+              </a:rPr>
+              <a:t> += </a:t>
+            </a:r>
+            <a:r>
+              <a:rPr lang="en-US" altLang="ko-KR" sz="1600" b="0" dirty="0">
+                <a:solidFill>
+                  <a:srgbClr val="0000FF"/>
+                </a:solidFill>
+                <a:effectLst/>
+                <a:latin typeface="ubuntu mono derivative powerline" panose="020B0509030602030204" pitchFamily="49" charset="0"/>
+              </a:rPr>
+              <a:t>a</a:t>
+            </a:r>
+          </a:p>
+          <a:p>
+            <a:r>
+              <a:rPr lang="en-US" altLang="ko-KR" sz="1600" b="0" dirty="0">
+                <a:solidFill>
+                  <a:srgbClr val="0000FF"/>
+                </a:solidFill>
+                <a:effectLst/>
+                <a:latin typeface="ubuntu mono derivative powerline" panose="020B0509030602030204" pitchFamily="49" charset="0"/>
+              </a:rPr>
+              <a:t>print</a:t>
+            </a:r>
+            <a:r>
+              <a:rPr lang="en-US" altLang="ko-KR" sz="1600" b="0" dirty="0">
+                <a:effectLst/>
+                <a:latin typeface="ubuntu mono derivative powerline" panose="020B0509030602030204" pitchFamily="49" charset="0"/>
+              </a:rPr>
+              <a:t>(</a:t>
+            </a:r>
+            <a:r>
+              <a:rPr lang="en-US" altLang="ko-KR" sz="1600" b="0" dirty="0" err="1">
+                <a:solidFill>
+                  <a:srgbClr val="FF0000"/>
+                </a:solidFill>
+                <a:effectLst/>
+                <a:latin typeface="ubuntu mono derivative powerline" panose="020B0509030602030204" pitchFamily="49" charset="0"/>
+              </a:rPr>
+              <a:t>np_a</a:t>
+            </a:r>
+            <a:r>
+              <a:rPr lang="en-US" altLang="ko-KR" sz="1600" b="0" dirty="0">
+                <a:effectLst/>
+                <a:latin typeface="ubuntu mono derivative powerline" panose="020B0509030602030204" pitchFamily="49" charset="0"/>
+              </a:rPr>
+              <a:t>)</a:t>
+            </a:r>
+          </a:p>
+          <a:p>
+            <a:r>
+              <a:rPr lang="en-US" altLang="ko-KR" sz="1600" b="0" dirty="0">
+                <a:solidFill>
+                  <a:srgbClr val="0000FF"/>
+                </a:solidFill>
+                <a:effectLst/>
+                <a:latin typeface="ubuntu mono derivative powerline" panose="020B0509030602030204" pitchFamily="49" charset="0"/>
+              </a:rPr>
+              <a:t>print</a:t>
+            </a:r>
+            <a:r>
+              <a:rPr lang="en-US" altLang="ko-KR" sz="1600" b="0" dirty="0">
+                <a:effectLst/>
+                <a:latin typeface="ubuntu mono derivative powerline" panose="020B0509030602030204" pitchFamily="49" charset="0"/>
+              </a:rPr>
+              <a:t>(</a:t>
+            </a:r>
+            <a:r>
+              <a:rPr lang="en-US" altLang="ko-KR" sz="1600" b="0" dirty="0" err="1">
+                <a:solidFill>
+                  <a:srgbClr val="FFC000"/>
+                </a:solidFill>
+                <a:effectLst/>
+                <a:latin typeface="ubuntu mono derivative powerline" panose="020B0509030602030204" pitchFamily="49" charset="0"/>
+              </a:rPr>
+              <a:t>sum_a</a:t>
+            </a:r>
+            <a:r>
+              <a:rPr lang="en-US" altLang="ko-KR" sz="1600" b="0" dirty="0">
+                <a:effectLst/>
+                <a:latin typeface="ubuntu mono derivative powerline" panose="020B0509030602030204" pitchFamily="49" charset="0"/>
+              </a:rPr>
+              <a:t>)</a:t>
+            </a:r>
+          </a:p>
+          <a:p>
+            <a:r>
+              <a:rPr lang="en-US" altLang="ko-KR" sz="1600" b="0" dirty="0">
+                <a:solidFill>
+                  <a:srgbClr val="0000FF"/>
+                </a:solidFill>
+                <a:effectLst/>
+                <a:latin typeface="ubuntu mono derivative powerline" panose="020B0509030602030204" pitchFamily="49" charset="0"/>
+              </a:rPr>
+              <a:t>print</a:t>
+            </a:r>
+            <a:r>
+              <a:rPr lang="en-US" altLang="ko-KR" sz="1600" b="0" dirty="0">
+                <a:effectLst/>
+                <a:latin typeface="ubuntu mono derivative powerline" panose="020B0509030602030204" pitchFamily="49" charset="0"/>
+              </a:rPr>
+              <a:t>(</a:t>
+            </a:r>
+            <a:r>
+              <a:rPr lang="en-US" altLang="ko-KR" sz="1600" b="0" dirty="0" err="1">
+                <a:solidFill>
+                  <a:srgbClr val="00B050"/>
+                </a:solidFill>
+                <a:effectLst/>
+                <a:latin typeface="ubuntu mono derivative powerline" panose="020B0509030602030204" pitchFamily="49" charset="0"/>
+              </a:rPr>
+              <a:t>sum_a</a:t>
+            </a:r>
+            <a:r>
+              <a:rPr lang="en-US" altLang="ko-KR" sz="1600" b="0" dirty="0">
+                <a:solidFill>
+                  <a:srgbClr val="00B050"/>
+                </a:solidFill>
+                <a:effectLst/>
+                <a:latin typeface="ubuntu mono derivative powerline" panose="020B0509030602030204" pitchFamily="49" charset="0"/>
+              </a:rPr>
+              <a:t>/10</a:t>
+            </a:r>
+            <a:r>
+              <a:rPr lang="en-US" altLang="ko-KR" sz="1600" b="0" dirty="0">
+                <a:effectLst/>
+                <a:latin typeface="ubuntu mono derivative powerline" panose="020B0509030602030204" pitchFamily="49" charset="0"/>
+              </a:rPr>
+              <a:t>)</a:t>
+            </a:r>
+          </a:p>
+        </p:txBody>
+      </p:sp>
+      <p:sp>
+        <p:nvSpPr>
+          <p:cNvPr id="5" name="내용 개체 틀 8">
+            <a:extLst>
+              <a:ext uri="{FF2B5EF4-FFF2-40B4-BE49-F238E27FC236}">
+                <a16:creationId xmlns:a16="http://schemas.microsoft.com/office/drawing/2014/main" id="{B2DF3CCF-A32B-68CB-42AB-D9882A1E127D}"/>
+              </a:ext>
+            </a:extLst>
+          </p:cNvPr>
+          <p:cNvSpPr txBox="1">
+            <a:spLocks/>
+          </p:cNvSpPr>
+          <p:nvPr/>
+        </p:nvSpPr>
+        <p:spPr>
+          <a:xfrm>
+            <a:off x="5170984" y="1623008"/>
+            <a:ext cx="3744416" cy="288032"/>
+          </a:xfrm>
+          <a:prstGeom prst="rect">
+            <a:avLst/>
+          </a:prstGeom>
+        </p:spPr>
+        <p:txBody>
+          <a:bodyPr/>
+          <a:lstStyle>
+            <a:lvl1pPr marL="285739" indent="-285739" algn="l" rtl="0" eaLnBrk="1" fontAlgn="base" latinLnBrk="1" hangingPunct="1">
+              <a:spcBef>
+                <a:spcPct val="20000"/>
+              </a:spcBef>
+              <a:spcAft>
+                <a:spcPct val="0"/>
+              </a:spcAft>
+              <a:buClr>
+                <a:srgbClr val="0000FF"/>
+              </a:buClr>
+              <a:buSzPct val="90000"/>
+              <a:buFont typeface="Wingdings" pitchFamily="2" charset="2"/>
+              <a:buChar char="n"/>
+              <a:defRPr kumimoji="1" sz="2333" b="1">
+                <a:solidFill>
+                  <a:schemeClr val="tx1"/>
+                </a:solidFill>
+                <a:latin typeface="+mn-lt"/>
+                <a:ea typeface="맑은 고딕" pitchFamily="50" charset="-127"/>
+                <a:cs typeface="+mn-cs"/>
+              </a:defRPr>
+            </a:lvl1pPr>
+            <a:lvl2pPr marL="619100" indent="-238115" algn="l" rtl="0" eaLnBrk="1" fontAlgn="base" latinLnBrk="1" hangingPunct="1">
+              <a:spcBef>
+                <a:spcPct val="20000"/>
+              </a:spcBef>
+              <a:spcAft>
+                <a:spcPct val="0"/>
+              </a:spcAft>
+              <a:buClr>
+                <a:schemeClr val="hlink"/>
+              </a:buClr>
+              <a:buSzPct val="75000"/>
+              <a:buFont typeface="Wingdings" pitchFamily="2" charset="2"/>
+              <a:buChar char="u"/>
+              <a:defRPr kumimoji="1" sz="2167" b="1">
+                <a:solidFill>
+                  <a:schemeClr val="tx1"/>
+                </a:solidFill>
+                <a:latin typeface="+mn-lt"/>
+                <a:ea typeface="맑은 고딕" pitchFamily="50" charset="-127"/>
+              </a:defRPr>
+            </a:lvl2pPr>
+            <a:lvl3pPr marL="952462" indent="-190492" algn="l" rtl="0" eaLnBrk="1" fontAlgn="base" latinLnBrk="1" hangingPunct="1">
+              <a:spcBef>
+                <a:spcPct val="20000"/>
+              </a:spcBef>
+              <a:spcAft>
+                <a:spcPct val="0"/>
+              </a:spcAft>
+              <a:buClr>
+                <a:srgbClr val="3399FF"/>
+              </a:buClr>
+              <a:buSzPct val="55000"/>
+              <a:buFont typeface="Wingdings" pitchFamily="2" charset="2"/>
+              <a:buChar char="l"/>
+              <a:defRPr kumimoji="1" sz="2000" b="1">
+                <a:solidFill>
+                  <a:schemeClr val="tx1"/>
+                </a:solidFill>
+                <a:latin typeface="+mn-lt"/>
+                <a:ea typeface="맑은 고딕" pitchFamily="50" charset="-127"/>
+              </a:defRPr>
+            </a:lvl3pPr>
+            <a:lvl4pPr marL="1333447" indent="-190492" algn="l" rtl="0" eaLnBrk="1" fontAlgn="base" latinLnBrk="1" hangingPunct="1">
+              <a:spcBef>
+                <a:spcPct val="20000"/>
+              </a:spcBef>
+              <a:spcAft>
+                <a:spcPct val="0"/>
+              </a:spcAft>
+              <a:buClr>
+                <a:srgbClr val="009900"/>
+              </a:buClr>
+              <a:buFont typeface="Wingdings" pitchFamily="2" charset="2"/>
+              <a:buChar char="§"/>
+              <a:defRPr kumimoji="1" sz="1833" b="1">
+                <a:solidFill>
+                  <a:schemeClr val="tx1"/>
+                </a:solidFill>
+                <a:latin typeface="+mn-lt"/>
+                <a:ea typeface="맑은 고딕" pitchFamily="50" charset="-127"/>
+              </a:defRPr>
+            </a:lvl4pPr>
+            <a:lvl5pPr marL="1714431" indent="-190492" algn="l" rtl="0" eaLnBrk="1" fontAlgn="base" latinLnBrk="1" hangingPunct="1">
+              <a:spcBef>
+                <a:spcPct val="20000"/>
+              </a:spcBef>
+              <a:spcAft>
+                <a:spcPct val="0"/>
+              </a:spcAft>
+              <a:buClr>
+                <a:schemeClr val="tx1"/>
+              </a:buClr>
+              <a:buFont typeface="Wingdings" pitchFamily="2" charset="2"/>
+              <a:buChar char="§"/>
+              <a:defRPr kumimoji="1" sz="1667" b="1">
+                <a:solidFill>
+                  <a:schemeClr val="tx1"/>
+                </a:solidFill>
+                <a:latin typeface="+mn-lt"/>
+                <a:ea typeface="맑은 고딕" pitchFamily="50" charset="-127"/>
+              </a:defRPr>
+            </a:lvl5pPr>
+            <a:lvl6pPr marL="2095416" indent="-190492" algn="l" rtl="0" eaLnBrk="1" fontAlgn="base" latinLnBrk="1" hangingPunct="1">
+              <a:spcBef>
+                <a:spcPct val="20000"/>
+              </a:spcBef>
+              <a:spcAft>
+                <a:spcPct val="0"/>
+              </a:spcAft>
+              <a:buClr>
+                <a:schemeClr val="tx1"/>
+              </a:buClr>
+              <a:buFont typeface="Wingdings" pitchFamily="2" charset="2"/>
+              <a:buChar char="§"/>
+              <a:defRPr kumimoji="1" sz="1667" b="1">
+                <a:solidFill>
+                  <a:schemeClr val="tx1"/>
+                </a:solidFill>
+                <a:latin typeface="+mn-lt"/>
+                <a:ea typeface="+mn-ea"/>
+              </a:defRPr>
+            </a:lvl6pPr>
+            <a:lvl7pPr marL="2476401" indent="-190492" algn="l" rtl="0" eaLnBrk="1" fontAlgn="base" latinLnBrk="1" hangingPunct="1">
+              <a:spcBef>
+                <a:spcPct val="20000"/>
+              </a:spcBef>
+              <a:spcAft>
+                <a:spcPct val="0"/>
+              </a:spcAft>
+              <a:buClr>
+                <a:schemeClr val="tx1"/>
+              </a:buClr>
+              <a:buFont typeface="Wingdings" pitchFamily="2" charset="2"/>
+              <a:buChar char="§"/>
+              <a:defRPr kumimoji="1" sz="1667" b="1">
+                <a:solidFill>
+                  <a:schemeClr val="tx1"/>
+                </a:solidFill>
+                <a:latin typeface="+mn-lt"/>
+                <a:ea typeface="+mn-ea"/>
+              </a:defRPr>
+            </a:lvl7pPr>
+            <a:lvl8pPr marL="2857386" indent="-190492" algn="l" rtl="0" eaLnBrk="1" fontAlgn="base" latinLnBrk="1" hangingPunct="1">
+              <a:spcBef>
+                <a:spcPct val="20000"/>
+              </a:spcBef>
+              <a:spcAft>
+                <a:spcPct val="0"/>
+              </a:spcAft>
+              <a:buClr>
+                <a:schemeClr val="tx1"/>
+              </a:buClr>
+              <a:buFont typeface="Wingdings" pitchFamily="2" charset="2"/>
+              <a:buChar char="§"/>
+              <a:defRPr kumimoji="1" sz="1667" b="1">
+                <a:solidFill>
+                  <a:schemeClr val="tx1"/>
+                </a:solidFill>
+                <a:latin typeface="+mn-lt"/>
+                <a:ea typeface="+mn-ea"/>
+              </a:defRPr>
+            </a:lvl8pPr>
+            <a:lvl9pPr marL="3238370" indent="-190492" algn="l" rtl="0" eaLnBrk="1" fontAlgn="base" latinLnBrk="1" hangingPunct="1">
+              <a:spcBef>
+                <a:spcPct val="20000"/>
+              </a:spcBef>
+              <a:spcAft>
+                <a:spcPct val="0"/>
+              </a:spcAft>
+              <a:buClr>
+                <a:schemeClr val="tx1"/>
+              </a:buClr>
+              <a:buFont typeface="Wingdings" pitchFamily="2" charset="2"/>
+              <a:buChar char="§"/>
+              <a:defRPr kumimoji="1" sz="1667" b="1">
+                <a:solidFill>
+                  <a:schemeClr val="tx1"/>
+                </a:solidFill>
+                <a:latin typeface="+mn-lt"/>
+                <a:ea typeface="+mn-ea"/>
+              </a:defRPr>
+            </a:lvl9pPr>
+          </a:lstStyle>
+          <a:p>
+            <a:pPr lvl="1"/>
+            <a:r>
+              <a:rPr lang="en-US" altLang="ko-KR" sz="2170" kern="0" dirty="0" err="1"/>
+              <a:t>numpy</a:t>
+            </a:r>
+            <a:r>
+              <a:rPr lang="en-US" altLang="ko-KR" sz="2170" kern="0" dirty="0"/>
+              <a:t> + </a:t>
+            </a:r>
+            <a:r>
+              <a:rPr lang="ko-KR" altLang="en-US" sz="2170" kern="0" dirty="0"/>
+              <a:t>내장함수</a:t>
+            </a:r>
+            <a:endParaRPr lang="en-US" altLang="ko-KR" sz="2170" i="1" kern="0" dirty="0"/>
+          </a:p>
+        </p:txBody>
+      </p:sp>
+      <p:sp>
+        <p:nvSpPr>
+          <p:cNvPr id="6" name="직사각형 5">
+            <a:extLst>
+              <a:ext uri="{FF2B5EF4-FFF2-40B4-BE49-F238E27FC236}">
+                <a16:creationId xmlns:a16="http://schemas.microsoft.com/office/drawing/2014/main" id="{81234736-50E3-17CD-FAB6-91072F1041C0}"/>
+              </a:ext>
+            </a:extLst>
+          </p:cNvPr>
+          <p:cNvSpPr/>
+          <p:nvPr/>
+        </p:nvSpPr>
+        <p:spPr>
+          <a:xfrm>
+            <a:off x="5796136" y="2137420"/>
+            <a:ext cx="2952328" cy="2062103"/>
+          </a:xfrm>
+          <a:prstGeom prst="rect">
+            <a:avLst/>
+          </a:prstGeom>
+        </p:spPr>
+        <p:txBody>
+          <a:bodyPr wrap="square">
+            <a:spAutoFit/>
+          </a:bodyPr>
+          <a:lstStyle/>
+          <a:p>
+            <a:r>
+              <a:rPr lang="en-US" altLang="ko-KR" sz="1600" b="0" dirty="0">
+                <a:solidFill>
+                  <a:srgbClr val="00B050"/>
+                </a:solidFill>
+                <a:effectLst/>
+                <a:latin typeface="ubuntu mono derivative powerline" panose="020B0509030602030204" pitchFamily="49" charset="0"/>
+              </a:rPr>
+              <a:t># solution2</a:t>
+            </a:r>
+          </a:p>
+          <a:p>
+            <a:r>
+              <a:rPr lang="en-US" altLang="ko-KR" sz="1600" dirty="0">
+                <a:solidFill>
+                  <a:srgbClr val="CC9B00"/>
+                </a:solidFill>
+                <a:latin typeface="ubuntu mono derivative powerline" panose="020B0509030602030204" pitchFamily="49" charset="0"/>
+              </a:rPr>
+              <a:t>import</a:t>
+            </a:r>
+            <a:r>
+              <a:rPr lang="en-US" altLang="ko-KR" sz="1600" dirty="0">
+                <a:solidFill>
+                  <a:srgbClr val="00B050"/>
+                </a:solidFill>
+                <a:latin typeface="ubuntu mono derivative powerline" panose="020B0509030602030204" pitchFamily="49" charset="0"/>
+              </a:rPr>
+              <a:t> </a:t>
+            </a:r>
+            <a:r>
+              <a:rPr lang="en-US" altLang="ko-KR" sz="1600" dirty="0" err="1">
+                <a:solidFill>
+                  <a:srgbClr val="7030A0"/>
+                </a:solidFill>
+                <a:latin typeface="ubuntu mono derivative powerline" panose="020B0509030602030204" pitchFamily="49" charset="0"/>
+              </a:rPr>
+              <a:t>numpy</a:t>
+            </a:r>
+            <a:r>
+              <a:rPr lang="en-US" altLang="ko-KR" sz="1600" dirty="0">
+                <a:solidFill>
+                  <a:srgbClr val="00B050"/>
+                </a:solidFill>
+                <a:latin typeface="ubuntu mono derivative powerline" panose="020B0509030602030204" pitchFamily="49" charset="0"/>
+              </a:rPr>
+              <a:t> </a:t>
+            </a:r>
+            <a:r>
+              <a:rPr lang="en-US" altLang="ko-KR" sz="1600" dirty="0">
+                <a:solidFill>
+                  <a:srgbClr val="CC9B00"/>
+                </a:solidFill>
+                <a:latin typeface="ubuntu mono derivative powerline" panose="020B0509030602030204" pitchFamily="49" charset="0"/>
+              </a:rPr>
+              <a:t>as</a:t>
+            </a:r>
+            <a:r>
+              <a:rPr lang="en-US" altLang="ko-KR" sz="1600" dirty="0">
+                <a:solidFill>
+                  <a:srgbClr val="00B050"/>
+                </a:solidFill>
+                <a:latin typeface="ubuntu mono derivative powerline" panose="020B0509030602030204" pitchFamily="49" charset="0"/>
+              </a:rPr>
+              <a:t> </a:t>
+            </a:r>
+            <a:r>
+              <a:rPr lang="en-US" altLang="ko-KR" sz="1600" dirty="0">
+                <a:solidFill>
+                  <a:srgbClr val="7030A0"/>
+                </a:solidFill>
+                <a:latin typeface="ubuntu mono derivative powerline" panose="020B0509030602030204" pitchFamily="49" charset="0"/>
+              </a:rPr>
+              <a:t>np</a:t>
+            </a:r>
+          </a:p>
+          <a:p>
+            <a:endParaRPr lang="en-US" altLang="ko-KR" sz="1600" b="0" dirty="0">
+              <a:solidFill>
+                <a:srgbClr val="00B050"/>
+              </a:solidFill>
+              <a:effectLst/>
+              <a:latin typeface="ubuntu mono derivative powerline" panose="020B0509030602030204" pitchFamily="49" charset="0"/>
+            </a:endParaRPr>
+          </a:p>
+          <a:p>
+            <a:r>
+              <a:rPr lang="en-US" altLang="ko-KR" sz="1600" b="0" dirty="0" err="1">
+                <a:solidFill>
+                  <a:srgbClr val="7030A0"/>
+                </a:solidFill>
+                <a:effectLst/>
+                <a:latin typeface="ubuntu mono derivative powerline" panose="020B0509030602030204" pitchFamily="49" charset="0"/>
+              </a:rPr>
+              <a:t>np</a:t>
+            </a:r>
+            <a:r>
+              <a:rPr lang="en-US" altLang="ko-KR" sz="1600" b="0" dirty="0" err="1">
+                <a:effectLst/>
+                <a:latin typeface="ubuntu mono derivative powerline" panose="020B0509030602030204" pitchFamily="49" charset="0"/>
+              </a:rPr>
+              <a:t>.</a:t>
+            </a:r>
+            <a:r>
+              <a:rPr lang="en-US" altLang="ko-KR" sz="1600" b="0" dirty="0" err="1">
+                <a:solidFill>
+                  <a:srgbClr val="0000FF"/>
+                </a:solidFill>
+                <a:effectLst/>
+                <a:latin typeface="ubuntu mono derivative powerline" panose="020B0509030602030204" pitchFamily="49" charset="0"/>
+              </a:rPr>
+              <a:t>random</a:t>
+            </a:r>
+            <a:r>
+              <a:rPr lang="en-US" altLang="ko-KR" sz="1600" b="0" dirty="0" err="1">
+                <a:effectLst/>
+                <a:latin typeface="ubuntu mono derivative powerline" panose="020B0509030602030204" pitchFamily="49" charset="0"/>
+              </a:rPr>
+              <a:t>.</a:t>
+            </a:r>
+            <a:r>
+              <a:rPr lang="en-US" altLang="ko-KR" sz="1600" b="0" dirty="0" err="1">
+                <a:solidFill>
+                  <a:srgbClr val="0000FF"/>
+                </a:solidFill>
+                <a:effectLst/>
+                <a:latin typeface="ubuntu mono derivative powerline" panose="020B0509030602030204" pitchFamily="49" charset="0"/>
+              </a:rPr>
+              <a:t>seed</a:t>
+            </a:r>
+            <a:r>
+              <a:rPr lang="en-US" altLang="ko-KR" sz="1600" b="0" dirty="0">
+                <a:effectLst/>
+                <a:latin typeface="ubuntu mono derivative powerline" panose="020B0509030602030204" pitchFamily="49" charset="0"/>
+              </a:rPr>
+              <a:t>(10)</a:t>
+            </a:r>
+          </a:p>
+          <a:p>
+            <a:r>
+              <a:rPr lang="en-US" altLang="ko-KR" sz="1600" b="0" dirty="0" err="1">
+                <a:effectLst/>
+                <a:latin typeface="ubuntu mono derivative powerline" panose="020B0509030602030204" pitchFamily="49" charset="0"/>
+              </a:rPr>
+              <a:t>np_a</a:t>
+            </a:r>
+            <a:r>
+              <a:rPr lang="en-US" altLang="ko-KR" sz="1600" b="0" dirty="0">
+                <a:effectLst/>
+                <a:latin typeface="ubuntu mono derivative powerline" panose="020B0509030602030204" pitchFamily="49" charset="0"/>
+              </a:rPr>
+              <a:t> = </a:t>
+            </a:r>
+            <a:r>
+              <a:rPr lang="en-US" altLang="ko-KR" sz="1600" b="0" dirty="0" err="1">
+                <a:solidFill>
+                  <a:srgbClr val="7030A0"/>
+                </a:solidFill>
+                <a:effectLst/>
+                <a:latin typeface="ubuntu mono derivative powerline" panose="020B0509030602030204" pitchFamily="49" charset="0"/>
+              </a:rPr>
+              <a:t>np</a:t>
+            </a:r>
+            <a:r>
+              <a:rPr lang="en-US" altLang="ko-KR" sz="1600" b="0" dirty="0" err="1">
+                <a:effectLst/>
+                <a:latin typeface="ubuntu mono derivative powerline" panose="020B0509030602030204" pitchFamily="49" charset="0"/>
+              </a:rPr>
+              <a:t>.</a:t>
+            </a:r>
+            <a:r>
+              <a:rPr lang="en-US" altLang="ko-KR" sz="1600" b="0" dirty="0" err="1">
+                <a:solidFill>
+                  <a:srgbClr val="0000FF"/>
+                </a:solidFill>
+                <a:effectLst/>
+                <a:latin typeface="ubuntu mono derivative powerline" panose="020B0509030602030204" pitchFamily="49" charset="0"/>
+              </a:rPr>
+              <a:t>random</a:t>
+            </a:r>
+            <a:r>
+              <a:rPr lang="en-US" altLang="ko-KR" sz="1600" b="0" dirty="0" err="1">
+                <a:effectLst/>
+                <a:latin typeface="ubuntu mono derivative powerline" panose="020B0509030602030204" pitchFamily="49" charset="0"/>
+              </a:rPr>
+              <a:t>.</a:t>
+            </a:r>
+            <a:r>
+              <a:rPr lang="en-US" altLang="ko-KR" sz="1600" b="0" dirty="0" err="1">
+                <a:solidFill>
+                  <a:srgbClr val="0000FF"/>
+                </a:solidFill>
+                <a:effectLst/>
+                <a:latin typeface="ubuntu mono derivative powerline" panose="020B0509030602030204" pitchFamily="49" charset="0"/>
+              </a:rPr>
+              <a:t>rand</a:t>
+            </a:r>
+            <a:r>
+              <a:rPr lang="en-US" altLang="ko-KR" sz="1600" b="0" dirty="0">
+                <a:effectLst/>
+                <a:latin typeface="ubuntu mono derivative powerline" panose="020B0509030602030204" pitchFamily="49" charset="0"/>
+              </a:rPr>
+              <a:t>(1, 10)</a:t>
+            </a:r>
+          </a:p>
+          <a:p>
+            <a:r>
+              <a:rPr lang="en-US" altLang="ko-KR" sz="1600" b="0" dirty="0">
+                <a:solidFill>
+                  <a:srgbClr val="0000FF"/>
+                </a:solidFill>
+                <a:effectLst/>
+                <a:latin typeface="ubuntu mono derivative powerline" panose="020B0509030602030204" pitchFamily="49" charset="0"/>
+              </a:rPr>
+              <a:t>print</a:t>
+            </a:r>
+            <a:r>
+              <a:rPr lang="en-US" altLang="ko-KR" sz="1600" b="0" dirty="0">
+                <a:effectLst/>
+                <a:latin typeface="ubuntu mono derivative powerline" panose="020B0509030602030204" pitchFamily="49" charset="0"/>
+              </a:rPr>
+              <a:t>(</a:t>
+            </a:r>
+            <a:r>
+              <a:rPr lang="en-US" altLang="ko-KR" sz="1600" b="0" dirty="0" err="1">
+                <a:solidFill>
+                  <a:srgbClr val="FF0000"/>
+                </a:solidFill>
+                <a:effectLst/>
+                <a:latin typeface="ubuntu mono derivative powerline" panose="020B0509030602030204" pitchFamily="49" charset="0"/>
+              </a:rPr>
+              <a:t>np_a</a:t>
+            </a:r>
+            <a:r>
+              <a:rPr lang="en-US" altLang="ko-KR" sz="1600" b="0" dirty="0">
+                <a:effectLst/>
+                <a:latin typeface="ubuntu mono derivative powerline" panose="020B0509030602030204" pitchFamily="49" charset="0"/>
+              </a:rPr>
+              <a:t>)</a:t>
+            </a:r>
+          </a:p>
+          <a:p>
+            <a:r>
+              <a:rPr lang="en-US" altLang="ko-KR" sz="1600" b="0" dirty="0">
+                <a:solidFill>
+                  <a:srgbClr val="0000FF"/>
+                </a:solidFill>
+                <a:effectLst/>
+                <a:latin typeface="ubuntu mono derivative powerline" panose="020B0509030602030204" pitchFamily="49" charset="0"/>
+              </a:rPr>
+              <a:t>print</a:t>
+            </a:r>
+            <a:r>
+              <a:rPr lang="en-US" altLang="ko-KR" sz="1600" b="0" dirty="0">
+                <a:effectLst/>
+                <a:latin typeface="ubuntu mono derivative powerline" panose="020B0509030602030204" pitchFamily="49" charset="0"/>
+              </a:rPr>
+              <a:t>(</a:t>
+            </a:r>
+            <a:r>
+              <a:rPr lang="en-US" altLang="ko-KR" sz="1600" b="0" dirty="0" err="1">
+                <a:solidFill>
+                  <a:srgbClr val="FFC000"/>
+                </a:solidFill>
+                <a:effectLst/>
+                <a:latin typeface="ubuntu mono derivative powerline" panose="020B0509030602030204" pitchFamily="49" charset="0"/>
+              </a:rPr>
+              <a:t>np_a</a:t>
+            </a:r>
+            <a:r>
+              <a:rPr lang="en-US" altLang="ko-KR" sz="1600" b="0" dirty="0" err="1">
+                <a:effectLst/>
+                <a:latin typeface="ubuntu mono derivative powerline" panose="020B0509030602030204" pitchFamily="49" charset="0"/>
+              </a:rPr>
+              <a:t>.</a:t>
+            </a:r>
+            <a:r>
+              <a:rPr lang="en-US" altLang="ko-KR" sz="1600" b="0" dirty="0" err="1">
+                <a:solidFill>
+                  <a:srgbClr val="0000FF"/>
+                </a:solidFill>
+                <a:effectLst/>
+                <a:latin typeface="ubuntu mono derivative powerline" panose="020B0509030602030204" pitchFamily="49" charset="0"/>
+              </a:rPr>
+              <a:t>sum</a:t>
+            </a:r>
+            <a:r>
+              <a:rPr lang="en-US" altLang="ko-KR" sz="1600" b="0" dirty="0">
+                <a:effectLst/>
+                <a:latin typeface="ubuntu mono derivative powerline" panose="020B0509030602030204" pitchFamily="49" charset="0"/>
+              </a:rPr>
+              <a:t>())</a:t>
+            </a:r>
+          </a:p>
+          <a:p>
+            <a:r>
+              <a:rPr lang="en-US" altLang="ko-KR" sz="1600" b="0" dirty="0">
+                <a:solidFill>
+                  <a:srgbClr val="0000FF"/>
+                </a:solidFill>
+                <a:effectLst/>
+                <a:latin typeface="ubuntu mono derivative powerline" panose="020B0509030602030204" pitchFamily="49" charset="0"/>
+              </a:rPr>
+              <a:t>print</a:t>
+            </a:r>
+            <a:r>
+              <a:rPr lang="en-US" altLang="ko-KR" sz="1600" b="0" dirty="0">
+                <a:effectLst/>
+                <a:latin typeface="ubuntu mono derivative powerline" panose="020B0509030602030204" pitchFamily="49" charset="0"/>
+              </a:rPr>
+              <a:t>(</a:t>
+            </a:r>
+            <a:r>
+              <a:rPr lang="en-US" altLang="ko-KR" sz="1600" b="0" dirty="0" err="1">
+                <a:solidFill>
+                  <a:srgbClr val="00B050"/>
+                </a:solidFill>
+                <a:effectLst/>
+                <a:latin typeface="ubuntu mono derivative powerline" panose="020B0509030602030204" pitchFamily="49" charset="0"/>
+              </a:rPr>
+              <a:t>np_a</a:t>
+            </a:r>
+            <a:r>
+              <a:rPr lang="en-US" altLang="ko-KR" sz="1600" b="0" dirty="0" err="1">
+                <a:effectLst/>
+                <a:latin typeface="ubuntu mono derivative powerline" panose="020B0509030602030204" pitchFamily="49" charset="0"/>
+              </a:rPr>
+              <a:t>.</a:t>
+            </a:r>
+            <a:r>
+              <a:rPr lang="en-US" altLang="ko-KR" sz="1600" b="0" dirty="0" err="1">
+                <a:solidFill>
+                  <a:srgbClr val="0000FF"/>
+                </a:solidFill>
+                <a:effectLst/>
+                <a:latin typeface="ubuntu mono derivative powerline" panose="020B0509030602030204" pitchFamily="49" charset="0"/>
+              </a:rPr>
+              <a:t>mean</a:t>
+            </a:r>
+            <a:r>
+              <a:rPr lang="en-US" altLang="ko-KR" sz="1600" b="0" dirty="0">
+                <a:effectLst/>
+                <a:latin typeface="ubuntu mono derivative powerline" panose="020B0509030602030204" pitchFamily="49" charset="0"/>
+              </a:rPr>
+              <a:t>())</a:t>
+            </a:r>
+          </a:p>
+        </p:txBody>
+      </p:sp>
+      <p:sp>
+        <p:nvSpPr>
+          <p:cNvPr id="8" name="직사각형 7">
+            <a:extLst>
+              <a:ext uri="{FF2B5EF4-FFF2-40B4-BE49-F238E27FC236}">
+                <a16:creationId xmlns:a16="http://schemas.microsoft.com/office/drawing/2014/main" id="{FEEF1A67-6030-8978-A80B-0347FBA6318A}"/>
+              </a:ext>
+            </a:extLst>
+          </p:cNvPr>
+          <p:cNvSpPr/>
+          <p:nvPr/>
+        </p:nvSpPr>
+        <p:spPr>
+          <a:xfrm>
+            <a:off x="3599384" y="4425903"/>
+            <a:ext cx="5365104" cy="1200329"/>
+          </a:xfrm>
+          <a:prstGeom prst="rect">
+            <a:avLst/>
+          </a:prstGeom>
+        </p:spPr>
+        <p:txBody>
+          <a:bodyPr wrap="square">
+            <a:spAutoFit/>
+          </a:bodyPr>
+          <a:lstStyle/>
+          <a:p>
+            <a:r>
+              <a:rPr lang="en-US" altLang="ko-KR" sz="1200" b="0" dirty="0">
+                <a:solidFill>
+                  <a:srgbClr val="FF0000"/>
+                </a:solidFill>
+                <a:effectLst/>
+                <a:latin typeface="ubuntu mono derivative powerline" panose="020B0509030602030204" pitchFamily="49" charset="0"/>
+              </a:rPr>
+              <a:t>[[0.77132064 0.02075195 0.63364823 0.74880388 0.49850701 0.22479665</a:t>
+            </a:r>
+          </a:p>
+          <a:p>
+            <a:r>
+              <a:rPr lang="en-US" altLang="ko-KR" sz="1200" b="0" dirty="0">
+                <a:solidFill>
+                  <a:srgbClr val="FF0000"/>
+                </a:solidFill>
+                <a:effectLst/>
+                <a:latin typeface="ubuntu mono derivative powerline" panose="020B0509030602030204" pitchFamily="49" charset="0"/>
+              </a:rPr>
+              <a:t>  0.19806286 0.76053071 0.16911084 0.08833981]]</a:t>
+            </a:r>
+          </a:p>
+          <a:p>
+            <a:endParaRPr lang="en-US" altLang="ko-KR" sz="1200" b="0" dirty="0">
+              <a:solidFill>
+                <a:srgbClr val="FF0000"/>
+              </a:solidFill>
+              <a:effectLst/>
+              <a:latin typeface="ubuntu mono derivative powerline" panose="020B0509030602030204" pitchFamily="49" charset="0"/>
+            </a:endParaRPr>
+          </a:p>
+          <a:p>
+            <a:r>
+              <a:rPr lang="en-US" altLang="ko-KR" sz="1200" b="0" dirty="0">
+                <a:solidFill>
+                  <a:srgbClr val="FFC000"/>
+                </a:solidFill>
+                <a:effectLst/>
+                <a:latin typeface="ubuntu mono derivative powerline" panose="020B0509030602030204" pitchFamily="49" charset="0"/>
+              </a:rPr>
+              <a:t>4.113872595619601</a:t>
+            </a:r>
+          </a:p>
+          <a:p>
+            <a:endParaRPr lang="en-US" altLang="ko-KR" sz="1200" b="0" dirty="0">
+              <a:solidFill>
+                <a:srgbClr val="FF0000"/>
+              </a:solidFill>
+              <a:effectLst/>
+              <a:latin typeface="ubuntu mono derivative powerline" panose="020B0509030602030204" pitchFamily="49" charset="0"/>
+            </a:endParaRPr>
+          </a:p>
+          <a:p>
+            <a:r>
+              <a:rPr lang="en-US" altLang="ko-KR" sz="1200" b="0" dirty="0">
+                <a:solidFill>
+                  <a:srgbClr val="00B050"/>
+                </a:solidFill>
+                <a:effectLst/>
+                <a:latin typeface="ubuntu mono derivative powerline" panose="020B0509030602030204" pitchFamily="49" charset="0"/>
+              </a:rPr>
+              <a:t>0.41138725956196015</a:t>
+            </a:r>
+          </a:p>
+        </p:txBody>
+      </p:sp>
+    </p:spTree>
+    <p:extLst>
+      <p:ext uri="{BB962C8B-B14F-4D97-AF65-F5344CB8AC3E}">
+        <p14:creationId xmlns:p14="http://schemas.microsoft.com/office/powerpoint/2010/main" val="1642565206"/>
       </p:ext>
     </p:extLst>
   </p:cSld>

--- a/2022-09-20/documents/CH_03_파이썬 기초_실습2.pptx
+++ b/2022-09-20/documents/CH_03_파이썬 기초_실습2.pptx
@@ -14002,6 +14002,16 @@
           <a:lstStyle/>
           <a:p>
             <a:r>
+              <a:rPr lang="ko-KR" altLang="en-US" sz="1200" b="0" dirty="0">
+                <a:solidFill>
+                  <a:srgbClr val="FF0000"/>
+                </a:solidFill>
+                <a:effectLst/>
+                <a:latin typeface="ubuntu mono derivative powerline" panose="020B0509030602030204" pitchFamily="49" charset="0"/>
+              </a:rPr>
+              <a:t>가장 많이 나온 원소</a:t>
+            </a:r>
+            <a:r>
               <a:rPr lang="en-US" altLang="ko-KR" sz="1200" b="0" dirty="0">
                 <a:solidFill>
                   <a:srgbClr val="FF0000"/>
@@ -14009,10 +14019,19 @@
                 <a:effectLst/>
                 <a:latin typeface="ubuntu mono derivative powerline" panose="020B0509030602030204" pitchFamily="49" charset="0"/>
               </a:rPr>
-              <a:t>102</a:t>
-            </a:r>
-          </a:p>
-          <a:p>
+              <a:t>: 102</a:t>
+            </a:r>
+          </a:p>
+          <a:p>
+            <a:r>
+              <a:rPr lang="ko-KR" altLang="en-US" sz="1200" dirty="0">
+                <a:solidFill>
+                  <a:srgbClr val="00B050"/>
+                </a:solidFill>
+                <a:latin typeface="ubuntu mono derivative powerline" panose="020B0509030602030204" pitchFamily="49" charset="0"/>
+              </a:rPr>
+              <a:t>중복횟수</a:t>
+            </a:r>
             <a:r>
               <a:rPr lang="en-US" altLang="ko-KR" sz="1200" dirty="0">
                 <a:solidFill>
@@ -14020,7 +14039,7 @@
                 </a:solidFill>
                 <a:latin typeface="ubuntu mono derivative powerline" panose="020B0509030602030204" pitchFamily="49" charset="0"/>
               </a:rPr>
-              <a:t>4</a:t>
+              <a:t>: 4</a:t>
             </a:r>
             <a:r>
               <a:rPr lang="ko-KR" altLang="en-US" sz="1200" dirty="0">
@@ -14147,13 +14166,26 @@
           <a:p>
             <a:pPr lvl="1"/>
             <a:r>
-              <a:rPr lang="en-US" altLang="ko-KR" dirty="0" err="1"/>
-              <a:t>numpy</a:t>
+              <a:rPr lang="ko-KR" altLang="en-US" dirty="0"/>
+              <a:t>가장 많이 중복 된 </a:t>
+            </a:r>
+            <a:r>
+              <a:rPr lang="ko-KR" altLang="en-US" dirty="0" err="1"/>
+              <a:t>원소값</a:t>
+            </a:r>
+            <a:r>
+              <a:rPr lang="ko-KR" altLang="en-US" dirty="0"/>
+              <a:t> </a:t>
             </a:r>
             <a:r>
               <a:rPr lang="en-US" altLang="ko-KR" dirty="0"/>
-              <a:t> + for</a:t>
-            </a:r>
+              <a:t>+ </a:t>
+            </a:r>
+            <a:r>
+              <a:rPr lang="ko-KR" altLang="en-US" dirty="0"/>
+              <a:t>중복횟수 출력</a:t>
+            </a:r>
+            <a:endParaRPr lang="en-US" altLang="ko-KR" dirty="0"/>
           </a:p>
         </p:txBody>
       </p:sp>
@@ -14171,8 +14203,8 @@
         </p:nvSpPr>
         <p:spPr>
           <a:xfrm>
-            <a:off x="1331640" y="2137420"/>
-            <a:ext cx="2952328" cy="2800767"/>
+            <a:off x="1187624" y="2137419"/>
+            <a:ext cx="4752528" cy="2554545"/>
           </a:xfrm>
           <a:prstGeom prst="rect">
             <a:avLst/>
@@ -14187,81 +14219,526 @@
             <a:r>
               <a:rPr lang="en-US" altLang="ko-KR" sz="1600" b="0" dirty="0">
                 <a:solidFill>
+                  <a:srgbClr val="CC9B00"/>
+                </a:solidFill>
+                <a:effectLst/>
+                <a:latin typeface="ubuntu mono derivative powerline" panose="020B0509030602030204" pitchFamily="49" charset="0"/>
+              </a:rPr>
+              <a:t>from</a:t>
+            </a:r>
+            <a:r>
+              <a:rPr lang="en-US" altLang="ko-KR" sz="1600" b="0" dirty="0">
+                <a:effectLst/>
+                <a:latin typeface="ubuntu mono derivative powerline" panose="020B0509030602030204" pitchFamily="49" charset="0"/>
+              </a:rPr>
+              <a:t> </a:t>
+            </a:r>
+            <a:r>
+              <a:rPr lang="en-US" altLang="ko-KR" sz="1600" b="0" dirty="0">
+                <a:solidFill>
+                  <a:srgbClr val="7030A0"/>
+                </a:solidFill>
+                <a:effectLst/>
+                <a:latin typeface="ubuntu mono derivative powerline" panose="020B0509030602030204" pitchFamily="49" charset="0"/>
+              </a:rPr>
+              <a:t>collections</a:t>
+            </a:r>
+            <a:r>
+              <a:rPr lang="en-US" altLang="ko-KR" sz="1600" b="0" dirty="0">
+                <a:effectLst/>
+                <a:latin typeface="ubuntu mono derivative powerline" panose="020B0509030602030204" pitchFamily="49" charset="0"/>
+              </a:rPr>
+              <a:t> </a:t>
+            </a:r>
+            <a:r>
+              <a:rPr lang="en-US" altLang="ko-KR" sz="1600" b="0" dirty="0">
+                <a:solidFill>
+                  <a:srgbClr val="CC9B00"/>
+                </a:solidFill>
+                <a:effectLst/>
+                <a:latin typeface="ubuntu mono derivative powerline" panose="020B0509030602030204" pitchFamily="49" charset="0"/>
+              </a:rPr>
+              <a:t>import</a:t>
+            </a:r>
+            <a:r>
+              <a:rPr lang="en-US" altLang="ko-KR" sz="1600" b="0" dirty="0">
+                <a:effectLst/>
+                <a:latin typeface="ubuntu mono derivative powerline" panose="020B0509030602030204" pitchFamily="49" charset="0"/>
+              </a:rPr>
+              <a:t> </a:t>
+            </a:r>
+            <a:r>
+              <a:rPr lang="en-US" altLang="ko-KR" sz="1600" b="0" dirty="0">
+                <a:solidFill>
+                  <a:srgbClr val="7030A0"/>
+                </a:solidFill>
+                <a:effectLst/>
+                <a:latin typeface="ubuntu mono derivative powerline" panose="020B0509030602030204" pitchFamily="49" charset="0"/>
+              </a:rPr>
+              <a:t>Counter</a:t>
+            </a:r>
+          </a:p>
+          <a:p>
+            <a:r>
+              <a:rPr lang="en-US" altLang="ko-KR" sz="1600" dirty="0">
+                <a:solidFill>
+                  <a:srgbClr val="CC9B00"/>
+                </a:solidFill>
+                <a:latin typeface="ubuntu mono derivative powerline" panose="020B0509030602030204" pitchFamily="49" charset="0"/>
+              </a:rPr>
+              <a:t>i</a:t>
+            </a:r>
+            <a:r>
+              <a:rPr lang="en-US" altLang="ko-KR" sz="1600" b="0" dirty="0">
+                <a:solidFill>
+                  <a:srgbClr val="CC9B00"/>
+                </a:solidFill>
+                <a:effectLst/>
+                <a:latin typeface="ubuntu mono derivative powerline" panose="020B0509030602030204" pitchFamily="49" charset="0"/>
+              </a:rPr>
+              <a:t>mport</a:t>
+            </a:r>
+            <a:r>
+              <a:rPr lang="ko-KR" altLang="en-US" sz="1600" b="0" dirty="0">
+                <a:effectLst/>
+                <a:latin typeface="ubuntu mono derivative powerline" panose="020B0509030602030204" pitchFamily="49" charset="0"/>
+              </a:rPr>
+              <a:t> </a:t>
+            </a:r>
+            <a:r>
+              <a:rPr lang="en-US" altLang="ko-KR" sz="1600" b="0" dirty="0" err="1">
+                <a:solidFill>
+                  <a:srgbClr val="7030A0"/>
+                </a:solidFill>
+                <a:effectLst/>
+                <a:latin typeface="ubuntu mono derivative powerline" panose="020B0509030602030204" pitchFamily="49" charset="0"/>
+              </a:rPr>
+              <a:t>numpy</a:t>
+            </a:r>
+            <a:r>
+              <a:rPr lang="ko-KR" altLang="en-US" sz="1600" b="0" dirty="0">
+                <a:effectLst/>
+                <a:latin typeface="ubuntu mono derivative powerline" panose="020B0509030602030204" pitchFamily="49" charset="0"/>
+              </a:rPr>
+              <a:t> </a:t>
+            </a:r>
+            <a:r>
+              <a:rPr lang="en-US" altLang="ko-KR" sz="1600" b="0" dirty="0">
+                <a:solidFill>
+                  <a:srgbClr val="CC9B00"/>
+                </a:solidFill>
+                <a:effectLst/>
+                <a:latin typeface="ubuntu mono derivative powerline" panose="020B0509030602030204" pitchFamily="49" charset="0"/>
+              </a:rPr>
+              <a:t>as</a:t>
+            </a:r>
+            <a:r>
+              <a:rPr lang="ko-KR" altLang="en-US" sz="1600" b="0" dirty="0">
+                <a:effectLst/>
+                <a:latin typeface="ubuntu mono derivative powerline" panose="020B0509030602030204" pitchFamily="49" charset="0"/>
+              </a:rPr>
+              <a:t> </a:t>
+            </a:r>
+            <a:r>
+              <a:rPr lang="en-US" altLang="ko-KR" sz="1600" b="0" dirty="0">
+                <a:solidFill>
+                  <a:srgbClr val="7030A0"/>
+                </a:solidFill>
+                <a:effectLst/>
+                <a:latin typeface="ubuntu mono derivative powerline" panose="020B0509030602030204" pitchFamily="49" charset="0"/>
+              </a:rPr>
+              <a:t>np</a:t>
+            </a:r>
+          </a:p>
+          <a:p>
+            <a:endParaRPr lang="en-US" altLang="ko-KR" sz="1600" b="0" dirty="0">
+              <a:effectLst/>
+              <a:latin typeface="ubuntu mono derivative powerline" panose="020B0509030602030204" pitchFamily="49" charset="0"/>
+            </a:endParaRPr>
+          </a:p>
+          <a:p>
+            <a:r>
+              <a:rPr lang="en-US" altLang="ko-KR" sz="1600" b="0" dirty="0" err="1">
+                <a:solidFill>
+                  <a:srgbClr val="7030A0"/>
+                </a:solidFill>
+                <a:effectLst/>
+                <a:latin typeface="ubuntu mono derivative powerline" panose="020B0509030602030204" pitchFamily="49" charset="0"/>
+              </a:rPr>
+              <a:t>np</a:t>
+            </a:r>
+            <a:r>
+              <a:rPr lang="en-US" altLang="ko-KR" sz="1600" b="0" dirty="0" err="1">
+                <a:effectLst/>
+                <a:latin typeface="ubuntu mono derivative powerline" panose="020B0509030602030204" pitchFamily="49" charset="0"/>
+              </a:rPr>
+              <a:t>.</a:t>
+            </a:r>
+            <a:r>
+              <a:rPr lang="en-US" altLang="ko-KR" sz="1600" b="0" dirty="0" err="1">
+                <a:solidFill>
+                  <a:srgbClr val="0000FF"/>
+                </a:solidFill>
+                <a:effectLst/>
+                <a:latin typeface="ubuntu mono derivative powerline" panose="020B0509030602030204" pitchFamily="49" charset="0"/>
+              </a:rPr>
+              <a:t>random</a:t>
+            </a:r>
+            <a:r>
+              <a:rPr lang="en-US" altLang="ko-KR" sz="1600" b="0" dirty="0" err="1">
+                <a:effectLst/>
+                <a:latin typeface="ubuntu mono derivative powerline" panose="020B0509030602030204" pitchFamily="49" charset="0"/>
+              </a:rPr>
+              <a:t>.</a:t>
+            </a:r>
+            <a:r>
+              <a:rPr lang="en-US" altLang="ko-KR" sz="1600" b="0" dirty="0" err="1">
+                <a:solidFill>
+                  <a:srgbClr val="0000FF"/>
+                </a:solidFill>
+                <a:effectLst/>
+                <a:latin typeface="ubuntu mono derivative powerline" panose="020B0509030602030204" pitchFamily="49" charset="0"/>
+              </a:rPr>
+              <a:t>seed</a:t>
+            </a:r>
+            <a:r>
+              <a:rPr lang="en-US" altLang="ko-KR" sz="1600" b="0" dirty="0">
+                <a:effectLst/>
+                <a:latin typeface="ubuntu mono derivative powerline" panose="020B0509030602030204" pitchFamily="49" charset="0"/>
+              </a:rPr>
+              <a:t>(10)</a:t>
+            </a:r>
+          </a:p>
+          <a:p>
+            <a:endParaRPr lang="en-US" altLang="ko-KR" sz="1600" b="0" dirty="0">
+              <a:effectLst/>
+              <a:latin typeface="ubuntu mono derivative powerline" panose="020B0509030602030204" pitchFamily="49" charset="0"/>
+            </a:endParaRPr>
+          </a:p>
+          <a:p>
+            <a:r>
+              <a:rPr lang="en-US" altLang="ko-KR" sz="1600" b="0" dirty="0" err="1">
+                <a:effectLst/>
+                <a:latin typeface="ubuntu mono derivative powerline" panose="020B0509030602030204" pitchFamily="49" charset="0"/>
+              </a:rPr>
+              <a:t>arr</a:t>
+            </a:r>
+            <a:r>
+              <a:rPr lang="en-US" altLang="ko-KR" sz="1600" b="0" dirty="0">
+                <a:effectLst/>
+                <a:latin typeface="ubuntu mono derivative powerline" panose="020B0509030602030204" pitchFamily="49" charset="0"/>
+              </a:rPr>
+              <a:t> = </a:t>
+            </a:r>
+            <a:r>
+              <a:rPr lang="en-US" altLang="ko-KR" sz="1600" b="0" dirty="0" err="1">
+                <a:solidFill>
+                  <a:srgbClr val="7030A0"/>
+                </a:solidFill>
+                <a:effectLst/>
+                <a:latin typeface="ubuntu mono derivative powerline" panose="020B0509030602030204" pitchFamily="49" charset="0"/>
+              </a:rPr>
+              <a:t>np</a:t>
+            </a:r>
+            <a:r>
+              <a:rPr lang="en-US" altLang="ko-KR" sz="1600" b="0" dirty="0" err="1">
+                <a:effectLst/>
+                <a:latin typeface="ubuntu mono derivative powerline" panose="020B0509030602030204" pitchFamily="49" charset="0"/>
+              </a:rPr>
+              <a:t>.</a:t>
+            </a:r>
+            <a:r>
+              <a:rPr lang="en-US" altLang="ko-KR" sz="1600" b="0" dirty="0" err="1">
+                <a:solidFill>
+                  <a:srgbClr val="0000FF"/>
+                </a:solidFill>
+                <a:effectLst/>
+                <a:latin typeface="ubuntu mono derivative powerline" panose="020B0509030602030204" pitchFamily="49" charset="0"/>
+              </a:rPr>
+              <a:t>random</a:t>
+            </a:r>
+            <a:r>
+              <a:rPr lang="en-US" altLang="ko-KR" sz="1600" b="0" dirty="0" err="1">
+                <a:effectLst/>
+                <a:latin typeface="ubuntu mono derivative powerline" panose="020B0509030602030204" pitchFamily="49" charset="0"/>
+              </a:rPr>
+              <a:t>.</a:t>
+            </a:r>
+            <a:r>
+              <a:rPr lang="en-US" altLang="ko-KR" sz="1600" b="0" dirty="0" err="1">
+                <a:solidFill>
+                  <a:srgbClr val="0000FF"/>
+                </a:solidFill>
+                <a:effectLst/>
+                <a:latin typeface="ubuntu mono derivative powerline" panose="020B0509030602030204" pitchFamily="49" charset="0"/>
+              </a:rPr>
+              <a:t>randint</a:t>
+            </a:r>
+            <a:r>
+              <a:rPr lang="en-US" altLang="ko-KR" sz="1600" b="0" dirty="0">
+                <a:effectLst/>
+                <a:latin typeface="ubuntu mono derivative powerline" panose="020B0509030602030204" pitchFamily="49" charset="0"/>
+              </a:rPr>
+              <a:t>(0, 50, 500)</a:t>
+            </a:r>
+          </a:p>
+          <a:p>
+            <a:r>
+              <a:rPr lang="en-US" altLang="ko-KR" sz="1600" b="0" dirty="0" err="1">
+                <a:effectLst/>
+                <a:latin typeface="ubuntu mono derivative powerline" panose="020B0509030602030204" pitchFamily="49" charset="0"/>
+              </a:rPr>
+              <a:t>more_data</a:t>
+            </a:r>
+            <a:r>
+              <a:rPr lang="en-US" altLang="ko-KR" sz="1600" b="0" dirty="0">
+                <a:effectLst/>
+                <a:latin typeface="ubuntu mono derivative powerline" panose="020B0509030602030204" pitchFamily="49" charset="0"/>
+              </a:rPr>
+              <a:t> = </a:t>
+            </a:r>
+            <a:r>
+              <a:rPr lang="en-US" altLang="ko-KR" sz="1600" b="0" dirty="0">
+                <a:solidFill>
+                  <a:srgbClr val="7030A0"/>
+                </a:solidFill>
+                <a:effectLst/>
+                <a:latin typeface="ubuntu mono derivative powerline" panose="020B0509030602030204" pitchFamily="49" charset="0"/>
+              </a:rPr>
+              <a:t>Counter</a:t>
+            </a:r>
+            <a:r>
+              <a:rPr lang="en-US" altLang="ko-KR" sz="1600" b="0" dirty="0">
+                <a:effectLst/>
+                <a:latin typeface="ubuntu mono derivative powerline" panose="020B0509030602030204" pitchFamily="49" charset="0"/>
+              </a:rPr>
+              <a:t>(</a:t>
+            </a:r>
+            <a:r>
+              <a:rPr lang="en-US" altLang="ko-KR" sz="1600" b="0" dirty="0" err="1">
+                <a:effectLst/>
+                <a:latin typeface="ubuntu mono derivative powerline" panose="020B0509030602030204" pitchFamily="49" charset="0"/>
+              </a:rPr>
+              <a:t>arr</a:t>
+            </a:r>
+            <a:r>
+              <a:rPr lang="en-US" altLang="ko-KR" sz="1600" b="0" dirty="0">
+                <a:effectLst/>
+                <a:latin typeface="ubuntu mono derivative powerline" panose="020B0509030602030204" pitchFamily="49" charset="0"/>
+              </a:rPr>
+              <a:t>).</a:t>
+            </a:r>
+            <a:r>
+              <a:rPr lang="en-US" altLang="ko-KR" sz="1600" b="0" dirty="0" err="1">
+                <a:solidFill>
+                  <a:srgbClr val="0000FF"/>
+                </a:solidFill>
+                <a:effectLst/>
+                <a:latin typeface="ubuntu mono derivative powerline" panose="020B0509030602030204" pitchFamily="49" charset="0"/>
+              </a:rPr>
+              <a:t>most_common</a:t>
+            </a:r>
+            <a:r>
+              <a:rPr lang="en-US" altLang="ko-KR" sz="1600" b="0" dirty="0">
+                <a:effectLst/>
+                <a:latin typeface="ubuntu mono derivative powerline" panose="020B0509030602030204" pitchFamily="49" charset="0"/>
+              </a:rPr>
+              <a:t>()[0]</a:t>
+            </a:r>
+          </a:p>
+          <a:p>
+            <a:endParaRPr lang="en-US" altLang="ko-KR" sz="1600" b="0" dirty="0">
+              <a:effectLst/>
+              <a:latin typeface="ubuntu mono derivative powerline" panose="020B0509030602030204" pitchFamily="49" charset="0"/>
+            </a:endParaRPr>
+          </a:p>
+          <a:p>
+            <a:r>
+              <a:rPr lang="en-US" altLang="ko-KR" sz="1600" b="0" dirty="0">
+                <a:solidFill>
+                  <a:srgbClr val="0000FF"/>
+                </a:solidFill>
+                <a:effectLst/>
+                <a:latin typeface="ubuntu mono derivative powerline" panose="020B0509030602030204" pitchFamily="49" charset="0"/>
+              </a:rPr>
+              <a:t>print</a:t>
+            </a:r>
+            <a:r>
+              <a:rPr lang="en-US" altLang="ko-KR" sz="1600" b="0" dirty="0">
+                <a:effectLst/>
+                <a:latin typeface="ubuntu mono derivative powerline" panose="020B0509030602030204" pitchFamily="49" charset="0"/>
+              </a:rPr>
+              <a:t>(f'</a:t>
+            </a:r>
+            <a:r>
+              <a:rPr lang="ko-KR" altLang="en-US" sz="1600" b="0" dirty="0">
+                <a:effectLst/>
+                <a:latin typeface="ubuntu mono derivative powerline" panose="020B0509030602030204" pitchFamily="49" charset="0"/>
+              </a:rPr>
+              <a:t>가장 많이 나온 원소</a:t>
+            </a:r>
+            <a:r>
+              <a:rPr lang="en-US" altLang="ko-KR" sz="1600" b="0" dirty="0">
+                <a:effectLst/>
+                <a:latin typeface="ubuntu mono derivative powerline" panose="020B0509030602030204" pitchFamily="49" charset="0"/>
+              </a:rPr>
+              <a:t>: {</a:t>
+            </a:r>
+            <a:r>
+              <a:rPr lang="en-US" altLang="ko-KR" sz="1600" b="0" dirty="0" err="1">
+                <a:effectLst/>
+                <a:latin typeface="ubuntu mono derivative powerline" panose="020B0509030602030204" pitchFamily="49" charset="0"/>
+              </a:rPr>
+              <a:t>more_data</a:t>
+            </a:r>
+            <a:r>
+              <a:rPr lang="en-US" altLang="ko-KR" sz="1600" b="0" dirty="0">
+                <a:effectLst/>
+                <a:latin typeface="ubuntu mono derivative powerline" panose="020B0509030602030204" pitchFamily="49" charset="0"/>
+              </a:rPr>
+              <a:t>[0]}')</a:t>
+            </a:r>
+          </a:p>
+          <a:p>
+            <a:r>
+              <a:rPr lang="en-US" altLang="ko-KR" sz="1600" b="0" dirty="0">
+                <a:solidFill>
+                  <a:srgbClr val="0000FF"/>
+                </a:solidFill>
+                <a:effectLst/>
+                <a:latin typeface="ubuntu mono derivative powerline" panose="020B0509030602030204" pitchFamily="49" charset="0"/>
+              </a:rPr>
+              <a:t>print</a:t>
+            </a:r>
+            <a:r>
+              <a:rPr lang="en-US" altLang="ko-KR" sz="1600" b="0" dirty="0">
+                <a:effectLst/>
+                <a:latin typeface="ubuntu mono derivative powerline" panose="020B0509030602030204" pitchFamily="49" charset="0"/>
+              </a:rPr>
+              <a:t>(f'</a:t>
+            </a:r>
+            <a:r>
+              <a:rPr lang="ko-KR" altLang="en-US" sz="1600" b="0" dirty="0">
+                <a:effectLst/>
+                <a:latin typeface="ubuntu mono derivative powerline" panose="020B0509030602030204" pitchFamily="49" charset="0"/>
+              </a:rPr>
+              <a:t>중복횟수</a:t>
+            </a:r>
+            <a:r>
+              <a:rPr lang="en-US" altLang="ko-KR" sz="1600" b="0" dirty="0">
+                <a:effectLst/>
+                <a:latin typeface="ubuntu mono derivative powerline" panose="020B0509030602030204" pitchFamily="49" charset="0"/>
+              </a:rPr>
+              <a:t>: {</a:t>
+            </a:r>
+            <a:r>
+              <a:rPr lang="en-US" altLang="ko-KR" sz="1600" b="0" dirty="0" err="1">
+                <a:effectLst/>
+                <a:latin typeface="ubuntu mono derivative powerline" panose="020B0509030602030204" pitchFamily="49" charset="0"/>
+              </a:rPr>
+              <a:t>more_data</a:t>
+            </a:r>
+            <a:r>
+              <a:rPr lang="en-US" altLang="ko-KR" sz="1600" b="0" dirty="0">
+                <a:effectLst/>
+                <a:latin typeface="ubuntu mono derivative powerline" panose="020B0509030602030204" pitchFamily="49" charset="0"/>
+              </a:rPr>
+              <a:t>[1]}</a:t>
+            </a:r>
+            <a:r>
+              <a:rPr lang="ko-KR" altLang="en-US" sz="1600" b="0" dirty="0">
+                <a:effectLst/>
+                <a:latin typeface="ubuntu mono derivative powerline" panose="020B0509030602030204" pitchFamily="49" charset="0"/>
+              </a:rPr>
+              <a:t>회</a:t>
+            </a:r>
+            <a:r>
+              <a:rPr lang="en-US" altLang="ko-KR" sz="1600" b="0" dirty="0">
+                <a:effectLst/>
+                <a:latin typeface="ubuntu mono derivative powerline" panose="020B0509030602030204" pitchFamily="49" charset="0"/>
+              </a:rPr>
+              <a:t>')</a:t>
+            </a:r>
+          </a:p>
+        </p:txBody>
+      </p:sp>
+      <p:sp>
+        <p:nvSpPr>
+          <p:cNvPr id="8" name="직사각형 7">
+            <a:extLst>
+              <a:ext uri="{FF2B5EF4-FFF2-40B4-BE49-F238E27FC236}">
+                <a16:creationId xmlns:a16="http://schemas.microsoft.com/office/drawing/2014/main" id="{FEEF1A67-6030-8978-A80B-0347FBA6318A}"/>
+              </a:ext>
+            </a:extLst>
+          </p:cNvPr>
+          <p:cNvSpPr/>
+          <p:nvPr/>
+        </p:nvSpPr>
+        <p:spPr>
+          <a:xfrm>
+            <a:off x="6228184" y="3217540"/>
+            <a:ext cx="2520280" cy="461665"/>
+          </a:xfrm>
+          <a:prstGeom prst="rect">
+            <a:avLst/>
+          </a:prstGeom>
+        </p:spPr>
+        <p:txBody>
+          <a:bodyPr wrap="square">
+            <a:spAutoFit/>
+          </a:bodyPr>
+          <a:lstStyle/>
+          <a:p>
+            <a:r>
+              <a:rPr lang="ko-KR" altLang="en-US" sz="1200" b="0" dirty="0">
+                <a:solidFill>
+                  <a:srgbClr val="FF0000"/>
+                </a:solidFill>
+                <a:effectLst/>
+                <a:latin typeface="ubuntu mono derivative powerline" panose="020B0509030602030204" pitchFamily="49" charset="0"/>
+              </a:rPr>
+              <a:t>가장 많이 나온 원소</a:t>
+            </a:r>
+            <a:r>
+              <a:rPr lang="en-US" altLang="ko-KR" sz="1200" b="0" dirty="0">
+                <a:solidFill>
+                  <a:srgbClr val="FF0000"/>
+                </a:solidFill>
+                <a:effectLst/>
+                <a:latin typeface="ubuntu mono derivative powerline" panose="020B0509030602030204" pitchFamily="49" charset="0"/>
+              </a:rPr>
+              <a:t>: 102</a:t>
+            </a:r>
+          </a:p>
+          <a:p>
+            <a:r>
+              <a:rPr lang="ko-KR" altLang="en-US" sz="1200" dirty="0">
+                <a:solidFill>
                   <a:srgbClr val="00B050"/>
                 </a:solidFill>
-                <a:effectLst/>
-                <a:latin typeface="ubuntu mono derivative powerline" panose="020B0509030602030204" pitchFamily="49" charset="0"/>
-              </a:rPr>
-              <a:t># solution1</a:t>
-            </a:r>
-          </a:p>
-          <a:p>
-            <a:r>
-              <a:rPr lang="en-US" altLang="ko-KR" sz="1600" dirty="0">
-                <a:solidFill>
-                  <a:srgbClr val="CC9B00"/>
-                </a:solidFill>
-                <a:latin typeface="ubuntu mono derivative powerline" panose="020B0509030602030204" pitchFamily="49" charset="0"/>
-              </a:rPr>
-              <a:t>import</a:t>
-            </a:r>
-            <a:r>
-              <a:rPr lang="en-US" altLang="ko-KR" sz="1600" dirty="0">
+                <a:latin typeface="ubuntu mono derivative powerline" panose="020B0509030602030204" pitchFamily="49" charset="0"/>
+              </a:rPr>
+              <a:t>중복횟수</a:t>
+            </a:r>
+            <a:r>
+              <a:rPr lang="en-US" altLang="ko-KR" sz="1200" dirty="0">
                 <a:solidFill>
                   <a:srgbClr val="00B050"/>
                 </a:solidFill>
                 <a:latin typeface="ubuntu mono derivative powerline" panose="020B0509030602030204" pitchFamily="49" charset="0"/>
               </a:rPr>
-              <a:t> </a:t>
-            </a:r>
-            <a:r>
-              <a:rPr lang="en-US" altLang="ko-KR" sz="1600" dirty="0" err="1">
-                <a:solidFill>
-                  <a:srgbClr val="7030A0"/>
-                </a:solidFill>
-                <a:latin typeface="ubuntu mono derivative powerline" panose="020B0509030602030204" pitchFamily="49" charset="0"/>
-              </a:rPr>
-              <a:t>numpy</a:t>
-            </a:r>
-            <a:r>
-              <a:rPr lang="en-US" altLang="ko-KR" sz="1600" dirty="0">
+              <a:t>: 4</a:t>
+            </a:r>
+            <a:r>
+              <a:rPr lang="ko-KR" altLang="en-US" sz="1200" dirty="0">
                 <a:solidFill>
                   <a:srgbClr val="00B050"/>
                 </a:solidFill>
                 <a:latin typeface="ubuntu mono derivative powerline" panose="020B0509030602030204" pitchFamily="49" charset="0"/>
               </a:rPr>
-              <a:t> </a:t>
-            </a:r>
-            <a:r>
-              <a:rPr lang="en-US" altLang="ko-KR" sz="1600" dirty="0">
-                <a:solidFill>
-                  <a:srgbClr val="CC9B00"/>
-                </a:solidFill>
-                <a:latin typeface="ubuntu mono derivative powerline" panose="020B0509030602030204" pitchFamily="49" charset="0"/>
-              </a:rPr>
-              <a:t>as</a:t>
-            </a:r>
-            <a:r>
-              <a:rPr lang="en-US" altLang="ko-KR" sz="1600" dirty="0">
-                <a:solidFill>
-                  <a:srgbClr val="00B050"/>
-                </a:solidFill>
-                <a:latin typeface="ubuntu mono derivative powerline" panose="020B0509030602030204" pitchFamily="49" charset="0"/>
-              </a:rPr>
-              <a:t> </a:t>
-            </a:r>
-            <a:r>
-              <a:rPr lang="en-US" altLang="ko-KR" sz="1600" dirty="0">
-                <a:solidFill>
-                  <a:srgbClr val="7030A0"/>
-                </a:solidFill>
-                <a:latin typeface="ubuntu mono derivative powerline" panose="020B0509030602030204" pitchFamily="49" charset="0"/>
-              </a:rPr>
-              <a:t>np</a:t>
-            </a:r>
-          </a:p>
-          <a:p>
-            <a:endParaRPr lang="en-US" altLang="ko-KR" sz="1600" b="0" dirty="0">
+              <a:t>회</a:t>
+            </a:r>
+            <a:endParaRPr lang="en-US" altLang="ko-KR" sz="1200" b="0" dirty="0">
               <a:solidFill>
                 <a:srgbClr val="00B050"/>
               </a:solidFill>
@@ -14269,344 +14746,14 @@
               <a:latin typeface="ubuntu mono derivative powerline" panose="020B0509030602030204" pitchFamily="49" charset="0"/>
             </a:endParaRPr>
           </a:p>
-          <a:p>
-            <a:r>
-              <a:rPr lang="en-US" altLang="ko-KR" sz="1600" b="0" dirty="0" err="1">
-                <a:solidFill>
-                  <a:srgbClr val="7030A0"/>
-                </a:solidFill>
-                <a:effectLst/>
-                <a:latin typeface="ubuntu mono derivative powerline" panose="020B0509030602030204" pitchFamily="49" charset="0"/>
-              </a:rPr>
-              <a:t>np</a:t>
-            </a:r>
-            <a:r>
-              <a:rPr lang="en-US" altLang="ko-KR" sz="1600" b="0" dirty="0" err="1">
-                <a:effectLst/>
-                <a:latin typeface="ubuntu mono derivative powerline" panose="020B0509030602030204" pitchFamily="49" charset="0"/>
-              </a:rPr>
-              <a:t>.</a:t>
-            </a:r>
-            <a:r>
-              <a:rPr lang="en-US" altLang="ko-KR" sz="1600" b="0" dirty="0" err="1">
-                <a:solidFill>
-                  <a:srgbClr val="0000FF"/>
-                </a:solidFill>
-                <a:effectLst/>
-                <a:latin typeface="ubuntu mono derivative powerline" panose="020B0509030602030204" pitchFamily="49" charset="0"/>
-              </a:rPr>
-              <a:t>random</a:t>
-            </a:r>
-            <a:r>
-              <a:rPr lang="en-US" altLang="ko-KR" sz="1600" b="0" dirty="0" err="1">
-                <a:effectLst/>
-                <a:latin typeface="ubuntu mono derivative powerline" panose="020B0509030602030204" pitchFamily="49" charset="0"/>
-              </a:rPr>
-              <a:t>.</a:t>
-            </a:r>
-            <a:r>
-              <a:rPr lang="en-US" altLang="ko-KR" sz="1600" b="0" dirty="0" err="1">
-                <a:solidFill>
-                  <a:srgbClr val="0000FF"/>
-                </a:solidFill>
-                <a:effectLst/>
-                <a:latin typeface="ubuntu mono derivative powerline" panose="020B0509030602030204" pitchFamily="49" charset="0"/>
-              </a:rPr>
-              <a:t>seed</a:t>
-            </a:r>
-            <a:r>
-              <a:rPr lang="en-US" altLang="ko-KR" sz="1600" b="0" dirty="0">
-                <a:effectLst/>
-                <a:latin typeface="ubuntu mono derivative powerline" panose="020B0509030602030204" pitchFamily="49" charset="0"/>
-              </a:rPr>
-              <a:t>(10)</a:t>
-            </a:r>
-          </a:p>
-          <a:p>
-            <a:r>
-              <a:rPr lang="en-US" altLang="ko-KR" sz="1600" b="0" dirty="0" err="1">
-                <a:effectLst/>
-                <a:latin typeface="ubuntu mono derivative powerline" panose="020B0509030602030204" pitchFamily="49" charset="0"/>
-              </a:rPr>
-              <a:t>np_a</a:t>
-            </a:r>
-            <a:r>
-              <a:rPr lang="en-US" altLang="ko-KR" sz="1600" b="0" dirty="0">
-                <a:effectLst/>
-                <a:latin typeface="ubuntu mono derivative powerline" panose="020B0509030602030204" pitchFamily="49" charset="0"/>
-              </a:rPr>
-              <a:t> = </a:t>
-            </a:r>
-            <a:r>
-              <a:rPr lang="en-US" altLang="ko-KR" sz="1600" b="0" dirty="0" err="1">
-                <a:solidFill>
-                  <a:srgbClr val="7030A0"/>
-                </a:solidFill>
-                <a:effectLst/>
-                <a:latin typeface="ubuntu mono derivative powerline" panose="020B0509030602030204" pitchFamily="49" charset="0"/>
-              </a:rPr>
-              <a:t>np</a:t>
-            </a:r>
-            <a:r>
-              <a:rPr lang="en-US" altLang="ko-KR" sz="1600" b="0" dirty="0" err="1">
-                <a:effectLst/>
-                <a:latin typeface="ubuntu mono derivative powerline" panose="020B0509030602030204" pitchFamily="49" charset="0"/>
-              </a:rPr>
-              <a:t>.</a:t>
-            </a:r>
-            <a:r>
-              <a:rPr lang="en-US" altLang="ko-KR" sz="1600" b="0" dirty="0" err="1">
-                <a:solidFill>
-                  <a:srgbClr val="0000FF"/>
-                </a:solidFill>
-                <a:effectLst/>
-                <a:latin typeface="ubuntu mono derivative powerline" panose="020B0509030602030204" pitchFamily="49" charset="0"/>
-              </a:rPr>
-              <a:t>random</a:t>
-            </a:r>
-            <a:r>
-              <a:rPr lang="en-US" altLang="ko-KR" sz="1600" b="0" dirty="0" err="1">
-                <a:effectLst/>
-                <a:latin typeface="ubuntu mono derivative powerline" panose="020B0509030602030204" pitchFamily="49" charset="0"/>
-              </a:rPr>
-              <a:t>.</a:t>
-            </a:r>
-            <a:r>
-              <a:rPr lang="en-US" altLang="ko-KR" sz="1600" b="0" dirty="0" err="1">
-                <a:solidFill>
-                  <a:srgbClr val="0000FF"/>
-                </a:solidFill>
-                <a:effectLst/>
-                <a:latin typeface="ubuntu mono derivative powerline" panose="020B0509030602030204" pitchFamily="49" charset="0"/>
-              </a:rPr>
-              <a:t>rand</a:t>
-            </a:r>
-            <a:r>
-              <a:rPr lang="en-US" altLang="ko-KR" sz="1600" b="0" dirty="0">
-                <a:effectLst/>
-                <a:latin typeface="ubuntu mono derivative powerline" panose="020B0509030602030204" pitchFamily="49" charset="0"/>
-              </a:rPr>
-              <a:t>(10)</a:t>
-            </a:r>
-          </a:p>
-          <a:p>
-            <a:r>
-              <a:rPr lang="en-US" altLang="ko-KR" sz="1600" b="0" dirty="0" err="1">
-                <a:effectLst/>
-                <a:latin typeface="ubuntu mono derivative powerline" panose="020B0509030602030204" pitchFamily="49" charset="0"/>
-              </a:rPr>
-              <a:t>sum_a</a:t>
-            </a:r>
-            <a:r>
-              <a:rPr lang="en-US" altLang="ko-KR" sz="1600" b="0" dirty="0">
-                <a:effectLst/>
-                <a:latin typeface="ubuntu mono derivative powerline" panose="020B0509030602030204" pitchFamily="49" charset="0"/>
-              </a:rPr>
-              <a:t> = 0</a:t>
-            </a:r>
-          </a:p>
-          <a:p>
-            <a:r>
-              <a:rPr lang="en-US" altLang="ko-KR" sz="1600" b="0" dirty="0">
-                <a:effectLst/>
-                <a:latin typeface="ubuntu mono derivative powerline" panose="020B0509030602030204" pitchFamily="49" charset="0"/>
-              </a:rPr>
-              <a:t>for </a:t>
-            </a:r>
-            <a:r>
-              <a:rPr lang="en-US" altLang="ko-KR" sz="1600" b="0" dirty="0">
-                <a:solidFill>
-                  <a:srgbClr val="0000FF"/>
-                </a:solidFill>
-                <a:effectLst/>
-                <a:latin typeface="ubuntu mono derivative powerline" panose="020B0509030602030204" pitchFamily="49" charset="0"/>
-              </a:rPr>
-              <a:t>a</a:t>
-            </a:r>
-            <a:r>
-              <a:rPr lang="en-US" altLang="ko-KR" sz="1600" b="0" dirty="0">
-                <a:effectLst/>
-                <a:latin typeface="ubuntu mono derivative powerline" panose="020B0509030602030204" pitchFamily="49" charset="0"/>
-              </a:rPr>
-              <a:t> in </a:t>
-            </a:r>
-            <a:r>
-              <a:rPr lang="en-US" altLang="ko-KR" sz="1600" b="0" dirty="0" err="1">
-                <a:solidFill>
-                  <a:srgbClr val="0000FF"/>
-                </a:solidFill>
-                <a:effectLst/>
-                <a:latin typeface="ubuntu mono derivative powerline" panose="020B0509030602030204" pitchFamily="49" charset="0"/>
-              </a:rPr>
-              <a:t>np_a</a:t>
-            </a:r>
-            <a:r>
-              <a:rPr lang="en-US" altLang="ko-KR" sz="1600" b="0" dirty="0">
-                <a:effectLst/>
-                <a:latin typeface="ubuntu mono derivative powerline" panose="020B0509030602030204" pitchFamily="49" charset="0"/>
-              </a:rPr>
-              <a:t>:</a:t>
-            </a:r>
-          </a:p>
-          <a:p>
-            <a:r>
-              <a:rPr lang="en-US" altLang="ko-KR" sz="1600" b="0" dirty="0">
-                <a:effectLst/>
-                <a:latin typeface="ubuntu mono derivative powerline" panose="020B0509030602030204" pitchFamily="49" charset="0"/>
-              </a:rPr>
-              <a:t>    </a:t>
-            </a:r>
-            <a:r>
-              <a:rPr lang="en-US" altLang="ko-KR" sz="1600" b="0" dirty="0" err="1">
-                <a:effectLst/>
-                <a:latin typeface="ubuntu mono derivative powerline" panose="020B0509030602030204" pitchFamily="49" charset="0"/>
-              </a:rPr>
-              <a:t>sum_a</a:t>
-            </a:r>
-            <a:r>
-              <a:rPr lang="en-US" altLang="ko-KR" sz="1600" b="0" dirty="0">
-                <a:effectLst/>
-                <a:latin typeface="ubuntu mono derivative powerline" panose="020B0509030602030204" pitchFamily="49" charset="0"/>
-              </a:rPr>
-              <a:t> += </a:t>
-            </a:r>
-            <a:r>
-              <a:rPr lang="en-US" altLang="ko-KR" sz="1600" b="0" dirty="0">
-                <a:solidFill>
-                  <a:srgbClr val="0000FF"/>
-                </a:solidFill>
-                <a:effectLst/>
-                <a:latin typeface="ubuntu mono derivative powerline" panose="020B0509030602030204" pitchFamily="49" charset="0"/>
-              </a:rPr>
-              <a:t>a</a:t>
-            </a:r>
-          </a:p>
-          <a:p>
-            <a:r>
-              <a:rPr lang="en-US" altLang="ko-KR" sz="1600" b="0" dirty="0">
-                <a:solidFill>
-                  <a:srgbClr val="0000FF"/>
-                </a:solidFill>
-                <a:effectLst/>
-                <a:latin typeface="ubuntu mono derivative powerline" panose="020B0509030602030204" pitchFamily="49" charset="0"/>
-              </a:rPr>
-              <a:t>print</a:t>
-            </a:r>
-            <a:r>
-              <a:rPr lang="en-US" altLang="ko-KR" sz="1600" b="0" dirty="0">
-                <a:effectLst/>
-                <a:latin typeface="ubuntu mono derivative powerline" panose="020B0509030602030204" pitchFamily="49" charset="0"/>
-              </a:rPr>
-              <a:t>(</a:t>
-            </a:r>
-            <a:r>
-              <a:rPr lang="en-US" altLang="ko-KR" sz="1600" b="0" dirty="0" err="1">
-                <a:solidFill>
-                  <a:srgbClr val="FF0000"/>
-                </a:solidFill>
-                <a:effectLst/>
-                <a:latin typeface="ubuntu mono derivative powerline" panose="020B0509030602030204" pitchFamily="49" charset="0"/>
-              </a:rPr>
-              <a:t>np_a</a:t>
-            </a:r>
-            <a:r>
-              <a:rPr lang="en-US" altLang="ko-KR" sz="1600" b="0" dirty="0">
-                <a:effectLst/>
-                <a:latin typeface="ubuntu mono derivative powerline" panose="020B0509030602030204" pitchFamily="49" charset="0"/>
-              </a:rPr>
-              <a:t>)</a:t>
-            </a:r>
-          </a:p>
-          <a:p>
-            <a:r>
-              <a:rPr lang="en-US" altLang="ko-KR" sz="1600" b="0" dirty="0">
-                <a:solidFill>
-                  <a:srgbClr val="0000FF"/>
-                </a:solidFill>
-                <a:effectLst/>
-                <a:latin typeface="ubuntu mono derivative powerline" panose="020B0509030602030204" pitchFamily="49" charset="0"/>
-              </a:rPr>
-              <a:t>print</a:t>
-            </a:r>
-            <a:r>
-              <a:rPr lang="en-US" altLang="ko-KR" sz="1600" b="0" dirty="0">
-                <a:effectLst/>
-                <a:latin typeface="ubuntu mono derivative powerline" panose="020B0509030602030204" pitchFamily="49" charset="0"/>
-              </a:rPr>
-              <a:t>(</a:t>
-            </a:r>
-            <a:r>
-              <a:rPr lang="en-US" altLang="ko-KR" sz="1600" b="0" dirty="0" err="1">
-                <a:solidFill>
-                  <a:srgbClr val="FFC000"/>
-                </a:solidFill>
-                <a:effectLst/>
-                <a:latin typeface="ubuntu mono derivative powerline" panose="020B0509030602030204" pitchFamily="49" charset="0"/>
-              </a:rPr>
-              <a:t>sum_a</a:t>
-            </a:r>
-            <a:r>
-              <a:rPr lang="en-US" altLang="ko-KR" sz="1600" b="0" dirty="0">
-                <a:effectLst/>
-                <a:latin typeface="ubuntu mono derivative powerline" panose="020B0509030602030204" pitchFamily="49" charset="0"/>
-              </a:rPr>
-              <a:t>)</a:t>
-            </a:r>
-          </a:p>
-          <a:p>
-            <a:r>
-              <a:rPr lang="en-US" altLang="ko-KR" sz="1600" b="0" dirty="0">
-                <a:solidFill>
-                  <a:srgbClr val="0000FF"/>
-                </a:solidFill>
-                <a:effectLst/>
-                <a:latin typeface="ubuntu mono derivative powerline" panose="020B0509030602030204" pitchFamily="49" charset="0"/>
-              </a:rPr>
-              <a:t>print</a:t>
-            </a:r>
-            <a:r>
-              <a:rPr lang="en-US" altLang="ko-KR" sz="1600" b="0" dirty="0">
-                <a:effectLst/>
-                <a:latin typeface="ubuntu mono derivative powerline" panose="020B0509030602030204" pitchFamily="49" charset="0"/>
-              </a:rPr>
-              <a:t>(</a:t>
-            </a:r>
-            <a:r>
-              <a:rPr lang="en-US" altLang="ko-KR" sz="1600" b="0" dirty="0" err="1">
-                <a:solidFill>
-                  <a:srgbClr val="00B050"/>
-                </a:solidFill>
-                <a:effectLst/>
-                <a:latin typeface="ubuntu mono derivative powerline" panose="020B0509030602030204" pitchFamily="49" charset="0"/>
-              </a:rPr>
-              <a:t>sum_a</a:t>
-            </a:r>
-            <a:r>
-              <a:rPr lang="en-US" altLang="ko-KR" sz="1600" b="0" dirty="0">
-                <a:solidFill>
-                  <a:srgbClr val="00B050"/>
-                </a:solidFill>
-                <a:effectLst/>
-                <a:latin typeface="ubuntu mono derivative powerline" panose="020B0509030602030204" pitchFamily="49" charset="0"/>
-              </a:rPr>
-              <a:t>/10</a:t>
-            </a:r>
-            <a:r>
-              <a:rPr lang="en-US" altLang="ko-KR" sz="1600" b="0" dirty="0">
-                <a:effectLst/>
-                <a:latin typeface="ubuntu mono derivative powerline" panose="020B0509030602030204" pitchFamily="49" charset="0"/>
-              </a:rPr>
-              <a:t>)</a:t>
-            </a:r>
-          </a:p>
         </p:txBody>
       </p:sp>
       <p:sp>
         <p:nvSpPr>
-          <p:cNvPr id="5" name="내용 개체 틀 8">
+          <p:cNvPr id="7" name="내용 개체 틀 8">
             <a:extLst>
               <a:ext uri="{FF2B5EF4-FFF2-40B4-BE49-F238E27FC236}">
-                <a16:creationId xmlns:a16="http://schemas.microsoft.com/office/drawing/2014/main" id="{B2DF3CCF-A32B-68CB-42AB-D9882A1E127D}"/>
+                <a16:creationId xmlns:a16="http://schemas.microsoft.com/office/drawing/2014/main" id="{70B25095-9C9E-2EC1-E15C-2A992EB1B2CB}"/>
               </a:ext>
             </a:extLst>
           </p:cNvPr>
@@ -14617,8 +14764,8 @@
         </p:nvSpPr>
         <p:spPr>
           <a:xfrm>
-            <a:off x="5170984" y="1623008"/>
-            <a:ext cx="3744416" cy="288032"/>
+            <a:off x="5470220" y="2883024"/>
+            <a:ext cx="2376264" cy="288032"/>
           </a:xfrm>
           <a:prstGeom prst="rect">
             <a:avLst/>
@@ -14813,29 +14960,24 @@
             </a:lvl9pPr>
           </a:lstStyle>
           <a:p>
-            <a:pPr lvl="1"/>
-            <a:r>
-              <a:rPr lang="en-US" altLang="ko-KR" sz="2170" kern="0" dirty="0" err="1"/>
-              <a:t>numpy</a:t>
-            </a:r>
-            <a:r>
-              <a:rPr lang="en-US" altLang="ko-KR" sz="2170" kern="0" dirty="0"/>
-              <a:t> + </a:t>
-            </a:r>
-            <a:r>
-              <a:rPr lang="ko-KR" altLang="en-US" sz="2170" kern="0" dirty="0"/>
-              <a:t>내장함수</a:t>
-            </a:r>
-            <a:endParaRPr lang="en-US" altLang="ko-KR" sz="2170" i="1" kern="0" dirty="0"/>
+            <a:pPr lvl="2"/>
+            <a:r>
+              <a:rPr lang="ko-KR" altLang="en-US" sz="1400" i="1" kern="0" dirty="0"/>
+              <a:t>출력 예시</a:t>
+            </a:r>
+            <a:r>
+              <a:rPr lang="en-US" altLang="ko-KR" sz="1400" i="1" kern="0" dirty="0"/>
+              <a:t>	</a:t>
+            </a:r>
           </a:p>
         </p:txBody>
       </p:sp>
       <p:sp>
         <p:nvSpPr>
-          <p:cNvPr id="6" name="직사각형 5">
+          <p:cNvPr id="9" name="직사각형 8">
             <a:extLst>
               <a:ext uri="{FF2B5EF4-FFF2-40B4-BE49-F238E27FC236}">
-                <a16:creationId xmlns:a16="http://schemas.microsoft.com/office/drawing/2014/main" id="{81234736-50E3-17CD-FAB6-91072F1041C0}"/>
+                <a16:creationId xmlns:a16="http://schemas.microsoft.com/office/drawing/2014/main" id="{85661E48-75C4-5708-63A0-A9FB74E669EB}"/>
               </a:ext>
             </a:extLst>
           </p:cNvPr>
@@ -14844,459 +14986,43 @@
         </p:nvSpPr>
         <p:spPr>
           <a:xfrm>
-            <a:off x="5796136" y="2137420"/>
-            <a:ext cx="2952328" cy="2062103"/>
+            <a:off x="1163320" y="3398520"/>
+            <a:ext cx="4344784" cy="539100"/>
           </a:xfrm>
           <a:prstGeom prst="rect">
             <a:avLst/>
           </a:prstGeom>
+          <a:solidFill>
+            <a:srgbClr val="FFFFFF"/>
+          </a:solidFill>
+          <a:ln>
+            <a:solidFill>
+              <a:srgbClr val="0000FF"/>
+            </a:solidFill>
+          </a:ln>
         </p:spPr>
+        <p:style>
+          <a:lnRef idx="2">
+            <a:schemeClr val="accent1">
+              <a:shade val="50000"/>
+            </a:schemeClr>
+          </a:lnRef>
+          <a:fillRef idx="1">
+            <a:schemeClr val="accent1"/>
+          </a:fillRef>
+          <a:effectRef idx="0">
+            <a:schemeClr val="accent1"/>
+          </a:effectRef>
+          <a:fontRef idx="minor">
+            <a:schemeClr val="lt1"/>
+          </a:fontRef>
+        </p:style>
         <p:txBody>
-          <a:bodyPr wrap="square">
-            <a:spAutoFit/>
-          </a:bodyPr>
+          <a:bodyPr rtlCol="0" anchor="ctr"/>
           <a:lstStyle/>
           <a:p>
-            <a:r>
-              <a:rPr lang="en-US" altLang="ko-KR" sz="1600" b="0" dirty="0">
-                <a:solidFill>
-                  <a:srgbClr val="00B050"/>
-                </a:solidFill>
-                <a:effectLst/>
-                <a:latin typeface="ubuntu mono derivative powerline" panose="020B0509030602030204" pitchFamily="49" charset="0"/>
-              </a:rPr>
-              <a:t># solution2</a:t>
-            </a:r>
-          </a:p>
-          <a:p>
-            <a:r>
-              <a:rPr lang="en-US" altLang="ko-KR" sz="1600" dirty="0">
-                <a:solidFill>
-                  <a:srgbClr val="CC9B00"/>
-                </a:solidFill>
-                <a:latin typeface="ubuntu mono derivative powerline" panose="020B0509030602030204" pitchFamily="49" charset="0"/>
-              </a:rPr>
-              <a:t>import</a:t>
-            </a:r>
-            <a:r>
-              <a:rPr lang="en-US" altLang="ko-KR" sz="1600" dirty="0">
-                <a:solidFill>
-                  <a:srgbClr val="00B050"/>
-                </a:solidFill>
-                <a:latin typeface="ubuntu mono derivative powerline" panose="020B0509030602030204" pitchFamily="49" charset="0"/>
-              </a:rPr>
-              <a:t> </a:t>
-            </a:r>
-            <a:r>
-              <a:rPr lang="en-US" altLang="ko-KR" sz="1600" dirty="0" err="1">
-                <a:solidFill>
-                  <a:srgbClr val="7030A0"/>
-                </a:solidFill>
-                <a:latin typeface="ubuntu mono derivative powerline" panose="020B0509030602030204" pitchFamily="49" charset="0"/>
-              </a:rPr>
-              <a:t>numpy</a:t>
-            </a:r>
-            <a:r>
-              <a:rPr lang="en-US" altLang="ko-KR" sz="1600" dirty="0">
-                <a:solidFill>
-                  <a:srgbClr val="00B050"/>
-                </a:solidFill>
-                <a:latin typeface="ubuntu mono derivative powerline" panose="020B0509030602030204" pitchFamily="49" charset="0"/>
-              </a:rPr>
-              <a:t> </a:t>
-            </a:r>
-            <a:r>
-              <a:rPr lang="en-US" altLang="ko-KR" sz="1600" dirty="0">
-                <a:solidFill>
-                  <a:srgbClr val="CC9B00"/>
-                </a:solidFill>
-                <a:latin typeface="ubuntu mono derivative powerline" panose="020B0509030602030204" pitchFamily="49" charset="0"/>
-              </a:rPr>
-              <a:t>as</a:t>
-            </a:r>
-            <a:r>
-              <a:rPr lang="en-US" altLang="ko-KR" sz="1600" dirty="0">
-                <a:solidFill>
-                  <a:srgbClr val="00B050"/>
-                </a:solidFill>
-                <a:latin typeface="ubuntu mono derivative powerline" panose="020B0509030602030204" pitchFamily="49" charset="0"/>
-              </a:rPr>
-              <a:t> </a:t>
-            </a:r>
-            <a:r>
-              <a:rPr lang="en-US" altLang="ko-KR" sz="1600" dirty="0">
-                <a:solidFill>
-                  <a:srgbClr val="7030A0"/>
-                </a:solidFill>
-                <a:latin typeface="ubuntu mono derivative powerline" panose="020B0509030602030204" pitchFamily="49" charset="0"/>
-              </a:rPr>
-              <a:t>np</a:t>
-            </a:r>
-          </a:p>
-          <a:p>
-            <a:endParaRPr lang="en-US" altLang="ko-KR" sz="1600" b="0" dirty="0">
-              <a:solidFill>
-                <a:srgbClr val="00B050"/>
-              </a:solidFill>
-              <a:effectLst/>
-              <a:latin typeface="ubuntu mono derivative powerline" panose="020B0509030602030204" pitchFamily="49" charset="0"/>
-            </a:endParaRPr>
-          </a:p>
-          <a:p>
-            <a:r>
-              <a:rPr lang="en-US" altLang="ko-KR" sz="1600" b="0" dirty="0" err="1">
-                <a:solidFill>
-                  <a:srgbClr val="7030A0"/>
-                </a:solidFill>
-                <a:effectLst/>
-                <a:latin typeface="ubuntu mono derivative powerline" panose="020B0509030602030204" pitchFamily="49" charset="0"/>
-              </a:rPr>
-              <a:t>np</a:t>
-            </a:r>
-            <a:r>
-              <a:rPr lang="en-US" altLang="ko-KR" sz="1600" b="0" dirty="0" err="1">
-                <a:effectLst/>
-                <a:latin typeface="ubuntu mono derivative powerline" panose="020B0509030602030204" pitchFamily="49" charset="0"/>
-              </a:rPr>
-              <a:t>.</a:t>
-            </a:r>
-            <a:r>
-              <a:rPr lang="en-US" altLang="ko-KR" sz="1600" b="0" dirty="0" err="1">
-                <a:solidFill>
-                  <a:srgbClr val="0000FF"/>
-                </a:solidFill>
-                <a:effectLst/>
-                <a:latin typeface="ubuntu mono derivative powerline" panose="020B0509030602030204" pitchFamily="49" charset="0"/>
-              </a:rPr>
-              <a:t>random</a:t>
-            </a:r>
-            <a:r>
-              <a:rPr lang="en-US" altLang="ko-KR" sz="1600" b="0" dirty="0" err="1">
-                <a:effectLst/>
-                <a:latin typeface="ubuntu mono derivative powerline" panose="020B0509030602030204" pitchFamily="49" charset="0"/>
-              </a:rPr>
-              <a:t>.</a:t>
-            </a:r>
-            <a:r>
-              <a:rPr lang="en-US" altLang="ko-KR" sz="1600" b="0" dirty="0" err="1">
-                <a:solidFill>
-                  <a:srgbClr val="0000FF"/>
-                </a:solidFill>
-                <a:effectLst/>
-                <a:latin typeface="ubuntu mono derivative powerline" panose="020B0509030602030204" pitchFamily="49" charset="0"/>
-              </a:rPr>
-              <a:t>seed</a:t>
-            </a:r>
-            <a:r>
-              <a:rPr lang="en-US" altLang="ko-KR" sz="1600" b="0" dirty="0">
-                <a:effectLst/>
-                <a:latin typeface="ubuntu mono derivative powerline" panose="020B0509030602030204" pitchFamily="49" charset="0"/>
-              </a:rPr>
-              <a:t>(10)</a:t>
-            </a:r>
-          </a:p>
-          <a:p>
-            <a:r>
-              <a:rPr lang="en-US" altLang="ko-KR" sz="1600" b="0" dirty="0" err="1">
-                <a:effectLst/>
-                <a:latin typeface="ubuntu mono derivative powerline" panose="020B0509030602030204" pitchFamily="49" charset="0"/>
-              </a:rPr>
-              <a:t>np_a</a:t>
-            </a:r>
-            <a:r>
-              <a:rPr lang="en-US" altLang="ko-KR" sz="1600" b="0" dirty="0">
-                <a:effectLst/>
-                <a:latin typeface="ubuntu mono derivative powerline" panose="020B0509030602030204" pitchFamily="49" charset="0"/>
-              </a:rPr>
-              <a:t> = </a:t>
-            </a:r>
-            <a:r>
-              <a:rPr lang="en-US" altLang="ko-KR" sz="1600" b="0" dirty="0" err="1">
-                <a:solidFill>
-                  <a:srgbClr val="7030A0"/>
-                </a:solidFill>
-                <a:effectLst/>
-                <a:latin typeface="ubuntu mono derivative powerline" panose="020B0509030602030204" pitchFamily="49" charset="0"/>
-              </a:rPr>
-              <a:t>np</a:t>
-            </a:r>
-            <a:r>
-              <a:rPr lang="en-US" altLang="ko-KR" sz="1600" b="0" dirty="0" err="1">
-                <a:effectLst/>
-                <a:latin typeface="ubuntu mono derivative powerline" panose="020B0509030602030204" pitchFamily="49" charset="0"/>
-              </a:rPr>
-              <a:t>.</a:t>
-            </a:r>
-            <a:r>
-              <a:rPr lang="en-US" altLang="ko-KR" sz="1600" b="0" dirty="0" err="1">
-                <a:solidFill>
-                  <a:srgbClr val="0000FF"/>
-                </a:solidFill>
-                <a:effectLst/>
-                <a:latin typeface="ubuntu mono derivative powerline" panose="020B0509030602030204" pitchFamily="49" charset="0"/>
-              </a:rPr>
-              <a:t>random</a:t>
-            </a:r>
-            <a:r>
-              <a:rPr lang="en-US" altLang="ko-KR" sz="1600" b="0" dirty="0" err="1">
-                <a:effectLst/>
-                <a:latin typeface="ubuntu mono derivative powerline" panose="020B0509030602030204" pitchFamily="49" charset="0"/>
-              </a:rPr>
-              <a:t>.</a:t>
-            </a:r>
-            <a:r>
-              <a:rPr lang="en-US" altLang="ko-KR" sz="1600" b="0" dirty="0" err="1">
-                <a:solidFill>
-                  <a:srgbClr val="0000FF"/>
-                </a:solidFill>
-                <a:effectLst/>
-                <a:latin typeface="ubuntu mono derivative powerline" panose="020B0509030602030204" pitchFamily="49" charset="0"/>
-              </a:rPr>
-              <a:t>rand</a:t>
-            </a:r>
-            <a:r>
-              <a:rPr lang="en-US" altLang="ko-KR" sz="1600" b="0" dirty="0">
-                <a:effectLst/>
-                <a:latin typeface="ubuntu mono derivative powerline" panose="020B0509030602030204" pitchFamily="49" charset="0"/>
-              </a:rPr>
-              <a:t>(1, 10)</a:t>
-            </a:r>
-          </a:p>
-          <a:p>
-            <a:r>
-              <a:rPr lang="en-US" altLang="ko-KR" sz="1600" b="0" dirty="0">
-                <a:solidFill>
-                  <a:srgbClr val="0000FF"/>
-                </a:solidFill>
-                <a:effectLst/>
-                <a:latin typeface="ubuntu mono derivative powerline" panose="020B0509030602030204" pitchFamily="49" charset="0"/>
-              </a:rPr>
-              <a:t>print</a:t>
-            </a:r>
-            <a:r>
-              <a:rPr lang="en-US" altLang="ko-KR" sz="1600" b="0" dirty="0">
-                <a:effectLst/>
-                <a:latin typeface="ubuntu mono derivative powerline" panose="020B0509030602030204" pitchFamily="49" charset="0"/>
-              </a:rPr>
-              <a:t>(</a:t>
-            </a:r>
-            <a:r>
-              <a:rPr lang="en-US" altLang="ko-KR" sz="1600" b="0" dirty="0" err="1">
-                <a:solidFill>
-                  <a:srgbClr val="FF0000"/>
-                </a:solidFill>
-                <a:effectLst/>
-                <a:latin typeface="ubuntu mono derivative powerline" panose="020B0509030602030204" pitchFamily="49" charset="0"/>
-              </a:rPr>
-              <a:t>np_a</a:t>
-            </a:r>
-            <a:r>
-              <a:rPr lang="en-US" altLang="ko-KR" sz="1600" b="0" dirty="0">
-                <a:effectLst/>
-                <a:latin typeface="ubuntu mono derivative powerline" panose="020B0509030602030204" pitchFamily="49" charset="0"/>
-              </a:rPr>
-              <a:t>)</a:t>
-            </a:r>
-          </a:p>
-          <a:p>
-            <a:r>
-              <a:rPr lang="en-US" altLang="ko-KR" sz="1600" b="0" dirty="0">
-                <a:solidFill>
-                  <a:srgbClr val="0000FF"/>
-                </a:solidFill>
-                <a:effectLst/>
-                <a:latin typeface="ubuntu mono derivative powerline" panose="020B0509030602030204" pitchFamily="49" charset="0"/>
-              </a:rPr>
-              <a:t>print</a:t>
-            </a:r>
-            <a:r>
-              <a:rPr lang="en-US" altLang="ko-KR" sz="1600" b="0" dirty="0">
-                <a:effectLst/>
-                <a:latin typeface="ubuntu mono derivative powerline" panose="020B0509030602030204" pitchFamily="49" charset="0"/>
-              </a:rPr>
-              <a:t>(</a:t>
-            </a:r>
-            <a:r>
-              <a:rPr lang="en-US" altLang="ko-KR" sz="1600" b="0" dirty="0" err="1">
-                <a:solidFill>
-                  <a:srgbClr val="FFC000"/>
-                </a:solidFill>
-                <a:effectLst/>
-                <a:latin typeface="ubuntu mono derivative powerline" panose="020B0509030602030204" pitchFamily="49" charset="0"/>
-              </a:rPr>
-              <a:t>np_a</a:t>
-            </a:r>
-            <a:r>
-              <a:rPr lang="en-US" altLang="ko-KR" sz="1600" b="0" dirty="0" err="1">
-                <a:effectLst/>
-                <a:latin typeface="ubuntu mono derivative powerline" panose="020B0509030602030204" pitchFamily="49" charset="0"/>
-              </a:rPr>
-              <a:t>.</a:t>
-            </a:r>
-            <a:r>
-              <a:rPr lang="en-US" altLang="ko-KR" sz="1600" b="0" dirty="0" err="1">
-                <a:solidFill>
-                  <a:srgbClr val="0000FF"/>
-                </a:solidFill>
-                <a:effectLst/>
-                <a:latin typeface="ubuntu mono derivative powerline" panose="020B0509030602030204" pitchFamily="49" charset="0"/>
-              </a:rPr>
-              <a:t>sum</a:t>
-            </a:r>
-            <a:r>
-              <a:rPr lang="en-US" altLang="ko-KR" sz="1600" b="0" dirty="0">
-                <a:effectLst/>
-                <a:latin typeface="ubuntu mono derivative powerline" panose="020B0509030602030204" pitchFamily="49" charset="0"/>
-              </a:rPr>
-              <a:t>())</a:t>
-            </a:r>
-          </a:p>
-          <a:p>
-            <a:r>
-              <a:rPr lang="en-US" altLang="ko-KR" sz="1600" b="0" dirty="0">
-                <a:solidFill>
-                  <a:srgbClr val="0000FF"/>
-                </a:solidFill>
-                <a:effectLst/>
-                <a:latin typeface="ubuntu mono derivative powerline" panose="020B0509030602030204" pitchFamily="49" charset="0"/>
-              </a:rPr>
-              <a:t>print</a:t>
-            </a:r>
-            <a:r>
-              <a:rPr lang="en-US" altLang="ko-KR" sz="1600" b="0" dirty="0">
-                <a:effectLst/>
-                <a:latin typeface="ubuntu mono derivative powerline" panose="020B0509030602030204" pitchFamily="49" charset="0"/>
-              </a:rPr>
-              <a:t>(</a:t>
-            </a:r>
-            <a:r>
-              <a:rPr lang="en-US" altLang="ko-KR" sz="1600" b="0" dirty="0" err="1">
-                <a:solidFill>
-                  <a:srgbClr val="00B050"/>
-                </a:solidFill>
-                <a:effectLst/>
-                <a:latin typeface="ubuntu mono derivative powerline" panose="020B0509030602030204" pitchFamily="49" charset="0"/>
-              </a:rPr>
-              <a:t>np_a</a:t>
-            </a:r>
-            <a:r>
-              <a:rPr lang="en-US" altLang="ko-KR" sz="1600" b="0" dirty="0" err="1">
-                <a:effectLst/>
-                <a:latin typeface="ubuntu mono derivative powerline" panose="020B0509030602030204" pitchFamily="49" charset="0"/>
-              </a:rPr>
-              <a:t>.</a:t>
-            </a:r>
-            <a:r>
-              <a:rPr lang="en-US" altLang="ko-KR" sz="1600" b="0" dirty="0" err="1">
-                <a:solidFill>
-                  <a:srgbClr val="0000FF"/>
-                </a:solidFill>
-                <a:effectLst/>
-                <a:latin typeface="ubuntu mono derivative powerline" panose="020B0509030602030204" pitchFamily="49" charset="0"/>
-              </a:rPr>
-              <a:t>mean</a:t>
-            </a:r>
-            <a:r>
-              <a:rPr lang="en-US" altLang="ko-KR" sz="1600" b="0" dirty="0">
-                <a:effectLst/>
-                <a:latin typeface="ubuntu mono derivative powerline" panose="020B0509030602030204" pitchFamily="49" charset="0"/>
-              </a:rPr>
-              <a:t>())</a:t>
-            </a:r>
-          </a:p>
-        </p:txBody>
-      </p:sp>
-      <p:sp>
-        <p:nvSpPr>
-          <p:cNvPr id="8" name="직사각형 7">
-            <a:extLst>
-              <a:ext uri="{FF2B5EF4-FFF2-40B4-BE49-F238E27FC236}">
-                <a16:creationId xmlns:a16="http://schemas.microsoft.com/office/drawing/2014/main" id="{FEEF1A67-6030-8978-A80B-0347FBA6318A}"/>
-              </a:ext>
-            </a:extLst>
-          </p:cNvPr>
-          <p:cNvSpPr/>
-          <p:nvPr/>
-        </p:nvSpPr>
-        <p:spPr>
-          <a:xfrm>
-            <a:off x="3599384" y="4425903"/>
-            <a:ext cx="5365104" cy="1200329"/>
-          </a:xfrm>
-          <a:prstGeom prst="rect">
-            <a:avLst/>
-          </a:prstGeom>
-        </p:spPr>
-        <p:txBody>
-          <a:bodyPr wrap="square">
-            <a:spAutoFit/>
-          </a:bodyPr>
-          <a:lstStyle/>
-          <a:p>
-            <a:r>
-              <a:rPr lang="en-US" altLang="ko-KR" sz="1200" b="0" dirty="0">
-                <a:solidFill>
-                  <a:srgbClr val="FF0000"/>
-                </a:solidFill>
-                <a:effectLst/>
-                <a:latin typeface="ubuntu mono derivative powerline" panose="020B0509030602030204" pitchFamily="49" charset="0"/>
-              </a:rPr>
-              <a:t>[[0.77132064 0.02075195 0.63364823 0.74880388 0.49850701 0.22479665</a:t>
-            </a:r>
-          </a:p>
-          <a:p>
-            <a:r>
-              <a:rPr lang="en-US" altLang="ko-KR" sz="1200" b="0" dirty="0">
-                <a:solidFill>
-                  <a:srgbClr val="FF0000"/>
-                </a:solidFill>
-                <a:effectLst/>
-                <a:latin typeface="ubuntu mono derivative powerline" panose="020B0509030602030204" pitchFamily="49" charset="0"/>
-              </a:rPr>
-              <a:t>  0.19806286 0.76053071 0.16911084 0.08833981]]</a:t>
-            </a:r>
-          </a:p>
-          <a:p>
-            <a:endParaRPr lang="en-US" altLang="ko-KR" sz="1200" b="0" dirty="0">
-              <a:solidFill>
-                <a:srgbClr val="FF0000"/>
-              </a:solidFill>
-              <a:effectLst/>
-              <a:latin typeface="ubuntu mono derivative powerline" panose="020B0509030602030204" pitchFamily="49" charset="0"/>
-            </a:endParaRPr>
-          </a:p>
-          <a:p>
-            <a:r>
-              <a:rPr lang="en-US" altLang="ko-KR" sz="1200" b="0" dirty="0">
-                <a:solidFill>
-                  <a:srgbClr val="FFC000"/>
-                </a:solidFill>
-                <a:effectLst/>
-                <a:latin typeface="ubuntu mono derivative powerline" panose="020B0509030602030204" pitchFamily="49" charset="0"/>
-              </a:rPr>
-              <a:t>4.113872595619601</a:t>
-            </a:r>
-          </a:p>
-          <a:p>
-            <a:endParaRPr lang="en-US" altLang="ko-KR" sz="1200" b="0" dirty="0">
-              <a:solidFill>
-                <a:srgbClr val="FF0000"/>
-              </a:solidFill>
-              <a:effectLst/>
-              <a:latin typeface="ubuntu mono derivative powerline" panose="020B0509030602030204" pitchFamily="49" charset="0"/>
-            </a:endParaRPr>
-          </a:p>
-          <a:p>
-            <a:r>
-              <a:rPr lang="en-US" altLang="ko-KR" sz="1200" b="0" dirty="0">
-                <a:solidFill>
-                  <a:srgbClr val="00B050"/>
-                </a:solidFill>
-                <a:effectLst/>
-                <a:latin typeface="ubuntu mono derivative powerline" panose="020B0509030602030204" pitchFamily="49" charset="0"/>
-              </a:rPr>
-              <a:t>0.41138725956196015</a:t>
-            </a:r>
+            <a:pPr algn="ctr"/>
+            <a:endParaRPr lang="ko-KR" altLang="en-US"/>
           </a:p>
         </p:txBody>
       </p:sp>
@@ -15310,6 +15036,84 @@
   <p:clrMapOvr>
     <a:masterClrMapping/>
   </p:clrMapOvr>
+  <p:timing>
+    <p:tnLst>
+      <p:par>
+        <p:cTn id="1" dur="indefinite" restart="never" nodeType="tmRoot">
+          <p:childTnLst>
+            <p:seq concurrent="1" nextAc="seek">
+              <p:cTn id="2" dur="indefinite" nodeType="mainSeq">
+                <p:childTnLst>
+                  <p:par>
+                    <p:cTn id="3" fill="hold">
+                      <p:stCondLst>
+                        <p:cond delay="indefinite"/>
+                      </p:stCondLst>
+                      <p:childTnLst>
+                        <p:par>
+                          <p:cTn id="4" fill="hold">
+                            <p:stCondLst>
+                              <p:cond delay="0"/>
+                            </p:stCondLst>
+                            <p:childTnLst>
+                              <p:par>
+                                <p:cTn id="5" presetID="1" presetClass="exit" presetSubtype="0" fill="hold" grpId="0" nodeType="clickEffect">
+                                  <p:stCondLst>
+                                    <p:cond delay="0"/>
+                                  </p:stCondLst>
+                                  <p:childTnLst>
+                                    <p:set>
+                                      <p:cBhvr>
+                                        <p:cTn id="6" dur="1" fill="hold">
+                                          <p:stCondLst>
+                                            <p:cond delay="0"/>
+                                          </p:stCondLst>
+                                        </p:cTn>
+                                        <p:tgtEl>
+                                          <p:spTgt spid="9"/>
+                                        </p:tgtEl>
+                                        <p:attrNameLst>
+                                          <p:attrName>style.visibility</p:attrName>
+                                        </p:attrNameLst>
+                                      </p:cBhvr>
+                                      <p:to>
+                                        <p:strVal val="hidden"/>
+                                      </p:to>
+                                    </p:set>
+                                  </p:childTnLst>
+                                </p:cTn>
+                              </p:par>
+                            </p:childTnLst>
+                          </p:cTn>
+                        </p:par>
+                      </p:childTnLst>
+                    </p:cTn>
+                  </p:par>
+                </p:childTnLst>
+              </p:cTn>
+              <p:prevCondLst>
+                <p:cond evt="onPrev" delay="0">
+                  <p:tgtEl>
+                    <p:sldTgt/>
+                  </p:tgtEl>
+                </p:cond>
+              </p:prevCondLst>
+              <p:nextCondLst>
+                <p:cond evt="onNext" delay="0">
+                  <p:tgtEl>
+                    <p:sldTgt/>
+                  </p:tgtEl>
+                </p:cond>
+              </p:nextCondLst>
+            </p:seq>
+          </p:childTnLst>
+        </p:cTn>
+      </p:par>
+    </p:tnLst>
+    <p:bldLst>
+      <p:bldP spid="9" grpId="0" animBg="1"/>
+    </p:bldLst>
+  </p:timing>
 </p:sld>
 </file>
 

--- a/2022-09-20/documents/CH_03_파이썬 기초_실습2.pptx
+++ b/2022-09-20/documents/CH_03_파이썬 기초_실습2.pptx
@@ -5,10 +5,10 @@
     <p:sldMasterId id="2147483970" r:id="rId1"/>
   </p:sldMasterIdLst>
   <p:notesMasterIdLst>
-    <p:notesMasterId r:id="rId24"/>
+    <p:notesMasterId r:id="rId26"/>
   </p:notesMasterIdLst>
   <p:handoutMasterIdLst>
-    <p:handoutMasterId r:id="rId25"/>
+    <p:handoutMasterId r:id="rId27"/>
   </p:handoutMasterIdLst>
   <p:sldIdLst>
     <p:sldId id="256" r:id="rId2"/>
@@ -27,12 +27,14 @@
     <p:sldId id="377" r:id="rId15"/>
     <p:sldId id="381" r:id="rId16"/>
     <p:sldId id="380" r:id="rId17"/>
-    <p:sldId id="382" r:id="rId18"/>
-    <p:sldId id="383" r:id="rId19"/>
-    <p:sldId id="384" r:id="rId20"/>
-    <p:sldId id="385" r:id="rId21"/>
-    <p:sldId id="387" r:id="rId22"/>
-    <p:sldId id="388" r:id="rId23"/>
+    <p:sldId id="390" r:id="rId18"/>
+    <p:sldId id="389" r:id="rId19"/>
+    <p:sldId id="382" r:id="rId20"/>
+    <p:sldId id="383" r:id="rId21"/>
+    <p:sldId id="384" r:id="rId22"/>
+    <p:sldId id="385" r:id="rId23"/>
+    <p:sldId id="387" r:id="rId24"/>
+    <p:sldId id="388" r:id="rId25"/>
   </p:sldIdLst>
   <p:sldSz cx="9144000" cy="5715000" type="screen16x10"/>
   <p:notesSz cx="7104063" cy="10234613"/>
@@ -411,7 +413,7 @@
           <a:p>
             <a:fld id="{ADE0290A-1521-4E2C-B981-7952210E2E19}" type="datetimeFigureOut">
               <a:rPr lang="ko-KR" altLang="en-US" smtClean="0"/>
-              <a:t>2022-09-18</a:t>
+              <a:t>2022-09-19</a:t>
             </a:fld>
             <a:endParaRPr lang="ko-KR" altLang="en-US"/>
           </a:p>
@@ -1068,7 +1070,7 @@
             <a:fld id="{23A271A1-F6D6-438B-A432-4747EE7ECD40}" type="datetimeFigureOut">
               <a:rPr lang="en-US" smtClean="0"/>
               <a:pPr algn="ctr" eaLnBrk="1" latinLnBrk="0" hangingPunct="1"/>
-              <a:t>9/18/2022</a:t>
+              <a:t>9/19/2022</a:t>
             </a:fld>
             <a:endParaRPr lang="en-US" sz="1667" dirty="0">
               <a:solidFill>
@@ -1273,7 +1275,7 @@
             <a:fld id="{23A271A1-F6D6-438B-A432-4747EE7ECD40}" type="datetimeFigureOut">
               <a:rPr lang="en-US" smtClean="0"/>
               <a:pPr/>
-              <a:t>9/18/2022</a:t>
+              <a:t>9/19/2022</a:t>
             </a:fld>
             <a:endParaRPr lang="en-US" dirty="0"/>
           </a:p>
@@ -1475,7 +1477,7 @@
             <a:fld id="{23A271A1-F6D6-438B-A432-4747EE7ECD40}" type="datetimeFigureOut">
               <a:rPr lang="en-US" smtClean="0"/>
               <a:pPr/>
-              <a:t>9/18/2022</a:t>
+              <a:t>9/19/2022</a:t>
             </a:fld>
             <a:endParaRPr lang="en-US" dirty="0"/>
           </a:p>
@@ -1735,7 +1737,7 @@
             <a:fld id="{23A271A1-F6D6-438B-A432-4747EE7ECD40}" type="datetimeFigureOut">
               <a:rPr lang="en-US" smtClean="0"/>
               <a:pPr/>
-              <a:t>9/18/2022</a:t>
+              <a:t>9/19/2022</a:t>
             </a:fld>
             <a:endParaRPr lang="en-US" dirty="0"/>
           </a:p>
@@ -1924,7 +1926,7 @@
             <a:fld id="{23A271A1-F6D6-438B-A432-4747EE7ECD40}" type="datetimeFigureOut">
               <a:rPr lang="en-US" smtClean="0"/>
               <a:pPr/>
-              <a:t>9/18/2022</a:t>
+              <a:t>9/19/2022</a:t>
             </a:fld>
             <a:endParaRPr lang="en-US" dirty="0"/>
           </a:p>
@@ -2058,7 +2060,7 @@
             <a:fld id="{23A271A1-F6D6-438B-A432-4747EE7ECD40}" type="datetimeFigureOut">
               <a:rPr lang="en-US" smtClean="0"/>
               <a:pPr/>
-              <a:t>9/18/2022</a:t>
+              <a:t>9/19/2022</a:t>
             </a:fld>
             <a:endParaRPr lang="en-US" dirty="0"/>
           </a:p>
@@ -2249,7 +2251,7 @@
             <a:fld id="{23A271A1-F6D6-438B-A432-4747EE7ECD40}" type="datetimeFigureOut">
               <a:rPr lang="en-US" smtClean="0"/>
               <a:pPr/>
-              <a:t>9/18/2022</a:t>
+              <a:t>9/19/2022</a:t>
             </a:fld>
             <a:endParaRPr lang="en-US" dirty="0"/>
           </a:p>
@@ -2437,7 +2439,7 @@
             <a:fld id="{23A271A1-F6D6-438B-A432-4747EE7ECD40}" type="datetimeFigureOut">
               <a:rPr lang="en-US" smtClean="0"/>
               <a:pPr/>
-              <a:t>9/18/2022</a:t>
+              <a:t>9/19/2022</a:t>
             </a:fld>
             <a:endParaRPr lang="en-US" dirty="0"/>
           </a:p>
@@ -2634,7 +2636,7 @@
             <a:fld id="{23A271A1-F6D6-438B-A432-4747EE7ECD40}" type="datetimeFigureOut">
               <a:rPr lang="en-US" smtClean="0"/>
               <a:pPr/>
-              <a:t>9/18/2022</a:t>
+              <a:t>9/19/2022</a:t>
             </a:fld>
             <a:endParaRPr lang="en-US" dirty="0"/>
           </a:p>
@@ -2952,7 +2954,7 @@
             <a:fld id="{23A271A1-F6D6-438B-A432-4747EE7ECD40}" type="datetimeFigureOut">
               <a:rPr lang="en-US" smtClean="0"/>
               <a:pPr eaLnBrk="1" latinLnBrk="0" hangingPunct="1"/>
-              <a:t>9/18/2022</a:t>
+              <a:t>9/19/2022</a:t>
             </a:fld>
             <a:endParaRPr lang="en-US"/>
           </a:p>
@@ -3237,7 +3239,7 @@
             <a:fld id="{23A271A1-F6D6-438B-A432-4747EE7ECD40}" type="datetimeFigureOut">
               <a:rPr lang="en-US" smtClean="0"/>
               <a:pPr/>
-              <a:t>9/18/2022</a:t>
+              <a:t>9/19/2022</a:t>
             </a:fld>
             <a:endParaRPr lang="en-US" dirty="0"/>
           </a:p>
@@ -3361,7 +3363,7 @@
             <a:fld id="{23A271A1-F6D6-438B-A432-4747EE7ECD40}" type="datetimeFigureOut">
               <a:rPr lang="en-US" smtClean="0"/>
               <a:pPr eaLnBrk="1" latinLnBrk="0" hangingPunct="1"/>
-              <a:t>9/18/2022</a:t>
+              <a:t>9/19/2022</a:t>
             </a:fld>
             <a:endParaRPr lang="en-US"/>
           </a:p>
@@ -3748,7 +3750,7 @@
             <a:fld id="{23A271A1-F6D6-438B-A432-4747EE7ECD40}" type="datetimeFigureOut">
               <a:rPr lang="en-US" smtClean="0"/>
               <a:pPr eaLnBrk="1" latinLnBrk="0" hangingPunct="1"/>
-              <a:t>9/18/2022</a:t>
+              <a:t>9/19/2022</a:t>
             </a:fld>
             <a:endParaRPr lang="en-US"/>
           </a:p>
@@ -4098,7 +4100,7 @@
             <a:fld id="{23A271A1-F6D6-438B-A432-4747EE7ECD40}" type="datetimeFigureOut">
               <a:rPr lang="en-US" smtClean="0"/>
               <a:pPr eaLnBrk="1" latinLnBrk="0" hangingPunct="1"/>
-              <a:t>9/18/2022</a:t>
+              <a:t>9/19/2022</a:t>
             </a:fld>
             <a:endParaRPr lang="en-US"/>
           </a:p>
@@ -4408,7 +4410,7 @@
             <a:fld id="{23A271A1-F6D6-438B-A432-4747EE7ECD40}" type="datetimeFigureOut">
               <a:rPr lang="en-US" smtClean="0"/>
               <a:pPr/>
-              <a:t>9/18/2022</a:t>
+              <a:t>9/19/2022</a:t>
             </a:fld>
             <a:endParaRPr lang="en-US" dirty="0"/>
           </a:p>
@@ -4856,7 +4858,7 @@
             <a:fld id="{23A271A1-F6D6-438B-A432-4747EE7ECD40}" type="datetimeFigureOut">
               <a:rPr lang="en-US" smtClean="0"/>
               <a:pPr/>
-              <a:t>9/18/2022</a:t>
+              <a:t>9/19/2022</a:t>
             </a:fld>
             <a:endParaRPr lang="en-US" dirty="0"/>
           </a:p>
@@ -5002,7 +5004,7 @@
             <a:fld id="{23A271A1-F6D6-438B-A432-4747EE7ECD40}" type="datetimeFigureOut">
               <a:rPr lang="en-US" smtClean="0"/>
               <a:pPr/>
-              <a:t>9/18/2022</a:t>
+              <a:t>9/19/2022</a:t>
             </a:fld>
             <a:endParaRPr lang="en-US" dirty="0"/>
           </a:p>
@@ -5168,7 +5170,7 @@
             <a:fld id="{23A271A1-F6D6-438B-A432-4747EE7ECD40}" type="datetimeFigureOut">
               <a:rPr lang="en-US" smtClean="0"/>
               <a:pPr eaLnBrk="1" latinLnBrk="0" hangingPunct="1"/>
-              <a:t>9/18/2022</a:t>
+              <a:t>9/19/2022</a:t>
             </a:fld>
             <a:endParaRPr lang="en-US"/>
           </a:p>
@@ -5507,7 +5509,7 @@
             <a:fld id="{23A271A1-F6D6-438B-A432-4747EE7ECD40}" type="datetimeFigureOut">
               <a:rPr lang="en-US" smtClean="0"/>
               <a:pPr/>
-              <a:t>9/18/2022</a:t>
+              <a:t>9/19/2022</a:t>
             </a:fld>
             <a:endParaRPr lang="en-US" dirty="0"/>
           </a:p>
@@ -5786,7 +5788,7 @@
             <a:fld id="{23A271A1-F6D6-438B-A432-4747EE7ECD40}" type="datetimeFigureOut">
               <a:rPr lang="en-US" smtClean="0"/>
               <a:pPr/>
-              <a:t>9/18/2022</a:t>
+              <a:t>9/19/2022</a:t>
             </a:fld>
             <a:endParaRPr lang="en-US" dirty="0"/>
           </a:p>
@@ -6195,7 +6197,7 @@
             <a:fld id="{23A271A1-F6D6-438B-A432-4747EE7ECD40}" type="datetimeFigureOut">
               <a:rPr lang="en-US" smtClean="0"/>
               <a:pPr/>
-              <a:t>9/18/2022</a:t>
+              <a:t>9/19/2022</a:t>
             </a:fld>
             <a:endParaRPr lang="en-US" dirty="0"/>
           </a:p>
@@ -13613,10 +13615,32 @@
           <a:p>
             <a:pPr lvl="3"/>
             <a:r>
-              <a:rPr lang="ko-KR" altLang="en-US" sz="1433" dirty="0"/>
-              <a:t>자유</a:t>
-            </a:r>
-            <a:endParaRPr lang="en-US" altLang="ko-KR" sz="1433" dirty="0"/>
+              <a:rPr lang="en-US" altLang="ko-KR" sz="1433" dirty="0"/>
+              <a:t>list1 = </a:t>
+            </a:r>
+            <a:r>
+              <a:rPr lang="en-US" altLang="ko-KR" sz="1433" dirty="0" err="1"/>
+              <a:t>np.array</a:t>
+            </a:r>
+            <a:r>
+              <a:rPr lang="en-US" altLang="ko-KR" sz="1433" dirty="0"/>
+              <a:t>([1, 2, 3, 4, 5, 6, 7, 8])</a:t>
+            </a:r>
+          </a:p>
+          <a:p>
+            <a:pPr lvl="3"/>
+            <a:r>
+              <a:rPr lang="en-US" altLang="ko-KR" sz="1433" dirty="0"/>
+              <a:t>list2 = </a:t>
+            </a:r>
+            <a:r>
+              <a:rPr lang="en-US" altLang="ko-KR" sz="1433" dirty="0" err="1"/>
+              <a:t>np.array</a:t>
+            </a:r>
+            <a:r>
+              <a:rPr lang="en-US" altLang="ko-KR" sz="1433" dirty="0"/>
+              <a:t>([10, 20, 30, 40, 50, 60, 70, 80])</a:t>
+            </a:r>
           </a:p>
           <a:p>
             <a:pPr lvl="3"/>
@@ -13634,47 +13658,28 @@
             <a:pPr lvl="3"/>
             <a:r>
               <a:rPr lang="ko-KR" altLang="en-US" sz="1433" dirty="0"/>
-              <a:t>실수형 원소 </a:t>
+              <a:t>위 두개의 배열을 </a:t>
             </a:r>
             <a:r>
               <a:rPr lang="en-US" altLang="ko-KR" sz="1433" dirty="0"/>
-              <a:t>10</a:t>
+              <a:t>(2, 4) </a:t>
             </a:r>
             <a:r>
               <a:rPr lang="ko-KR" altLang="en-US" sz="1433" dirty="0"/>
-              <a:t>개를 갖는 </a:t>
-            </a:r>
-            <a:r>
-              <a:rPr lang="en-US" altLang="ko-KR" sz="1433" dirty="0" err="1"/>
-              <a:t>ndarray</a:t>
+              <a:t>형태로 바꾸고</a:t>
             </a:r>
             <a:r>
               <a:rPr lang="en-US" altLang="ko-KR" sz="1433" dirty="0"/>
-              <a:t> </a:t>
+              <a:t>, </a:t>
             </a:r>
             <a:r>
               <a:rPr lang="ko-KR" altLang="en-US" sz="1433" dirty="0"/>
-              <a:t>행렬을 랜덤으로 선언해서</a:t>
-            </a:r>
-            <a:br>
-              <a:rPr lang="en-US" altLang="ko-KR" sz="1433" dirty="0"/>
-            </a:br>
+              <a:t>두 배열의 </a:t>
+            </a:r>
             <a:r>
               <a:rPr lang="ko-KR" altLang="en-US" sz="1433" dirty="0">
                 <a:solidFill>
                   <a:srgbClr val="FF0000"/>
-                </a:solidFill>
-              </a:rPr>
-              <a:t>전체 원소</a:t>
-            </a:r>
-            <a:r>
-              <a:rPr lang="ko-KR" altLang="en-US" sz="1433" dirty="0"/>
-              <a:t>와 </a:t>
-            </a:r>
-            <a:r>
-              <a:rPr lang="ko-KR" altLang="en-US" sz="1433" dirty="0">
-                <a:solidFill>
-                  <a:srgbClr val="FFC000"/>
                 </a:solidFill>
               </a:rPr>
               <a:t>합</a:t>
@@ -13689,11 +13694,11 @@
                   <a:srgbClr val="00B050"/>
                 </a:solidFill>
               </a:rPr>
-              <a:t>평균</a:t>
+              <a:t>곱</a:t>
             </a:r>
             <a:r>
               <a:rPr lang="ko-KR" altLang="en-US" sz="1433" dirty="0"/>
-              <a:t>을 구하라</a:t>
+              <a:t>을 출력하라</a:t>
             </a:r>
             <a:r>
               <a:rPr lang="en-US" altLang="ko-KR" sz="1433" dirty="0"/>
@@ -13701,8 +13706,8 @@
             </a:r>
           </a:p>
           <a:p>
-            <a:pPr lvl="3"/>
-            <a:endParaRPr lang="en-US" altLang="ko-KR" sz="1433" dirty="0"/>
+            <a:pPr lvl="2"/>
+            <a:endParaRPr lang="en-US" altLang="ko-KR" sz="1600" dirty="0"/>
           </a:p>
           <a:p>
             <a:pPr lvl="2"/>
@@ -13728,8 +13733,8 @@
         </p:nvSpPr>
         <p:spPr>
           <a:xfrm>
-            <a:off x="1835696" y="4225652"/>
-            <a:ext cx="5544616" cy="1200329"/>
+            <a:off x="1907704" y="4297660"/>
+            <a:ext cx="2088232" cy="830997"/>
           </a:xfrm>
           <a:prstGeom prst="rect">
             <a:avLst/>
@@ -13749,7 +13754,7 @@
                 <a:effectLst/>
                 <a:latin typeface="ubuntu mono derivative powerline" panose="020B0509030602030204" pitchFamily="49" charset="0"/>
               </a:rPr>
-              <a:t>[[0.77132064 0.02075195 0.63364823 0.74880388 0.49850701 0.22479665</a:t>
+              <a:t>[[11 22 33 44]</a:t>
             </a:r>
           </a:p>
           <a:p>
@@ -13761,38 +13766,20 @@
                 <a:effectLst/>
                 <a:latin typeface="ubuntu mono derivative powerline" panose="020B0509030602030204" pitchFamily="49" charset="0"/>
               </a:rPr>
-              <a:t>  0.19806286 0.76053071 0.16911084 0.08833981]]</a:t>
-            </a:r>
-          </a:p>
-          <a:p>
-            <a:endParaRPr lang="en-US" altLang="ko-KR" sz="1200" b="0" dirty="0">
-              <a:solidFill>
-                <a:srgbClr val="FF0000"/>
-              </a:solidFill>
-              <a:effectLst/>
-              <a:latin typeface="ubuntu mono derivative powerline" panose="020B0509030602030204" pitchFamily="49" charset="0"/>
-            </a:endParaRPr>
+              <a:t> [55 66 77 88]]</a:t>
+            </a:r>
           </a:p>
           <a:p>
             <a:r>
               <a:rPr lang="en-US" altLang="ko-KR" sz="1200" b="0" dirty="0">
                 <a:solidFill>
-                  <a:srgbClr val="FFC000"/>
-                </a:solidFill>
-                <a:effectLst/>
-                <a:latin typeface="ubuntu mono derivative powerline" panose="020B0509030602030204" pitchFamily="49" charset="0"/>
-              </a:rPr>
-              <a:t>4.113872595619601</a:t>
-            </a:r>
-          </a:p>
-          <a:p>
-            <a:endParaRPr lang="en-US" altLang="ko-KR" sz="1200" b="0" dirty="0">
-              <a:solidFill>
-                <a:srgbClr val="FF0000"/>
-              </a:solidFill>
-              <a:effectLst/>
-              <a:latin typeface="ubuntu mono derivative powerline" panose="020B0509030602030204" pitchFamily="49" charset="0"/>
-            </a:endParaRPr>
+                  <a:srgbClr val="00B050"/>
+                </a:solidFill>
+                <a:effectLst/>
+                <a:latin typeface="ubuntu mono derivative powerline" panose="020B0509030602030204" pitchFamily="49" charset="0"/>
+              </a:rPr>
+              <a:t>[[ 10  40  90 160]</a:t>
+            </a:r>
           </a:p>
           <a:p>
             <a:r>
@@ -13803,7 +13790,7 @@
                 <a:effectLst/>
                 <a:latin typeface="ubuntu mono derivative powerline" panose="020B0509030602030204" pitchFamily="49" charset="0"/>
               </a:rPr>
-              <a:t>0.41138725956196015</a:t>
+              <a:t> [250 360 490 640]]</a:t>
             </a:r>
           </a:p>
         </p:txBody>
@@ -13811,7 +13798,7 @@
     </p:spTree>
     <p:extLst>
       <p:ext uri="{BB962C8B-B14F-4D97-AF65-F5344CB8AC3E}">
-        <p14:creationId xmlns:p14="http://schemas.microsoft.com/office/powerpoint/2010/main" val="266173992"/>
+        <p14:creationId xmlns:p14="http://schemas.microsoft.com/office/powerpoint/2010/main" val="1585360105"/>
       </p:ext>
     </p:extLst>
   </p:cSld>
@@ -13914,13 +13901,102 @@
           <a:p>
             <a:pPr lvl="1"/>
             <a:r>
-              <a:rPr lang="en-US" altLang="ko-KR" dirty="0" err="1"/>
-              <a:t>numpy</a:t>
-            </a:r>
-            <a:r>
-              <a:rPr lang="en-US" altLang="ko-KR" dirty="0"/>
-              <a:t> + for</a:t>
-            </a:r>
+              <a:rPr lang="en-US" altLang="ko-KR" sz="1767" dirty="0"/>
+              <a:t>1. </a:t>
+            </a:r>
+            <a:r>
+              <a:rPr lang="ko-KR" altLang="en-US" sz="1767" dirty="0"/>
+              <a:t>위 두개의 배열을 </a:t>
+            </a:r>
+            <a:r>
+              <a:rPr lang="en-US" altLang="ko-KR" sz="1767" dirty="0"/>
+              <a:t>(2, 4) </a:t>
+            </a:r>
+            <a:r>
+              <a:rPr lang="ko-KR" altLang="en-US" sz="1767" dirty="0"/>
+              <a:t>형태로 바꾸기</a:t>
+            </a:r>
+            <a:r>
+              <a:rPr lang="en-US" altLang="ko-KR" sz="1767" dirty="0"/>
+              <a:t>.</a:t>
+            </a:r>
+          </a:p>
+          <a:p>
+            <a:pPr lvl="1"/>
+            <a:r>
+              <a:rPr lang="en-US" altLang="ko-KR" sz="1767" dirty="0"/>
+              <a:t>2. </a:t>
+            </a:r>
+            <a:r>
+              <a:rPr lang="ko-KR" altLang="en-US" sz="1767" dirty="0"/>
+              <a:t>두 배열의 </a:t>
+            </a:r>
+            <a:r>
+              <a:rPr lang="ko-KR" altLang="en-US" sz="1767" dirty="0">
+                <a:solidFill>
+                  <a:srgbClr val="FF0000"/>
+                </a:solidFill>
+              </a:rPr>
+              <a:t>합</a:t>
+            </a:r>
+            <a:r>
+              <a:rPr lang="ko-KR" altLang="en-US" sz="1767" dirty="0"/>
+              <a:t>과 </a:t>
+            </a:r>
+            <a:r>
+              <a:rPr lang="ko-KR" altLang="en-US" sz="1767" dirty="0">
+                <a:solidFill>
+                  <a:srgbClr val="00B050"/>
+                </a:solidFill>
+              </a:rPr>
+              <a:t>곱</a:t>
+            </a:r>
+            <a:r>
+              <a:rPr lang="ko-KR" altLang="en-US" sz="1767" dirty="0"/>
+              <a:t>을 출력하기</a:t>
+            </a:r>
+            <a:r>
+              <a:rPr lang="en-US" altLang="ko-KR" sz="1767" dirty="0"/>
+              <a:t>.</a:t>
+            </a:r>
+          </a:p>
+          <a:p>
+            <a:pPr lvl="2"/>
+            <a:endParaRPr lang="en-US" altLang="ko-KR" sz="1600" dirty="0"/>
+          </a:p>
+          <a:p>
+            <a:pPr lvl="3"/>
+            <a:endParaRPr lang="en-US" altLang="ko-KR" dirty="0"/>
+          </a:p>
+          <a:p>
+            <a:pPr lvl="3"/>
+            <a:endParaRPr lang="en-US" altLang="ko-KR" dirty="0"/>
+          </a:p>
+          <a:p>
+            <a:pPr lvl="3"/>
+            <a:endParaRPr lang="en-US" altLang="ko-KR" dirty="0"/>
+          </a:p>
+          <a:p>
+            <a:pPr lvl="3"/>
+            <a:endParaRPr lang="en-US" altLang="ko-KR" dirty="0"/>
+          </a:p>
+          <a:p>
+            <a:pPr lvl="3"/>
+            <a:endParaRPr lang="en-US" altLang="ko-KR" dirty="0"/>
+          </a:p>
+          <a:p>
+            <a:pPr lvl="3"/>
+            <a:endParaRPr lang="en-US" altLang="ko-KR" dirty="0"/>
+          </a:p>
+          <a:p>
+            <a:pPr lvl="3"/>
+            <a:endParaRPr lang="en-US" altLang="ko-KR" dirty="0"/>
+          </a:p>
+          <a:p>
+            <a:pPr marL="1142955" lvl="3" indent="0">
+              <a:buNone/>
+            </a:pPr>
+            <a:endParaRPr lang="en-US" altLang="ko-KR" dirty="0"/>
           </a:p>
         </p:txBody>
       </p:sp>
@@ -13938,8 +14014,8 @@
         </p:nvSpPr>
         <p:spPr>
           <a:xfrm>
-            <a:off x="1331640" y="2137420"/>
-            <a:ext cx="2952328" cy="2800767"/>
+            <a:off x="1187624" y="2641476"/>
+            <a:ext cx="6840760" cy="2062103"/>
           </a:xfrm>
           <a:prstGeom prst="rect">
             <a:avLst/>
@@ -13953,310 +14029,161 @@
           <a:p>
             <a:r>
               <a:rPr lang="en-US" altLang="ko-KR" sz="1600" b="0" dirty="0">
-                <a:solidFill>
-                  <a:srgbClr val="00B050"/>
-                </a:solidFill>
-                <a:effectLst/>
-                <a:latin typeface="ubuntu mono derivative powerline" panose="020B0509030602030204" pitchFamily="49" charset="0"/>
-              </a:rPr>
-              <a:t># solution1</a:t>
-            </a:r>
-          </a:p>
-          <a:p>
-            <a:r>
-              <a:rPr lang="en-US" altLang="ko-KR" sz="1600" dirty="0">
-                <a:solidFill>
-                  <a:srgbClr val="CC9B00"/>
-                </a:solidFill>
-                <a:latin typeface="ubuntu mono derivative powerline" panose="020B0509030602030204" pitchFamily="49" charset="0"/>
-              </a:rPr>
-              <a:t>import</a:t>
-            </a:r>
-            <a:r>
-              <a:rPr lang="en-US" altLang="ko-KR" sz="1600" dirty="0">
-                <a:solidFill>
-                  <a:srgbClr val="00B050"/>
-                </a:solidFill>
-                <a:latin typeface="ubuntu mono derivative powerline" panose="020B0509030602030204" pitchFamily="49" charset="0"/>
-              </a:rPr>
-              <a:t> </a:t>
-            </a:r>
-            <a:r>
-              <a:rPr lang="en-US" altLang="ko-KR" sz="1600" dirty="0" err="1">
+                <a:effectLst/>
+                <a:latin typeface="ubuntu mono derivative powerline" panose="020B0509030602030204" pitchFamily="49" charset="0"/>
+              </a:rPr>
+              <a:t>list1 = </a:t>
+            </a:r>
+            <a:r>
+              <a:rPr lang="en-US" altLang="ko-KR" sz="1600" b="0" dirty="0" err="1">
                 <a:solidFill>
                   <a:srgbClr val="7030A0"/>
                 </a:solidFill>
-                <a:latin typeface="ubuntu mono derivative powerline" panose="020B0509030602030204" pitchFamily="49" charset="0"/>
-              </a:rPr>
-              <a:t>numpy</a:t>
-            </a:r>
-            <a:r>
-              <a:rPr lang="en-US" altLang="ko-KR" sz="1600" dirty="0">
-                <a:solidFill>
-                  <a:srgbClr val="00B050"/>
-                </a:solidFill>
-                <a:latin typeface="ubuntu mono derivative powerline" panose="020B0509030602030204" pitchFamily="49" charset="0"/>
-              </a:rPr>
-              <a:t> </a:t>
-            </a:r>
-            <a:r>
-              <a:rPr lang="en-US" altLang="ko-KR" sz="1600" dirty="0">
-                <a:solidFill>
-                  <a:srgbClr val="CC9B00"/>
-                </a:solidFill>
-                <a:latin typeface="ubuntu mono derivative powerline" panose="020B0509030602030204" pitchFamily="49" charset="0"/>
-              </a:rPr>
-              <a:t>as</a:t>
-            </a:r>
-            <a:r>
-              <a:rPr lang="en-US" altLang="ko-KR" sz="1600" dirty="0">
-                <a:solidFill>
-                  <a:srgbClr val="00B050"/>
-                </a:solidFill>
-                <a:latin typeface="ubuntu mono derivative powerline" panose="020B0509030602030204" pitchFamily="49" charset="0"/>
-              </a:rPr>
-              <a:t> </a:t>
-            </a:r>
-            <a:r>
-              <a:rPr lang="en-US" altLang="ko-KR" sz="1600" dirty="0">
+                <a:effectLst/>
+                <a:latin typeface="ubuntu mono derivative powerline" panose="020B0509030602030204" pitchFamily="49" charset="0"/>
+              </a:rPr>
+              <a:t>np</a:t>
+            </a:r>
+            <a:r>
+              <a:rPr lang="en-US" altLang="ko-KR" sz="1600" b="0" dirty="0" err="1">
+                <a:effectLst/>
+                <a:latin typeface="ubuntu mono derivative powerline" panose="020B0509030602030204" pitchFamily="49" charset="0"/>
+              </a:rPr>
+              <a:t>.array</a:t>
+            </a:r>
+            <a:r>
+              <a:rPr lang="en-US" altLang="ko-KR" sz="1600" b="0" dirty="0">
+                <a:effectLst/>
+                <a:latin typeface="ubuntu mono derivative powerline" panose="020B0509030602030204" pitchFamily="49" charset="0"/>
+              </a:rPr>
+              <a:t>([1, 2, 3, 4, 5, 6, 7, 8])</a:t>
+            </a:r>
+          </a:p>
+          <a:p>
+            <a:r>
+              <a:rPr lang="en-US" altLang="ko-KR" sz="1600" b="0" dirty="0">
+                <a:effectLst/>
+                <a:latin typeface="ubuntu mono derivative powerline" panose="020B0509030602030204" pitchFamily="49" charset="0"/>
+              </a:rPr>
+              <a:t>list2 = </a:t>
+            </a:r>
+            <a:r>
+              <a:rPr lang="en-US" altLang="ko-KR" sz="1600" b="0" dirty="0" err="1">
                 <a:solidFill>
                   <a:srgbClr val="7030A0"/>
                 </a:solidFill>
+                <a:effectLst/>
                 <a:latin typeface="ubuntu mono derivative powerline" panose="020B0509030602030204" pitchFamily="49" charset="0"/>
               </a:rPr>
               <a:t>np</a:t>
             </a:r>
-          </a:p>
-          <a:p>
-            <a:endParaRPr lang="en-US" altLang="ko-KR" sz="1600" b="0" dirty="0">
-              <a:solidFill>
-                <a:srgbClr val="00B050"/>
-              </a:solidFill>
-              <a:effectLst/>
-              <a:latin typeface="ubuntu mono derivative powerline" panose="020B0509030602030204" pitchFamily="49" charset="0"/>
-            </a:endParaRPr>
-          </a:p>
-          <a:p>
             <a:r>
               <a:rPr lang="en-US" altLang="ko-KR" sz="1600" b="0" dirty="0" err="1">
-                <a:solidFill>
-                  <a:srgbClr val="7030A0"/>
-                </a:solidFill>
-                <a:effectLst/>
-                <a:latin typeface="ubuntu mono derivative powerline" panose="020B0509030602030204" pitchFamily="49" charset="0"/>
-              </a:rPr>
-              <a:t>np</a:t>
-            </a:r>
-            <a:r>
-              <a:rPr lang="en-US" altLang="ko-KR" sz="1600" b="0" dirty="0" err="1">
-                <a:effectLst/>
-                <a:latin typeface="ubuntu mono derivative powerline" panose="020B0509030602030204" pitchFamily="49" charset="0"/>
-              </a:rPr>
-              <a:t>.</a:t>
-            </a:r>
-            <a:r>
-              <a:rPr lang="en-US" altLang="ko-KR" sz="1600" b="0" dirty="0" err="1">
+                <a:effectLst/>
+                <a:latin typeface="ubuntu mono derivative powerline" panose="020B0509030602030204" pitchFamily="49" charset="0"/>
+              </a:rPr>
+              <a:t>.array</a:t>
+            </a:r>
+            <a:r>
+              <a:rPr lang="en-US" altLang="ko-KR" sz="1600" b="0" dirty="0">
+                <a:effectLst/>
+                <a:latin typeface="ubuntu mono derivative powerline" panose="020B0509030602030204" pitchFamily="49" charset="0"/>
+              </a:rPr>
+              <a:t>([10, 20, 30, 40, 50, 60, 70, 80])</a:t>
+            </a:r>
+          </a:p>
+          <a:p>
+            <a:br>
+              <a:rPr lang="en-US" altLang="ko-KR" sz="1600" b="0" dirty="0">
+                <a:effectLst/>
+                <a:latin typeface="ubuntu mono derivative powerline" panose="020B0509030602030204" pitchFamily="49" charset="0"/>
+              </a:rPr>
+            </a:br>
+            <a:r>
+              <a:rPr lang="en-US" altLang="ko-KR" sz="1600" b="0" dirty="0">
+                <a:effectLst/>
+                <a:latin typeface="ubuntu mono derivative powerline" panose="020B0509030602030204" pitchFamily="49" charset="0"/>
+              </a:rPr>
+              <a:t>list1 = list1.</a:t>
+            </a:r>
+            <a:r>
+              <a:rPr lang="en-US" altLang="ko-KR" sz="1600" b="0" dirty="0">
                 <a:solidFill>
                   <a:srgbClr val="0000FF"/>
                 </a:solidFill>
                 <a:effectLst/>
                 <a:latin typeface="ubuntu mono derivative powerline" panose="020B0509030602030204" pitchFamily="49" charset="0"/>
               </a:rPr>
-              <a:t>random</a:t>
-            </a:r>
-            <a:r>
-              <a:rPr lang="en-US" altLang="ko-KR" sz="1600" b="0" dirty="0" err="1">
-                <a:effectLst/>
-                <a:latin typeface="ubuntu mono derivative powerline" panose="020B0509030602030204" pitchFamily="49" charset="0"/>
-              </a:rPr>
-              <a:t>.</a:t>
-            </a:r>
-            <a:r>
-              <a:rPr lang="en-US" altLang="ko-KR" sz="1600" b="0" dirty="0" err="1">
+              <a:t>reshape</a:t>
+            </a:r>
+            <a:r>
+              <a:rPr lang="en-US" altLang="ko-KR" sz="1600" b="0" dirty="0">
+                <a:effectLst/>
+                <a:latin typeface="ubuntu mono derivative powerline" panose="020B0509030602030204" pitchFamily="49" charset="0"/>
+              </a:rPr>
+              <a:t>(2, -1)</a:t>
+            </a:r>
+          </a:p>
+          <a:p>
+            <a:r>
+              <a:rPr lang="en-US" altLang="ko-KR" sz="1600" b="0" dirty="0">
+                <a:effectLst/>
+                <a:latin typeface="ubuntu mono derivative powerline" panose="020B0509030602030204" pitchFamily="49" charset="0"/>
+              </a:rPr>
+              <a:t>list2 = list2.</a:t>
+            </a:r>
+            <a:r>
+              <a:rPr lang="en-US" altLang="ko-KR" sz="1600" b="0" dirty="0">
                 <a:solidFill>
                   <a:srgbClr val="0000FF"/>
                 </a:solidFill>
                 <a:effectLst/>
                 <a:latin typeface="ubuntu mono derivative powerline" panose="020B0509030602030204" pitchFamily="49" charset="0"/>
               </a:rPr>
-              <a:t>seed</a:t>
-            </a:r>
-            <a:r>
-              <a:rPr lang="en-US" altLang="ko-KR" sz="1600" b="0" dirty="0">
-                <a:effectLst/>
-                <a:latin typeface="ubuntu mono derivative powerline" panose="020B0509030602030204" pitchFamily="49" charset="0"/>
-              </a:rPr>
-              <a:t>(10)</a:t>
-            </a:r>
-          </a:p>
-          <a:p>
-            <a:r>
-              <a:rPr lang="en-US" altLang="ko-KR" sz="1600" b="0" dirty="0" err="1">
-                <a:effectLst/>
-                <a:latin typeface="ubuntu mono derivative powerline" panose="020B0509030602030204" pitchFamily="49" charset="0"/>
-              </a:rPr>
-              <a:t>np_a</a:t>
-            </a:r>
-            <a:r>
-              <a:rPr lang="en-US" altLang="ko-KR" sz="1600" b="0" dirty="0">
-                <a:effectLst/>
-                <a:latin typeface="ubuntu mono derivative powerline" panose="020B0509030602030204" pitchFamily="49" charset="0"/>
-              </a:rPr>
-              <a:t> = </a:t>
-            </a:r>
-            <a:r>
-              <a:rPr lang="en-US" altLang="ko-KR" sz="1600" b="0" dirty="0" err="1">
-                <a:solidFill>
-                  <a:srgbClr val="7030A0"/>
-                </a:solidFill>
-                <a:effectLst/>
-                <a:latin typeface="ubuntu mono derivative powerline" panose="020B0509030602030204" pitchFamily="49" charset="0"/>
-              </a:rPr>
-              <a:t>np</a:t>
-            </a:r>
-            <a:r>
-              <a:rPr lang="en-US" altLang="ko-KR" sz="1600" b="0" dirty="0" err="1">
-                <a:effectLst/>
-                <a:latin typeface="ubuntu mono derivative powerline" panose="020B0509030602030204" pitchFamily="49" charset="0"/>
-              </a:rPr>
-              <a:t>.</a:t>
-            </a:r>
-            <a:r>
-              <a:rPr lang="en-US" altLang="ko-KR" sz="1600" b="0" dirty="0" err="1">
+              <a:t>reshape</a:t>
+            </a:r>
+            <a:r>
+              <a:rPr lang="en-US" altLang="ko-KR" sz="1600" b="0" dirty="0">
+                <a:effectLst/>
+                <a:latin typeface="ubuntu mono derivative powerline" panose="020B0509030602030204" pitchFamily="49" charset="0"/>
+              </a:rPr>
+              <a:t>(2, -1)</a:t>
+            </a:r>
+          </a:p>
+          <a:p>
+            <a:br>
+              <a:rPr lang="en-US" altLang="ko-KR" sz="1600" b="0" dirty="0">
+                <a:effectLst/>
+                <a:latin typeface="ubuntu mono derivative powerline" panose="020B0509030602030204" pitchFamily="49" charset="0"/>
+              </a:rPr>
+            </a:br>
+            <a:r>
+              <a:rPr lang="en-US" altLang="ko-KR" sz="1600" b="0" dirty="0">
                 <a:solidFill>
                   <a:srgbClr val="0000FF"/>
                 </a:solidFill>
                 <a:effectLst/>
                 <a:latin typeface="ubuntu mono derivative powerline" panose="020B0509030602030204" pitchFamily="49" charset="0"/>
               </a:rPr>
-              <a:t>random</a:t>
-            </a:r>
-            <a:r>
-              <a:rPr lang="en-US" altLang="ko-KR" sz="1600" b="0" dirty="0" err="1">
-                <a:effectLst/>
-                <a:latin typeface="ubuntu mono derivative powerline" panose="020B0509030602030204" pitchFamily="49" charset="0"/>
-              </a:rPr>
-              <a:t>.</a:t>
-            </a:r>
-            <a:r>
-              <a:rPr lang="en-US" altLang="ko-KR" sz="1600" b="0" dirty="0" err="1">
+              <a:t>print</a:t>
+            </a:r>
+            <a:r>
+              <a:rPr lang="en-US" altLang="ko-KR" sz="1600" b="0" dirty="0">
+                <a:effectLst/>
+                <a:latin typeface="ubuntu mono derivative powerline" panose="020B0509030602030204" pitchFamily="49" charset="0"/>
+              </a:rPr>
+              <a:t>(list1 + list2)</a:t>
+            </a:r>
+          </a:p>
+          <a:p>
+            <a:r>
+              <a:rPr lang="en-US" altLang="ko-KR" sz="1600" b="0" dirty="0">
                 <a:solidFill>
                   <a:srgbClr val="0000FF"/>
                 </a:solidFill>
                 <a:effectLst/>
                 <a:latin typeface="ubuntu mono derivative powerline" panose="020B0509030602030204" pitchFamily="49" charset="0"/>
               </a:rPr>
-              <a:t>rand</a:t>
-            </a:r>
-            <a:r>
-              <a:rPr lang="en-US" altLang="ko-KR" sz="1600" b="0" dirty="0">
-                <a:effectLst/>
-                <a:latin typeface="ubuntu mono derivative powerline" panose="020B0509030602030204" pitchFamily="49" charset="0"/>
-              </a:rPr>
-              <a:t>(10)</a:t>
-            </a:r>
-          </a:p>
-          <a:p>
-            <a:r>
-              <a:rPr lang="en-US" altLang="ko-KR" sz="1600" b="0" dirty="0" err="1">
-                <a:effectLst/>
-                <a:latin typeface="ubuntu mono derivative powerline" panose="020B0509030602030204" pitchFamily="49" charset="0"/>
-              </a:rPr>
-              <a:t>sum_a</a:t>
-            </a:r>
-            <a:r>
-              <a:rPr lang="en-US" altLang="ko-KR" sz="1600" b="0" dirty="0">
-                <a:effectLst/>
-                <a:latin typeface="ubuntu mono derivative powerline" panose="020B0509030602030204" pitchFamily="49" charset="0"/>
-              </a:rPr>
-              <a:t> = 0</a:t>
-            </a:r>
-          </a:p>
-          <a:p>
-            <a:r>
-              <a:rPr lang="en-US" altLang="ko-KR" sz="1600" b="0" dirty="0">
-                <a:effectLst/>
-                <a:latin typeface="ubuntu mono derivative powerline" panose="020B0509030602030204" pitchFamily="49" charset="0"/>
-              </a:rPr>
-              <a:t>for </a:t>
-            </a:r>
-            <a:r>
-              <a:rPr lang="en-US" altLang="ko-KR" sz="1600" b="0" dirty="0">
-                <a:solidFill>
-                  <a:srgbClr val="0000FF"/>
-                </a:solidFill>
-                <a:effectLst/>
-                <a:latin typeface="ubuntu mono derivative powerline" panose="020B0509030602030204" pitchFamily="49" charset="0"/>
-              </a:rPr>
-              <a:t>a</a:t>
-            </a:r>
-            <a:r>
-              <a:rPr lang="en-US" altLang="ko-KR" sz="1600" b="0" dirty="0">
-                <a:effectLst/>
-                <a:latin typeface="ubuntu mono derivative powerline" panose="020B0509030602030204" pitchFamily="49" charset="0"/>
-              </a:rPr>
-              <a:t> in </a:t>
-            </a:r>
-            <a:r>
-              <a:rPr lang="en-US" altLang="ko-KR" sz="1600" b="0" dirty="0" err="1">
-                <a:solidFill>
-                  <a:srgbClr val="0000FF"/>
-                </a:solidFill>
-                <a:effectLst/>
-                <a:latin typeface="ubuntu mono derivative powerline" panose="020B0509030602030204" pitchFamily="49" charset="0"/>
-              </a:rPr>
-              <a:t>np_a</a:t>
-            </a:r>
-            <a:r>
-              <a:rPr lang="en-US" altLang="ko-KR" sz="1600" b="0" dirty="0">
-                <a:effectLst/>
-                <a:latin typeface="ubuntu mono derivative powerline" panose="020B0509030602030204" pitchFamily="49" charset="0"/>
-              </a:rPr>
-              <a:t>:</a:t>
-            </a:r>
-          </a:p>
-          <a:p>
-            <a:r>
-              <a:rPr lang="en-US" altLang="ko-KR" sz="1600" b="0" dirty="0">
-                <a:effectLst/>
-                <a:latin typeface="ubuntu mono derivative powerline" panose="020B0509030602030204" pitchFamily="49" charset="0"/>
-              </a:rPr>
-              <a:t>    </a:t>
-            </a:r>
-            <a:r>
-              <a:rPr lang="en-US" altLang="ko-KR" sz="1600" b="0" dirty="0" err="1">
-                <a:effectLst/>
-                <a:latin typeface="ubuntu mono derivative powerline" panose="020B0509030602030204" pitchFamily="49" charset="0"/>
-              </a:rPr>
-              <a:t>sum_a</a:t>
-            </a:r>
-            <a:r>
-              <a:rPr lang="en-US" altLang="ko-KR" sz="1600" b="0" dirty="0">
-                <a:effectLst/>
-                <a:latin typeface="ubuntu mono derivative powerline" panose="020B0509030602030204" pitchFamily="49" charset="0"/>
-              </a:rPr>
-              <a:t> += </a:t>
-            </a:r>
-            <a:r>
-              <a:rPr lang="en-US" altLang="ko-KR" sz="1600" b="0" dirty="0">
-                <a:solidFill>
-                  <a:srgbClr val="0000FF"/>
-                </a:solidFill>
-                <a:effectLst/>
-                <a:latin typeface="ubuntu mono derivative powerline" panose="020B0509030602030204" pitchFamily="49" charset="0"/>
-              </a:rPr>
-              <a:t>a</a:t>
-            </a:r>
-          </a:p>
-          <a:p>
-            <a:r>
-              <a:rPr lang="en-US" altLang="ko-KR" sz="1600" b="0" dirty="0">
-                <a:solidFill>
-                  <a:srgbClr val="0000FF"/>
-                </a:solidFill>
-                <a:effectLst/>
-                <a:latin typeface="ubuntu mono derivative powerline" panose="020B0509030602030204" pitchFamily="49" charset="0"/>
-              </a:rPr>
               <a:t>print</a:t>
             </a:r>
             <a:r>
@@ -14264,116 +14191,17 @@
                 <a:effectLst/>
                 <a:latin typeface="ubuntu mono derivative powerline" panose="020B0509030602030204" pitchFamily="49" charset="0"/>
               </a:rPr>
-              <a:t>(</a:t>
-            </a:r>
-            <a:r>
-              <a:rPr lang="en-US" altLang="ko-KR" sz="1600" b="0" dirty="0" err="1">
-                <a:solidFill>
-                  <a:srgbClr val="FF0000"/>
-                </a:solidFill>
-                <a:effectLst/>
-                <a:latin typeface="ubuntu mono derivative powerline" panose="020B0509030602030204" pitchFamily="49" charset="0"/>
-              </a:rPr>
-              <a:t>np_a</a:t>
-            </a:r>
-            <a:r>
-              <a:rPr lang="en-US" altLang="ko-KR" sz="1600" b="0" dirty="0">
-                <a:effectLst/>
-                <a:latin typeface="ubuntu mono derivative powerline" panose="020B0509030602030204" pitchFamily="49" charset="0"/>
-              </a:rPr>
-              <a:t>)</a:t>
-            </a:r>
-          </a:p>
-          <a:p>
-            <a:r>
-              <a:rPr lang="en-US" altLang="ko-KR" sz="1600" b="0" dirty="0">
-                <a:solidFill>
-                  <a:srgbClr val="0000FF"/>
-                </a:solidFill>
-                <a:effectLst/>
-                <a:latin typeface="ubuntu mono derivative powerline" panose="020B0509030602030204" pitchFamily="49" charset="0"/>
-              </a:rPr>
-              <a:t>print</a:t>
-            </a:r>
-            <a:r>
-              <a:rPr lang="en-US" altLang="ko-KR" sz="1600" b="0" dirty="0">
-                <a:effectLst/>
-                <a:latin typeface="ubuntu mono derivative powerline" panose="020B0509030602030204" pitchFamily="49" charset="0"/>
-              </a:rPr>
-              <a:t>(</a:t>
-            </a:r>
-            <a:r>
-              <a:rPr lang="en-US" altLang="ko-KR" sz="1600" b="0" dirty="0" err="1">
-                <a:solidFill>
-                  <a:srgbClr val="FFC000"/>
-                </a:solidFill>
-                <a:effectLst/>
-                <a:latin typeface="ubuntu mono derivative powerline" panose="020B0509030602030204" pitchFamily="49" charset="0"/>
-              </a:rPr>
-              <a:t>sum_a</a:t>
-            </a:r>
-            <a:r>
-              <a:rPr lang="en-US" altLang="ko-KR" sz="1600" b="0" dirty="0">
-                <a:effectLst/>
-                <a:latin typeface="ubuntu mono derivative powerline" panose="020B0509030602030204" pitchFamily="49" charset="0"/>
-              </a:rPr>
-              <a:t>)</a:t>
-            </a:r>
-          </a:p>
-          <a:p>
-            <a:r>
-              <a:rPr lang="en-US" altLang="ko-KR" sz="1600" b="0" dirty="0">
-                <a:solidFill>
-                  <a:srgbClr val="0000FF"/>
-                </a:solidFill>
-                <a:effectLst/>
-                <a:latin typeface="ubuntu mono derivative powerline" panose="020B0509030602030204" pitchFamily="49" charset="0"/>
-              </a:rPr>
-              <a:t>print</a:t>
-            </a:r>
-            <a:r>
-              <a:rPr lang="en-US" altLang="ko-KR" sz="1600" b="0" dirty="0">
-                <a:effectLst/>
-                <a:latin typeface="ubuntu mono derivative powerline" panose="020B0509030602030204" pitchFamily="49" charset="0"/>
-              </a:rPr>
-              <a:t>(</a:t>
-            </a:r>
-            <a:r>
-              <a:rPr lang="en-US" altLang="ko-KR" sz="1600" b="0" dirty="0" err="1">
-                <a:solidFill>
-                  <a:srgbClr val="00B050"/>
-                </a:solidFill>
-                <a:effectLst/>
-                <a:latin typeface="ubuntu mono derivative powerline" panose="020B0509030602030204" pitchFamily="49" charset="0"/>
-              </a:rPr>
-              <a:t>sum_a</a:t>
-            </a:r>
-            <a:r>
-              <a:rPr lang="en-US" altLang="ko-KR" sz="1600" b="0" dirty="0">
-                <a:solidFill>
-                  <a:srgbClr val="00B050"/>
-                </a:solidFill>
-                <a:effectLst/>
-                <a:latin typeface="ubuntu mono derivative powerline" panose="020B0509030602030204" pitchFamily="49" charset="0"/>
-              </a:rPr>
-              <a:t>/10</a:t>
-            </a:r>
-            <a:r>
-              <a:rPr lang="en-US" altLang="ko-KR" sz="1600" b="0" dirty="0">
-                <a:effectLst/>
-                <a:latin typeface="ubuntu mono derivative powerline" panose="020B0509030602030204" pitchFamily="49" charset="0"/>
-              </a:rPr>
-              <a:t>)</a:t>
+              <a:t>(list1 * list2)</a:t>
             </a:r>
           </a:p>
         </p:txBody>
       </p:sp>
       <p:sp>
         <p:nvSpPr>
-          <p:cNvPr id="5" name="내용 개체 틀 8">
+          <p:cNvPr id="7" name="내용 개체 틀 8">
             <a:extLst>
               <a:ext uri="{FF2B5EF4-FFF2-40B4-BE49-F238E27FC236}">
-                <a16:creationId xmlns:a16="http://schemas.microsoft.com/office/drawing/2014/main" id="{B2DF3CCF-A32B-68CB-42AB-D9882A1E127D}"/>
+                <a16:creationId xmlns:a16="http://schemas.microsoft.com/office/drawing/2014/main" id="{70B25095-9C9E-2EC1-E15C-2A992EB1B2CB}"/>
               </a:ext>
             </a:extLst>
           </p:cNvPr>
@@ -14384,8 +14212,8 @@
         </p:nvSpPr>
         <p:spPr>
           <a:xfrm>
-            <a:off x="5170984" y="1623008"/>
-            <a:ext cx="3744416" cy="288032"/>
+            <a:off x="5470220" y="3387081"/>
+            <a:ext cx="2376264" cy="288032"/>
           </a:xfrm>
           <a:prstGeom prst="rect">
             <a:avLst/>
@@ -14580,29 +14408,24 @@
             </a:lvl9pPr>
           </a:lstStyle>
           <a:p>
-            <a:pPr lvl="1"/>
-            <a:r>
-              <a:rPr lang="en-US" altLang="ko-KR" sz="2170" kern="0" dirty="0" err="1"/>
-              <a:t>numpy</a:t>
-            </a:r>
-            <a:r>
-              <a:rPr lang="en-US" altLang="ko-KR" sz="2170" kern="0" dirty="0"/>
-              <a:t> + </a:t>
-            </a:r>
-            <a:r>
-              <a:rPr lang="ko-KR" altLang="en-US" sz="2170" kern="0" dirty="0"/>
-              <a:t>내장함수</a:t>
-            </a:r>
-            <a:endParaRPr lang="en-US" altLang="ko-KR" sz="2170" i="1" kern="0" dirty="0"/>
+            <a:pPr lvl="2"/>
+            <a:r>
+              <a:rPr lang="ko-KR" altLang="en-US" sz="1400" i="1" kern="0" dirty="0"/>
+              <a:t>출력 예시</a:t>
+            </a:r>
+            <a:r>
+              <a:rPr lang="en-US" altLang="ko-KR" sz="1400" i="1" kern="0" dirty="0"/>
+              <a:t>	</a:t>
+            </a:r>
           </a:p>
         </p:txBody>
       </p:sp>
       <p:sp>
         <p:nvSpPr>
-          <p:cNvPr id="6" name="직사각형 5">
+          <p:cNvPr id="5" name="직사각형 4">
             <a:extLst>
               <a:ext uri="{FF2B5EF4-FFF2-40B4-BE49-F238E27FC236}">
-                <a16:creationId xmlns:a16="http://schemas.microsoft.com/office/drawing/2014/main" id="{81234736-50E3-17CD-FAB6-91072F1041C0}"/>
+                <a16:creationId xmlns:a16="http://schemas.microsoft.com/office/drawing/2014/main" id="{2D55278E-9574-0EEB-0215-92BB5A545203}"/>
               </a:ext>
             </a:extLst>
           </p:cNvPr>
@@ -14611,8 +14434,8 @@
         </p:nvSpPr>
         <p:spPr>
           <a:xfrm>
-            <a:off x="5796136" y="2137420"/>
-            <a:ext cx="2952328" cy="2062103"/>
+            <a:off x="6457147" y="3590873"/>
+            <a:ext cx="2088232" cy="830997"/>
           </a:xfrm>
           <a:prstGeom prst="rect">
             <a:avLst/>
@@ -14625,360 +14448,60 @@
           <a:lstStyle/>
           <a:p>
             <a:r>
-              <a:rPr lang="en-US" altLang="ko-KR" sz="1600" b="0" dirty="0">
+              <a:rPr lang="en-US" altLang="ko-KR" sz="1200" b="0" dirty="0">
+                <a:solidFill>
+                  <a:srgbClr val="FF0000"/>
+                </a:solidFill>
+                <a:effectLst/>
+                <a:latin typeface="ubuntu mono derivative powerline" panose="020B0509030602030204" pitchFamily="49" charset="0"/>
+              </a:rPr>
+              <a:t>[[11 22 33 44]</a:t>
+            </a:r>
+          </a:p>
+          <a:p>
+            <a:r>
+              <a:rPr lang="en-US" altLang="ko-KR" sz="1200" b="0" dirty="0">
+                <a:solidFill>
+                  <a:srgbClr val="FF0000"/>
+                </a:solidFill>
+                <a:effectLst/>
+                <a:latin typeface="ubuntu mono derivative powerline" panose="020B0509030602030204" pitchFamily="49" charset="0"/>
+              </a:rPr>
+              <a:t> [55 66 77 88]]</a:t>
+            </a:r>
+          </a:p>
+          <a:p>
+            <a:r>
+              <a:rPr lang="en-US" altLang="ko-KR" sz="1200" b="0" dirty="0">
                 <a:solidFill>
                   <a:srgbClr val="00B050"/>
                 </a:solidFill>
                 <a:effectLst/>
                 <a:latin typeface="ubuntu mono derivative powerline" panose="020B0509030602030204" pitchFamily="49" charset="0"/>
               </a:rPr>
-              <a:t># solution2</a:t>
-            </a:r>
-          </a:p>
-          <a:p>
-            <a:r>
-              <a:rPr lang="en-US" altLang="ko-KR" sz="1600" dirty="0">
-                <a:solidFill>
-                  <a:srgbClr val="CC9B00"/>
-                </a:solidFill>
-                <a:latin typeface="ubuntu mono derivative powerline" panose="020B0509030602030204" pitchFamily="49" charset="0"/>
-              </a:rPr>
-              <a:t>import</a:t>
-            </a:r>
-            <a:r>
-              <a:rPr lang="en-US" altLang="ko-KR" sz="1600" dirty="0">
+              <a:t>[[ 10  40  90 160]</a:t>
+            </a:r>
+          </a:p>
+          <a:p>
+            <a:r>
+              <a:rPr lang="en-US" altLang="ko-KR" sz="1200" b="0" dirty="0">
                 <a:solidFill>
                   <a:srgbClr val="00B050"/>
                 </a:solidFill>
-                <a:latin typeface="ubuntu mono derivative powerline" panose="020B0509030602030204" pitchFamily="49" charset="0"/>
-              </a:rPr>
-              <a:t> </a:t>
-            </a:r>
-            <a:r>
-              <a:rPr lang="en-US" altLang="ko-KR" sz="1600" dirty="0" err="1">
-                <a:solidFill>
-                  <a:srgbClr val="7030A0"/>
-                </a:solidFill>
-                <a:latin typeface="ubuntu mono derivative powerline" panose="020B0509030602030204" pitchFamily="49" charset="0"/>
-              </a:rPr>
-              <a:t>numpy</a:t>
-            </a:r>
-            <a:r>
-              <a:rPr lang="en-US" altLang="ko-KR" sz="1600" dirty="0">
-                <a:solidFill>
-                  <a:srgbClr val="00B050"/>
-                </a:solidFill>
-                <a:latin typeface="ubuntu mono derivative powerline" panose="020B0509030602030204" pitchFamily="49" charset="0"/>
-              </a:rPr>
-              <a:t> </a:t>
-            </a:r>
-            <a:r>
-              <a:rPr lang="en-US" altLang="ko-KR" sz="1600" dirty="0">
-                <a:solidFill>
-                  <a:srgbClr val="CC9B00"/>
-                </a:solidFill>
-                <a:latin typeface="ubuntu mono derivative powerline" panose="020B0509030602030204" pitchFamily="49" charset="0"/>
-              </a:rPr>
-              <a:t>as</a:t>
-            </a:r>
-            <a:r>
-              <a:rPr lang="en-US" altLang="ko-KR" sz="1600" dirty="0">
-                <a:solidFill>
-                  <a:srgbClr val="00B050"/>
-                </a:solidFill>
-                <a:latin typeface="ubuntu mono derivative powerline" panose="020B0509030602030204" pitchFamily="49" charset="0"/>
-              </a:rPr>
-              <a:t> </a:t>
-            </a:r>
-            <a:r>
-              <a:rPr lang="en-US" altLang="ko-KR" sz="1600" dirty="0">
-                <a:solidFill>
-                  <a:srgbClr val="7030A0"/>
-                </a:solidFill>
-                <a:latin typeface="ubuntu mono derivative powerline" panose="020B0509030602030204" pitchFamily="49" charset="0"/>
-              </a:rPr>
-              <a:t>np</a:t>
-            </a:r>
-          </a:p>
-          <a:p>
-            <a:endParaRPr lang="en-US" altLang="ko-KR" sz="1600" b="0" dirty="0">
-              <a:solidFill>
-                <a:srgbClr val="00B050"/>
-              </a:solidFill>
-              <a:effectLst/>
-              <a:latin typeface="ubuntu mono derivative powerline" panose="020B0509030602030204" pitchFamily="49" charset="0"/>
-            </a:endParaRPr>
-          </a:p>
-          <a:p>
-            <a:r>
-              <a:rPr lang="en-US" altLang="ko-KR" sz="1600" b="0" dirty="0" err="1">
-                <a:solidFill>
-                  <a:srgbClr val="7030A0"/>
-                </a:solidFill>
-                <a:effectLst/>
-                <a:latin typeface="ubuntu mono derivative powerline" panose="020B0509030602030204" pitchFamily="49" charset="0"/>
-              </a:rPr>
-              <a:t>np</a:t>
-            </a:r>
-            <a:r>
-              <a:rPr lang="en-US" altLang="ko-KR" sz="1600" b="0" dirty="0" err="1">
-                <a:effectLst/>
-                <a:latin typeface="ubuntu mono derivative powerline" panose="020B0509030602030204" pitchFamily="49" charset="0"/>
-              </a:rPr>
-              <a:t>.</a:t>
-            </a:r>
-            <a:r>
-              <a:rPr lang="en-US" altLang="ko-KR" sz="1600" b="0" dirty="0" err="1">
-                <a:solidFill>
-                  <a:srgbClr val="0000FF"/>
-                </a:solidFill>
-                <a:effectLst/>
-                <a:latin typeface="ubuntu mono derivative powerline" panose="020B0509030602030204" pitchFamily="49" charset="0"/>
-              </a:rPr>
-              <a:t>random</a:t>
-            </a:r>
-            <a:r>
-              <a:rPr lang="en-US" altLang="ko-KR" sz="1600" b="0" dirty="0" err="1">
-                <a:effectLst/>
-                <a:latin typeface="ubuntu mono derivative powerline" panose="020B0509030602030204" pitchFamily="49" charset="0"/>
-              </a:rPr>
-              <a:t>.</a:t>
-            </a:r>
-            <a:r>
-              <a:rPr lang="en-US" altLang="ko-KR" sz="1600" b="0" dirty="0" err="1">
-                <a:solidFill>
-                  <a:srgbClr val="0000FF"/>
-                </a:solidFill>
-                <a:effectLst/>
-                <a:latin typeface="ubuntu mono derivative powerline" panose="020B0509030602030204" pitchFamily="49" charset="0"/>
-              </a:rPr>
-              <a:t>seed</a:t>
-            </a:r>
-            <a:r>
-              <a:rPr lang="en-US" altLang="ko-KR" sz="1600" b="0" dirty="0">
-                <a:effectLst/>
-                <a:latin typeface="ubuntu mono derivative powerline" panose="020B0509030602030204" pitchFamily="49" charset="0"/>
-              </a:rPr>
-              <a:t>(10)</a:t>
-            </a:r>
-          </a:p>
-          <a:p>
-            <a:r>
-              <a:rPr lang="en-US" altLang="ko-KR" sz="1600" b="0" dirty="0" err="1">
-                <a:effectLst/>
-                <a:latin typeface="ubuntu mono derivative powerline" panose="020B0509030602030204" pitchFamily="49" charset="0"/>
-              </a:rPr>
-              <a:t>np_a</a:t>
-            </a:r>
-            <a:r>
-              <a:rPr lang="en-US" altLang="ko-KR" sz="1600" b="0" dirty="0">
-                <a:effectLst/>
-                <a:latin typeface="ubuntu mono derivative powerline" panose="020B0509030602030204" pitchFamily="49" charset="0"/>
-              </a:rPr>
-              <a:t> = </a:t>
-            </a:r>
-            <a:r>
-              <a:rPr lang="en-US" altLang="ko-KR" sz="1600" b="0" dirty="0" err="1">
-                <a:solidFill>
-                  <a:srgbClr val="7030A0"/>
-                </a:solidFill>
-                <a:effectLst/>
-                <a:latin typeface="ubuntu mono derivative powerline" panose="020B0509030602030204" pitchFamily="49" charset="0"/>
-              </a:rPr>
-              <a:t>np</a:t>
-            </a:r>
-            <a:r>
-              <a:rPr lang="en-US" altLang="ko-KR" sz="1600" b="0" dirty="0" err="1">
-                <a:effectLst/>
-                <a:latin typeface="ubuntu mono derivative powerline" panose="020B0509030602030204" pitchFamily="49" charset="0"/>
-              </a:rPr>
-              <a:t>.</a:t>
-            </a:r>
-            <a:r>
-              <a:rPr lang="en-US" altLang="ko-KR" sz="1600" b="0" dirty="0" err="1">
-                <a:solidFill>
-                  <a:srgbClr val="0000FF"/>
-                </a:solidFill>
-                <a:effectLst/>
-                <a:latin typeface="ubuntu mono derivative powerline" panose="020B0509030602030204" pitchFamily="49" charset="0"/>
-              </a:rPr>
-              <a:t>random</a:t>
-            </a:r>
-            <a:r>
-              <a:rPr lang="en-US" altLang="ko-KR" sz="1600" b="0" dirty="0" err="1">
-                <a:effectLst/>
-                <a:latin typeface="ubuntu mono derivative powerline" panose="020B0509030602030204" pitchFamily="49" charset="0"/>
-              </a:rPr>
-              <a:t>.</a:t>
-            </a:r>
-            <a:r>
-              <a:rPr lang="en-US" altLang="ko-KR" sz="1600" b="0" dirty="0" err="1">
-                <a:solidFill>
-                  <a:srgbClr val="0000FF"/>
-                </a:solidFill>
-                <a:effectLst/>
-                <a:latin typeface="ubuntu mono derivative powerline" panose="020B0509030602030204" pitchFamily="49" charset="0"/>
-              </a:rPr>
-              <a:t>rand</a:t>
-            </a:r>
-            <a:r>
-              <a:rPr lang="en-US" altLang="ko-KR" sz="1600" b="0" dirty="0">
-                <a:effectLst/>
-                <a:latin typeface="ubuntu mono derivative powerline" panose="020B0509030602030204" pitchFamily="49" charset="0"/>
-              </a:rPr>
-              <a:t>(1, 10)</a:t>
-            </a:r>
-          </a:p>
-          <a:p>
-            <a:r>
-              <a:rPr lang="en-US" altLang="ko-KR" sz="1600" b="0" dirty="0">
-                <a:solidFill>
-                  <a:srgbClr val="0000FF"/>
-                </a:solidFill>
-                <a:effectLst/>
-                <a:latin typeface="ubuntu mono derivative powerline" panose="020B0509030602030204" pitchFamily="49" charset="0"/>
-              </a:rPr>
-              <a:t>print</a:t>
-            </a:r>
-            <a:r>
-              <a:rPr lang="en-US" altLang="ko-KR" sz="1600" b="0" dirty="0">
-                <a:effectLst/>
-                <a:latin typeface="ubuntu mono derivative powerline" panose="020B0509030602030204" pitchFamily="49" charset="0"/>
-              </a:rPr>
-              <a:t>(</a:t>
-            </a:r>
-            <a:r>
-              <a:rPr lang="en-US" altLang="ko-KR" sz="1600" b="0" dirty="0" err="1">
-                <a:solidFill>
-                  <a:srgbClr val="FF0000"/>
-                </a:solidFill>
-                <a:effectLst/>
-                <a:latin typeface="ubuntu mono derivative powerline" panose="020B0509030602030204" pitchFamily="49" charset="0"/>
-              </a:rPr>
-              <a:t>np_a</a:t>
-            </a:r>
-            <a:r>
-              <a:rPr lang="en-US" altLang="ko-KR" sz="1600" b="0" dirty="0">
-                <a:effectLst/>
-                <a:latin typeface="ubuntu mono derivative powerline" panose="020B0509030602030204" pitchFamily="49" charset="0"/>
-              </a:rPr>
-              <a:t>)</a:t>
-            </a:r>
-          </a:p>
-          <a:p>
-            <a:r>
-              <a:rPr lang="en-US" altLang="ko-KR" sz="1600" b="0" dirty="0">
-                <a:solidFill>
-                  <a:srgbClr val="0000FF"/>
-                </a:solidFill>
-                <a:effectLst/>
-                <a:latin typeface="ubuntu mono derivative powerline" panose="020B0509030602030204" pitchFamily="49" charset="0"/>
-              </a:rPr>
-              <a:t>print</a:t>
-            </a:r>
-            <a:r>
-              <a:rPr lang="en-US" altLang="ko-KR" sz="1600" b="0" dirty="0">
-                <a:effectLst/>
-                <a:latin typeface="ubuntu mono derivative powerline" panose="020B0509030602030204" pitchFamily="49" charset="0"/>
-              </a:rPr>
-              <a:t>(</a:t>
-            </a:r>
-            <a:r>
-              <a:rPr lang="en-US" altLang="ko-KR" sz="1600" b="0" dirty="0" err="1">
-                <a:solidFill>
-                  <a:srgbClr val="FFC000"/>
-                </a:solidFill>
-                <a:effectLst/>
-                <a:latin typeface="ubuntu mono derivative powerline" panose="020B0509030602030204" pitchFamily="49" charset="0"/>
-              </a:rPr>
-              <a:t>np_a</a:t>
-            </a:r>
-            <a:r>
-              <a:rPr lang="en-US" altLang="ko-KR" sz="1600" b="0" dirty="0" err="1">
-                <a:effectLst/>
-                <a:latin typeface="ubuntu mono derivative powerline" panose="020B0509030602030204" pitchFamily="49" charset="0"/>
-              </a:rPr>
-              <a:t>.</a:t>
-            </a:r>
-            <a:r>
-              <a:rPr lang="en-US" altLang="ko-KR" sz="1600" b="0" dirty="0" err="1">
-                <a:solidFill>
-                  <a:srgbClr val="0000FF"/>
-                </a:solidFill>
-                <a:effectLst/>
-                <a:latin typeface="ubuntu mono derivative powerline" panose="020B0509030602030204" pitchFamily="49" charset="0"/>
-              </a:rPr>
-              <a:t>sum</a:t>
-            </a:r>
-            <a:r>
-              <a:rPr lang="en-US" altLang="ko-KR" sz="1600" b="0" dirty="0">
-                <a:effectLst/>
-                <a:latin typeface="ubuntu mono derivative powerline" panose="020B0509030602030204" pitchFamily="49" charset="0"/>
-              </a:rPr>
-              <a:t>())</a:t>
-            </a:r>
-          </a:p>
-          <a:p>
-            <a:r>
-              <a:rPr lang="en-US" altLang="ko-KR" sz="1600" b="0" dirty="0">
-                <a:solidFill>
-                  <a:srgbClr val="0000FF"/>
-                </a:solidFill>
-                <a:effectLst/>
-                <a:latin typeface="ubuntu mono derivative powerline" panose="020B0509030602030204" pitchFamily="49" charset="0"/>
-              </a:rPr>
-              <a:t>print</a:t>
-            </a:r>
-            <a:r>
-              <a:rPr lang="en-US" altLang="ko-KR" sz="1600" b="0" dirty="0">
-                <a:effectLst/>
-                <a:latin typeface="ubuntu mono derivative powerline" panose="020B0509030602030204" pitchFamily="49" charset="0"/>
-              </a:rPr>
-              <a:t>(</a:t>
-            </a:r>
-            <a:r>
-              <a:rPr lang="en-US" altLang="ko-KR" sz="1600" b="0" dirty="0" err="1">
-                <a:solidFill>
-                  <a:srgbClr val="00B050"/>
-                </a:solidFill>
-                <a:effectLst/>
-                <a:latin typeface="ubuntu mono derivative powerline" panose="020B0509030602030204" pitchFamily="49" charset="0"/>
-              </a:rPr>
-              <a:t>np_a</a:t>
-            </a:r>
-            <a:r>
-              <a:rPr lang="en-US" altLang="ko-KR" sz="1600" b="0" dirty="0" err="1">
-                <a:effectLst/>
-                <a:latin typeface="ubuntu mono derivative powerline" panose="020B0509030602030204" pitchFamily="49" charset="0"/>
-              </a:rPr>
-              <a:t>.</a:t>
-            </a:r>
-            <a:r>
-              <a:rPr lang="en-US" altLang="ko-KR" sz="1600" b="0" dirty="0" err="1">
-                <a:solidFill>
-                  <a:srgbClr val="0000FF"/>
-                </a:solidFill>
-                <a:effectLst/>
-                <a:latin typeface="ubuntu mono derivative powerline" panose="020B0509030602030204" pitchFamily="49" charset="0"/>
-              </a:rPr>
-              <a:t>mean</a:t>
-            </a:r>
-            <a:r>
-              <a:rPr lang="en-US" altLang="ko-KR" sz="1600" b="0" dirty="0">
-                <a:effectLst/>
-                <a:latin typeface="ubuntu mono derivative powerline" panose="020B0509030602030204" pitchFamily="49" charset="0"/>
-              </a:rPr>
-              <a:t>())</a:t>
+                <a:effectLst/>
+                <a:latin typeface="ubuntu mono derivative powerline" panose="020B0509030602030204" pitchFamily="49" charset="0"/>
+              </a:rPr>
+              <a:t> [250 360 490 640]]</a:t>
             </a:r>
           </a:p>
         </p:txBody>
       </p:sp>
       <p:sp>
         <p:nvSpPr>
-          <p:cNvPr id="8" name="직사각형 7">
+          <p:cNvPr id="6" name="직사각형 5">
             <a:extLst>
               <a:ext uri="{FF2B5EF4-FFF2-40B4-BE49-F238E27FC236}">
-                <a16:creationId xmlns:a16="http://schemas.microsoft.com/office/drawing/2014/main" id="{FEEF1A67-6030-8978-A80B-0347FBA6318A}"/>
+                <a16:creationId xmlns:a16="http://schemas.microsoft.com/office/drawing/2014/main" id="{67E25403-0BC1-7F2B-BB5D-88203496F541}"/>
               </a:ext>
             </a:extLst>
           </p:cNvPr>
@@ -14987,96 +14510,234 @@
         </p:nvSpPr>
         <p:spPr>
           <a:xfrm>
-            <a:off x="3599384" y="4425903"/>
-            <a:ext cx="5365104" cy="1200329"/>
+            <a:off x="1237683" y="3289548"/>
+            <a:ext cx="3312368" cy="648072"/>
           </a:xfrm>
           <a:prstGeom prst="rect">
             <a:avLst/>
           </a:prstGeom>
+          <a:solidFill>
+            <a:srgbClr val="FFFFFF"/>
+          </a:solidFill>
+          <a:ln>
+            <a:solidFill>
+              <a:srgbClr val="0000FF"/>
+            </a:solidFill>
+          </a:ln>
         </p:spPr>
+        <p:style>
+          <a:lnRef idx="2">
+            <a:schemeClr val="accent1">
+              <a:shade val="50000"/>
+            </a:schemeClr>
+          </a:lnRef>
+          <a:fillRef idx="1">
+            <a:schemeClr val="accent1"/>
+          </a:fillRef>
+          <a:effectRef idx="0">
+            <a:schemeClr val="accent1"/>
+          </a:effectRef>
+          <a:fontRef idx="minor">
+            <a:schemeClr val="lt1"/>
+          </a:fontRef>
+        </p:style>
         <p:txBody>
-          <a:bodyPr wrap="square">
-            <a:spAutoFit/>
-          </a:bodyPr>
+          <a:bodyPr rtlCol="0" anchor="ctr"/>
           <a:lstStyle/>
           <a:p>
-            <a:r>
-              <a:rPr lang="en-US" altLang="ko-KR" sz="1200" b="0" dirty="0">
-                <a:solidFill>
-                  <a:srgbClr val="FF0000"/>
-                </a:solidFill>
-                <a:effectLst/>
-                <a:latin typeface="ubuntu mono derivative powerline" panose="020B0509030602030204" pitchFamily="49" charset="0"/>
-              </a:rPr>
-              <a:t>[[0.77132064 0.02075195 0.63364823 0.74880388 0.49850701 0.22479665</a:t>
-            </a:r>
-          </a:p>
-          <a:p>
-            <a:r>
-              <a:rPr lang="en-US" altLang="ko-KR" sz="1200" b="0" dirty="0">
-                <a:solidFill>
-                  <a:srgbClr val="FF0000"/>
-                </a:solidFill>
-                <a:effectLst/>
-                <a:latin typeface="ubuntu mono derivative powerline" panose="020B0509030602030204" pitchFamily="49" charset="0"/>
-              </a:rPr>
-              <a:t>  0.19806286 0.76053071 0.16911084 0.08833981]]</a:t>
-            </a:r>
-          </a:p>
-          <a:p>
-            <a:endParaRPr lang="en-US" altLang="ko-KR" sz="1200" b="0" dirty="0">
-              <a:solidFill>
-                <a:srgbClr val="FF0000"/>
-              </a:solidFill>
-              <a:effectLst/>
-              <a:latin typeface="ubuntu mono derivative powerline" panose="020B0509030602030204" pitchFamily="49" charset="0"/>
-            </a:endParaRPr>
-          </a:p>
-          <a:p>
-            <a:r>
-              <a:rPr lang="en-US" altLang="ko-KR" sz="1200" b="0" dirty="0">
-                <a:solidFill>
-                  <a:srgbClr val="FFC000"/>
-                </a:solidFill>
-                <a:effectLst/>
-                <a:latin typeface="ubuntu mono derivative powerline" panose="020B0509030602030204" pitchFamily="49" charset="0"/>
-              </a:rPr>
-              <a:t>4.113872595619601</a:t>
-            </a:r>
-          </a:p>
-          <a:p>
-            <a:endParaRPr lang="en-US" altLang="ko-KR" sz="1200" b="0" dirty="0">
-              <a:solidFill>
-                <a:srgbClr val="FF0000"/>
-              </a:solidFill>
-              <a:effectLst/>
-              <a:latin typeface="ubuntu mono derivative powerline" panose="020B0509030602030204" pitchFamily="49" charset="0"/>
-            </a:endParaRPr>
-          </a:p>
-          <a:p>
-            <a:r>
-              <a:rPr lang="en-US" altLang="ko-KR" sz="1200" b="0" dirty="0">
-                <a:solidFill>
-                  <a:srgbClr val="00B050"/>
-                </a:solidFill>
-                <a:effectLst/>
-                <a:latin typeface="ubuntu mono derivative powerline" panose="020B0509030602030204" pitchFamily="49" charset="0"/>
-              </a:rPr>
-              <a:t>0.41138725956196015</a:t>
-            </a:r>
+            <a:pPr algn="ctr"/>
+            <a:endParaRPr lang="ko-KR" altLang="en-US"/>
+          </a:p>
+        </p:txBody>
+      </p:sp>
+      <p:sp>
+        <p:nvSpPr>
+          <p:cNvPr id="9" name="직사각형 8">
+            <a:extLst>
+              <a:ext uri="{FF2B5EF4-FFF2-40B4-BE49-F238E27FC236}">
+                <a16:creationId xmlns:a16="http://schemas.microsoft.com/office/drawing/2014/main" id="{49C3AE00-4EDB-609C-36C9-E44F3028AA77}"/>
+              </a:ext>
+            </a:extLst>
+          </p:cNvPr>
+          <p:cNvSpPr/>
+          <p:nvPr/>
+        </p:nvSpPr>
+        <p:spPr>
+          <a:xfrm>
+            <a:off x="1907704" y="4184464"/>
+            <a:ext cx="1296144" cy="481321"/>
+          </a:xfrm>
+          <a:prstGeom prst="rect">
+            <a:avLst/>
+          </a:prstGeom>
+          <a:solidFill>
+            <a:srgbClr val="FFFFFF"/>
+          </a:solidFill>
+          <a:ln>
+            <a:solidFill>
+              <a:srgbClr val="0000FF"/>
+            </a:solidFill>
+          </a:ln>
+        </p:spPr>
+        <p:style>
+          <a:lnRef idx="2">
+            <a:schemeClr val="accent1">
+              <a:shade val="50000"/>
+            </a:schemeClr>
+          </a:lnRef>
+          <a:fillRef idx="1">
+            <a:schemeClr val="accent1"/>
+          </a:fillRef>
+          <a:effectRef idx="0">
+            <a:schemeClr val="accent1"/>
+          </a:effectRef>
+          <a:fontRef idx="minor">
+            <a:schemeClr val="lt1"/>
+          </a:fontRef>
+        </p:style>
+        <p:txBody>
+          <a:bodyPr rtlCol="0" anchor="ctr"/>
+          <a:lstStyle/>
+          <a:p>
+            <a:pPr algn="ctr"/>
+            <a:endParaRPr lang="ko-KR" altLang="en-US"/>
           </a:p>
         </p:txBody>
       </p:sp>
     </p:spTree>
     <p:extLst>
       <p:ext uri="{BB962C8B-B14F-4D97-AF65-F5344CB8AC3E}">
-        <p14:creationId xmlns:p14="http://schemas.microsoft.com/office/powerpoint/2010/main" val="964591283"/>
+        <p14:creationId xmlns:p14="http://schemas.microsoft.com/office/powerpoint/2010/main" val="2075862009"/>
       </p:ext>
     </p:extLst>
   </p:cSld>
   <p:clrMapOvr>
     <a:masterClrMapping/>
   </p:clrMapOvr>
+  <p:timing>
+    <p:tnLst>
+      <p:par>
+        <p:cTn id="1" dur="indefinite" restart="never" nodeType="tmRoot">
+          <p:childTnLst>
+            <p:seq concurrent="1" nextAc="seek">
+              <p:cTn id="2" dur="indefinite" nodeType="mainSeq">
+                <p:childTnLst>
+                  <p:par>
+                    <p:cTn id="3" fill="hold">
+                      <p:stCondLst>
+                        <p:cond delay="indefinite"/>
+                      </p:stCondLst>
+                      <p:childTnLst>
+                        <p:par>
+                          <p:cTn id="4" fill="hold">
+                            <p:stCondLst>
+                              <p:cond delay="0"/>
+                            </p:stCondLst>
+                            <p:childTnLst>
+                              <p:par>
+                                <p:cTn id="5" presetID="1" presetClass="exit" presetSubtype="0" fill="hold" grpId="0" nodeType="clickEffect">
+                                  <p:stCondLst>
+                                    <p:cond delay="0"/>
+                                  </p:stCondLst>
+                                  <p:childTnLst>
+                                    <p:set>
+                                      <p:cBhvr>
+                                        <p:cTn id="6" dur="1" fill="hold">
+                                          <p:stCondLst>
+                                            <p:cond delay="0"/>
+                                          </p:stCondLst>
+                                        </p:cTn>
+                                        <p:tgtEl>
+                                          <p:spTgt spid="6"/>
+                                        </p:tgtEl>
+                                        <p:attrNameLst>
+                                          <p:attrName>style.visibility</p:attrName>
+                                        </p:attrNameLst>
+                                      </p:cBhvr>
+                                      <p:to>
+                                        <p:strVal val="hidden"/>
+                                      </p:to>
+                                    </p:set>
+                                  </p:childTnLst>
+                                </p:cTn>
+                              </p:par>
+                            </p:childTnLst>
+                          </p:cTn>
+                        </p:par>
+                      </p:childTnLst>
+                    </p:cTn>
+                  </p:par>
+                  <p:par>
+                    <p:cTn id="7" fill="hold">
+                      <p:stCondLst>
+                        <p:cond delay="indefinite"/>
+                      </p:stCondLst>
+                      <p:childTnLst>
+                        <p:par>
+                          <p:cTn id="8" fill="hold">
+                            <p:stCondLst>
+                              <p:cond delay="0"/>
+                            </p:stCondLst>
+                            <p:childTnLst>
+                              <p:par>
+                                <p:cTn id="9" presetID="1" presetClass="exit" presetSubtype="0" fill="hold" grpId="0" nodeType="clickEffect">
+                                  <p:stCondLst>
+                                    <p:cond delay="0"/>
+                                  </p:stCondLst>
+                                  <p:childTnLst>
+                                    <p:set>
+                                      <p:cBhvr>
+                                        <p:cTn id="10" dur="1" fill="hold">
+                                          <p:stCondLst>
+                                            <p:cond delay="0"/>
+                                          </p:stCondLst>
+                                        </p:cTn>
+                                        <p:tgtEl>
+                                          <p:spTgt spid="9"/>
+                                        </p:tgtEl>
+                                        <p:attrNameLst>
+                                          <p:attrName>style.visibility</p:attrName>
+                                        </p:attrNameLst>
+                                      </p:cBhvr>
+                                      <p:to>
+                                        <p:strVal val="hidden"/>
+                                      </p:to>
+                                    </p:set>
+                                  </p:childTnLst>
+                                </p:cTn>
+                              </p:par>
+                            </p:childTnLst>
+                          </p:cTn>
+                        </p:par>
+                      </p:childTnLst>
+                    </p:cTn>
+                  </p:par>
+                </p:childTnLst>
+              </p:cTn>
+              <p:prevCondLst>
+                <p:cond evt="onPrev" delay="0">
+                  <p:tgtEl>
+                    <p:sldTgt/>
+                  </p:tgtEl>
+                </p:cond>
+              </p:prevCondLst>
+              <p:nextCondLst>
+                <p:cond evt="onNext" delay="0">
+                  <p:tgtEl>
+                    <p:sldTgt/>
+                  </p:tgtEl>
+                </p:cond>
+              </p:nextCondLst>
+            </p:seq>
+          </p:childTnLst>
+        </p:cTn>
+      </p:par>
+    </p:tnLst>
+    <p:bldLst>
+      <p:bldP spid="6" grpId="0" animBg="1"/>
+      <p:bldP spid="9" grpId="0" animBg="1"/>
+    </p:bldLst>
+  </p:timing>
 </p:sld>
 </file>
 
@@ -15204,67 +14865,55 @@
           <a:p>
             <a:pPr lvl="3"/>
             <a:r>
+              <a:rPr lang="ko-KR" altLang="en-US" sz="1433" dirty="0"/>
+              <a:t>실수형 원소 </a:t>
+            </a:r>
+            <a:r>
               <a:rPr lang="en-US" altLang="ko-KR" sz="1433" dirty="0"/>
-              <a:t>0~50 </a:t>
+              <a:t>10</a:t>
             </a:r>
             <a:r>
               <a:rPr lang="ko-KR" altLang="en-US" sz="1433" dirty="0"/>
-              <a:t>사이의 임의의 원소</a:t>
+              <a:t>개를 갖는 </a:t>
+            </a:r>
+            <a:r>
+              <a:rPr lang="en-US" altLang="ko-KR" sz="1433" dirty="0" err="1"/>
+              <a:t>ndarray</a:t>
             </a:r>
             <a:r>
               <a:rPr lang="en-US" altLang="ko-KR" sz="1433" dirty="0"/>
-              <a:t>(</a:t>
+              <a:t> </a:t>
             </a:r>
             <a:r>
               <a:rPr lang="ko-KR" altLang="en-US" sz="1433" dirty="0"/>
-              <a:t>정수형</a:t>
-            </a:r>
-            <a:r>
-              <a:rPr lang="en-US" altLang="ko-KR" sz="1433" dirty="0"/>
-              <a:t>, </a:t>
-            </a:r>
-            <a:r>
-              <a:rPr lang="ko-KR" altLang="en-US" sz="1433" dirty="0"/>
-              <a:t>중복가능</a:t>
-            </a:r>
-            <a:r>
-              <a:rPr lang="en-US" altLang="ko-KR" sz="1433" dirty="0"/>
-              <a:t>)</a:t>
-            </a:r>
-            <a:r>
-              <a:rPr lang="ko-KR" altLang="en-US" sz="1433" dirty="0"/>
-              <a:t>를 </a:t>
-            </a:r>
-            <a:r>
-              <a:rPr lang="en-US" altLang="ko-KR" sz="1433" dirty="0"/>
-              <a:t>500</a:t>
-            </a:r>
-            <a:r>
-              <a:rPr lang="ko-KR" altLang="en-US" sz="1433" dirty="0"/>
-              <a:t>개 만들어서</a:t>
+              <a:t>행렬을 랜덤으로 선언해서</a:t>
             </a:r>
             <a:br>
               <a:rPr lang="en-US" altLang="ko-KR" sz="1433" dirty="0"/>
             </a:br>
             <a:r>
+              <a:rPr lang="ko-KR" altLang="en-US" sz="1433" dirty="0">
+                <a:solidFill>
+                  <a:srgbClr val="FF0000"/>
+                </a:solidFill>
+              </a:rPr>
+              <a:t>전체 원소</a:t>
+            </a:r>
+            <a:r>
               <a:rPr lang="ko-KR" altLang="en-US" sz="1433" dirty="0"/>
-              <a:t>가장 많이 나온 </a:t>
-            </a:r>
-            <a:r>
-              <a:rPr lang="ko-KR" altLang="en-US" sz="1433" dirty="0" err="1">
-                <a:solidFill>
-                  <a:srgbClr val="FF0000"/>
-                </a:solidFill>
-              </a:rPr>
-              <a:t>원소값</a:t>
-            </a:r>
-            <a:r>
-              <a:rPr lang="ko-KR" altLang="en-US" sz="1433" dirty="0" err="1"/>
-              <a:t>과</a:t>
+              <a:t>와 </a:t>
+            </a:r>
+            <a:r>
+              <a:rPr lang="ko-KR" altLang="en-US" sz="1433" dirty="0">
+                <a:solidFill>
+                  <a:srgbClr val="FFC000"/>
+                </a:solidFill>
+              </a:rPr>
+              <a:t>합</a:t>
             </a:r>
             <a:r>
               <a:rPr lang="ko-KR" altLang="en-US" sz="1433" dirty="0"/>
-              <a:t> </a:t>
+              <a:t>과 </a:t>
             </a:r>
             <a:r>
               <a:rPr lang="ko-KR" altLang="en-US" sz="1433" dirty="0">
@@ -15272,11 +14921,11 @@
                   <a:srgbClr val="00B050"/>
                 </a:solidFill>
               </a:rPr>
-              <a:t>중복횟수</a:t>
+              <a:t>평균</a:t>
             </a:r>
             <a:r>
               <a:rPr lang="ko-KR" altLang="en-US" sz="1433" dirty="0"/>
-              <a:t>로 출력하라</a:t>
+              <a:t>을 구하라</a:t>
             </a:r>
             <a:r>
               <a:rPr lang="en-US" altLang="ko-KR" sz="1433" dirty="0"/>
@@ -15312,7 +14961,7 @@
         <p:spPr>
           <a:xfrm>
             <a:off x="1835696" y="4225652"/>
-            <a:ext cx="5544616" cy="461665"/>
+            <a:ext cx="5544616" cy="1200329"/>
           </a:xfrm>
           <a:prstGeom prst="rect">
             <a:avLst/>
@@ -15325,15 +14974,17 @@
           <a:lstStyle/>
           <a:p>
             <a:r>
-              <a:rPr lang="ko-KR" altLang="en-US" sz="1200" b="0" dirty="0">
+              <a:rPr lang="en-US" altLang="ko-KR" sz="1200" b="0" dirty="0">
                 <a:solidFill>
                   <a:srgbClr val="FF0000"/>
                 </a:solidFill>
                 <a:effectLst/>
                 <a:latin typeface="ubuntu mono derivative powerline" panose="020B0509030602030204" pitchFamily="49" charset="0"/>
               </a:rPr>
-              <a:t>가장 많이 나온 원소</a:t>
-            </a:r>
+              <a:t>[[0.77132064 0.02075195 0.63364823 0.74880388 0.49850701 0.22479665</a:t>
+            </a:r>
+          </a:p>
+          <a:p>
             <a:r>
               <a:rPr lang="en-US" altLang="ko-KR" sz="1200" b="0" dirty="0">
                 <a:solidFill>
@@ -15342,51 +14993,57 @@
                 <a:effectLst/>
                 <a:latin typeface="ubuntu mono derivative powerline" panose="020B0509030602030204" pitchFamily="49" charset="0"/>
               </a:rPr>
-              <a:t>: 102</a:t>
-            </a:r>
-          </a:p>
-          <a:p>
-            <a:r>
-              <a:rPr lang="ko-KR" altLang="en-US" sz="1200" dirty="0">
-                <a:solidFill>
-                  <a:srgbClr val="00B050"/>
-                </a:solidFill>
-                <a:latin typeface="ubuntu mono derivative powerline" panose="020B0509030602030204" pitchFamily="49" charset="0"/>
-              </a:rPr>
-              <a:t>중복횟수</a:t>
-            </a:r>
-            <a:r>
-              <a:rPr lang="en-US" altLang="ko-KR" sz="1200" dirty="0">
-                <a:solidFill>
-                  <a:srgbClr val="00B050"/>
-                </a:solidFill>
-                <a:latin typeface="ubuntu mono derivative powerline" panose="020B0509030602030204" pitchFamily="49" charset="0"/>
-              </a:rPr>
-              <a:t>: 4</a:t>
-            </a:r>
-            <a:r>
-              <a:rPr lang="ko-KR" altLang="en-US" sz="1200" dirty="0">
-                <a:solidFill>
-                  <a:srgbClr val="00B050"/>
-                </a:solidFill>
-                <a:latin typeface="ubuntu mono derivative powerline" panose="020B0509030602030204" pitchFamily="49" charset="0"/>
-              </a:rPr>
-              <a:t>회</a:t>
-            </a:r>
+              <a:t>  0.19806286 0.76053071 0.16911084 0.08833981]]</a:t>
+            </a:r>
+          </a:p>
+          <a:p>
             <a:endParaRPr lang="en-US" altLang="ko-KR" sz="1200" b="0" dirty="0">
               <a:solidFill>
-                <a:srgbClr val="00B050"/>
+                <a:srgbClr val="FF0000"/>
               </a:solidFill>
               <a:effectLst/>
               <a:latin typeface="ubuntu mono derivative powerline" panose="020B0509030602030204" pitchFamily="49" charset="0"/>
             </a:endParaRPr>
+          </a:p>
+          <a:p>
+            <a:r>
+              <a:rPr lang="en-US" altLang="ko-KR" sz="1200" b="0" dirty="0">
+                <a:solidFill>
+                  <a:srgbClr val="FFC000"/>
+                </a:solidFill>
+                <a:effectLst/>
+                <a:latin typeface="ubuntu mono derivative powerline" panose="020B0509030602030204" pitchFamily="49" charset="0"/>
+              </a:rPr>
+              <a:t>4.113872595619601</a:t>
+            </a:r>
+          </a:p>
+          <a:p>
+            <a:endParaRPr lang="en-US" altLang="ko-KR" sz="1200" b="0" dirty="0">
+              <a:solidFill>
+                <a:srgbClr val="FF0000"/>
+              </a:solidFill>
+              <a:effectLst/>
+              <a:latin typeface="ubuntu mono derivative powerline" panose="020B0509030602030204" pitchFamily="49" charset="0"/>
+            </a:endParaRPr>
+          </a:p>
+          <a:p>
+            <a:r>
+              <a:rPr lang="en-US" altLang="ko-KR" sz="1200" b="0" dirty="0">
+                <a:solidFill>
+                  <a:srgbClr val="00B050"/>
+                </a:solidFill>
+                <a:effectLst/>
+                <a:latin typeface="ubuntu mono derivative powerline" panose="020B0509030602030204" pitchFamily="49" charset="0"/>
+              </a:rPr>
+              <a:t>0.41138725956196015</a:t>
+            </a:r>
           </a:p>
         </p:txBody>
       </p:sp>
     </p:spTree>
     <p:extLst>
       <p:ext uri="{BB962C8B-B14F-4D97-AF65-F5344CB8AC3E}">
-        <p14:creationId xmlns:p14="http://schemas.microsoft.com/office/powerpoint/2010/main" val="1968433150"/>
+        <p14:creationId xmlns:p14="http://schemas.microsoft.com/office/powerpoint/2010/main" val="266173992"/>
       </p:ext>
     </p:extLst>
   </p:cSld>
@@ -15655,6 +15312,1581 @@
             <a:r>
               <a:rPr lang="en-US" altLang="ko-KR" dirty="0"/>
               <a:t>2</a:t>
+            </a:r>
+          </a:p>
+          <a:p>
+            <a:pPr lvl="1"/>
+            <a:r>
+              <a:rPr lang="en-US" altLang="ko-KR" dirty="0" err="1"/>
+              <a:t>numpy</a:t>
+            </a:r>
+            <a:r>
+              <a:rPr lang="en-US" altLang="ko-KR" dirty="0"/>
+              <a:t> + for</a:t>
+            </a:r>
+          </a:p>
+        </p:txBody>
+      </p:sp>
+      <p:sp>
+        <p:nvSpPr>
+          <p:cNvPr id="4" name="직사각형 3">
+            <a:extLst>
+              <a:ext uri="{FF2B5EF4-FFF2-40B4-BE49-F238E27FC236}">
+                <a16:creationId xmlns:a16="http://schemas.microsoft.com/office/drawing/2014/main" id="{1C963349-B74D-0F77-1CB7-B82815CCF910}"/>
+              </a:ext>
+            </a:extLst>
+          </p:cNvPr>
+          <p:cNvSpPr/>
+          <p:nvPr/>
+        </p:nvSpPr>
+        <p:spPr>
+          <a:xfrm>
+            <a:off x="1331640" y="2137420"/>
+            <a:ext cx="2952328" cy="2800767"/>
+          </a:xfrm>
+          <a:prstGeom prst="rect">
+            <a:avLst/>
+          </a:prstGeom>
+        </p:spPr>
+        <p:txBody>
+          <a:bodyPr wrap="square">
+            <a:spAutoFit/>
+          </a:bodyPr>
+          <a:lstStyle/>
+          <a:p>
+            <a:r>
+              <a:rPr lang="en-US" altLang="ko-KR" sz="1600" b="0" dirty="0">
+                <a:solidFill>
+                  <a:srgbClr val="00B050"/>
+                </a:solidFill>
+                <a:effectLst/>
+                <a:latin typeface="ubuntu mono derivative powerline" panose="020B0509030602030204" pitchFamily="49" charset="0"/>
+              </a:rPr>
+              <a:t># solution1</a:t>
+            </a:r>
+          </a:p>
+          <a:p>
+            <a:r>
+              <a:rPr lang="en-US" altLang="ko-KR" sz="1600" dirty="0">
+                <a:solidFill>
+                  <a:srgbClr val="CC9B00"/>
+                </a:solidFill>
+                <a:latin typeface="ubuntu mono derivative powerline" panose="020B0509030602030204" pitchFamily="49" charset="0"/>
+              </a:rPr>
+              <a:t>import</a:t>
+            </a:r>
+            <a:r>
+              <a:rPr lang="en-US" altLang="ko-KR" sz="1600" dirty="0">
+                <a:solidFill>
+                  <a:srgbClr val="00B050"/>
+                </a:solidFill>
+                <a:latin typeface="ubuntu mono derivative powerline" panose="020B0509030602030204" pitchFamily="49" charset="0"/>
+              </a:rPr>
+              <a:t> </a:t>
+            </a:r>
+            <a:r>
+              <a:rPr lang="en-US" altLang="ko-KR" sz="1600" dirty="0" err="1">
+                <a:solidFill>
+                  <a:srgbClr val="7030A0"/>
+                </a:solidFill>
+                <a:latin typeface="ubuntu mono derivative powerline" panose="020B0509030602030204" pitchFamily="49" charset="0"/>
+              </a:rPr>
+              <a:t>numpy</a:t>
+            </a:r>
+            <a:r>
+              <a:rPr lang="en-US" altLang="ko-KR" sz="1600" dirty="0">
+                <a:solidFill>
+                  <a:srgbClr val="00B050"/>
+                </a:solidFill>
+                <a:latin typeface="ubuntu mono derivative powerline" panose="020B0509030602030204" pitchFamily="49" charset="0"/>
+              </a:rPr>
+              <a:t> </a:t>
+            </a:r>
+            <a:r>
+              <a:rPr lang="en-US" altLang="ko-KR" sz="1600" dirty="0">
+                <a:solidFill>
+                  <a:srgbClr val="CC9B00"/>
+                </a:solidFill>
+                <a:latin typeface="ubuntu mono derivative powerline" panose="020B0509030602030204" pitchFamily="49" charset="0"/>
+              </a:rPr>
+              <a:t>as</a:t>
+            </a:r>
+            <a:r>
+              <a:rPr lang="en-US" altLang="ko-KR" sz="1600" dirty="0">
+                <a:solidFill>
+                  <a:srgbClr val="00B050"/>
+                </a:solidFill>
+                <a:latin typeface="ubuntu mono derivative powerline" panose="020B0509030602030204" pitchFamily="49" charset="0"/>
+              </a:rPr>
+              <a:t> </a:t>
+            </a:r>
+            <a:r>
+              <a:rPr lang="en-US" altLang="ko-KR" sz="1600" dirty="0">
+                <a:solidFill>
+                  <a:srgbClr val="7030A0"/>
+                </a:solidFill>
+                <a:latin typeface="ubuntu mono derivative powerline" panose="020B0509030602030204" pitchFamily="49" charset="0"/>
+              </a:rPr>
+              <a:t>np</a:t>
+            </a:r>
+          </a:p>
+          <a:p>
+            <a:endParaRPr lang="en-US" altLang="ko-KR" sz="1600" b="0" dirty="0">
+              <a:solidFill>
+                <a:srgbClr val="00B050"/>
+              </a:solidFill>
+              <a:effectLst/>
+              <a:latin typeface="ubuntu mono derivative powerline" panose="020B0509030602030204" pitchFamily="49" charset="0"/>
+            </a:endParaRPr>
+          </a:p>
+          <a:p>
+            <a:r>
+              <a:rPr lang="en-US" altLang="ko-KR" sz="1600" b="0" dirty="0" err="1">
+                <a:solidFill>
+                  <a:srgbClr val="7030A0"/>
+                </a:solidFill>
+                <a:effectLst/>
+                <a:latin typeface="ubuntu mono derivative powerline" panose="020B0509030602030204" pitchFamily="49" charset="0"/>
+              </a:rPr>
+              <a:t>np</a:t>
+            </a:r>
+            <a:r>
+              <a:rPr lang="en-US" altLang="ko-KR" sz="1600" b="0" dirty="0" err="1">
+                <a:effectLst/>
+                <a:latin typeface="ubuntu mono derivative powerline" panose="020B0509030602030204" pitchFamily="49" charset="0"/>
+              </a:rPr>
+              <a:t>.</a:t>
+            </a:r>
+            <a:r>
+              <a:rPr lang="en-US" altLang="ko-KR" sz="1600" b="0" dirty="0" err="1">
+                <a:solidFill>
+                  <a:srgbClr val="0000FF"/>
+                </a:solidFill>
+                <a:effectLst/>
+                <a:latin typeface="ubuntu mono derivative powerline" panose="020B0509030602030204" pitchFamily="49" charset="0"/>
+              </a:rPr>
+              <a:t>random</a:t>
+            </a:r>
+            <a:r>
+              <a:rPr lang="en-US" altLang="ko-KR" sz="1600" b="0" dirty="0" err="1">
+                <a:effectLst/>
+                <a:latin typeface="ubuntu mono derivative powerline" panose="020B0509030602030204" pitchFamily="49" charset="0"/>
+              </a:rPr>
+              <a:t>.</a:t>
+            </a:r>
+            <a:r>
+              <a:rPr lang="en-US" altLang="ko-KR" sz="1600" b="0" dirty="0" err="1">
+                <a:solidFill>
+                  <a:srgbClr val="0000FF"/>
+                </a:solidFill>
+                <a:effectLst/>
+                <a:latin typeface="ubuntu mono derivative powerline" panose="020B0509030602030204" pitchFamily="49" charset="0"/>
+              </a:rPr>
+              <a:t>seed</a:t>
+            </a:r>
+            <a:r>
+              <a:rPr lang="en-US" altLang="ko-KR" sz="1600" b="0" dirty="0">
+                <a:effectLst/>
+                <a:latin typeface="ubuntu mono derivative powerline" panose="020B0509030602030204" pitchFamily="49" charset="0"/>
+              </a:rPr>
+              <a:t>(10)</a:t>
+            </a:r>
+          </a:p>
+          <a:p>
+            <a:r>
+              <a:rPr lang="en-US" altLang="ko-KR" sz="1600" b="0" dirty="0" err="1">
+                <a:effectLst/>
+                <a:latin typeface="ubuntu mono derivative powerline" panose="020B0509030602030204" pitchFamily="49" charset="0"/>
+              </a:rPr>
+              <a:t>np_a</a:t>
+            </a:r>
+            <a:r>
+              <a:rPr lang="en-US" altLang="ko-KR" sz="1600" b="0" dirty="0">
+                <a:effectLst/>
+                <a:latin typeface="ubuntu mono derivative powerline" panose="020B0509030602030204" pitchFamily="49" charset="0"/>
+              </a:rPr>
+              <a:t> = </a:t>
+            </a:r>
+            <a:r>
+              <a:rPr lang="en-US" altLang="ko-KR" sz="1600" b="0" dirty="0" err="1">
+                <a:solidFill>
+                  <a:srgbClr val="7030A0"/>
+                </a:solidFill>
+                <a:effectLst/>
+                <a:latin typeface="ubuntu mono derivative powerline" panose="020B0509030602030204" pitchFamily="49" charset="0"/>
+              </a:rPr>
+              <a:t>np</a:t>
+            </a:r>
+            <a:r>
+              <a:rPr lang="en-US" altLang="ko-KR" sz="1600" b="0" dirty="0" err="1">
+                <a:effectLst/>
+                <a:latin typeface="ubuntu mono derivative powerline" panose="020B0509030602030204" pitchFamily="49" charset="0"/>
+              </a:rPr>
+              <a:t>.</a:t>
+            </a:r>
+            <a:r>
+              <a:rPr lang="en-US" altLang="ko-KR" sz="1600" b="0" dirty="0" err="1">
+                <a:solidFill>
+                  <a:srgbClr val="0000FF"/>
+                </a:solidFill>
+                <a:effectLst/>
+                <a:latin typeface="ubuntu mono derivative powerline" panose="020B0509030602030204" pitchFamily="49" charset="0"/>
+              </a:rPr>
+              <a:t>random</a:t>
+            </a:r>
+            <a:r>
+              <a:rPr lang="en-US" altLang="ko-KR" sz="1600" b="0" dirty="0" err="1">
+                <a:effectLst/>
+                <a:latin typeface="ubuntu mono derivative powerline" panose="020B0509030602030204" pitchFamily="49" charset="0"/>
+              </a:rPr>
+              <a:t>.</a:t>
+            </a:r>
+            <a:r>
+              <a:rPr lang="en-US" altLang="ko-KR" sz="1600" b="0" dirty="0" err="1">
+                <a:solidFill>
+                  <a:srgbClr val="0000FF"/>
+                </a:solidFill>
+                <a:effectLst/>
+                <a:latin typeface="ubuntu mono derivative powerline" panose="020B0509030602030204" pitchFamily="49" charset="0"/>
+              </a:rPr>
+              <a:t>rand</a:t>
+            </a:r>
+            <a:r>
+              <a:rPr lang="en-US" altLang="ko-KR" sz="1600" b="0" dirty="0">
+                <a:effectLst/>
+                <a:latin typeface="ubuntu mono derivative powerline" panose="020B0509030602030204" pitchFamily="49" charset="0"/>
+              </a:rPr>
+              <a:t>(10)</a:t>
+            </a:r>
+          </a:p>
+          <a:p>
+            <a:r>
+              <a:rPr lang="en-US" altLang="ko-KR" sz="1600" b="0" dirty="0" err="1">
+                <a:effectLst/>
+                <a:latin typeface="ubuntu mono derivative powerline" panose="020B0509030602030204" pitchFamily="49" charset="0"/>
+              </a:rPr>
+              <a:t>sum_a</a:t>
+            </a:r>
+            <a:r>
+              <a:rPr lang="en-US" altLang="ko-KR" sz="1600" b="0" dirty="0">
+                <a:effectLst/>
+                <a:latin typeface="ubuntu mono derivative powerline" panose="020B0509030602030204" pitchFamily="49" charset="0"/>
+              </a:rPr>
+              <a:t> = 0</a:t>
+            </a:r>
+          </a:p>
+          <a:p>
+            <a:r>
+              <a:rPr lang="en-US" altLang="ko-KR" sz="1600" b="0" dirty="0">
+                <a:effectLst/>
+                <a:latin typeface="ubuntu mono derivative powerline" panose="020B0509030602030204" pitchFamily="49" charset="0"/>
+              </a:rPr>
+              <a:t>for </a:t>
+            </a:r>
+            <a:r>
+              <a:rPr lang="en-US" altLang="ko-KR" sz="1600" b="0" dirty="0">
+                <a:solidFill>
+                  <a:srgbClr val="0000FF"/>
+                </a:solidFill>
+                <a:effectLst/>
+                <a:latin typeface="ubuntu mono derivative powerline" panose="020B0509030602030204" pitchFamily="49" charset="0"/>
+              </a:rPr>
+              <a:t>a</a:t>
+            </a:r>
+            <a:r>
+              <a:rPr lang="en-US" altLang="ko-KR" sz="1600" b="0" dirty="0">
+                <a:effectLst/>
+                <a:latin typeface="ubuntu mono derivative powerline" panose="020B0509030602030204" pitchFamily="49" charset="0"/>
+              </a:rPr>
+              <a:t> in </a:t>
+            </a:r>
+            <a:r>
+              <a:rPr lang="en-US" altLang="ko-KR" sz="1600" b="0" dirty="0" err="1">
+                <a:solidFill>
+                  <a:srgbClr val="0000FF"/>
+                </a:solidFill>
+                <a:effectLst/>
+                <a:latin typeface="ubuntu mono derivative powerline" panose="020B0509030602030204" pitchFamily="49" charset="0"/>
+              </a:rPr>
+              <a:t>np_a</a:t>
+            </a:r>
+            <a:r>
+              <a:rPr lang="en-US" altLang="ko-KR" sz="1600" b="0" dirty="0">
+                <a:effectLst/>
+                <a:latin typeface="ubuntu mono derivative powerline" panose="020B0509030602030204" pitchFamily="49" charset="0"/>
+              </a:rPr>
+              <a:t>:</a:t>
+            </a:r>
+          </a:p>
+          <a:p>
+            <a:r>
+              <a:rPr lang="en-US" altLang="ko-KR" sz="1600" b="0" dirty="0">
+                <a:effectLst/>
+                <a:latin typeface="ubuntu mono derivative powerline" panose="020B0509030602030204" pitchFamily="49" charset="0"/>
+              </a:rPr>
+              <a:t>    </a:t>
+            </a:r>
+            <a:r>
+              <a:rPr lang="en-US" altLang="ko-KR" sz="1600" b="0" dirty="0" err="1">
+                <a:effectLst/>
+                <a:latin typeface="ubuntu mono derivative powerline" panose="020B0509030602030204" pitchFamily="49" charset="0"/>
+              </a:rPr>
+              <a:t>sum_a</a:t>
+            </a:r>
+            <a:r>
+              <a:rPr lang="en-US" altLang="ko-KR" sz="1600" b="0" dirty="0">
+                <a:effectLst/>
+                <a:latin typeface="ubuntu mono derivative powerline" panose="020B0509030602030204" pitchFamily="49" charset="0"/>
+              </a:rPr>
+              <a:t> += </a:t>
+            </a:r>
+            <a:r>
+              <a:rPr lang="en-US" altLang="ko-KR" sz="1600" b="0" dirty="0">
+                <a:solidFill>
+                  <a:srgbClr val="0000FF"/>
+                </a:solidFill>
+                <a:effectLst/>
+                <a:latin typeface="ubuntu mono derivative powerline" panose="020B0509030602030204" pitchFamily="49" charset="0"/>
+              </a:rPr>
+              <a:t>a</a:t>
+            </a:r>
+          </a:p>
+          <a:p>
+            <a:r>
+              <a:rPr lang="en-US" altLang="ko-KR" sz="1600" b="0" dirty="0">
+                <a:solidFill>
+                  <a:srgbClr val="0000FF"/>
+                </a:solidFill>
+                <a:effectLst/>
+                <a:latin typeface="ubuntu mono derivative powerline" panose="020B0509030602030204" pitchFamily="49" charset="0"/>
+              </a:rPr>
+              <a:t>print</a:t>
+            </a:r>
+            <a:r>
+              <a:rPr lang="en-US" altLang="ko-KR" sz="1600" b="0" dirty="0">
+                <a:effectLst/>
+                <a:latin typeface="ubuntu mono derivative powerline" panose="020B0509030602030204" pitchFamily="49" charset="0"/>
+              </a:rPr>
+              <a:t>(</a:t>
+            </a:r>
+            <a:r>
+              <a:rPr lang="en-US" altLang="ko-KR" sz="1600" b="0" dirty="0" err="1">
+                <a:solidFill>
+                  <a:srgbClr val="FF0000"/>
+                </a:solidFill>
+                <a:effectLst/>
+                <a:latin typeface="ubuntu mono derivative powerline" panose="020B0509030602030204" pitchFamily="49" charset="0"/>
+              </a:rPr>
+              <a:t>np_a</a:t>
+            </a:r>
+            <a:r>
+              <a:rPr lang="en-US" altLang="ko-KR" sz="1600" b="0" dirty="0">
+                <a:effectLst/>
+                <a:latin typeface="ubuntu mono derivative powerline" panose="020B0509030602030204" pitchFamily="49" charset="0"/>
+              </a:rPr>
+              <a:t>)</a:t>
+            </a:r>
+          </a:p>
+          <a:p>
+            <a:r>
+              <a:rPr lang="en-US" altLang="ko-KR" sz="1600" b="0" dirty="0">
+                <a:solidFill>
+                  <a:srgbClr val="0000FF"/>
+                </a:solidFill>
+                <a:effectLst/>
+                <a:latin typeface="ubuntu mono derivative powerline" panose="020B0509030602030204" pitchFamily="49" charset="0"/>
+              </a:rPr>
+              <a:t>print</a:t>
+            </a:r>
+            <a:r>
+              <a:rPr lang="en-US" altLang="ko-KR" sz="1600" b="0" dirty="0">
+                <a:effectLst/>
+                <a:latin typeface="ubuntu mono derivative powerline" panose="020B0509030602030204" pitchFamily="49" charset="0"/>
+              </a:rPr>
+              <a:t>(</a:t>
+            </a:r>
+            <a:r>
+              <a:rPr lang="en-US" altLang="ko-KR" sz="1600" b="0" dirty="0" err="1">
+                <a:solidFill>
+                  <a:srgbClr val="FFC000"/>
+                </a:solidFill>
+                <a:effectLst/>
+                <a:latin typeface="ubuntu mono derivative powerline" panose="020B0509030602030204" pitchFamily="49" charset="0"/>
+              </a:rPr>
+              <a:t>sum_a</a:t>
+            </a:r>
+            <a:r>
+              <a:rPr lang="en-US" altLang="ko-KR" sz="1600" b="0" dirty="0">
+                <a:effectLst/>
+                <a:latin typeface="ubuntu mono derivative powerline" panose="020B0509030602030204" pitchFamily="49" charset="0"/>
+              </a:rPr>
+              <a:t>)</a:t>
+            </a:r>
+          </a:p>
+          <a:p>
+            <a:r>
+              <a:rPr lang="en-US" altLang="ko-KR" sz="1600" b="0" dirty="0">
+                <a:solidFill>
+                  <a:srgbClr val="0000FF"/>
+                </a:solidFill>
+                <a:effectLst/>
+                <a:latin typeface="ubuntu mono derivative powerline" panose="020B0509030602030204" pitchFamily="49" charset="0"/>
+              </a:rPr>
+              <a:t>print</a:t>
+            </a:r>
+            <a:r>
+              <a:rPr lang="en-US" altLang="ko-KR" sz="1600" b="0" dirty="0">
+                <a:effectLst/>
+                <a:latin typeface="ubuntu mono derivative powerline" panose="020B0509030602030204" pitchFamily="49" charset="0"/>
+              </a:rPr>
+              <a:t>(</a:t>
+            </a:r>
+            <a:r>
+              <a:rPr lang="en-US" altLang="ko-KR" sz="1600" b="0" dirty="0" err="1">
+                <a:solidFill>
+                  <a:srgbClr val="00B050"/>
+                </a:solidFill>
+                <a:effectLst/>
+                <a:latin typeface="ubuntu mono derivative powerline" panose="020B0509030602030204" pitchFamily="49" charset="0"/>
+              </a:rPr>
+              <a:t>sum_a</a:t>
+            </a:r>
+            <a:r>
+              <a:rPr lang="en-US" altLang="ko-KR" sz="1600" b="0" dirty="0">
+                <a:solidFill>
+                  <a:srgbClr val="00B050"/>
+                </a:solidFill>
+                <a:effectLst/>
+                <a:latin typeface="ubuntu mono derivative powerline" panose="020B0509030602030204" pitchFamily="49" charset="0"/>
+              </a:rPr>
+              <a:t>/10</a:t>
+            </a:r>
+            <a:r>
+              <a:rPr lang="en-US" altLang="ko-KR" sz="1600" b="0" dirty="0">
+                <a:effectLst/>
+                <a:latin typeface="ubuntu mono derivative powerline" panose="020B0509030602030204" pitchFamily="49" charset="0"/>
+              </a:rPr>
+              <a:t>)</a:t>
+            </a:r>
+          </a:p>
+        </p:txBody>
+      </p:sp>
+      <p:sp>
+        <p:nvSpPr>
+          <p:cNvPr id="5" name="내용 개체 틀 8">
+            <a:extLst>
+              <a:ext uri="{FF2B5EF4-FFF2-40B4-BE49-F238E27FC236}">
+                <a16:creationId xmlns:a16="http://schemas.microsoft.com/office/drawing/2014/main" id="{B2DF3CCF-A32B-68CB-42AB-D9882A1E127D}"/>
+              </a:ext>
+            </a:extLst>
+          </p:cNvPr>
+          <p:cNvSpPr txBox="1">
+            <a:spLocks/>
+          </p:cNvSpPr>
+          <p:nvPr/>
+        </p:nvSpPr>
+        <p:spPr>
+          <a:xfrm>
+            <a:off x="5170984" y="1623008"/>
+            <a:ext cx="3744416" cy="288032"/>
+          </a:xfrm>
+          <a:prstGeom prst="rect">
+            <a:avLst/>
+          </a:prstGeom>
+        </p:spPr>
+        <p:txBody>
+          <a:bodyPr/>
+          <a:lstStyle>
+            <a:lvl1pPr marL="285739" indent="-285739" algn="l" rtl="0" eaLnBrk="1" fontAlgn="base" latinLnBrk="1" hangingPunct="1">
+              <a:spcBef>
+                <a:spcPct val="20000"/>
+              </a:spcBef>
+              <a:spcAft>
+                <a:spcPct val="0"/>
+              </a:spcAft>
+              <a:buClr>
+                <a:srgbClr val="0000FF"/>
+              </a:buClr>
+              <a:buSzPct val="90000"/>
+              <a:buFont typeface="Wingdings" pitchFamily="2" charset="2"/>
+              <a:buChar char="n"/>
+              <a:defRPr kumimoji="1" sz="2333" b="1">
+                <a:solidFill>
+                  <a:schemeClr val="tx1"/>
+                </a:solidFill>
+                <a:latin typeface="+mn-lt"/>
+                <a:ea typeface="맑은 고딕" pitchFamily="50" charset="-127"/>
+                <a:cs typeface="+mn-cs"/>
+              </a:defRPr>
+            </a:lvl1pPr>
+            <a:lvl2pPr marL="619100" indent="-238115" algn="l" rtl="0" eaLnBrk="1" fontAlgn="base" latinLnBrk="1" hangingPunct="1">
+              <a:spcBef>
+                <a:spcPct val="20000"/>
+              </a:spcBef>
+              <a:spcAft>
+                <a:spcPct val="0"/>
+              </a:spcAft>
+              <a:buClr>
+                <a:schemeClr val="hlink"/>
+              </a:buClr>
+              <a:buSzPct val="75000"/>
+              <a:buFont typeface="Wingdings" pitchFamily="2" charset="2"/>
+              <a:buChar char="u"/>
+              <a:defRPr kumimoji="1" sz="2167" b="1">
+                <a:solidFill>
+                  <a:schemeClr val="tx1"/>
+                </a:solidFill>
+                <a:latin typeface="+mn-lt"/>
+                <a:ea typeface="맑은 고딕" pitchFamily="50" charset="-127"/>
+              </a:defRPr>
+            </a:lvl2pPr>
+            <a:lvl3pPr marL="952462" indent="-190492" algn="l" rtl="0" eaLnBrk="1" fontAlgn="base" latinLnBrk="1" hangingPunct="1">
+              <a:spcBef>
+                <a:spcPct val="20000"/>
+              </a:spcBef>
+              <a:spcAft>
+                <a:spcPct val="0"/>
+              </a:spcAft>
+              <a:buClr>
+                <a:srgbClr val="3399FF"/>
+              </a:buClr>
+              <a:buSzPct val="55000"/>
+              <a:buFont typeface="Wingdings" pitchFamily="2" charset="2"/>
+              <a:buChar char="l"/>
+              <a:defRPr kumimoji="1" sz="2000" b="1">
+                <a:solidFill>
+                  <a:schemeClr val="tx1"/>
+                </a:solidFill>
+                <a:latin typeface="+mn-lt"/>
+                <a:ea typeface="맑은 고딕" pitchFamily="50" charset="-127"/>
+              </a:defRPr>
+            </a:lvl3pPr>
+            <a:lvl4pPr marL="1333447" indent="-190492" algn="l" rtl="0" eaLnBrk="1" fontAlgn="base" latinLnBrk="1" hangingPunct="1">
+              <a:spcBef>
+                <a:spcPct val="20000"/>
+              </a:spcBef>
+              <a:spcAft>
+                <a:spcPct val="0"/>
+              </a:spcAft>
+              <a:buClr>
+                <a:srgbClr val="009900"/>
+              </a:buClr>
+              <a:buFont typeface="Wingdings" pitchFamily="2" charset="2"/>
+              <a:buChar char="§"/>
+              <a:defRPr kumimoji="1" sz="1833" b="1">
+                <a:solidFill>
+                  <a:schemeClr val="tx1"/>
+                </a:solidFill>
+                <a:latin typeface="+mn-lt"/>
+                <a:ea typeface="맑은 고딕" pitchFamily="50" charset="-127"/>
+              </a:defRPr>
+            </a:lvl4pPr>
+            <a:lvl5pPr marL="1714431" indent="-190492" algn="l" rtl="0" eaLnBrk="1" fontAlgn="base" latinLnBrk="1" hangingPunct="1">
+              <a:spcBef>
+                <a:spcPct val="20000"/>
+              </a:spcBef>
+              <a:spcAft>
+                <a:spcPct val="0"/>
+              </a:spcAft>
+              <a:buClr>
+                <a:schemeClr val="tx1"/>
+              </a:buClr>
+              <a:buFont typeface="Wingdings" pitchFamily="2" charset="2"/>
+              <a:buChar char="§"/>
+              <a:defRPr kumimoji="1" sz="1667" b="1">
+                <a:solidFill>
+                  <a:schemeClr val="tx1"/>
+                </a:solidFill>
+                <a:latin typeface="+mn-lt"/>
+                <a:ea typeface="맑은 고딕" pitchFamily="50" charset="-127"/>
+              </a:defRPr>
+            </a:lvl5pPr>
+            <a:lvl6pPr marL="2095416" indent="-190492" algn="l" rtl="0" eaLnBrk="1" fontAlgn="base" latinLnBrk="1" hangingPunct="1">
+              <a:spcBef>
+                <a:spcPct val="20000"/>
+              </a:spcBef>
+              <a:spcAft>
+                <a:spcPct val="0"/>
+              </a:spcAft>
+              <a:buClr>
+                <a:schemeClr val="tx1"/>
+              </a:buClr>
+              <a:buFont typeface="Wingdings" pitchFamily="2" charset="2"/>
+              <a:buChar char="§"/>
+              <a:defRPr kumimoji="1" sz="1667" b="1">
+                <a:solidFill>
+                  <a:schemeClr val="tx1"/>
+                </a:solidFill>
+                <a:latin typeface="+mn-lt"/>
+                <a:ea typeface="+mn-ea"/>
+              </a:defRPr>
+            </a:lvl6pPr>
+            <a:lvl7pPr marL="2476401" indent="-190492" algn="l" rtl="0" eaLnBrk="1" fontAlgn="base" latinLnBrk="1" hangingPunct="1">
+              <a:spcBef>
+                <a:spcPct val="20000"/>
+              </a:spcBef>
+              <a:spcAft>
+                <a:spcPct val="0"/>
+              </a:spcAft>
+              <a:buClr>
+                <a:schemeClr val="tx1"/>
+              </a:buClr>
+              <a:buFont typeface="Wingdings" pitchFamily="2" charset="2"/>
+              <a:buChar char="§"/>
+              <a:defRPr kumimoji="1" sz="1667" b="1">
+                <a:solidFill>
+                  <a:schemeClr val="tx1"/>
+                </a:solidFill>
+                <a:latin typeface="+mn-lt"/>
+                <a:ea typeface="+mn-ea"/>
+              </a:defRPr>
+            </a:lvl7pPr>
+            <a:lvl8pPr marL="2857386" indent="-190492" algn="l" rtl="0" eaLnBrk="1" fontAlgn="base" latinLnBrk="1" hangingPunct="1">
+              <a:spcBef>
+                <a:spcPct val="20000"/>
+              </a:spcBef>
+              <a:spcAft>
+                <a:spcPct val="0"/>
+              </a:spcAft>
+              <a:buClr>
+                <a:schemeClr val="tx1"/>
+              </a:buClr>
+              <a:buFont typeface="Wingdings" pitchFamily="2" charset="2"/>
+              <a:buChar char="§"/>
+              <a:defRPr kumimoji="1" sz="1667" b="1">
+                <a:solidFill>
+                  <a:schemeClr val="tx1"/>
+                </a:solidFill>
+                <a:latin typeface="+mn-lt"/>
+                <a:ea typeface="+mn-ea"/>
+              </a:defRPr>
+            </a:lvl8pPr>
+            <a:lvl9pPr marL="3238370" indent="-190492" algn="l" rtl="0" eaLnBrk="1" fontAlgn="base" latinLnBrk="1" hangingPunct="1">
+              <a:spcBef>
+                <a:spcPct val="20000"/>
+              </a:spcBef>
+              <a:spcAft>
+                <a:spcPct val="0"/>
+              </a:spcAft>
+              <a:buClr>
+                <a:schemeClr val="tx1"/>
+              </a:buClr>
+              <a:buFont typeface="Wingdings" pitchFamily="2" charset="2"/>
+              <a:buChar char="§"/>
+              <a:defRPr kumimoji="1" sz="1667" b="1">
+                <a:solidFill>
+                  <a:schemeClr val="tx1"/>
+                </a:solidFill>
+                <a:latin typeface="+mn-lt"/>
+                <a:ea typeface="+mn-ea"/>
+              </a:defRPr>
+            </a:lvl9pPr>
+          </a:lstStyle>
+          <a:p>
+            <a:pPr lvl="1"/>
+            <a:r>
+              <a:rPr lang="en-US" altLang="ko-KR" sz="2170" kern="0" dirty="0" err="1"/>
+              <a:t>numpy</a:t>
+            </a:r>
+            <a:r>
+              <a:rPr lang="en-US" altLang="ko-KR" sz="2170" kern="0" dirty="0"/>
+              <a:t> + </a:t>
+            </a:r>
+            <a:r>
+              <a:rPr lang="ko-KR" altLang="en-US" sz="2170" kern="0" dirty="0"/>
+              <a:t>내장함수</a:t>
+            </a:r>
+            <a:endParaRPr lang="en-US" altLang="ko-KR" sz="2170" i="1" kern="0" dirty="0"/>
+          </a:p>
+        </p:txBody>
+      </p:sp>
+      <p:sp>
+        <p:nvSpPr>
+          <p:cNvPr id="6" name="직사각형 5">
+            <a:extLst>
+              <a:ext uri="{FF2B5EF4-FFF2-40B4-BE49-F238E27FC236}">
+                <a16:creationId xmlns:a16="http://schemas.microsoft.com/office/drawing/2014/main" id="{81234736-50E3-17CD-FAB6-91072F1041C0}"/>
+              </a:ext>
+            </a:extLst>
+          </p:cNvPr>
+          <p:cNvSpPr/>
+          <p:nvPr/>
+        </p:nvSpPr>
+        <p:spPr>
+          <a:xfrm>
+            <a:off x="5796136" y="2137420"/>
+            <a:ext cx="2952328" cy="2062103"/>
+          </a:xfrm>
+          <a:prstGeom prst="rect">
+            <a:avLst/>
+          </a:prstGeom>
+        </p:spPr>
+        <p:txBody>
+          <a:bodyPr wrap="square">
+            <a:spAutoFit/>
+          </a:bodyPr>
+          <a:lstStyle/>
+          <a:p>
+            <a:r>
+              <a:rPr lang="en-US" altLang="ko-KR" sz="1600" b="0" dirty="0">
+                <a:solidFill>
+                  <a:srgbClr val="00B050"/>
+                </a:solidFill>
+                <a:effectLst/>
+                <a:latin typeface="ubuntu mono derivative powerline" panose="020B0509030602030204" pitchFamily="49" charset="0"/>
+              </a:rPr>
+              <a:t># solution2</a:t>
+            </a:r>
+          </a:p>
+          <a:p>
+            <a:r>
+              <a:rPr lang="en-US" altLang="ko-KR" sz="1600" dirty="0">
+                <a:solidFill>
+                  <a:srgbClr val="CC9B00"/>
+                </a:solidFill>
+                <a:latin typeface="ubuntu mono derivative powerline" panose="020B0509030602030204" pitchFamily="49" charset="0"/>
+              </a:rPr>
+              <a:t>import</a:t>
+            </a:r>
+            <a:r>
+              <a:rPr lang="en-US" altLang="ko-KR" sz="1600" dirty="0">
+                <a:solidFill>
+                  <a:srgbClr val="00B050"/>
+                </a:solidFill>
+                <a:latin typeface="ubuntu mono derivative powerline" panose="020B0509030602030204" pitchFamily="49" charset="0"/>
+              </a:rPr>
+              <a:t> </a:t>
+            </a:r>
+            <a:r>
+              <a:rPr lang="en-US" altLang="ko-KR" sz="1600" dirty="0" err="1">
+                <a:solidFill>
+                  <a:srgbClr val="7030A0"/>
+                </a:solidFill>
+                <a:latin typeface="ubuntu mono derivative powerline" panose="020B0509030602030204" pitchFamily="49" charset="0"/>
+              </a:rPr>
+              <a:t>numpy</a:t>
+            </a:r>
+            <a:r>
+              <a:rPr lang="en-US" altLang="ko-KR" sz="1600" dirty="0">
+                <a:solidFill>
+                  <a:srgbClr val="00B050"/>
+                </a:solidFill>
+                <a:latin typeface="ubuntu mono derivative powerline" panose="020B0509030602030204" pitchFamily="49" charset="0"/>
+              </a:rPr>
+              <a:t> </a:t>
+            </a:r>
+            <a:r>
+              <a:rPr lang="en-US" altLang="ko-KR" sz="1600" dirty="0">
+                <a:solidFill>
+                  <a:srgbClr val="CC9B00"/>
+                </a:solidFill>
+                <a:latin typeface="ubuntu mono derivative powerline" panose="020B0509030602030204" pitchFamily="49" charset="0"/>
+              </a:rPr>
+              <a:t>as</a:t>
+            </a:r>
+            <a:r>
+              <a:rPr lang="en-US" altLang="ko-KR" sz="1600" dirty="0">
+                <a:solidFill>
+                  <a:srgbClr val="00B050"/>
+                </a:solidFill>
+                <a:latin typeface="ubuntu mono derivative powerline" panose="020B0509030602030204" pitchFamily="49" charset="0"/>
+              </a:rPr>
+              <a:t> </a:t>
+            </a:r>
+            <a:r>
+              <a:rPr lang="en-US" altLang="ko-KR" sz="1600" dirty="0">
+                <a:solidFill>
+                  <a:srgbClr val="7030A0"/>
+                </a:solidFill>
+                <a:latin typeface="ubuntu mono derivative powerline" panose="020B0509030602030204" pitchFamily="49" charset="0"/>
+              </a:rPr>
+              <a:t>np</a:t>
+            </a:r>
+          </a:p>
+          <a:p>
+            <a:endParaRPr lang="en-US" altLang="ko-KR" sz="1600" b="0" dirty="0">
+              <a:solidFill>
+                <a:srgbClr val="00B050"/>
+              </a:solidFill>
+              <a:effectLst/>
+              <a:latin typeface="ubuntu mono derivative powerline" panose="020B0509030602030204" pitchFamily="49" charset="0"/>
+            </a:endParaRPr>
+          </a:p>
+          <a:p>
+            <a:r>
+              <a:rPr lang="en-US" altLang="ko-KR" sz="1600" b="0" dirty="0" err="1">
+                <a:solidFill>
+                  <a:srgbClr val="7030A0"/>
+                </a:solidFill>
+                <a:effectLst/>
+                <a:latin typeface="ubuntu mono derivative powerline" panose="020B0509030602030204" pitchFamily="49" charset="0"/>
+              </a:rPr>
+              <a:t>np</a:t>
+            </a:r>
+            <a:r>
+              <a:rPr lang="en-US" altLang="ko-KR" sz="1600" b="0" dirty="0" err="1">
+                <a:effectLst/>
+                <a:latin typeface="ubuntu mono derivative powerline" panose="020B0509030602030204" pitchFamily="49" charset="0"/>
+              </a:rPr>
+              <a:t>.</a:t>
+            </a:r>
+            <a:r>
+              <a:rPr lang="en-US" altLang="ko-KR" sz="1600" b="0" dirty="0" err="1">
+                <a:solidFill>
+                  <a:srgbClr val="0000FF"/>
+                </a:solidFill>
+                <a:effectLst/>
+                <a:latin typeface="ubuntu mono derivative powerline" panose="020B0509030602030204" pitchFamily="49" charset="0"/>
+              </a:rPr>
+              <a:t>random</a:t>
+            </a:r>
+            <a:r>
+              <a:rPr lang="en-US" altLang="ko-KR" sz="1600" b="0" dirty="0" err="1">
+                <a:effectLst/>
+                <a:latin typeface="ubuntu mono derivative powerline" panose="020B0509030602030204" pitchFamily="49" charset="0"/>
+              </a:rPr>
+              <a:t>.</a:t>
+            </a:r>
+            <a:r>
+              <a:rPr lang="en-US" altLang="ko-KR" sz="1600" b="0" dirty="0" err="1">
+                <a:solidFill>
+                  <a:srgbClr val="0000FF"/>
+                </a:solidFill>
+                <a:effectLst/>
+                <a:latin typeface="ubuntu mono derivative powerline" panose="020B0509030602030204" pitchFamily="49" charset="0"/>
+              </a:rPr>
+              <a:t>seed</a:t>
+            </a:r>
+            <a:r>
+              <a:rPr lang="en-US" altLang="ko-KR" sz="1600" b="0" dirty="0">
+                <a:effectLst/>
+                <a:latin typeface="ubuntu mono derivative powerline" panose="020B0509030602030204" pitchFamily="49" charset="0"/>
+              </a:rPr>
+              <a:t>(10)</a:t>
+            </a:r>
+          </a:p>
+          <a:p>
+            <a:r>
+              <a:rPr lang="en-US" altLang="ko-KR" sz="1600" b="0" dirty="0" err="1">
+                <a:effectLst/>
+                <a:latin typeface="ubuntu mono derivative powerline" panose="020B0509030602030204" pitchFamily="49" charset="0"/>
+              </a:rPr>
+              <a:t>np_a</a:t>
+            </a:r>
+            <a:r>
+              <a:rPr lang="en-US" altLang="ko-KR" sz="1600" b="0" dirty="0">
+                <a:effectLst/>
+                <a:latin typeface="ubuntu mono derivative powerline" panose="020B0509030602030204" pitchFamily="49" charset="0"/>
+              </a:rPr>
+              <a:t> = </a:t>
+            </a:r>
+            <a:r>
+              <a:rPr lang="en-US" altLang="ko-KR" sz="1600" b="0" dirty="0" err="1">
+                <a:solidFill>
+                  <a:srgbClr val="7030A0"/>
+                </a:solidFill>
+                <a:effectLst/>
+                <a:latin typeface="ubuntu mono derivative powerline" panose="020B0509030602030204" pitchFamily="49" charset="0"/>
+              </a:rPr>
+              <a:t>np</a:t>
+            </a:r>
+            <a:r>
+              <a:rPr lang="en-US" altLang="ko-KR" sz="1600" b="0" dirty="0" err="1">
+                <a:effectLst/>
+                <a:latin typeface="ubuntu mono derivative powerline" panose="020B0509030602030204" pitchFamily="49" charset="0"/>
+              </a:rPr>
+              <a:t>.</a:t>
+            </a:r>
+            <a:r>
+              <a:rPr lang="en-US" altLang="ko-KR" sz="1600" b="0" dirty="0" err="1">
+                <a:solidFill>
+                  <a:srgbClr val="0000FF"/>
+                </a:solidFill>
+                <a:effectLst/>
+                <a:latin typeface="ubuntu mono derivative powerline" panose="020B0509030602030204" pitchFamily="49" charset="0"/>
+              </a:rPr>
+              <a:t>random</a:t>
+            </a:r>
+            <a:r>
+              <a:rPr lang="en-US" altLang="ko-KR" sz="1600" b="0" dirty="0" err="1">
+                <a:effectLst/>
+                <a:latin typeface="ubuntu mono derivative powerline" panose="020B0509030602030204" pitchFamily="49" charset="0"/>
+              </a:rPr>
+              <a:t>.</a:t>
+            </a:r>
+            <a:r>
+              <a:rPr lang="en-US" altLang="ko-KR" sz="1600" b="0" dirty="0" err="1">
+                <a:solidFill>
+                  <a:srgbClr val="0000FF"/>
+                </a:solidFill>
+                <a:effectLst/>
+                <a:latin typeface="ubuntu mono derivative powerline" panose="020B0509030602030204" pitchFamily="49" charset="0"/>
+              </a:rPr>
+              <a:t>rand</a:t>
+            </a:r>
+            <a:r>
+              <a:rPr lang="en-US" altLang="ko-KR" sz="1600" b="0" dirty="0">
+                <a:effectLst/>
+                <a:latin typeface="ubuntu mono derivative powerline" panose="020B0509030602030204" pitchFamily="49" charset="0"/>
+              </a:rPr>
+              <a:t>(1, 10)</a:t>
+            </a:r>
+          </a:p>
+          <a:p>
+            <a:r>
+              <a:rPr lang="en-US" altLang="ko-KR" sz="1600" b="0" dirty="0">
+                <a:solidFill>
+                  <a:srgbClr val="0000FF"/>
+                </a:solidFill>
+                <a:effectLst/>
+                <a:latin typeface="ubuntu mono derivative powerline" panose="020B0509030602030204" pitchFamily="49" charset="0"/>
+              </a:rPr>
+              <a:t>print</a:t>
+            </a:r>
+            <a:r>
+              <a:rPr lang="en-US" altLang="ko-KR" sz="1600" b="0" dirty="0">
+                <a:effectLst/>
+                <a:latin typeface="ubuntu mono derivative powerline" panose="020B0509030602030204" pitchFamily="49" charset="0"/>
+              </a:rPr>
+              <a:t>(</a:t>
+            </a:r>
+            <a:r>
+              <a:rPr lang="en-US" altLang="ko-KR" sz="1600" b="0" dirty="0" err="1">
+                <a:solidFill>
+                  <a:srgbClr val="FF0000"/>
+                </a:solidFill>
+                <a:effectLst/>
+                <a:latin typeface="ubuntu mono derivative powerline" panose="020B0509030602030204" pitchFamily="49" charset="0"/>
+              </a:rPr>
+              <a:t>np_a</a:t>
+            </a:r>
+            <a:r>
+              <a:rPr lang="en-US" altLang="ko-KR" sz="1600" b="0" dirty="0">
+                <a:effectLst/>
+                <a:latin typeface="ubuntu mono derivative powerline" panose="020B0509030602030204" pitchFamily="49" charset="0"/>
+              </a:rPr>
+              <a:t>)</a:t>
+            </a:r>
+          </a:p>
+          <a:p>
+            <a:r>
+              <a:rPr lang="en-US" altLang="ko-KR" sz="1600" b="0" dirty="0">
+                <a:solidFill>
+                  <a:srgbClr val="0000FF"/>
+                </a:solidFill>
+                <a:effectLst/>
+                <a:latin typeface="ubuntu mono derivative powerline" panose="020B0509030602030204" pitchFamily="49" charset="0"/>
+              </a:rPr>
+              <a:t>print</a:t>
+            </a:r>
+            <a:r>
+              <a:rPr lang="en-US" altLang="ko-KR" sz="1600" b="0" dirty="0">
+                <a:effectLst/>
+                <a:latin typeface="ubuntu mono derivative powerline" panose="020B0509030602030204" pitchFamily="49" charset="0"/>
+              </a:rPr>
+              <a:t>(</a:t>
+            </a:r>
+            <a:r>
+              <a:rPr lang="en-US" altLang="ko-KR" sz="1600" b="0" dirty="0" err="1">
+                <a:solidFill>
+                  <a:srgbClr val="FFC000"/>
+                </a:solidFill>
+                <a:effectLst/>
+                <a:latin typeface="ubuntu mono derivative powerline" panose="020B0509030602030204" pitchFamily="49" charset="0"/>
+              </a:rPr>
+              <a:t>np_a</a:t>
+            </a:r>
+            <a:r>
+              <a:rPr lang="en-US" altLang="ko-KR" sz="1600" b="0" dirty="0" err="1">
+                <a:effectLst/>
+                <a:latin typeface="ubuntu mono derivative powerline" panose="020B0509030602030204" pitchFamily="49" charset="0"/>
+              </a:rPr>
+              <a:t>.</a:t>
+            </a:r>
+            <a:r>
+              <a:rPr lang="en-US" altLang="ko-KR" sz="1600" b="0" dirty="0" err="1">
+                <a:solidFill>
+                  <a:srgbClr val="0000FF"/>
+                </a:solidFill>
+                <a:effectLst/>
+                <a:latin typeface="ubuntu mono derivative powerline" panose="020B0509030602030204" pitchFamily="49" charset="0"/>
+              </a:rPr>
+              <a:t>sum</a:t>
+            </a:r>
+            <a:r>
+              <a:rPr lang="en-US" altLang="ko-KR" sz="1600" b="0" dirty="0">
+                <a:effectLst/>
+                <a:latin typeface="ubuntu mono derivative powerline" panose="020B0509030602030204" pitchFamily="49" charset="0"/>
+              </a:rPr>
+              <a:t>())</a:t>
+            </a:r>
+          </a:p>
+          <a:p>
+            <a:r>
+              <a:rPr lang="en-US" altLang="ko-KR" sz="1600" b="0" dirty="0">
+                <a:solidFill>
+                  <a:srgbClr val="0000FF"/>
+                </a:solidFill>
+                <a:effectLst/>
+                <a:latin typeface="ubuntu mono derivative powerline" panose="020B0509030602030204" pitchFamily="49" charset="0"/>
+              </a:rPr>
+              <a:t>print</a:t>
+            </a:r>
+            <a:r>
+              <a:rPr lang="en-US" altLang="ko-KR" sz="1600" b="0" dirty="0">
+                <a:effectLst/>
+                <a:latin typeface="ubuntu mono derivative powerline" panose="020B0509030602030204" pitchFamily="49" charset="0"/>
+              </a:rPr>
+              <a:t>(</a:t>
+            </a:r>
+            <a:r>
+              <a:rPr lang="en-US" altLang="ko-KR" sz="1600" b="0" dirty="0" err="1">
+                <a:solidFill>
+                  <a:srgbClr val="00B050"/>
+                </a:solidFill>
+                <a:effectLst/>
+                <a:latin typeface="ubuntu mono derivative powerline" panose="020B0509030602030204" pitchFamily="49" charset="0"/>
+              </a:rPr>
+              <a:t>np_a</a:t>
+            </a:r>
+            <a:r>
+              <a:rPr lang="en-US" altLang="ko-KR" sz="1600" b="0" dirty="0" err="1">
+                <a:effectLst/>
+                <a:latin typeface="ubuntu mono derivative powerline" panose="020B0509030602030204" pitchFamily="49" charset="0"/>
+              </a:rPr>
+              <a:t>.</a:t>
+            </a:r>
+            <a:r>
+              <a:rPr lang="en-US" altLang="ko-KR" sz="1600" b="0" dirty="0" err="1">
+                <a:solidFill>
+                  <a:srgbClr val="0000FF"/>
+                </a:solidFill>
+                <a:effectLst/>
+                <a:latin typeface="ubuntu mono derivative powerline" panose="020B0509030602030204" pitchFamily="49" charset="0"/>
+              </a:rPr>
+              <a:t>mean</a:t>
+            </a:r>
+            <a:r>
+              <a:rPr lang="en-US" altLang="ko-KR" sz="1600" b="0" dirty="0">
+                <a:effectLst/>
+                <a:latin typeface="ubuntu mono derivative powerline" panose="020B0509030602030204" pitchFamily="49" charset="0"/>
+              </a:rPr>
+              <a:t>())</a:t>
+            </a:r>
+          </a:p>
+        </p:txBody>
+      </p:sp>
+      <p:sp>
+        <p:nvSpPr>
+          <p:cNvPr id="8" name="직사각형 7">
+            <a:extLst>
+              <a:ext uri="{FF2B5EF4-FFF2-40B4-BE49-F238E27FC236}">
+                <a16:creationId xmlns:a16="http://schemas.microsoft.com/office/drawing/2014/main" id="{FEEF1A67-6030-8978-A80B-0347FBA6318A}"/>
+              </a:ext>
+            </a:extLst>
+          </p:cNvPr>
+          <p:cNvSpPr/>
+          <p:nvPr/>
+        </p:nvSpPr>
+        <p:spPr>
+          <a:xfrm>
+            <a:off x="3599384" y="4425903"/>
+            <a:ext cx="5365104" cy="1200329"/>
+          </a:xfrm>
+          <a:prstGeom prst="rect">
+            <a:avLst/>
+          </a:prstGeom>
+        </p:spPr>
+        <p:txBody>
+          <a:bodyPr wrap="square">
+            <a:spAutoFit/>
+          </a:bodyPr>
+          <a:lstStyle/>
+          <a:p>
+            <a:r>
+              <a:rPr lang="en-US" altLang="ko-KR" sz="1200" b="0" dirty="0">
+                <a:solidFill>
+                  <a:srgbClr val="FF0000"/>
+                </a:solidFill>
+                <a:effectLst/>
+                <a:latin typeface="ubuntu mono derivative powerline" panose="020B0509030602030204" pitchFamily="49" charset="0"/>
+              </a:rPr>
+              <a:t>[[0.77132064 0.02075195 0.63364823 0.74880388 0.49850701 0.22479665</a:t>
+            </a:r>
+          </a:p>
+          <a:p>
+            <a:r>
+              <a:rPr lang="en-US" altLang="ko-KR" sz="1200" b="0" dirty="0">
+                <a:solidFill>
+                  <a:srgbClr val="FF0000"/>
+                </a:solidFill>
+                <a:effectLst/>
+                <a:latin typeface="ubuntu mono derivative powerline" panose="020B0509030602030204" pitchFamily="49" charset="0"/>
+              </a:rPr>
+              <a:t>  0.19806286 0.76053071 0.16911084 0.08833981]]</a:t>
+            </a:r>
+          </a:p>
+          <a:p>
+            <a:endParaRPr lang="en-US" altLang="ko-KR" sz="1200" b="0" dirty="0">
+              <a:solidFill>
+                <a:srgbClr val="FF0000"/>
+              </a:solidFill>
+              <a:effectLst/>
+              <a:latin typeface="ubuntu mono derivative powerline" panose="020B0509030602030204" pitchFamily="49" charset="0"/>
+            </a:endParaRPr>
+          </a:p>
+          <a:p>
+            <a:r>
+              <a:rPr lang="en-US" altLang="ko-KR" sz="1200" b="0" dirty="0">
+                <a:solidFill>
+                  <a:srgbClr val="FFC000"/>
+                </a:solidFill>
+                <a:effectLst/>
+                <a:latin typeface="ubuntu mono derivative powerline" panose="020B0509030602030204" pitchFamily="49" charset="0"/>
+              </a:rPr>
+              <a:t>4.113872595619601</a:t>
+            </a:r>
+          </a:p>
+          <a:p>
+            <a:endParaRPr lang="en-US" altLang="ko-KR" sz="1200" b="0" dirty="0">
+              <a:solidFill>
+                <a:srgbClr val="FF0000"/>
+              </a:solidFill>
+              <a:effectLst/>
+              <a:latin typeface="ubuntu mono derivative powerline" panose="020B0509030602030204" pitchFamily="49" charset="0"/>
+            </a:endParaRPr>
+          </a:p>
+          <a:p>
+            <a:r>
+              <a:rPr lang="en-US" altLang="ko-KR" sz="1200" b="0" dirty="0">
+                <a:solidFill>
+                  <a:srgbClr val="00B050"/>
+                </a:solidFill>
+                <a:effectLst/>
+                <a:latin typeface="ubuntu mono derivative powerline" panose="020B0509030602030204" pitchFamily="49" charset="0"/>
+              </a:rPr>
+              <a:t>0.41138725956196015</a:t>
+            </a:r>
+          </a:p>
+        </p:txBody>
+      </p:sp>
+    </p:spTree>
+    <p:extLst>
+      <p:ext uri="{BB962C8B-B14F-4D97-AF65-F5344CB8AC3E}">
+        <p14:creationId xmlns:p14="http://schemas.microsoft.com/office/powerpoint/2010/main" val="964591283"/>
+      </p:ext>
+    </p:extLst>
+  </p:cSld>
+  <p:clrMapOvr>
+    <a:masterClrMapping/>
+  </p:clrMapOvr>
+</p:sld>
+</file>
+
+<file path=ppt/slides/slide21.xml><?xml version="1.0" encoding="utf-8"?>
+<p:sld xmlns:a="http://schemas.openxmlformats.org/drawingml/2006/main" xmlns:r="http://schemas.openxmlformats.org/officeDocument/2006/relationships" xmlns:p="http://schemas.openxmlformats.org/presentationml/2006/main">
+  <p:cSld>
+    <p:spTree>
+      <p:nvGrpSpPr>
+        <p:cNvPr id="1" name=""/>
+        <p:cNvGrpSpPr/>
+        <p:nvPr/>
+      </p:nvGrpSpPr>
+      <p:grpSpPr>
+        <a:xfrm>
+          <a:off x="0" y="0"/>
+          <a:ext cx="0" cy="0"/>
+          <a:chOff x="0" y="0"/>
+          <a:chExt cx="0" cy="0"/>
+        </a:xfrm>
+      </p:grpSpPr>
+      <p:sp>
+        <p:nvSpPr>
+          <p:cNvPr id="2" name="제목 1"/>
+          <p:cNvSpPr>
+            <a:spLocks noGrp="1"/>
+          </p:cNvSpPr>
+          <p:nvPr>
+            <p:ph type="title"/>
+          </p:nvPr>
+        </p:nvSpPr>
+        <p:spPr/>
+        <p:txBody>
+          <a:bodyPr/>
+          <a:lstStyle/>
+          <a:p>
+            <a:r>
+              <a:rPr lang="en-US" altLang="ko-KR" dirty="0"/>
+              <a:t>3.1 </a:t>
+            </a:r>
+            <a:r>
+              <a:rPr lang="ko-KR" altLang="en-US" dirty="0" err="1"/>
+              <a:t>파이썬의</a:t>
+            </a:r>
+            <a:r>
+              <a:rPr lang="ko-KR" altLang="en-US" dirty="0"/>
+              <a:t> 자료구조</a:t>
+            </a:r>
+          </a:p>
+        </p:txBody>
+      </p:sp>
+      <p:sp>
+        <p:nvSpPr>
+          <p:cNvPr id="3" name="내용 개체 틀 2"/>
+          <p:cNvSpPr>
+            <a:spLocks noGrp="1"/>
+          </p:cNvSpPr>
+          <p:nvPr>
+            <p:ph idx="1"/>
+          </p:nvPr>
+        </p:nvSpPr>
+        <p:spPr/>
+        <p:txBody>
+          <a:bodyPr>
+            <a:normAutofit/>
+          </a:bodyPr>
+          <a:lstStyle/>
+          <a:p>
+            <a:r>
+              <a:rPr lang="en-US" altLang="ko-KR" dirty="0"/>
+              <a:t>3.3 </a:t>
+            </a:r>
+            <a:r>
+              <a:rPr lang="en-US" altLang="ko-KR" dirty="0" err="1"/>
+              <a:t>numpy</a:t>
+            </a:r>
+            <a:r>
+              <a:rPr lang="en-US" altLang="ko-KR" dirty="0"/>
+              <a:t> </a:t>
+            </a:r>
+            <a:r>
+              <a:rPr lang="ko-KR" altLang="en-US" dirty="0"/>
+              <a:t>실습</a:t>
+            </a:r>
+            <a:r>
+              <a:rPr lang="en-US" altLang="ko-KR" dirty="0"/>
+              <a:t>3</a:t>
+            </a:r>
+          </a:p>
+          <a:p>
+            <a:pPr lvl="1"/>
+            <a:r>
+              <a:rPr lang="ko-KR" altLang="en-US" dirty="0"/>
+              <a:t>조건</a:t>
+            </a:r>
+            <a:endParaRPr lang="en-US" altLang="ko-KR" dirty="0"/>
+          </a:p>
+          <a:p>
+            <a:pPr lvl="2"/>
+            <a:r>
+              <a:rPr lang="ko-KR" altLang="en-US" sz="1600" dirty="0"/>
+              <a:t>입력</a:t>
+            </a:r>
+            <a:endParaRPr lang="en-US" altLang="ko-KR" sz="1600" dirty="0"/>
+          </a:p>
+          <a:p>
+            <a:pPr lvl="3"/>
+            <a:r>
+              <a:rPr lang="ko-KR" altLang="en-US" sz="1433" dirty="0"/>
+              <a:t>자유</a:t>
+            </a:r>
+            <a:endParaRPr lang="en-US" altLang="ko-KR" sz="1433" dirty="0"/>
+          </a:p>
+          <a:p>
+            <a:pPr lvl="3"/>
+            <a:endParaRPr lang="en-US" altLang="ko-KR" sz="1433" dirty="0"/>
+          </a:p>
+          <a:p>
+            <a:pPr lvl="2"/>
+            <a:r>
+              <a:rPr lang="ko-KR" altLang="en-US" sz="1600" dirty="0"/>
+              <a:t>조건</a:t>
+            </a:r>
+            <a:endParaRPr lang="en-US" altLang="ko-KR" sz="1600" dirty="0"/>
+          </a:p>
+          <a:p>
+            <a:pPr lvl="3"/>
+            <a:r>
+              <a:rPr lang="en-US" altLang="ko-KR" sz="1433" dirty="0"/>
+              <a:t>0~50 </a:t>
+            </a:r>
+            <a:r>
+              <a:rPr lang="ko-KR" altLang="en-US" sz="1433" dirty="0"/>
+              <a:t>사이의 임의의 원소</a:t>
+            </a:r>
+            <a:r>
+              <a:rPr lang="en-US" altLang="ko-KR" sz="1433" dirty="0"/>
+              <a:t>(</a:t>
+            </a:r>
+            <a:r>
+              <a:rPr lang="ko-KR" altLang="en-US" sz="1433" dirty="0"/>
+              <a:t>정수형</a:t>
+            </a:r>
+            <a:r>
+              <a:rPr lang="en-US" altLang="ko-KR" sz="1433" dirty="0"/>
+              <a:t>, </a:t>
+            </a:r>
+            <a:r>
+              <a:rPr lang="ko-KR" altLang="en-US" sz="1433" dirty="0"/>
+              <a:t>중복가능</a:t>
+            </a:r>
+            <a:r>
+              <a:rPr lang="en-US" altLang="ko-KR" sz="1433" dirty="0"/>
+              <a:t>)</a:t>
+            </a:r>
+            <a:r>
+              <a:rPr lang="ko-KR" altLang="en-US" sz="1433" dirty="0"/>
+              <a:t>를 </a:t>
+            </a:r>
+            <a:r>
+              <a:rPr lang="en-US" altLang="ko-KR" sz="1433" dirty="0"/>
+              <a:t>500</a:t>
+            </a:r>
+            <a:r>
+              <a:rPr lang="ko-KR" altLang="en-US" sz="1433" dirty="0"/>
+              <a:t>개 만들어서</a:t>
+            </a:r>
+            <a:br>
+              <a:rPr lang="en-US" altLang="ko-KR" sz="1433" dirty="0"/>
+            </a:br>
+            <a:r>
+              <a:rPr lang="ko-KR" altLang="en-US" sz="1433" dirty="0"/>
+              <a:t>가장 많이 나온 </a:t>
+            </a:r>
+            <a:r>
+              <a:rPr lang="ko-KR" altLang="en-US" sz="1433" dirty="0" err="1">
+                <a:solidFill>
+                  <a:srgbClr val="FF0000"/>
+                </a:solidFill>
+              </a:rPr>
+              <a:t>원소값</a:t>
+            </a:r>
+            <a:r>
+              <a:rPr lang="ko-KR" altLang="en-US" sz="1433" dirty="0" err="1"/>
+              <a:t>과</a:t>
+            </a:r>
+            <a:r>
+              <a:rPr lang="ko-KR" altLang="en-US" sz="1433" dirty="0"/>
+              <a:t> </a:t>
+            </a:r>
+            <a:r>
+              <a:rPr lang="ko-KR" altLang="en-US" sz="1433" dirty="0">
+                <a:solidFill>
+                  <a:srgbClr val="00B050"/>
+                </a:solidFill>
+              </a:rPr>
+              <a:t>중복횟수</a:t>
+            </a:r>
+            <a:r>
+              <a:rPr lang="ko-KR" altLang="en-US" sz="1433" dirty="0"/>
+              <a:t>로 출력하라</a:t>
+            </a:r>
+            <a:r>
+              <a:rPr lang="en-US" altLang="ko-KR" sz="1433" dirty="0"/>
+              <a:t>.</a:t>
+            </a:r>
+          </a:p>
+          <a:p>
+            <a:pPr lvl="3"/>
+            <a:endParaRPr lang="en-US" altLang="ko-KR" sz="1433" dirty="0"/>
+          </a:p>
+          <a:p>
+            <a:pPr lvl="2"/>
+            <a:r>
+              <a:rPr lang="ko-KR" altLang="en-US" sz="1600" dirty="0"/>
+              <a:t>출력 예시</a:t>
+            </a:r>
+            <a:endParaRPr lang="en-US" altLang="ko-KR" sz="1600" dirty="0"/>
+          </a:p>
+        </p:txBody>
+      </p:sp>
+      <p:sp>
+        <p:nvSpPr>
+          <p:cNvPr id="7" name="직사각형 6">
+            <a:extLst>
+              <a:ext uri="{FF2B5EF4-FFF2-40B4-BE49-F238E27FC236}">
+                <a16:creationId xmlns:a16="http://schemas.microsoft.com/office/drawing/2014/main" id="{6D21478B-AEAF-215D-1B66-4EB4EE3C79AF}"/>
+              </a:ext>
+            </a:extLst>
+          </p:cNvPr>
+          <p:cNvSpPr/>
+          <p:nvPr/>
+        </p:nvSpPr>
+        <p:spPr>
+          <a:xfrm>
+            <a:off x="1835696" y="4225652"/>
+            <a:ext cx="5544616" cy="461665"/>
+          </a:xfrm>
+          <a:prstGeom prst="rect">
+            <a:avLst/>
+          </a:prstGeom>
+        </p:spPr>
+        <p:txBody>
+          <a:bodyPr wrap="square">
+            <a:spAutoFit/>
+          </a:bodyPr>
+          <a:lstStyle/>
+          <a:p>
+            <a:r>
+              <a:rPr lang="ko-KR" altLang="en-US" sz="1200" b="0" dirty="0">
+                <a:solidFill>
+                  <a:srgbClr val="FF0000"/>
+                </a:solidFill>
+                <a:effectLst/>
+                <a:latin typeface="ubuntu mono derivative powerline" panose="020B0509030602030204" pitchFamily="49" charset="0"/>
+              </a:rPr>
+              <a:t>가장 많이 나온 원소</a:t>
+            </a:r>
+            <a:r>
+              <a:rPr lang="en-US" altLang="ko-KR" sz="1200" b="0" dirty="0">
+                <a:solidFill>
+                  <a:srgbClr val="FF0000"/>
+                </a:solidFill>
+                <a:effectLst/>
+                <a:latin typeface="ubuntu mono derivative powerline" panose="020B0509030602030204" pitchFamily="49" charset="0"/>
+              </a:rPr>
+              <a:t>: 102</a:t>
+            </a:r>
+          </a:p>
+          <a:p>
+            <a:r>
+              <a:rPr lang="ko-KR" altLang="en-US" sz="1200" dirty="0">
+                <a:solidFill>
+                  <a:srgbClr val="00B050"/>
+                </a:solidFill>
+                <a:latin typeface="ubuntu mono derivative powerline" panose="020B0509030602030204" pitchFamily="49" charset="0"/>
+              </a:rPr>
+              <a:t>중복횟수</a:t>
+            </a:r>
+            <a:r>
+              <a:rPr lang="en-US" altLang="ko-KR" sz="1200" dirty="0">
+                <a:solidFill>
+                  <a:srgbClr val="00B050"/>
+                </a:solidFill>
+                <a:latin typeface="ubuntu mono derivative powerline" panose="020B0509030602030204" pitchFamily="49" charset="0"/>
+              </a:rPr>
+              <a:t>: 4</a:t>
+            </a:r>
+            <a:r>
+              <a:rPr lang="ko-KR" altLang="en-US" sz="1200" dirty="0">
+                <a:solidFill>
+                  <a:srgbClr val="00B050"/>
+                </a:solidFill>
+                <a:latin typeface="ubuntu mono derivative powerline" panose="020B0509030602030204" pitchFamily="49" charset="0"/>
+              </a:rPr>
+              <a:t>회</a:t>
+            </a:r>
+            <a:endParaRPr lang="en-US" altLang="ko-KR" sz="1200" b="0" dirty="0">
+              <a:solidFill>
+                <a:srgbClr val="00B050"/>
+              </a:solidFill>
+              <a:effectLst/>
+              <a:latin typeface="ubuntu mono derivative powerline" panose="020B0509030602030204" pitchFamily="49" charset="0"/>
+            </a:endParaRPr>
+          </a:p>
+        </p:txBody>
+      </p:sp>
+    </p:spTree>
+    <p:extLst>
+      <p:ext uri="{BB962C8B-B14F-4D97-AF65-F5344CB8AC3E}">
+        <p14:creationId xmlns:p14="http://schemas.microsoft.com/office/powerpoint/2010/main" val="1968433150"/>
+      </p:ext>
+    </p:extLst>
+  </p:cSld>
+  <p:clrMapOvr>
+    <a:masterClrMapping/>
+  </p:clrMapOvr>
+</p:sld>
+</file>
+
+<file path=ppt/slides/slide22.xml><?xml version="1.0" encoding="utf-8"?>
+<p:sld xmlns:a="http://schemas.openxmlformats.org/drawingml/2006/main" xmlns:r="http://schemas.openxmlformats.org/officeDocument/2006/relationships" xmlns:p="http://schemas.openxmlformats.org/presentationml/2006/main">
+  <p:cSld>
+    <p:spTree>
+      <p:nvGrpSpPr>
+        <p:cNvPr id="1" name=""/>
+        <p:cNvGrpSpPr/>
+        <p:nvPr/>
+      </p:nvGrpSpPr>
+      <p:grpSpPr>
+        <a:xfrm>
+          <a:off x="0" y="0"/>
+          <a:ext cx="0" cy="0"/>
+          <a:chOff x="0" y="0"/>
+          <a:chExt cx="0" cy="0"/>
+        </a:xfrm>
+      </p:grpSpPr>
+      <p:sp>
+        <p:nvSpPr>
+          <p:cNvPr id="2" name="제목 1"/>
+          <p:cNvSpPr>
+            <a:spLocks noGrp="1"/>
+          </p:cNvSpPr>
+          <p:nvPr>
+            <p:ph type="title"/>
+          </p:nvPr>
+        </p:nvSpPr>
+        <p:spPr/>
+        <p:txBody>
+          <a:bodyPr/>
+          <a:lstStyle/>
+          <a:p>
+            <a:r>
+              <a:rPr lang="en-US" altLang="ko-KR" dirty="0"/>
+              <a:t>3.1 </a:t>
+            </a:r>
+            <a:r>
+              <a:rPr lang="ko-KR" altLang="en-US" dirty="0" err="1"/>
+              <a:t>파이썬의</a:t>
+            </a:r>
+            <a:r>
+              <a:rPr lang="ko-KR" altLang="en-US" dirty="0"/>
+              <a:t> 자료구조</a:t>
+            </a:r>
+          </a:p>
+        </p:txBody>
+      </p:sp>
+      <p:sp>
+        <p:nvSpPr>
+          <p:cNvPr id="3" name="내용 개체 틀 2"/>
+          <p:cNvSpPr>
+            <a:spLocks noGrp="1"/>
+          </p:cNvSpPr>
+          <p:nvPr>
+            <p:ph idx="1"/>
+          </p:nvPr>
+        </p:nvSpPr>
+        <p:spPr>
+          <a:xfrm>
+            <a:off x="685800" y="1206500"/>
+            <a:ext cx="8229600" cy="4419732"/>
+          </a:xfrm>
+        </p:spPr>
+        <p:txBody>
+          <a:bodyPr>
+            <a:normAutofit/>
+          </a:bodyPr>
+          <a:lstStyle/>
+          <a:p>
+            <a:r>
+              <a:rPr lang="en-US" altLang="ko-KR" dirty="0"/>
+              <a:t>3.3 </a:t>
+            </a:r>
+            <a:r>
+              <a:rPr lang="en-US" altLang="ko-KR" dirty="0" err="1"/>
+              <a:t>numpy</a:t>
+            </a:r>
+            <a:r>
+              <a:rPr lang="en-US" altLang="ko-KR" dirty="0"/>
+              <a:t> </a:t>
+            </a:r>
+            <a:r>
+              <a:rPr lang="ko-KR" altLang="en-US" dirty="0"/>
+              <a:t>실습</a:t>
+            </a:r>
+            <a:r>
+              <a:rPr lang="en-US" altLang="ko-KR" dirty="0"/>
+              <a:t>3</a:t>
             </a:r>
           </a:p>
           <a:p>
@@ -16348,7 +17580,7 @@
 </p:sld>
 </file>
 
-<file path=ppt/slides/slide21.xml><?xml version="1.0" encoding="utf-8"?>
+<file path=ppt/slides/slide23.xml><?xml version="1.0" encoding="utf-8"?>
 <p:sld xmlns:a="http://schemas.openxmlformats.org/drawingml/2006/main" xmlns:r="http://schemas.openxmlformats.org/officeDocument/2006/relationships" xmlns:p="http://schemas.openxmlformats.org/presentationml/2006/main">
   <p:cSld>
     <p:spTree>
@@ -16435,7 +17667,7 @@
             </a:r>
             <a:r>
               <a:rPr lang="en-US" altLang="ko-KR" dirty="0"/>
-              <a:t>2</a:t>
+              <a:t>3</a:t>
             </a:r>
           </a:p>
           <a:p>
@@ -16491,7 +17723,7 @@
         <p:spPr>
           <a:xfrm>
             <a:off x="1187624" y="2641476"/>
-            <a:ext cx="6840760" cy="2308324"/>
+            <a:ext cx="6840760" cy="2554545"/>
           </a:xfrm>
           <a:prstGeom prst="rect">
             <a:avLst/>
@@ -16511,7 +17743,19 @@
                 <a:effectLst/>
                 <a:latin typeface="ubuntu mono derivative powerline" panose="020B0509030602030204" pitchFamily="49" charset="0"/>
               </a:rPr>
-              <a:t># </a:t>
+              <a:t># solution1</a:t>
+            </a:r>
+          </a:p>
+          <a:p>
+            <a:r>
+              <a:rPr lang="en-US" altLang="ko-KR" sz="1600" b="0" dirty="0">
+                <a:solidFill>
+                  <a:srgbClr val="00B050"/>
+                </a:solidFill>
+                <a:effectLst/>
+                <a:latin typeface="ubuntu mono derivative powerline" panose="020B0509030602030204" pitchFamily="49" charset="0"/>
+              </a:rPr>
+              <a:t>## </a:t>
             </a:r>
             <a:r>
               <a:rPr lang="ko-KR" altLang="en-US" sz="1600" b="0" dirty="0">
@@ -16861,10 +18105,10 @@
       </p:sp>
       <p:sp>
         <p:nvSpPr>
-          <p:cNvPr id="8" name="직사각형 7">
+          <p:cNvPr id="5" name="직사각형 4">
             <a:extLst>
               <a:ext uri="{FF2B5EF4-FFF2-40B4-BE49-F238E27FC236}">
-                <a16:creationId xmlns:a16="http://schemas.microsoft.com/office/drawing/2014/main" id="{FEEF1A67-6030-8978-A80B-0347FBA6318A}"/>
+                <a16:creationId xmlns:a16="http://schemas.microsoft.com/office/drawing/2014/main" id="{A9FD7E09-8432-D73A-C14B-C2B2443377F9}"/>
               </a:ext>
             </a:extLst>
           </p:cNvPr>
@@ -16873,7 +18117,7 @@
         </p:nvSpPr>
         <p:spPr>
           <a:xfrm>
-            <a:off x="6228184" y="3721597"/>
+            <a:off x="6228184" y="3981783"/>
             <a:ext cx="2520280" cy="461665"/>
           </a:xfrm>
           <a:prstGeom prst="rect">
@@ -16947,10 +18191,10 @@
       </p:sp>
       <p:sp>
         <p:nvSpPr>
-          <p:cNvPr id="7" name="내용 개체 틀 8">
+          <p:cNvPr id="6" name="내용 개체 틀 8">
             <a:extLst>
               <a:ext uri="{FF2B5EF4-FFF2-40B4-BE49-F238E27FC236}">
-                <a16:creationId xmlns:a16="http://schemas.microsoft.com/office/drawing/2014/main" id="{70B25095-9C9E-2EC1-E15C-2A992EB1B2CB}"/>
+                <a16:creationId xmlns:a16="http://schemas.microsoft.com/office/drawing/2014/main" id="{E1040BFF-91CD-4D13-285E-0E65C6C48C73}"/>
               </a:ext>
             </a:extLst>
           </p:cNvPr>
@@ -16961,7 +18205,7 @@
         </p:nvSpPr>
         <p:spPr>
           <a:xfrm>
-            <a:off x="5470220" y="3387081"/>
+            <a:off x="5470220" y="3647267"/>
             <a:ext cx="2376264" cy="288032"/>
           </a:xfrm>
           <a:prstGeom prst="rect">
@@ -17182,7 +18426,7 @@
 </p:sld>
 </file>
 
-<file path=ppt/slides/slide22.xml><?xml version="1.0" encoding="utf-8"?>
+<file path=ppt/slides/slide24.xml><?xml version="1.0" encoding="utf-8"?>
 <p:sld xmlns:a="http://schemas.openxmlformats.org/drawingml/2006/main" xmlns:r="http://schemas.openxmlformats.org/officeDocument/2006/relationships" xmlns:p="http://schemas.openxmlformats.org/presentationml/2006/main">
   <p:cSld>
     <p:spTree>
@@ -17269,7 +18513,7 @@
             </a:r>
             <a:r>
               <a:rPr lang="en-US" altLang="ko-KR" dirty="0"/>
-              <a:t>2</a:t>
+              <a:t>3</a:t>
             </a:r>
           </a:p>
           <a:p>
@@ -17392,7 +18636,7 @@
         <p:spPr>
           <a:xfrm>
             <a:off x="1187624" y="2641476"/>
-            <a:ext cx="6840760" cy="1569660"/>
+            <a:ext cx="6840760" cy="1815882"/>
           </a:xfrm>
           <a:prstGeom prst="rect">
             <a:avLst/>
@@ -17412,7 +18656,19 @@
                 <a:effectLst/>
                 <a:latin typeface="ubuntu mono derivative powerline" panose="020B0509030602030204" pitchFamily="49" charset="0"/>
               </a:rPr>
-              <a:t># </a:t>
+              <a:t># solution2</a:t>
+            </a:r>
+          </a:p>
+          <a:p>
+            <a:r>
+              <a:rPr lang="en-US" altLang="ko-KR" sz="1600" b="0" dirty="0">
+                <a:solidFill>
+                  <a:srgbClr val="00B050"/>
+                </a:solidFill>
+                <a:effectLst/>
+                <a:latin typeface="ubuntu mono derivative powerline" panose="020B0509030602030204" pitchFamily="49" charset="0"/>
+              </a:rPr>
+              <a:t>## </a:t>
             </a:r>
             <a:r>
               <a:rPr lang="ko-KR" altLang="en-US" sz="1600" b="0" dirty="0">
@@ -17674,7 +18930,7 @@
         </p:nvSpPr>
         <p:spPr>
           <a:xfrm>
-            <a:off x="6228184" y="3721597"/>
+            <a:off x="6228184" y="3981783"/>
             <a:ext cx="2520280" cy="461665"/>
           </a:xfrm>
           <a:prstGeom prst="rect">
@@ -17762,7 +19018,7 @@
         </p:nvSpPr>
         <p:spPr>
           <a:xfrm>
-            <a:off x="5470220" y="3387081"/>
+            <a:off x="5470220" y="3647267"/>
             <a:ext cx="2376264" cy="288032"/>
           </a:xfrm>
           <a:prstGeom prst="rect">

--- a/2022-09-20/documents/CH_03_파이썬 기초_실습2.pptx
+++ b/2022-09-20/documents/CH_03_파이썬 기초_실습2.pptx
@@ -248,7 +248,7 @@
           <a:p>
             <a:fld id="{44C269C3-C25E-41E8-815A-55A10694EC72}" type="datetimeFigureOut">
               <a:rPr lang="ko-KR" altLang="en-US" smtClean="0"/>
-              <a:t>2022-09-19</a:t>
+              <a:t>2022-10-11</a:t>
             </a:fld>
             <a:endParaRPr lang="ko-KR" altLang="en-US"/>
           </a:p>
@@ -413,7 +413,7 @@
           <a:p>
             <a:fld id="{ADE0290A-1521-4E2C-B981-7952210E2E19}" type="datetimeFigureOut">
               <a:rPr lang="ko-KR" altLang="en-US" smtClean="0"/>
-              <a:t>2022-09-19</a:t>
+              <a:t>2022-10-11</a:t>
             </a:fld>
             <a:endParaRPr lang="ko-KR" altLang="en-US"/>
           </a:p>
@@ -1070,7 +1070,7 @@
             <a:fld id="{23A271A1-F6D6-438B-A432-4747EE7ECD40}" type="datetimeFigureOut">
               <a:rPr lang="en-US" smtClean="0"/>
               <a:pPr algn="ctr" eaLnBrk="1" latinLnBrk="0" hangingPunct="1"/>
-              <a:t>9/19/2022</a:t>
+              <a:t>10/11/2022</a:t>
             </a:fld>
             <a:endParaRPr lang="en-US" sz="1667" dirty="0">
               <a:solidFill>
@@ -1275,7 +1275,7 @@
             <a:fld id="{23A271A1-F6D6-438B-A432-4747EE7ECD40}" type="datetimeFigureOut">
               <a:rPr lang="en-US" smtClean="0"/>
               <a:pPr/>
-              <a:t>9/19/2022</a:t>
+              <a:t>10/11/2022</a:t>
             </a:fld>
             <a:endParaRPr lang="en-US" dirty="0"/>
           </a:p>
@@ -1477,7 +1477,7 @@
             <a:fld id="{23A271A1-F6D6-438B-A432-4747EE7ECD40}" type="datetimeFigureOut">
               <a:rPr lang="en-US" smtClean="0"/>
               <a:pPr/>
-              <a:t>9/19/2022</a:t>
+              <a:t>10/11/2022</a:t>
             </a:fld>
             <a:endParaRPr lang="en-US" dirty="0"/>
           </a:p>
@@ -1737,7 +1737,7 @@
             <a:fld id="{23A271A1-F6D6-438B-A432-4747EE7ECD40}" type="datetimeFigureOut">
               <a:rPr lang="en-US" smtClean="0"/>
               <a:pPr/>
-              <a:t>9/19/2022</a:t>
+              <a:t>10/11/2022</a:t>
             </a:fld>
             <a:endParaRPr lang="en-US" dirty="0"/>
           </a:p>
@@ -1926,7 +1926,7 @@
             <a:fld id="{23A271A1-F6D6-438B-A432-4747EE7ECD40}" type="datetimeFigureOut">
               <a:rPr lang="en-US" smtClean="0"/>
               <a:pPr/>
-              <a:t>9/19/2022</a:t>
+              <a:t>10/11/2022</a:t>
             </a:fld>
             <a:endParaRPr lang="en-US" dirty="0"/>
           </a:p>
@@ -2060,7 +2060,7 @@
             <a:fld id="{23A271A1-F6D6-438B-A432-4747EE7ECD40}" type="datetimeFigureOut">
               <a:rPr lang="en-US" smtClean="0"/>
               <a:pPr/>
-              <a:t>9/19/2022</a:t>
+              <a:t>10/11/2022</a:t>
             </a:fld>
             <a:endParaRPr lang="en-US" dirty="0"/>
           </a:p>
@@ -2251,7 +2251,7 @@
             <a:fld id="{23A271A1-F6D6-438B-A432-4747EE7ECD40}" type="datetimeFigureOut">
               <a:rPr lang="en-US" smtClean="0"/>
               <a:pPr/>
-              <a:t>9/19/2022</a:t>
+              <a:t>10/11/2022</a:t>
             </a:fld>
             <a:endParaRPr lang="en-US" dirty="0"/>
           </a:p>
@@ -2439,7 +2439,7 @@
             <a:fld id="{23A271A1-F6D6-438B-A432-4747EE7ECD40}" type="datetimeFigureOut">
               <a:rPr lang="en-US" smtClean="0"/>
               <a:pPr/>
-              <a:t>9/19/2022</a:t>
+              <a:t>10/11/2022</a:t>
             </a:fld>
             <a:endParaRPr lang="en-US" dirty="0"/>
           </a:p>
@@ -2636,7 +2636,7 @@
             <a:fld id="{23A271A1-F6D6-438B-A432-4747EE7ECD40}" type="datetimeFigureOut">
               <a:rPr lang="en-US" smtClean="0"/>
               <a:pPr/>
-              <a:t>9/19/2022</a:t>
+              <a:t>10/11/2022</a:t>
             </a:fld>
             <a:endParaRPr lang="en-US" dirty="0"/>
           </a:p>
@@ -2954,7 +2954,7 @@
             <a:fld id="{23A271A1-F6D6-438B-A432-4747EE7ECD40}" type="datetimeFigureOut">
               <a:rPr lang="en-US" smtClean="0"/>
               <a:pPr eaLnBrk="1" latinLnBrk="0" hangingPunct="1"/>
-              <a:t>9/19/2022</a:t>
+              <a:t>10/11/2022</a:t>
             </a:fld>
             <a:endParaRPr lang="en-US"/>
           </a:p>
@@ -3239,7 +3239,7 @@
             <a:fld id="{23A271A1-F6D6-438B-A432-4747EE7ECD40}" type="datetimeFigureOut">
               <a:rPr lang="en-US" smtClean="0"/>
               <a:pPr/>
-              <a:t>9/19/2022</a:t>
+              <a:t>10/11/2022</a:t>
             </a:fld>
             <a:endParaRPr lang="en-US" dirty="0"/>
           </a:p>
@@ -3363,7 +3363,7 @@
             <a:fld id="{23A271A1-F6D6-438B-A432-4747EE7ECD40}" type="datetimeFigureOut">
               <a:rPr lang="en-US" smtClean="0"/>
               <a:pPr eaLnBrk="1" latinLnBrk="0" hangingPunct="1"/>
-              <a:t>9/19/2022</a:t>
+              <a:t>10/11/2022</a:t>
             </a:fld>
             <a:endParaRPr lang="en-US"/>
           </a:p>
@@ -3750,7 +3750,7 @@
             <a:fld id="{23A271A1-F6D6-438B-A432-4747EE7ECD40}" type="datetimeFigureOut">
               <a:rPr lang="en-US" smtClean="0"/>
               <a:pPr eaLnBrk="1" latinLnBrk="0" hangingPunct="1"/>
-              <a:t>9/19/2022</a:t>
+              <a:t>10/11/2022</a:t>
             </a:fld>
             <a:endParaRPr lang="en-US"/>
           </a:p>
@@ -4100,7 +4100,7 @@
             <a:fld id="{23A271A1-F6D6-438B-A432-4747EE7ECD40}" type="datetimeFigureOut">
               <a:rPr lang="en-US" smtClean="0"/>
               <a:pPr eaLnBrk="1" latinLnBrk="0" hangingPunct="1"/>
-              <a:t>9/19/2022</a:t>
+              <a:t>10/11/2022</a:t>
             </a:fld>
             <a:endParaRPr lang="en-US"/>
           </a:p>
@@ -4410,7 +4410,7 @@
             <a:fld id="{23A271A1-F6D6-438B-A432-4747EE7ECD40}" type="datetimeFigureOut">
               <a:rPr lang="en-US" smtClean="0"/>
               <a:pPr/>
-              <a:t>9/19/2022</a:t>
+              <a:t>10/11/2022</a:t>
             </a:fld>
             <a:endParaRPr lang="en-US" dirty="0"/>
           </a:p>
@@ -4858,7 +4858,7 @@
             <a:fld id="{23A271A1-F6D6-438B-A432-4747EE7ECD40}" type="datetimeFigureOut">
               <a:rPr lang="en-US" smtClean="0"/>
               <a:pPr/>
-              <a:t>9/19/2022</a:t>
+              <a:t>10/11/2022</a:t>
             </a:fld>
             <a:endParaRPr lang="en-US" dirty="0"/>
           </a:p>
@@ -5004,7 +5004,7 @@
             <a:fld id="{23A271A1-F6D6-438B-A432-4747EE7ECD40}" type="datetimeFigureOut">
               <a:rPr lang="en-US" smtClean="0"/>
               <a:pPr/>
-              <a:t>9/19/2022</a:t>
+              <a:t>10/11/2022</a:t>
             </a:fld>
             <a:endParaRPr lang="en-US" dirty="0"/>
           </a:p>
@@ -5170,7 +5170,7 @@
             <a:fld id="{23A271A1-F6D6-438B-A432-4747EE7ECD40}" type="datetimeFigureOut">
               <a:rPr lang="en-US" smtClean="0"/>
               <a:pPr eaLnBrk="1" latinLnBrk="0" hangingPunct="1"/>
-              <a:t>9/19/2022</a:t>
+              <a:t>10/11/2022</a:t>
             </a:fld>
             <a:endParaRPr lang="en-US"/>
           </a:p>
@@ -5509,7 +5509,7 @@
             <a:fld id="{23A271A1-F6D6-438B-A432-4747EE7ECD40}" type="datetimeFigureOut">
               <a:rPr lang="en-US" smtClean="0"/>
               <a:pPr/>
-              <a:t>9/19/2022</a:t>
+              <a:t>10/11/2022</a:t>
             </a:fld>
             <a:endParaRPr lang="en-US" dirty="0"/>
           </a:p>
@@ -5788,7 +5788,7 @@
             <a:fld id="{23A271A1-F6D6-438B-A432-4747EE7ECD40}" type="datetimeFigureOut">
               <a:rPr lang="en-US" smtClean="0"/>
               <a:pPr/>
-              <a:t>9/19/2022</a:t>
+              <a:t>10/11/2022</a:t>
             </a:fld>
             <a:endParaRPr lang="en-US" dirty="0"/>
           </a:p>
@@ -6197,7 +6197,7 @@
             <a:fld id="{23A271A1-F6D6-438B-A432-4747EE7ECD40}" type="datetimeFigureOut">
               <a:rPr lang="en-US" smtClean="0"/>
               <a:pPr/>
-              <a:t>9/19/2022</a:t>
+              <a:t>10/11/2022</a:t>
             </a:fld>
             <a:endParaRPr lang="en-US" dirty="0"/>
           </a:p>
